--- a/Aufgaben.pptx
+++ b/Aufgaben.pptx
@@ -5,7 +5,7 @@
     <p:sldMasterId id="2147483738" r:id="rId1"/>
   </p:sldMasterIdLst>
   <p:notesMasterIdLst>
-    <p:notesMasterId r:id="rId15"/>
+    <p:notesMasterId r:id="rId17"/>
   </p:notesMasterIdLst>
   <p:sldIdLst>
     <p:sldId id="256" r:id="rId2"/>
@@ -15,12 +15,14 @@
     <p:sldId id="258" r:id="rId6"/>
     <p:sldId id="259" r:id="rId7"/>
     <p:sldId id="269" r:id="rId8"/>
-    <p:sldId id="260" r:id="rId9"/>
-    <p:sldId id="261" r:id="rId10"/>
-    <p:sldId id="262" r:id="rId11"/>
-    <p:sldId id="264" r:id="rId12"/>
-    <p:sldId id="265" r:id="rId13"/>
-    <p:sldId id="266" r:id="rId14"/>
+    <p:sldId id="270" r:id="rId9"/>
+    <p:sldId id="260" r:id="rId10"/>
+    <p:sldId id="271" r:id="rId11"/>
+    <p:sldId id="261" r:id="rId12"/>
+    <p:sldId id="262" r:id="rId13"/>
+    <p:sldId id="264" r:id="rId14"/>
+    <p:sldId id="265" r:id="rId15"/>
+    <p:sldId id="266" r:id="rId16"/>
   </p:sldIdLst>
   <p:sldSz cx="12192000" cy="6858000"/>
   <p:notesSz cx="6858000" cy="9144000"/>
@@ -119,7 +121,24 @@
       </a:defRPr>
     </a:lvl9pPr>
   </p:defaultTextStyle>
+  <p:extLst>
+    <p:ext uri="{EFAFB233-063F-42B5-8137-9DF3F51BA10A}">
+      <p15:sldGuideLst xmlns:p15="http://schemas.microsoft.com/office/powerpoint/2012/main"/>
+    </p:ext>
+  </p:extLst>
 </p:presentation>
+</file>
+
+<file path=ppt/commentAuthors.xml><?xml version="1.0" encoding="utf-8"?>
+<p:cmAuthorLst xmlns:a="http://schemas.openxmlformats.org/drawingml/2006/main" xmlns:r="http://schemas.openxmlformats.org/officeDocument/2006/relationships" xmlns:p="http://schemas.openxmlformats.org/presentationml/2006/main">
+  <p:cmAuthor id="1" name="Michael Adler" initials="MA" lastIdx="1" clrIdx="0">
+    <p:extLst>
+      <p:ext uri="{19B8F6BF-5375-455C-9EA6-DF929625EA0E}">
+        <p15:presenceInfo xmlns:p15="http://schemas.microsoft.com/office/powerpoint/2012/main" userId="c654e1f506a5b814" providerId="Windows Live"/>
+      </p:ext>
+    </p:extLst>
+  </p:cmAuthor>
+</p:cmAuthorLst>
 </file>
 
 <file path=ppt/diagrams/colors1.xml><?xml version="1.0" encoding="utf-8"?>
@@ -870,6 +889,1500 @@
 </file>
 
 <file path=ppt/diagrams/colors2.xml><?xml version="1.0" encoding="utf-8"?>
+<dgm:colorsDef xmlns:dgm="http://schemas.openxmlformats.org/drawingml/2006/diagram" xmlns:a="http://schemas.openxmlformats.org/drawingml/2006/main" uniqueId="urn:microsoft.com/office/officeart/2005/8/colors/accent1_2">
+  <dgm:title val=""/>
+  <dgm:desc val=""/>
+  <dgm:catLst>
+    <dgm:cat type="accent1" pri="11200"/>
+  </dgm:catLst>
+  <dgm:styleLbl name="node0">
+    <dgm:fillClrLst meth="repeat">
+      <a:schemeClr val="accent1"/>
+    </dgm:fillClrLst>
+    <dgm:linClrLst meth="repeat">
+      <a:schemeClr val="lt1"/>
+    </dgm:linClrLst>
+    <dgm:effectClrLst/>
+    <dgm:txLinClrLst/>
+    <dgm:txFillClrLst/>
+    <dgm:txEffectClrLst/>
+  </dgm:styleLbl>
+  <dgm:styleLbl name="alignNode1">
+    <dgm:fillClrLst meth="repeat">
+      <a:schemeClr val="accent1"/>
+    </dgm:fillClrLst>
+    <dgm:linClrLst meth="repeat">
+      <a:schemeClr val="accent1"/>
+    </dgm:linClrLst>
+    <dgm:effectClrLst/>
+    <dgm:txLinClrLst/>
+    <dgm:txFillClrLst/>
+    <dgm:txEffectClrLst/>
+  </dgm:styleLbl>
+  <dgm:styleLbl name="node1">
+    <dgm:fillClrLst meth="repeat">
+      <a:schemeClr val="accent1"/>
+    </dgm:fillClrLst>
+    <dgm:linClrLst meth="repeat">
+      <a:schemeClr val="lt1"/>
+    </dgm:linClrLst>
+    <dgm:effectClrLst/>
+    <dgm:txLinClrLst/>
+    <dgm:txFillClrLst/>
+    <dgm:txEffectClrLst/>
+  </dgm:styleLbl>
+  <dgm:styleLbl name="lnNode1">
+    <dgm:fillClrLst meth="repeat">
+      <a:schemeClr val="accent1"/>
+    </dgm:fillClrLst>
+    <dgm:linClrLst meth="repeat">
+      <a:schemeClr val="lt1"/>
+    </dgm:linClrLst>
+    <dgm:effectClrLst/>
+    <dgm:txLinClrLst/>
+    <dgm:txFillClrLst/>
+    <dgm:txEffectClrLst/>
+  </dgm:styleLbl>
+  <dgm:styleLbl name="vennNode1">
+    <dgm:fillClrLst meth="repeat">
+      <a:schemeClr val="accent1">
+        <a:alpha val="50000"/>
+      </a:schemeClr>
+    </dgm:fillClrLst>
+    <dgm:linClrLst meth="repeat">
+      <a:schemeClr val="lt1"/>
+    </dgm:linClrLst>
+    <dgm:effectClrLst/>
+    <dgm:txLinClrLst/>
+    <dgm:txFillClrLst/>
+    <dgm:txEffectClrLst/>
+  </dgm:styleLbl>
+  <dgm:styleLbl name="node2">
+    <dgm:fillClrLst meth="repeat">
+      <a:schemeClr val="accent1"/>
+    </dgm:fillClrLst>
+    <dgm:linClrLst meth="repeat">
+      <a:schemeClr val="lt1"/>
+    </dgm:linClrLst>
+    <dgm:effectClrLst/>
+    <dgm:txLinClrLst/>
+    <dgm:txFillClrLst/>
+    <dgm:txEffectClrLst/>
+  </dgm:styleLbl>
+  <dgm:styleLbl name="node3">
+    <dgm:fillClrLst meth="repeat">
+      <a:schemeClr val="accent1"/>
+    </dgm:fillClrLst>
+    <dgm:linClrLst meth="repeat">
+      <a:schemeClr val="lt1"/>
+    </dgm:linClrLst>
+    <dgm:effectClrLst/>
+    <dgm:txLinClrLst/>
+    <dgm:txFillClrLst/>
+    <dgm:txEffectClrLst/>
+  </dgm:styleLbl>
+  <dgm:styleLbl name="node4">
+    <dgm:fillClrLst meth="repeat">
+      <a:schemeClr val="accent1"/>
+    </dgm:fillClrLst>
+    <dgm:linClrLst meth="repeat">
+      <a:schemeClr val="lt1"/>
+    </dgm:linClrLst>
+    <dgm:effectClrLst/>
+    <dgm:txLinClrLst/>
+    <dgm:txFillClrLst/>
+    <dgm:txEffectClrLst/>
+  </dgm:styleLbl>
+  <dgm:styleLbl name="fgImgPlace1">
+    <dgm:fillClrLst meth="repeat">
+      <a:schemeClr val="accent1">
+        <a:tint val="50000"/>
+      </a:schemeClr>
+    </dgm:fillClrLst>
+    <dgm:linClrLst meth="repeat">
+      <a:schemeClr val="lt1"/>
+    </dgm:linClrLst>
+    <dgm:effectClrLst/>
+    <dgm:txLinClrLst/>
+    <dgm:txFillClrLst meth="repeat">
+      <a:schemeClr val="lt1"/>
+    </dgm:txFillClrLst>
+    <dgm:txEffectClrLst/>
+  </dgm:styleLbl>
+  <dgm:styleLbl name="alignImgPlace1">
+    <dgm:fillClrLst meth="repeat">
+      <a:schemeClr val="accent1">
+        <a:tint val="50000"/>
+      </a:schemeClr>
+    </dgm:fillClrLst>
+    <dgm:linClrLst meth="repeat">
+      <a:schemeClr val="lt1"/>
+    </dgm:linClrLst>
+    <dgm:effectClrLst/>
+    <dgm:txLinClrLst/>
+    <dgm:txFillClrLst meth="repeat">
+      <a:schemeClr val="lt1"/>
+    </dgm:txFillClrLst>
+    <dgm:txEffectClrLst/>
+  </dgm:styleLbl>
+  <dgm:styleLbl name="bgImgPlace1">
+    <dgm:fillClrLst meth="repeat">
+      <a:schemeClr val="accent1">
+        <a:tint val="50000"/>
+      </a:schemeClr>
+    </dgm:fillClrLst>
+    <dgm:linClrLst meth="repeat">
+      <a:schemeClr val="lt1"/>
+    </dgm:linClrLst>
+    <dgm:effectClrLst/>
+    <dgm:txLinClrLst/>
+    <dgm:txFillClrLst meth="repeat">
+      <a:schemeClr val="lt1"/>
+    </dgm:txFillClrLst>
+    <dgm:txEffectClrLst/>
+  </dgm:styleLbl>
+  <dgm:styleLbl name="sibTrans2D1">
+    <dgm:fillClrLst meth="repeat">
+      <a:schemeClr val="accent1">
+        <a:tint val="60000"/>
+      </a:schemeClr>
+    </dgm:fillClrLst>
+    <dgm:linClrLst meth="repeat">
+      <a:schemeClr val="accent1">
+        <a:tint val="60000"/>
+      </a:schemeClr>
+    </dgm:linClrLst>
+    <dgm:effectClrLst/>
+    <dgm:txLinClrLst/>
+    <dgm:txFillClrLst/>
+    <dgm:txEffectClrLst/>
+  </dgm:styleLbl>
+  <dgm:styleLbl name="fgSibTrans2D1">
+    <dgm:fillClrLst meth="repeat">
+      <a:schemeClr val="accent1">
+        <a:tint val="60000"/>
+      </a:schemeClr>
+    </dgm:fillClrLst>
+    <dgm:linClrLst meth="repeat">
+      <a:schemeClr val="accent1">
+        <a:tint val="60000"/>
+      </a:schemeClr>
+    </dgm:linClrLst>
+    <dgm:effectClrLst/>
+    <dgm:txLinClrLst/>
+    <dgm:txFillClrLst/>
+    <dgm:txEffectClrLst/>
+  </dgm:styleLbl>
+  <dgm:styleLbl name="bgSibTrans2D1">
+    <dgm:fillClrLst meth="repeat">
+      <a:schemeClr val="accent1">
+        <a:tint val="60000"/>
+      </a:schemeClr>
+    </dgm:fillClrLst>
+    <dgm:linClrLst meth="repeat">
+      <a:schemeClr val="accent1">
+        <a:tint val="60000"/>
+      </a:schemeClr>
+    </dgm:linClrLst>
+    <dgm:effectClrLst/>
+    <dgm:txLinClrLst/>
+    <dgm:txFillClrLst/>
+    <dgm:txEffectClrLst/>
+  </dgm:styleLbl>
+  <dgm:styleLbl name="sibTrans1D1">
+    <dgm:fillClrLst meth="repeat">
+      <a:schemeClr val="accent1"/>
+    </dgm:fillClrLst>
+    <dgm:linClrLst meth="repeat">
+      <a:schemeClr val="accent1"/>
+    </dgm:linClrLst>
+    <dgm:effectClrLst/>
+    <dgm:txLinClrLst/>
+    <dgm:txFillClrLst meth="repeat">
+      <a:schemeClr val="tx1"/>
+    </dgm:txFillClrLst>
+    <dgm:txEffectClrLst/>
+  </dgm:styleLbl>
+  <dgm:styleLbl name="callout">
+    <dgm:fillClrLst meth="repeat">
+      <a:schemeClr val="accent1"/>
+    </dgm:fillClrLst>
+    <dgm:linClrLst meth="repeat">
+      <a:schemeClr val="accent1">
+        <a:tint val="50000"/>
+      </a:schemeClr>
+    </dgm:linClrLst>
+    <dgm:effectClrLst/>
+    <dgm:txLinClrLst/>
+    <dgm:txFillClrLst meth="repeat">
+      <a:schemeClr val="tx1"/>
+    </dgm:txFillClrLst>
+    <dgm:txEffectClrLst/>
+  </dgm:styleLbl>
+  <dgm:styleLbl name="asst0">
+    <dgm:fillClrLst meth="repeat">
+      <a:schemeClr val="accent1"/>
+    </dgm:fillClrLst>
+    <dgm:linClrLst meth="repeat">
+      <a:schemeClr val="lt1"/>
+    </dgm:linClrLst>
+    <dgm:effectClrLst/>
+    <dgm:txLinClrLst/>
+    <dgm:txFillClrLst/>
+    <dgm:txEffectClrLst/>
+  </dgm:styleLbl>
+  <dgm:styleLbl name="asst1">
+    <dgm:fillClrLst meth="repeat">
+      <a:schemeClr val="accent1"/>
+    </dgm:fillClrLst>
+    <dgm:linClrLst meth="repeat">
+      <a:schemeClr val="lt1"/>
+    </dgm:linClrLst>
+    <dgm:effectClrLst/>
+    <dgm:txLinClrLst/>
+    <dgm:txFillClrLst/>
+    <dgm:txEffectClrLst/>
+  </dgm:styleLbl>
+  <dgm:styleLbl name="asst2">
+    <dgm:fillClrLst meth="repeat">
+      <a:schemeClr val="accent1"/>
+    </dgm:fillClrLst>
+    <dgm:linClrLst meth="repeat">
+      <a:schemeClr val="lt1"/>
+    </dgm:linClrLst>
+    <dgm:effectClrLst/>
+    <dgm:txLinClrLst/>
+    <dgm:txFillClrLst/>
+    <dgm:txEffectClrLst/>
+  </dgm:styleLbl>
+  <dgm:styleLbl name="asst3">
+    <dgm:fillClrLst meth="repeat">
+      <a:schemeClr val="accent1"/>
+    </dgm:fillClrLst>
+    <dgm:linClrLst meth="repeat">
+      <a:schemeClr val="lt1"/>
+    </dgm:linClrLst>
+    <dgm:effectClrLst/>
+    <dgm:txLinClrLst/>
+    <dgm:txFillClrLst/>
+    <dgm:txEffectClrLst/>
+  </dgm:styleLbl>
+  <dgm:styleLbl name="asst4">
+    <dgm:fillClrLst meth="repeat">
+      <a:schemeClr val="accent1"/>
+    </dgm:fillClrLst>
+    <dgm:linClrLst meth="repeat">
+      <a:schemeClr val="lt1"/>
+    </dgm:linClrLst>
+    <dgm:effectClrLst/>
+    <dgm:txLinClrLst/>
+    <dgm:txFillClrLst/>
+    <dgm:txEffectClrLst/>
+  </dgm:styleLbl>
+  <dgm:styleLbl name="parChTrans2D1">
+    <dgm:fillClrLst meth="repeat">
+      <a:schemeClr val="accent1">
+        <a:tint val="60000"/>
+      </a:schemeClr>
+    </dgm:fillClrLst>
+    <dgm:linClrLst meth="repeat">
+      <a:schemeClr val="accent1">
+        <a:tint val="60000"/>
+      </a:schemeClr>
+    </dgm:linClrLst>
+    <dgm:effectClrLst/>
+    <dgm:txLinClrLst/>
+    <dgm:txFillClrLst meth="repeat">
+      <a:schemeClr val="lt1"/>
+    </dgm:txFillClrLst>
+    <dgm:txEffectClrLst/>
+  </dgm:styleLbl>
+  <dgm:styleLbl name="parChTrans2D2">
+    <dgm:fillClrLst meth="repeat">
+      <a:schemeClr val="accent1"/>
+    </dgm:fillClrLst>
+    <dgm:linClrLst meth="repeat">
+      <a:schemeClr val="accent1"/>
+    </dgm:linClrLst>
+    <dgm:effectClrLst/>
+    <dgm:txLinClrLst/>
+    <dgm:txFillClrLst meth="repeat">
+      <a:schemeClr val="lt1"/>
+    </dgm:txFillClrLst>
+    <dgm:txEffectClrLst/>
+  </dgm:styleLbl>
+  <dgm:styleLbl name="parChTrans2D3">
+    <dgm:fillClrLst meth="repeat">
+      <a:schemeClr val="accent1"/>
+    </dgm:fillClrLst>
+    <dgm:linClrLst meth="repeat">
+      <a:schemeClr val="accent1"/>
+    </dgm:linClrLst>
+    <dgm:effectClrLst/>
+    <dgm:txLinClrLst/>
+    <dgm:txFillClrLst meth="repeat">
+      <a:schemeClr val="lt1"/>
+    </dgm:txFillClrLst>
+    <dgm:txEffectClrLst/>
+  </dgm:styleLbl>
+  <dgm:styleLbl name="parChTrans2D4">
+    <dgm:fillClrLst meth="repeat">
+      <a:schemeClr val="accent1"/>
+    </dgm:fillClrLst>
+    <dgm:linClrLst meth="repeat">
+      <a:schemeClr val="accent1"/>
+    </dgm:linClrLst>
+    <dgm:effectClrLst/>
+    <dgm:txLinClrLst/>
+    <dgm:txFillClrLst meth="repeat">
+      <a:schemeClr val="lt1"/>
+    </dgm:txFillClrLst>
+    <dgm:txEffectClrLst/>
+  </dgm:styleLbl>
+  <dgm:styleLbl name="parChTrans1D1">
+    <dgm:fillClrLst meth="repeat">
+      <a:schemeClr val="accent1"/>
+    </dgm:fillClrLst>
+    <dgm:linClrLst meth="repeat">
+      <a:schemeClr val="accent1">
+        <a:shade val="60000"/>
+      </a:schemeClr>
+    </dgm:linClrLst>
+    <dgm:effectClrLst/>
+    <dgm:txLinClrLst/>
+    <dgm:txFillClrLst meth="repeat">
+      <a:schemeClr val="tx1"/>
+    </dgm:txFillClrLst>
+    <dgm:txEffectClrLst/>
+  </dgm:styleLbl>
+  <dgm:styleLbl name="parChTrans1D2">
+    <dgm:fillClrLst meth="repeat">
+      <a:schemeClr val="accent1"/>
+    </dgm:fillClrLst>
+    <dgm:linClrLst meth="repeat">
+      <a:schemeClr val="accent1">
+        <a:shade val="60000"/>
+      </a:schemeClr>
+    </dgm:linClrLst>
+    <dgm:effectClrLst/>
+    <dgm:txLinClrLst/>
+    <dgm:txFillClrLst meth="repeat">
+      <a:schemeClr val="tx1"/>
+    </dgm:txFillClrLst>
+    <dgm:txEffectClrLst/>
+  </dgm:styleLbl>
+  <dgm:styleLbl name="parChTrans1D3">
+    <dgm:fillClrLst meth="repeat">
+      <a:schemeClr val="accent1"/>
+    </dgm:fillClrLst>
+    <dgm:linClrLst meth="repeat">
+      <a:schemeClr val="accent1">
+        <a:shade val="80000"/>
+      </a:schemeClr>
+    </dgm:linClrLst>
+    <dgm:effectClrLst/>
+    <dgm:txLinClrLst/>
+    <dgm:txFillClrLst meth="repeat">
+      <a:schemeClr val="tx1"/>
+    </dgm:txFillClrLst>
+    <dgm:txEffectClrLst/>
+  </dgm:styleLbl>
+  <dgm:styleLbl name="parChTrans1D4">
+    <dgm:fillClrLst meth="repeat">
+      <a:schemeClr val="accent1"/>
+    </dgm:fillClrLst>
+    <dgm:linClrLst meth="repeat">
+      <a:schemeClr val="accent1">
+        <a:shade val="80000"/>
+      </a:schemeClr>
+    </dgm:linClrLst>
+    <dgm:effectClrLst/>
+    <dgm:txLinClrLst/>
+    <dgm:txFillClrLst meth="repeat">
+      <a:schemeClr val="tx1"/>
+    </dgm:txFillClrLst>
+    <dgm:txEffectClrLst/>
+  </dgm:styleLbl>
+  <dgm:styleLbl name="fgAcc1">
+    <dgm:fillClrLst meth="repeat">
+      <a:schemeClr val="lt1">
+        <a:alpha val="90000"/>
+      </a:schemeClr>
+    </dgm:fillClrLst>
+    <dgm:linClrLst meth="repeat">
+      <a:schemeClr val="accent1"/>
+    </dgm:linClrLst>
+    <dgm:effectClrLst/>
+    <dgm:txLinClrLst/>
+    <dgm:txFillClrLst meth="repeat">
+      <a:schemeClr val="dk1"/>
+    </dgm:txFillClrLst>
+    <dgm:txEffectClrLst/>
+  </dgm:styleLbl>
+  <dgm:styleLbl name="conFgAcc1">
+    <dgm:fillClrLst meth="repeat">
+      <a:schemeClr val="lt1">
+        <a:alpha val="90000"/>
+      </a:schemeClr>
+    </dgm:fillClrLst>
+    <dgm:linClrLst meth="repeat">
+      <a:schemeClr val="accent1"/>
+    </dgm:linClrLst>
+    <dgm:effectClrLst/>
+    <dgm:txLinClrLst/>
+    <dgm:txFillClrLst meth="repeat">
+      <a:schemeClr val="dk1"/>
+    </dgm:txFillClrLst>
+    <dgm:txEffectClrLst/>
+  </dgm:styleLbl>
+  <dgm:styleLbl name="alignAcc1">
+    <dgm:fillClrLst meth="repeat">
+      <a:schemeClr val="lt1">
+        <a:alpha val="90000"/>
+      </a:schemeClr>
+    </dgm:fillClrLst>
+    <dgm:linClrLst meth="repeat">
+      <a:schemeClr val="accent1"/>
+    </dgm:linClrLst>
+    <dgm:effectClrLst/>
+    <dgm:txLinClrLst/>
+    <dgm:txFillClrLst meth="repeat">
+      <a:schemeClr val="dk1"/>
+    </dgm:txFillClrLst>
+    <dgm:txEffectClrLst/>
+  </dgm:styleLbl>
+  <dgm:styleLbl name="trAlignAcc1">
+    <dgm:fillClrLst meth="repeat">
+      <a:schemeClr val="lt1">
+        <a:alpha val="40000"/>
+      </a:schemeClr>
+    </dgm:fillClrLst>
+    <dgm:linClrLst meth="repeat">
+      <a:schemeClr val="accent1"/>
+    </dgm:linClrLst>
+    <dgm:effectClrLst/>
+    <dgm:txLinClrLst/>
+    <dgm:txFillClrLst meth="repeat">
+      <a:schemeClr val="dk1"/>
+    </dgm:txFillClrLst>
+    <dgm:txEffectClrLst/>
+  </dgm:styleLbl>
+  <dgm:styleLbl name="bgAcc1">
+    <dgm:fillClrLst meth="repeat">
+      <a:schemeClr val="lt1">
+        <a:alpha val="90000"/>
+      </a:schemeClr>
+    </dgm:fillClrLst>
+    <dgm:linClrLst meth="repeat">
+      <a:schemeClr val="accent1"/>
+    </dgm:linClrLst>
+    <dgm:effectClrLst/>
+    <dgm:txLinClrLst/>
+    <dgm:txFillClrLst meth="repeat">
+      <a:schemeClr val="dk1"/>
+    </dgm:txFillClrLst>
+    <dgm:txEffectClrLst/>
+  </dgm:styleLbl>
+  <dgm:styleLbl name="solidFgAcc1">
+    <dgm:fillClrLst meth="repeat">
+      <a:schemeClr val="lt1"/>
+    </dgm:fillClrLst>
+    <dgm:linClrLst meth="repeat">
+      <a:schemeClr val="accent1"/>
+    </dgm:linClrLst>
+    <dgm:effectClrLst/>
+    <dgm:txLinClrLst/>
+    <dgm:txFillClrLst meth="repeat">
+      <a:schemeClr val="dk1"/>
+    </dgm:txFillClrLst>
+    <dgm:txEffectClrLst/>
+  </dgm:styleLbl>
+  <dgm:styleLbl name="solidAlignAcc1">
+    <dgm:fillClrLst meth="repeat">
+      <a:schemeClr val="lt1"/>
+    </dgm:fillClrLst>
+    <dgm:linClrLst meth="repeat">
+      <a:schemeClr val="accent1"/>
+    </dgm:linClrLst>
+    <dgm:effectClrLst/>
+    <dgm:txLinClrLst/>
+    <dgm:txFillClrLst meth="repeat">
+      <a:schemeClr val="dk1"/>
+    </dgm:txFillClrLst>
+    <dgm:txEffectClrLst/>
+  </dgm:styleLbl>
+  <dgm:styleLbl name="solidBgAcc1">
+    <dgm:fillClrLst meth="repeat">
+      <a:schemeClr val="lt1"/>
+    </dgm:fillClrLst>
+    <dgm:linClrLst meth="repeat">
+      <a:schemeClr val="accent1"/>
+    </dgm:linClrLst>
+    <dgm:effectClrLst/>
+    <dgm:txLinClrLst/>
+    <dgm:txFillClrLst meth="repeat">
+      <a:schemeClr val="dk1"/>
+    </dgm:txFillClrLst>
+    <dgm:txEffectClrLst/>
+  </dgm:styleLbl>
+  <dgm:styleLbl name="fgAccFollowNode1">
+    <dgm:fillClrLst meth="repeat">
+      <a:schemeClr val="accent1">
+        <a:alpha val="90000"/>
+        <a:tint val="40000"/>
+      </a:schemeClr>
+    </dgm:fillClrLst>
+    <dgm:linClrLst meth="repeat">
+      <a:schemeClr val="accent1">
+        <a:alpha val="90000"/>
+        <a:tint val="40000"/>
+      </a:schemeClr>
+    </dgm:linClrLst>
+    <dgm:effectClrLst/>
+    <dgm:txLinClrLst/>
+    <dgm:txFillClrLst meth="repeat">
+      <a:schemeClr val="dk1"/>
+    </dgm:txFillClrLst>
+    <dgm:txEffectClrLst/>
+  </dgm:styleLbl>
+  <dgm:styleLbl name="alignAccFollowNode1">
+    <dgm:fillClrLst meth="repeat">
+      <a:schemeClr val="accent1">
+        <a:alpha val="90000"/>
+        <a:tint val="40000"/>
+      </a:schemeClr>
+    </dgm:fillClrLst>
+    <dgm:linClrLst meth="repeat">
+      <a:schemeClr val="accent1">
+        <a:alpha val="90000"/>
+        <a:tint val="40000"/>
+      </a:schemeClr>
+    </dgm:linClrLst>
+    <dgm:effectClrLst/>
+    <dgm:txLinClrLst/>
+    <dgm:txFillClrLst meth="repeat">
+      <a:schemeClr val="dk1"/>
+    </dgm:txFillClrLst>
+    <dgm:txEffectClrLst/>
+  </dgm:styleLbl>
+  <dgm:styleLbl name="bgAccFollowNode1">
+    <dgm:fillClrLst meth="repeat">
+      <a:schemeClr val="accent1">
+        <a:alpha val="90000"/>
+        <a:tint val="40000"/>
+      </a:schemeClr>
+    </dgm:fillClrLst>
+    <dgm:linClrLst meth="repeat">
+      <a:schemeClr val="accent1">
+        <a:alpha val="90000"/>
+        <a:tint val="40000"/>
+      </a:schemeClr>
+    </dgm:linClrLst>
+    <dgm:effectClrLst/>
+    <dgm:txLinClrLst/>
+    <dgm:txFillClrLst meth="repeat">
+      <a:schemeClr val="dk1"/>
+    </dgm:txFillClrLst>
+    <dgm:txEffectClrLst/>
+  </dgm:styleLbl>
+  <dgm:styleLbl name="fgAcc0">
+    <dgm:fillClrLst meth="repeat">
+      <a:schemeClr val="lt1">
+        <a:alpha val="90000"/>
+      </a:schemeClr>
+    </dgm:fillClrLst>
+    <dgm:linClrLst meth="repeat">
+      <a:schemeClr val="accent1"/>
+    </dgm:linClrLst>
+    <dgm:effectClrLst/>
+    <dgm:txLinClrLst/>
+    <dgm:txFillClrLst meth="repeat">
+      <a:schemeClr val="dk1"/>
+    </dgm:txFillClrLst>
+    <dgm:txEffectClrLst/>
+  </dgm:styleLbl>
+  <dgm:styleLbl name="fgAcc2">
+    <dgm:fillClrLst meth="repeat">
+      <a:schemeClr val="lt1">
+        <a:alpha val="90000"/>
+      </a:schemeClr>
+    </dgm:fillClrLst>
+    <dgm:linClrLst meth="repeat">
+      <a:schemeClr val="accent1"/>
+    </dgm:linClrLst>
+    <dgm:effectClrLst/>
+    <dgm:txLinClrLst/>
+    <dgm:txFillClrLst meth="repeat">
+      <a:schemeClr val="dk1"/>
+    </dgm:txFillClrLst>
+    <dgm:txEffectClrLst/>
+  </dgm:styleLbl>
+  <dgm:styleLbl name="fgAcc3">
+    <dgm:fillClrLst meth="repeat">
+      <a:schemeClr val="lt1">
+        <a:alpha val="90000"/>
+      </a:schemeClr>
+    </dgm:fillClrLst>
+    <dgm:linClrLst meth="repeat">
+      <a:schemeClr val="accent1"/>
+    </dgm:linClrLst>
+    <dgm:effectClrLst/>
+    <dgm:txLinClrLst/>
+    <dgm:txFillClrLst meth="repeat">
+      <a:schemeClr val="dk1"/>
+    </dgm:txFillClrLst>
+    <dgm:txEffectClrLst/>
+  </dgm:styleLbl>
+  <dgm:styleLbl name="fgAcc4">
+    <dgm:fillClrLst meth="repeat">
+      <a:schemeClr val="lt1">
+        <a:alpha val="90000"/>
+      </a:schemeClr>
+    </dgm:fillClrLst>
+    <dgm:linClrLst meth="repeat">
+      <a:schemeClr val="accent1"/>
+    </dgm:linClrLst>
+    <dgm:effectClrLst/>
+    <dgm:txLinClrLst/>
+    <dgm:txFillClrLst meth="repeat">
+      <a:schemeClr val="dk1"/>
+    </dgm:txFillClrLst>
+    <dgm:txEffectClrLst/>
+  </dgm:styleLbl>
+  <dgm:styleLbl name="bgShp">
+    <dgm:fillClrLst meth="repeat">
+      <a:schemeClr val="accent1">
+        <a:tint val="40000"/>
+      </a:schemeClr>
+    </dgm:fillClrLst>
+    <dgm:linClrLst meth="repeat">
+      <a:schemeClr val="accent1"/>
+    </dgm:linClrLst>
+    <dgm:effectClrLst/>
+    <dgm:txLinClrLst/>
+    <dgm:txFillClrLst meth="repeat">
+      <a:schemeClr val="dk1"/>
+    </dgm:txFillClrLst>
+    <dgm:txEffectClrLst/>
+  </dgm:styleLbl>
+  <dgm:styleLbl name="dkBgShp">
+    <dgm:fillClrLst meth="repeat">
+      <a:schemeClr val="accent1">
+        <a:shade val="80000"/>
+      </a:schemeClr>
+    </dgm:fillClrLst>
+    <dgm:linClrLst meth="repeat">
+      <a:schemeClr val="accent1"/>
+    </dgm:linClrLst>
+    <dgm:effectClrLst/>
+    <dgm:txLinClrLst/>
+    <dgm:txFillClrLst meth="repeat">
+      <a:schemeClr val="lt1"/>
+    </dgm:txFillClrLst>
+    <dgm:txEffectClrLst/>
+  </dgm:styleLbl>
+  <dgm:styleLbl name="trBgShp">
+    <dgm:fillClrLst meth="repeat">
+      <a:schemeClr val="accent1">
+        <a:tint val="50000"/>
+        <a:alpha val="40000"/>
+      </a:schemeClr>
+    </dgm:fillClrLst>
+    <dgm:linClrLst meth="repeat">
+      <a:schemeClr val="accent1"/>
+    </dgm:linClrLst>
+    <dgm:effectClrLst/>
+    <dgm:txLinClrLst/>
+    <dgm:txFillClrLst meth="repeat">
+      <a:schemeClr val="lt1"/>
+    </dgm:txFillClrLst>
+    <dgm:txEffectClrLst/>
+  </dgm:styleLbl>
+  <dgm:styleLbl name="fgShp">
+    <dgm:fillClrLst meth="repeat">
+      <a:schemeClr val="accent1">
+        <a:tint val="60000"/>
+      </a:schemeClr>
+    </dgm:fillClrLst>
+    <dgm:linClrLst meth="repeat">
+      <a:schemeClr val="lt1"/>
+    </dgm:linClrLst>
+    <dgm:effectClrLst/>
+    <dgm:txLinClrLst/>
+    <dgm:txFillClrLst meth="repeat">
+      <a:schemeClr val="dk1"/>
+    </dgm:txFillClrLst>
+    <dgm:txEffectClrLst/>
+  </dgm:styleLbl>
+  <dgm:styleLbl name="revTx">
+    <dgm:fillClrLst meth="repeat">
+      <a:schemeClr val="lt1">
+        <a:alpha val="0"/>
+      </a:schemeClr>
+    </dgm:fillClrLst>
+    <dgm:linClrLst meth="repeat">
+      <a:schemeClr val="dk1">
+        <a:alpha val="0"/>
+      </a:schemeClr>
+    </dgm:linClrLst>
+    <dgm:effectClrLst/>
+    <dgm:txLinClrLst/>
+    <dgm:txFillClrLst meth="repeat">
+      <a:schemeClr val="tx1"/>
+    </dgm:txFillClrLst>
+    <dgm:txEffectClrLst/>
+  </dgm:styleLbl>
+</dgm:colorsDef>
+</file>
+
+<file path=ppt/diagrams/colors3.xml><?xml version="1.0" encoding="utf-8"?>
+<dgm:colorsDef xmlns:dgm="http://schemas.openxmlformats.org/drawingml/2006/diagram" xmlns:a="http://schemas.openxmlformats.org/drawingml/2006/main" uniqueId="urn:microsoft.com/office/officeart/2005/8/colors/accent1_2">
+  <dgm:title val=""/>
+  <dgm:desc val=""/>
+  <dgm:catLst>
+    <dgm:cat type="accent1" pri="11200"/>
+  </dgm:catLst>
+  <dgm:styleLbl name="node0">
+    <dgm:fillClrLst meth="repeat">
+      <a:schemeClr val="accent1"/>
+    </dgm:fillClrLst>
+    <dgm:linClrLst meth="repeat">
+      <a:schemeClr val="lt1"/>
+    </dgm:linClrLst>
+    <dgm:effectClrLst/>
+    <dgm:txLinClrLst/>
+    <dgm:txFillClrLst/>
+    <dgm:txEffectClrLst/>
+  </dgm:styleLbl>
+  <dgm:styleLbl name="alignNode1">
+    <dgm:fillClrLst meth="repeat">
+      <a:schemeClr val="accent1"/>
+    </dgm:fillClrLst>
+    <dgm:linClrLst meth="repeat">
+      <a:schemeClr val="accent1"/>
+    </dgm:linClrLst>
+    <dgm:effectClrLst/>
+    <dgm:txLinClrLst/>
+    <dgm:txFillClrLst/>
+    <dgm:txEffectClrLst/>
+  </dgm:styleLbl>
+  <dgm:styleLbl name="node1">
+    <dgm:fillClrLst meth="repeat">
+      <a:schemeClr val="accent1"/>
+    </dgm:fillClrLst>
+    <dgm:linClrLst meth="repeat">
+      <a:schemeClr val="lt1"/>
+    </dgm:linClrLst>
+    <dgm:effectClrLst/>
+    <dgm:txLinClrLst/>
+    <dgm:txFillClrLst/>
+    <dgm:txEffectClrLst/>
+  </dgm:styleLbl>
+  <dgm:styleLbl name="lnNode1">
+    <dgm:fillClrLst meth="repeat">
+      <a:schemeClr val="accent1"/>
+    </dgm:fillClrLst>
+    <dgm:linClrLst meth="repeat">
+      <a:schemeClr val="lt1"/>
+    </dgm:linClrLst>
+    <dgm:effectClrLst/>
+    <dgm:txLinClrLst/>
+    <dgm:txFillClrLst/>
+    <dgm:txEffectClrLst/>
+  </dgm:styleLbl>
+  <dgm:styleLbl name="vennNode1">
+    <dgm:fillClrLst meth="repeat">
+      <a:schemeClr val="accent1">
+        <a:alpha val="50000"/>
+      </a:schemeClr>
+    </dgm:fillClrLst>
+    <dgm:linClrLst meth="repeat">
+      <a:schemeClr val="lt1"/>
+    </dgm:linClrLst>
+    <dgm:effectClrLst/>
+    <dgm:txLinClrLst/>
+    <dgm:txFillClrLst/>
+    <dgm:txEffectClrLst/>
+  </dgm:styleLbl>
+  <dgm:styleLbl name="node2">
+    <dgm:fillClrLst meth="repeat">
+      <a:schemeClr val="accent1"/>
+    </dgm:fillClrLst>
+    <dgm:linClrLst meth="repeat">
+      <a:schemeClr val="lt1"/>
+    </dgm:linClrLst>
+    <dgm:effectClrLst/>
+    <dgm:txLinClrLst/>
+    <dgm:txFillClrLst/>
+    <dgm:txEffectClrLst/>
+  </dgm:styleLbl>
+  <dgm:styleLbl name="node3">
+    <dgm:fillClrLst meth="repeat">
+      <a:schemeClr val="accent1"/>
+    </dgm:fillClrLst>
+    <dgm:linClrLst meth="repeat">
+      <a:schemeClr val="lt1"/>
+    </dgm:linClrLst>
+    <dgm:effectClrLst/>
+    <dgm:txLinClrLst/>
+    <dgm:txFillClrLst/>
+    <dgm:txEffectClrLst/>
+  </dgm:styleLbl>
+  <dgm:styleLbl name="node4">
+    <dgm:fillClrLst meth="repeat">
+      <a:schemeClr val="accent1"/>
+    </dgm:fillClrLst>
+    <dgm:linClrLst meth="repeat">
+      <a:schemeClr val="lt1"/>
+    </dgm:linClrLst>
+    <dgm:effectClrLst/>
+    <dgm:txLinClrLst/>
+    <dgm:txFillClrLst/>
+    <dgm:txEffectClrLst/>
+  </dgm:styleLbl>
+  <dgm:styleLbl name="fgImgPlace1">
+    <dgm:fillClrLst meth="repeat">
+      <a:schemeClr val="accent1">
+        <a:tint val="50000"/>
+      </a:schemeClr>
+    </dgm:fillClrLst>
+    <dgm:linClrLst meth="repeat">
+      <a:schemeClr val="lt1"/>
+    </dgm:linClrLst>
+    <dgm:effectClrLst/>
+    <dgm:txLinClrLst/>
+    <dgm:txFillClrLst meth="repeat">
+      <a:schemeClr val="lt1"/>
+    </dgm:txFillClrLst>
+    <dgm:txEffectClrLst/>
+  </dgm:styleLbl>
+  <dgm:styleLbl name="alignImgPlace1">
+    <dgm:fillClrLst meth="repeat">
+      <a:schemeClr val="accent1">
+        <a:tint val="50000"/>
+      </a:schemeClr>
+    </dgm:fillClrLst>
+    <dgm:linClrLst meth="repeat">
+      <a:schemeClr val="lt1"/>
+    </dgm:linClrLst>
+    <dgm:effectClrLst/>
+    <dgm:txLinClrLst/>
+    <dgm:txFillClrLst meth="repeat">
+      <a:schemeClr val="lt1"/>
+    </dgm:txFillClrLst>
+    <dgm:txEffectClrLst/>
+  </dgm:styleLbl>
+  <dgm:styleLbl name="bgImgPlace1">
+    <dgm:fillClrLst meth="repeat">
+      <a:schemeClr val="accent1">
+        <a:tint val="50000"/>
+      </a:schemeClr>
+    </dgm:fillClrLst>
+    <dgm:linClrLst meth="repeat">
+      <a:schemeClr val="lt1"/>
+    </dgm:linClrLst>
+    <dgm:effectClrLst/>
+    <dgm:txLinClrLst/>
+    <dgm:txFillClrLst meth="repeat">
+      <a:schemeClr val="lt1"/>
+    </dgm:txFillClrLst>
+    <dgm:txEffectClrLst/>
+  </dgm:styleLbl>
+  <dgm:styleLbl name="sibTrans2D1">
+    <dgm:fillClrLst meth="repeat">
+      <a:schemeClr val="accent1">
+        <a:tint val="60000"/>
+      </a:schemeClr>
+    </dgm:fillClrLst>
+    <dgm:linClrLst meth="repeat">
+      <a:schemeClr val="accent1">
+        <a:tint val="60000"/>
+      </a:schemeClr>
+    </dgm:linClrLst>
+    <dgm:effectClrLst/>
+    <dgm:txLinClrLst/>
+    <dgm:txFillClrLst/>
+    <dgm:txEffectClrLst/>
+  </dgm:styleLbl>
+  <dgm:styleLbl name="fgSibTrans2D1">
+    <dgm:fillClrLst meth="repeat">
+      <a:schemeClr val="accent1">
+        <a:tint val="60000"/>
+      </a:schemeClr>
+    </dgm:fillClrLst>
+    <dgm:linClrLst meth="repeat">
+      <a:schemeClr val="accent1">
+        <a:tint val="60000"/>
+      </a:schemeClr>
+    </dgm:linClrLst>
+    <dgm:effectClrLst/>
+    <dgm:txLinClrLst/>
+    <dgm:txFillClrLst/>
+    <dgm:txEffectClrLst/>
+  </dgm:styleLbl>
+  <dgm:styleLbl name="bgSibTrans2D1">
+    <dgm:fillClrLst meth="repeat">
+      <a:schemeClr val="accent1">
+        <a:tint val="60000"/>
+      </a:schemeClr>
+    </dgm:fillClrLst>
+    <dgm:linClrLst meth="repeat">
+      <a:schemeClr val="accent1">
+        <a:tint val="60000"/>
+      </a:schemeClr>
+    </dgm:linClrLst>
+    <dgm:effectClrLst/>
+    <dgm:txLinClrLst/>
+    <dgm:txFillClrLst/>
+    <dgm:txEffectClrLst/>
+  </dgm:styleLbl>
+  <dgm:styleLbl name="sibTrans1D1">
+    <dgm:fillClrLst meth="repeat">
+      <a:schemeClr val="accent1"/>
+    </dgm:fillClrLst>
+    <dgm:linClrLst meth="repeat">
+      <a:schemeClr val="accent1"/>
+    </dgm:linClrLst>
+    <dgm:effectClrLst/>
+    <dgm:txLinClrLst/>
+    <dgm:txFillClrLst meth="repeat">
+      <a:schemeClr val="tx1"/>
+    </dgm:txFillClrLst>
+    <dgm:txEffectClrLst/>
+  </dgm:styleLbl>
+  <dgm:styleLbl name="callout">
+    <dgm:fillClrLst meth="repeat">
+      <a:schemeClr val="accent1"/>
+    </dgm:fillClrLst>
+    <dgm:linClrLst meth="repeat">
+      <a:schemeClr val="accent1">
+        <a:tint val="50000"/>
+      </a:schemeClr>
+    </dgm:linClrLst>
+    <dgm:effectClrLst/>
+    <dgm:txLinClrLst/>
+    <dgm:txFillClrLst meth="repeat">
+      <a:schemeClr val="tx1"/>
+    </dgm:txFillClrLst>
+    <dgm:txEffectClrLst/>
+  </dgm:styleLbl>
+  <dgm:styleLbl name="asst0">
+    <dgm:fillClrLst meth="repeat">
+      <a:schemeClr val="accent1"/>
+    </dgm:fillClrLst>
+    <dgm:linClrLst meth="repeat">
+      <a:schemeClr val="lt1"/>
+    </dgm:linClrLst>
+    <dgm:effectClrLst/>
+    <dgm:txLinClrLst/>
+    <dgm:txFillClrLst/>
+    <dgm:txEffectClrLst/>
+  </dgm:styleLbl>
+  <dgm:styleLbl name="asst1">
+    <dgm:fillClrLst meth="repeat">
+      <a:schemeClr val="accent1"/>
+    </dgm:fillClrLst>
+    <dgm:linClrLst meth="repeat">
+      <a:schemeClr val="lt1"/>
+    </dgm:linClrLst>
+    <dgm:effectClrLst/>
+    <dgm:txLinClrLst/>
+    <dgm:txFillClrLst/>
+    <dgm:txEffectClrLst/>
+  </dgm:styleLbl>
+  <dgm:styleLbl name="asst2">
+    <dgm:fillClrLst meth="repeat">
+      <a:schemeClr val="accent1"/>
+    </dgm:fillClrLst>
+    <dgm:linClrLst meth="repeat">
+      <a:schemeClr val="lt1"/>
+    </dgm:linClrLst>
+    <dgm:effectClrLst/>
+    <dgm:txLinClrLst/>
+    <dgm:txFillClrLst/>
+    <dgm:txEffectClrLst/>
+  </dgm:styleLbl>
+  <dgm:styleLbl name="asst3">
+    <dgm:fillClrLst meth="repeat">
+      <a:schemeClr val="accent1"/>
+    </dgm:fillClrLst>
+    <dgm:linClrLst meth="repeat">
+      <a:schemeClr val="lt1"/>
+    </dgm:linClrLst>
+    <dgm:effectClrLst/>
+    <dgm:txLinClrLst/>
+    <dgm:txFillClrLst/>
+    <dgm:txEffectClrLst/>
+  </dgm:styleLbl>
+  <dgm:styleLbl name="asst4">
+    <dgm:fillClrLst meth="repeat">
+      <a:schemeClr val="accent1"/>
+    </dgm:fillClrLst>
+    <dgm:linClrLst meth="repeat">
+      <a:schemeClr val="lt1"/>
+    </dgm:linClrLst>
+    <dgm:effectClrLst/>
+    <dgm:txLinClrLst/>
+    <dgm:txFillClrLst/>
+    <dgm:txEffectClrLst/>
+  </dgm:styleLbl>
+  <dgm:styleLbl name="parChTrans2D1">
+    <dgm:fillClrLst meth="repeat">
+      <a:schemeClr val="accent1">
+        <a:tint val="60000"/>
+      </a:schemeClr>
+    </dgm:fillClrLst>
+    <dgm:linClrLst meth="repeat">
+      <a:schemeClr val="accent1">
+        <a:tint val="60000"/>
+      </a:schemeClr>
+    </dgm:linClrLst>
+    <dgm:effectClrLst/>
+    <dgm:txLinClrLst/>
+    <dgm:txFillClrLst meth="repeat">
+      <a:schemeClr val="lt1"/>
+    </dgm:txFillClrLst>
+    <dgm:txEffectClrLst/>
+  </dgm:styleLbl>
+  <dgm:styleLbl name="parChTrans2D2">
+    <dgm:fillClrLst meth="repeat">
+      <a:schemeClr val="accent1"/>
+    </dgm:fillClrLst>
+    <dgm:linClrLst meth="repeat">
+      <a:schemeClr val="accent1"/>
+    </dgm:linClrLst>
+    <dgm:effectClrLst/>
+    <dgm:txLinClrLst/>
+    <dgm:txFillClrLst meth="repeat">
+      <a:schemeClr val="lt1"/>
+    </dgm:txFillClrLst>
+    <dgm:txEffectClrLst/>
+  </dgm:styleLbl>
+  <dgm:styleLbl name="parChTrans2D3">
+    <dgm:fillClrLst meth="repeat">
+      <a:schemeClr val="accent1"/>
+    </dgm:fillClrLst>
+    <dgm:linClrLst meth="repeat">
+      <a:schemeClr val="accent1"/>
+    </dgm:linClrLst>
+    <dgm:effectClrLst/>
+    <dgm:txLinClrLst/>
+    <dgm:txFillClrLst meth="repeat">
+      <a:schemeClr val="lt1"/>
+    </dgm:txFillClrLst>
+    <dgm:txEffectClrLst/>
+  </dgm:styleLbl>
+  <dgm:styleLbl name="parChTrans2D4">
+    <dgm:fillClrLst meth="repeat">
+      <a:schemeClr val="accent1"/>
+    </dgm:fillClrLst>
+    <dgm:linClrLst meth="repeat">
+      <a:schemeClr val="accent1"/>
+    </dgm:linClrLst>
+    <dgm:effectClrLst/>
+    <dgm:txLinClrLst/>
+    <dgm:txFillClrLst meth="repeat">
+      <a:schemeClr val="lt1"/>
+    </dgm:txFillClrLst>
+    <dgm:txEffectClrLst/>
+  </dgm:styleLbl>
+  <dgm:styleLbl name="parChTrans1D1">
+    <dgm:fillClrLst meth="repeat">
+      <a:schemeClr val="accent1"/>
+    </dgm:fillClrLst>
+    <dgm:linClrLst meth="repeat">
+      <a:schemeClr val="accent1">
+        <a:shade val="60000"/>
+      </a:schemeClr>
+    </dgm:linClrLst>
+    <dgm:effectClrLst/>
+    <dgm:txLinClrLst/>
+    <dgm:txFillClrLst meth="repeat">
+      <a:schemeClr val="tx1"/>
+    </dgm:txFillClrLst>
+    <dgm:txEffectClrLst/>
+  </dgm:styleLbl>
+  <dgm:styleLbl name="parChTrans1D2">
+    <dgm:fillClrLst meth="repeat">
+      <a:schemeClr val="accent1"/>
+    </dgm:fillClrLst>
+    <dgm:linClrLst meth="repeat">
+      <a:schemeClr val="accent1">
+        <a:shade val="60000"/>
+      </a:schemeClr>
+    </dgm:linClrLst>
+    <dgm:effectClrLst/>
+    <dgm:txLinClrLst/>
+    <dgm:txFillClrLst meth="repeat">
+      <a:schemeClr val="tx1"/>
+    </dgm:txFillClrLst>
+    <dgm:txEffectClrLst/>
+  </dgm:styleLbl>
+  <dgm:styleLbl name="parChTrans1D3">
+    <dgm:fillClrLst meth="repeat">
+      <a:schemeClr val="accent1"/>
+    </dgm:fillClrLst>
+    <dgm:linClrLst meth="repeat">
+      <a:schemeClr val="accent1">
+        <a:shade val="80000"/>
+      </a:schemeClr>
+    </dgm:linClrLst>
+    <dgm:effectClrLst/>
+    <dgm:txLinClrLst/>
+    <dgm:txFillClrLst meth="repeat">
+      <a:schemeClr val="tx1"/>
+    </dgm:txFillClrLst>
+    <dgm:txEffectClrLst/>
+  </dgm:styleLbl>
+  <dgm:styleLbl name="parChTrans1D4">
+    <dgm:fillClrLst meth="repeat">
+      <a:schemeClr val="accent1"/>
+    </dgm:fillClrLst>
+    <dgm:linClrLst meth="repeat">
+      <a:schemeClr val="accent1">
+        <a:shade val="80000"/>
+      </a:schemeClr>
+    </dgm:linClrLst>
+    <dgm:effectClrLst/>
+    <dgm:txLinClrLst/>
+    <dgm:txFillClrLst meth="repeat">
+      <a:schemeClr val="tx1"/>
+    </dgm:txFillClrLst>
+    <dgm:txEffectClrLst/>
+  </dgm:styleLbl>
+  <dgm:styleLbl name="fgAcc1">
+    <dgm:fillClrLst meth="repeat">
+      <a:schemeClr val="lt1">
+        <a:alpha val="90000"/>
+      </a:schemeClr>
+    </dgm:fillClrLst>
+    <dgm:linClrLst meth="repeat">
+      <a:schemeClr val="accent1"/>
+    </dgm:linClrLst>
+    <dgm:effectClrLst/>
+    <dgm:txLinClrLst/>
+    <dgm:txFillClrLst meth="repeat">
+      <a:schemeClr val="dk1"/>
+    </dgm:txFillClrLst>
+    <dgm:txEffectClrLst/>
+  </dgm:styleLbl>
+  <dgm:styleLbl name="conFgAcc1">
+    <dgm:fillClrLst meth="repeat">
+      <a:schemeClr val="lt1">
+        <a:alpha val="90000"/>
+      </a:schemeClr>
+    </dgm:fillClrLst>
+    <dgm:linClrLst meth="repeat">
+      <a:schemeClr val="accent1"/>
+    </dgm:linClrLst>
+    <dgm:effectClrLst/>
+    <dgm:txLinClrLst/>
+    <dgm:txFillClrLst meth="repeat">
+      <a:schemeClr val="dk1"/>
+    </dgm:txFillClrLst>
+    <dgm:txEffectClrLst/>
+  </dgm:styleLbl>
+  <dgm:styleLbl name="alignAcc1">
+    <dgm:fillClrLst meth="repeat">
+      <a:schemeClr val="lt1">
+        <a:alpha val="90000"/>
+      </a:schemeClr>
+    </dgm:fillClrLst>
+    <dgm:linClrLst meth="repeat">
+      <a:schemeClr val="accent1"/>
+    </dgm:linClrLst>
+    <dgm:effectClrLst/>
+    <dgm:txLinClrLst/>
+    <dgm:txFillClrLst meth="repeat">
+      <a:schemeClr val="dk1"/>
+    </dgm:txFillClrLst>
+    <dgm:txEffectClrLst/>
+  </dgm:styleLbl>
+  <dgm:styleLbl name="trAlignAcc1">
+    <dgm:fillClrLst meth="repeat">
+      <a:schemeClr val="lt1">
+        <a:alpha val="40000"/>
+      </a:schemeClr>
+    </dgm:fillClrLst>
+    <dgm:linClrLst meth="repeat">
+      <a:schemeClr val="accent1"/>
+    </dgm:linClrLst>
+    <dgm:effectClrLst/>
+    <dgm:txLinClrLst/>
+    <dgm:txFillClrLst meth="repeat">
+      <a:schemeClr val="dk1"/>
+    </dgm:txFillClrLst>
+    <dgm:txEffectClrLst/>
+  </dgm:styleLbl>
+  <dgm:styleLbl name="bgAcc1">
+    <dgm:fillClrLst meth="repeat">
+      <a:schemeClr val="lt1">
+        <a:alpha val="90000"/>
+      </a:schemeClr>
+    </dgm:fillClrLst>
+    <dgm:linClrLst meth="repeat">
+      <a:schemeClr val="accent1"/>
+    </dgm:linClrLst>
+    <dgm:effectClrLst/>
+    <dgm:txLinClrLst/>
+    <dgm:txFillClrLst meth="repeat">
+      <a:schemeClr val="dk1"/>
+    </dgm:txFillClrLst>
+    <dgm:txEffectClrLst/>
+  </dgm:styleLbl>
+  <dgm:styleLbl name="solidFgAcc1">
+    <dgm:fillClrLst meth="repeat">
+      <a:schemeClr val="lt1"/>
+    </dgm:fillClrLst>
+    <dgm:linClrLst meth="repeat">
+      <a:schemeClr val="accent1"/>
+    </dgm:linClrLst>
+    <dgm:effectClrLst/>
+    <dgm:txLinClrLst/>
+    <dgm:txFillClrLst meth="repeat">
+      <a:schemeClr val="dk1"/>
+    </dgm:txFillClrLst>
+    <dgm:txEffectClrLst/>
+  </dgm:styleLbl>
+  <dgm:styleLbl name="solidAlignAcc1">
+    <dgm:fillClrLst meth="repeat">
+      <a:schemeClr val="lt1"/>
+    </dgm:fillClrLst>
+    <dgm:linClrLst meth="repeat">
+      <a:schemeClr val="accent1"/>
+    </dgm:linClrLst>
+    <dgm:effectClrLst/>
+    <dgm:txLinClrLst/>
+    <dgm:txFillClrLst meth="repeat">
+      <a:schemeClr val="dk1"/>
+    </dgm:txFillClrLst>
+    <dgm:txEffectClrLst/>
+  </dgm:styleLbl>
+  <dgm:styleLbl name="solidBgAcc1">
+    <dgm:fillClrLst meth="repeat">
+      <a:schemeClr val="lt1"/>
+    </dgm:fillClrLst>
+    <dgm:linClrLst meth="repeat">
+      <a:schemeClr val="accent1"/>
+    </dgm:linClrLst>
+    <dgm:effectClrLst/>
+    <dgm:txLinClrLst/>
+    <dgm:txFillClrLst meth="repeat">
+      <a:schemeClr val="dk1"/>
+    </dgm:txFillClrLst>
+    <dgm:txEffectClrLst/>
+  </dgm:styleLbl>
+  <dgm:styleLbl name="fgAccFollowNode1">
+    <dgm:fillClrLst meth="repeat">
+      <a:schemeClr val="accent1">
+        <a:alpha val="90000"/>
+        <a:tint val="40000"/>
+      </a:schemeClr>
+    </dgm:fillClrLst>
+    <dgm:linClrLst meth="repeat">
+      <a:schemeClr val="accent1">
+        <a:alpha val="90000"/>
+        <a:tint val="40000"/>
+      </a:schemeClr>
+    </dgm:linClrLst>
+    <dgm:effectClrLst/>
+    <dgm:txLinClrLst/>
+    <dgm:txFillClrLst meth="repeat">
+      <a:schemeClr val="dk1"/>
+    </dgm:txFillClrLst>
+    <dgm:txEffectClrLst/>
+  </dgm:styleLbl>
+  <dgm:styleLbl name="alignAccFollowNode1">
+    <dgm:fillClrLst meth="repeat">
+      <a:schemeClr val="accent1">
+        <a:alpha val="90000"/>
+        <a:tint val="40000"/>
+      </a:schemeClr>
+    </dgm:fillClrLst>
+    <dgm:linClrLst meth="repeat">
+      <a:schemeClr val="accent1">
+        <a:alpha val="90000"/>
+        <a:tint val="40000"/>
+      </a:schemeClr>
+    </dgm:linClrLst>
+    <dgm:effectClrLst/>
+    <dgm:txLinClrLst/>
+    <dgm:txFillClrLst meth="repeat">
+      <a:schemeClr val="dk1"/>
+    </dgm:txFillClrLst>
+    <dgm:txEffectClrLst/>
+  </dgm:styleLbl>
+  <dgm:styleLbl name="bgAccFollowNode1">
+    <dgm:fillClrLst meth="repeat">
+      <a:schemeClr val="accent1">
+        <a:alpha val="90000"/>
+        <a:tint val="40000"/>
+      </a:schemeClr>
+    </dgm:fillClrLst>
+    <dgm:linClrLst meth="repeat">
+      <a:schemeClr val="accent1">
+        <a:alpha val="90000"/>
+        <a:tint val="40000"/>
+      </a:schemeClr>
+    </dgm:linClrLst>
+    <dgm:effectClrLst/>
+    <dgm:txLinClrLst/>
+    <dgm:txFillClrLst meth="repeat">
+      <a:schemeClr val="dk1"/>
+    </dgm:txFillClrLst>
+    <dgm:txEffectClrLst/>
+  </dgm:styleLbl>
+  <dgm:styleLbl name="fgAcc0">
+    <dgm:fillClrLst meth="repeat">
+      <a:schemeClr val="lt1">
+        <a:alpha val="90000"/>
+      </a:schemeClr>
+    </dgm:fillClrLst>
+    <dgm:linClrLst meth="repeat">
+      <a:schemeClr val="accent1"/>
+    </dgm:linClrLst>
+    <dgm:effectClrLst/>
+    <dgm:txLinClrLst/>
+    <dgm:txFillClrLst meth="repeat">
+      <a:schemeClr val="dk1"/>
+    </dgm:txFillClrLst>
+    <dgm:txEffectClrLst/>
+  </dgm:styleLbl>
+  <dgm:styleLbl name="fgAcc2">
+    <dgm:fillClrLst meth="repeat">
+      <a:schemeClr val="lt1">
+        <a:alpha val="90000"/>
+      </a:schemeClr>
+    </dgm:fillClrLst>
+    <dgm:linClrLst meth="repeat">
+      <a:schemeClr val="accent1"/>
+    </dgm:linClrLst>
+    <dgm:effectClrLst/>
+    <dgm:txLinClrLst/>
+    <dgm:txFillClrLst meth="repeat">
+      <a:schemeClr val="dk1"/>
+    </dgm:txFillClrLst>
+    <dgm:txEffectClrLst/>
+  </dgm:styleLbl>
+  <dgm:styleLbl name="fgAcc3">
+    <dgm:fillClrLst meth="repeat">
+      <a:schemeClr val="lt1">
+        <a:alpha val="90000"/>
+      </a:schemeClr>
+    </dgm:fillClrLst>
+    <dgm:linClrLst meth="repeat">
+      <a:schemeClr val="accent1"/>
+    </dgm:linClrLst>
+    <dgm:effectClrLst/>
+    <dgm:txLinClrLst/>
+    <dgm:txFillClrLst meth="repeat">
+      <a:schemeClr val="dk1"/>
+    </dgm:txFillClrLst>
+    <dgm:txEffectClrLst/>
+  </dgm:styleLbl>
+  <dgm:styleLbl name="fgAcc4">
+    <dgm:fillClrLst meth="repeat">
+      <a:schemeClr val="lt1">
+        <a:alpha val="90000"/>
+      </a:schemeClr>
+    </dgm:fillClrLst>
+    <dgm:linClrLst meth="repeat">
+      <a:schemeClr val="accent1"/>
+    </dgm:linClrLst>
+    <dgm:effectClrLst/>
+    <dgm:txLinClrLst/>
+    <dgm:txFillClrLst meth="repeat">
+      <a:schemeClr val="dk1"/>
+    </dgm:txFillClrLst>
+    <dgm:txEffectClrLst/>
+  </dgm:styleLbl>
+  <dgm:styleLbl name="bgShp">
+    <dgm:fillClrLst meth="repeat">
+      <a:schemeClr val="accent1">
+        <a:tint val="40000"/>
+      </a:schemeClr>
+    </dgm:fillClrLst>
+    <dgm:linClrLst meth="repeat">
+      <a:schemeClr val="accent1"/>
+    </dgm:linClrLst>
+    <dgm:effectClrLst/>
+    <dgm:txLinClrLst/>
+    <dgm:txFillClrLst meth="repeat">
+      <a:schemeClr val="dk1"/>
+    </dgm:txFillClrLst>
+    <dgm:txEffectClrLst/>
+  </dgm:styleLbl>
+  <dgm:styleLbl name="dkBgShp">
+    <dgm:fillClrLst meth="repeat">
+      <a:schemeClr val="accent1">
+        <a:shade val="80000"/>
+      </a:schemeClr>
+    </dgm:fillClrLst>
+    <dgm:linClrLst meth="repeat">
+      <a:schemeClr val="accent1"/>
+    </dgm:linClrLst>
+    <dgm:effectClrLst/>
+    <dgm:txLinClrLst/>
+    <dgm:txFillClrLst meth="repeat">
+      <a:schemeClr val="lt1"/>
+    </dgm:txFillClrLst>
+    <dgm:txEffectClrLst/>
+  </dgm:styleLbl>
+  <dgm:styleLbl name="trBgShp">
+    <dgm:fillClrLst meth="repeat">
+      <a:schemeClr val="accent1">
+        <a:tint val="50000"/>
+        <a:alpha val="40000"/>
+      </a:schemeClr>
+    </dgm:fillClrLst>
+    <dgm:linClrLst meth="repeat">
+      <a:schemeClr val="accent1"/>
+    </dgm:linClrLst>
+    <dgm:effectClrLst/>
+    <dgm:txLinClrLst/>
+    <dgm:txFillClrLst meth="repeat">
+      <a:schemeClr val="lt1"/>
+    </dgm:txFillClrLst>
+    <dgm:txEffectClrLst/>
+  </dgm:styleLbl>
+  <dgm:styleLbl name="fgShp">
+    <dgm:fillClrLst meth="repeat">
+      <a:schemeClr val="accent1">
+        <a:tint val="60000"/>
+      </a:schemeClr>
+    </dgm:fillClrLst>
+    <dgm:linClrLst meth="repeat">
+      <a:schemeClr val="lt1"/>
+    </dgm:linClrLst>
+    <dgm:effectClrLst/>
+    <dgm:txLinClrLst/>
+    <dgm:txFillClrLst meth="repeat">
+      <a:schemeClr val="dk1"/>
+    </dgm:txFillClrLst>
+    <dgm:txEffectClrLst/>
+  </dgm:styleLbl>
+  <dgm:styleLbl name="revTx">
+    <dgm:fillClrLst meth="repeat">
+      <a:schemeClr val="lt1">
+        <a:alpha val="0"/>
+      </a:schemeClr>
+    </dgm:fillClrLst>
+    <dgm:linClrLst meth="repeat">
+      <a:schemeClr val="dk1">
+        <a:alpha val="0"/>
+      </a:schemeClr>
+    </dgm:linClrLst>
+    <dgm:effectClrLst/>
+    <dgm:txLinClrLst/>
+    <dgm:txFillClrLst meth="repeat">
+      <a:schemeClr val="tx1"/>
+    </dgm:txFillClrLst>
+    <dgm:txEffectClrLst/>
+  </dgm:styleLbl>
+</dgm:colorsDef>
+</file>
+
+<file path=ppt/diagrams/colors4.xml><?xml version="1.0" encoding="utf-8"?>
 <dgm:colorsDef xmlns:dgm="http://schemas.openxmlformats.org/drawingml/2006/diagram" xmlns:a="http://schemas.openxmlformats.org/drawingml/2006/main" uniqueId="urn:microsoft.com/office/officeart/2005/8/colors/accent1_2">
   <dgm:title val=""/>
   <dgm:desc val=""/>
@@ -2107,6 +3620,1396 @@
   <dgm:extLst>
     <a:ext uri="http://schemas.microsoft.com/office/drawing/2008/diagram">
       <dsp:dataModelExt xmlns:dsp="http://schemas.microsoft.com/office/drawing/2008/diagram" relId="rId6" minVer="http://schemas.openxmlformats.org/drawingml/2006/diagram"/>
+    </a:ext>
+  </dgm:extLst>
+</dgm:dataModel>
+</file>
+
+<file path=ppt/diagrams/data3.xml><?xml version="1.0" encoding="utf-8"?>
+<dgm:dataModel xmlns:dgm="http://schemas.openxmlformats.org/drawingml/2006/diagram" xmlns:a="http://schemas.openxmlformats.org/drawingml/2006/main">
+  <dgm:ptLst>
+    <dgm:pt modelId="{3D31B322-81F7-4E9C-9F2A-64CAB7462423}" type="doc">
+      <dgm:prSet loTypeId="urn:microsoft.com/office/officeart/2005/8/layout/hList1" loCatId="list" qsTypeId="urn:microsoft.com/office/officeart/2005/8/quickstyle/simple1" qsCatId="simple" csTypeId="urn:microsoft.com/office/officeart/2005/8/colors/accent1_2" csCatId="accent1" phldr="1"/>
+      <dgm:spPr/>
+      <dgm:t>
+        <a:bodyPr/>
+        <a:lstStyle/>
+        <a:p>
+          <a:endParaRPr lang="en-US"/>
+        </a:p>
+      </dgm:t>
+    </dgm:pt>
+    <dgm:pt modelId="{42253BC0-6DDC-4130-B940-E398BD1C7558}">
+      <dgm:prSet phldrT="[Text]"/>
+      <dgm:spPr/>
+      <dgm:t>
+        <a:bodyPr/>
+        <a:lstStyle/>
+        <a:p>
+          <a:r>
+            <a:rPr lang="de-DE" dirty="0"/>
+            <a:t>Konto</a:t>
+          </a:r>
+          <a:endParaRPr lang="en-US" dirty="0"/>
+        </a:p>
+      </dgm:t>
+    </dgm:pt>
+    <dgm:pt modelId="{9D63D61F-BDC2-4334-8204-7F2778FD9481}" type="parTrans" cxnId="{1E978FA4-58E9-4C2F-AEFE-063E6EC9F896}">
+      <dgm:prSet/>
+      <dgm:spPr/>
+      <dgm:t>
+        <a:bodyPr/>
+        <a:lstStyle/>
+        <a:p>
+          <a:endParaRPr lang="en-US"/>
+        </a:p>
+      </dgm:t>
+    </dgm:pt>
+    <dgm:pt modelId="{3D16B10C-DE5D-47EB-86ED-4BFEFB6F79BE}" type="sibTrans" cxnId="{1E978FA4-58E9-4C2F-AEFE-063E6EC9F896}">
+      <dgm:prSet/>
+      <dgm:spPr/>
+      <dgm:t>
+        <a:bodyPr/>
+        <a:lstStyle/>
+        <a:p>
+          <a:endParaRPr lang="en-US"/>
+        </a:p>
+      </dgm:t>
+    </dgm:pt>
+    <dgm:pt modelId="{0D118476-45CA-4843-BFDA-A91EAD0D75AB}">
+      <dgm:prSet phldrT="[Text]"/>
+      <dgm:spPr/>
+      <dgm:t>
+        <a:bodyPr/>
+        <a:lstStyle/>
+        <a:p>
+          <a:r>
+            <a:rPr lang="de-DE" dirty="0" err="1"/>
+            <a:t>addZahlung</a:t>
+          </a:r>
+          <a:r>
+            <a:rPr lang="de-DE" dirty="0"/>
+            <a:t>(…)</a:t>
+          </a:r>
+          <a:endParaRPr lang="en-US" dirty="0"/>
+        </a:p>
+      </dgm:t>
+    </dgm:pt>
+    <dgm:pt modelId="{26A11D44-B556-4E3D-BDF9-CDD02816CBB1}" type="parTrans" cxnId="{254B4687-EF26-4873-B343-CBDC709B5E12}">
+      <dgm:prSet/>
+      <dgm:spPr/>
+      <dgm:t>
+        <a:bodyPr/>
+        <a:lstStyle/>
+        <a:p>
+          <a:endParaRPr lang="en-US"/>
+        </a:p>
+      </dgm:t>
+    </dgm:pt>
+    <dgm:pt modelId="{1FD13F2C-7E78-4A00-BBC4-06B06F88402E}" type="sibTrans" cxnId="{254B4687-EF26-4873-B343-CBDC709B5E12}">
+      <dgm:prSet/>
+      <dgm:spPr/>
+      <dgm:t>
+        <a:bodyPr/>
+        <a:lstStyle/>
+        <a:p>
+          <a:endParaRPr lang="en-US"/>
+        </a:p>
+      </dgm:t>
+    </dgm:pt>
+    <dgm:pt modelId="{E0509385-727F-4EBD-A98B-7867DED54ED6}">
+      <dgm:prSet phldrT="[Text]"/>
+      <dgm:spPr/>
+      <dgm:t>
+        <a:bodyPr/>
+        <a:lstStyle/>
+        <a:p>
+          <a:r>
+            <a:rPr lang="de-DE" dirty="0"/>
+            <a:t>Kunde</a:t>
+          </a:r>
+          <a:endParaRPr lang="en-US" dirty="0"/>
+        </a:p>
+      </dgm:t>
+    </dgm:pt>
+    <dgm:pt modelId="{5570C316-FB55-4E1A-BEB0-5F76D74D5C31}" type="parTrans" cxnId="{36A19EDC-3354-43E3-A8A8-138765F58D40}">
+      <dgm:prSet/>
+      <dgm:spPr/>
+      <dgm:t>
+        <a:bodyPr/>
+        <a:lstStyle/>
+        <a:p>
+          <a:endParaRPr lang="en-US"/>
+        </a:p>
+      </dgm:t>
+    </dgm:pt>
+    <dgm:pt modelId="{BC89C0D5-158C-4A8E-AC86-4959CBCDC5BF}" type="sibTrans" cxnId="{36A19EDC-3354-43E3-A8A8-138765F58D40}">
+      <dgm:prSet/>
+      <dgm:spPr/>
+      <dgm:t>
+        <a:bodyPr/>
+        <a:lstStyle/>
+        <a:p>
+          <a:endParaRPr lang="en-US"/>
+        </a:p>
+      </dgm:t>
+    </dgm:pt>
+    <dgm:pt modelId="{35846BED-5D74-450F-A7F8-D30FBE6D189F}">
+      <dgm:prSet phldrT="[Text]"/>
+      <dgm:spPr/>
+      <dgm:t>
+        <a:bodyPr/>
+        <a:lstStyle/>
+        <a:p>
+          <a:r>
+            <a:rPr lang="de-DE" dirty="0"/>
+            <a:t>Zahlung</a:t>
+          </a:r>
+          <a:endParaRPr lang="en-US" dirty="0"/>
+        </a:p>
+      </dgm:t>
+    </dgm:pt>
+    <dgm:pt modelId="{ED8AB7E7-AD54-47B8-808E-87CCB516E66E}" type="parTrans" cxnId="{B2B57CDA-69FC-4570-872B-9F8DB9B21A61}">
+      <dgm:prSet/>
+      <dgm:spPr/>
+      <dgm:t>
+        <a:bodyPr/>
+        <a:lstStyle/>
+        <a:p>
+          <a:endParaRPr lang="en-US"/>
+        </a:p>
+      </dgm:t>
+    </dgm:pt>
+    <dgm:pt modelId="{74A39F45-9113-441B-B541-EBE68EB05059}" type="sibTrans" cxnId="{B2B57CDA-69FC-4570-872B-9F8DB9B21A61}">
+      <dgm:prSet/>
+      <dgm:spPr/>
+      <dgm:t>
+        <a:bodyPr/>
+        <a:lstStyle/>
+        <a:p>
+          <a:endParaRPr lang="en-US"/>
+        </a:p>
+      </dgm:t>
+    </dgm:pt>
+    <dgm:pt modelId="{92F8BF37-19EC-42ED-8CF0-9868D8C776EC}">
+      <dgm:prSet phldrT="[Text]"/>
+      <dgm:spPr/>
+      <dgm:t>
+        <a:bodyPr/>
+        <a:lstStyle/>
+        <a:p>
+          <a:r>
+            <a:rPr lang="de-DE" dirty="0"/>
+            <a:t>Konstruktor</a:t>
+          </a:r>
+          <a:endParaRPr lang="en-US" dirty="0"/>
+        </a:p>
+      </dgm:t>
+    </dgm:pt>
+    <dgm:pt modelId="{0D03525F-7D5B-46BC-9598-374DACDB1D5E}" type="parTrans" cxnId="{174CE382-4307-4D69-ACE2-3BD4BE60899E}">
+      <dgm:prSet/>
+      <dgm:spPr/>
+      <dgm:t>
+        <a:bodyPr/>
+        <a:lstStyle/>
+        <a:p>
+          <a:endParaRPr lang="en-US"/>
+        </a:p>
+      </dgm:t>
+    </dgm:pt>
+    <dgm:pt modelId="{4A4BC265-1078-4F28-85E6-191022DDF130}" type="sibTrans" cxnId="{174CE382-4307-4D69-ACE2-3BD4BE60899E}">
+      <dgm:prSet/>
+      <dgm:spPr/>
+      <dgm:t>
+        <a:bodyPr/>
+        <a:lstStyle/>
+        <a:p>
+          <a:endParaRPr lang="en-US"/>
+        </a:p>
+      </dgm:t>
+    </dgm:pt>
+    <dgm:pt modelId="{375DF98F-16D6-4103-90C8-E08F54A84544}">
+      <dgm:prSet phldrT="[Text]"/>
+      <dgm:spPr/>
+      <dgm:t>
+        <a:bodyPr/>
+        <a:lstStyle/>
+        <a:p>
+          <a:r>
+            <a:rPr lang="de-DE" dirty="0"/>
+            <a:t>DTOs</a:t>
+          </a:r>
+          <a:endParaRPr lang="en-US" dirty="0"/>
+        </a:p>
+      </dgm:t>
+    </dgm:pt>
+    <dgm:pt modelId="{92560F58-316C-42D9-97C1-2C2886BBDA73}" type="parTrans" cxnId="{ADE98684-C9E1-4022-92D0-D019B878580B}">
+      <dgm:prSet/>
+      <dgm:spPr/>
+      <dgm:t>
+        <a:bodyPr/>
+        <a:lstStyle/>
+        <a:p>
+          <a:endParaRPr lang="en-US"/>
+        </a:p>
+      </dgm:t>
+    </dgm:pt>
+    <dgm:pt modelId="{0CD91DA6-89DD-4DCE-A069-ACED06C3124C}" type="sibTrans" cxnId="{ADE98684-C9E1-4022-92D0-D019B878580B}">
+      <dgm:prSet/>
+      <dgm:spPr/>
+      <dgm:t>
+        <a:bodyPr/>
+        <a:lstStyle/>
+        <a:p>
+          <a:endParaRPr lang="en-US"/>
+        </a:p>
+      </dgm:t>
+    </dgm:pt>
+    <dgm:pt modelId="{E09CDA1F-4979-4B95-99CB-9C89B8D1D3EF}">
+      <dgm:prSet phldrT="[Text]"/>
+      <dgm:spPr/>
+      <dgm:t>
+        <a:bodyPr/>
+        <a:lstStyle/>
+        <a:p>
+          <a:r>
+            <a:rPr lang="de-DE" dirty="0"/>
+            <a:t>Konstruktoren</a:t>
+          </a:r>
+          <a:endParaRPr lang="en-US" dirty="0"/>
+        </a:p>
+      </dgm:t>
+    </dgm:pt>
+    <dgm:pt modelId="{88D3E86F-9202-4375-90B3-167880D3E98F}" type="parTrans" cxnId="{1A53F0EB-C0FD-45E4-AFA4-DE835D6CA151}">
+      <dgm:prSet/>
+      <dgm:spPr/>
+      <dgm:t>
+        <a:bodyPr/>
+        <a:lstStyle/>
+        <a:p>
+          <a:endParaRPr lang="en-US"/>
+        </a:p>
+      </dgm:t>
+    </dgm:pt>
+    <dgm:pt modelId="{AE9A0CD4-82A0-48CF-92B7-28675CDE6A38}" type="sibTrans" cxnId="{1A53F0EB-C0FD-45E4-AFA4-DE835D6CA151}">
+      <dgm:prSet/>
+      <dgm:spPr/>
+      <dgm:t>
+        <a:bodyPr/>
+        <a:lstStyle/>
+        <a:p>
+          <a:endParaRPr lang="en-US"/>
+        </a:p>
+      </dgm:t>
+    </dgm:pt>
+    <dgm:pt modelId="{77A1D022-D23F-48B8-96FE-AFB6B3679B1E}">
+      <dgm:prSet phldrT="[Text]"/>
+      <dgm:spPr/>
+      <dgm:t>
+        <a:bodyPr/>
+        <a:lstStyle/>
+        <a:p>
+          <a:r>
+            <a:rPr lang="de-DE" dirty="0"/>
+            <a:t>Unveränderbarkeit</a:t>
+          </a:r>
+          <a:endParaRPr lang="en-US" dirty="0"/>
+        </a:p>
+      </dgm:t>
+    </dgm:pt>
+    <dgm:pt modelId="{50B7F1B7-F38E-4DA5-8793-EB37D4767FF1}" type="parTrans" cxnId="{16D0A0DB-D965-4399-BF5C-C2D9679CF917}">
+      <dgm:prSet/>
+      <dgm:spPr/>
+      <dgm:t>
+        <a:bodyPr/>
+        <a:lstStyle/>
+        <a:p>
+          <a:endParaRPr lang="en-US"/>
+        </a:p>
+      </dgm:t>
+    </dgm:pt>
+    <dgm:pt modelId="{AAD8AD4B-AA24-4AD7-9215-CD43C50688D6}" type="sibTrans" cxnId="{16D0A0DB-D965-4399-BF5C-C2D9679CF917}">
+      <dgm:prSet/>
+      <dgm:spPr/>
+      <dgm:t>
+        <a:bodyPr/>
+        <a:lstStyle/>
+        <a:p>
+          <a:endParaRPr lang="en-US"/>
+        </a:p>
+      </dgm:t>
+    </dgm:pt>
+    <dgm:pt modelId="{4C21C638-B3DF-4037-B3E9-E3BAA6952A7D}">
+      <dgm:prSet phldrT="[Text]"/>
+      <dgm:spPr/>
+      <dgm:t>
+        <a:bodyPr/>
+        <a:lstStyle/>
+        <a:p>
+          <a:r>
+            <a:rPr lang="de-DE" dirty="0" err="1"/>
+            <a:t>removeZahlung</a:t>
+          </a:r>
+          <a:r>
+            <a:rPr lang="de-DE" dirty="0"/>
+            <a:t>(…)</a:t>
+          </a:r>
+          <a:endParaRPr lang="en-US" dirty="0"/>
+        </a:p>
+      </dgm:t>
+    </dgm:pt>
+    <dgm:pt modelId="{1EF97AD2-6A95-44EC-AD28-1958BC260B51}" type="parTrans" cxnId="{AB8A5BC0-B021-47B9-8BD9-497BD23FD67D}">
+      <dgm:prSet/>
+      <dgm:spPr/>
+      <dgm:t>
+        <a:bodyPr/>
+        <a:lstStyle/>
+        <a:p>
+          <a:endParaRPr lang="en-US"/>
+        </a:p>
+      </dgm:t>
+    </dgm:pt>
+    <dgm:pt modelId="{27E98DD1-32ED-4564-914F-F4310859C34F}" type="sibTrans" cxnId="{AB8A5BC0-B021-47B9-8BD9-497BD23FD67D}">
+      <dgm:prSet/>
+      <dgm:spPr/>
+      <dgm:t>
+        <a:bodyPr/>
+        <a:lstStyle/>
+        <a:p>
+          <a:endParaRPr lang="en-US"/>
+        </a:p>
+      </dgm:t>
+    </dgm:pt>
+    <dgm:pt modelId="{2CAEC516-F813-4C4E-A5C6-B04252D206F2}">
+      <dgm:prSet phldrT="[Text]"/>
+      <dgm:spPr/>
+      <dgm:t>
+        <a:bodyPr/>
+        <a:lstStyle/>
+        <a:p>
+          <a:r>
+            <a:rPr lang="de-DE" dirty="0" err="1"/>
+            <a:t>getBetrag</a:t>
+          </a:r>
+          <a:r>
+            <a:rPr lang="de-DE" dirty="0"/>
+            <a:t>()</a:t>
+          </a:r>
+          <a:endParaRPr lang="en-US" dirty="0"/>
+        </a:p>
+      </dgm:t>
+    </dgm:pt>
+    <dgm:pt modelId="{7A5EC618-1DCC-44E5-A074-C27C845F2CCF}" type="parTrans" cxnId="{1A5361D2-C19B-442D-858A-1769368CE6FF}">
+      <dgm:prSet/>
+      <dgm:spPr/>
+      <dgm:t>
+        <a:bodyPr/>
+        <a:lstStyle/>
+        <a:p>
+          <a:endParaRPr lang="en-US"/>
+        </a:p>
+      </dgm:t>
+    </dgm:pt>
+    <dgm:pt modelId="{9046FEBD-D32F-4704-8599-40696E6F2A56}" type="sibTrans" cxnId="{1A5361D2-C19B-442D-858A-1769368CE6FF}">
+      <dgm:prSet/>
+      <dgm:spPr/>
+      <dgm:t>
+        <a:bodyPr/>
+        <a:lstStyle/>
+        <a:p>
+          <a:endParaRPr lang="en-US"/>
+        </a:p>
+      </dgm:t>
+    </dgm:pt>
+    <dgm:pt modelId="{508529BC-357C-43D5-9AD3-DA45E47919E1}">
+      <dgm:prSet phldrT="[Text]"/>
+      <dgm:spPr/>
+      <dgm:t>
+        <a:bodyPr/>
+        <a:lstStyle/>
+        <a:p>
+          <a:r>
+            <a:rPr lang="de-DE" dirty="0"/>
+            <a:t>Konstruktoren</a:t>
+          </a:r>
+          <a:endParaRPr lang="en-US" dirty="0"/>
+        </a:p>
+      </dgm:t>
+    </dgm:pt>
+    <dgm:pt modelId="{1A832FEF-20B6-4F13-845B-53796FF280CE}" type="parTrans" cxnId="{B3F90493-683C-4010-9AA1-E09D6515BF51}">
+      <dgm:prSet/>
+      <dgm:spPr/>
+      <dgm:t>
+        <a:bodyPr/>
+        <a:lstStyle/>
+        <a:p>
+          <a:endParaRPr lang="en-US"/>
+        </a:p>
+      </dgm:t>
+    </dgm:pt>
+    <dgm:pt modelId="{D73FAA1B-1743-4115-B32C-CB2CAB92960F}" type="sibTrans" cxnId="{B3F90493-683C-4010-9AA1-E09D6515BF51}">
+      <dgm:prSet/>
+      <dgm:spPr/>
+      <dgm:t>
+        <a:bodyPr/>
+        <a:lstStyle/>
+        <a:p>
+          <a:endParaRPr lang="en-US"/>
+        </a:p>
+      </dgm:t>
+    </dgm:pt>
+    <dgm:pt modelId="{7CBE3784-1E30-4893-B7D7-B61ADFC8C12B}">
+      <dgm:prSet phldrT="[Text]"/>
+      <dgm:spPr/>
+      <dgm:t>
+        <a:bodyPr/>
+        <a:lstStyle/>
+        <a:p>
+          <a:r>
+            <a:rPr lang="de-DE" dirty="0"/>
+            <a:t>Konstruktoren</a:t>
+          </a:r>
+          <a:endParaRPr lang="en-US" dirty="0"/>
+        </a:p>
+      </dgm:t>
+    </dgm:pt>
+    <dgm:pt modelId="{9BC874FB-F378-4526-BB9A-70461B07566F}" type="parTrans" cxnId="{A952C922-387C-46AF-BD88-3351FCF0EDA0}">
+      <dgm:prSet/>
+      <dgm:spPr/>
+      <dgm:t>
+        <a:bodyPr/>
+        <a:lstStyle/>
+        <a:p>
+          <a:endParaRPr lang="en-US"/>
+        </a:p>
+      </dgm:t>
+    </dgm:pt>
+    <dgm:pt modelId="{B16A36E0-B5D9-474F-891B-CFA73EBD9C34}" type="sibTrans" cxnId="{A952C922-387C-46AF-BD88-3351FCF0EDA0}">
+      <dgm:prSet/>
+      <dgm:spPr/>
+      <dgm:t>
+        <a:bodyPr/>
+        <a:lstStyle/>
+        <a:p>
+          <a:endParaRPr lang="en-US"/>
+        </a:p>
+      </dgm:t>
+    </dgm:pt>
+    <dgm:pt modelId="{EA46E46E-3697-4133-A9AF-09BA72675E3E}">
+      <dgm:prSet phldrT="[Text]"/>
+      <dgm:spPr/>
+      <dgm:t>
+        <a:bodyPr/>
+        <a:lstStyle/>
+        <a:p>
+          <a:r>
+            <a:rPr lang="de-DE" dirty="0" err="1"/>
+            <a:t>getZahlungen</a:t>
+          </a:r>
+          <a:r>
+            <a:rPr lang="de-DE" dirty="0"/>
+            <a:t>()</a:t>
+          </a:r>
+          <a:endParaRPr lang="en-US" dirty="0"/>
+        </a:p>
+      </dgm:t>
+    </dgm:pt>
+    <dgm:pt modelId="{75EC29D9-8DDC-48EC-80D7-5A08D98BE44F}" type="parTrans" cxnId="{73C524AB-3FB8-41A7-A8E7-180C2E5C11EC}">
+      <dgm:prSet/>
+      <dgm:spPr/>
+      <dgm:t>
+        <a:bodyPr/>
+        <a:lstStyle/>
+        <a:p>
+          <a:endParaRPr lang="en-US"/>
+        </a:p>
+      </dgm:t>
+    </dgm:pt>
+    <dgm:pt modelId="{F20C1CE0-B8AE-43CA-9A01-69A9F1C47266}" type="sibTrans" cxnId="{73C524AB-3FB8-41A7-A8E7-180C2E5C11EC}">
+      <dgm:prSet/>
+      <dgm:spPr/>
+      <dgm:t>
+        <a:bodyPr/>
+        <a:lstStyle/>
+        <a:p>
+          <a:endParaRPr lang="en-US"/>
+        </a:p>
+      </dgm:t>
+    </dgm:pt>
+    <dgm:pt modelId="{2989191C-25FF-4776-BEE9-4599A1DC3E88}">
+      <dgm:prSet phldrT="[Text]"/>
+      <dgm:spPr/>
+      <dgm:t>
+        <a:bodyPr/>
+        <a:lstStyle/>
+        <a:p>
+          <a:r>
+            <a:rPr lang="de-DE" dirty="0" err="1"/>
+            <a:t>ZahlungsInfo</a:t>
+          </a:r>
+          <a:r>
+            <a:rPr lang="de-DE" dirty="0"/>
+            <a:t> Sortierung</a:t>
+          </a:r>
+          <a:endParaRPr lang="en-US" dirty="0"/>
+        </a:p>
+      </dgm:t>
+    </dgm:pt>
+    <dgm:pt modelId="{4C2AAFE1-824A-45B6-B79A-B1E3188BED70}" type="parTrans" cxnId="{568CEB73-FDF2-4D7B-A4DA-645A1B628BD7}">
+      <dgm:prSet/>
+      <dgm:spPr/>
+      <dgm:t>
+        <a:bodyPr/>
+        <a:lstStyle/>
+        <a:p>
+          <a:endParaRPr lang="en-US"/>
+        </a:p>
+      </dgm:t>
+    </dgm:pt>
+    <dgm:pt modelId="{D3723E3A-BFB4-406C-8464-197AC2B834AE}" type="sibTrans" cxnId="{568CEB73-FDF2-4D7B-A4DA-645A1B628BD7}">
+      <dgm:prSet/>
+      <dgm:spPr/>
+      <dgm:t>
+        <a:bodyPr/>
+        <a:lstStyle/>
+        <a:p>
+          <a:endParaRPr lang="en-US"/>
+        </a:p>
+      </dgm:t>
+    </dgm:pt>
+    <dgm:pt modelId="{5263F7ED-3AAF-470B-BAC9-F4FFD0A65CE0}">
+      <dgm:prSet phldrT="[Text]"/>
+      <dgm:spPr/>
+      <dgm:t>
+        <a:bodyPr/>
+        <a:lstStyle/>
+        <a:p>
+          <a:r>
+            <a:rPr lang="de-DE" dirty="0" err="1"/>
+            <a:t>KundenService</a:t>
+          </a:r>
+          <a:endParaRPr lang="en-US" dirty="0"/>
+        </a:p>
+      </dgm:t>
+    </dgm:pt>
+    <dgm:pt modelId="{C0FA654A-AC64-42D3-A0C8-A11D62534BDB}" type="parTrans" cxnId="{422642B7-5B57-407B-8FE1-63AB6E2A231C}">
+      <dgm:prSet/>
+      <dgm:spPr/>
+      <dgm:t>
+        <a:bodyPr/>
+        <a:lstStyle/>
+        <a:p>
+          <a:endParaRPr lang="en-US"/>
+        </a:p>
+      </dgm:t>
+    </dgm:pt>
+    <dgm:pt modelId="{D45EC479-DE0A-451E-BDD5-290BE9A60937}" type="sibTrans" cxnId="{422642B7-5B57-407B-8FE1-63AB6E2A231C}">
+      <dgm:prSet/>
+      <dgm:spPr/>
+      <dgm:t>
+        <a:bodyPr/>
+        <a:lstStyle/>
+        <a:p>
+          <a:endParaRPr lang="en-US"/>
+        </a:p>
+      </dgm:t>
+    </dgm:pt>
+    <dgm:pt modelId="{9CF2300C-3A7E-487A-BACC-D9702177B983}">
+      <dgm:prSet phldrT="[Text]"/>
+      <dgm:spPr/>
+      <dgm:t>
+        <a:bodyPr/>
+        <a:lstStyle/>
+        <a:p>
+          <a:r>
+            <a:rPr lang="de-DE" dirty="0"/>
+            <a:t>Null – </a:t>
+          </a:r>
+          <a:r>
+            <a:rPr lang="de-DE" dirty="0" err="1"/>
+            <a:t>Safety</a:t>
+          </a:r>
+          <a:endParaRPr lang="en-US" dirty="0"/>
+        </a:p>
+      </dgm:t>
+    </dgm:pt>
+    <dgm:pt modelId="{6DC8CECD-F847-496D-82DA-3ED69AFBC552}" type="parTrans" cxnId="{D6C50846-BB96-42C1-B4A9-560C6BBB5F57}">
+      <dgm:prSet/>
+      <dgm:spPr/>
+      <dgm:t>
+        <a:bodyPr/>
+        <a:lstStyle/>
+        <a:p>
+          <a:endParaRPr lang="en-US"/>
+        </a:p>
+      </dgm:t>
+    </dgm:pt>
+    <dgm:pt modelId="{FD1C9042-CB3B-4BEB-AC5D-31F94DDB4F10}" type="sibTrans" cxnId="{D6C50846-BB96-42C1-B4A9-560C6BBB5F57}">
+      <dgm:prSet/>
+      <dgm:spPr/>
+      <dgm:t>
+        <a:bodyPr/>
+        <a:lstStyle/>
+        <a:p>
+          <a:endParaRPr lang="en-US"/>
+        </a:p>
+      </dgm:t>
+    </dgm:pt>
+    <dgm:pt modelId="{67EDF6FD-3971-4B72-A213-63AAABAC73F7}">
+      <dgm:prSet phldrT="[Text]"/>
+      <dgm:spPr/>
+      <dgm:t>
+        <a:bodyPr/>
+        <a:lstStyle/>
+        <a:p>
+          <a:r>
+            <a:rPr lang="de-DE" dirty="0" err="1"/>
+            <a:t>Exceptions</a:t>
+          </a:r>
+          <a:endParaRPr lang="en-US" dirty="0"/>
+        </a:p>
+      </dgm:t>
+    </dgm:pt>
+    <dgm:pt modelId="{D8EA1B3C-B092-49D4-8C11-479E3A338338}" type="parTrans" cxnId="{687BAA3C-1A62-45EC-9761-B62728D59176}">
+      <dgm:prSet/>
+      <dgm:spPr/>
+      <dgm:t>
+        <a:bodyPr/>
+        <a:lstStyle/>
+        <a:p>
+          <a:endParaRPr lang="en-US"/>
+        </a:p>
+      </dgm:t>
+    </dgm:pt>
+    <dgm:pt modelId="{F0AEBF9F-6491-4FDA-A658-FAE358223225}" type="sibTrans" cxnId="{687BAA3C-1A62-45EC-9761-B62728D59176}">
+      <dgm:prSet/>
+      <dgm:spPr/>
+      <dgm:t>
+        <a:bodyPr/>
+        <a:lstStyle/>
+        <a:p>
+          <a:endParaRPr lang="en-US"/>
+        </a:p>
+      </dgm:t>
+    </dgm:pt>
+    <dgm:pt modelId="{0D40F34F-7258-4BDF-B009-2B65930045ED}">
+      <dgm:prSet phldrT="[Text]"/>
+      <dgm:spPr/>
+      <dgm:t>
+        <a:bodyPr/>
+        <a:lstStyle/>
+        <a:p>
+          <a:r>
+            <a:rPr lang="de-DE" dirty="0"/>
+            <a:t>Mehrfacheintragungen</a:t>
+          </a:r>
+          <a:endParaRPr lang="en-US" dirty="0"/>
+        </a:p>
+      </dgm:t>
+    </dgm:pt>
+    <dgm:pt modelId="{E5EFB840-27B8-453A-AB9E-609C8E31BFEF}" type="parTrans" cxnId="{18E148CE-E1B8-4EC4-9354-27BB7149AD5A}">
+      <dgm:prSet/>
+      <dgm:spPr/>
+      <dgm:t>
+        <a:bodyPr/>
+        <a:lstStyle/>
+        <a:p>
+          <a:endParaRPr lang="en-US"/>
+        </a:p>
+      </dgm:t>
+    </dgm:pt>
+    <dgm:pt modelId="{7B5CE444-9354-440E-98A5-9B7B41DB933E}" type="sibTrans" cxnId="{18E148CE-E1B8-4EC4-9354-27BB7149AD5A}">
+      <dgm:prSet/>
+      <dgm:spPr/>
+      <dgm:t>
+        <a:bodyPr/>
+        <a:lstStyle/>
+        <a:p>
+          <a:endParaRPr lang="en-US"/>
+        </a:p>
+      </dgm:t>
+    </dgm:pt>
+    <dgm:pt modelId="{EC71C787-59B4-4FB0-BDA1-28BAE4F8AE59}">
+      <dgm:prSet phldrT="[Text]"/>
+      <dgm:spPr/>
+      <dgm:t>
+        <a:bodyPr/>
+        <a:lstStyle/>
+        <a:p>
+          <a:r>
+            <a:rPr lang="de-DE" dirty="0"/>
+            <a:t>Timeouts</a:t>
+          </a:r>
+          <a:endParaRPr lang="en-US" dirty="0"/>
+        </a:p>
+      </dgm:t>
+    </dgm:pt>
+    <dgm:pt modelId="{2F7B64AA-D0ED-47A0-8EDC-324A92E5A173}" type="parTrans" cxnId="{E4F066E4-1D77-4927-8136-499C95C662E4}">
+      <dgm:prSet/>
+      <dgm:spPr/>
+      <dgm:t>
+        <a:bodyPr/>
+        <a:lstStyle/>
+        <a:p>
+          <a:endParaRPr lang="en-US"/>
+        </a:p>
+      </dgm:t>
+    </dgm:pt>
+    <dgm:pt modelId="{FBFF1BC5-40D9-46F9-9388-F1935FD654AD}" type="sibTrans" cxnId="{E4F066E4-1D77-4927-8136-499C95C662E4}">
+      <dgm:prSet/>
+      <dgm:spPr/>
+      <dgm:t>
+        <a:bodyPr/>
+        <a:lstStyle/>
+        <a:p>
+          <a:endParaRPr lang="en-US"/>
+        </a:p>
+      </dgm:t>
+    </dgm:pt>
+    <dgm:pt modelId="{33A14CDB-B2D7-493B-8D28-14296E3488B2}" type="pres">
+      <dgm:prSet presAssocID="{3D31B322-81F7-4E9C-9F2A-64CAB7462423}" presName="Name0" presStyleCnt="0">
+        <dgm:presLayoutVars>
+          <dgm:dir/>
+          <dgm:animLvl val="lvl"/>
+          <dgm:resizeHandles val="exact"/>
+        </dgm:presLayoutVars>
+      </dgm:prSet>
+      <dgm:spPr/>
+    </dgm:pt>
+    <dgm:pt modelId="{CE83DC7D-9CE0-4618-9336-8555A1B1D66A}" type="pres">
+      <dgm:prSet presAssocID="{42253BC0-6DDC-4130-B940-E398BD1C7558}" presName="composite" presStyleCnt="0"/>
+      <dgm:spPr/>
+    </dgm:pt>
+    <dgm:pt modelId="{4C4D100F-2B9B-412B-95B4-2A1731CB8921}" type="pres">
+      <dgm:prSet presAssocID="{42253BC0-6DDC-4130-B940-E398BD1C7558}" presName="parTx" presStyleLbl="alignNode1" presStyleIdx="0" presStyleCnt="5">
+        <dgm:presLayoutVars>
+          <dgm:chMax val="0"/>
+          <dgm:chPref val="0"/>
+          <dgm:bulletEnabled val="1"/>
+        </dgm:presLayoutVars>
+      </dgm:prSet>
+      <dgm:spPr/>
+    </dgm:pt>
+    <dgm:pt modelId="{E79F968C-8E4C-4F7E-B73D-FD2F848DACF3}" type="pres">
+      <dgm:prSet presAssocID="{42253BC0-6DDC-4130-B940-E398BD1C7558}" presName="desTx" presStyleLbl="alignAccFollowNode1" presStyleIdx="0" presStyleCnt="5">
+        <dgm:presLayoutVars>
+          <dgm:bulletEnabled val="1"/>
+        </dgm:presLayoutVars>
+      </dgm:prSet>
+      <dgm:spPr/>
+    </dgm:pt>
+    <dgm:pt modelId="{F5DEB90F-F8E1-4297-899B-37C9C1E287E0}" type="pres">
+      <dgm:prSet presAssocID="{3D16B10C-DE5D-47EB-86ED-4BFEFB6F79BE}" presName="space" presStyleCnt="0"/>
+      <dgm:spPr/>
+    </dgm:pt>
+    <dgm:pt modelId="{A091590A-B58E-449E-B537-C2995B4ED7F6}" type="pres">
+      <dgm:prSet presAssocID="{E0509385-727F-4EBD-A98B-7867DED54ED6}" presName="composite" presStyleCnt="0"/>
+      <dgm:spPr/>
+    </dgm:pt>
+    <dgm:pt modelId="{C45ED0D1-52DB-457A-A4DA-4D063B7BCC86}" type="pres">
+      <dgm:prSet presAssocID="{E0509385-727F-4EBD-A98B-7867DED54ED6}" presName="parTx" presStyleLbl="alignNode1" presStyleIdx="1" presStyleCnt="5">
+        <dgm:presLayoutVars>
+          <dgm:chMax val="0"/>
+          <dgm:chPref val="0"/>
+          <dgm:bulletEnabled val="1"/>
+        </dgm:presLayoutVars>
+      </dgm:prSet>
+      <dgm:spPr/>
+    </dgm:pt>
+    <dgm:pt modelId="{518B92E0-6A7E-42FA-83CD-44CBE3A846C8}" type="pres">
+      <dgm:prSet presAssocID="{E0509385-727F-4EBD-A98B-7867DED54ED6}" presName="desTx" presStyleLbl="alignAccFollowNode1" presStyleIdx="1" presStyleCnt="5">
+        <dgm:presLayoutVars>
+          <dgm:bulletEnabled val="1"/>
+        </dgm:presLayoutVars>
+      </dgm:prSet>
+      <dgm:spPr/>
+    </dgm:pt>
+    <dgm:pt modelId="{0248F45B-F661-44C5-82A9-FF8BA0F847E5}" type="pres">
+      <dgm:prSet presAssocID="{BC89C0D5-158C-4A8E-AC86-4959CBCDC5BF}" presName="space" presStyleCnt="0"/>
+      <dgm:spPr/>
+    </dgm:pt>
+    <dgm:pt modelId="{49074884-7F55-42D1-AA4E-92D6499B19F4}" type="pres">
+      <dgm:prSet presAssocID="{35846BED-5D74-450F-A7F8-D30FBE6D189F}" presName="composite" presStyleCnt="0"/>
+      <dgm:spPr/>
+    </dgm:pt>
+    <dgm:pt modelId="{AE31F2D8-C6EF-4734-BC8D-F51DE0CEDCA4}" type="pres">
+      <dgm:prSet presAssocID="{35846BED-5D74-450F-A7F8-D30FBE6D189F}" presName="parTx" presStyleLbl="alignNode1" presStyleIdx="2" presStyleCnt="5">
+        <dgm:presLayoutVars>
+          <dgm:chMax val="0"/>
+          <dgm:chPref val="0"/>
+          <dgm:bulletEnabled val="1"/>
+        </dgm:presLayoutVars>
+      </dgm:prSet>
+      <dgm:spPr/>
+    </dgm:pt>
+    <dgm:pt modelId="{75260A54-8D3C-4D96-8DB4-5D65291183B5}" type="pres">
+      <dgm:prSet presAssocID="{35846BED-5D74-450F-A7F8-D30FBE6D189F}" presName="desTx" presStyleLbl="alignAccFollowNode1" presStyleIdx="2" presStyleCnt="5">
+        <dgm:presLayoutVars>
+          <dgm:bulletEnabled val="1"/>
+        </dgm:presLayoutVars>
+      </dgm:prSet>
+      <dgm:spPr/>
+    </dgm:pt>
+    <dgm:pt modelId="{9B6C4F77-6E18-4F8A-8829-68831DBFD39A}" type="pres">
+      <dgm:prSet presAssocID="{74A39F45-9113-441B-B541-EBE68EB05059}" presName="space" presStyleCnt="0"/>
+      <dgm:spPr/>
+    </dgm:pt>
+    <dgm:pt modelId="{79643F2D-2A3C-419D-B2D9-931185E9F3DB}" type="pres">
+      <dgm:prSet presAssocID="{375DF98F-16D6-4103-90C8-E08F54A84544}" presName="composite" presStyleCnt="0"/>
+      <dgm:spPr/>
+    </dgm:pt>
+    <dgm:pt modelId="{FC407B6A-3E5E-40EA-A928-A0DC79A9F316}" type="pres">
+      <dgm:prSet presAssocID="{375DF98F-16D6-4103-90C8-E08F54A84544}" presName="parTx" presStyleLbl="alignNode1" presStyleIdx="3" presStyleCnt="5">
+        <dgm:presLayoutVars>
+          <dgm:chMax val="0"/>
+          <dgm:chPref val="0"/>
+          <dgm:bulletEnabled val="1"/>
+        </dgm:presLayoutVars>
+      </dgm:prSet>
+      <dgm:spPr/>
+    </dgm:pt>
+    <dgm:pt modelId="{8B5E47B5-ED59-45A4-92BE-2FD1E51FA122}" type="pres">
+      <dgm:prSet presAssocID="{375DF98F-16D6-4103-90C8-E08F54A84544}" presName="desTx" presStyleLbl="alignAccFollowNode1" presStyleIdx="3" presStyleCnt="5">
+        <dgm:presLayoutVars>
+          <dgm:bulletEnabled val="1"/>
+        </dgm:presLayoutVars>
+      </dgm:prSet>
+      <dgm:spPr/>
+    </dgm:pt>
+    <dgm:pt modelId="{41D430EE-16E2-4C72-827F-C64BDE559602}" type="pres">
+      <dgm:prSet presAssocID="{0CD91DA6-89DD-4DCE-A069-ACED06C3124C}" presName="space" presStyleCnt="0"/>
+      <dgm:spPr/>
+    </dgm:pt>
+    <dgm:pt modelId="{DFC9AC40-14BB-4721-8E59-24D2D9B33059}" type="pres">
+      <dgm:prSet presAssocID="{5263F7ED-3AAF-470B-BAC9-F4FFD0A65CE0}" presName="composite" presStyleCnt="0"/>
+      <dgm:spPr/>
+    </dgm:pt>
+    <dgm:pt modelId="{314204E0-E9FE-4E9B-A091-8B68AE0FCDCF}" type="pres">
+      <dgm:prSet presAssocID="{5263F7ED-3AAF-470B-BAC9-F4FFD0A65CE0}" presName="parTx" presStyleLbl="alignNode1" presStyleIdx="4" presStyleCnt="5">
+        <dgm:presLayoutVars>
+          <dgm:chMax val="0"/>
+          <dgm:chPref val="0"/>
+          <dgm:bulletEnabled val="1"/>
+        </dgm:presLayoutVars>
+      </dgm:prSet>
+      <dgm:spPr/>
+    </dgm:pt>
+    <dgm:pt modelId="{86B3BC91-8F30-4B56-A325-503C165D791F}" type="pres">
+      <dgm:prSet presAssocID="{5263F7ED-3AAF-470B-BAC9-F4FFD0A65CE0}" presName="desTx" presStyleLbl="alignAccFollowNode1" presStyleIdx="4" presStyleCnt="5">
+        <dgm:presLayoutVars>
+          <dgm:bulletEnabled val="1"/>
+        </dgm:presLayoutVars>
+      </dgm:prSet>
+      <dgm:spPr/>
+    </dgm:pt>
+  </dgm:ptLst>
+  <dgm:cxnLst>
+    <dgm:cxn modelId="{EFD6FA09-DA75-4C37-9A64-F3945CEDF218}" type="presOf" srcId="{EA46E46E-3697-4133-A9AF-09BA72675E3E}" destId="{E79F968C-8E4C-4F7E-B73D-FD2F848DACF3}" srcOrd="0" destOrd="4" presId="urn:microsoft.com/office/officeart/2005/8/layout/hList1"/>
+    <dgm:cxn modelId="{42DFD915-1A31-471B-A6A0-4614DBAE8644}" type="presOf" srcId="{2989191C-25FF-4776-BEE9-4599A1DC3E88}" destId="{8B5E47B5-ED59-45A4-92BE-2FD1E51FA122}" srcOrd="0" destOrd="2" presId="urn:microsoft.com/office/officeart/2005/8/layout/hList1"/>
+    <dgm:cxn modelId="{A952C922-387C-46AF-BD88-3351FCF0EDA0}" srcId="{42253BC0-6DDC-4130-B940-E398BD1C7558}" destId="{7CBE3784-1E30-4893-B7D7-B61ADFC8C12B}" srcOrd="0" destOrd="0" parTransId="{9BC874FB-F378-4526-BB9A-70461B07566F}" sibTransId="{B16A36E0-B5D9-474F-891B-CFA73EBD9C34}"/>
+    <dgm:cxn modelId="{9BF3E626-52F9-4394-85D0-A859FCF3B3BB}" type="presOf" srcId="{7CBE3784-1E30-4893-B7D7-B61ADFC8C12B}" destId="{E79F968C-8E4C-4F7E-B73D-FD2F848DACF3}" srcOrd="0" destOrd="0" presId="urn:microsoft.com/office/officeart/2005/8/layout/hList1"/>
+    <dgm:cxn modelId="{687BAA3C-1A62-45EC-9761-B62728D59176}" srcId="{5263F7ED-3AAF-470B-BAC9-F4FFD0A65CE0}" destId="{67EDF6FD-3971-4B72-A213-63AAABAC73F7}" srcOrd="1" destOrd="0" parTransId="{D8EA1B3C-B092-49D4-8C11-479E3A338338}" sibTransId="{F0AEBF9F-6491-4FDA-A658-FAE358223225}"/>
+    <dgm:cxn modelId="{CEBC4560-AC76-4DBB-8FC6-98EBAB212CC5}" type="presOf" srcId="{2CAEC516-F813-4C4E-A5C6-B04252D206F2}" destId="{E79F968C-8E4C-4F7E-B73D-FD2F848DACF3}" srcOrd="0" destOrd="3" presId="urn:microsoft.com/office/officeart/2005/8/layout/hList1"/>
+    <dgm:cxn modelId="{A541F241-9BB1-4BC6-AFAC-44B0518F484B}" type="presOf" srcId="{9CF2300C-3A7E-487A-BACC-D9702177B983}" destId="{86B3BC91-8F30-4B56-A325-503C165D791F}" srcOrd="0" destOrd="0" presId="urn:microsoft.com/office/officeart/2005/8/layout/hList1"/>
+    <dgm:cxn modelId="{D6C50846-BB96-42C1-B4A9-560C6BBB5F57}" srcId="{5263F7ED-3AAF-470B-BAC9-F4FFD0A65CE0}" destId="{9CF2300C-3A7E-487A-BACC-D9702177B983}" srcOrd="0" destOrd="0" parTransId="{6DC8CECD-F847-496D-82DA-3ED69AFBC552}" sibTransId="{FD1C9042-CB3B-4BEB-AC5D-31F94DDB4F10}"/>
+    <dgm:cxn modelId="{52B3964D-8FE8-49A2-910A-99359AB07995}" type="presOf" srcId="{E09CDA1F-4979-4B95-99CB-9C89B8D1D3EF}" destId="{8B5E47B5-ED59-45A4-92BE-2FD1E51FA122}" srcOrd="0" destOrd="0" presId="urn:microsoft.com/office/officeart/2005/8/layout/hList1"/>
+    <dgm:cxn modelId="{C8E3DE6F-7754-4EE1-86B6-3A641AB489DB}" type="presOf" srcId="{3D31B322-81F7-4E9C-9F2A-64CAB7462423}" destId="{33A14CDB-B2D7-493B-8D28-14296E3488B2}" srcOrd="0" destOrd="0" presId="urn:microsoft.com/office/officeart/2005/8/layout/hList1"/>
+    <dgm:cxn modelId="{5081E14F-4B25-4476-969E-6A6F576D1CEB}" type="presOf" srcId="{35846BED-5D74-450F-A7F8-D30FBE6D189F}" destId="{AE31F2D8-C6EF-4734-BC8D-F51DE0CEDCA4}" srcOrd="0" destOrd="0" presId="urn:microsoft.com/office/officeart/2005/8/layout/hList1"/>
+    <dgm:cxn modelId="{568CEB73-FDF2-4D7B-A4DA-645A1B628BD7}" srcId="{375DF98F-16D6-4103-90C8-E08F54A84544}" destId="{2989191C-25FF-4776-BEE9-4599A1DC3E88}" srcOrd="2" destOrd="0" parTransId="{4C2AAFE1-824A-45B6-B79A-B1E3188BED70}" sibTransId="{D3723E3A-BFB4-406C-8464-197AC2B834AE}"/>
+    <dgm:cxn modelId="{174CE382-4307-4D69-ACE2-3BD4BE60899E}" srcId="{35846BED-5D74-450F-A7F8-D30FBE6D189F}" destId="{92F8BF37-19EC-42ED-8CF0-9868D8C776EC}" srcOrd="0" destOrd="0" parTransId="{0D03525F-7D5B-46BC-9598-374DACDB1D5E}" sibTransId="{4A4BC265-1078-4F28-85E6-191022DDF130}"/>
+    <dgm:cxn modelId="{ADE98684-C9E1-4022-92D0-D019B878580B}" srcId="{3D31B322-81F7-4E9C-9F2A-64CAB7462423}" destId="{375DF98F-16D6-4103-90C8-E08F54A84544}" srcOrd="3" destOrd="0" parTransId="{92560F58-316C-42D9-97C1-2C2886BBDA73}" sibTransId="{0CD91DA6-89DD-4DCE-A069-ACED06C3124C}"/>
+    <dgm:cxn modelId="{254B4687-EF26-4873-B343-CBDC709B5E12}" srcId="{42253BC0-6DDC-4130-B940-E398BD1C7558}" destId="{0D118476-45CA-4843-BFDA-A91EAD0D75AB}" srcOrd="1" destOrd="0" parTransId="{26A11D44-B556-4E3D-BDF9-CDD02816CBB1}" sibTransId="{1FD13F2C-7E78-4A00-BBC4-06B06F88402E}"/>
+    <dgm:cxn modelId="{B8515D8C-EC61-4968-858F-6C8E113DCB89}" type="presOf" srcId="{508529BC-357C-43D5-9AD3-DA45E47919E1}" destId="{518B92E0-6A7E-42FA-83CD-44CBE3A846C8}" srcOrd="0" destOrd="0" presId="urn:microsoft.com/office/officeart/2005/8/layout/hList1"/>
+    <dgm:cxn modelId="{B3F90493-683C-4010-9AA1-E09D6515BF51}" srcId="{E0509385-727F-4EBD-A98B-7867DED54ED6}" destId="{508529BC-357C-43D5-9AD3-DA45E47919E1}" srcOrd="0" destOrd="0" parTransId="{1A832FEF-20B6-4F13-845B-53796FF280CE}" sibTransId="{D73FAA1B-1743-4115-B32C-CB2CAB92960F}"/>
+    <dgm:cxn modelId="{1E978FA4-58E9-4C2F-AEFE-063E6EC9F896}" srcId="{3D31B322-81F7-4E9C-9F2A-64CAB7462423}" destId="{42253BC0-6DDC-4130-B940-E398BD1C7558}" srcOrd="0" destOrd="0" parTransId="{9D63D61F-BDC2-4334-8204-7F2778FD9481}" sibTransId="{3D16B10C-DE5D-47EB-86ED-4BFEFB6F79BE}"/>
+    <dgm:cxn modelId="{08C39BA5-43C0-4165-AE48-B3E8E1E109FF}" type="presOf" srcId="{E0509385-727F-4EBD-A98B-7867DED54ED6}" destId="{C45ED0D1-52DB-457A-A4DA-4D063B7BCC86}" srcOrd="0" destOrd="0" presId="urn:microsoft.com/office/officeart/2005/8/layout/hList1"/>
+    <dgm:cxn modelId="{EE2D8EA9-9C55-4C3F-8B37-A963489CEF14}" type="presOf" srcId="{0D118476-45CA-4843-BFDA-A91EAD0D75AB}" destId="{E79F968C-8E4C-4F7E-B73D-FD2F848DACF3}" srcOrd="0" destOrd="1" presId="urn:microsoft.com/office/officeart/2005/8/layout/hList1"/>
+    <dgm:cxn modelId="{73C524AB-3FB8-41A7-A8E7-180C2E5C11EC}" srcId="{42253BC0-6DDC-4130-B940-E398BD1C7558}" destId="{EA46E46E-3697-4133-A9AF-09BA72675E3E}" srcOrd="4" destOrd="0" parTransId="{75EC29D9-8DDC-48EC-80D7-5A08D98BE44F}" sibTransId="{F20C1CE0-B8AE-43CA-9A01-69A9F1C47266}"/>
+    <dgm:cxn modelId="{BCC55EB1-F5AF-4450-A7F0-A3516C966C1C}" type="presOf" srcId="{0D40F34F-7258-4BDF-B009-2B65930045ED}" destId="{86B3BC91-8F30-4B56-A325-503C165D791F}" srcOrd="0" destOrd="2" presId="urn:microsoft.com/office/officeart/2005/8/layout/hList1"/>
+    <dgm:cxn modelId="{422642B7-5B57-407B-8FE1-63AB6E2A231C}" srcId="{3D31B322-81F7-4E9C-9F2A-64CAB7462423}" destId="{5263F7ED-3AAF-470B-BAC9-F4FFD0A65CE0}" srcOrd="4" destOrd="0" parTransId="{C0FA654A-AC64-42D3-A0C8-A11D62534BDB}" sibTransId="{D45EC479-DE0A-451E-BDD5-290BE9A60937}"/>
+    <dgm:cxn modelId="{629261BF-92FE-405D-83F3-84A1BABA013D}" type="presOf" srcId="{4C21C638-B3DF-4037-B3E9-E3BAA6952A7D}" destId="{E79F968C-8E4C-4F7E-B73D-FD2F848DACF3}" srcOrd="0" destOrd="2" presId="urn:microsoft.com/office/officeart/2005/8/layout/hList1"/>
+    <dgm:cxn modelId="{AB8A5BC0-B021-47B9-8BD9-497BD23FD67D}" srcId="{42253BC0-6DDC-4130-B940-E398BD1C7558}" destId="{4C21C638-B3DF-4037-B3E9-E3BAA6952A7D}" srcOrd="2" destOrd="0" parTransId="{1EF97AD2-6A95-44EC-AD28-1958BC260B51}" sibTransId="{27E98DD1-32ED-4564-914F-F4310859C34F}"/>
+    <dgm:cxn modelId="{18E148CE-E1B8-4EC4-9354-27BB7149AD5A}" srcId="{5263F7ED-3AAF-470B-BAC9-F4FFD0A65CE0}" destId="{0D40F34F-7258-4BDF-B009-2B65930045ED}" srcOrd="2" destOrd="0" parTransId="{E5EFB840-27B8-453A-AB9E-609C8E31BFEF}" sibTransId="{7B5CE444-9354-440E-98A5-9B7B41DB933E}"/>
+    <dgm:cxn modelId="{1A5361D2-C19B-442D-858A-1769368CE6FF}" srcId="{42253BC0-6DDC-4130-B940-E398BD1C7558}" destId="{2CAEC516-F813-4C4E-A5C6-B04252D206F2}" srcOrd="3" destOrd="0" parTransId="{7A5EC618-1DCC-44E5-A074-C27C845F2CCF}" sibTransId="{9046FEBD-D32F-4704-8599-40696E6F2A56}"/>
+    <dgm:cxn modelId="{0A2CCDD6-5678-49B6-AFBF-142DEFD00841}" type="presOf" srcId="{5263F7ED-3AAF-470B-BAC9-F4FFD0A65CE0}" destId="{314204E0-E9FE-4E9B-A091-8B68AE0FCDCF}" srcOrd="0" destOrd="0" presId="urn:microsoft.com/office/officeart/2005/8/layout/hList1"/>
+    <dgm:cxn modelId="{B2B57CDA-69FC-4570-872B-9F8DB9B21A61}" srcId="{3D31B322-81F7-4E9C-9F2A-64CAB7462423}" destId="{35846BED-5D74-450F-A7F8-D30FBE6D189F}" srcOrd="2" destOrd="0" parTransId="{ED8AB7E7-AD54-47B8-808E-87CCB516E66E}" sibTransId="{74A39F45-9113-441B-B541-EBE68EB05059}"/>
+    <dgm:cxn modelId="{16D0A0DB-D965-4399-BF5C-C2D9679CF917}" srcId="{375DF98F-16D6-4103-90C8-E08F54A84544}" destId="{77A1D022-D23F-48B8-96FE-AFB6B3679B1E}" srcOrd="1" destOrd="0" parTransId="{50B7F1B7-F38E-4DA5-8793-EB37D4767FF1}" sibTransId="{AAD8AD4B-AA24-4AD7-9215-CD43C50688D6}"/>
+    <dgm:cxn modelId="{36A19EDC-3354-43E3-A8A8-138765F58D40}" srcId="{3D31B322-81F7-4E9C-9F2A-64CAB7462423}" destId="{E0509385-727F-4EBD-A98B-7867DED54ED6}" srcOrd="1" destOrd="0" parTransId="{5570C316-FB55-4E1A-BEB0-5F76D74D5C31}" sibTransId="{BC89C0D5-158C-4A8E-AC86-4959CBCDC5BF}"/>
+    <dgm:cxn modelId="{41EE30DE-B21A-4A08-8D5D-3C71ED929197}" type="presOf" srcId="{EC71C787-59B4-4FB0-BDA1-28BAE4F8AE59}" destId="{86B3BC91-8F30-4B56-A325-503C165D791F}" srcOrd="0" destOrd="3" presId="urn:microsoft.com/office/officeart/2005/8/layout/hList1"/>
+    <dgm:cxn modelId="{D586D8E2-B1EB-4430-8B9E-DD9B00B242ED}" type="presOf" srcId="{67EDF6FD-3971-4B72-A213-63AAABAC73F7}" destId="{86B3BC91-8F30-4B56-A325-503C165D791F}" srcOrd="0" destOrd="1" presId="urn:microsoft.com/office/officeart/2005/8/layout/hList1"/>
+    <dgm:cxn modelId="{E4F066E4-1D77-4927-8136-499C95C662E4}" srcId="{5263F7ED-3AAF-470B-BAC9-F4FFD0A65CE0}" destId="{EC71C787-59B4-4FB0-BDA1-28BAE4F8AE59}" srcOrd="3" destOrd="0" parTransId="{2F7B64AA-D0ED-47A0-8EDC-324A92E5A173}" sibTransId="{FBFF1BC5-40D9-46F9-9388-F1935FD654AD}"/>
+    <dgm:cxn modelId="{7A2812E7-9A6C-48E4-9461-D973CEDCB9DB}" type="presOf" srcId="{77A1D022-D23F-48B8-96FE-AFB6B3679B1E}" destId="{8B5E47B5-ED59-45A4-92BE-2FD1E51FA122}" srcOrd="0" destOrd="1" presId="urn:microsoft.com/office/officeart/2005/8/layout/hList1"/>
+    <dgm:cxn modelId="{7B8B73EA-DF25-4BE1-ADF0-AED6F4904709}" type="presOf" srcId="{92F8BF37-19EC-42ED-8CF0-9868D8C776EC}" destId="{75260A54-8D3C-4D96-8DB4-5D65291183B5}" srcOrd="0" destOrd="0" presId="urn:microsoft.com/office/officeart/2005/8/layout/hList1"/>
+    <dgm:cxn modelId="{1A53F0EB-C0FD-45E4-AFA4-DE835D6CA151}" srcId="{375DF98F-16D6-4103-90C8-E08F54A84544}" destId="{E09CDA1F-4979-4B95-99CB-9C89B8D1D3EF}" srcOrd="0" destOrd="0" parTransId="{88D3E86F-9202-4375-90B3-167880D3E98F}" sibTransId="{AE9A0CD4-82A0-48CF-92B7-28675CDE6A38}"/>
+    <dgm:cxn modelId="{EDE5F6F3-CAC4-4A43-AD9B-13E2C5FB05F4}" type="presOf" srcId="{42253BC0-6DDC-4130-B940-E398BD1C7558}" destId="{4C4D100F-2B9B-412B-95B4-2A1731CB8921}" srcOrd="0" destOrd="0" presId="urn:microsoft.com/office/officeart/2005/8/layout/hList1"/>
+    <dgm:cxn modelId="{1AEE49FA-063A-42E8-80DF-7784EB328A24}" type="presOf" srcId="{375DF98F-16D6-4103-90C8-E08F54A84544}" destId="{FC407B6A-3E5E-40EA-A928-A0DC79A9F316}" srcOrd="0" destOrd="0" presId="urn:microsoft.com/office/officeart/2005/8/layout/hList1"/>
+    <dgm:cxn modelId="{39DDA961-3AE5-48B1-B25A-7F2694148BB2}" type="presParOf" srcId="{33A14CDB-B2D7-493B-8D28-14296E3488B2}" destId="{CE83DC7D-9CE0-4618-9336-8555A1B1D66A}" srcOrd="0" destOrd="0" presId="urn:microsoft.com/office/officeart/2005/8/layout/hList1"/>
+    <dgm:cxn modelId="{85F8AD9C-7B53-403A-8142-BB6E946AD4D1}" type="presParOf" srcId="{CE83DC7D-9CE0-4618-9336-8555A1B1D66A}" destId="{4C4D100F-2B9B-412B-95B4-2A1731CB8921}" srcOrd="0" destOrd="0" presId="urn:microsoft.com/office/officeart/2005/8/layout/hList1"/>
+    <dgm:cxn modelId="{96C6650D-E2D5-4D37-AEA7-5FD229E94A2F}" type="presParOf" srcId="{CE83DC7D-9CE0-4618-9336-8555A1B1D66A}" destId="{E79F968C-8E4C-4F7E-B73D-FD2F848DACF3}" srcOrd="1" destOrd="0" presId="urn:microsoft.com/office/officeart/2005/8/layout/hList1"/>
+    <dgm:cxn modelId="{C6E3562F-BC76-4DD3-90A2-B53A86E9E382}" type="presParOf" srcId="{33A14CDB-B2D7-493B-8D28-14296E3488B2}" destId="{F5DEB90F-F8E1-4297-899B-37C9C1E287E0}" srcOrd="1" destOrd="0" presId="urn:microsoft.com/office/officeart/2005/8/layout/hList1"/>
+    <dgm:cxn modelId="{402FCAB8-022C-46E7-AD38-4E9B6FE32E56}" type="presParOf" srcId="{33A14CDB-B2D7-493B-8D28-14296E3488B2}" destId="{A091590A-B58E-449E-B537-C2995B4ED7F6}" srcOrd="2" destOrd="0" presId="urn:microsoft.com/office/officeart/2005/8/layout/hList1"/>
+    <dgm:cxn modelId="{B415C525-FD5D-4E4C-A76A-0FB9F11C5519}" type="presParOf" srcId="{A091590A-B58E-449E-B537-C2995B4ED7F6}" destId="{C45ED0D1-52DB-457A-A4DA-4D063B7BCC86}" srcOrd="0" destOrd="0" presId="urn:microsoft.com/office/officeart/2005/8/layout/hList1"/>
+    <dgm:cxn modelId="{92A7021E-26ED-443C-A1AF-4B35226BE001}" type="presParOf" srcId="{A091590A-B58E-449E-B537-C2995B4ED7F6}" destId="{518B92E0-6A7E-42FA-83CD-44CBE3A846C8}" srcOrd="1" destOrd="0" presId="urn:microsoft.com/office/officeart/2005/8/layout/hList1"/>
+    <dgm:cxn modelId="{367683E9-8C46-4E32-983D-35E40CD75DA9}" type="presParOf" srcId="{33A14CDB-B2D7-493B-8D28-14296E3488B2}" destId="{0248F45B-F661-44C5-82A9-FF8BA0F847E5}" srcOrd="3" destOrd="0" presId="urn:microsoft.com/office/officeart/2005/8/layout/hList1"/>
+    <dgm:cxn modelId="{2EE29B2B-5815-4009-A0BB-8BDC1C7FED9C}" type="presParOf" srcId="{33A14CDB-B2D7-493B-8D28-14296E3488B2}" destId="{49074884-7F55-42D1-AA4E-92D6499B19F4}" srcOrd="4" destOrd="0" presId="urn:microsoft.com/office/officeart/2005/8/layout/hList1"/>
+    <dgm:cxn modelId="{AD110248-1805-480B-B3AB-182152B5BF17}" type="presParOf" srcId="{49074884-7F55-42D1-AA4E-92D6499B19F4}" destId="{AE31F2D8-C6EF-4734-BC8D-F51DE0CEDCA4}" srcOrd="0" destOrd="0" presId="urn:microsoft.com/office/officeart/2005/8/layout/hList1"/>
+    <dgm:cxn modelId="{7664C297-BDEA-4EFF-B22B-D1ED94C2D0F0}" type="presParOf" srcId="{49074884-7F55-42D1-AA4E-92D6499B19F4}" destId="{75260A54-8D3C-4D96-8DB4-5D65291183B5}" srcOrd="1" destOrd="0" presId="urn:microsoft.com/office/officeart/2005/8/layout/hList1"/>
+    <dgm:cxn modelId="{732E2A0F-5A89-4FCC-B411-2AB997227ADA}" type="presParOf" srcId="{33A14CDB-B2D7-493B-8D28-14296E3488B2}" destId="{9B6C4F77-6E18-4F8A-8829-68831DBFD39A}" srcOrd="5" destOrd="0" presId="urn:microsoft.com/office/officeart/2005/8/layout/hList1"/>
+    <dgm:cxn modelId="{39159D4F-5608-477F-BAB0-1C59A434343F}" type="presParOf" srcId="{33A14CDB-B2D7-493B-8D28-14296E3488B2}" destId="{79643F2D-2A3C-419D-B2D9-931185E9F3DB}" srcOrd="6" destOrd="0" presId="urn:microsoft.com/office/officeart/2005/8/layout/hList1"/>
+    <dgm:cxn modelId="{3421D6AB-0BFF-44D8-9921-38097A79261C}" type="presParOf" srcId="{79643F2D-2A3C-419D-B2D9-931185E9F3DB}" destId="{FC407B6A-3E5E-40EA-A928-A0DC79A9F316}" srcOrd="0" destOrd="0" presId="urn:microsoft.com/office/officeart/2005/8/layout/hList1"/>
+    <dgm:cxn modelId="{604702E7-5C41-4BDD-97EC-3DEE22617610}" type="presParOf" srcId="{79643F2D-2A3C-419D-B2D9-931185E9F3DB}" destId="{8B5E47B5-ED59-45A4-92BE-2FD1E51FA122}" srcOrd="1" destOrd="0" presId="urn:microsoft.com/office/officeart/2005/8/layout/hList1"/>
+    <dgm:cxn modelId="{9DF3504E-082A-4753-A16C-2C55696A18AA}" type="presParOf" srcId="{33A14CDB-B2D7-493B-8D28-14296E3488B2}" destId="{41D430EE-16E2-4C72-827F-C64BDE559602}" srcOrd="7" destOrd="0" presId="urn:microsoft.com/office/officeart/2005/8/layout/hList1"/>
+    <dgm:cxn modelId="{37F2A92D-0C97-45D9-A062-D8ABB54E5C07}" type="presParOf" srcId="{33A14CDB-B2D7-493B-8D28-14296E3488B2}" destId="{DFC9AC40-14BB-4721-8E59-24D2D9B33059}" srcOrd="8" destOrd="0" presId="urn:microsoft.com/office/officeart/2005/8/layout/hList1"/>
+    <dgm:cxn modelId="{65E077A7-A8AA-497B-81CE-8413FFC1ECF7}" type="presParOf" srcId="{DFC9AC40-14BB-4721-8E59-24D2D9B33059}" destId="{314204E0-E9FE-4E9B-A091-8B68AE0FCDCF}" srcOrd="0" destOrd="0" presId="urn:microsoft.com/office/officeart/2005/8/layout/hList1"/>
+    <dgm:cxn modelId="{829EB934-1F04-4D73-8128-8C22CC7664EB}" type="presParOf" srcId="{DFC9AC40-14BB-4721-8E59-24D2D9B33059}" destId="{86B3BC91-8F30-4B56-A325-503C165D791F}" srcOrd="1" destOrd="0" presId="urn:microsoft.com/office/officeart/2005/8/layout/hList1"/>
+  </dgm:cxnLst>
+  <dgm:bg/>
+  <dgm:whole/>
+  <dgm:extLst>
+    <a:ext uri="http://schemas.microsoft.com/office/drawing/2008/diagram">
+      <dsp:dataModelExt xmlns:dsp="http://schemas.microsoft.com/office/drawing/2008/diagram" relId="rId6" minVer="http://schemas.openxmlformats.org/drawingml/2006/diagram"/>
+    </a:ext>
+  </dgm:extLst>
+</dgm:dataModel>
+</file>
+
+<file path=ppt/diagrams/data4.xml><?xml version="1.0" encoding="utf-8"?>
+<dgm:dataModel xmlns:dgm="http://schemas.openxmlformats.org/drawingml/2006/diagram" xmlns:a="http://schemas.openxmlformats.org/drawingml/2006/main">
+  <dgm:ptLst>
+    <dgm:pt modelId="{7C0767F4-49A8-4C1D-9FAC-3BC49D08218E}" type="doc">
+      <dgm:prSet loTypeId="urn:microsoft.com/office/officeart/2005/8/layout/default" loCatId="list" qsTypeId="urn:microsoft.com/office/officeart/2005/8/quickstyle/simple1" qsCatId="simple" csTypeId="urn:microsoft.com/office/officeart/2005/8/colors/accent1_2" csCatId="accent1" phldr="1"/>
+      <dgm:spPr/>
+      <dgm:t>
+        <a:bodyPr/>
+        <a:lstStyle/>
+        <a:p>
+          <a:endParaRPr lang="en-US"/>
+        </a:p>
+      </dgm:t>
+    </dgm:pt>
+    <dgm:pt modelId="{545BC824-6181-4CA1-82E5-53DD81752149}">
+      <dgm:prSet phldrT="[Text]"/>
+      <dgm:spPr/>
+      <dgm:t>
+        <a:bodyPr/>
+        <a:lstStyle/>
+        <a:p>
+          <a:r>
+            <a:rPr lang="de-DE" dirty="0"/>
+            <a:t>Als Systemarchitekt möchte ich die Anwendung in einem Spring Boot Container verpacken, um sie auf verschiedenen Zielsystemen leicht ausrollen zu können und die Erweiterbarkeit zu gewährleisten. (</a:t>
+          </a:r>
+          <a:r>
+            <a:rPr lang="de-DE" dirty="0">
+              <a:sym typeface="Wingdings" panose="05000000000000000000" pitchFamily="2" charset="2"/>
+            </a:rPr>
+            <a:t>Spring Boot)</a:t>
+          </a:r>
+          <a:endParaRPr lang="en-US" dirty="0"/>
+        </a:p>
+      </dgm:t>
+    </dgm:pt>
+    <dgm:pt modelId="{ACF386FC-FFFA-4BC7-84C7-E5875848454F}" type="parTrans" cxnId="{4FF7C5E9-9DC3-4EA5-8FAE-8B6995018ACE}">
+      <dgm:prSet/>
+      <dgm:spPr/>
+      <dgm:t>
+        <a:bodyPr/>
+        <a:lstStyle/>
+        <a:p>
+          <a:endParaRPr lang="en-US"/>
+        </a:p>
+      </dgm:t>
+    </dgm:pt>
+    <dgm:pt modelId="{DEB0E6D2-D714-4D02-A926-5D0BEB0E678A}" type="sibTrans" cxnId="{4FF7C5E9-9DC3-4EA5-8FAE-8B6995018ACE}">
+      <dgm:prSet/>
+      <dgm:spPr/>
+      <dgm:t>
+        <a:bodyPr/>
+        <a:lstStyle/>
+        <a:p>
+          <a:endParaRPr lang="en-US"/>
+        </a:p>
+      </dgm:t>
+    </dgm:pt>
+    <dgm:pt modelId="{6FE37DD5-CE9E-4E3B-B062-92A2899DD756}">
+      <dgm:prSet phldrT="[Text]"/>
+      <dgm:spPr/>
+      <dgm:t>
+        <a:bodyPr/>
+        <a:lstStyle/>
+        <a:p>
+          <a:r>
+            <a:rPr lang="de-DE" dirty="0"/>
+            <a:t>Als Bürosachbearbeiter möchte ich Kundennummern und Kontonummern automatisch nach Bankvorgaben generieren lassen, um die Anwendung leicht an bestehende Regelungen anpassen zu können. (</a:t>
+          </a:r>
+          <a:r>
+            <a:rPr lang="de-DE" dirty="0">
+              <a:sym typeface="Wingdings" panose="05000000000000000000" pitchFamily="2" charset="2"/>
+            </a:rPr>
+            <a:t> @</a:t>
+          </a:r>
+          <a:r>
+            <a:rPr lang="de-DE" dirty="0" err="1">
+              <a:sym typeface="Wingdings" panose="05000000000000000000" pitchFamily="2" charset="2"/>
+            </a:rPr>
+            <a:t>Component</a:t>
+          </a:r>
+          <a:r>
+            <a:rPr lang="de-DE" dirty="0">
+              <a:sym typeface="Wingdings" panose="05000000000000000000" pitchFamily="2" charset="2"/>
+            </a:rPr>
+            <a:t>)</a:t>
+          </a:r>
+          <a:endParaRPr lang="en-US" dirty="0"/>
+        </a:p>
+      </dgm:t>
+    </dgm:pt>
+    <dgm:pt modelId="{6B3FF44F-F0AD-4F4E-8B72-B571AE299938}" type="parTrans" cxnId="{707CBD73-51EE-4CEC-AC7B-B8A8223B15E9}">
+      <dgm:prSet/>
+      <dgm:spPr/>
+      <dgm:t>
+        <a:bodyPr/>
+        <a:lstStyle/>
+        <a:p>
+          <a:endParaRPr lang="en-US"/>
+        </a:p>
+      </dgm:t>
+    </dgm:pt>
+    <dgm:pt modelId="{5AFB1AB5-8AC1-4599-8DE3-1395C3B6609C}" type="sibTrans" cxnId="{707CBD73-51EE-4CEC-AC7B-B8A8223B15E9}">
+      <dgm:prSet/>
+      <dgm:spPr/>
+      <dgm:t>
+        <a:bodyPr/>
+        <a:lstStyle/>
+        <a:p>
+          <a:endParaRPr lang="en-US"/>
+        </a:p>
+      </dgm:t>
+    </dgm:pt>
+    <dgm:pt modelId="{DC63964E-DADC-468B-808F-70DA515070D7}">
+      <dgm:prSet phldrT="[Text]"/>
+      <dgm:spPr/>
+      <dgm:t>
+        <a:bodyPr/>
+        <a:lstStyle/>
+        <a:p>
+          <a:r>
+            <a:rPr lang="de-DE" dirty="0"/>
+            <a:t>Als Bürosachbearbeiter möchte ich Konten einen Kreditrahmen zuweisen und Zahlungen automatisch zurückweisen, wenn dadurch der Kreditrahmen überzogen wird.               (</a:t>
+          </a:r>
+          <a:r>
+            <a:rPr lang="de-DE" dirty="0">
+              <a:sym typeface="Wingdings" panose="05000000000000000000" pitchFamily="2" charset="2"/>
+            </a:rPr>
+            <a:t> @Service)</a:t>
+          </a:r>
+          <a:endParaRPr lang="en-US" dirty="0"/>
+        </a:p>
+      </dgm:t>
+    </dgm:pt>
+    <dgm:pt modelId="{65AD119B-418D-4C69-80C0-BDC816298E9B}" type="parTrans" cxnId="{28A4535C-968A-467D-9CB2-59580FC66F28}">
+      <dgm:prSet/>
+      <dgm:spPr/>
+      <dgm:t>
+        <a:bodyPr/>
+        <a:lstStyle/>
+        <a:p>
+          <a:endParaRPr lang="en-US"/>
+        </a:p>
+      </dgm:t>
+    </dgm:pt>
+    <dgm:pt modelId="{64100AD5-E5B7-42B2-8967-95A9D419D515}" type="sibTrans" cxnId="{28A4535C-968A-467D-9CB2-59580FC66F28}">
+      <dgm:prSet/>
+      <dgm:spPr/>
+      <dgm:t>
+        <a:bodyPr/>
+        <a:lstStyle/>
+        <a:p>
+          <a:endParaRPr lang="en-US"/>
+        </a:p>
+      </dgm:t>
+    </dgm:pt>
+    <dgm:pt modelId="{AE09EB1B-B228-4EF1-8D84-AC7F45BE7C02}">
+      <dgm:prSet phldrT="[Text]"/>
+      <dgm:spPr/>
+      <dgm:t>
+        <a:bodyPr/>
+        <a:lstStyle/>
+        <a:p>
+          <a:r>
+            <a:rPr lang="de-DE" dirty="0"/>
+            <a:t>Als Geschäftsführer möchte ich Konten verzinsen können, um neue Einnahmemöglichkeiten zu erschließen. Konten mit negativem Kontostand sollen mit 10%, bei positivem Kontostand mit 1% verzinst werden. Die Zinsen sollen zu konfigurierbaren Intervallen berechnet werden. (</a:t>
+          </a:r>
+          <a:r>
+            <a:rPr lang="de-DE" dirty="0">
+              <a:sym typeface="Wingdings" panose="05000000000000000000" pitchFamily="2" charset="2"/>
+            </a:rPr>
+            <a:t>@</a:t>
+          </a:r>
+          <a:r>
+            <a:rPr lang="de-DE" dirty="0" err="1">
+              <a:sym typeface="Wingdings" panose="05000000000000000000" pitchFamily="2" charset="2"/>
+            </a:rPr>
+            <a:t>Scheduled</a:t>
+          </a:r>
+          <a:r>
+            <a:rPr lang="de-DE" dirty="0">
+              <a:sym typeface="Wingdings" panose="05000000000000000000" pitchFamily="2" charset="2"/>
+            </a:rPr>
+            <a:t>)</a:t>
+          </a:r>
+          <a:endParaRPr lang="en-US" dirty="0"/>
+        </a:p>
+      </dgm:t>
+    </dgm:pt>
+    <dgm:pt modelId="{2516917E-2F12-49EE-9BBD-188BB637C2AD}" type="parTrans" cxnId="{3AFE59A0-8634-4446-A957-5C4849AD1CF6}">
+      <dgm:prSet/>
+      <dgm:spPr/>
+      <dgm:t>
+        <a:bodyPr/>
+        <a:lstStyle/>
+        <a:p>
+          <a:endParaRPr lang="en-US"/>
+        </a:p>
+      </dgm:t>
+    </dgm:pt>
+    <dgm:pt modelId="{23A5AC17-64B8-4B40-BF3D-8F97D81572B5}" type="sibTrans" cxnId="{3AFE59A0-8634-4446-A957-5C4849AD1CF6}">
+      <dgm:prSet/>
+      <dgm:spPr/>
+      <dgm:t>
+        <a:bodyPr/>
+        <a:lstStyle/>
+        <a:p>
+          <a:endParaRPr lang="en-US"/>
+        </a:p>
+      </dgm:t>
+    </dgm:pt>
+    <dgm:pt modelId="{2E15C1D2-0BBE-4E79-8233-7F0E13BCFDE1}">
+      <dgm:prSet phldrT="[Text]"/>
+      <dgm:spPr/>
+      <dgm:t>
+        <a:bodyPr/>
+        <a:lstStyle/>
+        <a:p>
+          <a:r>
+            <a:rPr lang="de-DE" dirty="0"/>
+            <a:t>Als Systemadministrator möchte eine Logdatei im Unterordner logs/ der Applikation erzeugen und die </a:t>
+          </a:r>
+          <a:r>
+            <a:rPr lang="de-DE" dirty="0" err="1"/>
+            <a:t>Loglevel</a:t>
+          </a:r>
+          <a:r>
+            <a:rPr lang="de-DE" dirty="0"/>
+            <a:t> der verschiedenen Logger einheitlich anpassen können, um die Anwendung auf verschiedenen Umgebungen einsetzen zu können. (</a:t>
+          </a:r>
+          <a:r>
+            <a:rPr lang="de-DE" dirty="0">
+              <a:sym typeface="Wingdings" panose="05000000000000000000" pitchFamily="2" charset="2"/>
+            </a:rPr>
+            <a:t></a:t>
+          </a:r>
+          <a:r>
+            <a:rPr lang="de-DE" dirty="0" err="1">
+              <a:sym typeface="Wingdings" panose="05000000000000000000" pitchFamily="2" charset="2"/>
+            </a:rPr>
+            <a:t>application.properties</a:t>
+          </a:r>
+          <a:r>
+            <a:rPr lang="de-DE" dirty="0">
+              <a:sym typeface="Wingdings" panose="05000000000000000000" pitchFamily="2" charset="2"/>
+            </a:rPr>
+            <a:t>)</a:t>
+          </a:r>
+          <a:endParaRPr lang="en-US" dirty="0"/>
+        </a:p>
+      </dgm:t>
+    </dgm:pt>
+    <dgm:pt modelId="{3AD1F947-34DB-442E-97B1-CE8292DBFB93}" type="parTrans" cxnId="{9589FA82-1877-42C0-8EF7-D4198177309A}">
+      <dgm:prSet/>
+      <dgm:spPr/>
+      <dgm:t>
+        <a:bodyPr/>
+        <a:lstStyle/>
+        <a:p>
+          <a:endParaRPr lang="en-US"/>
+        </a:p>
+      </dgm:t>
+    </dgm:pt>
+    <dgm:pt modelId="{639C016D-491A-448F-8701-5BCF763C4F40}" type="sibTrans" cxnId="{9589FA82-1877-42C0-8EF7-D4198177309A}">
+      <dgm:prSet/>
+      <dgm:spPr/>
+      <dgm:t>
+        <a:bodyPr/>
+        <a:lstStyle/>
+        <a:p>
+          <a:endParaRPr lang="en-US"/>
+        </a:p>
+      </dgm:t>
+    </dgm:pt>
+    <dgm:pt modelId="{91F99B4A-A48D-4E95-8125-794FB77EA185}">
+      <dgm:prSet phldrT="[Text]"/>
+      <dgm:spPr/>
+      <dgm:t>
+        <a:bodyPr/>
+        <a:lstStyle/>
+        <a:p>
+          <a:r>
+            <a:rPr lang="de-DE" dirty="0"/>
+            <a:t>Als Qualitätsmanager möchte ich, dass all diese neuen Fähigkeiten ausgiebig in ihrer Interaktion getestet werden, um die Qualität zu gewährleisten. (</a:t>
+          </a:r>
+          <a:r>
+            <a:rPr lang="de-DE" dirty="0">
+              <a:sym typeface="Wingdings" panose="05000000000000000000" pitchFamily="2" charset="2"/>
+            </a:rPr>
+            <a:t>@</a:t>
+          </a:r>
+          <a:r>
+            <a:rPr lang="de-DE" dirty="0" err="1">
+              <a:sym typeface="Wingdings" panose="05000000000000000000" pitchFamily="2" charset="2"/>
+            </a:rPr>
+            <a:t>SpringBootTest</a:t>
+          </a:r>
+          <a:r>
+            <a:rPr lang="de-DE" dirty="0">
+              <a:sym typeface="Wingdings" panose="05000000000000000000" pitchFamily="2" charset="2"/>
+            </a:rPr>
+            <a:t>)</a:t>
+          </a:r>
+          <a:endParaRPr lang="en-US" dirty="0"/>
+        </a:p>
+      </dgm:t>
+    </dgm:pt>
+    <dgm:pt modelId="{1EE7253C-D511-47F4-9089-40657E1C3DC0}" type="parTrans" cxnId="{32DC433B-01CC-4D3D-8949-0B3608C9FF48}">
+      <dgm:prSet/>
+      <dgm:spPr/>
+      <dgm:t>
+        <a:bodyPr/>
+        <a:lstStyle/>
+        <a:p>
+          <a:endParaRPr lang="en-US"/>
+        </a:p>
+      </dgm:t>
+    </dgm:pt>
+    <dgm:pt modelId="{F90CCF40-2727-480B-B952-BE816FD8D6B2}" type="sibTrans" cxnId="{32DC433B-01CC-4D3D-8949-0B3608C9FF48}">
+      <dgm:prSet/>
+      <dgm:spPr/>
+      <dgm:t>
+        <a:bodyPr/>
+        <a:lstStyle/>
+        <a:p>
+          <a:endParaRPr lang="en-US"/>
+        </a:p>
+      </dgm:t>
+    </dgm:pt>
+    <dgm:pt modelId="{2BDFC1B1-AA42-4E54-A320-42CEF235D817}" type="pres">
+      <dgm:prSet presAssocID="{7C0767F4-49A8-4C1D-9FAC-3BC49D08218E}" presName="diagram" presStyleCnt="0">
+        <dgm:presLayoutVars>
+          <dgm:dir/>
+          <dgm:resizeHandles val="exact"/>
+        </dgm:presLayoutVars>
+      </dgm:prSet>
+      <dgm:spPr/>
+    </dgm:pt>
+    <dgm:pt modelId="{D2D37EEF-8767-427D-BF99-23DC946B5378}" type="pres">
+      <dgm:prSet presAssocID="{545BC824-6181-4CA1-82E5-53DD81752149}" presName="node" presStyleLbl="node1" presStyleIdx="0" presStyleCnt="6">
+        <dgm:presLayoutVars>
+          <dgm:bulletEnabled val="1"/>
+        </dgm:presLayoutVars>
+      </dgm:prSet>
+      <dgm:spPr/>
+    </dgm:pt>
+    <dgm:pt modelId="{5563638D-BD1A-4BDF-A507-581CF7EFECDF}" type="pres">
+      <dgm:prSet presAssocID="{DEB0E6D2-D714-4D02-A926-5D0BEB0E678A}" presName="sibTrans" presStyleCnt="0"/>
+      <dgm:spPr/>
+    </dgm:pt>
+    <dgm:pt modelId="{CCF36870-D71D-4F83-99EC-329DF9D58102}" type="pres">
+      <dgm:prSet presAssocID="{6FE37DD5-CE9E-4E3B-B062-92A2899DD756}" presName="node" presStyleLbl="node1" presStyleIdx="1" presStyleCnt="6">
+        <dgm:presLayoutVars>
+          <dgm:bulletEnabled val="1"/>
+        </dgm:presLayoutVars>
+      </dgm:prSet>
+      <dgm:spPr/>
+    </dgm:pt>
+    <dgm:pt modelId="{32A5D82A-8B80-4E46-8D9A-F113E1B244EF}" type="pres">
+      <dgm:prSet presAssocID="{5AFB1AB5-8AC1-4599-8DE3-1395C3B6609C}" presName="sibTrans" presStyleCnt="0"/>
+      <dgm:spPr/>
+    </dgm:pt>
+    <dgm:pt modelId="{D523628B-FA4F-4BD9-9A6D-CB1C8CD4B1B0}" type="pres">
+      <dgm:prSet presAssocID="{DC63964E-DADC-468B-808F-70DA515070D7}" presName="node" presStyleLbl="node1" presStyleIdx="2" presStyleCnt="6">
+        <dgm:presLayoutVars>
+          <dgm:bulletEnabled val="1"/>
+        </dgm:presLayoutVars>
+      </dgm:prSet>
+      <dgm:spPr/>
+    </dgm:pt>
+    <dgm:pt modelId="{18BB6950-1C63-4970-B6C1-0D9EAEBDF0D1}" type="pres">
+      <dgm:prSet presAssocID="{64100AD5-E5B7-42B2-8967-95A9D419D515}" presName="sibTrans" presStyleCnt="0"/>
+      <dgm:spPr/>
+    </dgm:pt>
+    <dgm:pt modelId="{1E4D8BA6-7ECD-437F-82E1-2680F85C2CC9}" type="pres">
+      <dgm:prSet presAssocID="{AE09EB1B-B228-4EF1-8D84-AC7F45BE7C02}" presName="node" presStyleLbl="node1" presStyleIdx="3" presStyleCnt="6">
+        <dgm:presLayoutVars>
+          <dgm:bulletEnabled val="1"/>
+        </dgm:presLayoutVars>
+      </dgm:prSet>
+      <dgm:spPr/>
+    </dgm:pt>
+    <dgm:pt modelId="{9C5940C7-F319-4427-AFA7-A7C54C9E5F3B}" type="pres">
+      <dgm:prSet presAssocID="{23A5AC17-64B8-4B40-BF3D-8F97D81572B5}" presName="sibTrans" presStyleCnt="0"/>
+      <dgm:spPr/>
+    </dgm:pt>
+    <dgm:pt modelId="{069299B3-1CAC-4E6D-9F48-B494799BC448}" type="pres">
+      <dgm:prSet presAssocID="{2E15C1D2-0BBE-4E79-8233-7F0E13BCFDE1}" presName="node" presStyleLbl="node1" presStyleIdx="4" presStyleCnt="6">
+        <dgm:presLayoutVars>
+          <dgm:bulletEnabled val="1"/>
+        </dgm:presLayoutVars>
+      </dgm:prSet>
+      <dgm:spPr/>
+    </dgm:pt>
+    <dgm:pt modelId="{96982D29-D1EA-4412-89BA-6711ACCAEA90}" type="pres">
+      <dgm:prSet presAssocID="{639C016D-491A-448F-8701-5BCF763C4F40}" presName="sibTrans" presStyleCnt="0"/>
+      <dgm:spPr/>
+    </dgm:pt>
+    <dgm:pt modelId="{3CB41BC1-B614-464C-B4C4-636790FEB361}" type="pres">
+      <dgm:prSet presAssocID="{91F99B4A-A48D-4E95-8125-794FB77EA185}" presName="node" presStyleLbl="node1" presStyleIdx="5" presStyleCnt="6">
+        <dgm:presLayoutVars>
+          <dgm:bulletEnabled val="1"/>
+        </dgm:presLayoutVars>
+      </dgm:prSet>
+      <dgm:spPr/>
+    </dgm:pt>
+  </dgm:ptLst>
+  <dgm:cxnLst>
+    <dgm:cxn modelId="{ED23B804-0BC2-406A-939C-3B029BE2EEAD}" type="presOf" srcId="{2E15C1D2-0BBE-4E79-8233-7F0E13BCFDE1}" destId="{069299B3-1CAC-4E6D-9F48-B494799BC448}" srcOrd="0" destOrd="0" presId="urn:microsoft.com/office/officeart/2005/8/layout/default"/>
+    <dgm:cxn modelId="{4D8F581E-B09A-4176-A568-C07AB1788967}" type="presOf" srcId="{91F99B4A-A48D-4E95-8125-794FB77EA185}" destId="{3CB41BC1-B614-464C-B4C4-636790FEB361}" srcOrd="0" destOrd="0" presId="urn:microsoft.com/office/officeart/2005/8/layout/default"/>
+    <dgm:cxn modelId="{91C5A721-50D8-486C-9ED6-BE434A452426}" type="presOf" srcId="{6FE37DD5-CE9E-4E3B-B062-92A2899DD756}" destId="{CCF36870-D71D-4F83-99EC-329DF9D58102}" srcOrd="0" destOrd="0" presId="urn:microsoft.com/office/officeart/2005/8/layout/default"/>
+    <dgm:cxn modelId="{32DC433B-01CC-4D3D-8949-0B3608C9FF48}" srcId="{7C0767F4-49A8-4C1D-9FAC-3BC49D08218E}" destId="{91F99B4A-A48D-4E95-8125-794FB77EA185}" srcOrd="5" destOrd="0" parTransId="{1EE7253C-D511-47F4-9089-40657E1C3DC0}" sibTransId="{F90CCF40-2727-480B-B952-BE816FD8D6B2}"/>
+    <dgm:cxn modelId="{28A4535C-968A-467D-9CB2-59580FC66F28}" srcId="{7C0767F4-49A8-4C1D-9FAC-3BC49D08218E}" destId="{DC63964E-DADC-468B-808F-70DA515070D7}" srcOrd="2" destOrd="0" parTransId="{65AD119B-418D-4C69-80C0-BDC816298E9B}" sibTransId="{64100AD5-E5B7-42B2-8967-95A9D419D515}"/>
+    <dgm:cxn modelId="{03A60A44-2033-4F36-B497-05B3A6D4BB4E}" type="presOf" srcId="{7C0767F4-49A8-4C1D-9FAC-3BC49D08218E}" destId="{2BDFC1B1-AA42-4E54-A320-42CEF235D817}" srcOrd="0" destOrd="0" presId="urn:microsoft.com/office/officeart/2005/8/layout/default"/>
+    <dgm:cxn modelId="{707CBD73-51EE-4CEC-AC7B-B8A8223B15E9}" srcId="{7C0767F4-49A8-4C1D-9FAC-3BC49D08218E}" destId="{6FE37DD5-CE9E-4E3B-B062-92A2899DD756}" srcOrd="1" destOrd="0" parTransId="{6B3FF44F-F0AD-4F4E-8B72-B571AE299938}" sibTransId="{5AFB1AB5-8AC1-4599-8DE3-1395C3B6609C}"/>
+    <dgm:cxn modelId="{44081B7D-A915-4F30-B187-6306D3678CB6}" type="presOf" srcId="{545BC824-6181-4CA1-82E5-53DD81752149}" destId="{D2D37EEF-8767-427D-BF99-23DC946B5378}" srcOrd="0" destOrd="0" presId="urn:microsoft.com/office/officeart/2005/8/layout/default"/>
+    <dgm:cxn modelId="{9589FA82-1877-42C0-8EF7-D4198177309A}" srcId="{7C0767F4-49A8-4C1D-9FAC-3BC49D08218E}" destId="{2E15C1D2-0BBE-4E79-8233-7F0E13BCFDE1}" srcOrd="4" destOrd="0" parTransId="{3AD1F947-34DB-442E-97B1-CE8292DBFB93}" sibTransId="{639C016D-491A-448F-8701-5BCF763C4F40}"/>
+    <dgm:cxn modelId="{3AFE59A0-8634-4446-A957-5C4849AD1CF6}" srcId="{7C0767F4-49A8-4C1D-9FAC-3BC49D08218E}" destId="{AE09EB1B-B228-4EF1-8D84-AC7F45BE7C02}" srcOrd="3" destOrd="0" parTransId="{2516917E-2F12-49EE-9BBD-188BB637C2AD}" sibTransId="{23A5AC17-64B8-4B40-BF3D-8F97D81572B5}"/>
+    <dgm:cxn modelId="{684DA5D5-7C4B-4CD4-973F-384727850747}" type="presOf" srcId="{DC63964E-DADC-468B-808F-70DA515070D7}" destId="{D523628B-FA4F-4BD9-9A6D-CB1C8CD4B1B0}" srcOrd="0" destOrd="0" presId="urn:microsoft.com/office/officeart/2005/8/layout/default"/>
+    <dgm:cxn modelId="{4FF7C5E9-9DC3-4EA5-8FAE-8B6995018ACE}" srcId="{7C0767F4-49A8-4C1D-9FAC-3BC49D08218E}" destId="{545BC824-6181-4CA1-82E5-53DD81752149}" srcOrd="0" destOrd="0" parTransId="{ACF386FC-FFFA-4BC7-84C7-E5875848454F}" sibTransId="{DEB0E6D2-D714-4D02-A926-5D0BEB0E678A}"/>
+    <dgm:cxn modelId="{A426E1F7-3FFE-4701-9E29-078F24E30D38}" type="presOf" srcId="{AE09EB1B-B228-4EF1-8D84-AC7F45BE7C02}" destId="{1E4D8BA6-7ECD-437F-82E1-2680F85C2CC9}" srcOrd="0" destOrd="0" presId="urn:microsoft.com/office/officeart/2005/8/layout/default"/>
+    <dgm:cxn modelId="{66CF70D3-39A2-488F-8E56-E719091AB457}" type="presParOf" srcId="{2BDFC1B1-AA42-4E54-A320-42CEF235D817}" destId="{D2D37EEF-8767-427D-BF99-23DC946B5378}" srcOrd="0" destOrd="0" presId="urn:microsoft.com/office/officeart/2005/8/layout/default"/>
+    <dgm:cxn modelId="{29C482AA-A711-45DF-BBBD-3E6C055709B7}" type="presParOf" srcId="{2BDFC1B1-AA42-4E54-A320-42CEF235D817}" destId="{5563638D-BD1A-4BDF-A507-581CF7EFECDF}" srcOrd="1" destOrd="0" presId="urn:microsoft.com/office/officeart/2005/8/layout/default"/>
+    <dgm:cxn modelId="{6AA0E5DC-4967-4EF6-AB68-DF3E5FEC8346}" type="presParOf" srcId="{2BDFC1B1-AA42-4E54-A320-42CEF235D817}" destId="{CCF36870-D71D-4F83-99EC-329DF9D58102}" srcOrd="2" destOrd="0" presId="urn:microsoft.com/office/officeart/2005/8/layout/default"/>
+    <dgm:cxn modelId="{45CA91DE-7F8E-4BDD-BB4C-F984546F32D3}" type="presParOf" srcId="{2BDFC1B1-AA42-4E54-A320-42CEF235D817}" destId="{32A5D82A-8B80-4E46-8D9A-F113E1B244EF}" srcOrd="3" destOrd="0" presId="urn:microsoft.com/office/officeart/2005/8/layout/default"/>
+    <dgm:cxn modelId="{B04BD998-E774-4FAA-B6E4-2206C38C1120}" type="presParOf" srcId="{2BDFC1B1-AA42-4E54-A320-42CEF235D817}" destId="{D523628B-FA4F-4BD9-9A6D-CB1C8CD4B1B0}" srcOrd="4" destOrd="0" presId="urn:microsoft.com/office/officeart/2005/8/layout/default"/>
+    <dgm:cxn modelId="{85590F83-527D-46EA-A2D4-A50404830E7B}" type="presParOf" srcId="{2BDFC1B1-AA42-4E54-A320-42CEF235D817}" destId="{18BB6950-1C63-4970-B6C1-0D9EAEBDF0D1}" srcOrd="5" destOrd="0" presId="urn:microsoft.com/office/officeart/2005/8/layout/default"/>
+    <dgm:cxn modelId="{A36FCD2B-BEA3-41BD-AFC5-2455B58A1440}" type="presParOf" srcId="{2BDFC1B1-AA42-4E54-A320-42CEF235D817}" destId="{1E4D8BA6-7ECD-437F-82E1-2680F85C2CC9}" srcOrd="6" destOrd="0" presId="urn:microsoft.com/office/officeart/2005/8/layout/default"/>
+    <dgm:cxn modelId="{BB5BB699-953B-4952-B890-8A86B677E7E3}" type="presParOf" srcId="{2BDFC1B1-AA42-4E54-A320-42CEF235D817}" destId="{9C5940C7-F319-4427-AFA7-A7C54C9E5F3B}" srcOrd="7" destOrd="0" presId="urn:microsoft.com/office/officeart/2005/8/layout/default"/>
+    <dgm:cxn modelId="{1FB0F946-016F-4597-9ED4-BFA0B9462BCB}" type="presParOf" srcId="{2BDFC1B1-AA42-4E54-A320-42CEF235D817}" destId="{069299B3-1CAC-4E6D-9F48-B494799BC448}" srcOrd="8" destOrd="0" presId="urn:microsoft.com/office/officeart/2005/8/layout/default"/>
+    <dgm:cxn modelId="{913F240F-F216-471D-B4E3-14C7A3CEAFBB}" type="presParOf" srcId="{2BDFC1B1-AA42-4E54-A320-42CEF235D817}" destId="{96982D29-D1EA-4412-89BA-6711ACCAEA90}" srcOrd="9" destOrd="0" presId="urn:microsoft.com/office/officeart/2005/8/layout/default"/>
+    <dgm:cxn modelId="{6CDFA0CD-39B4-49C0-97CA-69E82B0CEF88}" type="presParOf" srcId="{2BDFC1B1-AA42-4E54-A320-42CEF235D817}" destId="{3CB41BC1-B614-464C-B4C4-636790FEB361}" srcOrd="10" destOrd="0" presId="urn:microsoft.com/office/officeart/2005/8/layout/default"/>
+  </dgm:cxnLst>
+  <dgm:bg/>
+  <dgm:whole/>
+  <dgm:extLst>
+    <a:ext uri="http://schemas.microsoft.com/office/drawing/2008/diagram">
+      <dsp:dataModelExt xmlns:dsp="http://schemas.microsoft.com/office/drawing/2008/diagram" relId="rId7" minVer="http://schemas.openxmlformats.org/drawingml/2006/diagram"/>
     </a:ext>
   </dgm:extLst>
 </dgm:dataModel>
@@ -2768,6 +5671,1575 @@
 </dsp:drawing>
 </file>
 
+<file path=ppt/diagrams/drawing3.xml><?xml version="1.0" encoding="utf-8"?>
+<dsp:drawing xmlns:dgm="http://schemas.openxmlformats.org/drawingml/2006/diagram" xmlns:dsp="http://schemas.microsoft.com/office/drawing/2008/diagram" xmlns:a="http://schemas.openxmlformats.org/drawingml/2006/main">
+  <dsp:spTree>
+    <dsp:nvGrpSpPr>
+      <dsp:cNvPr id="0" name=""/>
+      <dsp:cNvGrpSpPr/>
+    </dsp:nvGrpSpPr>
+    <dsp:grpSpPr/>
+    <dsp:sp modelId="{4C4D100F-2B9B-412B-95B4-2A1731CB8921}">
+      <dsp:nvSpPr>
+        <dsp:cNvPr id="0" name=""/>
+        <dsp:cNvSpPr/>
+      </dsp:nvSpPr>
+      <dsp:spPr>
+        <a:xfrm>
+          <a:off x="3810" y="601390"/>
+          <a:ext cx="1460499" cy="288000"/>
+        </a:xfrm>
+        <a:prstGeom prst="rect">
+          <a:avLst/>
+        </a:prstGeom>
+        <a:solidFill>
+          <a:schemeClr val="accent1">
+            <a:hueOff val="0"/>
+            <a:satOff val="0"/>
+            <a:lumOff val="0"/>
+            <a:alphaOff val="0"/>
+          </a:schemeClr>
+        </a:solidFill>
+        <a:ln w="15875" cap="flat" cmpd="sng" algn="ctr">
+          <a:solidFill>
+            <a:schemeClr val="accent1">
+              <a:hueOff val="0"/>
+              <a:satOff val="0"/>
+              <a:lumOff val="0"/>
+              <a:alphaOff val="0"/>
+            </a:schemeClr>
+          </a:solidFill>
+          <a:prstDash val="solid"/>
+        </a:ln>
+        <a:effectLst/>
+      </dsp:spPr>
+      <dsp:style>
+        <a:lnRef idx="2">
+          <a:scrgbClr r="0" g="0" b="0"/>
+        </a:lnRef>
+        <a:fillRef idx="1">
+          <a:scrgbClr r="0" g="0" b="0"/>
+        </a:fillRef>
+        <a:effectRef idx="0">
+          <a:scrgbClr r="0" g="0" b="0"/>
+        </a:effectRef>
+        <a:fontRef idx="minor">
+          <a:schemeClr val="lt1"/>
+        </a:fontRef>
+      </dsp:style>
+      <dsp:txBody>
+        <a:bodyPr spcFirstLastPara="0" vert="horz" wrap="square" lIns="71120" tIns="40640" rIns="71120" bIns="40640" numCol="1" spcCol="1270" anchor="ctr" anchorCtr="0">
+          <a:noAutofit/>
+        </a:bodyPr>
+        <a:lstStyle/>
+        <a:p>
+          <a:pPr marL="0" lvl="0" indent="0" algn="ctr" defTabSz="444500">
+            <a:lnSpc>
+              <a:spcPct val="90000"/>
+            </a:lnSpc>
+            <a:spcBef>
+              <a:spcPct val="0"/>
+            </a:spcBef>
+            <a:spcAft>
+              <a:spcPct val="35000"/>
+            </a:spcAft>
+            <a:buNone/>
+          </a:pPr>
+          <a:r>
+            <a:rPr lang="de-DE" sz="1000" kern="1200" dirty="0"/>
+            <a:t>Konto</a:t>
+          </a:r>
+          <a:endParaRPr lang="en-US" sz="1000" kern="1200" dirty="0"/>
+        </a:p>
+      </dsp:txBody>
+      <dsp:txXfrm>
+        <a:off x="3810" y="601390"/>
+        <a:ext cx="1460499" cy="288000"/>
+      </dsp:txXfrm>
+    </dsp:sp>
+    <dsp:sp modelId="{E79F968C-8E4C-4F7E-B73D-FD2F848DACF3}">
+      <dsp:nvSpPr>
+        <dsp:cNvPr id="0" name=""/>
+        <dsp:cNvSpPr/>
+      </dsp:nvSpPr>
+      <dsp:spPr>
+        <a:xfrm>
+          <a:off x="3810" y="889390"/>
+          <a:ext cx="1460499" cy="933299"/>
+        </a:xfrm>
+        <a:prstGeom prst="rect">
+          <a:avLst/>
+        </a:prstGeom>
+        <a:solidFill>
+          <a:schemeClr val="accent1">
+            <a:alpha val="90000"/>
+            <a:tint val="40000"/>
+            <a:hueOff val="0"/>
+            <a:satOff val="0"/>
+            <a:lumOff val="0"/>
+            <a:alphaOff val="0"/>
+          </a:schemeClr>
+        </a:solidFill>
+        <a:ln w="15875" cap="flat" cmpd="sng" algn="ctr">
+          <a:solidFill>
+            <a:schemeClr val="accent1">
+              <a:alpha val="90000"/>
+              <a:tint val="40000"/>
+              <a:hueOff val="0"/>
+              <a:satOff val="0"/>
+              <a:lumOff val="0"/>
+              <a:alphaOff val="0"/>
+            </a:schemeClr>
+          </a:solidFill>
+          <a:prstDash val="solid"/>
+        </a:ln>
+        <a:effectLst/>
+      </dsp:spPr>
+      <dsp:style>
+        <a:lnRef idx="2">
+          <a:scrgbClr r="0" g="0" b="0"/>
+        </a:lnRef>
+        <a:fillRef idx="1">
+          <a:scrgbClr r="0" g="0" b="0"/>
+        </a:fillRef>
+        <a:effectRef idx="0">
+          <a:scrgbClr r="0" g="0" b="0"/>
+        </a:effectRef>
+        <a:fontRef idx="minor"/>
+      </dsp:style>
+      <dsp:txBody>
+        <a:bodyPr spcFirstLastPara="0" vert="horz" wrap="square" lIns="53340" tIns="53340" rIns="71120" bIns="80010" numCol="1" spcCol="1270" anchor="t" anchorCtr="0">
+          <a:noAutofit/>
+        </a:bodyPr>
+        <a:lstStyle/>
+        <a:p>
+          <a:pPr marL="57150" lvl="1" indent="-57150" algn="l" defTabSz="444500">
+            <a:lnSpc>
+              <a:spcPct val="90000"/>
+            </a:lnSpc>
+            <a:spcBef>
+              <a:spcPct val="0"/>
+            </a:spcBef>
+            <a:spcAft>
+              <a:spcPct val="15000"/>
+            </a:spcAft>
+            <a:buChar char="•"/>
+          </a:pPr>
+          <a:r>
+            <a:rPr lang="de-DE" sz="1000" kern="1200" dirty="0"/>
+            <a:t>Konstruktoren</a:t>
+          </a:r>
+          <a:endParaRPr lang="en-US" sz="1000" kern="1200" dirty="0"/>
+        </a:p>
+        <a:p>
+          <a:pPr marL="57150" lvl="1" indent="-57150" algn="l" defTabSz="444500">
+            <a:lnSpc>
+              <a:spcPct val="90000"/>
+            </a:lnSpc>
+            <a:spcBef>
+              <a:spcPct val="0"/>
+            </a:spcBef>
+            <a:spcAft>
+              <a:spcPct val="15000"/>
+            </a:spcAft>
+            <a:buChar char="•"/>
+          </a:pPr>
+          <a:r>
+            <a:rPr lang="de-DE" sz="1000" kern="1200" dirty="0" err="1"/>
+            <a:t>addZahlung</a:t>
+          </a:r>
+          <a:r>
+            <a:rPr lang="de-DE" sz="1000" kern="1200" dirty="0"/>
+            <a:t>(…)</a:t>
+          </a:r>
+          <a:endParaRPr lang="en-US" sz="1000" kern="1200" dirty="0"/>
+        </a:p>
+        <a:p>
+          <a:pPr marL="57150" lvl="1" indent="-57150" algn="l" defTabSz="444500">
+            <a:lnSpc>
+              <a:spcPct val="90000"/>
+            </a:lnSpc>
+            <a:spcBef>
+              <a:spcPct val="0"/>
+            </a:spcBef>
+            <a:spcAft>
+              <a:spcPct val="15000"/>
+            </a:spcAft>
+            <a:buChar char="•"/>
+          </a:pPr>
+          <a:r>
+            <a:rPr lang="de-DE" sz="1000" kern="1200" dirty="0" err="1"/>
+            <a:t>removeZahlung</a:t>
+          </a:r>
+          <a:r>
+            <a:rPr lang="de-DE" sz="1000" kern="1200" dirty="0"/>
+            <a:t>(…)</a:t>
+          </a:r>
+          <a:endParaRPr lang="en-US" sz="1000" kern="1200" dirty="0"/>
+        </a:p>
+        <a:p>
+          <a:pPr marL="57150" lvl="1" indent="-57150" algn="l" defTabSz="444500">
+            <a:lnSpc>
+              <a:spcPct val="90000"/>
+            </a:lnSpc>
+            <a:spcBef>
+              <a:spcPct val="0"/>
+            </a:spcBef>
+            <a:spcAft>
+              <a:spcPct val="15000"/>
+            </a:spcAft>
+            <a:buChar char="•"/>
+          </a:pPr>
+          <a:r>
+            <a:rPr lang="de-DE" sz="1000" kern="1200" dirty="0" err="1"/>
+            <a:t>getBetrag</a:t>
+          </a:r>
+          <a:r>
+            <a:rPr lang="de-DE" sz="1000" kern="1200" dirty="0"/>
+            <a:t>()</a:t>
+          </a:r>
+          <a:endParaRPr lang="en-US" sz="1000" kern="1200" dirty="0"/>
+        </a:p>
+        <a:p>
+          <a:pPr marL="57150" lvl="1" indent="-57150" algn="l" defTabSz="444500">
+            <a:lnSpc>
+              <a:spcPct val="90000"/>
+            </a:lnSpc>
+            <a:spcBef>
+              <a:spcPct val="0"/>
+            </a:spcBef>
+            <a:spcAft>
+              <a:spcPct val="15000"/>
+            </a:spcAft>
+            <a:buChar char="•"/>
+          </a:pPr>
+          <a:r>
+            <a:rPr lang="de-DE" sz="1000" kern="1200" dirty="0" err="1"/>
+            <a:t>getZahlungen</a:t>
+          </a:r>
+          <a:r>
+            <a:rPr lang="de-DE" sz="1000" kern="1200" dirty="0"/>
+            <a:t>()</a:t>
+          </a:r>
+          <a:endParaRPr lang="en-US" sz="1000" kern="1200" dirty="0"/>
+        </a:p>
+      </dsp:txBody>
+      <dsp:txXfrm>
+        <a:off x="3810" y="889390"/>
+        <a:ext cx="1460499" cy="933299"/>
+      </dsp:txXfrm>
+    </dsp:sp>
+    <dsp:sp modelId="{C45ED0D1-52DB-457A-A4DA-4D063B7BCC86}">
+      <dsp:nvSpPr>
+        <dsp:cNvPr id="0" name=""/>
+        <dsp:cNvSpPr/>
+      </dsp:nvSpPr>
+      <dsp:spPr>
+        <a:xfrm>
+          <a:off x="1668780" y="601390"/>
+          <a:ext cx="1460499" cy="288000"/>
+        </a:xfrm>
+        <a:prstGeom prst="rect">
+          <a:avLst/>
+        </a:prstGeom>
+        <a:solidFill>
+          <a:schemeClr val="accent1">
+            <a:hueOff val="0"/>
+            <a:satOff val="0"/>
+            <a:lumOff val="0"/>
+            <a:alphaOff val="0"/>
+          </a:schemeClr>
+        </a:solidFill>
+        <a:ln w="15875" cap="flat" cmpd="sng" algn="ctr">
+          <a:solidFill>
+            <a:schemeClr val="accent1">
+              <a:hueOff val="0"/>
+              <a:satOff val="0"/>
+              <a:lumOff val="0"/>
+              <a:alphaOff val="0"/>
+            </a:schemeClr>
+          </a:solidFill>
+          <a:prstDash val="solid"/>
+        </a:ln>
+        <a:effectLst/>
+      </dsp:spPr>
+      <dsp:style>
+        <a:lnRef idx="2">
+          <a:scrgbClr r="0" g="0" b="0"/>
+        </a:lnRef>
+        <a:fillRef idx="1">
+          <a:scrgbClr r="0" g="0" b="0"/>
+        </a:fillRef>
+        <a:effectRef idx="0">
+          <a:scrgbClr r="0" g="0" b="0"/>
+        </a:effectRef>
+        <a:fontRef idx="minor">
+          <a:schemeClr val="lt1"/>
+        </a:fontRef>
+      </dsp:style>
+      <dsp:txBody>
+        <a:bodyPr spcFirstLastPara="0" vert="horz" wrap="square" lIns="71120" tIns="40640" rIns="71120" bIns="40640" numCol="1" spcCol="1270" anchor="ctr" anchorCtr="0">
+          <a:noAutofit/>
+        </a:bodyPr>
+        <a:lstStyle/>
+        <a:p>
+          <a:pPr marL="0" lvl="0" indent="0" algn="ctr" defTabSz="444500">
+            <a:lnSpc>
+              <a:spcPct val="90000"/>
+            </a:lnSpc>
+            <a:spcBef>
+              <a:spcPct val="0"/>
+            </a:spcBef>
+            <a:spcAft>
+              <a:spcPct val="35000"/>
+            </a:spcAft>
+            <a:buNone/>
+          </a:pPr>
+          <a:r>
+            <a:rPr lang="de-DE" sz="1000" kern="1200" dirty="0"/>
+            <a:t>Kunde</a:t>
+          </a:r>
+          <a:endParaRPr lang="en-US" sz="1000" kern="1200" dirty="0"/>
+        </a:p>
+      </dsp:txBody>
+      <dsp:txXfrm>
+        <a:off x="1668780" y="601390"/>
+        <a:ext cx="1460499" cy="288000"/>
+      </dsp:txXfrm>
+    </dsp:sp>
+    <dsp:sp modelId="{518B92E0-6A7E-42FA-83CD-44CBE3A846C8}">
+      <dsp:nvSpPr>
+        <dsp:cNvPr id="0" name=""/>
+        <dsp:cNvSpPr/>
+      </dsp:nvSpPr>
+      <dsp:spPr>
+        <a:xfrm>
+          <a:off x="1668780" y="889390"/>
+          <a:ext cx="1460499" cy="933299"/>
+        </a:xfrm>
+        <a:prstGeom prst="rect">
+          <a:avLst/>
+        </a:prstGeom>
+        <a:solidFill>
+          <a:schemeClr val="accent1">
+            <a:alpha val="90000"/>
+            <a:tint val="40000"/>
+            <a:hueOff val="0"/>
+            <a:satOff val="0"/>
+            <a:lumOff val="0"/>
+            <a:alphaOff val="0"/>
+          </a:schemeClr>
+        </a:solidFill>
+        <a:ln w="15875" cap="flat" cmpd="sng" algn="ctr">
+          <a:solidFill>
+            <a:schemeClr val="accent1">
+              <a:alpha val="90000"/>
+              <a:tint val="40000"/>
+              <a:hueOff val="0"/>
+              <a:satOff val="0"/>
+              <a:lumOff val="0"/>
+              <a:alphaOff val="0"/>
+            </a:schemeClr>
+          </a:solidFill>
+          <a:prstDash val="solid"/>
+        </a:ln>
+        <a:effectLst/>
+      </dsp:spPr>
+      <dsp:style>
+        <a:lnRef idx="2">
+          <a:scrgbClr r="0" g="0" b="0"/>
+        </a:lnRef>
+        <a:fillRef idx="1">
+          <a:scrgbClr r="0" g="0" b="0"/>
+        </a:fillRef>
+        <a:effectRef idx="0">
+          <a:scrgbClr r="0" g="0" b="0"/>
+        </a:effectRef>
+        <a:fontRef idx="minor"/>
+      </dsp:style>
+      <dsp:txBody>
+        <a:bodyPr spcFirstLastPara="0" vert="horz" wrap="square" lIns="53340" tIns="53340" rIns="71120" bIns="80010" numCol="1" spcCol="1270" anchor="t" anchorCtr="0">
+          <a:noAutofit/>
+        </a:bodyPr>
+        <a:lstStyle/>
+        <a:p>
+          <a:pPr marL="57150" lvl="1" indent="-57150" algn="l" defTabSz="444500">
+            <a:lnSpc>
+              <a:spcPct val="90000"/>
+            </a:lnSpc>
+            <a:spcBef>
+              <a:spcPct val="0"/>
+            </a:spcBef>
+            <a:spcAft>
+              <a:spcPct val="15000"/>
+            </a:spcAft>
+            <a:buChar char="•"/>
+          </a:pPr>
+          <a:r>
+            <a:rPr lang="de-DE" sz="1000" kern="1200" dirty="0"/>
+            <a:t>Konstruktoren</a:t>
+          </a:r>
+          <a:endParaRPr lang="en-US" sz="1000" kern="1200" dirty="0"/>
+        </a:p>
+      </dsp:txBody>
+      <dsp:txXfrm>
+        <a:off x="1668780" y="889390"/>
+        <a:ext cx="1460499" cy="933299"/>
+      </dsp:txXfrm>
+    </dsp:sp>
+    <dsp:sp modelId="{AE31F2D8-C6EF-4734-BC8D-F51DE0CEDCA4}">
+      <dsp:nvSpPr>
+        <dsp:cNvPr id="0" name=""/>
+        <dsp:cNvSpPr/>
+      </dsp:nvSpPr>
+      <dsp:spPr>
+        <a:xfrm>
+          <a:off x="3333750" y="601390"/>
+          <a:ext cx="1460499" cy="288000"/>
+        </a:xfrm>
+        <a:prstGeom prst="rect">
+          <a:avLst/>
+        </a:prstGeom>
+        <a:solidFill>
+          <a:schemeClr val="accent1">
+            <a:hueOff val="0"/>
+            <a:satOff val="0"/>
+            <a:lumOff val="0"/>
+            <a:alphaOff val="0"/>
+          </a:schemeClr>
+        </a:solidFill>
+        <a:ln w="15875" cap="flat" cmpd="sng" algn="ctr">
+          <a:solidFill>
+            <a:schemeClr val="accent1">
+              <a:hueOff val="0"/>
+              <a:satOff val="0"/>
+              <a:lumOff val="0"/>
+              <a:alphaOff val="0"/>
+            </a:schemeClr>
+          </a:solidFill>
+          <a:prstDash val="solid"/>
+        </a:ln>
+        <a:effectLst/>
+      </dsp:spPr>
+      <dsp:style>
+        <a:lnRef idx="2">
+          <a:scrgbClr r="0" g="0" b="0"/>
+        </a:lnRef>
+        <a:fillRef idx="1">
+          <a:scrgbClr r="0" g="0" b="0"/>
+        </a:fillRef>
+        <a:effectRef idx="0">
+          <a:scrgbClr r="0" g="0" b="0"/>
+        </a:effectRef>
+        <a:fontRef idx="minor">
+          <a:schemeClr val="lt1"/>
+        </a:fontRef>
+      </dsp:style>
+      <dsp:txBody>
+        <a:bodyPr spcFirstLastPara="0" vert="horz" wrap="square" lIns="71120" tIns="40640" rIns="71120" bIns="40640" numCol="1" spcCol="1270" anchor="ctr" anchorCtr="0">
+          <a:noAutofit/>
+        </a:bodyPr>
+        <a:lstStyle/>
+        <a:p>
+          <a:pPr marL="0" lvl="0" indent="0" algn="ctr" defTabSz="444500">
+            <a:lnSpc>
+              <a:spcPct val="90000"/>
+            </a:lnSpc>
+            <a:spcBef>
+              <a:spcPct val="0"/>
+            </a:spcBef>
+            <a:spcAft>
+              <a:spcPct val="35000"/>
+            </a:spcAft>
+            <a:buNone/>
+          </a:pPr>
+          <a:r>
+            <a:rPr lang="de-DE" sz="1000" kern="1200" dirty="0"/>
+            <a:t>Zahlung</a:t>
+          </a:r>
+          <a:endParaRPr lang="en-US" sz="1000" kern="1200" dirty="0"/>
+        </a:p>
+      </dsp:txBody>
+      <dsp:txXfrm>
+        <a:off x="3333750" y="601390"/>
+        <a:ext cx="1460499" cy="288000"/>
+      </dsp:txXfrm>
+    </dsp:sp>
+    <dsp:sp modelId="{75260A54-8D3C-4D96-8DB4-5D65291183B5}">
+      <dsp:nvSpPr>
+        <dsp:cNvPr id="0" name=""/>
+        <dsp:cNvSpPr/>
+      </dsp:nvSpPr>
+      <dsp:spPr>
+        <a:xfrm>
+          <a:off x="3333750" y="889390"/>
+          <a:ext cx="1460499" cy="933299"/>
+        </a:xfrm>
+        <a:prstGeom prst="rect">
+          <a:avLst/>
+        </a:prstGeom>
+        <a:solidFill>
+          <a:schemeClr val="accent1">
+            <a:alpha val="90000"/>
+            <a:tint val="40000"/>
+            <a:hueOff val="0"/>
+            <a:satOff val="0"/>
+            <a:lumOff val="0"/>
+            <a:alphaOff val="0"/>
+          </a:schemeClr>
+        </a:solidFill>
+        <a:ln w="15875" cap="flat" cmpd="sng" algn="ctr">
+          <a:solidFill>
+            <a:schemeClr val="accent1">
+              <a:alpha val="90000"/>
+              <a:tint val="40000"/>
+              <a:hueOff val="0"/>
+              <a:satOff val="0"/>
+              <a:lumOff val="0"/>
+              <a:alphaOff val="0"/>
+            </a:schemeClr>
+          </a:solidFill>
+          <a:prstDash val="solid"/>
+        </a:ln>
+        <a:effectLst/>
+      </dsp:spPr>
+      <dsp:style>
+        <a:lnRef idx="2">
+          <a:scrgbClr r="0" g="0" b="0"/>
+        </a:lnRef>
+        <a:fillRef idx="1">
+          <a:scrgbClr r="0" g="0" b="0"/>
+        </a:fillRef>
+        <a:effectRef idx="0">
+          <a:scrgbClr r="0" g="0" b="0"/>
+        </a:effectRef>
+        <a:fontRef idx="minor"/>
+      </dsp:style>
+      <dsp:txBody>
+        <a:bodyPr spcFirstLastPara="0" vert="horz" wrap="square" lIns="53340" tIns="53340" rIns="71120" bIns="80010" numCol="1" spcCol="1270" anchor="t" anchorCtr="0">
+          <a:noAutofit/>
+        </a:bodyPr>
+        <a:lstStyle/>
+        <a:p>
+          <a:pPr marL="57150" lvl="1" indent="-57150" algn="l" defTabSz="444500">
+            <a:lnSpc>
+              <a:spcPct val="90000"/>
+            </a:lnSpc>
+            <a:spcBef>
+              <a:spcPct val="0"/>
+            </a:spcBef>
+            <a:spcAft>
+              <a:spcPct val="15000"/>
+            </a:spcAft>
+            <a:buChar char="•"/>
+          </a:pPr>
+          <a:r>
+            <a:rPr lang="de-DE" sz="1000" kern="1200" dirty="0"/>
+            <a:t>Konstruktor</a:t>
+          </a:r>
+          <a:endParaRPr lang="en-US" sz="1000" kern="1200" dirty="0"/>
+        </a:p>
+      </dsp:txBody>
+      <dsp:txXfrm>
+        <a:off x="3333750" y="889390"/>
+        <a:ext cx="1460499" cy="933299"/>
+      </dsp:txXfrm>
+    </dsp:sp>
+    <dsp:sp modelId="{FC407B6A-3E5E-40EA-A928-A0DC79A9F316}">
+      <dsp:nvSpPr>
+        <dsp:cNvPr id="0" name=""/>
+        <dsp:cNvSpPr/>
+      </dsp:nvSpPr>
+      <dsp:spPr>
+        <a:xfrm>
+          <a:off x="4998720" y="601390"/>
+          <a:ext cx="1460499" cy="288000"/>
+        </a:xfrm>
+        <a:prstGeom prst="rect">
+          <a:avLst/>
+        </a:prstGeom>
+        <a:solidFill>
+          <a:schemeClr val="accent1">
+            <a:hueOff val="0"/>
+            <a:satOff val="0"/>
+            <a:lumOff val="0"/>
+            <a:alphaOff val="0"/>
+          </a:schemeClr>
+        </a:solidFill>
+        <a:ln w="15875" cap="flat" cmpd="sng" algn="ctr">
+          <a:solidFill>
+            <a:schemeClr val="accent1">
+              <a:hueOff val="0"/>
+              <a:satOff val="0"/>
+              <a:lumOff val="0"/>
+              <a:alphaOff val="0"/>
+            </a:schemeClr>
+          </a:solidFill>
+          <a:prstDash val="solid"/>
+        </a:ln>
+        <a:effectLst/>
+      </dsp:spPr>
+      <dsp:style>
+        <a:lnRef idx="2">
+          <a:scrgbClr r="0" g="0" b="0"/>
+        </a:lnRef>
+        <a:fillRef idx="1">
+          <a:scrgbClr r="0" g="0" b="0"/>
+        </a:fillRef>
+        <a:effectRef idx="0">
+          <a:scrgbClr r="0" g="0" b="0"/>
+        </a:effectRef>
+        <a:fontRef idx="minor">
+          <a:schemeClr val="lt1"/>
+        </a:fontRef>
+      </dsp:style>
+      <dsp:txBody>
+        <a:bodyPr spcFirstLastPara="0" vert="horz" wrap="square" lIns="71120" tIns="40640" rIns="71120" bIns="40640" numCol="1" spcCol="1270" anchor="ctr" anchorCtr="0">
+          <a:noAutofit/>
+        </a:bodyPr>
+        <a:lstStyle/>
+        <a:p>
+          <a:pPr marL="0" lvl="0" indent="0" algn="ctr" defTabSz="444500">
+            <a:lnSpc>
+              <a:spcPct val="90000"/>
+            </a:lnSpc>
+            <a:spcBef>
+              <a:spcPct val="0"/>
+            </a:spcBef>
+            <a:spcAft>
+              <a:spcPct val="35000"/>
+            </a:spcAft>
+            <a:buNone/>
+          </a:pPr>
+          <a:r>
+            <a:rPr lang="de-DE" sz="1000" kern="1200" dirty="0"/>
+            <a:t>DTOs</a:t>
+          </a:r>
+          <a:endParaRPr lang="en-US" sz="1000" kern="1200" dirty="0"/>
+        </a:p>
+      </dsp:txBody>
+      <dsp:txXfrm>
+        <a:off x="4998720" y="601390"/>
+        <a:ext cx="1460499" cy="288000"/>
+      </dsp:txXfrm>
+    </dsp:sp>
+    <dsp:sp modelId="{8B5E47B5-ED59-45A4-92BE-2FD1E51FA122}">
+      <dsp:nvSpPr>
+        <dsp:cNvPr id="0" name=""/>
+        <dsp:cNvSpPr/>
+      </dsp:nvSpPr>
+      <dsp:spPr>
+        <a:xfrm>
+          <a:off x="4998720" y="889390"/>
+          <a:ext cx="1460499" cy="933299"/>
+        </a:xfrm>
+        <a:prstGeom prst="rect">
+          <a:avLst/>
+        </a:prstGeom>
+        <a:solidFill>
+          <a:schemeClr val="accent1">
+            <a:alpha val="90000"/>
+            <a:tint val="40000"/>
+            <a:hueOff val="0"/>
+            <a:satOff val="0"/>
+            <a:lumOff val="0"/>
+            <a:alphaOff val="0"/>
+          </a:schemeClr>
+        </a:solidFill>
+        <a:ln w="15875" cap="flat" cmpd="sng" algn="ctr">
+          <a:solidFill>
+            <a:schemeClr val="accent1">
+              <a:alpha val="90000"/>
+              <a:tint val="40000"/>
+              <a:hueOff val="0"/>
+              <a:satOff val="0"/>
+              <a:lumOff val="0"/>
+              <a:alphaOff val="0"/>
+            </a:schemeClr>
+          </a:solidFill>
+          <a:prstDash val="solid"/>
+        </a:ln>
+        <a:effectLst/>
+      </dsp:spPr>
+      <dsp:style>
+        <a:lnRef idx="2">
+          <a:scrgbClr r="0" g="0" b="0"/>
+        </a:lnRef>
+        <a:fillRef idx="1">
+          <a:scrgbClr r="0" g="0" b="0"/>
+        </a:fillRef>
+        <a:effectRef idx="0">
+          <a:scrgbClr r="0" g="0" b="0"/>
+        </a:effectRef>
+        <a:fontRef idx="minor"/>
+      </dsp:style>
+      <dsp:txBody>
+        <a:bodyPr spcFirstLastPara="0" vert="horz" wrap="square" lIns="53340" tIns="53340" rIns="71120" bIns="80010" numCol="1" spcCol="1270" anchor="t" anchorCtr="0">
+          <a:noAutofit/>
+        </a:bodyPr>
+        <a:lstStyle/>
+        <a:p>
+          <a:pPr marL="57150" lvl="1" indent="-57150" algn="l" defTabSz="444500">
+            <a:lnSpc>
+              <a:spcPct val="90000"/>
+            </a:lnSpc>
+            <a:spcBef>
+              <a:spcPct val="0"/>
+            </a:spcBef>
+            <a:spcAft>
+              <a:spcPct val="15000"/>
+            </a:spcAft>
+            <a:buChar char="•"/>
+          </a:pPr>
+          <a:r>
+            <a:rPr lang="de-DE" sz="1000" kern="1200" dirty="0"/>
+            <a:t>Konstruktoren</a:t>
+          </a:r>
+          <a:endParaRPr lang="en-US" sz="1000" kern="1200" dirty="0"/>
+        </a:p>
+        <a:p>
+          <a:pPr marL="57150" lvl="1" indent="-57150" algn="l" defTabSz="444500">
+            <a:lnSpc>
+              <a:spcPct val="90000"/>
+            </a:lnSpc>
+            <a:spcBef>
+              <a:spcPct val="0"/>
+            </a:spcBef>
+            <a:spcAft>
+              <a:spcPct val="15000"/>
+            </a:spcAft>
+            <a:buChar char="•"/>
+          </a:pPr>
+          <a:r>
+            <a:rPr lang="de-DE" sz="1000" kern="1200" dirty="0"/>
+            <a:t>Unveränderbarkeit</a:t>
+          </a:r>
+          <a:endParaRPr lang="en-US" sz="1000" kern="1200" dirty="0"/>
+        </a:p>
+        <a:p>
+          <a:pPr marL="57150" lvl="1" indent="-57150" algn="l" defTabSz="444500">
+            <a:lnSpc>
+              <a:spcPct val="90000"/>
+            </a:lnSpc>
+            <a:spcBef>
+              <a:spcPct val="0"/>
+            </a:spcBef>
+            <a:spcAft>
+              <a:spcPct val="15000"/>
+            </a:spcAft>
+            <a:buChar char="•"/>
+          </a:pPr>
+          <a:r>
+            <a:rPr lang="de-DE" sz="1000" kern="1200" dirty="0" err="1"/>
+            <a:t>ZahlungsInfo</a:t>
+          </a:r>
+          <a:r>
+            <a:rPr lang="de-DE" sz="1000" kern="1200" dirty="0"/>
+            <a:t> Sortierung</a:t>
+          </a:r>
+          <a:endParaRPr lang="en-US" sz="1000" kern="1200" dirty="0"/>
+        </a:p>
+      </dsp:txBody>
+      <dsp:txXfrm>
+        <a:off x="4998720" y="889390"/>
+        <a:ext cx="1460499" cy="933299"/>
+      </dsp:txXfrm>
+    </dsp:sp>
+    <dsp:sp modelId="{314204E0-E9FE-4E9B-A091-8B68AE0FCDCF}">
+      <dsp:nvSpPr>
+        <dsp:cNvPr id="0" name=""/>
+        <dsp:cNvSpPr/>
+      </dsp:nvSpPr>
+      <dsp:spPr>
+        <a:xfrm>
+          <a:off x="6663689" y="601390"/>
+          <a:ext cx="1460499" cy="288000"/>
+        </a:xfrm>
+        <a:prstGeom prst="rect">
+          <a:avLst/>
+        </a:prstGeom>
+        <a:solidFill>
+          <a:schemeClr val="accent1">
+            <a:hueOff val="0"/>
+            <a:satOff val="0"/>
+            <a:lumOff val="0"/>
+            <a:alphaOff val="0"/>
+          </a:schemeClr>
+        </a:solidFill>
+        <a:ln w="15875" cap="flat" cmpd="sng" algn="ctr">
+          <a:solidFill>
+            <a:schemeClr val="accent1">
+              <a:hueOff val="0"/>
+              <a:satOff val="0"/>
+              <a:lumOff val="0"/>
+              <a:alphaOff val="0"/>
+            </a:schemeClr>
+          </a:solidFill>
+          <a:prstDash val="solid"/>
+        </a:ln>
+        <a:effectLst/>
+      </dsp:spPr>
+      <dsp:style>
+        <a:lnRef idx="2">
+          <a:scrgbClr r="0" g="0" b="0"/>
+        </a:lnRef>
+        <a:fillRef idx="1">
+          <a:scrgbClr r="0" g="0" b="0"/>
+        </a:fillRef>
+        <a:effectRef idx="0">
+          <a:scrgbClr r="0" g="0" b="0"/>
+        </a:effectRef>
+        <a:fontRef idx="minor">
+          <a:schemeClr val="lt1"/>
+        </a:fontRef>
+      </dsp:style>
+      <dsp:txBody>
+        <a:bodyPr spcFirstLastPara="0" vert="horz" wrap="square" lIns="71120" tIns="40640" rIns="71120" bIns="40640" numCol="1" spcCol="1270" anchor="ctr" anchorCtr="0">
+          <a:noAutofit/>
+        </a:bodyPr>
+        <a:lstStyle/>
+        <a:p>
+          <a:pPr marL="0" lvl="0" indent="0" algn="ctr" defTabSz="444500">
+            <a:lnSpc>
+              <a:spcPct val="90000"/>
+            </a:lnSpc>
+            <a:spcBef>
+              <a:spcPct val="0"/>
+            </a:spcBef>
+            <a:spcAft>
+              <a:spcPct val="35000"/>
+            </a:spcAft>
+            <a:buNone/>
+          </a:pPr>
+          <a:r>
+            <a:rPr lang="de-DE" sz="1000" kern="1200" dirty="0" err="1"/>
+            <a:t>KundenService</a:t>
+          </a:r>
+          <a:endParaRPr lang="en-US" sz="1000" kern="1200" dirty="0"/>
+        </a:p>
+      </dsp:txBody>
+      <dsp:txXfrm>
+        <a:off x="6663689" y="601390"/>
+        <a:ext cx="1460499" cy="288000"/>
+      </dsp:txXfrm>
+    </dsp:sp>
+    <dsp:sp modelId="{86B3BC91-8F30-4B56-A325-503C165D791F}">
+      <dsp:nvSpPr>
+        <dsp:cNvPr id="0" name=""/>
+        <dsp:cNvSpPr/>
+      </dsp:nvSpPr>
+      <dsp:spPr>
+        <a:xfrm>
+          <a:off x="6663689" y="889390"/>
+          <a:ext cx="1460499" cy="933299"/>
+        </a:xfrm>
+        <a:prstGeom prst="rect">
+          <a:avLst/>
+        </a:prstGeom>
+        <a:solidFill>
+          <a:schemeClr val="accent1">
+            <a:alpha val="90000"/>
+            <a:tint val="40000"/>
+            <a:hueOff val="0"/>
+            <a:satOff val="0"/>
+            <a:lumOff val="0"/>
+            <a:alphaOff val="0"/>
+          </a:schemeClr>
+        </a:solidFill>
+        <a:ln w="15875" cap="flat" cmpd="sng" algn="ctr">
+          <a:solidFill>
+            <a:schemeClr val="accent1">
+              <a:alpha val="90000"/>
+              <a:tint val="40000"/>
+              <a:hueOff val="0"/>
+              <a:satOff val="0"/>
+              <a:lumOff val="0"/>
+              <a:alphaOff val="0"/>
+            </a:schemeClr>
+          </a:solidFill>
+          <a:prstDash val="solid"/>
+        </a:ln>
+        <a:effectLst/>
+      </dsp:spPr>
+      <dsp:style>
+        <a:lnRef idx="2">
+          <a:scrgbClr r="0" g="0" b="0"/>
+        </a:lnRef>
+        <a:fillRef idx="1">
+          <a:scrgbClr r="0" g="0" b="0"/>
+        </a:fillRef>
+        <a:effectRef idx="0">
+          <a:scrgbClr r="0" g="0" b="0"/>
+        </a:effectRef>
+        <a:fontRef idx="minor"/>
+      </dsp:style>
+      <dsp:txBody>
+        <a:bodyPr spcFirstLastPara="0" vert="horz" wrap="square" lIns="53340" tIns="53340" rIns="71120" bIns="80010" numCol="1" spcCol="1270" anchor="t" anchorCtr="0">
+          <a:noAutofit/>
+        </a:bodyPr>
+        <a:lstStyle/>
+        <a:p>
+          <a:pPr marL="57150" lvl="1" indent="-57150" algn="l" defTabSz="444500">
+            <a:lnSpc>
+              <a:spcPct val="90000"/>
+            </a:lnSpc>
+            <a:spcBef>
+              <a:spcPct val="0"/>
+            </a:spcBef>
+            <a:spcAft>
+              <a:spcPct val="15000"/>
+            </a:spcAft>
+            <a:buChar char="•"/>
+          </a:pPr>
+          <a:r>
+            <a:rPr lang="de-DE" sz="1000" kern="1200" dirty="0"/>
+            <a:t>Null – </a:t>
+          </a:r>
+          <a:r>
+            <a:rPr lang="de-DE" sz="1000" kern="1200" dirty="0" err="1"/>
+            <a:t>Safety</a:t>
+          </a:r>
+          <a:endParaRPr lang="en-US" sz="1000" kern="1200" dirty="0"/>
+        </a:p>
+        <a:p>
+          <a:pPr marL="57150" lvl="1" indent="-57150" algn="l" defTabSz="444500">
+            <a:lnSpc>
+              <a:spcPct val="90000"/>
+            </a:lnSpc>
+            <a:spcBef>
+              <a:spcPct val="0"/>
+            </a:spcBef>
+            <a:spcAft>
+              <a:spcPct val="15000"/>
+            </a:spcAft>
+            <a:buChar char="•"/>
+          </a:pPr>
+          <a:r>
+            <a:rPr lang="de-DE" sz="1000" kern="1200" dirty="0" err="1"/>
+            <a:t>Exceptions</a:t>
+          </a:r>
+          <a:endParaRPr lang="en-US" sz="1000" kern="1200" dirty="0"/>
+        </a:p>
+        <a:p>
+          <a:pPr marL="57150" lvl="1" indent="-57150" algn="l" defTabSz="444500">
+            <a:lnSpc>
+              <a:spcPct val="90000"/>
+            </a:lnSpc>
+            <a:spcBef>
+              <a:spcPct val="0"/>
+            </a:spcBef>
+            <a:spcAft>
+              <a:spcPct val="15000"/>
+            </a:spcAft>
+            <a:buChar char="•"/>
+          </a:pPr>
+          <a:r>
+            <a:rPr lang="de-DE" sz="1000" kern="1200" dirty="0"/>
+            <a:t>Mehrfacheintragungen</a:t>
+          </a:r>
+          <a:endParaRPr lang="en-US" sz="1000" kern="1200" dirty="0"/>
+        </a:p>
+        <a:p>
+          <a:pPr marL="57150" lvl="1" indent="-57150" algn="l" defTabSz="444500">
+            <a:lnSpc>
+              <a:spcPct val="90000"/>
+            </a:lnSpc>
+            <a:spcBef>
+              <a:spcPct val="0"/>
+            </a:spcBef>
+            <a:spcAft>
+              <a:spcPct val="15000"/>
+            </a:spcAft>
+            <a:buChar char="•"/>
+          </a:pPr>
+          <a:r>
+            <a:rPr lang="de-DE" sz="1000" kern="1200" dirty="0"/>
+            <a:t>Timeouts</a:t>
+          </a:r>
+          <a:endParaRPr lang="en-US" sz="1000" kern="1200" dirty="0"/>
+        </a:p>
+      </dsp:txBody>
+      <dsp:txXfrm>
+        <a:off x="6663689" y="889390"/>
+        <a:ext cx="1460499" cy="933299"/>
+      </dsp:txXfrm>
+    </dsp:sp>
+  </dsp:spTree>
+</dsp:drawing>
+</file>
+
+<file path=ppt/diagrams/drawing4.xml><?xml version="1.0" encoding="utf-8"?>
+<dsp:drawing xmlns:dgm="http://schemas.openxmlformats.org/drawingml/2006/diagram" xmlns:dsp="http://schemas.microsoft.com/office/drawing/2008/diagram" xmlns:a="http://schemas.openxmlformats.org/drawingml/2006/main">
+  <dsp:spTree>
+    <dsp:nvGrpSpPr>
+      <dsp:cNvPr id="0" name=""/>
+      <dsp:cNvGrpSpPr/>
+    </dsp:nvGrpSpPr>
+    <dsp:grpSpPr/>
+    <dsp:sp modelId="{D2D37EEF-8767-427D-BF99-23DC946B5378}">
+      <dsp:nvSpPr>
+        <dsp:cNvPr id="0" name=""/>
+        <dsp:cNvSpPr/>
+      </dsp:nvSpPr>
+      <dsp:spPr>
+        <a:xfrm>
+          <a:off x="78581" y="173"/>
+          <a:ext cx="3094136" cy="1856482"/>
+        </a:xfrm>
+        <a:prstGeom prst="rect">
+          <a:avLst/>
+        </a:prstGeom>
+        <a:solidFill>
+          <a:schemeClr val="accent1">
+            <a:hueOff val="0"/>
+            <a:satOff val="0"/>
+            <a:lumOff val="0"/>
+            <a:alphaOff val="0"/>
+          </a:schemeClr>
+        </a:solidFill>
+        <a:ln w="15875" cap="flat" cmpd="sng" algn="ctr">
+          <a:solidFill>
+            <a:schemeClr val="lt1">
+              <a:hueOff val="0"/>
+              <a:satOff val="0"/>
+              <a:lumOff val="0"/>
+              <a:alphaOff val="0"/>
+            </a:schemeClr>
+          </a:solidFill>
+          <a:prstDash val="solid"/>
+        </a:ln>
+        <a:effectLst/>
+      </dsp:spPr>
+      <dsp:style>
+        <a:lnRef idx="2">
+          <a:scrgbClr r="0" g="0" b="0"/>
+        </a:lnRef>
+        <a:fillRef idx="1">
+          <a:scrgbClr r="0" g="0" b="0"/>
+        </a:fillRef>
+        <a:effectRef idx="0">
+          <a:scrgbClr r="0" g="0" b="0"/>
+        </a:effectRef>
+        <a:fontRef idx="minor">
+          <a:schemeClr val="lt1"/>
+        </a:fontRef>
+      </dsp:style>
+      <dsp:txBody>
+        <a:bodyPr spcFirstLastPara="0" vert="horz" wrap="square" lIns="53340" tIns="53340" rIns="53340" bIns="53340" numCol="1" spcCol="1270" anchor="ctr" anchorCtr="0">
+          <a:noAutofit/>
+        </a:bodyPr>
+        <a:lstStyle/>
+        <a:p>
+          <a:pPr marL="0" lvl="0" indent="0" algn="ctr" defTabSz="622300">
+            <a:lnSpc>
+              <a:spcPct val="90000"/>
+            </a:lnSpc>
+            <a:spcBef>
+              <a:spcPct val="0"/>
+            </a:spcBef>
+            <a:spcAft>
+              <a:spcPct val="35000"/>
+            </a:spcAft>
+            <a:buNone/>
+          </a:pPr>
+          <a:r>
+            <a:rPr lang="de-DE" sz="1400" kern="1200" dirty="0"/>
+            <a:t>Als Systemarchitekt möchte ich die Anwendung in einem Spring Boot Container verpacken, um sie auf verschiedenen Zielsystemen leicht ausrollen zu können und die Erweiterbarkeit zu gewährleisten. (</a:t>
+          </a:r>
+          <a:r>
+            <a:rPr lang="de-DE" sz="1400" kern="1200" dirty="0">
+              <a:sym typeface="Wingdings" panose="05000000000000000000" pitchFamily="2" charset="2"/>
+            </a:rPr>
+            <a:t>Spring Boot)</a:t>
+          </a:r>
+          <a:endParaRPr lang="en-US" sz="1400" kern="1200" dirty="0"/>
+        </a:p>
+      </dsp:txBody>
+      <dsp:txXfrm>
+        <a:off x="78581" y="173"/>
+        <a:ext cx="3094136" cy="1856482"/>
+      </dsp:txXfrm>
+    </dsp:sp>
+    <dsp:sp modelId="{CCF36870-D71D-4F83-99EC-329DF9D58102}">
+      <dsp:nvSpPr>
+        <dsp:cNvPr id="0" name=""/>
+        <dsp:cNvSpPr/>
+      </dsp:nvSpPr>
+      <dsp:spPr>
+        <a:xfrm>
+          <a:off x="3482131" y="173"/>
+          <a:ext cx="3094136" cy="1856482"/>
+        </a:xfrm>
+        <a:prstGeom prst="rect">
+          <a:avLst/>
+        </a:prstGeom>
+        <a:solidFill>
+          <a:schemeClr val="accent1">
+            <a:hueOff val="0"/>
+            <a:satOff val="0"/>
+            <a:lumOff val="0"/>
+            <a:alphaOff val="0"/>
+          </a:schemeClr>
+        </a:solidFill>
+        <a:ln w="15875" cap="flat" cmpd="sng" algn="ctr">
+          <a:solidFill>
+            <a:schemeClr val="lt1">
+              <a:hueOff val="0"/>
+              <a:satOff val="0"/>
+              <a:lumOff val="0"/>
+              <a:alphaOff val="0"/>
+            </a:schemeClr>
+          </a:solidFill>
+          <a:prstDash val="solid"/>
+        </a:ln>
+        <a:effectLst/>
+      </dsp:spPr>
+      <dsp:style>
+        <a:lnRef idx="2">
+          <a:scrgbClr r="0" g="0" b="0"/>
+        </a:lnRef>
+        <a:fillRef idx="1">
+          <a:scrgbClr r="0" g="0" b="0"/>
+        </a:fillRef>
+        <a:effectRef idx="0">
+          <a:scrgbClr r="0" g="0" b="0"/>
+        </a:effectRef>
+        <a:fontRef idx="minor">
+          <a:schemeClr val="lt1"/>
+        </a:fontRef>
+      </dsp:style>
+      <dsp:txBody>
+        <a:bodyPr spcFirstLastPara="0" vert="horz" wrap="square" lIns="53340" tIns="53340" rIns="53340" bIns="53340" numCol="1" spcCol="1270" anchor="ctr" anchorCtr="0">
+          <a:noAutofit/>
+        </a:bodyPr>
+        <a:lstStyle/>
+        <a:p>
+          <a:pPr marL="0" lvl="0" indent="0" algn="ctr" defTabSz="622300">
+            <a:lnSpc>
+              <a:spcPct val="90000"/>
+            </a:lnSpc>
+            <a:spcBef>
+              <a:spcPct val="0"/>
+            </a:spcBef>
+            <a:spcAft>
+              <a:spcPct val="35000"/>
+            </a:spcAft>
+            <a:buNone/>
+          </a:pPr>
+          <a:r>
+            <a:rPr lang="de-DE" sz="1400" kern="1200" dirty="0"/>
+            <a:t>Als Bürosachbearbeiter möchte ich Kundennummern und Kontonummern automatisch nach Bankvorgaben generieren lassen, um die Anwendung leicht an bestehende Regelungen anpassen zu können. (</a:t>
+          </a:r>
+          <a:r>
+            <a:rPr lang="de-DE" sz="1400" kern="1200" dirty="0">
+              <a:sym typeface="Wingdings" panose="05000000000000000000" pitchFamily="2" charset="2"/>
+            </a:rPr>
+            <a:t> @</a:t>
+          </a:r>
+          <a:r>
+            <a:rPr lang="de-DE" sz="1400" kern="1200" dirty="0" err="1">
+              <a:sym typeface="Wingdings" panose="05000000000000000000" pitchFamily="2" charset="2"/>
+            </a:rPr>
+            <a:t>Component</a:t>
+          </a:r>
+          <a:r>
+            <a:rPr lang="de-DE" sz="1400" kern="1200" dirty="0">
+              <a:sym typeface="Wingdings" panose="05000000000000000000" pitchFamily="2" charset="2"/>
+            </a:rPr>
+            <a:t>)</a:t>
+          </a:r>
+          <a:endParaRPr lang="en-US" sz="1400" kern="1200" dirty="0"/>
+        </a:p>
+      </dsp:txBody>
+      <dsp:txXfrm>
+        <a:off x="3482131" y="173"/>
+        <a:ext cx="3094136" cy="1856482"/>
+      </dsp:txXfrm>
+    </dsp:sp>
+    <dsp:sp modelId="{D523628B-FA4F-4BD9-9A6D-CB1C8CD4B1B0}">
+      <dsp:nvSpPr>
+        <dsp:cNvPr id="0" name=""/>
+        <dsp:cNvSpPr/>
+      </dsp:nvSpPr>
+      <dsp:spPr>
+        <a:xfrm>
+          <a:off x="6885682" y="173"/>
+          <a:ext cx="3094136" cy="1856482"/>
+        </a:xfrm>
+        <a:prstGeom prst="rect">
+          <a:avLst/>
+        </a:prstGeom>
+        <a:solidFill>
+          <a:schemeClr val="accent1">
+            <a:hueOff val="0"/>
+            <a:satOff val="0"/>
+            <a:lumOff val="0"/>
+            <a:alphaOff val="0"/>
+          </a:schemeClr>
+        </a:solidFill>
+        <a:ln w="15875" cap="flat" cmpd="sng" algn="ctr">
+          <a:solidFill>
+            <a:schemeClr val="lt1">
+              <a:hueOff val="0"/>
+              <a:satOff val="0"/>
+              <a:lumOff val="0"/>
+              <a:alphaOff val="0"/>
+            </a:schemeClr>
+          </a:solidFill>
+          <a:prstDash val="solid"/>
+        </a:ln>
+        <a:effectLst/>
+      </dsp:spPr>
+      <dsp:style>
+        <a:lnRef idx="2">
+          <a:scrgbClr r="0" g="0" b="0"/>
+        </a:lnRef>
+        <a:fillRef idx="1">
+          <a:scrgbClr r="0" g="0" b="0"/>
+        </a:fillRef>
+        <a:effectRef idx="0">
+          <a:scrgbClr r="0" g="0" b="0"/>
+        </a:effectRef>
+        <a:fontRef idx="minor">
+          <a:schemeClr val="lt1"/>
+        </a:fontRef>
+      </dsp:style>
+      <dsp:txBody>
+        <a:bodyPr spcFirstLastPara="0" vert="horz" wrap="square" lIns="53340" tIns="53340" rIns="53340" bIns="53340" numCol="1" spcCol="1270" anchor="ctr" anchorCtr="0">
+          <a:noAutofit/>
+        </a:bodyPr>
+        <a:lstStyle/>
+        <a:p>
+          <a:pPr marL="0" lvl="0" indent="0" algn="ctr" defTabSz="622300">
+            <a:lnSpc>
+              <a:spcPct val="90000"/>
+            </a:lnSpc>
+            <a:spcBef>
+              <a:spcPct val="0"/>
+            </a:spcBef>
+            <a:spcAft>
+              <a:spcPct val="35000"/>
+            </a:spcAft>
+            <a:buNone/>
+          </a:pPr>
+          <a:r>
+            <a:rPr lang="de-DE" sz="1400" kern="1200" dirty="0"/>
+            <a:t>Als Bürosachbearbeiter möchte ich Konten einen Kreditrahmen zuweisen und Zahlungen automatisch zurückweisen, wenn dadurch der Kreditrahmen überzogen wird.               (</a:t>
+          </a:r>
+          <a:r>
+            <a:rPr lang="de-DE" sz="1400" kern="1200" dirty="0">
+              <a:sym typeface="Wingdings" panose="05000000000000000000" pitchFamily="2" charset="2"/>
+            </a:rPr>
+            <a:t> @Service)</a:t>
+          </a:r>
+          <a:endParaRPr lang="en-US" sz="1400" kern="1200" dirty="0"/>
+        </a:p>
+      </dsp:txBody>
+      <dsp:txXfrm>
+        <a:off x="6885682" y="173"/>
+        <a:ext cx="3094136" cy="1856482"/>
+      </dsp:txXfrm>
+    </dsp:sp>
+    <dsp:sp modelId="{1E4D8BA6-7ECD-437F-82E1-2680F85C2CC9}">
+      <dsp:nvSpPr>
+        <dsp:cNvPr id="0" name=""/>
+        <dsp:cNvSpPr/>
+      </dsp:nvSpPr>
+      <dsp:spPr>
+        <a:xfrm>
+          <a:off x="78581" y="2166069"/>
+          <a:ext cx="3094136" cy="1856482"/>
+        </a:xfrm>
+        <a:prstGeom prst="rect">
+          <a:avLst/>
+        </a:prstGeom>
+        <a:solidFill>
+          <a:schemeClr val="accent1">
+            <a:hueOff val="0"/>
+            <a:satOff val="0"/>
+            <a:lumOff val="0"/>
+            <a:alphaOff val="0"/>
+          </a:schemeClr>
+        </a:solidFill>
+        <a:ln w="15875" cap="flat" cmpd="sng" algn="ctr">
+          <a:solidFill>
+            <a:schemeClr val="lt1">
+              <a:hueOff val="0"/>
+              <a:satOff val="0"/>
+              <a:lumOff val="0"/>
+              <a:alphaOff val="0"/>
+            </a:schemeClr>
+          </a:solidFill>
+          <a:prstDash val="solid"/>
+        </a:ln>
+        <a:effectLst/>
+      </dsp:spPr>
+      <dsp:style>
+        <a:lnRef idx="2">
+          <a:scrgbClr r="0" g="0" b="0"/>
+        </a:lnRef>
+        <a:fillRef idx="1">
+          <a:scrgbClr r="0" g="0" b="0"/>
+        </a:fillRef>
+        <a:effectRef idx="0">
+          <a:scrgbClr r="0" g="0" b="0"/>
+        </a:effectRef>
+        <a:fontRef idx="minor">
+          <a:schemeClr val="lt1"/>
+        </a:fontRef>
+      </dsp:style>
+      <dsp:txBody>
+        <a:bodyPr spcFirstLastPara="0" vert="horz" wrap="square" lIns="53340" tIns="53340" rIns="53340" bIns="53340" numCol="1" spcCol="1270" anchor="ctr" anchorCtr="0">
+          <a:noAutofit/>
+        </a:bodyPr>
+        <a:lstStyle/>
+        <a:p>
+          <a:pPr marL="0" lvl="0" indent="0" algn="ctr" defTabSz="622300">
+            <a:lnSpc>
+              <a:spcPct val="90000"/>
+            </a:lnSpc>
+            <a:spcBef>
+              <a:spcPct val="0"/>
+            </a:spcBef>
+            <a:spcAft>
+              <a:spcPct val="35000"/>
+            </a:spcAft>
+            <a:buNone/>
+          </a:pPr>
+          <a:r>
+            <a:rPr lang="de-DE" sz="1400" kern="1200" dirty="0"/>
+            <a:t>Als Geschäftsführer möchte ich Konten verzinsen können, um neue Einnahmemöglichkeiten zu erschließen. Konten mit negativem Kontostand sollen mit 10%, bei positivem Kontostand mit 1% verzinst werden. Die Zinsen sollen zu konfigurierbaren Intervallen berechnet werden. (</a:t>
+          </a:r>
+          <a:r>
+            <a:rPr lang="de-DE" sz="1400" kern="1200" dirty="0">
+              <a:sym typeface="Wingdings" panose="05000000000000000000" pitchFamily="2" charset="2"/>
+            </a:rPr>
+            <a:t>@</a:t>
+          </a:r>
+          <a:r>
+            <a:rPr lang="de-DE" sz="1400" kern="1200" dirty="0" err="1">
+              <a:sym typeface="Wingdings" panose="05000000000000000000" pitchFamily="2" charset="2"/>
+            </a:rPr>
+            <a:t>Scheduled</a:t>
+          </a:r>
+          <a:r>
+            <a:rPr lang="de-DE" sz="1400" kern="1200" dirty="0">
+              <a:sym typeface="Wingdings" panose="05000000000000000000" pitchFamily="2" charset="2"/>
+            </a:rPr>
+            <a:t>)</a:t>
+          </a:r>
+          <a:endParaRPr lang="en-US" sz="1400" kern="1200" dirty="0"/>
+        </a:p>
+      </dsp:txBody>
+      <dsp:txXfrm>
+        <a:off x="78581" y="2166069"/>
+        <a:ext cx="3094136" cy="1856482"/>
+      </dsp:txXfrm>
+    </dsp:sp>
+    <dsp:sp modelId="{069299B3-1CAC-4E6D-9F48-B494799BC448}">
+      <dsp:nvSpPr>
+        <dsp:cNvPr id="0" name=""/>
+        <dsp:cNvSpPr/>
+      </dsp:nvSpPr>
+      <dsp:spPr>
+        <a:xfrm>
+          <a:off x="3482131" y="2166069"/>
+          <a:ext cx="3094136" cy="1856482"/>
+        </a:xfrm>
+        <a:prstGeom prst="rect">
+          <a:avLst/>
+        </a:prstGeom>
+        <a:solidFill>
+          <a:schemeClr val="accent1">
+            <a:hueOff val="0"/>
+            <a:satOff val="0"/>
+            <a:lumOff val="0"/>
+            <a:alphaOff val="0"/>
+          </a:schemeClr>
+        </a:solidFill>
+        <a:ln w="15875" cap="flat" cmpd="sng" algn="ctr">
+          <a:solidFill>
+            <a:schemeClr val="lt1">
+              <a:hueOff val="0"/>
+              <a:satOff val="0"/>
+              <a:lumOff val="0"/>
+              <a:alphaOff val="0"/>
+            </a:schemeClr>
+          </a:solidFill>
+          <a:prstDash val="solid"/>
+        </a:ln>
+        <a:effectLst/>
+      </dsp:spPr>
+      <dsp:style>
+        <a:lnRef idx="2">
+          <a:scrgbClr r="0" g="0" b="0"/>
+        </a:lnRef>
+        <a:fillRef idx="1">
+          <a:scrgbClr r="0" g="0" b="0"/>
+        </a:fillRef>
+        <a:effectRef idx="0">
+          <a:scrgbClr r="0" g="0" b="0"/>
+        </a:effectRef>
+        <a:fontRef idx="minor">
+          <a:schemeClr val="lt1"/>
+        </a:fontRef>
+      </dsp:style>
+      <dsp:txBody>
+        <a:bodyPr spcFirstLastPara="0" vert="horz" wrap="square" lIns="53340" tIns="53340" rIns="53340" bIns="53340" numCol="1" spcCol="1270" anchor="ctr" anchorCtr="0">
+          <a:noAutofit/>
+        </a:bodyPr>
+        <a:lstStyle/>
+        <a:p>
+          <a:pPr marL="0" lvl="0" indent="0" algn="ctr" defTabSz="622300">
+            <a:lnSpc>
+              <a:spcPct val="90000"/>
+            </a:lnSpc>
+            <a:spcBef>
+              <a:spcPct val="0"/>
+            </a:spcBef>
+            <a:spcAft>
+              <a:spcPct val="35000"/>
+            </a:spcAft>
+            <a:buNone/>
+          </a:pPr>
+          <a:r>
+            <a:rPr lang="de-DE" sz="1400" kern="1200" dirty="0"/>
+            <a:t>Als Systemadministrator möchte eine Logdatei im Unterordner logs/ der Applikation erzeugen und die </a:t>
+          </a:r>
+          <a:r>
+            <a:rPr lang="de-DE" sz="1400" kern="1200" dirty="0" err="1"/>
+            <a:t>Loglevel</a:t>
+          </a:r>
+          <a:r>
+            <a:rPr lang="de-DE" sz="1400" kern="1200" dirty="0"/>
+            <a:t> der verschiedenen Logger einheitlich anpassen können, um die Anwendung auf verschiedenen Umgebungen einsetzen zu können. (</a:t>
+          </a:r>
+          <a:r>
+            <a:rPr lang="de-DE" sz="1400" kern="1200" dirty="0">
+              <a:sym typeface="Wingdings" panose="05000000000000000000" pitchFamily="2" charset="2"/>
+            </a:rPr>
+            <a:t></a:t>
+          </a:r>
+          <a:r>
+            <a:rPr lang="de-DE" sz="1400" kern="1200" dirty="0" err="1">
+              <a:sym typeface="Wingdings" panose="05000000000000000000" pitchFamily="2" charset="2"/>
+            </a:rPr>
+            <a:t>application.properties</a:t>
+          </a:r>
+          <a:r>
+            <a:rPr lang="de-DE" sz="1400" kern="1200" dirty="0">
+              <a:sym typeface="Wingdings" panose="05000000000000000000" pitchFamily="2" charset="2"/>
+            </a:rPr>
+            <a:t>)</a:t>
+          </a:r>
+          <a:endParaRPr lang="en-US" sz="1400" kern="1200" dirty="0"/>
+        </a:p>
+      </dsp:txBody>
+      <dsp:txXfrm>
+        <a:off x="3482131" y="2166069"/>
+        <a:ext cx="3094136" cy="1856482"/>
+      </dsp:txXfrm>
+    </dsp:sp>
+    <dsp:sp modelId="{3CB41BC1-B614-464C-B4C4-636790FEB361}">
+      <dsp:nvSpPr>
+        <dsp:cNvPr id="0" name=""/>
+        <dsp:cNvSpPr/>
+      </dsp:nvSpPr>
+      <dsp:spPr>
+        <a:xfrm>
+          <a:off x="6885682" y="2166069"/>
+          <a:ext cx="3094136" cy="1856482"/>
+        </a:xfrm>
+        <a:prstGeom prst="rect">
+          <a:avLst/>
+        </a:prstGeom>
+        <a:solidFill>
+          <a:schemeClr val="accent1">
+            <a:hueOff val="0"/>
+            <a:satOff val="0"/>
+            <a:lumOff val="0"/>
+            <a:alphaOff val="0"/>
+          </a:schemeClr>
+        </a:solidFill>
+        <a:ln w="15875" cap="flat" cmpd="sng" algn="ctr">
+          <a:solidFill>
+            <a:schemeClr val="lt1">
+              <a:hueOff val="0"/>
+              <a:satOff val="0"/>
+              <a:lumOff val="0"/>
+              <a:alphaOff val="0"/>
+            </a:schemeClr>
+          </a:solidFill>
+          <a:prstDash val="solid"/>
+        </a:ln>
+        <a:effectLst/>
+      </dsp:spPr>
+      <dsp:style>
+        <a:lnRef idx="2">
+          <a:scrgbClr r="0" g="0" b="0"/>
+        </a:lnRef>
+        <a:fillRef idx="1">
+          <a:scrgbClr r="0" g="0" b="0"/>
+        </a:fillRef>
+        <a:effectRef idx="0">
+          <a:scrgbClr r="0" g="0" b="0"/>
+        </a:effectRef>
+        <a:fontRef idx="minor">
+          <a:schemeClr val="lt1"/>
+        </a:fontRef>
+      </dsp:style>
+      <dsp:txBody>
+        <a:bodyPr spcFirstLastPara="0" vert="horz" wrap="square" lIns="53340" tIns="53340" rIns="53340" bIns="53340" numCol="1" spcCol="1270" anchor="ctr" anchorCtr="0">
+          <a:noAutofit/>
+        </a:bodyPr>
+        <a:lstStyle/>
+        <a:p>
+          <a:pPr marL="0" lvl="0" indent="0" algn="ctr" defTabSz="622300">
+            <a:lnSpc>
+              <a:spcPct val="90000"/>
+            </a:lnSpc>
+            <a:spcBef>
+              <a:spcPct val="0"/>
+            </a:spcBef>
+            <a:spcAft>
+              <a:spcPct val="35000"/>
+            </a:spcAft>
+            <a:buNone/>
+          </a:pPr>
+          <a:r>
+            <a:rPr lang="de-DE" sz="1400" kern="1200" dirty="0"/>
+            <a:t>Als Qualitätsmanager möchte ich, dass all diese neuen Fähigkeiten ausgiebig in ihrer Interaktion getestet werden, um die Qualität zu gewährleisten. (</a:t>
+          </a:r>
+          <a:r>
+            <a:rPr lang="de-DE" sz="1400" kern="1200" dirty="0">
+              <a:sym typeface="Wingdings" panose="05000000000000000000" pitchFamily="2" charset="2"/>
+            </a:rPr>
+            <a:t>@</a:t>
+          </a:r>
+          <a:r>
+            <a:rPr lang="de-DE" sz="1400" kern="1200" dirty="0" err="1">
+              <a:sym typeface="Wingdings" panose="05000000000000000000" pitchFamily="2" charset="2"/>
+            </a:rPr>
+            <a:t>SpringBootTest</a:t>
+          </a:r>
+          <a:r>
+            <a:rPr lang="de-DE" sz="1400" kern="1200" dirty="0">
+              <a:sym typeface="Wingdings" panose="05000000000000000000" pitchFamily="2" charset="2"/>
+            </a:rPr>
+            <a:t>)</a:t>
+          </a:r>
+          <a:endParaRPr lang="en-US" sz="1400" kern="1200" dirty="0"/>
+        </a:p>
+      </dsp:txBody>
+      <dsp:txXfrm>
+        <a:off x="6885682" y="2166069"/>
+        <a:ext cx="3094136" cy="1856482"/>
+      </dsp:txXfrm>
+    </dsp:sp>
+  </dsp:spTree>
+</dsp:drawing>
+</file>
+
 <file path=ppt/diagrams/layout1.xml><?xml version="1.0" encoding="utf-8"?>
 <dgm:layoutDef xmlns:dgm="http://schemas.openxmlformats.org/drawingml/2006/diagram" xmlns:a="http://schemas.openxmlformats.org/drawingml/2006/main" uniqueId="urn:microsoft.com/office/officeart/2005/8/layout/default">
   <dgm:title val=""/>
@@ -3062,6 +7534,370 @@
 </dgm:layoutDef>
 </file>
 
+<file path=ppt/diagrams/layout3.xml><?xml version="1.0" encoding="utf-8"?>
+<dgm:layoutDef xmlns:dgm="http://schemas.openxmlformats.org/drawingml/2006/diagram" xmlns:a="http://schemas.openxmlformats.org/drawingml/2006/main" uniqueId="urn:microsoft.com/office/officeart/2005/8/layout/hList1">
+  <dgm:title val=""/>
+  <dgm:desc val=""/>
+  <dgm:catLst>
+    <dgm:cat type="list" pri="5000"/>
+    <dgm:cat type="convert" pri="5000"/>
+  </dgm:catLst>
+  <dgm:sampData>
+    <dgm:dataModel>
+      <dgm:ptLst>
+        <dgm:pt modelId="0" type="doc"/>
+        <dgm:pt modelId="1">
+          <dgm:prSet phldr="1"/>
+        </dgm:pt>
+        <dgm:pt modelId="11">
+          <dgm:prSet phldr="1"/>
+        </dgm:pt>
+        <dgm:pt modelId="12">
+          <dgm:prSet phldr="1"/>
+        </dgm:pt>
+        <dgm:pt modelId="2">
+          <dgm:prSet phldr="1"/>
+        </dgm:pt>
+        <dgm:pt modelId="21">
+          <dgm:prSet phldr="1"/>
+        </dgm:pt>
+        <dgm:pt modelId="22">
+          <dgm:prSet phldr="1"/>
+        </dgm:pt>
+        <dgm:pt modelId="3">
+          <dgm:prSet phldr="1"/>
+        </dgm:pt>
+        <dgm:pt modelId="31">
+          <dgm:prSet phldr="1"/>
+        </dgm:pt>
+        <dgm:pt modelId="32">
+          <dgm:prSet phldr="1"/>
+        </dgm:pt>
+      </dgm:ptLst>
+      <dgm:cxnLst>
+        <dgm:cxn modelId="4" srcId="0" destId="1" srcOrd="0" destOrd="0"/>
+        <dgm:cxn modelId="5" srcId="0" destId="2" srcOrd="1" destOrd="0"/>
+        <dgm:cxn modelId="6" srcId="0" destId="3" srcOrd="2" destOrd="0"/>
+        <dgm:cxn modelId="13" srcId="1" destId="11" srcOrd="0" destOrd="0"/>
+        <dgm:cxn modelId="14" srcId="1" destId="12" srcOrd="1" destOrd="0"/>
+        <dgm:cxn modelId="23" srcId="2" destId="21" srcOrd="0" destOrd="0"/>
+        <dgm:cxn modelId="24" srcId="2" destId="22" srcOrd="1" destOrd="0"/>
+        <dgm:cxn modelId="33" srcId="3" destId="31" srcOrd="0" destOrd="0"/>
+        <dgm:cxn modelId="34" srcId="3" destId="32" srcOrd="1" destOrd="0"/>
+      </dgm:cxnLst>
+      <dgm:bg/>
+      <dgm:whole/>
+    </dgm:dataModel>
+  </dgm:sampData>
+  <dgm:styleData>
+    <dgm:dataModel>
+      <dgm:ptLst>
+        <dgm:pt modelId="0" type="doc"/>
+        <dgm:pt modelId="1">
+          <dgm:prSet phldr="1"/>
+        </dgm:pt>
+        <dgm:pt modelId="2">
+          <dgm:prSet phldr="1"/>
+        </dgm:pt>
+      </dgm:ptLst>
+      <dgm:cxnLst>
+        <dgm:cxn modelId="3" srcId="0" destId="1" srcOrd="0" destOrd="0"/>
+        <dgm:cxn modelId="4" srcId="0" destId="2" srcOrd="1" destOrd="0"/>
+      </dgm:cxnLst>
+      <dgm:bg/>
+      <dgm:whole/>
+    </dgm:dataModel>
+  </dgm:styleData>
+  <dgm:clrData>
+    <dgm:dataModel>
+      <dgm:ptLst>
+        <dgm:pt modelId="0" type="doc"/>
+        <dgm:pt modelId="1">
+          <dgm:prSet phldr="1"/>
+        </dgm:pt>
+        <dgm:pt modelId="2">
+          <dgm:prSet phldr="1"/>
+        </dgm:pt>
+        <dgm:pt modelId="3">
+          <dgm:prSet phldr="1"/>
+        </dgm:pt>
+        <dgm:pt modelId="4">
+          <dgm:prSet phldr="1"/>
+        </dgm:pt>
+      </dgm:ptLst>
+      <dgm:cxnLst>
+        <dgm:cxn modelId="5" srcId="0" destId="1" srcOrd="0" destOrd="0"/>
+        <dgm:cxn modelId="6" srcId="0" destId="2" srcOrd="1" destOrd="0"/>
+        <dgm:cxn modelId="7" srcId="0" destId="3" srcOrd="2" destOrd="0"/>
+        <dgm:cxn modelId="8" srcId="0" destId="4" srcOrd="3" destOrd="0"/>
+      </dgm:cxnLst>
+      <dgm:bg/>
+      <dgm:whole/>
+    </dgm:dataModel>
+  </dgm:clrData>
+  <dgm:layoutNode name="Name0">
+    <dgm:varLst>
+      <dgm:dir/>
+      <dgm:animLvl val="lvl"/>
+      <dgm:resizeHandles val="exact"/>
+    </dgm:varLst>
+    <dgm:choose name="Name1">
+      <dgm:if name="Name2" func="var" arg="dir" op="equ" val="norm">
+        <dgm:alg type="lin"/>
+      </dgm:if>
+      <dgm:else name="Name3">
+        <dgm:alg type="lin">
+          <dgm:param type="linDir" val="fromR"/>
+        </dgm:alg>
+      </dgm:else>
+    </dgm:choose>
+    <dgm:shape xmlns:r="http://schemas.openxmlformats.org/officeDocument/2006/relationships" r:blip="">
+      <dgm:adjLst/>
+    </dgm:shape>
+    <dgm:presOf/>
+    <dgm:constrLst>
+      <dgm:constr type="h" for="ch" forName="composite" refType="h"/>
+      <dgm:constr type="w" for="ch" forName="composite" refType="w"/>
+      <dgm:constr type="w" for="des" forName="parTx"/>
+      <dgm:constr type="h" for="des" forName="parTx" op="equ"/>
+      <dgm:constr type="w" for="des" forName="desTx"/>
+      <dgm:constr type="h" for="des" forName="desTx" op="equ"/>
+      <dgm:constr type="primFontSz" for="des" forName="parTx" val="65"/>
+      <dgm:constr type="secFontSz" for="des" forName="desTx" refType="primFontSz" refFor="des" refForName="parTx" op="equ"/>
+      <dgm:constr type="h" for="des" forName="parTx" refType="primFontSz" refFor="des" refForName="parTx" fact="0.8"/>
+      <dgm:constr type="h" for="des" forName="desTx" refType="primFontSz" refFor="des" refForName="parTx" fact="1.22"/>
+      <dgm:constr type="w" for="ch" forName="space" refType="w" refFor="ch" refForName="composite" op="equ" fact="0.14"/>
+    </dgm:constrLst>
+    <dgm:ruleLst>
+      <dgm:rule type="w" for="ch" forName="composite" val="0" fact="NaN" max="NaN"/>
+      <dgm:rule type="primFontSz" for="des" forName="parTx" val="5" fact="NaN" max="NaN"/>
+    </dgm:ruleLst>
+    <dgm:forEach name="Name4" axis="ch" ptType="node">
+      <dgm:layoutNode name="composite">
+        <dgm:alg type="composite"/>
+        <dgm:shape xmlns:r="http://schemas.openxmlformats.org/officeDocument/2006/relationships" r:blip="">
+          <dgm:adjLst/>
+        </dgm:shape>
+        <dgm:presOf/>
+        <dgm:constrLst>
+          <dgm:constr type="l" for="ch" forName="parTx"/>
+          <dgm:constr type="w" for="ch" forName="parTx" refType="w"/>
+          <dgm:constr type="t" for="ch" forName="parTx"/>
+          <dgm:constr type="l" for="ch" forName="desTx"/>
+          <dgm:constr type="w" for="ch" forName="desTx" refType="w" refFor="ch" refForName="parTx"/>
+          <dgm:constr type="t" for="ch" forName="desTx" refType="h" refFor="ch" refForName="parTx"/>
+        </dgm:constrLst>
+        <dgm:ruleLst>
+          <dgm:rule type="h" val="INF" fact="NaN" max="NaN"/>
+        </dgm:ruleLst>
+        <dgm:layoutNode name="parTx" styleLbl="alignNode1">
+          <dgm:varLst>
+            <dgm:chMax val="0"/>
+            <dgm:chPref val="0"/>
+            <dgm:bulletEnabled val="1"/>
+          </dgm:varLst>
+          <dgm:alg type="tx"/>
+          <dgm:shape xmlns:r="http://schemas.openxmlformats.org/officeDocument/2006/relationships" type="rect" r:blip="">
+            <dgm:adjLst/>
+          </dgm:shape>
+          <dgm:presOf axis="self" ptType="node"/>
+          <dgm:constrLst>
+            <dgm:constr type="h" refType="w" op="lte" fact="0.4"/>
+            <dgm:constr type="h"/>
+            <dgm:constr type="tMarg" refType="primFontSz" fact="0.32"/>
+            <dgm:constr type="bMarg" refType="primFontSz" fact="0.32"/>
+          </dgm:constrLst>
+          <dgm:ruleLst>
+            <dgm:rule type="h" val="INF" fact="NaN" max="NaN"/>
+          </dgm:ruleLst>
+        </dgm:layoutNode>
+        <dgm:layoutNode name="desTx" styleLbl="alignAccFollowNode1">
+          <dgm:varLst>
+            <dgm:bulletEnabled val="1"/>
+          </dgm:varLst>
+          <dgm:alg type="tx">
+            <dgm:param type="stBulletLvl" val="1"/>
+          </dgm:alg>
+          <dgm:shape xmlns:r="http://schemas.openxmlformats.org/officeDocument/2006/relationships" type="rect" r:blip="">
+            <dgm:adjLst/>
+          </dgm:shape>
+          <dgm:presOf axis="des" ptType="node"/>
+          <dgm:constrLst>
+            <dgm:constr type="secFontSz" val="65"/>
+            <dgm:constr type="primFontSz" refType="secFontSz"/>
+            <dgm:constr type="h"/>
+            <dgm:constr type="lMarg" refType="primFontSz" fact="0.42"/>
+            <dgm:constr type="tMarg" refType="primFontSz" fact="0.42"/>
+            <dgm:constr type="bMarg" refType="primFontSz" fact="0.63"/>
+          </dgm:constrLst>
+          <dgm:ruleLst>
+            <dgm:rule type="h" val="INF" fact="NaN" max="NaN"/>
+          </dgm:ruleLst>
+        </dgm:layoutNode>
+      </dgm:layoutNode>
+      <dgm:forEach name="Name5" axis="followSib" ptType="sibTrans" cnt="1">
+        <dgm:layoutNode name="space">
+          <dgm:alg type="sp"/>
+          <dgm:shape xmlns:r="http://schemas.openxmlformats.org/officeDocument/2006/relationships" r:blip="">
+            <dgm:adjLst/>
+          </dgm:shape>
+          <dgm:presOf/>
+          <dgm:constrLst/>
+          <dgm:ruleLst/>
+        </dgm:layoutNode>
+      </dgm:forEach>
+    </dgm:forEach>
+  </dgm:layoutNode>
+</dgm:layoutDef>
+</file>
+
+<file path=ppt/diagrams/layout4.xml><?xml version="1.0" encoding="utf-8"?>
+<dgm:layoutDef xmlns:dgm="http://schemas.openxmlformats.org/drawingml/2006/diagram" xmlns:a="http://schemas.openxmlformats.org/drawingml/2006/main" uniqueId="urn:microsoft.com/office/officeart/2005/8/layout/default">
+  <dgm:title val=""/>
+  <dgm:desc val=""/>
+  <dgm:catLst>
+    <dgm:cat type="list" pri="400"/>
+  </dgm:catLst>
+  <dgm:sampData>
+    <dgm:dataModel>
+      <dgm:ptLst>
+        <dgm:pt modelId="0" type="doc"/>
+        <dgm:pt modelId="1">
+          <dgm:prSet phldr="1"/>
+        </dgm:pt>
+        <dgm:pt modelId="2">
+          <dgm:prSet phldr="1"/>
+        </dgm:pt>
+        <dgm:pt modelId="3">
+          <dgm:prSet phldr="1"/>
+        </dgm:pt>
+        <dgm:pt modelId="4">
+          <dgm:prSet phldr="1"/>
+        </dgm:pt>
+        <dgm:pt modelId="5">
+          <dgm:prSet phldr="1"/>
+        </dgm:pt>
+      </dgm:ptLst>
+      <dgm:cxnLst>
+        <dgm:cxn modelId="6" srcId="0" destId="1" srcOrd="0" destOrd="0"/>
+        <dgm:cxn modelId="7" srcId="0" destId="2" srcOrd="1" destOrd="0"/>
+        <dgm:cxn modelId="8" srcId="0" destId="3" srcOrd="2" destOrd="0"/>
+        <dgm:cxn modelId="9" srcId="0" destId="4" srcOrd="3" destOrd="0"/>
+        <dgm:cxn modelId="10" srcId="0" destId="5" srcOrd="4" destOrd="0"/>
+      </dgm:cxnLst>
+      <dgm:bg/>
+      <dgm:whole/>
+    </dgm:dataModel>
+  </dgm:sampData>
+  <dgm:styleData>
+    <dgm:dataModel>
+      <dgm:ptLst>
+        <dgm:pt modelId="0" type="doc"/>
+        <dgm:pt modelId="1"/>
+        <dgm:pt modelId="2"/>
+      </dgm:ptLst>
+      <dgm:cxnLst>
+        <dgm:cxn modelId="3" srcId="0" destId="1" srcOrd="0" destOrd="0"/>
+        <dgm:cxn modelId="4" srcId="0" destId="2" srcOrd="1" destOrd="0"/>
+      </dgm:cxnLst>
+      <dgm:bg/>
+      <dgm:whole/>
+    </dgm:dataModel>
+  </dgm:styleData>
+  <dgm:clrData>
+    <dgm:dataModel>
+      <dgm:ptLst>
+        <dgm:pt modelId="0" type="doc"/>
+        <dgm:pt modelId="1"/>
+        <dgm:pt modelId="2"/>
+        <dgm:pt modelId="3"/>
+        <dgm:pt modelId="4"/>
+        <dgm:pt modelId="5"/>
+        <dgm:pt modelId="6"/>
+      </dgm:ptLst>
+      <dgm:cxnLst>
+        <dgm:cxn modelId="7" srcId="0" destId="1" srcOrd="0" destOrd="0"/>
+        <dgm:cxn modelId="8" srcId="0" destId="2" srcOrd="1" destOrd="0"/>
+        <dgm:cxn modelId="9" srcId="0" destId="3" srcOrd="2" destOrd="0"/>
+        <dgm:cxn modelId="10" srcId="0" destId="4" srcOrd="3" destOrd="0"/>
+        <dgm:cxn modelId="11" srcId="0" destId="5" srcOrd="4" destOrd="0"/>
+        <dgm:cxn modelId="12" srcId="0" destId="6" srcOrd="5" destOrd="0"/>
+      </dgm:cxnLst>
+      <dgm:bg/>
+      <dgm:whole/>
+    </dgm:dataModel>
+  </dgm:clrData>
+  <dgm:layoutNode name="diagram">
+    <dgm:varLst>
+      <dgm:dir/>
+      <dgm:resizeHandles val="exact"/>
+    </dgm:varLst>
+    <dgm:choose name="Name0">
+      <dgm:if name="Name1" func="var" arg="dir" op="equ" val="norm">
+        <dgm:alg type="snake">
+          <dgm:param type="grDir" val="tL"/>
+          <dgm:param type="flowDir" val="row"/>
+          <dgm:param type="contDir" val="sameDir"/>
+          <dgm:param type="off" val="ctr"/>
+        </dgm:alg>
+      </dgm:if>
+      <dgm:else name="Name2">
+        <dgm:alg type="snake">
+          <dgm:param type="grDir" val="tR"/>
+          <dgm:param type="flowDir" val="row"/>
+          <dgm:param type="contDir" val="sameDir"/>
+          <dgm:param type="off" val="ctr"/>
+        </dgm:alg>
+      </dgm:else>
+    </dgm:choose>
+    <dgm:shape xmlns:r="http://schemas.openxmlformats.org/officeDocument/2006/relationships" r:blip="">
+      <dgm:adjLst/>
+    </dgm:shape>
+    <dgm:presOf/>
+    <dgm:constrLst>
+      <dgm:constr type="w" for="ch" forName="node" refType="w"/>
+      <dgm:constr type="h" for="ch" forName="node" refType="w" refFor="ch" refForName="node" fact="0.6"/>
+      <dgm:constr type="w" for="ch" forName="sibTrans" refType="w" refFor="ch" refForName="node" fact="0.1"/>
+      <dgm:constr type="sp" refType="w" refFor="ch" refForName="sibTrans"/>
+      <dgm:constr type="primFontSz" for="ch" forName="node" op="equ" val="65"/>
+    </dgm:constrLst>
+    <dgm:ruleLst/>
+    <dgm:forEach name="Name3" axis="ch" ptType="node">
+      <dgm:layoutNode name="node">
+        <dgm:varLst>
+          <dgm:bulletEnabled val="1"/>
+        </dgm:varLst>
+        <dgm:alg type="tx"/>
+        <dgm:shape xmlns:r="http://schemas.openxmlformats.org/officeDocument/2006/relationships" type="rect" r:blip="">
+          <dgm:adjLst/>
+        </dgm:shape>
+        <dgm:presOf axis="desOrSelf" ptType="node"/>
+        <dgm:constrLst>
+          <dgm:constr type="lMarg" refType="primFontSz" fact="0.3"/>
+          <dgm:constr type="rMarg" refType="primFontSz" fact="0.3"/>
+          <dgm:constr type="tMarg" refType="primFontSz" fact="0.3"/>
+          <dgm:constr type="bMarg" refType="primFontSz" fact="0.3"/>
+        </dgm:constrLst>
+        <dgm:ruleLst>
+          <dgm:rule type="primFontSz" val="5" fact="NaN" max="NaN"/>
+        </dgm:ruleLst>
+      </dgm:layoutNode>
+      <dgm:forEach name="Name4" axis="followSib" ptType="sibTrans" cnt="1">
+        <dgm:layoutNode name="sibTrans">
+          <dgm:alg type="sp"/>
+          <dgm:shape xmlns:r="http://schemas.openxmlformats.org/officeDocument/2006/relationships" r:blip="">
+            <dgm:adjLst/>
+          </dgm:shape>
+          <dgm:presOf/>
+          <dgm:constrLst/>
+          <dgm:ruleLst/>
+        </dgm:layoutNode>
+      </dgm:forEach>
+    </dgm:forEach>
+  </dgm:layoutNode>
+</dgm:layoutDef>
+</file>
+
 <file path=ppt/diagrams/quickStyle1.xml><?xml version="1.0" encoding="utf-8"?>
 <dgm:styleDef xmlns:dgm="http://schemas.openxmlformats.org/drawingml/2006/diagram" xmlns:a="http://schemas.openxmlformats.org/drawingml/2006/main" uniqueId="urn:microsoft.com/office/officeart/2005/8/quickstyle/simple1">
   <dgm:title val=""/>
@@ -4097,6 +8933,2074 @@
 </file>
 
 <file path=ppt/diagrams/quickStyle2.xml><?xml version="1.0" encoding="utf-8"?>
+<dgm:styleDef xmlns:dgm="http://schemas.openxmlformats.org/drawingml/2006/diagram" xmlns:a="http://schemas.openxmlformats.org/drawingml/2006/main" uniqueId="urn:microsoft.com/office/officeart/2005/8/quickstyle/simple1">
+  <dgm:title val=""/>
+  <dgm:desc val=""/>
+  <dgm:catLst>
+    <dgm:cat type="simple" pri="10100"/>
+  </dgm:catLst>
+  <dgm:scene3d>
+    <a:camera prst="orthographicFront"/>
+    <a:lightRig rig="threePt" dir="t"/>
+  </dgm:scene3d>
+  <dgm:styleLbl name="node0">
+    <dgm:scene3d>
+      <a:camera prst="orthographicFront"/>
+      <a:lightRig rig="threePt" dir="t"/>
+    </dgm:scene3d>
+    <dgm:sp3d/>
+    <dgm:txPr/>
+    <dgm:style>
+      <a:lnRef idx="2">
+        <a:scrgbClr r="0" g="0" b="0"/>
+      </a:lnRef>
+      <a:fillRef idx="1">
+        <a:scrgbClr r="0" g="0" b="0"/>
+      </a:fillRef>
+      <a:effectRef idx="0">
+        <a:scrgbClr r="0" g="0" b="0"/>
+      </a:effectRef>
+      <a:fontRef idx="minor">
+        <a:schemeClr val="lt1"/>
+      </a:fontRef>
+    </dgm:style>
+  </dgm:styleLbl>
+  <dgm:styleLbl name="lnNode1">
+    <dgm:scene3d>
+      <a:camera prst="orthographicFront"/>
+      <a:lightRig rig="threePt" dir="t"/>
+    </dgm:scene3d>
+    <dgm:sp3d/>
+    <dgm:txPr/>
+    <dgm:style>
+      <a:lnRef idx="2">
+        <a:scrgbClr r="0" g="0" b="0"/>
+      </a:lnRef>
+      <a:fillRef idx="1">
+        <a:scrgbClr r="0" g="0" b="0"/>
+      </a:fillRef>
+      <a:effectRef idx="0">
+        <a:scrgbClr r="0" g="0" b="0"/>
+      </a:effectRef>
+      <a:fontRef idx="minor">
+        <a:schemeClr val="lt1"/>
+      </a:fontRef>
+    </dgm:style>
+  </dgm:styleLbl>
+  <dgm:styleLbl name="vennNode1">
+    <dgm:scene3d>
+      <a:camera prst="orthographicFront"/>
+      <a:lightRig rig="threePt" dir="t"/>
+    </dgm:scene3d>
+    <dgm:sp3d/>
+    <dgm:txPr/>
+    <dgm:style>
+      <a:lnRef idx="2">
+        <a:scrgbClr r="0" g="0" b="0"/>
+      </a:lnRef>
+      <a:fillRef idx="1">
+        <a:scrgbClr r="0" g="0" b="0"/>
+      </a:fillRef>
+      <a:effectRef idx="0">
+        <a:scrgbClr r="0" g="0" b="0"/>
+      </a:effectRef>
+      <a:fontRef idx="minor">
+        <a:schemeClr val="tx1"/>
+      </a:fontRef>
+    </dgm:style>
+  </dgm:styleLbl>
+  <dgm:styleLbl name="alignNode1">
+    <dgm:scene3d>
+      <a:camera prst="orthographicFront"/>
+      <a:lightRig rig="threePt" dir="t"/>
+    </dgm:scene3d>
+    <dgm:sp3d/>
+    <dgm:txPr/>
+    <dgm:style>
+      <a:lnRef idx="2">
+        <a:scrgbClr r="0" g="0" b="0"/>
+      </a:lnRef>
+      <a:fillRef idx="1">
+        <a:scrgbClr r="0" g="0" b="0"/>
+      </a:fillRef>
+      <a:effectRef idx="0">
+        <a:scrgbClr r="0" g="0" b="0"/>
+      </a:effectRef>
+      <a:fontRef idx="minor">
+        <a:schemeClr val="lt1"/>
+      </a:fontRef>
+    </dgm:style>
+  </dgm:styleLbl>
+  <dgm:styleLbl name="node1">
+    <dgm:scene3d>
+      <a:camera prst="orthographicFront"/>
+      <a:lightRig rig="threePt" dir="t"/>
+    </dgm:scene3d>
+    <dgm:sp3d/>
+    <dgm:txPr/>
+    <dgm:style>
+      <a:lnRef idx="2">
+        <a:scrgbClr r="0" g="0" b="0"/>
+      </a:lnRef>
+      <a:fillRef idx="1">
+        <a:scrgbClr r="0" g="0" b="0"/>
+      </a:fillRef>
+      <a:effectRef idx="0">
+        <a:scrgbClr r="0" g="0" b="0"/>
+      </a:effectRef>
+      <a:fontRef idx="minor">
+        <a:schemeClr val="lt1"/>
+      </a:fontRef>
+    </dgm:style>
+  </dgm:styleLbl>
+  <dgm:styleLbl name="node2">
+    <dgm:scene3d>
+      <a:camera prst="orthographicFront"/>
+      <a:lightRig rig="threePt" dir="t"/>
+    </dgm:scene3d>
+    <dgm:sp3d/>
+    <dgm:txPr/>
+    <dgm:style>
+      <a:lnRef idx="2">
+        <a:scrgbClr r="0" g="0" b="0"/>
+      </a:lnRef>
+      <a:fillRef idx="1">
+        <a:scrgbClr r="0" g="0" b="0"/>
+      </a:fillRef>
+      <a:effectRef idx="0">
+        <a:scrgbClr r="0" g="0" b="0"/>
+      </a:effectRef>
+      <a:fontRef idx="minor">
+        <a:schemeClr val="lt1"/>
+      </a:fontRef>
+    </dgm:style>
+  </dgm:styleLbl>
+  <dgm:styleLbl name="node3">
+    <dgm:scene3d>
+      <a:camera prst="orthographicFront"/>
+      <a:lightRig rig="threePt" dir="t"/>
+    </dgm:scene3d>
+    <dgm:sp3d/>
+    <dgm:txPr/>
+    <dgm:style>
+      <a:lnRef idx="2">
+        <a:scrgbClr r="0" g="0" b="0"/>
+      </a:lnRef>
+      <a:fillRef idx="1">
+        <a:scrgbClr r="0" g="0" b="0"/>
+      </a:fillRef>
+      <a:effectRef idx="0">
+        <a:scrgbClr r="0" g="0" b="0"/>
+      </a:effectRef>
+      <a:fontRef idx="minor">
+        <a:schemeClr val="lt1"/>
+      </a:fontRef>
+    </dgm:style>
+  </dgm:styleLbl>
+  <dgm:styleLbl name="node4">
+    <dgm:scene3d>
+      <a:camera prst="orthographicFront"/>
+      <a:lightRig rig="threePt" dir="t"/>
+    </dgm:scene3d>
+    <dgm:sp3d/>
+    <dgm:txPr/>
+    <dgm:style>
+      <a:lnRef idx="2">
+        <a:scrgbClr r="0" g="0" b="0"/>
+      </a:lnRef>
+      <a:fillRef idx="1">
+        <a:scrgbClr r="0" g="0" b="0"/>
+      </a:fillRef>
+      <a:effectRef idx="0">
+        <a:scrgbClr r="0" g="0" b="0"/>
+      </a:effectRef>
+      <a:fontRef idx="minor">
+        <a:schemeClr val="lt1"/>
+      </a:fontRef>
+    </dgm:style>
+  </dgm:styleLbl>
+  <dgm:styleLbl name="fgImgPlace1">
+    <dgm:scene3d>
+      <a:camera prst="orthographicFront"/>
+      <a:lightRig rig="threePt" dir="t"/>
+    </dgm:scene3d>
+    <dgm:sp3d/>
+    <dgm:txPr/>
+    <dgm:style>
+      <a:lnRef idx="2">
+        <a:scrgbClr r="0" g="0" b="0"/>
+      </a:lnRef>
+      <a:fillRef idx="1">
+        <a:scrgbClr r="0" g="0" b="0"/>
+      </a:fillRef>
+      <a:effectRef idx="0">
+        <a:scrgbClr r="0" g="0" b="0"/>
+      </a:effectRef>
+      <a:fontRef idx="minor"/>
+    </dgm:style>
+  </dgm:styleLbl>
+  <dgm:styleLbl name="alignImgPlace1">
+    <dgm:scene3d>
+      <a:camera prst="orthographicFront"/>
+      <a:lightRig rig="threePt" dir="t"/>
+    </dgm:scene3d>
+    <dgm:sp3d/>
+    <dgm:txPr/>
+    <dgm:style>
+      <a:lnRef idx="2">
+        <a:scrgbClr r="0" g="0" b="0"/>
+      </a:lnRef>
+      <a:fillRef idx="1">
+        <a:scrgbClr r="0" g="0" b="0"/>
+      </a:fillRef>
+      <a:effectRef idx="0">
+        <a:scrgbClr r="0" g="0" b="0"/>
+      </a:effectRef>
+      <a:fontRef idx="minor"/>
+    </dgm:style>
+  </dgm:styleLbl>
+  <dgm:styleLbl name="bgImgPlace1">
+    <dgm:scene3d>
+      <a:camera prst="orthographicFront"/>
+      <a:lightRig rig="threePt" dir="t"/>
+    </dgm:scene3d>
+    <dgm:sp3d/>
+    <dgm:txPr/>
+    <dgm:style>
+      <a:lnRef idx="2">
+        <a:scrgbClr r="0" g="0" b="0"/>
+      </a:lnRef>
+      <a:fillRef idx="1">
+        <a:scrgbClr r="0" g="0" b="0"/>
+      </a:fillRef>
+      <a:effectRef idx="0">
+        <a:scrgbClr r="0" g="0" b="0"/>
+      </a:effectRef>
+      <a:fontRef idx="minor"/>
+    </dgm:style>
+  </dgm:styleLbl>
+  <dgm:styleLbl name="sibTrans2D1">
+    <dgm:scene3d>
+      <a:camera prst="orthographicFront"/>
+      <a:lightRig rig="threePt" dir="t"/>
+    </dgm:scene3d>
+    <dgm:sp3d/>
+    <dgm:txPr/>
+    <dgm:style>
+      <a:lnRef idx="0">
+        <a:scrgbClr r="0" g="0" b="0"/>
+      </a:lnRef>
+      <a:fillRef idx="1">
+        <a:scrgbClr r="0" g="0" b="0"/>
+      </a:fillRef>
+      <a:effectRef idx="0">
+        <a:scrgbClr r="0" g="0" b="0"/>
+      </a:effectRef>
+      <a:fontRef idx="minor">
+        <a:schemeClr val="lt1"/>
+      </a:fontRef>
+    </dgm:style>
+  </dgm:styleLbl>
+  <dgm:styleLbl name="fgSibTrans2D1">
+    <dgm:scene3d>
+      <a:camera prst="orthographicFront"/>
+      <a:lightRig rig="threePt" dir="t"/>
+    </dgm:scene3d>
+    <dgm:sp3d/>
+    <dgm:txPr/>
+    <dgm:style>
+      <a:lnRef idx="0">
+        <a:scrgbClr r="0" g="0" b="0"/>
+      </a:lnRef>
+      <a:fillRef idx="1">
+        <a:scrgbClr r="0" g="0" b="0"/>
+      </a:fillRef>
+      <a:effectRef idx="0">
+        <a:scrgbClr r="0" g="0" b="0"/>
+      </a:effectRef>
+      <a:fontRef idx="minor">
+        <a:schemeClr val="lt1"/>
+      </a:fontRef>
+    </dgm:style>
+  </dgm:styleLbl>
+  <dgm:styleLbl name="bgSibTrans2D1">
+    <dgm:scene3d>
+      <a:camera prst="orthographicFront"/>
+      <a:lightRig rig="threePt" dir="t"/>
+    </dgm:scene3d>
+    <dgm:sp3d/>
+    <dgm:txPr/>
+    <dgm:style>
+      <a:lnRef idx="0">
+        <a:scrgbClr r="0" g="0" b="0"/>
+      </a:lnRef>
+      <a:fillRef idx="1">
+        <a:scrgbClr r="0" g="0" b="0"/>
+      </a:fillRef>
+      <a:effectRef idx="0">
+        <a:scrgbClr r="0" g="0" b="0"/>
+      </a:effectRef>
+      <a:fontRef idx="minor">
+        <a:schemeClr val="lt1"/>
+      </a:fontRef>
+    </dgm:style>
+  </dgm:styleLbl>
+  <dgm:styleLbl name="sibTrans1D1">
+    <dgm:scene3d>
+      <a:camera prst="orthographicFront"/>
+      <a:lightRig rig="threePt" dir="t"/>
+    </dgm:scene3d>
+    <dgm:sp3d/>
+    <dgm:txPr/>
+    <dgm:style>
+      <a:lnRef idx="1">
+        <a:scrgbClr r="0" g="0" b="0"/>
+      </a:lnRef>
+      <a:fillRef idx="0">
+        <a:scrgbClr r="0" g="0" b="0"/>
+      </a:fillRef>
+      <a:effectRef idx="0">
+        <a:scrgbClr r="0" g="0" b="0"/>
+      </a:effectRef>
+      <a:fontRef idx="minor"/>
+    </dgm:style>
+  </dgm:styleLbl>
+  <dgm:styleLbl name="callout">
+    <dgm:scene3d>
+      <a:camera prst="orthographicFront"/>
+      <a:lightRig rig="threePt" dir="t"/>
+    </dgm:scene3d>
+    <dgm:sp3d/>
+    <dgm:txPr/>
+    <dgm:style>
+      <a:lnRef idx="2">
+        <a:scrgbClr r="0" g="0" b="0"/>
+      </a:lnRef>
+      <a:fillRef idx="1">
+        <a:scrgbClr r="0" g="0" b="0"/>
+      </a:fillRef>
+      <a:effectRef idx="0">
+        <a:scrgbClr r="0" g="0" b="0"/>
+      </a:effectRef>
+      <a:fontRef idx="minor"/>
+    </dgm:style>
+  </dgm:styleLbl>
+  <dgm:styleLbl name="asst0">
+    <dgm:scene3d>
+      <a:camera prst="orthographicFront"/>
+      <a:lightRig rig="threePt" dir="t"/>
+    </dgm:scene3d>
+    <dgm:sp3d/>
+    <dgm:txPr/>
+    <dgm:style>
+      <a:lnRef idx="2">
+        <a:scrgbClr r="0" g="0" b="0"/>
+      </a:lnRef>
+      <a:fillRef idx="1">
+        <a:scrgbClr r="0" g="0" b="0"/>
+      </a:fillRef>
+      <a:effectRef idx="0">
+        <a:scrgbClr r="0" g="0" b="0"/>
+      </a:effectRef>
+      <a:fontRef idx="minor">
+        <a:schemeClr val="lt1"/>
+      </a:fontRef>
+    </dgm:style>
+  </dgm:styleLbl>
+  <dgm:styleLbl name="asst1">
+    <dgm:scene3d>
+      <a:camera prst="orthographicFront"/>
+      <a:lightRig rig="threePt" dir="t"/>
+    </dgm:scene3d>
+    <dgm:sp3d/>
+    <dgm:txPr/>
+    <dgm:style>
+      <a:lnRef idx="2">
+        <a:scrgbClr r="0" g="0" b="0"/>
+      </a:lnRef>
+      <a:fillRef idx="1">
+        <a:scrgbClr r="0" g="0" b="0"/>
+      </a:fillRef>
+      <a:effectRef idx="0">
+        <a:scrgbClr r="0" g="0" b="0"/>
+      </a:effectRef>
+      <a:fontRef idx="minor">
+        <a:schemeClr val="lt1"/>
+      </a:fontRef>
+    </dgm:style>
+  </dgm:styleLbl>
+  <dgm:styleLbl name="asst2">
+    <dgm:scene3d>
+      <a:camera prst="orthographicFront"/>
+      <a:lightRig rig="threePt" dir="t"/>
+    </dgm:scene3d>
+    <dgm:sp3d/>
+    <dgm:txPr/>
+    <dgm:style>
+      <a:lnRef idx="2">
+        <a:scrgbClr r="0" g="0" b="0"/>
+      </a:lnRef>
+      <a:fillRef idx="1">
+        <a:scrgbClr r="0" g="0" b="0"/>
+      </a:fillRef>
+      <a:effectRef idx="0">
+        <a:scrgbClr r="0" g="0" b="0"/>
+      </a:effectRef>
+      <a:fontRef idx="minor">
+        <a:schemeClr val="lt1"/>
+      </a:fontRef>
+    </dgm:style>
+  </dgm:styleLbl>
+  <dgm:styleLbl name="asst3">
+    <dgm:scene3d>
+      <a:camera prst="orthographicFront"/>
+      <a:lightRig rig="threePt" dir="t"/>
+    </dgm:scene3d>
+    <dgm:sp3d/>
+    <dgm:txPr/>
+    <dgm:style>
+      <a:lnRef idx="2">
+        <a:scrgbClr r="0" g="0" b="0"/>
+      </a:lnRef>
+      <a:fillRef idx="1">
+        <a:scrgbClr r="0" g="0" b="0"/>
+      </a:fillRef>
+      <a:effectRef idx="0">
+        <a:scrgbClr r="0" g="0" b="0"/>
+      </a:effectRef>
+      <a:fontRef idx="minor">
+        <a:schemeClr val="lt1"/>
+      </a:fontRef>
+    </dgm:style>
+  </dgm:styleLbl>
+  <dgm:styleLbl name="asst4">
+    <dgm:scene3d>
+      <a:camera prst="orthographicFront"/>
+      <a:lightRig rig="threePt" dir="t"/>
+    </dgm:scene3d>
+    <dgm:sp3d/>
+    <dgm:txPr/>
+    <dgm:style>
+      <a:lnRef idx="2">
+        <a:scrgbClr r="0" g="0" b="0"/>
+      </a:lnRef>
+      <a:fillRef idx="1">
+        <a:scrgbClr r="0" g="0" b="0"/>
+      </a:fillRef>
+      <a:effectRef idx="0">
+        <a:scrgbClr r="0" g="0" b="0"/>
+      </a:effectRef>
+      <a:fontRef idx="minor">
+        <a:schemeClr val="lt1"/>
+      </a:fontRef>
+    </dgm:style>
+  </dgm:styleLbl>
+  <dgm:styleLbl name="parChTrans2D1">
+    <dgm:scene3d>
+      <a:camera prst="orthographicFront"/>
+      <a:lightRig rig="threePt" dir="t"/>
+    </dgm:scene3d>
+    <dgm:sp3d/>
+    <dgm:txPr/>
+    <dgm:style>
+      <a:lnRef idx="2">
+        <a:scrgbClr r="0" g="0" b="0"/>
+      </a:lnRef>
+      <a:fillRef idx="1">
+        <a:scrgbClr r="0" g="0" b="0"/>
+      </a:fillRef>
+      <a:effectRef idx="0">
+        <a:scrgbClr r="0" g="0" b="0"/>
+      </a:effectRef>
+      <a:fontRef idx="minor">
+        <a:schemeClr val="lt1"/>
+      </a:fontRef>
+    </dgm:style>
+  </dgm:styleLbl>
+  <dgm:styleLbl name="parChTrans2D2">
+    <dgm:scene3d>
+      <a:camera prst="orthographicFront"/>
+      <a:lightRig rig="threePt" dir="t"/>
+    </dgm:scene3d>
+    <dgm:sp3d/>
+    <dgm:txPr/>
+    <dgm:style>
+      <a:lnRef idx="2">
+        <a:scrgbClr r="0" g="0" b="0"/>
+      </a:lnRef>
+      <a:fillRef idx="1">
+        <a:scrgbClr r="0" g="0" b="0"/>
+      </a:fillRef>
+      <a:effectRef idx="0">
+        <a:scrgbClr r="0" g="0" b="0"/>
+      </a:effectRef>
+      <a:fontRef idx="minor">
+        <a:schemeClr val="lt1"/>
+      </a:fontRef>
+    </dgm:style>
+  </dgm:styleLbl>
+  <dgm:styleLbl name="parChTrans2D3">
+    <dgm:scene3d>
+      <a:camera prst="orthographicFront"/>
+      <a:lightRig rig="threePt" dir="t"/>
+    </dgm:scene3d>
+    <dgm:sp3d/>
+    <dgm:txPr/>
+    <dgm:style>
+      <a:lnRef idx="2">
+        <a:scrgbClr r="0" g="0" b="0"/>
+      </a:lnRef>
+      <a:fillRef idx="1">
+        <a:scrgbClr r="0" g="0" b="0"/>
+      </a:fillRef>
+      <a:effectRef idx="0">
+        <a:scrgbClr r="0" g="0" b="0"/>
+      </a:effectRef>
+      <a:fontRef idx="minor">
+        <a:schemeClr val="lt1"/>
+      </a:fontRef>
+    </dgm:style>
+  </dgm:styleLbl>
+  <dgm:styleLbl name="parChTrans2D4">
+    <dgm:scene3d>
+      <a:camera prst="orthographicFront"/>
+      <a:lightRig rig="threePt" dir="t"/>
+    </dgm:scene3d>
+    <dgm:sp3d/>
+    <dgm:txPr/>
+    <dgm:style>
+      <a:lnRef idx="2">
+        <a:scrgbClr r="0" g="0" b="0"/>
+      </a:lnRef>
+      <a:fillRef idx="1">
+        <a:scrgbClr r="0" g="0" b="0"/>
+      </a:fillRef>
+      <a:effectRef idx="0">
+        <a:scrgbClr r="0" g="0" b="0"/>
+      </a:effectRef>
+      <a:fontRef idx="minor">
+        <a:schemeClr val="lt1"/>
+      </a:fontRef>
+    </dgm:style>
+  </dgm:styleLbl>
+  <dgm:styleLbl name="parChTrans1D1">
+    <dgm:scene3d>
+      <a:camera prst="orthographicFront"/>
+      <a:lightRig rig="threePt" dir="t"/>
+    </dgm:scene3d>
+    <dgm:sp3d/>
+    <dgm:txPr/>
+    <dgm:style>
+      <a:lnRef idx="2">
+        <a:scrgbClr r="0" g="0" b="0"/>
+      </a:lnRef>
+      <a:fillRef idx="0">
+        <a:scrgbClr r="0" g="0" b="0"/>
+      </a:fillRef>
+      <a:effectRef idx="0">
+        <a:scrgbClr r="0" g="0" b="0"/>
+      </a:effectRef>
+      <a:fontRef idx="minor"/>
+    </dgm:style>
+  </dgm:styleLbl>
+  <dgm:styleLbl name="parChTrans1D2">
+    <dgm:scene3d>
+      <a:camera prst="orthographicFront"/>
+      <a:lightRig rig="threePt" dir="t"/>
+    </dgm:scene3d>
+    <dgm:sp3d/>
+    <dgm:txPr/>
+    <dgm:style>
+      <a:lnRef idx="2">
+        <a:scrgbClr r="0" g="0" b="0"/>
+      </a:lnRef>
+      <a:fillRef idx="0">
+        <a:scrgbClr r="0" g="0" b="0"/>
+      </a:fillRef>
+      <a:effectRef idx="0">
+        <a:scrgbClr r="0" g="0" b="0"/>
+      </a:effectRef>
+      <a:fontRef idx="minor"/>
+    </dgm:style>
+  </dgm:styleLbl>
+  <dgm:styleLbl name="parChTrans1D3">
+    <dgm:scene3d>
+      <a:camera prst="orthographicFront"/>
+      <a:lightRig rig="threePt" dir="t"/>
+    </dgm:scene3d>
+    <dgm:sp3d/>
+    <dgm:txPr/>
+    <dgm:style>
+      <a:lnRef idx="2">
+        <a:scrgbClr r="0" g="0" b="0"/>
+      </a:lnRef>
+      <a:fillRef idx="0">
+        <a:scrgbClr r="0" g="0" b="0"/>
+      </a:fillRef>
+      <a:effectRef idx="0">
+        <a:scrgbClr r="0" g="0" b="0"/>
+      </a:effectRef>
+      <a:fontRef idx="minor"/>
+    </dgm:style>
+  </dgm:styleLbl>
+  <dgm:styleLbl name="parChTrans1D4">
+    <dgm:scene3d>
+      <a:camera prst="orthographicFront"/>
+      <a:lightRig rig="threePt" dir="t"/>
+    </dgm:scene3d>
+    <dgm:sp3d/>
+    <dgm:txPr/>
+    <dgm:style>
+      <a:lnRef idx="2">
+        <a:scrgbClr r="0" g="0" b="0"/>
+      </a:lnRef>
+      <a:fillRef idx="0">
+        <a:scrgbClr r="0" g="0" b="0"/>
+      </a:fillRef>
+      <a:effectRef idx="0">
+        <a:scrgbClr r="0" g="0" b="0"/>
+      </a:effectRef>
+      <a:fontRef idx="minor"/>
+    </dgm:style>
+  </dgm:styleLbl>
+  <dgm:styleLbl name="fgAcc1">
+    <dgm:scene3d>
+      <a:camera prst="orthographicFront"/>
+      <a:lightRig rig="threePt" dir="t"/>
+    </dgm:scene3d>
+    <dgm:sp3d/>
+    <dgm:txPr/>
+    <dgm:style>
+      <a:lnRef idx="2">
+        <a:scrgbClr r="0" g="0" b="0"/>
+      </a:lnRef>
+      <a:fillRef idx="1">
+        <a:scrgbClr r="0" g="0" b="0"/>
+      </a:fillRef>
+      <a:effectRef idx="0">
+        <a:scrgbClr r="0" g="0" b="0"/>
+      </a:effectRef>
+      <a:fontRef idx="minor"/>
+    </dgm:style>
+  </dgm:styleLbl>
+  <dgm:styleLbl name="conFgAcc1">
+    <dgm:scene3d>
+      <a:camera prst="orthographicFront"/>
+      <a:lightRig rig="threePt" dir="t"/>
+    </dgm:scene3d>
+    <dgm:sp3d/>
+    <dgm:txPr/>
+    <dgm:style>
+      <a:lnRef idx="2">
+        <a:scrgbClr r="0" g="0" b="0"/>
+      </a:lnRef>
+      <a:fillRef idx="1">
+        <a:scrgbClr r="0" g="0" b="0"/>
+      </a:fillRef>
+      <a:effectRef idx="0">
+        <a:scrgbClr r="0" g="0" b="0"/>
+      </a:effectRef>
+      <a:fontRef idx="minor"/>
+    </dgm:style>
+  </dgm:styleLbl>
+  <dgm:styleLbl name="alignAcc1">
+    <dgm:scene3d>
+      <a:camera prst="orthographicFront"/>
+      <a:lightRig rig="threePt" dir="t"/>
+    </dgm:scene3d>
+    <dgm:sp3d/>
+    <dgm:txPr/>
+    <dgm:style>
+      <a:lnRef idx="2">
+        <a:scrgbClr r="0" g="0" b="0"/>
+      </a:lnRef>
+      <a:fillRef idx="1">
+        <a:scrgbClr r="0" g="0" b="0"/>
+      </a:fillRef>
+      <a:effectRef idx="0">
+        <a:scrgbClr r="0" g="0" b="0"/>
+      </a:effectRef>
+      <a:fontRef idx="minor"/>
+    </dgm:style>
+  </dgm:styleLbl>
+  <dgm:styleLbl name="trAlignAcc1">
+    <dgm:scene3d>
+      <a:camera prst="orthographicFront"/>
+      <a:lightRig rig="threePt" dir="t"/>
+    </dgm:scene3d>
+    <dgm:sp3d/>
+    <dgm:txPr/>
+    <dgm:style>
+      <a:lnRef idx="1">
+        <a:scrgbClr r="0" g="0" b="0"/>
+      </a:lnRef>
+      <a:fillRef idx="1">
+        <a:scrgbClr r="0" g="0" b="0"/>
+      </a:fillRef>
+      <a:effectRef idx="0">
+        <a:scrgbClr r="0" g="0" b="0"/>
+      </a:effectRef>
+      <a:fontRef idx="minor"/>
+    </dgm:style>
+  </dgm:styleLbl>
+  <dgm:styleLbl name="bgAcc1">
+    <dgm:scene3d>
+      <a:camera prst="orthographicFront"/>
+      <a:lightRig rig="threePt" dir="t"/>
+    </dgm:scene3d>
+    <dgm:sp3d/>
+    <dgm:txPr/>
+    <dgm:style>
+      <a:lnRef idx="2">
+        <a:scrgbClr r="0" g="0" b="0"/>
+      </a:lnRef>
+      <a:fillRef idx="1">
+        <a:scrgbClr r="0" g="0" b="0"/>
+      </a:fillRef>
+      <a:effectRef idx="0">
+        <a:scrgbClr r="0" g="0" b="0"/>
+      </a:effectRef>
+      <a:fontRef idx="minor"/>
+    </dgm:style>
+  </dgm:styleLbl>
+  <dgm:styleLbl name="solidFgAcc1">
+    <dgm:scene3d>
+      <a:camera prst="orthographicFront"/>
+      <a:lightRig rig="threePt" dir="t"/>
+    </dgm:scene3d>
+    <dgm:sp3d/>
+    <dgm:txPr/>
+    <dgm:style>
+      <a:lnRef idx="2">
+        <a:scrgbClr r="0" g="0" b="0"/>
+      </a:lnRef>
+      <a:fillRef idx="1">
+        <a:scrgbClr r="0" g="0" b="0"/>
+      </a:fillRef>
+      <a:effectRef idx="0">
+        <a:scrgbClr r="0" g="0" b="0"/>
+      </a:effectRef>
+      <a:fontRef idx="minor"/>
+    </dgm:style>
+  </dgm:styleLbl>
+  <dgm:styleLbl name="solidAlignAcc1">
+    <dgm:scene3d>
+      <a:camera prst="orthographicFront"/>
+      <a:lightRig rig="threePt" dir="t"/>
+    </dgm:scene3d>
+    <dgm:sp3d/>
+    <dgm:txPr/>
+    <dgm:style>
+      <a:lnRef idx="2">
+        <a:scrgbClr r="0" g="0" b="0"/>
+      </a:lnRef>
+      <a:fillRef idx="1">
+        <a:scrgbClr r="0" g="0" b="0"/>
+      </a:fillRef>
+      <a:effectRef idx="0">
+        <a:scrgbClr r="0" g="0" b="0"/>
+      </a:effectRef>
+      <a:fontRef idx="minor"/>
+    </dgm:style>
+  </dgm:styleLbl>
+  <dgm:styleLbl name="solidBgAcc1">
+    <dgm:scene3d>
+      <a:camera prst="orthographicFront"/>
+      <a:lightRig rig="threePt" dir="t"/>
+    </dgm:scene3d>
+    <dgm:sp3d/>
+    <dgm:txPr/>
+    <dgm:style>
+      <a:lnRef idx="2">
+        <a:scrgbClr r="0" g="0" b="0"/>
+      </a:lnRef>
+      <a:fillRef idx="1">
+        <a:scrgbClr r="0" g="0" b="0"/>
+      </a:fillRef>
+      <a:effectRef idx="0">
+        <a:scrgbClr r="0" g="0" b="0"/>
+      </a:effectRef>
+      <a:fontRef idx="minor"/>
+    </dgm:style>
+  </dgm:styleLbl>
+  <dgm:styleLbl name="fgAccFollowNode1">
+    <dgm:scene3d>
+      <a:camera prst="orthographicFront"/>
+      <a:lightRig rig="threePt" dir="t"/>
+    </dgm:scene3d>
+    <dgm:sp3d/>
+    <dgm:txPr/>
+    <dgm:style>
+      <a:lnRef idx="2">
+        <a:scrgbClr r="0" g="0" b="0"/>
+      </a:lnRef>
+      <a:fillRef idx="1">
+        <a:scrgbClr r="0" g="0" b="0"/>
+      </a:fillRef>
+      <a:effectRef idx="0">
+        <a:scrgbClr r="0" g="0" b="0"/>
+      </a:effectRef>
+      <a:fontRef idx="minor"/>
+    </dgm:style>
+  </dgm:styleLbl>
+  <dgm:styleLbl name="alignAccFollowNode1">
+    <dgm:scene3d>
+      <a:camera prst="orthographicFront"/>
+      <a:lightRig rig="threePt" dir="t"/>
+    </dgm:scene3d>
+    <dgm:sp3d/>
+    <dgm:txPr/>
+    <dgm:style>
+      <a:lnRef idx="2">
+        <a:scrgbClr r="0" g="0" b="0"/>
+      </a:lnRef>
+      <a:fillRef idx="1">
+        <a:scrgbClr r="0" g="0" b="0"/>
+      </a:fillRef>
+      <a:effectRef idx="0">
+        <a:scrgbClr r="0" g="0" b="0"/>
+      </a:effectRef>
+      <a:fontRef idx="minor"/>
+    </dgm:style>
+  </dgm:styleLbl>
+  <dgm:styleLbl name="bgAccFollowNode1">
+    <dgm:scene3d>
+      <a:camera prst="orthographicFront"/>
+      <a:lightRig rig="threePt" dir="t"/>
+    </dgm:scene3d>
+    <dgm:sp3d/>
+    <dgm:txPr/>
+    <dgm:style>
+      <a:lnRef idx="2">
+        <a:scrgbClr r="0" g="0" b="0"/>
+      </a:lnRef>
+      <a:fillRef idx="1">
+        <a:scrgbClr r="0" g="0" b="0"/>
+      </a:fillRef>
+      <a:effectRef idx="0">
+        <a:scrgbClr r="0" g="0" b="0"/>
+      </a:effectRef>
+      <a:fontRef idx="minor"/>
+    </dgm:style>
+  </dgm:styleLbl>
+  <dgm:styleLbl name="fgAcc0">
+    <dgm:scene3d>
+      <a:camera prst="orthographicFront"/>
+      <a:lightRig rig="threePt" dir="t"/>
+    </dgm:scene3d>
+    <dgm:sp3d/>
+    <dgm:txPr/>
+    <dgm:style>
+      <a:lnRef idx="2">
+        <a:scrgbClr r="0" g="0" b="0"/>
+      </a:lnRef>
+      <a:fillRef idx="1">
+        <a:scrgbClr r="0" g="0" b="0"/>
+      </a:fillRef>
+      <a:effectRef idx="0">
+        <a:scrgbClr r="0" g="0" b="0"/>
+      </a:effectRef>
+      <a:fontRef idx="minor"/>
+    </dgm:style>
+  </dgm:styleLbl>
+  <dgm:styleLbl name="fgAcc2">
+    <dgm:scene3d>
+      <a:camera prst="orthographicFront"/>
+      <a:lightRig rig="threePt" dir="t"/>
+    </dgm:scene3d>
+    <dgm:sp3d/>
+    <dgm:txPr/>
+    <dgm:style>
+      <a:lnRef idx="2">
+        <a:scrgbClr r="0" g="0" b="0"/>
+      </a:lnRef>
+      <a:fillRef idx="1">
+        <a:scrgbClr r="0" g="0" b="0"/>
+      </a:fillRef>
+      <a:effectRef idx="0">
+        <a:scrgbClr r="0" g="0" b="0"/>
+      </a:effectRef>
+      <a:fontRef idx="minor"/>
+    </dgm:style>
+  </dgm:styleLbl>
+  <dgm:styleLbl name="fgAcc3">
+    <dgm:scene3d>
+      <a:camera prst="orthographicFront"/>
+      <a:lightRig rig="threePt" dir="t"/>
+    </dgm:scene3d>
+    <dgm:sp3d/>
+    <dgm:txPr/>
+    <dgm:style>
+      <a:lnRef idx="2">
+        <a:scrgbClr r="0" g="0" b="0"/>
+      </a:lnRef>
+      <a:fillRef idx="1">
+        <a:scrgbClr r="0" g="0" b="0"/>
+      </a:fillRef>
+      <a:effectRef idx="0">
+        <a:scrgbClr r="0" g="0" b="0"/>
+      </a:effectRef>
+      <a:fontRef idx="minor"/>
+    </dgm:style>
+  </dgm:styleLbl>
+  <dgm:styleLbl name="fgAcc4">
+    <dgm:scene3d>
+      <a:camera prst="orthographicFront"/>
+      <a:lightRig rig="threePt" dir="t"/>
+    </dgm:scene3d>
+    <dgm:sp3d/>
+    <dgm:txPr/>
+    <dgm:style>
+      <a:lnRef idx="2">
+        <a:scrgbClr r="0" g="0" b="0"/>
+      </a:lnRef>
+      <a:fillRef idx="1">
+        <a:scrgbClr r="0" g="0" b="0"/>
+      </a:fillRef>
+      <a:effectRef idx="0">
+        <a:scrgbClr r="0" g="0" b="0"/>
+      </a:effectRef>
+      <a:fontRef idx="minor"/>
+    </dgm:style>
+  </dgm:styleLbl>
+  <dgm:styleLbl name="bgShp">
+    <dgm:scene3d>
+      <a:camera prst="orthographicFront"/>
+      <a:lightRig rig="threePt" dir="t"/>
+    </dgm:scene3d>
+    <dgm:sp3d/>
+    <dgm:txPr/>
+    <dgm:style>
+      <a:lnRef idx="0">
+        <a:scrgbClr r="0" g="0" b="0"/>
+      </a:lnRef>
+      <a:fillRef idx="1">
+        <a:scrgbClr r="0" g="0" b="0"/>
+      </a:fillRef>
+      <a:effectRef idx="0">
+        <a:scrgbClr r="0" g="0" b="0"/>
+      </a:effectRef>
+      <a:fontRef idx="minor"/>
+    </dgm:style>
+  </dgm:styleLbl>
+  <dgm:styleLbl name="dkBgShp">
+    <dgm:scene3d>
+      <a:camera prst="orthographicFront"/>
+      <a:lightRig rig="threePt" dir="t"/>
+    </dgm:scene3d>
+    <dgm:sp3d/>
+    <dgm:txPr/>
+    <dgm:style>
+      <a:lnRef idx="0">
+        <a:scrgbClr r="0" g="0" b="0"/>
+      </a:lnRef>
+      <a:fillRef idx="1">
+        <a:scrgbClr r="0" g="0" b="0"/>
+      </a:fillRef>
+      <a:effectRef idx="0">
+        <a:scrgbClr r="0" g="0" b="0"/>
+      </a:effectRef>
+      <a:fontRef idx="minor"/>
+    </dgm:style>
+  </dgm:styleLbl>
+  <dgm:styleLbl name="trBgShp">
+    <dgm:scene3d>
+      <a:camera prst="orthographicFront"/>
+      <a:lightRig rig="threePt" dir="t"/>
+    </dgm:scene3d>
+    <dgm:sp3d/>
+    <dgm:txPr/>
+    <dgm:style>
+      <a:lnRef idx="0">
+        <a:scrgbClr r="0" g="0" b="0"/>
+      </a:lnRef>
+      <a:fillRef idx="1">
+        <a:scrgbClr r="0" g="0" b="0"/>
+      </a:fillRef>
+      <a:effectRef idx="0">
+        <a:scrgbClr r="0" g="0" b="0"/>
+      </a:effectRef>
+      <a:fontRef idx="minor"/>
+    </dgm:style>
+  </dgm:styleLbl>
+  <dgm:styleLbl name="fgShp">
+    <dgm:scene3d>
+      <a:camera prst="orthographicFront"/>
+      <a:lightRig rig="threePt" dir="t"/>
+    </dgm:scene3d>
+    <dgm:sp3d/>
+    <dgm:txPr/>
+    <dgm:style>
+      <a:lnRef idx="2">
+        <a:scrgbClr r="0" g="0" b="0"/>
+      </a:lnRef>
+      <a:fillRef idx="1">
+        <a:scrgbClr r="0" g="0" b="0"/>
+      </a:fillRef>
+      <a:effectRef idx="0">
+        <a:scrgbClr r="0" g="0" b="0"/>
+      </a:effectRef>
+      <a:fontRef idx="minor"/>
+    </dgm:style>
+  </dgm:styleLbl>
+  <dgm:styleLbl name="revTx">
+    <dgm:scene3d>
+      <a:camera prst="orthographicFront"/>
+      <a:lightRig rig="threePt" dir="t"/>
+    </dgm:scene3d>
+    <dgm:sp3d/>
+    <dgm:txPr/>
+    <dgm:style>
+      <a:lnRef idx="0">
+        <a:scrgbClr r="0" g="0" b="0"/>
+      </a:lnRef>
+      <a:fillRef idx="0">
+        <a:scrgbClr r="0" g="0" b="0"/>
+      </a:fillRef>
+      <a:effectRef idx="0">
+        <a:scrgbClr r="0" g="0" b="0"/>
+      </a:effectRef>
+      <a:fontRef idx="minor"/>
+    </dgm:style>
+  </dgm:styleLbl>
+</dgm:styleDef>
+</file>
+
+<file path=ppt/diagrams/quickStyle3.xml><?xml version="1.0" encoding="utf-8"?>
+<dgm:styleDef xmlns:dgm="http://schemas.openxmlformats.org/drawingml/2006/diagram" xmlns:a="http://schemas.openxmlformats.org/drawingml/2006/main" uniqueId="urn:microsoft.com/office/officeart/2005/8/quickstyle/simple1">
+  <dgm:title val=""/>
+  <dgm:desc val=""/>
+  <dgm:catLst>
+    <dgm:cat type="simple" pri="10100"/>
+  </dgm:catLst>
+  <dgm:scene3d>
+    <a:camera prst="orthographicFront"/>
+    <a:lightRig rig="threePt" dir="t"/>
+  </dgm:scene3d>
+  <dgm:styleLbl name="node0">
+    <dgm:scene3d>
+      <a:camera prst="orthographicFront"/>
+      <a:lightRig rig="threePt" dir="t"/>
+    </dgm:scene3d>
+    <dgm:sp3d/>
+    <dgm:txPr/>
+    <dgm:style>
+      <a:lnRef idx="2">
+        <a:scrgbClr r="0" g="0" b="0"/>
+      </a:lnRef>
+      <a:fillRef idx="1">
+        <a:scrgbClr r="0" g="0" b="0"/>
+      </a:fillRef>
+      <a:effectRef idx="0">
+        <a:scrgbClr r="0" g="0" b="0"/>
+      </a:effectRef>
+      <a:fontRef idx="minor">
+        <a:schemeClr val="lt1"/>
+      </a:fontRef>
+    </dgm:style>
+  </dgm:styleLbl>
+  <dgm:styleLbl name="lnNode1">
+    <dgm:scene3d>
+      <a:camera prst="orthographicFront"/>
+      <a:lightRig rig="threePt" dir="t"/>
+    </dgm:scene3d>
+    <dgm:sp3d/>
+    <dgm:txPr/>
+    <dgm:style>
+      <a:lnRef idx="2">
+        <a:scrgbClr r="0" g="0" b="0"/>
+      </a:lnRef>
+      <a:fillRef idx="1">
+        <a:scrgbClr r="0" g="0" b="0"/>
+      </a:fillRef>
+      <a:effectRef idx="0">
+        <a:scrgbClr r="0" g="0" b="0"/>
+      </a:effectRef>
+      <a:fontRef idx="minor">
+        <a:schemeClr val="lt1"/>
+      </a:fontRef>
+    </dgm:style>
+  </dgm:styleLbl>
+  <dgm:styleLbl name="vennNode1">
+    <dgm:scene3d>
+      <a:camera prst="orthographicFront"/>
+      <a:lightRig rig="threePt" dir="t"/>
+    </dgm:scene3d>
+    <dgm:sp3d/>
+    <dgm:txPr/>
+    <dgm:style>
+      <a:lnRef idx="2">
+        <a:scrgbClr r="0" g="0" b="0"/>
+      </a:lnRef>
+      <a:fillRef idx="1">
+        <a:scrgbClr r="0" g="0" b="0"/>
+      </a:fillRef>
+      <a:effectRef idx="0">
+        <a:scrgbClr r="0" g="0" b="0"/>
+      </a:effectRef>
+      <a:fontRef idx="minor">
+        <a:schemeClr val="tx1"/>
+      </a:fontRef>
+    </dgm:style>
+  </dgm:styleLbl>
+  <dgm:styleLbl name="alignNode1">
+    <dgm:scene3d>
+      <a:camera prst="orthographicFront"/>
+      <a:lightRig rig="threePt" dir="t"/>
+    </dgm:scene3d>
+    <dgm:sp3d/>
+    <dgm:txPr/>
+    <dgm:style>
+      <a:lnRef idx="2">
+        <a:scrgbClr r="0" g="0" b="0"/>
+      </a:lnRef>
+      <a:fillRef idx="1">
+        <a:scrgbClr r="0" g="0" b="0"/>
+      </a:fillRef>
+      <a:effectRef idx="0">
+        <a:scrgbClr r="0" g="0" b="0"/>
+      </a:effectRef>
+      <a:fontRef idx="minor">
+        <a:schemeClr val="lt1"/>
+      </a:fontRef>
+    </dgm:style>
+  </dgm:styleLbl>
+  <dgm:styleLbl name="node1">
+    <dgm:scene3d>
+      <a:camera prst="orthographicFront"/>
+      <a:lightRig rig="threePt" dir="t"/>
+    </dgm:scene3d>
+    <dgm:sp3d/>
+    <dgm:txPr/>
+    <dgm:style>
+      <a:lnRef idx="2">
+        <a:scrgbClr r="0" g="0" b="0"/>
+      </a:lnRef>
+      <a:fillRef idx="1">
+        <a:scrgbClr r="0" g="0" b="0"/>
+      </a:fillRef>
+      <a:effectRef idx="0">
+        <a:scrgbClr r="0" g="0" b="0"/>
+      </a:effectRef>
+      <a:fontRef idx="minor">
+        <a:schemeClr val="lt1"/>
+      </a:fontRef>
+    </dgm:style>
+  </dgm:styleLbl>
+  <dgm:styleLbl name="node2">
+    <dgm:scene3d>
+      <a:camera prst="orthographicFront"/>
+      <a:lightRig rig="threePt" dir="t"/>
+    </dgm:scene3d>
+    <dgm:sp3d/>
+    <dgm:txPr/>
+    <dgm:style>
+      <a:lnRef idx="2">
+        <a:scrgbClr r="0" g="0" b="0"/>
+      </a:lnRef>
+      <a:fillRef idx="1">
+        <a:scrgbClr r="0" g="0" b="0"/>
+      </a:fillRef>
+      <a:effectRef idx="0">
+        <a:scrgbClr r="0" g="0" b="0"/>
+      </a:effectRef>
+      <a:fontRef idx="minor">
+        <a:schemeClr val="lt1"/>
+      </a:fontRef>
+    </dgm:style>
+  </dgm:styleLbl>
+  <dgm:styleLbl name="node3">
+    <dgm:scene3d>
+      <a:camera prst="orthographicFront"/>
+      <a:lightRig rig="threePt" dir="t"/>
+    </dgm:scene3d>
+    <dgm:sp3d/>
+    <dgm:txPr/>
+    <dgm:style>
+      <a:lnRef idx="2">
+        <a:scrgbClr r="0" g="0" b="0"/>
+      </a:lnRef>
+      <a:fillRef idx="1">
+        <a:scrgbClr r="0" g="0" b="0"/>
+      </a:fillRef>
+      <a:effectRef idx="0">
+        <a:scrgbClr r="0" g="0" b="0"/>
+      </a:effectRef>
+      <a:fontRef idx="minor">
+        <a:schemeClr val="lt1"/>
+      </a:fontRef>
+    </dgm:style>
+  </dgm:styleLbl>
+  <dgm:styleLbl name="node4">
+    <dgm:scene3d>
+      <a:camera prst="orthographicFront"/>
+      <a:lightRig rig="threePt" dir="t"/>
+    </dgm:scene3d>
+    <dgm:sp3d/>
+    <dgm:txPr/>
+    <dgm:style>
+      <a:lnRef idx="2">
+        <a:scrgbClr r="0" g="0" b="0"/>
+      </a:lnRef>
+      <a:fillRef idx="1">
+        <a:scrgbClr r="0" g="0" b="0"/>
+      </a:fillRef>
+      <a:effectRef idx="0">
+        <a:scrgbClr r="0" g="0" b="0"/>
+      </a:effectRef>
+      <a:fontRef idx="minor">
+        <a:schemeClr val="lt1"/>
+      </a:fontRef>
+    </dgm:style>
+  </dgm:styleLbl>
+  <dgm:styleLbl name="fgImgPlace1">
+    <dgm:scene3d>
+      <a:camera prst="orthographicFront"/>
+      <a:lightRig rig="threePt" dir="t"/>
+    </dgm:scene3d>
+    <dgm:sp3d/>
+    <dgm:txPr/>
+    <dgm:style>
+      <a:lnRef idx="2">
+        <a:scrgbClr r="0" g="0" b="0"/>
+      </a:lnRef>
+      <a:fillRef idx="1">
+        <a:scrgbClr r="0" g="0" b="0"/>
+      </a:fillRef>
+      <a:effectRef idx="0">
+        <a:scrgbClr r="0" g="0" b="0"/>
+      </a:effectRef>
+      <a:fontRef idx="minor"/>
+    </dgm:style>
+  </dgm:styleLbl>
+  <dgm:styleLbl name="alignImgPlace1">
+    <dgm:scene3d>
+      <a:camera prst="orthographicFront"/>
+      <a:lightRig rig="threePt" dir="t"/>
+    </dgm:scene3d>
+    <dgm:sp3d/>
+    <dgm:txPr/>
+    <dgm:style>
+      <a:lnRef idx="2">
+        <a:scrgbClr r="0" g="0" b="0"/>
+      </a:lnRef>
+      <a:fillRef idx="1">
+        <a:scrgbClr r="0" g="0" b="0"/>
+      </a:fillRef>
+      <a:effectRef idx="0">
+        <a:scrgbClr r="0" g="0" b="0"/>
+      </a:effectRef>
+      <a:fontRef idx="minor"/>
+    </dgm:style>
+  </dgm:styleLbl>
+  <dgm:styleLbl name="bgImgPlace1">
+    <dgm:scene3d>
+      <a:camera prst="orthographicFront"/>
+      <a:lightRig rig="threePt" dir="t"/>
+    </dgm:scene3d>
+    <dgm:sp3d/>
+    <dgm:txPr/>
+    <dgm:style>
+      <a:lnRef idx="2">
+        <a:scrgbClr r="0" g="0" b="0"/>
+      </a:lnRef>
+      <a:fillRef idx="1">
+        <a:scrgbClr r="0" g="0" b="0"/>
+      </a:fillRef>
+      <a:effectRef idx="0">
+        <a:scrgbClr r="0" g="0" b="0"/>
+      </a:effectRef>
+      <a:fontRef idx="minor"/>
+    </dgm:style>
+  </dgm:styleLbl>
+  <dgm:styleLbl name="sibTrans2D1">
+    <dgm:scene3d>
+      <a:camera prst="orthographicFront"/>
+      <a:lightRig rig="threePt" dir="t"/>
+    </dgm:scene3d>
+    <dgm:sp3d/>
+    <dgm:txPr/>
+    <dgm:style>
+      <a:lnRef idx="0">
+        <a:scrgbClr r="0" g="0" b="0"/>
+      </a:lnRef>
+      <a:fillRef idx="1">
+        <a:scrgbClr r="0" g="0" b="0"/>
+      </a:fillRef>
+      <a:effectRef idx="0">
+        <a:scrgbClr r="0" g="0" b="0"/>
+      </a:effectRef>
+      <a:fontRef idx="minor">
+        <a:schemeClr val="lt1"/>
+      </a:fontRef>
+    </dgm:style>
+  </dgm:styleLbl>
+  <dgm:styleLbl name="fgSibTrans2D1">
+    <dgm:scene3d>
+      <a:camera prst="orthographicFront"/>
+      <a:lightRig rig="threePt" dir="t"/>
+    </dgm:scene3d>
+    <dgm:sp3d/>
+    <dgm:txPr/>
+    <dgm:style>
+      <a:lnRef idx="0">
+        <a:scrgbClr r="0" g="0" b="0"/>
+      </a:lnRef>
+      <a:fillRef idx="1">
+        <a:scrgbClr r="0" g="0" b="0"/>
+      </a:fillRef>
+      <a:effectRef idx="0">
+        <a:scrgbClr r="0" g="0" b="0"/>
+      </a:effectRef>
+      <a:fontRef idx="minor">
+        <a:schemeClr val="lt1"/>
+      </a:fontRef>
+    </dgm:style>
+  </dgm:styleLbl>
+  <dgm:styleLbl name="bgSibTrans2D1">
+    <dgm:scene3d>
+      <a:camera prst="orthographicFront"/>
+      <a:lightRig rig="threePt" dir="t"/>
+    </dgm:scene3d>
+    <dgm:sp3d/>
+    <dgm:txPr/>
+    <dgm:style>
+      <a:lnRef idx="0">
+        <a:scrgbClr r="0" g="0" b="0"/>
+      </a:lnRef>
+      <a:fillRef idx="1">
+        <a:scrgbClr r="0" g="0" b="0"/>
+      </a:fillRef>
+      <a:effectRef idx="0">
+        <a:scrgbClr r="0" g="0" b="0"/>
+      </a:effectRef>
+      <a:fontRef idx="minor">
+        <a:schemeClr val="lt1"/>
+      </a:fontRef>
+    </dgm:style>
+  </dgm:styleLbl>
+  <dgm:styleLbl name="sibTrans1D1">
+    <dgm:scene3d>
+      <a:camera prst="orthographicFront"/>
+      <a:lightRig rig="threePt" dir="t"/>
+    </dgm:scene3d>
+    <dgm:sp3d/>
+    <dgm:txPr/>
+    <dgm:style>
+      <a:lnRef idx="1">
+        <a:scrgbClr r="0" g="0" b="0"/>
+      </a:lnRef>
+      <a:fillRef idx="0">
+        <a:scrgbClr r="0" g="0" b="0"/>
+      </a:fillRef>
+      <a:effectRef idx="0">
+        <a:scrgbClr r="0" g="0" b="0"/>
+      </a:effectRef>
+      <a:fontRef idx="minor"/>
+    </dgm:style>
+  </dgm:styleLbl>
+  <dgm:styleLbl name="callout">
+    <dgm:scene3d>
+      <a:camera prst="orthographicFront"/>
+      <a:lightRig rig="threePt" dir="t"/>
+    </dgm:scene3d>
+    <dgm:sp3d/>
+    <dgm:txPr/>
+    <dgm:style>
+      <a:lnRef idx="2">
+        <a:scrgbClr r="0" g="0" b="0"/>
+      </a:lnRef>
+      <a:fillRef idx="1">
+        <a:scrgbClr r="0" g="0" b="0"/>
+      </a:fillRef>
+      <a:effectRef idx="0">
+        <a:scrgbClr r="0" g="0" b="0"/>
+      </a:effectRef>
+      <a:fontRef idx="minor"/>
+    </dgm:style>
+  </dgm:styleLbl>
+  <dgm:styleLbl name="asst0">
+    <dgm:scene3d>
+      <a:camera prst="orthographicFront"/>
+      <a:lightRig rig="threePt" dir="t"/>
+    </dgm:scene3d>
+    <dgm:sp3d/>
+    <dgm:txPr/>
+    <dgm:style>
+      <a:lnRef idx="2">
+        <a:scrgbClr r="0" g="0" b="0"/>
+      </a:lnRef>
+      <a:fillRef idx="1">
+        <a:scrgbClr r="0" g="0" b="0"/>
+      </a:fillRef>
+      <a:effectRef idx="0">
+        <a:scrgbClr r="0" g="0" b="0"/>
+      </a:effectRef>
+      <a:fontRef idx="minor">
+        <a:schemeClr val="lt1"/>
+      </a:fontRef>
+    </dgm:style>
+  </dgm:styleLbl>
+  <dgm:styleLbl name="asst1">
+    <dgm:scene3d>
+      <a:camera prst="orthographicFront"/>
+      <a:lightRig rig="threePt" dir="t"/>
+    </dgm:scene3d>
+    <dgm:sp3d/>
+    <dgm:txPr/>
+    <dgm:style>
+      <a:lnRef idx="2">
+        <a:scrgbClr r="0" g="0" b="0"/>
+      </a:lnRef>
+      <a:fillRef idx="1">
+        <a:scrgbClr r="0" g="0" b="0"/>
+      </a:fillRef>
+      <a:effectRef idx="0">
+        <a:scrgbClr r="0" g="0" b="0"/>
+      </a:effectRef>
+      <a:fontRef idx="minor">
+        <a:schemeClr val="lt1"/>
+      </a:fontRef>
+    </dgm:style>
+  </dgm:styleLbl>
+  <dgm:styleLbl name="asst2">
+    <dgm:scene3d>
+      <a:camera prst="orthographicFront"/>
+      <a:lightRig rig="threePt" dir="t"/>
+    </dgm:scene3d>
+    <dgm:sp3d/>
+    <dgm:txPr/>
+    <dgm:style>
+      <a:lnRef idx="2">
+        <a:scrgbClr r="0" g="0" b="0"/>
+      </a:lnRef>
+      <a:fillRef idx="1">
+        <a:scrgbClr r="0" g="0" b="0"/>
+      </a:fillRef>
+      <a:effectRef idx="0">
+        <a:scrgbClr r="0" g="0" b="0"/>
+      </a:effectRef>
+      <a:fontRef idx="minor">
+        <a:schemeClr val="lt1"/>
+      </a:fontRef>
+    </dgm:style>
+  </dgm:styleLbl>
+  <dgm:styleLbl name="asst3">
+    <dgm:scene3d>
+      <a:camera prst="orthographicFront"/>
+      <a:lightRig rig="threePt" dir="t"/>
+    </dgm:scene3d>
+    <dgm:sp3d/>
+    <dgm:txPr/>
+    <dgm:style>
+      <a:lnRef idx="2">
+        <a:scrgbClr r="0" g="0" b="0"/>
+      </a:lnRef>
+      <a:fillRef idx="1">
+        <a:scrgbClr r="0" g="0" b="0"/>
+      </a:fillRef>
+      <a:effectRef idx="0">
+        <a:scrgbClr r="0" g="0" b="0"/>
+      </a:effectRef>
+      <a:fontRef idx="minor">
+        <a:schemeClr val="lt1"/>
+      </a:fontRef>
+    </dgm:style>
+  </dgm:styleLbl>
+  <dgm:styleLbl name="asst4">
+    <dgm:scene3d>
+      <a:camera prst="orthographicFront"/>
+      <a:lightRig rig="threePt" dir="t"/>
+    </dgm:scene3d>
+    <dgm:sp3d/>
+    <dgm:txPr/>
+    <dgm:style>
+      <a:lnRef idx="2">
+        <a:scrgbClr r="0" g="0" b="0"/>
+      </a:lnRef>
+      <a:fillRef idx="1">
+        <a:scrgbClr r="0" g="0" b="0"/>
+      </a:fillRef>
+      <a:effectRef idx="0">
+        <a:scrgbClr r="0" g="0" b="0"/>
+      </a:effectRef>
+      <a:fontRef idx="minor">
+        <a:schemeClr val="lt1"/>
+      </a:fontRef>
+    </dgm:style>
+  </dgm:styleLbl>
+  <dgm:styleLbl name="parChTrans2D1">
+    <dgm:scene3d>
+      <a:camera prst="orthographicFront"/>
+      <a:lightRig rig="threePt" dir="t"/>
+    </dgm:scene3d>
+    <dgm:sp3d/>
+    <dgm:txPr/>
+    <dgm:style>
+      <a:lnRef idx="2">
+        <a:scrgbClr r="0" g="0" b="0"/>
+      </a:lnRef>
+      <a:fillRef idx="1">
+        <a:scrgbClr r="0" g="0" b="0"/>
+      </a:fillRef>
+      <a:effectRef idx="0">
+        <a:scrgbClr r="0" g="0" b="0"/>
+      </a:effectRef>
+      <a:fontRef idx="minor">
+        <a:schemeClr val="lt1"/>
+      </a:fontRef>
+    </dgm:style>
+  </dgm:styleLbl>
+  <dgm:styleLbl name="parChTrans2D2">
+    <dgm:scene3d>
+      <a:camera prst="orthographicFront"/>
+      <a:lightRig rig="threePt" dir="t"/>
+    </dgm:scene3d>
+    <dgm:sp3d/>
+    <dgm:txPr/>
+    <dgm:style>
+      <a:lnRef idx="2">
+        <a:scrgbClr r="0" g="0" b="0"/>
+      </a:lnRef>
+      <a:fillRef idx="1">
+        <a:scrgbClr r="0" g="0" b="0"/>
+      </a:fillRef>
+      <a:effectRef idx="0">
+        <a:scrgbClr r="0" g="0" b="0"/>
+      </a:effectRef>
+      <a:fontRef idx="minor">
+        <a:schemeClr val="lt1"/>
+      </a:fontRef>
+    </dgm:style>
+  </dgm:styleLbl>
+  <dgm:styleLbl name="parChTrans2D3">
+    <dgm:scene3d>
+      <a:camera prst="orthographicFront"/>
+      <a:lightRig rig="threePt" dir="t"/>
+    </dgm:scene3d>
+    <dgm:sp3d/>
+    <dgm:txPr/>
+    <dgm:style>
+      <a:lnRef idx="2">
+        <a:scrgbClr r="0" g="0" b="0"/>
+      </a:lnRef>
+      <a:fillRef idx="1">
+        <a:scrgbClr r="0" g="0" b="0"/>
+      </a:fillRef>
+      <a:effectRef idx="0">
+        <a:scrgbClr r="0" g="0" b="0"/>
+      </a:effectRef>
+      <a:fontRef idx="minor">
+        <a:schemeClr val="lt1"/>
+      </a:fontRef>
+    </dgm:style>
+  </dgm:styleLbl>
+  <dgm:styleLbl name="parChTrans2D4">
+    <dgm:scene3d>
+      <a:camera prst="orthographicFront"/>
+      <a:lightRig rig="threePt" dir="t"/>
+    </dgm:scene3d>
+    <dgm:sp3d/>
+    <dgm:txPr/>
+    <dgm:style>
+      <a:lnRef idx="2">
+        <a:scrgbClr r="0" g="0" b="0"/>
+      </a:lnRef>
+      <a:fillRef idx="1">
+        <a:scrgbClr r="0" g="0" b="0"/>
+      </a:fillRef>
+      <a:effectRef idx="0">
+        <a:scrgbClr r="0" g="0" b="0"/>
+      </a:effectRef>
+      <a:fontRef idx="minor">
+        <a:schemeClr val="lt1"/>
+      </a:fontRef>
+    </dgm:style>
+  </dgm:styleLbl>
+  <dgm:styleLbl name="parChTrans1D1">
+    <dgm:scene3d>
+      <a:camera prst="orthographicFront"/>
+      <a:lightRig rig="threePt" dir="t"/>
+    </dgm:scene3d>
+    <dgm:sp3d/>
+    <dgm:txPr/>
+    <dgm:style>
+      <a:lnRef idx="2">
+        <a:scrgbClr r="0" g="0" b="0"/>
+      </a:lnRef>
+      <a:fillRef idx="0">
+        <a:scrgbClr r="0" g="0" b="0"/>
+      </a:fillRef>
+      <a:effectRef idx="0">
+        <a:scrgbClr r="0" g="0" b="0"/>
+      </a:effectRef>
+      <a:fontRef idx="minor"/>
+    </dgm:style>
+  </dgm:styleLbl>
+  <dgm:styleLbl name="parChTrans1D2">
+    <dgm:scene3d>
+      <a:camera prst="orthographicFront"/>
+      <a:lightRig rig="threePt" dir="t"/>
+    </dgm:scene3d>
+    <dgm:sp3d/>
+    <dgm:txPr/>
+    <dgm:style>
+      <a:lnRef idx="2">
+        <a:scrgbClr r="0" g="0" b="0"/>
+      </a:lnRef>
+      <a:fillRef idx="0">
+        <a:scrgbClr r="0" g="0" b="0"/>
+      </a:fillRef>
+      <a:effectRef idx="0">
+        <a:scrgbClr r="0" g="0" b="0"/>
+      </a:effectRef>
+      <a:fontRef idx="minor"/>
+    </dgm:style>
+  </dgm:styleLbl>
+  <dgm:styleLbl name="parChTrans1D3">
+    <dgm:scene3d>
+      <a:camera prst="orthographicFront"/>
+      <a:lightRig rig="threePt" dir="t"/>
+    </dgm:scene3d>
+    <dgm:sp3d/>
+    <dgm:txPr/>
+    <dgm:style>
+      <a:lnRef idx="2">
+        <a:scrgbClr r="0" g="0" b="0"/>
+      </a:lnRef>
+      <a:fillRef idx="0">
+        <a:scrgbClr r="0" g="0" b="0"/>
+      </a:fillRef>
+      <a:effectRef idx="0">
+        <a:scrgbClr r="0" g="0" b="0"/>
+      </a:effectRef>
+      <a:fontRef idx="minor"/>
+    </dgm:style>
+  </dgm:styleLbl>
+  <dgm:styleLbl name="parChTrans1D4">
+    <dgm:scene3d>
+      <a:camera prst="orthographicFront"/>
+      <a:lightRig rig="threePt" dir="t"/>
+    </dgm:scene3d>
+    <dgm:sp3d/>
+    <dgm:txPr/>
+    <dgm:style>
+      <a:lnRef idx="2">
+        <a:scrgbClr r="0" g="0" b="0"/>
+      </a:lnRef>
+      <a:fillRef idx="0">
+        <a:scrgbClr r="0" g="0" b="0"/>
+      </a:fillRef>
+      <a:effectRef idx="0">
+        <a:scrgbClr r="0" g="0" b="0"/>
+      </a:effectRef>
+      <a:fontRef idx="minor"/>
+    </dgm:style>
+  </dgm:styleLbl>
+  <dgm:styleLbl name="fgAcc1">
+    <dgm:scene3d>
+      <a:camera prst="orthographicFront"/>
+      <a:lightRig rig="threePt" dir="t"/>
+    </dgm:scene3d>
+    <dgm:sp3d/>
+    <dgm:txPr/>
+    <dgm:style>
+      <a:lnRef idx="2">
+        <a:scrgbClr r="0" g="0" b="0"/>
+      </a:lnRef>
+      <a:fillRef idx="1">
+        <a:scrgbClr r="0" g="0" b="0"/>
+      </a:fillRef>
+      <a:effectRef idx="0">
+        <a:scrgbClr r="0" g="0" b="0"/>
+      </a:effectRef>
+      <a:fontRef idx="minor"/>
+    </dgm:style>
+  </dgm:styleLbl>
+  <dgm:styleLbl name="conFgAcc1">
+    <dgm:scene3d>
+      <a:camera prst="orthographicFront"/>
+      <a:lightRig rig="threePt" dir="t"/>
+    </dgm:scene3d>
+    <dgm:sp3d/>
+    <dgm:txPr/>
+    <dgm:style>
+      <a:lnRef idx="2">
+        <a:scrgbClr r="0" g="0" b="0"/>
+      </a:lnRef>
+      <a:fillRef idx="1">
+        <a:scrgbClr r="0" g="0" b="0"/>
+      </a:fillRef>
+      <a:effectRef idx="0">
+        <a:scrgbClr r="0" g="0" b="0"/>
+      </a:effectRef>
+      <a:fontRef idx="minor"/>
+    </dgm:style>
+  </dgm:styleLbl>
+  <dgm:styleLbl name="alignAcc1">
+    <dgm:scene3d>
+      <a:camera prst="orthographicFront"/>
+      <a:lightRig rig="threePt" dir="t"/>
+    </dgm:scene3d>
+    <dgm:sp3d/>
+    <dgm:txPr/>
+    <dgm:style>
+      <a:lnRef idx="2">
+        <a:scrgbClr r="0" g="0" b="0"/>
+      </a:lnRef>
+      <a:fillRef idx="1">
+        <a:scrgbClr r="0" g="0" b="0"/>
+      </a:fillRef>
+      <a:effectRef idx="0">
+        <a:scrgbClr r="0" g="0" b="0"/>
+      </a:effectRef>
+      <a:fontRef idx="minor"/>
+    </dgm:style>
+  </dgm:styleLbl>
+  <dgm:styleLbl name="trAlignAcc1">
+    <dgm:scene3d>
+      <a:camera prst="orthographicFront"/>
+      <a:lightRig rig="threePt" dir="t"/>
+    </dgm:scene3d>
+    <dgm:sp3d/>
+    <dgm:txPr/>
+    <dgm:style>
+      <a:lnRef idx="1">
+        <a:scrgbClr r="0" g="0" b="0"/>
+      </a:lnRef>
+      <a:fillRef idx="1">
+        <a:scrgbClr r="0" g="0" b="0"/>
+      </a:fillRef>
+      <a:effectRef idx="0">
+        <a:scrgbClr r="0" g="0" b="0"/>
+      </a:effectRef>
+      <a:fontRef idx="minor"/>
+    </dgm:style>
+  </dgm:styleLbl>
+  <dgm:styleLbl name="bgAcc1">
+    <dgm:scene3d>
+      <a:camera prst="orthographicFront"/>
+      <a:lightRig rig="threePt" dir="t"/>
+    </dgm:scene3d>
+    <dgm:sp3d/>
+    <dgm:txPr/>
+    <dgm:style>
+      <a:lnRef idx="2">
+        <a:scrgbClr r="0" g="0" b="0"/>
+      </a:lnRef>
+      <a:fillRef idx="1">
+        <a:scrgbClr r="0" g="0" b="0"/>
+      </a:fillRef>
+      <a:effectRef idx="0">
+        <a:scrgbClr r="0" g="0" b="0"/>
+      </a:effectRef>
+      <a:fontRef idx="minor"/>
+    </dgm:style>
+  </dgm:styleLbl>
+  <dgm:styleLbl name="solidFgAcc1">
+    <dgm:scene3d>
+      <a:camera prst="orthographicFront"/>
+      <a:lightRig rig="threePt" dir="t"/>
+    </dgm:scene3d>
+    <dgm:sp3d/>
+    <dgm:txPr/>
+    <dgm:style>
+      <a:lnRef idx="2">
+        <a:scrgbClr r="0" g="0" b="0"/>
+      </a:lnRef>
+      <a:fillRef idx="1">
+        <a:scrgbClr r="0" g="0" b="0"/>
+      </a:fillRef>
+      <a:effectRef idx="0">
+        <a:scrgbClr r="0" g="0" b="0"/>
+      </a:effectRef>
+      <a:fontRef idx="minor"/>
+    </dgm:style>
+  </dgm:styleLbl>
+  <dgm:styleLbl name="solidAlignAcc1">
+    <dgm:scene3d>
+      <a:camera prst="orthographicFront"/>
+      <a:lightRig rig="threePt" dir="t"/>
+    </dgm:scene3d>
+    <dgm:sp3d/>
+    <dgm:txPr/>
+    <dgm:style>
+      <a:lnRef idx="2">
+        <a:scrgbClr r="0" g="0" b="0"/>
+      </a:lnRef>
+      <a:fillRef idx="1">
+        <a:scrgbClr r="0" g="0" b="0"/>
+      </a:fillRef>
+      <a:effectRef idx="0">
+        <a:scrgbClr r="0" g="0" b="0"/>
+      </a:effectRef>
+      <a:fontRef idx="minor"/>
+    </dgm:style>
+  </dgm:styleLbl>
+  <dgm:styleLbl name="solidBgAcc1">
+    <dgm:scene3d>
+      <a:camera prst="orthographicFront"/>
+      <a:lightRig rig="threePt" dir="t"/>
+    </dgm:scene3d>
+    <dgm:sp3d/>
+    <dgm:txPr/>
+    <dgm:style>
+      <a:lnRef idx="2">
+        <a:scrgbClr r="0" g="0" b="0"/>
+      </a:lnRef>
+      <a:fillRef idx="1">
+        <a:scrgbClr r="0" g="0" b="0"/>
+      </a:fillRef>
+      <a:effectRef idx="0">
+        <a:scrgbClr r="0" g="0" b="0"/>
+      </a:effectRef>
+      <a:fontRef idx="minor"/>
+    </dgm:style>
+  </dgm:styleLbl>
+  <dgm:styleLbl name="fgAccFollowNode1">
+    <dgm:scene3d>
+      <a:camera prst="orthographicFront"/>
+      <a:lightRig rig="threePt" dir="t"/>
+    </dgm:scene3d>
+    <dgm:sp3d/>
+    <dgm:txPr/>
+    <dgm:style>
+      <a:lnRef idx="2">
+        <a:scrgbClr r="0" g="0" b="0"/>
+      </a:lnRef>
+      <a:fillRef idx="1">
+        <a:scrgbClr r="0" g="0" b="0"/>
+      </a:fillRef>
+      <a:effectRef idx="0">
+        <a:scrgbClr r="0" g="0" b="0"/>
+      </a:effectRef>
+      <a:fontRef idx="minor"/>
+    </dgm:style>
+  </dgm:styleLbl>
+  <dgm:styleLbl name="alignAccFollowNode1">
+    <dgm:scene3d>
+      <a:camera prst="orthographicFront"/>
+      <a:lightRig rig="threePt" dir="t"/>
+    </dgm:scene3d>
+    <dgm:sp3d/>
+    <dgm:txPr/>
+    <dgm:style>
+      <a:lnRef idx="2">
+        <a:scrgbClr r="0" g="0" b="0"/>
+      </a:lnRef>
+      <a:fillRef idx="1">
+        <a:scrgbClr r="0" g="0" b="0"/>
+      </a:fillRef>
+      <a:effectRef idx="0">
+        <a:scrgbClr r="0" g="0" b="0"/>
+      </a:effectRef>
+      <a:fontRef idx="minor"/>
+    </dgm:style>
+  </dgm:styleLbl>
+  <dgm:styleLbl name="bgAccFollowNode1">
+    <dgm:scene3d>
+      <a:camera prst="orthographicFront"/>
+      <a:lightRig rig="threePt" dir="t"/>
+    </dgm:scene3d>
+    <dgm:sp3d/>
+    <dgm:txPr/>
+    <dgm:style>
+      <a:lnRef idx="2">
+        <a:scrgbClr r="0" g="0" b="0"/>
+      </a:lnRef>
+      <a:fillRef idx="1">
+        <a:scrgbClr r="0" g="0" b="0"/>
+      </a:fillRef>
+      <a:effectRef idx="0">
+        <a:scrgbClr r="0" g="0" b="0"/>
+      </a:effectRef>
+      <a:fontRef idx="minor"/>
+    </dgm:style>
+  </dgm:styleLbl>
+  <dgm:styleLbl name="fgAcc0">
+    <dgm:scene3d>
+      <a:camera prst="orthographicFront"/>
+      <a:lightRig rig="threePt" dir="t"/>
+    </dgm:scene3d>
+    <dgm:sp3d/>
+    <dgm:txPr/>
+    <dgm:style>
+      <a:lnRef idx="2">
+        <a:scrgbClr r="0" g="0" b="0"/>
+      </a:lnRef>
+      <a:fillRef idx="1">
+        <a:scrgbClr r="0" g="0" b="0"/>
+      </a:fillRef>
+      <a:effectRef idx="0">
+        <a:scrgbClr r="0" g="0" b="0"/>
+      </a:effectRef>
+      <a:fontRef idx="minor"/>
+    </dgm:style>
+  </dgm:styleLbl>
+  <dgm:styleLbl name="fgAcc2">
+    <dgm:scene3d>
+      <a:camera prst="orthographicFront"/>
+      <a:lightRig rig="threePt" dir="t"/>
+    </dgm:scene3d>
+    <dgm:sp3d/>
+    <dgm:txPr/>
+    <dgm:style>
+      <a:lnRef idx="2">
+        <a:scrgbClr r="0" g="0" b="0"/>
+      </a:lnRef>
+      <a:fillRef idx="1">
+        <a:scrgbClr r="0" g="0" b="0"/>
+      </a:fillRef>
+      <a:effectRef idx="0">
+        <a:scrgbClr r="0" g="0" b="0"/>
+      </a:effectRef>
+      <a:fontRef idx="minor"/>
+    </dgm:style>
+  </dgm:styleLbl>
+  <dgm:styleLbl name="fgAcc3">
+    <dgm:scene3d>
+      <a:camera prst="orthographicFront"/>
+      <a:lightRig rig="threePt" dir="t"/>
+    </dgm:scene3d>
+    <dgm:sp3d/>
+    <dgm:txPr/>
+    <dgm:style>
+      <a:lnRef idx="2">
+        <a:scrgbClr r="0" g="0" b="0"/>
+      </a:lnRef>
+      <a:fillRef idx="1">
+        <a:scrgbClr r="0" g="0" b="0"/>
+      </a:fillRef>
+      <a:effectRef idx="0">
+        <a:scrgbClr r="0" g="0" b="0"/>
+      </a:effectRef>
+      <a:fontRef idx="minor"/>
+    </dgm:style>
+  </dgm:styleLbl>
+  <dgm:styleLbl name="fgAcc4">
+    <dgm:scene3d>
+      <a:camera prst="orthographicFront"/>
+      <a:lightRig rig="threePt" dir="t"/>
+    </dgm:scene3d>
+    <dgm:sp3d/>
+    <dgm:txPr/>
+    <dgm:style>
+      <a:lnRef idx="2">
+        <a:scrgbClr r="0" g="0" b="0"/>
+      </a:lnRef>
+      <a:fillRef idx="1">
+        <a:scrgbClr r="0" g="0" b="0"/>
+      </a:fillRef>
+      <a:effectRef idx="0">
+        <a:scrgbClr r="0" g="0" b="0"/>
+      </a:effectRef>
+      <a:fontRef idx="minor"/>
+    </dgm:style>
+  </dgm:styleLbl>
+  <dgm:styleLbl name="bgShp">
+    <dgm:scene3d>
+      <a:camera prst="orthographicFront"/>
+      <a:lightRig rig="threePt" dir="t"/>
+    </dgm:scene3d>
+    <dgm:sp3d/>
+    <dgm:txPr/>
+    <dgm:style>
+      <a:lnRef idx="0">
+        <a:scrgbClr r="0" g="0" b="0"/>
+      </a:lnRef>
+      <a:fillRef idx="1">
+        <a:scrgbClr r="0" g="0" b="0"/>
+      </a:fillRef>
+      <a:effectRef idx="0">
+        <a:scrgbClr r="0" g="0" b="0"/>
+      </a:effectRef>
+      <a:fontRef idx="minor"/>
+    </dgm:style>
+  </dgm:styleLbl>
+  <dgm:styleLbl name="dkBgShp">
+    <dgm:scene3d>
+      <a:camera prst="orthographicFront"/>
+      <a:lightRig rig="threePt" dir="t"/>
+    </dgm:scene3d>
+    <dgm:sp3d/>
+    <dgm:txPr/>
+    <dgm:style>
+      <a:lnRef idx="0">
+        <a:scrgbClr r="0" g="0" b="0"/>
+      </a:lnRef>
+      <a:fillRef idx="1">
+        <a:scrgbClr r="0" g="0" b="0"/>
+      </a:fillRef>
+      <a:effectRef idx="0">
+        <a:scrgbClr r="0" g="0" b="0"/>
+      </a:effectRef>
+      <a:fontRef idx="minor"/>
+    </dgm:style>
+  </dgm:styleLbl>
+  <dgm:styleLbl name="trBgShp">
+    <dgm:scene3d>
+      <a:camera prst="orthographicFront"/>
+      <a:lightRig rig="threePt" dir="t"/>
+    </dgm:scene3d>
+    <dgm:sp3d/>
+    <dgm:txPr/>
+    <dgm:style>
+      <a:lnRef idx="0">
+        <a:scrgbClr r="0" g="0" b="0"/>
+      </a:lnRef>
+      <a:fillRef idx="1">
+        <a:scrgbClr r="0" g="0" b="0"/>
+      </a:fillRef>
+      <a:effectRef idx="0">
+        <a:scrgbClr r="0" g="0" b="0"/>
+      </a:effectRef>
+      <a:fontRef idx="minor"/>
+    </dgm:style>
+  </dgm:styleLbl>
+  <dgm:styleLbl name="fgShp">
+    <dgm:scene3d>
+      <a:camera prst="orthographicFront"/>
+      <a:lightRig rig="threePt" dir="t"/>
+    </dgm:scene3d>
+    <dgm:sp3d/>
+    <dgm:txPr/>
+    <dgm:style>
+      <a:lnRef idx="2">
+        <a:scrgbClr r="0" g="0" b="0"/>
+      </a:lnRef>
+      <a:fillRef idx="1">
+        <a:scrgbClr r="0" g="0" b="0"/>
+      </a:fillRef>
+      <a:effectRef idx="0">
+        <a:scrgbClr r="0" g="0" b="0"/>
+      </a:effectRef>
+      <a:fontRef idx="minor"/>
+    </dgm:style>
+  </dgm:styleLbl>
+  <dgm:styleLbl name="revTx">
+    <dgm:scene3d>
+      <a:camera prst="orthographicFront"/>
+      <a:lightRig rig="threePt" dir="t"/>
+    </dgm:scene3d>
+    <dgm:sp3d/>
+    <dgm:txPr/>
+    <dgm:style>
+      <a:lnRef idx="0">
+        <a:scrgbClr r="0" g="0" b="0"/>
+      </a:lnRef>
+      <a:fillRef idx="0">
+        <a:scrgbClr r="0" g="0" b="0"/>
+      </a:fillRef>
+      <a:effectRef idx="0">
+        <a:scrgbClr r="0" g="0" b="0"/>
+      </a:effectRef>
+      <a:fontRef idx="minor"/>
+    </dgm:style>
+  </dgm:styleLbl>
+</dgm:styleDef>
+</file>
+
+<file path=ppt/diagrams/quickStyle4.xml><?xml version="1.0" encoding="utf-8"?>
 <dgm:styleDef xmlns:dgm="http://schemas.openxmlformats.org/drawingml/2006/diagram" xmlns:a="http://schemas.openxmlformats.org/drawingml/2006/main" uniqueId="urn:microsoft.com/office/officeart/2005/8/quickstyle/simple1">
   <dgm:title val=""/>
   <dgm:desc val=""/>
@@ -5212,7 +12116,7 @@
           <a:p>
             <a:fld id="{345961D2-DBF7-42AE-B789-18ADD99FC909}" type="datetimeFigureOut">
               <a:rPr lang="en-US" smtClean="0"/>
-              <a:t>9/2/2019</a:t>
+              <a:t>9/6/2019</a:t>
             </a:fld>
             <a:endParaRPr lang="en-US"/>
           </a:p>
@@ -5599,6 +12503,90 @@
 </p:notes>
 </file>
 
+<file path=ppt/notesSlides/notesSlide2.xml><?xml version="1.0" encoding="utf-8"?>
+<p:notes xmlns:a="http://schemas.openxmlformats.org/drawingml/2006/main" xmlns:r="http://schemas.openxmlformats.org/officeDocument/2006/relationships" xmlns:p="http://schemas.openxmlformats.org/presentationml/2006/main">
+  <p:cSld>
+    <p:spTree>
+      <p:nvGrpSpPr>
+        <p:cNvPr id="1" name=""/>
+        <p:cNvGrpSpPr/>
+        <p:nvPr/>
+      </p:nvGrpSpPr>
+      <p:grpSpPr>
+        <a:xfrm>
+          <a:off x="0" y="0"/>
+          <a:ext cx="0" cy="0"/>
+          <a:chOff x="0" y="0"/>
+          <a:chExt cx="0" cy="0"/>
+        </a:xfrm>
+      </p:grpSpPr>
+      <p:sp>
+        <p:nvSpPr>
+          <p:cNvPr id="2" name="Folienbildplatzhalter 1"/>
+          <p:cNvSpPr>
+            <a:spLocks noGrp="1" noRot="1" noChangeAspect="1"/>
+          </p:cNvSpPr>
+          <p:nvPr>
+            <p:ph type="sldImg"/>
+          </p:nvPr>
+        </p:nvSpPr>
+        <p:spPr/>
+      </p:sp>
+      <p:sp>
+        <p:nvSpPr>
+          <p:cNvPr id="3" name="Notizenplatzhalter 2"/>
+          <p:cNvSpPr>
+            <a:spLocks noGrp="1"/>
+          </p:cNvSpPr>
+          <p:nvPr>
+            <p:ph type="body" idx="1"/>
+          </p:nvPr>
+        </p:nvSpPr>
+        <p:spPr/>
+        <p:txBody>
+          <a:bodyPr/>
+          <a:lstStyle/>
+          <a:p>
+            <a:endParaRPr lang="en-US" dirty="0"/>
+          </a:p>
+        </p:txBody>
+      </p:sp>
+      <p:sp>
+        <p:nvSpPr>
+          <p:cNvPr id="4" name="Foliennummernplatzhalter 3"/>
+          <p:cNvSpPr>
+            <a:spLocks noGrp="1"/>
+          </p:cNvSpPr>
+          <p:nvPr>
+            <p:ph type="sldNum" sz="quarter" idx="5"/>
+          </p:nvPr>
+        </p:nvSpPr>
+        <p:spPr/>
+        <p:txBody>
+          <a:bodyPr/>
+          <a:lstStyle/>
+          <a:p>
+            <a:fld id="{48844636-12E7-4AFF-A184-21179E60C766}" type="slidenum">
+              <a:rPr lang="en-US" smtClean="0"/>
+              <a:t>10</a:t>
+            </a:fld>
+            <a:endParaRPr lang="en-US"/>
+          </a:p>
+        </p:txBody>
+      </p:sp>
+    </p:spTree>
+    <p:extLst>
+      <p:ext uri="{BB962C8B-B14F-4D97-AF65-F5344CB8AC3E}">
+        <p14:creationId xmlns:p14="http://schemas.microsoft.com/office/powerpoint/2010/main" val="2726282367"/>
+      </p:ext>
+    </p:extLst>
+  </p:cSld>
+  <p:clrMapOvr>
+    <a:masterClrMapping/>
+  </p:clrMapOvr>
+</p:notes>
+</file>
+
 <file path=ppt/slideLayouts/slideLayout1.xml><?xml version="1.0" encoding="utf-8"?>
 <p:sldLayout xmlns:a="http://schemas.openxmlformats.org/drawingml/2006/main" xmlns:r="http://schemas.openxmlformats.org/officeDocument/2006/relationships" xmlns:p="http://schemas.openxmlformats.org/presentationml/2006/main" showMasterSp="0" type="title" preserve="1">
   <p:cSld name="Titelfolie">
@@ -5825,7 +12813,7 @@
           <a:p>
             <a:fld id="{03D2199C-AACF-4674-9026-68D71E5E2E3A}" type="datetimeFigureOut">
               <a:rPr lang="en-US" smtClean="0"/>
-              <a:t>9/2/2019</a:t>
+              <a:t>9/6/2019</a:t>
             </a:fld>
             <a:endParaRPr lang="en-US"/>
           </a:p>
@@ -6072,7 +13060,7 @@
           <a:p>
             <a:fld id="{03D2199C-AACF-4674-9026-68D71E5E2E3A}" type="datetimeFigureOut">
               <a:rPr lang="en-US" smtClean="0"/>
-              <a:t>9/2/2019</a:t>
+              <a:t>9/6/2019</a:t>
             </a:fld>
             <a:endParaRPr lang="en-US"/>
           </a:p>
@@ -6328,7 +13316,7 @@
           <a:p>
             <a:fld id="{03D2199C-AACF-4674-9026-68D71E5E2E3A}" type="datetimeFigureOut">
               <a:rPr lang="en-US" smtClean="0"/>
-              <a:t>9/2/2019</a:t>
+              <a:t>9/6/2019</a:t>
             </a:fld>
             <a:endParaRPr lang="en-US"/>
           </a:p>
@@ -6502,7 +13490,7 @@
           <a:p>
             <a:fld id="{03D2199C-AACF-4674-9026-68D71E5E2E3A}" type="datetimeFigureOut">
               <a:rPr lang="en-US" smtClean="0"/>
-              <a:t>9/2/2019</a:t>
+              <a:t>9/6/2019</a:t>
             </a:fld>
             <a:endParaRPr lang="en-US"/>
           </a:p>
@@ -6845,7 +13833,7 @@
           <a:p>
             <a:fld id="{03D2199C-AACF-4674-9026-68D71E5E2E3A}" type="datetimeFigureOut">
               <a:rPr lang="en-US" smtClean="0"/>
-              <a:t>9/2/2019</a:t>
+              <a:t>9/6/2019</a:t>
             </a:fld>
             <a:endParaRPr lang="en-US"/>
           </a:p>
@@ -7159,7 +14147,7 @@
           <a:p>
             <a:fld id="{03D2199C-AACF-4674-9026-68D71E5E2E3A}" type="datetimeFigureOut">
               <a:rPr lang="en-US" smtClean="0"/>
-              <a:t>9/2/2019</a:t>
+              <a:t>9/6/2019</a:t>
             </a:fld>
             <a:endParaRPr lang="en-US"/>
           </a:p>
@@ -7538,7 +14526,7 @@
           <a:p>
             <a:fld id="{03D2199C-AACF-4674-9026-68D71E5E2E3A}" type="datetimeFigureOut">
               <a:rPr lang="en-US" smtClean="0"/>
-              <a:t>9/2/2019</a:t>
+              <a:t>9/6/2019</a:t>
             </a:fld>
             <a:endParaRPr lang="en-US"/>
           </a:p>
@@ -7656,7 +14644,7 @@
           <a:p>
             <a:fld id="{03D2199C-AACF-4674-9026-68D71E5E2E3A}" type="datetimeFigureOut">
               <a:rPr lang="en-US" smtClean="0"/>
-              <a:t>9/2/2019</a:t>
+              <a:t>9/6/2019</a:t>
             </a:fld>
             <a:endParaRPr lang="en-US"/>
           </a:p>
@@ -7827,7 +14815,7 @@
           <a:p>
             <a:fld id="{03D2199C-AACF-4674-9026-68D71E5E2E3A}" type="datetimeFigureOut">
               <a:rPr lang="en-US" smtClean="0"/>
-              <a:t>9/2/2019</a:t>
+              <a:t>9/6/2019</a:t>
             </a:fld>
             <a:endParaRPr lang="en-US"/>
           </a:p>
@@ -8181,7 +15169,7 @@
           <a:p>
             <a:fld id="{03D2199C-AACF-4674-9026-68D71E5E2E3A}" type="datetimeFigureOut">
               <a:rPr lang="en-US" smtClean="0"/>
-              <a:t>9/2/2019</a:t>
+              <a:t>9/6/2019</a:t>
             </a:fld>
             <a:endParaRPr lang="en-US"/>
           </a:p>
@@ -8563,7 +15551,7 @@
           <a:p>
             <a:fld id="{03D2199C-AACF-4674-9026-68D71E5E2E3A}" type="datetimeFigureOut">
               <a:rPr lang="en-US" smtClean="0"/>
-              <a:t>9/2/2019</a:t>
+              <a:t>9/6/2019</a:t>
             </a:fld>
             <a:endParaRPr lang="en-US"/>
           </a:p>
@@ -8850,7 +15838,7 @@
           <a:p>
             <a:fld id="{03D2199C-AACF-4674-9026-68D71E5E2E3A}" type="datetimeFigureOut">
               <a:rPr lang="en-US" smtClean="0"/>
-              <a:t>9/2/2019</a:t>
+              <a:t>9/6/2019</a:t>
             </a:fld>
             <a:endParaRPr lang="en-US"/>
           </a:p>
@@ -9514,6 +16502,224 @@
           <p:cNvPr id="2" name="Titel 1">
             <a:extLst>
               <a:ext uri="{FF2B5EF4-FFF2-40B4-BE49-F238E27FC236}">
+                <a16:creationId xmlns:a16="http://schemas.microsoft.com/office/drawing/2014/main" id="{193A6548-0E2B-479A-8D4F-16345DC3A106}"/>
+              </a:ext>
+            </a:extLst>
+          </p:cNvPr>
+          <p:cNvSpPr>
+            <a:spLocks noGrp="1"/>
+          </p:cNvSpPr>
+          <p:nvPr>
+            <p:ph type="title"/>
+          </p:nvPr>
+        </p:nvSpPr>
+        <p:spPr/>
+        <p:txBody>
+          <a:bodyPr/>
+          <a:lstStyle/>
+          <a:p>
+            <a:r>
+              <a:rPr lang="de-DE" dirty="0" err="1"/>
+              <a:t>Buggybank</a:t>
+            </a:r>
+            <a:r>
+              <a:rPr lang="de-DE" dirty="0"/>
+              <a:t> </a:t>
+            </a:r>
+            <a:r>
+              <a:rPr lang="de-DE" dirty="0" err="1"/>
+              <a:t>UseCases</a:t>
+            </a:r>
+            <a:endParaRPr lang="en-US" dirty="0"/>
+          </a:p>
+        </p:txBody>
+      </p:sp>
+      <p:graphicFrame>
+        <p:nvGraphicFramePr>
+          <p:cNvPr id="4" name="Inhaltsplatzhalter 3">
+            <a:extLst>
+              <a:ext uri="{FF2B5EF4-FFF2-40B4-BE49-F238E27FC236}">
+                <a16:creationId xmlns:a16="http://schemas.microsoft.com/office/drawing/2014/main" id="{E91691B7-5869-4846-802A-7FC2605D481F}"/>
+              </a:ext>
+            </a:extLst>
+          </p:cNvPr>
+          <p:cNvGraphicFramePr>
+            <a:graphicFrameLocks noGrp="1"/>
+          </p:cNvGraphicFramePr>
+          <p:nvPr>
+            <p:ph idx="1"/>
+            <p:extLst>
+              <p:ext uri="{D42A27DB-BD31-4B8C-83A1-F6EECF244321}">
+                <p14:modId xmlns:p14="http://schemas.microsoft.com/office/powerpoint/2010/main" val="1959247144"/>
+              </p:ext>
+            </p:extLst>
+          </p:nvPr>
+        </p:nvGraphicFramePr>
+        <p:xfrm>
+          <a:off x="1096963" y="1846263"/>
+          <a:ext cx="10058400" cy="4022725"/>
+        </p:xfrm>
+        <a:graphic>
+          <a:graphicData uri="http://schemas.openxmlformats.org/drawingml/2006/diagram">
+            <dgm:relIds xmlns:dgm="http://schemas.openxmlformats.org/drawingml/2006/diagram" xmlns:r="http://schemas.openxmlformats.org/officeDocument/2006/relationships" r:dm="rId3" r:lo="rId4" r:qs="rId5" r:cs="rId6"/>
+          </a:graphicData>
+        </a:graphic>
+      </p:graphicFrame>
+    </p:spTree>
+    <p:extLst>
+      <p:ext uri="{BB962C8B-B14F-4D97-AF65-F5344CB8AC3E}">
+        <p14:creationId xmlns:p14="http://schemas.microsoft.com/office/powerpoint/2010/main" val="2833233020"/>
+      </p:ext>
+    </p:extLst>
+  </p:cSld>
+  <p:clrMapOvr>
+    <a:masterClrMapping/>
+  </p:clrMapOvr>
+</p:sld>
+</file>
+
+<file path=ppt/slides/slide11.xml><?xml version="1.0" encoding="utf-8"?>
+<p:sld xmlns:a="http://schemas.openxmlformats.org/drawingml/2006/main" xmlns:r="http://schemas.openxmlformats.org/officeDocument/2006/relationships" xmlns:p="http://schemas.openxmlformats.org/presentationml/2006/main">
+  <p:cSld>
+    <p:spTree>
+      <p:nvGrpSpPr>
+        <p:cNvPr id="1" name=""/>
+        <p:cNvGrpSpPr/>
+        <p:nvPr/>
+      </p:nvGrpSpPr>
+      <p:grpSpPr>
+        <a:xfrm>
+          <a:off x="0" y="0"/>
+          <a:ext cx="0" cy="0"/>
+          <a:chOff x="0" y="0"/>
+          <a:chExt cx="0" cy="0"/>
+        </a:xfrm>
+      </p:grpSpPr>
+      <p:sp>
+        <p:nvSpPr>
+          <p:cNvPr id="2" name="Titel 1">
+            <a:extLst>
+              <a:ext uri="{FF2B5EF4-FFF2-40B4-BE49-F238E27FC236}">
+                <a16:creationId xmlns:a16="http://schemas.microsoft.com/office/drawing/2014/main" id="{6C1120BA-EB9E-4901-A29C-3CDAD76EF73D}"/>
+              </a:ext>
+            </a:extLst>
+          </p:cNvPr>
+          <p:cNvSpPr>
+            <a:spLocks noGrp="1"/>
+          </p:cNvSpPr>
+          <p:nvPr>
+            <p:ph type="title"/>
+          </p:nvPr>
+        </p:nvSpPr>
+        <p:spPr/>
+        <p:txBody>
+          <a:bodyPr/>
+          <a:lstStyle/>
+          <a:p>
+            <a:r>
+              <a:rPr lang="de-DE" dirty="0"/>
+              <a:t>Level 5 – Datenbanken</a:t>
+            </a:r>
+            <a:endParaRPr lang="en-US" dirty="0"/>
+          </a:p>
+        </p:txBody>
+      </p:sp>
+      <p:sp>
+        <p:nvSpPr>
+          <p:cNvPr id="3" name="Inhaltsplatzhalter 2">
+            <a:extLst>
+              <a:ext uri="{FF2B5EF4-FFF2-40B4-BE49-F238E27FC236}">
+                <a16:creationId xmlns:a16="http://schemas.microsoft.com/office/drawing/2014/main" id="{BC4F242C-DA03-408C-8CD7-FEDDACD1BC11}"/>
+              </a:ext>
+            </a:extLst>
+          </p:cNvPr>
+          <p:cNvSpPr>
+            <a:spLocks noGrp="1"/>
+          </p:cNvSpPr>
+          <p:nvPr>
+            <p:ph idx="1"/>
+          </p:nvPr>
+        </p:nvSpPr>
+        <p:spPr/>
+        <p:txBody>
+          <a:bodyPr/>
+          <a:lstStyle/>
+          <a:p>
+            <a:r>
+              <a:rPr lang="de-DE" dirty="0"/>
+              <a:t>H2Database</a:t>
+            </a:r>
+          </a:p>
+          <a:p>
+            <a:r>
+              <a:rPr lang="de-DE" dirty="0"/>
+              <a:t>Spring </a:t>
+            </a:r>
+            <a:r>
+              <a:rPr lang="de-DE" baseline="0" dirty="0" err="1"/>
+              <a:t>Configuration</a:t>
+            </a:r>
+            <a:r>
+              <a:rPr lang="de-DE" baseline="0" dirty="0"/>
+              <a:t> </a:t>
+            </a:r>
+            <a:r>
+              <a:rPr lang="de-DE" baseline="0" dirty="0" err="1"/>
+              <a:t>Processor</a:t>
+            </a:r>
+            <a:endParaRPr lang="de-DE" baseline="0" dirty="0"/>
+          </a:p>
+          <a:p>
+            <a:r>
+              <a:rPr lang="de-DE" baseline="0" dirty="0"/>
+              <a:t>Java </a:t>
+            </a:r>
+            <a:r>
+              <a:rPr lang="de-DE" baseline="0" dirty="0" err="1"/>
+              <a:t>Persistence</a:t>
+            </a:r>
+            <a:r>
+              <a:rPr lang="de-DE" baseline="0" dirty="0"/>
+              <a:t> Architecture</a:t>
+            </a:r>
+          </a:p>
+        </p:txBody>
+      </p:sp>
+    </p:spTree>
+    <p:extLst>
+      <p:ext uri="{BB962C8B-B14F-4D97-AF65-F5344CB8AC3E}">
+        <p14:creationId xmlns:p14="http://schemas.microsoft.com/office/powerpoint/2010/main" val="1817369918"/>
+      </p:ext>
+    </p:extLst>
+  </p:cSld>
+  <p:clrMapOvr>
+    <a:masterClrMapping/>
+  </p:clrMapOvr>
+</p:sld>
+</file>
+
+<file path=ppt/slides/slide12.xml><?xml version="1.0" encoding="utf-8"?>
+<p:sld xmlns:a="http://schemas.openxmlformats.org/drawingml/2006/main" xmlns:r="http://schemas.openxmlformats.org/officeDocument/2006/relationships" xmlns:p="http://schemas.openxmlformats.org/presentationml/2006/main">
+  <p:cSld>
+    <p:spTree>
+      <p:nvGrpSpPr>
+        <p:cNvPr id="1" name=""/>
+        <p:cNvGrpSpPr/>
+        <p:nvPr/>
+      </p:nvGrpSpPr>
+      <p:grpSpPr>
+        <a:xfrm>
+          <a:off x="0" y="0"/>
+          <a:ext cx="0" cy="0"/>
+          <a:chOff x="0" y="0"/>
+          <a:chExt cx="0" cy="0"/>
+        </a:xfrm>
+      </p:grpSpPr>
+      <p:sp>
+        <p:nvSpPr>
+          <p:cNvPr id="2" name="Titel 1">
+            <a:extLst>
+              <a:ext uri="{FF2B5EF4-FFF2-40B4-BE49-F238E27FC236}">
                 <a16:creationId xmlns:a16="http://schemas.microsoft.com/office/drawing/2014/main" id="{55293271-3CD7-4B12-9649-CB6C2E1F9F37}"/>
               </a:ext>
             </a:extLst>
@@ -9601,7 +16807,7 @@
 </p:sld>
 </file>
 
-<file path=ppt/slides/slide11.xml><?xml version="1.0" encoding="utf-8"?>
+<file path=ppt/slides/slide13.xml><?xml version="1.0" encoding="utf-8"?>
 <p:sld xmlns:a="http://schemas.openxmlformats.org/drawingml/2006/main" xmlns:r="http://schemas.openxmlformats.org/officeDocument/2006/relationships" xmlns:p="http://schemas.openxmlformats.org/presentationml/2006/main">
   <p:cSld>
     <p:spTree>
@@ -9712,7 +16918,7 @@
 </p:sld>
 </file>
 
-<file path=ppt/slides/slide12.xml><?xml version="1.0" encoding="utf-8"?>
+<file path=ppt/slides/slide14.xml><?xml version="1.0" encoding="utf-8"?>
 <p:sld xmlns:a="http://schemas.openxmlformats.org/drawingml/2006/main" xmlns:r="http://schemas.openxmlformats.org/officeDocument/2006/relationships" xmlns:p="http://schemas.openxmlformats.org/presentationml/2006/main">
   <p:cSld>
     <p:spTree>
@@ -9811,7 +17017,7 @@
 </p:sld>
 </file>
 
-<file path=ppt/slides/slide13.xml><?xml version="1.0" encoding="utf-8"?>
+<file path=ppt/slides/slide15.xml><?xml version="1.0" encoding="utf-8"?>
 <p:sld xmlns:a="http://schemas.openxmlformats.org/drawingml/2006/main" xmlns:r="http://schemas.openxmlformats.org/officeDocument/2006/relationships" xmlns:p="http://schemas.openxmlformats.org/presentationml/2006/main">
   <p:cSld>
     <p:spTree>
@@ -10578,6 +17784,151 @@
           <p:cNvPr id="2" name="Titel 1">
             <a:extLst>
               <a:ext uri="{FF2B5EF4-FFF2-40B4-BE49-F238E27FC236}">
+                <a16:creationId xmlns:a16="http://schemas.microsoft.com/office/drawing/2014/main" id="{B66A7D55-1ABE-4B90-966B-49FBCC3E7D84}"/>
+              </a:ext>
+            </a:extLst>
+          </p:cNvPr>
+          <p:cNvSpPr>
+            <a:spLocks noGrp="1"/>
+          </p:cNvSpPr>
+          <p:nvPr>
+            <p:ph type="title"/>
+          </p:nvPr>
+        </p:nvSpPr>
+        <p:spPr/>
+        <p:txBody>
+          <a:bodyPr/>
+          <a:lstStyle/>
+          <a:p>
+            <a:r>
+              <a:rPr lang="de-DE" dirty="0"/>
+              <a:t>Unit Tests</a:t>
+            </a:r>
+            <a:endParaRPr lang="en-US" dirty="0"/>
+          </a:p>
+        </p:txBody>
+      </p:sp>
+      <p:sp>
+        <p:nvSpPr>
+          <p:cNvPr id="3" name="Inhaltsplatzhalter 2">
+            <a:extLst>
+              <a:ext uri="{FF2B5EF4-FFF2-40B4-BE49-F238E27FC236}">
+                <a16:creationId xmlns:a16="http://schemas.microsoft.com/office/drawing/2014/main" id="{FBFA3AF2-EA70-4656-97FC-3547F6328838}"/>
+              </a:ext>
+            </a:extLst>
+          </p:cNvPr>
+          <p:cNvSpPr>
+            <a:spLocks noGrp="1"/>
+          </p:cNvSpPr>
+          <p:nvPr>
+            <p:ph idx="1"/>
+          </p:nvPr>
+        </p:nvSpPr>
+        <p:spPr/>
+        <p:txBody>
+          <a:bodyPr/>
+          <a:lstStyle/>
+          <a:p>
+            <a:pPr marL="457200" indent="-457200">
+              <a:buFont typeface="+mj-lt"/>
+              <a:buAutoNum type="arabicPeriod"/>
+            </a:pPr>
+            <a:r>
+              <a:rPr lang="de-DE" dirty="0"/>
+              <a:t>Bibliotheken einbinden</a:t>
+            </a:r>
+          </a:p>
+          <a:p>
+            <a:pPr marL="457200" indent="-457200">
+              <a:buFont typeface="+mj-lt"/>
+              <a:buAutoNum type="arabicPeriod"/>
+            </a:pPr>
+            <a:r>
+              <a:rPr lang="de-DE" dirty="0"/>
+              <a:t>Ablageort für Tests bestimmen</a:t>
+            </a:r>
+          </a:p>
+          <a:p>
+            <a:pPr marL="457200" indent="-457200">
+              <a:buFont typeface="+mj-lt"/>
+              <a:buAutoNum type="arabicPeriod"/>
+            </a:pPr>
+            <a:r>
+              <a:rPr lang="de-DE" dirty="0"/>
+              <a:t>Tests bestimmen</a:t>
+            </a:r>
+          </a:p>
+          <a:p>
+            <a:pPr marL="292608" lvl="1" indent="0">
+              <a:buNone/>
+            </a:pPr>
+            <a:endParaRPr lang="de-DE" dirty="0"/>
+          </a:p>
+        </p:txBody>
+      </p:sp>
+      <p:graphicFrame>
+        <p:nvGraphicFramePr>
+          <p:cNvPr id="4" name="Diagramm 3">
+            <a:extLst>
+              <a:ext uri="{FF2B5EF4-FFF2-40B4-BE49-F238E27FC236}">
+                <a16:creationId xmlns:a16="http://schemas.microsoft.com/office/drawing/2014/main" id="{EA86B1DF-C94D-4E5B-A64B-8D78AF0163B8}"/>
+              </a:ext>
+            </a:extLst>
+          </p:cNvPr>
+          <p:cNvGraphicFramePr/>
+          <p:nvPr>
+            <p:extLst>
+              <p:ext uri="{D42A27DB-BD31-4B8C-83A1-F6EECF244321}">
+                <p14:modId xmlns:p14="http://schemas.microsoft.com/office/powerpoint/2010/main" val="1695141664"/>
+              </p:ext>
+            </p:extLst>
+          </p:nvPr>
+        </p:nvGraphicFramePr>
+        <p:xfrm>
+          <a:off x="1554921" y="2645374"/>
+          <a:ext cx="8128000" cy="2424080"/>
+        </p:xfrm>
+        <a:graphic>
+          <a:graphicData uri="http://schemas.openxmlformats.org/drawingml/2006/diagram">
+            <dgm:relIds xmlns:dgm="http://schemas.openxmlformats.org/drawingml/2006/diagram" xmlns:r="http://schemas.openxmlformats.org/officeDocument/2006/relationships" r:dm="rId2" r:lo="rId3" r:qs="rId4" r:cs="rId5"/>
+          </a:graphicData>
+        </a:graphic>
+      </p:graphicFrame>
+    </p:spTree>
+    <p:extLst>
+      <p:ext uri="{BB962C8B-B14F-4D97-AF65-F5344CB8AC3E}">
+        <p14:creationId xmlns:p14="http://schemas.microsoft.com/office/powerpoint/2010/main" val="2162221768"/>
+      </p:ext>
+    </p:extLst>
+  </p:cSld>
+  <p:clrMapOvr>
+    <a:masterClrMapping/>
+  </p:clrMapOvr>
+</p:sld>
+</file>
+
+<file path=ppt/slides/slide9.xml><?xml version="1.0" encoding="utf-8"?>
+<p:sld xmlns:a="http://schemas.openxmlformats.org/drawingml/2006/main" xmlns:r="http://schemas.openxmlformats.org/officeDocument/2006/relationships" xmlns:p="http://schemas.openxmlformats.org/presentationml/2006/main">
+  <p:cSld>
+    <p:spTree>
+      <p:nvGrpSpPr>
+        <p:cNvPr id="1" name=""/>
+        <p:cNvGrpSpPr/>
+        <p:nvPr/>
+      </p:nvGrpSpPr>
+      <p:grpSpPr>
+        <a:xfrm>
+          <a:off x="0" y="0"/>
+          <a:ext cx="0" cy="0"/>
+          <a:chOff x="0" y="0"/>
+          <a:chExt cx="0" cy="0"/>
+        </a:xfrm>
+      </p:grpSpPr>
+      <p:sp>
+        <p:nvSpPr>
+          <p:cNvPr id="2" name="Titel 1">
+            <a:extLst>
+              <a:ext uri="{FF2B5EF4-FFF2-40B4-BE49-F238E27FC236}">
                 <a16:creationId xmlns:a16="http://schemas.microsoft.com/office/drawing/2014/main" id="{E2E04BD5-BB53-403C-85C0-2A2E34F175E2}"/>
               </a:ext>
             </a:extLst>
@@ -10658,126 +18009,6 @@
     <p:extLst>
       <p:ext uri="{BB962C8B-B14F-4D97-AF65-F5344CB8AC3E}">
         <p14:creationId xmlns:p14="http://schemas.microsoft.com/office/powerpoint/2010/main" val="2017820655"/>
-      </p:ext>
-    </p:extLst>
-  </p:cSld>
-  <p:clrMapOvr>
-    <a:masterClrMapping/>
-  </p:clrMapOvr>
-</p:sld>
-</file>
-
-<file path=ppt/slides/slide9.xml><?xml version="1.0" encoding="utf-8"?>
-<p:sld xmlns:a="http://schemas.openxmlformats.org/drawingml/2006/main" xmlns:r="http://schemas.openxmlformats.org/officeDocument/2006/relationships" xmlns:p="http://schemas.openxmlformats.org/presentationml/2006/main">
-  <p:cSld>
-    <p:spTree>
-      <p:nvGrpSpPr>
-        <p:cNvPr id="1" name=""/>
-        <p:cNvGrpSpPr/>
-        <p:nvPr/>
-      </p:nvGrpSpPr>
-      <p:grpSpPr>
-        <a:xfrm>
-          <a:off x="0" y="0"/>
-          <a:ext cx="0" cy="0"/>
-          <a:chOff x="0" y="0"/>
-          <a:chExt cx="0" cy="0"/>
-        </a:xfrm>
-      </p:grpSpPr>
-      <p:sp>
-        <p:nvSpPr>
-          <p:cNvPr id="2" name="Titel 1">
-            <a:extLst>
-              <a:ext uri="{FF2B5EF4-FFF2-40B4-BE49-F238E27FC236}">
-                <a16:creationId xmlns:a16="http://schemas.microsoft.com/office/drawing/2014/main" id="{6C1120BA-EB9E-4901-A29C-3CDAD76EF73D}"/>
-              </a:ext>
-            </a:extLst>
-          </p:cNvPr>
-          <p:cNvSpPr>
-            <a:spLocks noGrp="1"/>
-          </p:cNvSpPr>
-          <p:nvPr>
-            <p:ph type="title"/>
-          </p:nvPr>
-        </p:nvSpPr>
-        <p:spPr/>
-        <p:txBody>
-          <a:bodyPr/>
-          <a:lstStyle/>
-          <a:p>
-            <a:r>
-              <a:rPr lang="de-DE" dirty="0"/>
-              <a:t>Level 5 – Datenbanken</a:t>
-            </a:r>
-            <a:endParaRPr lang="en-US" dirty="0"/>
-          </a:p>
-        </p:txBody>
-      </p:sp>
-      <p:sp>
-        <p:nvSpPr>
-          <p:cNvPr id="3" name="Inhaltsplatzhalter 2">
-            <a:extLst>
-              <a:ext uri="{FF2B5EF4-FFF2-40B4-BE49-F238E27FC236}">
-                <a16:creationId xmlns:a16="http://schemas.microsoft.com/office/drawing/2014/main" id="{BC4F242C-DA03-408C-8CD7-FEDDACD1BC11}"/>
-              </a:ext>
-            </a:extLst>
-          </p:cNvPr>
-          <p:cNvSpPr>
-            <a:spLocks noGrp="1"/>
-          </p:cNvSpPr>
-          <p:nvPr>
-            <p:ph idx="1"/>
-          </p:nvPr>
-        </p:nvSpPr>
-        <p:spPr/>
-        <p:txBody>
-          <a:bodyPr/>
-          <a:lstStyle/>
-          <a:p>
-            <a:r>
-              <a:rPr lang="de-DE" dirty="0"/>
-              <a:t>H2Database</a:t>
-            </a:r>
-          </a:p>
-          <a:p>
-            <a:r>
-              <a:rPr lang="de-DE" dirty="0"/>
-              <a:t>Spring </a:t>
-            </a:r>
-            <a:r>
-              <a:rPr lang="de-DE" baseline="0" dirty="0" err="1"/>
-              <a:t>Configuration</a:t>
-            </a:r>
-            <a:r>
-              <a:rPr lang="de-DE" baseline="0" dirty="0"/>
-              <a:t> </a:t>
-            </a:r>
-            <a:r>
-              <a:rPr lang="de-DE" baseline="0" dirty="0" err="1"/>
-              <a:t>Processor</a:t>
-            </a:r>
-            <a:endParaRPr lang="de-DE" baseline="0" dirty="0"/>
-          </a:p>
-          <a:p>
-            <a:r>
-              <a:rPr lang="de-DE" baseline="0" dirty="0"/>
-              <a:t>Java </a:t>
-            </a:r>
-            <a:r>
-              <a:rPr lang="de-DE" baseline="0" dirty="0" err="1"/>
-              <a:t>Persistence</a:t>
-            </a:r>
-            <a:r>
-              <a:rPr lang="de-DE" baseline="0" dirty="0"/>
-              <a:t> Architecture</a:t>
-            </a:r>
-          </a:p>
-        </p:txBody>
-      </p:sp>
-    </p:spTree>
-    <p:extLst>
-      <p:ext uri="{BB962C8B-B14F-4D97-AF65-F5344CB8AC3E}">
-        <p14:creationId xmlns:p14="http://schemas.microsoft.com/office/powerpoint/2010/main" val="1817369918"/>
       </p:ext>
     </p:extLst>
   </p:cSld>

--- a/Aufgaben.pptx
+++ b/Aufgaben.pptx
@@ -5,7 +5,7 @@
     <p:sldMasterId id="2147483738" r:id="rId1"/>
   </p:sldMasterIdLst>
   <p:notesMasterIdLst>
-    <p:notesMasterId r:id="rId17"/>
+    <p:notesMasterId r:id="rId18"/>
   </p:notesMasterIdLst>
   <p:sldIdLst>
     <p:sldId id="256" r:id="rId2"/>
@@ -19,10 +19,11 @@
     <p:sldId id="260" r:id="rId10"/>
     <p:sldId id="271" r:id="rId11"/>
     <p:sldId id="261" r:id="rId12"/>
-    <p:sldId id="262" r:id="rId13"/>
-    <p:sldId id="264" r:id="rId14"/>
-    <p:sldId id="265" r:id="rId15"/>
-    <p:sldId id="266" r:id="rId16"/>
+    <p:sldId id="272" r:id="rId13"/>
+    <p:sldId id="262" r:id="rId14"/>
+    <p:sldId id="264" r:id="rId15"/>
+    <p:sldId id="265" r:id="rId16"/>
+    <p:sldId id="266" r:id="rId17"/>
   </p:sldIdLst>
   <p:sldSz cx="12192000" cy="6858000"/>
   <p:notesSz cx="6858000" cy="9144000"/>
@@ -2383,6 +2384,753 @@
 </file>
 
 <file path=ppt/diagrams/colors4.xml><?xml version="1.0" encoding="utf-8"?>
+<dgm:colorsDef xmlns:dgm="http://schemas.openxmlformats.org/drawingml/2006/diagram" xmlns:a="http://schemas.openxmlformats.org/drawingml/2006/main" uniqueId="urn:microsoft.com/office/officeart/2005/8/colors/accent1_2">
+  <dgm:title val=""/>
+  <dgm:desc val=""/>
+  <dgm:catLst>
+    <dgm:cat type="accent1" pri="11200"/>
+  </dgm:catLst>
+  <dgm:styleLbl name="node0">
+    <dgm:fillClrLst meth="repeat">
+      <a:schemeClr val="accent1"/>
+    </dgm:fillClrLst>
+    <dgm:linClrLst meth="repeat">
+      <a:schemeClr val="lt1"/>
+    </dgm:linClrLst>
+    <dgm:effectClrLst/>
+    <dgm:txLinClrLst/>
+    <dgm:txFillClrLst/>
+    <dgm:txEffectClrLst/>
+  </dgm:styleLbl>
+  <dgm:styleLbl name="alignNode1">
+    <dgm:fillClrLst meth="repeat">
+      <a:schemeClr val="accent1"/>
+    </dgm:fillClrLst>
+    <dgm:linClrLst meth="repeat">
+      <a:schemeClr val="accent1"/>
+    </dgm:linClrLst>
+    <dgm:effectClrLst/>
+    <dgm:txLinClrLst/>
+    <dgm:txFillClrLst/>
+    <dgm:txEffectClrLst/>
+  </dgm:styleLbl>
+  <dgm:styleLbl name="node1">
+    <dgm:fillClrLst meth="repeat">
+      <a:schemeClr val="accent1"/>
+    </dgm:fillClrLst>
+    <dgm:linClrLst meth="repeat">
+      <a:schemeClr val="lt1"/>
+    </dgm:linClrLst>
+    <dgm:effectClrLst/>
+    <dgm:txLinClrLst/>
+    <dgm:txFillClrLst/>
+    <dgm:txEffectClrLst/>
+  </dgm:styleLbl>
+  <dgm:styleLbl name="lnNode1">
+    <dgm:fillClrLst meth="repeat">
+      <a:schemeClr val="accent1"/>
+    </dgm:fillClrLst>
+    <dgm:linClrLst meth="repeat">
+      <a:schemeClr val="lt1"/>
+    </dgm:linClrLst>
+    <dgm:effectClrLst/>
+    <dgm:txLinClrLst/>
+    <dgm:txFillClrLst/>
+    <dgm:txEffectClrLst/>
+  </dgm:styleLbl>
+  <dgm:styleLbl name="vennNode1">
+    <dgm:fillClrLst meth="repeat">
+      <a:schemeClr val="accent1">
+        <a:alpha val="50000"/>
+      </a:schemeClr>
+    </dgm:fillClrLst>
+    <dgm:linClrLst meth="repeat">
+      <a:schemeClr val="lt1"/>
+    </dgm:linClrLst>
+    <dgm:effectClrLst/>
+    <dgm:txLinClrLst/>
+    <dgm:txFillClrLst/>
+    <dgm:txEffectClrLst/>
+  </dgm:styleLbl>
+  <dgm:styleLbl name="node2">
+    <dgm:fillClrLst meth="repeat">
+      <a:schemeClr val="accent1"/>
+    </dgm:fillClrLst>
+    <dgm:linClrLst meth="repeat">
+      <a:schemeClr val="lt1"/>
+    </dgm:linClrLst>
+    <dgm:effectClrLst/>
+    <dgm:txLinClrLst/>
+    <dgm:txFillClrLst/>
+    <dgm:txEffectClrLst/>
+  </dgm:styleLbl>
+  <dgm:styleLbl name="node3">
+    <dgm:fillClrLst meth="repeat">
+      <a:schemeClr val="accent1"/>
+    </dgm:fillClrLst>
+    <dgm:linClrLst meth="repeat">
+      <a:schemeClr val="lt1"/>
+    </dgm:linClrLst>
+    <dgm:effectClrLst/>
+    <dgm:txLinClrLst/>
+    <dgm:txFillClrLst/>
+    <dgm:txEffectClrLst/>
+  </dgm:styleLbl>
+  <dgm:styleLbl name="node4">
+    <dgm:fillClrLst meth="repeat">
+      <a:schemeClr val="accent1"/>
+    </dgm:fillClrLst>
+    <dgm:linClrLst meth="repeat">
+      <a:schemeClr val="lt1"/>
+    </dgm:linClrLst>
+    <dgm:effectClrLst/>
+    <dgm:txLinClrLst/>
+    <dgm:txFillClrLst/>
+    <dgm:txEffectClrLst/>
+  </dgm:styleLbl>
+  <dgm:styleLbl name="fgImgPlace1">
+    <dgm:fillClrLst meth="repeat">
+      <a:schemeClr val="accent1">
+        <a:tint val="50000"/>
+      </a:schemeClr>
+    </dgm:fillClrLst>
+    <dgm:linClrLst meth="repeat">
+      <a:schemeClr val="lt1"/>
+    </dgm:linClrLst>
+    <dgm:effectClrLst/>
+    <dgm:txLinClrLst/>
+    <dgm:txFillClrLst meth="repeat">
+      <a:schemeClr val="lt1"/>
+    </dgm:txFillClrLst>
+    <dgm:txEffectClrLst/>
+  </dgm:styleLbl>
+  <dgm:styleLbl name="alignImgPlace1">
+    <dgm:fillClrLst meth="repeat">
+      <a:schemeClr val="accent1">
+        <a:tint val="50000"/>
+      </a:schemeClr>
+    </dgm:fillClrLst>
+    <dgm:linClrLst meth="repeat">
+      <a:schemeClr val="lt1"/>
+    </dgm:linClrLst>
+    <dgm:effectClrLst/>
+    <dgm:txLinClrLst/>
+    <dgm:txFillClrLst meth="repeat">
+      <a:schemeClr val="lt1"/>
+    </dgm:txFillClrLst>
+    <dgm:txEffectClrLst/>
+  </dgm:styleLbl>
+  <dgm:styleLbl name="bgImgPlace1">
+    <dgm:fillClrLst meth="repeat">
+      <a:schemeClr val="accent1">
+        <a:tint val="50000"/>
+      </a:schemeClr>
+    </dgm:fillClrLst>
+    <dgm:linClrLst meth="repeat">
+      <a:schemeClr val="lt1"/>
+    </dgm:linClrLst>
+    <dgm:effectClrLst/>
+    <dgm:txLinClrLst/>
+    <dgm:txFillClrLst meth="repeat">
+      <a:schemeClr val="lt1"/>
+    </dgm:txFillClrLst>
+    <dgm:txEffectClrLst/>
+  </dgm:styleLbl>
+  <dgm:styleLbl name="sibTrans2D1">
+    <dgm:fillClrLst meth="repeat">
+      <a:schemeClr val="accent1">
+        <a:tint val="60000"/>
+      </a:schemeClr>
+    </dgm:fillClrLst>
+    <dgm:linClrLst meth="repeat">
+      <a:schemeClr val="accent1">
+        <a:tint val="60000"/>
+      </a:schemeClr>
+    </dgm:linClrLst>
+    <dgm:effectClrLst/>
+    <dgm:txLinClrLst/>
+    <dgm:txFillClrLst/>
+    <dgm:txEffectClrLst/>
+  </dgm:styleLbl>
+  <dgm:styleLbl name="fgSibTrans2D1">
+    <dgm:fillClrLst meth="repeat">
+      <a:schemeClr val="accent1">
+        <a:tint val="60000"/>
+      </a:schemeClr>
+    </dgm:fillClrLst>
+    <dgm:linClrLst meth="repeat">
+      <a:schemeClr val="accent1">
+        <a:tint val="60000"/>
+      </a:schemeClr>
+    </dgm:linClrLst>
+    <dgm:effectClrLst/>
+    <dgm:txLinClrLst/>
+    <dgm:txFillClrLst/>
+    <dgm:txEffectClrLst/>
+  </dgm:styleLbl>
+  <dgm:styleLbl name="bgSibTrans2D1">
+    <dgm:fillClrLst meth="repeat">
+      <a:schemeClr val="accent1">
+        <a:tint val="60000"/>
+      </a:schemeClr>
+    </dgm:fillClrLst>
+    <dgm:linClrLst meth="repeat">
+      <a:schemeClr val="accent1">
+        <a:tint val="60000"/>
+      </a:schemeClr>
+    </dgm:linClrLst>
+    <dgm:effectClrLst/>
+    <dgm:txLinClrLst/>
+    <dgm:txFillClrLst/>
+    <dgm:txEffectClrLst/>
+  </dgm:styleLbl>
+  <dgm:styleLbl name="sibTrans1D1">
+    <dgm:fillClrLst meth="repeat">
+      <a:schemeClr val="accent1"/>
+    </dgm:fillClrLst>
+    <dgm:linClrLst meth="repeat">
+      <a:schemeClr val="accent1"/>
+    </dgm:linClrLst>
+    <dgm:effectClrLst/>
+    <dgm:txLinClrLst/>
+    <dgm:txFillClrLst meth="repeat">
+      <a:schemeClr val="tx1"/>
+    </dgm:txFillClrLst>
+    <dgm:txEffectClrLst/>
+  </dgm:styleLbl>
+  <dgm:styleLbl name="callout">
+    <dgm:fillClrLst meth="repeat">
+      <a:schemeClr val="accent1"/>
+    </dgm:fillClrLst>
+    <dgm:linClrLst meth="repeat">
+      <a:schemeClr val="accent1">
+        <a:tint val="50000"/>
+      </a:schemeClr>
+    </dgm:linClrLst>
+    <dgm:effectClrLst/>
+    <dgm:txLinClrLst/>
+    <dgm:txFillClrLst meth="repeat">
+      <a:schemeClr val="tx1"/>
+    </dgm:txFillClrLst>
+    <dgm:txEffectClrLst/>
+  </dgm:styleLbl>
+  <dgm:styleLbl name="asst0">
+    <dgm:fillClrLst meth="repeat">
+      <a:schemeClr val="accent1"/>
+    </dgm:fillClrLst>
+    <dgm:linClrLst meth="repeat">
+      <a:schemeClr val="lt1"/>
+    </dgm:linClrLst>
+    <dgm:effectClrLst/>
+    <dgm:txLinClrLst/>
+    <dgm:txFillClrLst/>
+    <dgm:txEffectClrLst/>
+  </dgm:styleLbl>
+  <dgm:styleLbl name="asst1">
+    <dgm:fillClrLst meth="repeat">
+      <a:schemeClr val="accent1"/>
+    </dgm:fillClrLst>
+    <dgm:linClrLst meth="repeat">
+      <a:schemeClr val="lt1"/>
+    </dgm:linClrLst>
+    <dgm:effectClrLst/>
+    <dgm:txLinClrLst/>
+    <dgm:txFillClrLst/>
+    <dgm:txEffectClrLst/>
+  </dgm:styleLbl>
+  <dgm:styleLbl name="asst2">
+    <dgm:fillClrLst meth="repeat">
+      <a:schemeClr val="accent1"/>
+    </dgm:fillClrLst>
+    <dgm:linClrLst meth="repeat">
+      <a:schemeClr val="lt1"/>
+    </dgm:linClrLst>
+    <dgm:effectClrLst/>
+    <dgm:txLinClrLst/>
+    <dgm:txFillClrLst/>
+    <dgm:txEffectClrLst/>
+  </dgm:styleLbl>
+  <dgm:styleLbl name="asst3">
+    <dgm:fillClrLst meth="repeat">
+      <a:schemeClr val="accent1"/>
+    </dgm:fillClrLst>
+    <dgm:linClrLst meth="repeat">
+      <a:schemeClr val="lt1"/>
+    </dgm:linClrLst>
+    <dgm:effectClrLst/>
+    <dgm:txLinClrLst/>
+    <dgm:txFillClrLst/>
+    <dgm:txEffectClrLst/>
+  </dgm:styleLbl>
+  <dgm:styleLbl name="asst4">
+    <dgm:fillClrLst meth="repeat">
+      <a:schemeClr val="accent1"/>
+    </dgm:fillClrLst>
+    <dgm:linClrLst meth="repeat">
+      <a:schemeClr val="lt1"/>
+    </dgm:linClrLst>
+    <dgm:effectClrLst/>
+    <dgm:txLinClrLst/>
+    <dgm:txFillClrLst/>
+    <dgm:txEffectClrLst/>
+  </dgm:styleLbl>
+  <dgm:styleLbl name="parChTrans2D1">
+    <dgm:fillClrLst meth="repeat">
+      <a:schemeClr val="accent1">
+        <a:tint val="60000"/>
+      </a:schemeClr>
+    </dgm:fillClrLst>
+    <dgm:linClrLst meth="repeat">
+      <a:schemeClr val="accent1">
+        <a:tint val="60000"/>
+      </a:schemeClr>
+    </dgm:linClrLst>
+    <dgm:effectClrLst/>
+    <dgm:txLinClrLst/>
+    <dgm:txFillClrLst meth="repeat">
+      <a:schemeClr val="lt1"/>
+    </dgm:txFillClrLst>
+    <dgm:txEffectClrLst/>
+  </dgm:styleLbl>
+  <dgm:styleLbl name="parChTrans2D2">
+    <dgm:fillClrLst meth="repeat">
+      <a:schemeClr val="accent1"/>
+    </dgm:fillClrLst>
+    <dgm:linClrLst meth="repeat">
+      <a:schemeClr val="accent1"/>
+    </dgm:linClrLst>
+    <dgm:effectClrLst/>
+    <dgm:txLinClrLst/>
+    <dgm:txFillClrLst meth="repeat">
+      <a:schemeClr val="lt1"/>
+    </dgm:txFillClrLst>
+    <dgm:txEffectClrLst/>
+  </dgm:styleLbl>
+  <dgm:styleLbl name="parChTrans2D3">
+    <dgm:fillClrLst meth="repeat">
+      <a:schemeClr val="accent1"/>
+    </dgm:fillClrLst>
+    <dgm:linClrLst meth="repeat">
+      <a:schemeClr val="accent1"/>
+    </dgm:linClrLst>
+    <dgm:effectClrLst/>
+    <dgm:txLinClrLst/>
+    <dgm:txFillClrLst meth="repeat">
+      <a:schemeClr val="lt1"/>
+    </dgm:txFillClrLst>
+    <dgm:txEffectClrLst/>
+  </dgm:styleLbl>
+  <dgm:styleLbl name="parChTrans2D4">
+    <dgm:fillClrLst meth="repeat">
+      <a:schemeClr val="accent1"/>
+    </dgm:fillClrLst>
+    <dgm:linClrLst meth="repeat">
+      <a:schemeClr val="accent1"/>
+    </dgm:linClrLst>
+    <dgm:effectClrLst/>
+    <dgm:txLinClrLst/>
+    <dgm:txFillClrLst meth="repeat">
+      <a:schemeClr val="lt1"/>
+    </dgm:txFillClrLst>
+    <dgm:txEffectClrLst/>
+  </dgm:styleLbl>
+  <dgm:styleLbl name="parChTrans1D1">
+    <dgm:fillClrLst meth="repeat">
+      <a:schemeClr val="accent1"/>
+    </dgm:fillClrLst>
+    <dgm:linClrLst meth="repeat">
+      <a:schemeClr val="accent1">
+        <a:shade val="60000"/>
+      </a:schemeClr>
+    </dgm:linClrLst>
+    <dgm:effectClrLst/>
+    <dgm:txLinClrLst/>
+    <dgm:txFillClrLst meth="repeat">
+      <a:schemeClr val="tx1"/>
+    </dgm:txFillClrLst>
+    <dgm:txEffectClrLst/>
+  </dgm:styleLbl>
+  <dgm:styleLbl name="parChTrans1D2">
+    <dgm:fillClrLst meth="repeat">
+      <a:schemeClr val="accent1"/>
+    </dgm:fillClrLst>
+    <dgm:linClrLst meth="repeat">
+      <a:schemeClr val="accent1">
+        <a:shade val="60000"/>
+      </a:schemeClr>
+    </dgm:linClrLst>
+    <dgm:effectClrLst/>
+    <dgm:txLinClrLst/>
+    <dgm:txFillClrLst meth="repeat">
+      <a:schemeClr val="tx1"/>
+    </dgm:txFillClrLst>
+    <dgm:txEffectClrLst/>
+  </dgm:styleLbl>
+  <dgm:styleLbl name="parChTrans1D3">
+    <dgm:fillClrLst meth="repeat">
+      <a:schemeClr val="accent1"/>
+    </dgm:fillClrLst>
+    <dgm:linClrLst meth="repeat">
+      <a:schemeClr val="accent1">
+        <a:shade val="80000"/>
+      </a:schemeClr>
+    </dgm:linClrLst>
+    <dgm:effectClrLst/>
+    <dgm:txLinClrLst/>
+    <dgm:txFillClrLst meth="repeat">
+      <a:schemeClr val="tx1"/>
+    </dgm:txFillClrLst>
+    <dgm:txEffectClrLst/>
+  </dgm:styleLbl>
+  <dgm:styleLbl name="parChTrans1D4">
+    <dgm:fillClrLst meth="repeat">
+      <a:schemeClr val="accent1"/>
+    </dgm:fillClrLst>
+    <dgm:linClrLst meth="repeat">
+      <a:schemeClr val="accent1">
+        <a:shade val="80000"/>
+      </a:schemeClr>
+    </dgm:linClrLst>
+    <dgm:effectClrLst/>
+    <dgm:txLinClrLst/>
+    <dgm:txFillClrLst meth="repeat">
+      <a:schemeClr val="tx1"/>
+    </dgm:txFillClrLst>
+    <dgm:txEffectClrLst/>
+  </dgm:styleLbl>
+  <dgm:styleLbl name="fgAcc1">
+    <dgm:fillClrLst meth="repeat">
+      <a:schemeClr val="lt1">
+        <a:alpha val="90000"/>
+      </a:schemeClr>
+    </dgm:fillClrLst>
+    <dgm:linClrLst meth="repeat">
+      <a:schemeClr val="accent1"/>
+    </dgm:linClrLst>
+    <dgm:effectClrLst/>
+    <dgm:txLinClrLst/>
+    <dgm:txFillClrLst meth="repeat">
+      <a:schemeClr val="dk1"/>
+    </dgm:txFillClrLst>
+    <dgm:txEffectClrLst/>
+  </dgm:styleLbl>
+  <dgm:styleLbl name="conFgAcc1">
+    <dgm:fillClrLst meth="repeat">
+      <a:schemeClr val="lt1">
+        <a:alpha val="90000"/>
+      </a:schemeClr>
+    </dgm:fillClrLst>
+    <dgm:linClrLst meth="repeat">
+      <a:schemeClr val="accent1"/>
+    </dgm:linClrLst>
+    <dgm:effectClrLst/>
+    <dgm:txLinClrLst/>
+    <dgm:txFillClrLst meth="repeat">
+      <a:schemeClr val="dk1"/>
+    </dgm:txFillClrLst>
+    <dgm:txEffectClrLst/>
+  </dgm:styleLbl>
+  <dgm:styleLbl name="alignAcc1">
+    <dgm:fillClrLst meth="repeat">
+      <a:schemeClr val="lt1">
+        <a:alpha val="90000"/>
+      </a:schemeClr>
+    </dgm:fillClrLst>
+    <dgm:linClrLst meth="repeat">
+      <a:schemeClr val="accent1"/>
+    </dgm:linClrLst>
+    <dgm:effectClrLst/>
+    <dgm:txLinClrLst/>
+    <dgm:txFillClrLst meth="repeat">
+      <a:schemeClr val="dk1"/>
+    </dgm:txFillClrLst>
+    <dgm:txEffectClrLst/>
+  </dgm:styleLbl>
+  <dgm:styleLbl name="trAlignAcc1">
+    <dgm:fillClrLst meth="repeat">
+      <a:schemeClr val="lt1">
+        <a:alpha val="40000"/>
+      </a:schemeClr>
+    </dgm:fillClrLst>
+    <dgm:linClrLst meth="repeat">
+      <a:schemeClr val="accent1"/>
+    </dgm:linClrLst>
+    <dgm:effectClrLst/>
+    <dgm:txLinClrLst/>
+    <dgm:txFillClrLst meth="repeat">
+      <a:schemeClr val="dk1"/>
+    </dgm:txFillClrLst>
+    <dgm:txEffectClrLst/>
+  </dgm:styleLbl>
+  <dgm:styleLbl name="bgAcc1">
+    <dgm:fillClrLst meth="repeat">
+      <a:schemeClr val="lt1">
+        <a:alpha val="90000"/>
+      </a:schemeClr>
+    </dgm:fillClrLst>
+    <dgm:linClrLst meth="repeat">
+      <a:schemeClr val="accent1"/>
+    </dgm:linClrLst>
+    <dgm:effectClrLst/>
+    <dgm:txLinClrLst/>
+    <dgm:txFillClrLst meth="repeat">
+      <a:schemeClr val="dk1"/>
+    </dgm:txFillClrLst>
+    <dgm:txEffectClrLst/>
+  </dgm:styleLbl>
+  <dgm:styleLbl name="solidFgAcc1">
+    <dgm:fillClrLst meth="repeat">
+      <a:schemeClr val="lt1"/>
+    </dgm:fillClrLst>
+    <dgm:linClrLst meth="repeat">
+      <a:schemeClr val="accent1"/>
+    </dgm:linClrLst>
+    <dgm:effectClrLst/>
+    <dgm:txLinClrLst/>
+    <dgm:txFillClrLst meth="repeat">
+      <a:schemeClr val="dk1"/>
+    </dgm:txFillClrLst>
+    <dgm:txEffectClrLst/>
+  </dgm:styleLbl>
+  <dgm:styleLbl name="solidAlignAcc1">
+    <dgm:fillClrLst meth="repeat">
+      <a:schemeClr val="lt1"/>
+    </dgm:fillClrLst>
+    <dgm:linClrLst meth="repeat">
+      <a:schemeClr val="accent1"/>
+    </dgm:linClrLst>
+    <dgm:effectClrLst/>
+    <dgm:txLinClrLst/>
+    <dgm:txFillClrLst meth="repeat">
+      <a:schemeClr val="dk1"/>
+    </dgm:txFillClrLst>
+    <dgm:txEffectClrLst/>
+  </dgm:styleLbl>
+  <dgm:styleLbl name="solidBgAcc1">
+    <dgm:fillClrLst meth="repeat">
+      <a:schemeClr val="lt1"/>
+    </dgm:fillClrLst>
+    <dgm:linClrLst meth="repeat">
+      <a:schemeClr val="accent1"/>
+    </dgm:linClrLst>
+    <dgm:effectClrLst/>
+    <dgm:txLinClrLst/>
+    <dgm:txFillClrLst meth="repeat">
+      <a:schemeClr val="dk1"/>
+    </dgm:txFillClrLst>
+    <dgm:txEffectClrLst/>
+  </dgm:styleLbl>
+  <dgm:styleLbl name="fgAccFollowNode1">
+    <dgm:fillClrLst meth="repeat">
+      <a:schemeClr val="accent1">
+        <a:alpha val="90000"/>
+        <a:tint val="40000"/>
+      </a:schemeClr>
+    </dgm:fillClrLst>
+    <dgm:linClrLst meth="repeat">
+      <a:schemeClr val="accent1">
+        <a:alpha val="90000"/>
+        <a:tint val="40000"/>
+      </a:schemeClr>
+    </dgm:linClrLst>
+    <dgm:effectClrLst/>
+    <dgm:txLinClrLst/>
+    <dgm:txFillClrLst meth="repeat">
+      <a:schemeClr val="dk1"/>
+    </dgm:txFillClrLst>
+    <dgm:txEffectClrLst/>
+  </dgm:styleLbl>
+  <dgm:styleLbl name="alignAccFollowNode1">
+    <dgm:fillClrLst meth="repeat">
+      <a:schemeClr val="accent1">
+        <a:alpha val="90000"/>
+        <a:tint val="40000"/>
+      </a:schemeClr>
+    </dgm:fillClrLst>
+    <dgm:linClrLst meth="repeat">
+      <a:schemeClr val="accent1">
+        <a:alpha val="90000"/>
+        <a:tint val="40000"/>
+      </a:schemeClr>
+    </dgm:linClrLst>
+    <dgm:effectClrLst/>
+    <dgm:txLinClrLst/>
+    <dgm:txFillClrLst meth="repeat">
+      <a:schemeClr val="dk1"/>
+    </dgm:txFillClrLst>
+    <dgm:txEffectClrLst/>
+  </dgm:styleLbl>
+  <dgm:styleLbl name="bgAccFollowNode1">
+    <dgm:fillClrLst meth="repeat">
+      <a:schemeClr val="accent1">
+        <a:alpha val="90000"/>
+        <a:tint val="40000"/>
+      </a:schemeClr>
+    </dgm:fillClrLst>
+    <dgm:linClrLst meth="repeat">
+      <a:schemeClr val="accent1">
+        <a:alpha val="90000"/>
+        <a:tint val="40000"/>
+      </a:schemeClr>
+    </dgm:linClrLst>
+    <dgm:effectClrLst/>
+    <dgm:txLinClrLst/>
+    <dgm:txFillClrLst meth="repeat">
+      <a:schemeClr val="dk1"/>
+    </dgm:txFillClrLst>
+    <dgm:txEffectClrLst/>
+  </dgm:styleLbl>
+  <dgm:styleLbl name="fgAcc0">
+    <dgm:fillClrLst meth="repeat">
+      <a:schemeClr val="lt1">
+        <a:alpha val="90000"/>
+      </a:schemeClr>
+    </dgm:fillClrLst>
+    <dgm:linClrLst meth="repeat">
+      <a:schemeClr val="accent1"/>
+    </dgm:linClrLst>
+    <dgm:effectClrLst/>
+    <dgm:txLinClrLst/>
+    <dgm:txFillClrLst meth="repeat">
+      <a:schemeClr val="dk1"/>
+    </dgm:txFillClrLst>
+    <dgm:txEffectClrLst/>
+  </dgm:styleLbl>
+  <dgm:styleLbl name="fgAcc2">
+    <dgm:fillClrLst meth="repeat">
+      <a:schemeClr val="lt1">
+        <a:alpha val="90000"/>
+      </a:schemeClr>
+    </dgm:fillClrLst>
+    <dgm:linClrLst meth="repeat">
+      <a:schemeClr val="accent1"/>
+    </dgm:linClrLst>
+    <dgm:effectClrLst/>
+    <dgm:txLinClrLst/>
+    <dgm:txFillClrLst meth="repeat">
+      <a:schemeClr val="dk1"/>
+    </dgm:txFillClrLst>
+    <dgm:txEffectClrLst/>
+  </dgm:styleLbl>
+  <dgm:styleLbl name="fgAcc3">
+    <dgm:fillClrLst meth="repeat">
+      <a:schemeClr val="lt1">
+        <a:alpha val="90000"/>
+      </a:schemeClr>
+    </dgm:fillClrLst>
+    <dgm:linClrLst meth="repeat">
+      <a:schemeClr val="accent1"/>
+    </dgm:linClrLst>
+    <dgm:effectClrLst/>
+    <dgm:txLinClrLst/>
+    <dgm:txFillClrLst meth="repeat">
+      <a:schemeClr val="dk1"/>
+    </dgm:txFillClrLst>
+    <dgm:txEffectClrLst/>
+  </dgm:styleLbl>
+  <dgm:styleLbl name="fgAcc4">
+    <dgm:fillClrLst meth="repeat">
+      <a:schemeClr val="lt1">
+        <a:alpha val="90000"/>
+      </a:schemeClr>
+    </dgm:fillClrLst>
+    <dgm:linClrLst meth="repeat">
+      <a:schemeClr val="accent1"/>
+    </dgm:linClrLst>
+    <dgm:effectClrLst/>
+    <dgm:txLinClrLst/>
+    <dgm:txFillClrLst meth="repeat">
+      <a:schemeClr val="dk1"/>
+    </dgm:txFillClrLst>
+    <dgm:txEffectClrLst/>
+  </dgm:styleLbl>
+  <dgm:styleLbl name="bgShp">
+    <dgm:fillClrLst meth="repeat">
+      <a:schemeClr val="accent1">
+        <a:tint val="40000"/>
+      </a:schemeClr>
+    </dgm:fillClrLst>
+    <dgm:linClrLst meth="repeat">
+      <a:schemeClr val="accent1"/>
+    </dgm:linClrLst>
+    <dgm:effectClrLst/>
+    <dgm:txLinClrLst/>
+    <dgm:txFillClrLst meth="repeat">
+      <a:schemeClr val="dk1"/>
+    </dgm:txFillClrLst>
+    <dgm:txEffectClrLst/>
+  </dgm:styleLbl>
+  <dgm:styleLbl name="dkBgShp">
+    <dgm:fillClrLst meth="repeat">
+      <a:schemeClr val="accent1">
+        <a:shade val="80000"/>
+      </a:schemeClr>
+    </dgm:fillClrLst>
+    <dgm:linClrLst meth="repeat">
+      <a:schemeClr val="accent1"/>
+    </dgm:linClrLst>
+    <dgm:effectClrLst/>
+    <dgm:txLinClrLst/>
+    <dgm:txFillClrLst meth="repeat">
+      <a:schemeClr val="lt1"/>
+    </dgm:txFillClrLst>
+    <dgm:txEffectClrLst/>
+  </dgm:styleLbl>
+  <dgm:styleLbl name="trBgShp">
+    <dgm:fillClrLst meth="repeat">
+      <a:schemeClr val="accent1">
+        <a:tint val="50000"/>
+        <a:alpha val="40000"/>
+      </a:schemeClr>
+    </dgm:fillClrLst>
+    <dgm:linClrLst meth="repeat">
+      <a:schemeClr val="accent1"/>
+    </dgm:linClrLst>
+    <dgm:effectClrLst/>
+    <dgm:txLinClrLst/>
+    <dgm:txFillClrLst meth="repeat">
+      <a:schemeClr val="lt1"/>
+    </dgm:txFillClrLst>
+    <dgm:txEffectClrLst/>
+  </dgm:styleLbl>
+  <dgm:styleLbl name="fgShp">
+    <dgm:fillClrLst meth="repeat">
+      <a:schemeClr val="accent1">
+        <a:tint val="60000"/>
+      </a:schemeClr>
+    </dgm:fillClrLst>
+    <dgm:linClrLst meth="repeat">
+      <a:schemeClr val="lt1"/>
+    </dgm:linClrLst>
+    <dgm:effectClrLst/>
+    <dgm:txLinClrLst/>
+    <dgm:txFillClrLst meth="repeat">
+      <a:schemeClr val="dk1"/>
+    </dgm:txFillClrLst>
+    <dgm:txEffectClrLst/>
+  </dgm:styleLbl>
+  <dgm:styleLbl name="revTx">
+    <dgm:fillClrLst meth="repeat">
+      <a:schemeClr val="lt1">
+        <a:alpha val="0"/>
+      </a:schemeClr>
+    </dgm:fillClrLst>
+    <dgm:linClrLst meth="repeat">
+      <a:schemeClr val="dk1">
+        <a:alpha val="0"/>
+      </a:schemeClr>
+    </dgm:linClrLst>
+    <dgm:effectClrLst/>
+    <dgm:txLinClrLst/>
+    <dgm:txFillClrLst meth="repeat">
+      <a:schemeClr val="tx1"/>
+    </dgm:txFillClrLst>
+    <dgm:txEffectClrLst/>
+  </dgm:styleLbl>
+</dgm:colorsDef>
+</file>
+
+<file path=ppt/diagrams/colors5.xml><?xml version="1.0" encoding="utf-8"?>
 <dgm:colorsDef xmlns:dgm="http://schemas.openxmlformats.org/drawingml/2006/diagram" xmlns:a="http://schemas.openxmlformats.org/drawingml/2006/main" uniqueId="urn:microsoft.com/office/officeart/2005/8/colors/accent1_2">
   <dgm:title val=""/>
   <dgm:desc val=""/>
@@ -5004,6 +5752,297 @@
     <dgm:cxn modelId="{1FB0F946-016F-4597-9ED4-BFA0B9462BCB}" type="presParOf" srcId="{2BDFC1B1-AA42-4E54-A320-42CEF235D817}" destId="{069299B3-1CAC-4E6D-9F48-B494799BC448}" srcOrd="8" destOrd="0" presId="urn:microsoft.com/office/officeart/2005/8/layout/default"/>
     <dgm:cxn modelId="{913F240F-F216-471D-B4E3-14C7A3CEAFBB}" type="presParOf" srcId="{2BDFC1B1-AA42-4E54-A320-42CEF235D817}" destId="{96982D29-D1EA-4412-89BA-6711ACCAEA90}" srcOrd="9" destOrd="0" presId="urn:microsoft.com/office/officeart/2005/8/layout/default"/>
     <dgm:cxn modelId="{6CDFA0CD-39B4-49C0-97CA-69E82B0CEF88}" type="presParOf" srcId="{2BDFC1B1-AA42-4E54-A320-42CEF235D817}" destId="{3CB41BC1-B614-464C-B4C4-636790FEB361}" srcOrd="10" destOrd="0" presId="urn:microsoft.com/office/officeart/2005/8/layout/default"/>
+  </dgm:cxnLst>
+  <dgm:bg/>
+  <dgm:whole/>
+  <dgm:extLst>
+    <a:ext uri="http://schemas.microsoft.com/office/drawing/2008/diagram">
+      <dsp:dataModelExt xmlns:dsp="http://schemas.microsoft.com/office/drawing/2008/diagram" relId="rId7" minVer="http://schemas.openxmlformats.org/drawingml/2006/diagram"/>
+    </a:ext>
+  </dgm:extLst>
+</dgm:dataModel>
+</file>
+
+<file path=ppt/diagrams/data5.xml><?xml version="1.0" encoding="utf-8"?>
+<dgm:dataModel xmlns:dgm="http://schemas.openxmlformats.org/drawingml/2006/diagram" xmlns:a="http://schemas.openxmlformats.org/drawingml/2006/main">
+  <dgm:ptLst>
+    <dgm:pt modelId="{7C0767F4-49A8-4C1D-9FAC-3BC49D08218E}" type="doc">
+      <dgm:prSet loTypeId="urn:microsoft.com/office/officeart/2005/8/layout/default" loCatId="list" qsTypeId="urn:microsoft.com/office/officeart/2005/8/quickstyle/simple1" qsCatId="simple" csTypeId="urn:microsoft.com/office/officeart/2005/8/colors/accent1_2" csCatId="accent1" phldr="1"/>
+      <dgm:spPr/>
+      <dgm:t>
+        <a:bodyPr/>
+        <a:lstStyle/>
+        <a:p>
+          <a:endParaRPr lang="en-US"/>
+        </a:p>
+      </dgm:t>
+    </dgm:pt>
+    <dgm:pt modelId="{545BC824-6181-4CA1-82E5-53DD81752149}">
+      <dgm:prSet phldrT="[Text]"/>
+      <dgm:spPr/>
+      <dgm:t>
+        <a:bodyPr/>
+        <a:lstStyle/>
+        <a:p>
+          <a:r>
+            <a:rPr lang="de-DE" dirty="0"/>
+            <a:t>5.1: Als Systemadministrator möchte ich die Daten der Applikation in einer persistenten Datenbank sichern, um ggf. den Server neu starten zu können ohne alle Daten zu verlieren.</a:t>
+          </a:r>
+          <a:br>
+            <a:rPr lang="de-DE" dirty="0"/>
+          </a:br>
+          <a:r>
+            <a:rPr lang="de-DE" dirty="0"/>
+            <a:t>(</a:t>
+          </a:r>
+          <a:r>
+            <a:rPr lang="de-DE" dirty="0">
+              <a:sym typeface="Wingdings" panose="05000000000000000000" pitchFamily="2" charset="2"/>
+            </a:rPr>
+            <a:t>Datenbank einbinden)</a:t>
+          </a:r>
+          <a:endParaRPr lang="en-US" dirty="0"/>
+        </a:p>
+      </dgm:t>
+    </dgm:pt>
+    <dgm:pt modelId="{ACF386FC-FFFA-4BC7-84C7-E5875848454F}" type="parTrans" cxnId="{4FF7C5E9-9DC3-4EA5-8FAE-8B6995018ACE}">
+      <dgm:prSet/>
+      <dgm:spPr/>
+      <dgm:t>
+        <a:bodyPr/>
+        <a:lstStyle/>
+        <a:p>
+          <a:endParaRPr lang="en-US"/>
+        </a:p>
+      </dgm:t>
+    </dgm:pt>
+    <dgm:pt modelId="{DEB0E6D2-D714-4D02-A926-5D0BEB0E678A}" type="sibTrans" cxnId="{4FF7C5E9-9DC3-4EA5-8FAE-8B6995018ACE}">
+      <dgm:prSet/>
+      <dgm:spPr/>
+      <dgm:t>
+        <a:bodyPr/>
+        <a:lstStyle/>
+        <a:p>
+          <a:endParaRPr lang="en-US"/>
+        </a:p>
+      </dgm:t>
+    </dgm:pt>
+    <dgm:pt modelId="{6FE37DD5-CE9E-4E3B-B062-92A2899DD756}">
+      <dgm:prSet phldrT="[Text]"/>
+      <dgm:spPr/>
+      <dgm:t>
+        <a:bodyPr/>
+        <a:lstStyle/>
+        <a:p>
+          <a:r>
+            <a:rPr lang="de-DE" dirty="0"/>
+            <a:t>5.2: Als Mitglied des Entwicklungsteams möchte ich die Anwendung in einem Entwicklungsmodus mit vorgefertigten Daten starten können, um für meine Entwicklertests den Startzustand nicht manuell herstellen zu müssen (</a:t>
+          </a:r>
+          <a:r>
+            <a:rPr lang="de-DE" dirty="0">
+              <a:sym typeface="Wingdings" panose="05000000000000000000" pitchFamily="2" charset="2"/>
+            </a:rPr>
+            <a:t>Spring Profile</a:t>
+          </a:r>
+          <a:r>
+            <a:rPr lang="de-DE" dirty="0"/>
+            <a:t>)</a:t>
+          </a:r>
+          <a:endParaRPr lang="en-US" dirty="0"/>
+        </a:p>
+      </dgm:t>
+    </dgm:pt>
+    <dgm:pt modelId="{6B3FF44F-F0AD-4F4E-8B72-B571AE299938}" type="parTrans" cxnId="{707CBD73-51EE-4CEC-AC7B-B8A8223B15E9}">
+      <dgm:prSet/>
+      <dgm:spPr/>
+      <dgm:t>
+        <a:bodyPr/>
+        <a:lstStyle/>
+        <a:p>
+          <a:endParaRPr lang="en-US"/>
+        </a:p>
+      </dgm:t>
+    </dgm:pt>
+    <dgm:pt modelId="{5AFB1AB5-8AC1-4599-8DE3-1395C3B6609C}" type="sibTrans" cxnId="{707CBD73-51EE-4CEC-AC7B-B8A8223B15E9}">
+      <dgm:prSet/>
+      <dgm:spPr/>
+      <dgm:t>
+        <a:bodyPr/>
+        <a:lstStyle/>
+        <a:p>
+          <a:endParaRPr lang="en-US"/>
+        </a:p>
+      </dgm:t>
+    </dgm:pt>
+    <dgm:pt modelId="{DC63964E-DADC-468B-808F-70DA515070D7}">
+      <dgm:prSet phldrT="[Text]"/>
+      <dgm:spPr/>
+      <dgm:t>
+        <a:bodyPr/>
+        <a:lstStyle/>
+        <a:p>
+          <a:r>
+            <a:rPr lang="de-DE" dirty="0"/>
+            <a:t>5.3: Als Qualitätsmanager möchte ich für die Integrationstests einen definierten Startzustand mit bestehenden Daten herstellen können, um auch komplexe Testszenarien abbilden zu können (</a:t>
+          </a:r>
+          <a:r>
+            <a:rPr lang="de-DE" dirty="0">
+              <a:sym typeface="Wingdings" panose="05000000000000000000" pitchFamily="2" charset="2"/>
+            </a:rPr>
+            <a:t> Spring Boot Test mit Datenbank)</a:t>
+          </a:r>
+          <a:endParaRPr lang="en-US" dirty="0"/>
+        </a:p>
+      </dgm:t>
+    </dgm:pt>
+    <dgm:pt modelId="{65AD119B-418D-4C69-80C0-BDC816298E9B}" type="parTrans" cxnId="{28A4535C-968A-467D-9CB2-59580FC66F28}">
+      <dgm:prSet/>
+      <dgm:spPr/>
+      <dgm:t>
+        <a:bodyPr/>
+        <a:lstStyle/>
+        <a:p>
+          <a:endParaRPr lang="en-US"/>
+        </a:p>
+      </dgm:t>
+    </dgm:pt>
+    <dgm:pt modelId="{64100AD5-E5B7-42B2-8967-95A9D419D515}" type="sibTrans" cxnId="{28A4535C-968A-467D-9CB2-59580FC66F28}">
+      <dgm:prSet/>
+      <dgm:spPr/>
+      <dgm:t>
+        <a:bodyPr/>
+        <a:lstStyle/>
+        <a:p>
+          <a:endParaRPr lang="en-US"/>
+        </a:p>
+      </dgm:t>
+    </dgm:pt>
+    <dgm:pt modelId="{AE09EB1B-B228-4EF1-8D84-AC7F45BE7C02}">
+      <dgm:prSet phldrT="[Text]"/>
+      <dgm:spPr/>
+      <dgm:t>
+        <a:bodyPr/>
+        <a:lstStyle/>
+        <a:p>
+          <a:r>
+            <a:rPr lang="de-DE" dirty="0"/>
+            <a:t>5.4: Als Systemadministrator möchte ich direkten Zugriff auf die Datenbank erhalten, um Probleme mit der Anwendung korrekt identifizieren zu können. (</a:t>
+          </a:r>
+          <a:r>
+            <a:rPr lang="de-DE" dirty="0">
+              <a:sym typeface="Wingdings" panose="05000000000000000000" pitchFamily="2" charset="2"/>
+            </a:rPr>
+            <a:t> H2 TCP, </a:t>
+          </a:r>
+          <a:r>
+            <a:rPr lang="de-DE" dirty="0" err="1">
+              <a:sym typeface="Wingdings" panose="05000000000000000000" pitchFamily="2" charset="2"/>
+            </a:rPr>
+            <a:t>IntelliJ</a:t>
+          </a:r>
+          <a:r>
+            <a:rPr lang="de-DE" dirty="0">
+              <a:sym typeface="Wingdings" panose="05000000000000000000" pitchFamily="2" charset="2"/>
+            </a:rPr>
+            <a:t> Database View)</a:t>
+          </a:r>
+          <a:endParaRPr lang="en-US" dirty="0"/>
+        </a:p>
+      </dgm:t>
+    </dgm:pt>
+    <dgm:pt modelId="{2516917E-2F12-49EE-9BBD-188BB637C2AD}" type="parTrans" cxnId="{3AFE59A0-8634-4446-A957-5C4849AD1CF6}">
+      <dgm:prSet/>
+      <dgm:spPr/>
+      <dgm:t>
+        <a:bodyPr/>
+        <a:lstStyle/>
+        <a:p>
+          <a:endParaRPr lang="en-US"/>
+        </a:p>
+      </dgm:t>
+    </dgm:pt>
+    <dgm:pt modelId="{23A5AC17-64B8-4B40-BF3D-8F97D81572B5}" type="sibTrans" cxnId="{3AFE59A0-8634-4446-A957-5C4849AD1CF6}">
+      <dgm:prSet/>
+      <dgm:spPr/>
+      <dgm:t>
+        <a:bodyPr/>
+        <a:lstStyle/>
+        <a:p>
+          <a:endParaRPr lang="en-US"/>
+        </a:p>
+      </dgm:t>
+    </dgm:pt>
+    <dgm:pt modelId="{2BDFC1B1-AA42-4E54-A320-42CEF235D817}" type="pres">
+      <dgm:prSet presAssocID="{7C0767F4-49A8-4C1D-9FAC-3BC49D08218E}" presName="diagram" presStyleCnt="0">
+        <dgm:presLayoutVars>
+          <dgm:dir/>
+          <dgm:resizeHandles val="exact"/>
+        </dgm:presLayoutVars>
+      </dgm:prSet>
+      <dgm:spPr/>
+    </dgm:pt>
+    <dgm:pt modelId="{D2D37EEF-8767-427D-BF99-23DC946B5378}" type="pres">
+      <dgm:prSet presAssocID="{545BC824-6181-4CA1-82E5-53DD81752149}" presName="node" presStyleLbl="node1" presStyleIdx="0" presStyleCnt="4">
+        <dgm:presLayoutVars>
+          <dgm:bulletEnabled val="1"/>
+        </dgm:presLayoutVars>
+      </dgm:prSet>
+      <dgm:spPr/>
+    </dgm:pt>
+    <dgm:pt modelId="{5563638D-BD1A-4BDF-A507-581CF7EFECDF}" type="pres">
+      <dgm:prSet presAssocID="{DEB0E6D2-D714-4D02-A926-5D0BEB0E678A}" presName="sibTrans" presStyleCnt="0"/>
+      <dgm:spPr/>
+    </dgm:pt>
+    <dgm:pt modelId="{CCF36870-D71D-4F83-99EC-329DF9D58102}" type="pres">
+      <dgm:prSet presAssocID="{6FE37DD5-CE9E-4E3B-B062-92A2899DD756}" presName="node" presStyleLbl="node1" presStyleIdx="1" presStyleCnt="4">
+        <dgm:presLayoutVars>
+          <dgm:bulletEnabled val="1"/>
+        </dgm:presLayoutVars>
+      </dgm:prSet>
+      <dgm:spPr/>
+    </dgm:pt>
+    <dgm:pt modelId="{32A5D82A-8B80-4E46-8D9A-F113E1B244EF}" type="pres">
+      <dgm:prSet presAssocID="{5AFB1AB5-8AC1-4599-8DE3-1395C3B6609C}" presName="sibTrans" presStyleCnt="0"/>
+      <dgm:spPr/>
+    </dgm:pt>
+    <dgm:pt modelId="{D523628B-FA4F-4BD9-9A6D-CB1C8CD4B1B0}" type="pres">
+      <dgm:prSet presAssocID="{DC63964E-DADC-468B-808F-70DA515070D7}" presName="node" presStyleLbl="node1" presStyleIdx="2" presStyleCnt="4">
+        <dgm:presLayoutVars>
+          <dgm:bulletEnabled val="1"/>
+        </dgm:presLayoutVars>
+      </dgm:prSet>
+      <dgm:spPr/>
+    </dgm:pt>
+    <dgm:pt modelId="{18BB6950-1C63-4970-B6C1-0D9EAEBDF0D1}" type="pres">
+      <dgm:prSet presAssocID="{64100AD5-E5B7-42B2-8967-95A9D419D515}" presName="sibTrans" presStyleCnt="0"/>
+      <dgm:spPr/>
+    </dgm:pt>
+    <dgm:pt modelId="{1E4D8BA6-7ECD-437F-82E1-2680F85C2CC9}" type="pres">
+      <dgm:prSet presAssocID="{AE09EB1B-B228-4EF1-8D84-AC7F45BE7C02}" presName="node" presStyleLbl="node1" presStyleIdx="3" presStyleCnt="4">
+        <dgm:presLayoutVars>
+          <dgm:bulletEnabled val="1"/>
+        </dgm:presLayoutVars>
+      </dgm:prSet>
+      <dgm:spPr/>
+    </dgm:pt>
+  </dgm:ptLst>
+  <dgm:cxnLst>
+    <dgm:cxn modelId="{91C5A721-50D8-486C-9ED6-BE434A452426}" type="presOf" srcId="{6FE37DD5-CE9E-4E3B-B062-92A2899DD756}" destId="{CCF36870-D71D-4F83-99EC-329DF9D58102}" srcOrd="0" destOrd="0" presId="urn:microsoft.com/office/officeart/2005/8/layout/default"/>
+    <dgm:cxn modelId="{28A4535C-968A-467D-9CB2-59580FC66F28}" srcId="{7C0767F4-49A8-4C1D-9FAC-3BC49D08218E}" destId="{DC63964E-DADC-468B-808F-70DA515070D7}" srcOrd="2" destOrd="0" parTransId="{65AD119B-418D-4C69-80C0-BDC816298E9B}" sibTransId="{64100AD5-E5B7-42B2-8967-95A9D419D515}"/>
+    <dgm:cxn modelId="{03A60A44-2033-4F36-B497-05B3A6D4BB4E}" type="presOf" srcId="{7C0767F4-49A8-4C1D-9FAC-3BC49D08218E}" destId="{2BDFC1B1-AA42-4E54-A320-42CEF235D817}" srcOrd="0" destOrd="0" presId="urn:microsoft.com/office/officeart/2005/8/layout/default"/>
+    <dgm:cxn modelId="{707CBD73-51EE-4CEC-AC7B-B8A8223B15E9}" srcId="{7C0767F4-49A8-4C1D-9FAC-3BC49D08218E}" destId="{6FE37DD5-CE9E-4E3B-B062-92A2899DD756}" srcOrd="1" destOrd="0" parTransId="{6B3FF44F-F0AD-4F4E-8B72-B571AE299938}" sibTransId="{5AFB1AB5-8AC1-4599-8DE3-1395C3B6609C}"/>
+    <dgm:cxn modelId="{44081B7D-A915-4F30-B187-6306D3678CB6}" type="presOf" srcId="{545BC824-6181-4CA1-82E5-53DD81752149}" destId="{D2D37EEF-8767-427D-BF99-23DC946B5378}" srcOrd="0" destOrd="0" presId="urn:microsoft.com/office/officeart/2005/8/layout/default"/>
+    <dgm:cxn modelId="{3AFE59A0-8634-4446-A957-5C4849AD1CF6}" srcId="{7C0767F4-49A8-4C1D-9FAC-3BC49D08218E}" destId="{AE09EB1B-B228-4EF1-8D84-AC7F45BE7C02}" srcOrd="3" destOrd="0" parTransId="{2516917E-2F12-49EE-9BBD-188BB637C2AD}" sibTransId="{23A5AC17-64B8-4B40-BF3D-8F97D81572B5}"/>
+    <dgm:cxn modelId="{684DA5D5-7C4B-4CD4-973F-384727850747}" type="presOf" srcId="{DC63964E-DADC-468B-808F-70DA515070D7}" destId="{D523628B-FA4F-4BD9-9A6D-CB1C8CD4B1B0}" srcOrd="0" destOrd="0" presId="urn:microsoft.com/office/officeart/2005/8/layout/default"/>
+    <dgm:cxn modelId="{4FF7C5E9-9DC3-4EA5-8FAE-8B6995018ACE}" srcId="{7C0767F4-49A8-4C1D-9FAC-3BC49D08218E}" destId="{545BC824-6181-4CA1-82E5-53DD81752149}" srcOrd="0" destOrd="0" parTransId="{ACF386FC-FFFA-4BC7-84C7-E5875848454F}" sibTransId="{DEB0E6D2-D714-4D02-A926-5D0BEB0E678A}"/>
+    <dgm:cxn modelId="{A426E1F7-3FFE-4701-9E29-078F24E30D38}" type="presOf" srcId="{AE09EB1B-B228-4EF1-8D84-AC7F45BE7C02}" destId="{1E4D8BA6-7ECD-437F-82E1-2680F85C2CC9}" srcOrd="0" destOrd="0" presId="urn:microsoft.com/office/officeart/2005/8/layout/default"/>
+    <dgm:cxn modelId="{66CF70D3-39A2-488F-8E56-E719091AB457}" type="presParOf" srcId="{2BDFC1B1-AA42-4E54-A320-42CEF235D817}" destId="{D2D37EEF-8767-427D-BF99-23DC946B5378}" srcOrd="0" destOrd="0" presId="urn:microsoft.com/office/officeart/2005/8/layout/default"/>
+    <dgm:cxn modelId="{29C482AA-A711-45DF-BBBD-3E6C055709B7}" type="presParOf" srcId="{2BDFC1B1-AA42-4E54-A320-42CEF235D817}" destId="{5563638D-BD1A-4BDF-A507-581CF7EFECDF}" srcOrd="1" destOrd="0" presId="urn:microsoft.com/office/officeart/2005/8/layout/default"/>
+    <dgm:cxn modelId="{6AA0E5DC-4967-4EF6-AB68-DF3E5FEC8346}" type="presParOf" srcId="{2BDFC1B1-AA42-4E54-A320-42CEF235D817}" destId="{CCF36870-D71D-4F83-99EC-329DF9D58102}" srcOrd="2" destOrd="0" presId="urn:microsoft.com/office/officeart/2005/8/layout/default"/>
+    <dgm:cxn modelId="{45CA91DE-7F8E-4BDD-BB4C-F984546F32D3}" type="presParOf" srcId="{2BDFC1B1-AA42-4E54-A320-42CEF235D817}" destId="{32A5D82A-8B80-4E46-8D9A-F113E1B244EF}" srcOrd="3" destOrd="0" presId="urn:microsoft.com/office/officeart/2005/8/layout/default"/>
+    <dgm:cxn modelId="{B04BD998-E774-4FAA-B6E4-2206C38C1120}" type="presParOf" srcId="{2BDFC1B1-AA42-4E54-A320-42CEF235D817}" destId="{D523628B-FA4F-4BD9-9A6D-CB1C8CD4B1B0}" srcOrd="4" destOrd="0" presId="urn:microsoft.com/office/officeart/2005/8/layout/default"/>
+    <dgm:cxn modelId="{85590F83-527D-46EA-A2D4-A50404830E7B}" type="presParOf" srcId="{2BDFC1B1-AA42-4E54-A320-42CEF235D817}" destId="{18BB6950-1C63-4970-B6C1-0D9EAEBDF0D1}" srcOrd="5" destOrd="0" presId="urn:microsoft.com/office/officeart/2005/8/layout/default"/>
+    <dgm:cxn modelId="{A36FCD2B-BEA3-41BD-AFC5-2455B58A1440}" type="presParOf" srcId="{2BDFC1B1-AA42-4E54-A320-42CEF235D817}" destId="{1E4D8BA6-7ECD-437F-82E1-2680F85C2CC9}" srcOrd="6" destOrd="0" presId="urn:microsoft.com/office/officeart/2005/8/layout/default"/>
   </dgm:cxnLst>
   <dgm:bg/>
   <dgm:whole/>
@@ -7240,6 +8279,377 @@
 </dsp:drawing>
 </file>
 
+<file path=ppt/diagrams/drawing5.xml><?xml version="1.0" encoding="utf-8"?>
+<dsp:drawing xmlns:dgm="http://schemas.openxmlformats.org/drawingml/2006/diagram" xmlns:dsp="http://schemas.microsoft.com/office/drawing/2008/diagram" xmlns:a="http://schemas.openxmlformats.org/drawingml/2006/main">
+  <dsp:spTree>
+    <dsp:nvGrpSpPr>
+      <dsp:cNvPr id="0" name=""/>
+      <dsp:cNvGrpSpPr/>
+    </dsp:nvGrpSpPr>
+    <dsp:grpSpPr/>
+    <dsp:sp modelId="{D2D37EEF-8767-427D-BF99-23DC946B5378}">
+      <dsp:nvSpPr>
+        <dsp:cNvPr id="0" name=""/>
+        <dsp:cNvSpPr/>
+      </dsp:nvSpPr>
+      <dsp:spPr>
+        <a:xfrm>
+          <a:off x="78581" y="173"/>
+          <a:ext cx="3094136" cy="1856482"/>
+        </a:xfrm>
+        <a:prstGeom prst="rect">
+          <a:avLst/>
+        </a:prstGeom>
+        <a:solidFill>
+          <a:schemeClr val="accent1">
+            <a:hueOff val="0"/>
+            <a:satOff val="0"/>
+            <a:lumOff val="0"/>
+            <a:alphaOff val="0"/>
+          </a:schemeClr>
+        </a:solidFill>
+        <a:ln w="15875" cap="flat" cmpd="sng" algn="ctr">
+          <a:solidFill>
+            <a:schemeClr val="lt1">
+              <a:hueOff val="0"/>
+              <a:satOff val="0"/>
+              <a:lumOff val="0"/>
+              <a:alphaOff val="0"/>
+            </a:schemeClr>
+          </a:solidFill>
+          <a:prstDash val="solid"/>
+        </a:ln>
+        <a:effectLst/>
+      </dsp:spPr>
+      <dsp:style>
+        <a:lnRef idx="2">
+          <a:scrgbClr r="0" g="0" b="0"/>
+        </a:lnRef>
+        <a:fillRef idx="1">
+          <a:scrgbClr r="0" g="0" b="0"/>
+        </a:fillRef>
+        <a:effectRef idx="0">
+          <a:scrgbClr r="0" g="0" b="0"/>
+        </a:effectRef>
+        <a:fontRef idx="minor">
+          <a:schemeClr val="lt1"/>
+        </a:fontRef>
+      </dsp:style>
+      <dsp:txBody>
+        <a:bodyPr spcFirstLastPara="0" vert="horz" wrap="square" lIns="57150" tIns="57150" rIns="57150" bIns="57150" numCol="1" spcCol="1270" anchor="ctr" anchorCtr="0">
+          <a:noAutofit/>
+        </a:bodyPr>
+        <a:lstStyle/>
+        <a:p>
+          <a:pPr marL="0" lvl="0" indent="0" algn="ctr" defTabSz="666750">
+            <a:lnSpc>
+              <a:spcPct val="90000"/>
+            </a:lnSpc>
+            <a:spcBef>
+              <a:spcPct val="0"/>
+            </a:spcBef>
+            <a:spcAft>
+              <a:spcPct val="35000"/>
+            </a:spcAft>
+            <a:buNone/>
+          </a:pPr>
+          <a:r>
+            <a:rPr lang="de-DE" sz="1500" kern="1200" dirty="0"/>
+            <a:t>5.1: Als Systemadministrator möchte ich die Daten der Applikation in einer persistenten Datenbank sichern, um ggf. den Server neu starten zu können ohne alle Daten zu verlieren.</a:t>
+          </a:r>
+          <a:br>
+            <a:rPr lang="de-DE" sz="1500" kern="1200" dirty="0"/>
+          </a:br>
+          <a:r>
+            <a:rPr lang="de-DE" sz="1500" kern="1200" dirty="0"/>
+            <a:t>(</a:t>
+          </a:r>
+          <a:r>
+            <a:rPr lang="de-DE" sz="1500" kern="1200" dirty="0">
+              <a:sym typeface="Wingdings" panose="05000000000000000000" pitchFamily="2" charset="2"/>
+            </a:rPr>
+            <a:t>Datenbank einbinden)</a:t>
+          </a:r>
+          <a:endParaRPr lang="en-US" sz="1500" kern="1200" dirty="0"/>
+        </a:p>
+      </dsp:txBody>
+      <dsp:txXfrm>
+        <a:off x="78581" y="173"/>
+        <a:ext cx="3094136" cy="1856482"/>
+      </dsp:txXfrm>
+    </dsp:sp>
+    <dsp:sp modelId="{CCF36870-D71D-4F83-99EC-329DF9D58102}">
+      <dsp:nvSpPr>
+        <dsp:cNvPr id="0" name=""/>
+        <dsp:cNvSpPr/>
+      </dsp:nvSpPr>
+      <dsp:spPr>
+        <a:xfrm>
+          <a:off x="3482131" y="173"/>
+          <a:ext cx="3094136" cy="1856482"/>
+        </a:xfrm>
+        <a:prstGeom prst="rect">
+          <a:avLst/>
+        </a:prstGeom>
+        <a:solidFill>
+          <a:schemeClr val="accent1">
+            <a:hueOff val="0"/>
+            <a:satOff val="0"/>
+            <a:lumOff val="0"/>
+            <a:alphaOff val="0"/>
+          </a:schemeClr>
+        </a:solidFill>
+        <a:ln w="15875" cap="flat" cmpd="sng" algn="ctr">
+          <a:solidFill>
+            <a:schemeClr val="lt1">
+              <a:hueOff val="0"/>
+              <a:satOff val="0"/>
+              <a:lumOff val="0"/>
+              <a:alphaOff val="0"/>
+            </a:schemeClr>
+          </a:solidFill>
+          <a:prstDash val="solid"/>
+        </a:ln>
+        <a:effectLst/>
+      </dsp:spPr>
+      <dsp:style>
+        <a:lnRef idx="2">
+          <a:scrgbClr r="0" g="0" b="0"/>
+        </a:lnRef>
+        <a:fillRef idx="1">
+          <a:scrgbClr r="0" g="0" b="0"/>
+        </a:fillRef>
+        <a:effectRef idx="0">
+          <a:scrgbClr r="0" g="0" b="0"/>
+        </a:effectRef>
+        <a:fontRef idx="minor">
+          <a:schemeClr val="lt1"/>
+        </a:fontRef>
+      </dsp:style>
+      <dsp:txBody>
+        <a:bodyPr spcFirstLastPara="0" vert="horz" wrap="square" lIns="57150" tIns="57150" rIns="57150" bIns="57150" numCol="1" spcCol="1270" anchor="ctr" anchorCtr="0">
+          <a:noAutofit/>
+        </a:bodyPr>
+        <a:lstStyle/>
+        <a:p>
+          <a:pPr marL="0" lvl="0" indent="0" algn="ctr" defTabSz="666750">
+            <a:lnSpc>
+              <a:spcPct val="90000"/>
+            </a:lnSpc>
+            <a:spcBef>
+              <a:spcPct val="0"/>
+            </a:spcBef>
+            <a:spcAft>
+              <a:spcPct val="35000"/>
+            </a:spcAft>
+            <a:buNone/>
+          </a:pPr>
+          <a:r>
+            <a:rPr lang="de-DE" sz="1500" kern="1200" dirty="0"/>
+            <a:t>5.2: Als Mitglied des Entwicklungsteams möchte ich die Anwendung in einem Entwicklungsmodus mit vorgefertigten Daten starten können, um für meine Entwicklertests den Startzustand nicht manuell herstellen zu müssen (</a:t>
+          </a:r>
+          <a:r>
+            <a:rPr lang="de-DE" sz="1500" kern="1200" dirty="0">
+              <a:sym typeface="Wingdings" panose="05000000000000000000" pitchFamily="2" charset="2"/>
+            </a:rPr>
+            <a:t>Spring Profile</a:t>
+          </a:r>
+          <a:r>
+            <a:rPr lang="de-DE" sz="1500" kern="1200" dirty="0"/>
+            <a:t>)</a:t>
+          </a:r>
+          <a:endParaRPr lang="en-US" sz="1500" kern="1200" dirty="0"/>
+        </a:p>
+      </dsp:txBody>
+      <dsp:txXfrm>
+        <a:off x="3482131" y="173"/>
+        <a:ext cx="3094136" cy="1856482"/>
+      </dsp:txXfrm>
+    </dsp:sp>
+    <dsp:sp modelId="{D523628B-FA4F-4BD9-9A6D-CB1C8CD4B1B0}">
+      <dsp:nvSpPr>
+        <dsp:cNvPr id="0" name=""/>
+        <dsp:cNvSpPr/>
+      </dsp:nvSpPr>
+      <dsp:spPr>
+        <a:xfrm>
+          <a:off x="6885682" y="173"/>
+          <a:ext cx="3094136" cy="1856482"/>
+        </a:xfrm>
+        <a:prstGeom prst="rect">
+          <a:avLst/>
+        </a:prstGeom>
+        <a:solidFill>
+          <a:schemeClr val="accent1">
+            <a:hueOff val="0"/>
+            <a:satOff val="0"/>
+            <a:lumOff val="0"/>
+            <a:alphaOff val="0"/>
+          </a:schemeClr>
+        </a:solidFill>
+        <a:ln w="15875" cap="flat" cmpd="sng" algn="ctr">
+          <a:solidFill>
+            <a:schemeClr val="lt1">
+              <a:hueOff val="0"/>
+              <a:satOff val="0"/>
+              <a:lumOff val="0"/>
+              <a:alphaOff val="0"/>
+            </a:schemeClr>
+          </a:solidFill>
+          <a:prstDash val="solid"/>
+        </a:ln>
+        <a:effectLst/>
+      </dsp:spPr>
+      <dsp:style>
+        <a:lnRef idx="2">
+          <a:scrgbClr r="0" g="0" b="0"/>
+        </a:lnRef>
+        <a:fillRef idx="1">
+          <a:scrgbClr r="0" g="0" b="0"/>
+        </a:fillRef>
+        <a:effectRef idx="0">
+          <a:scrgbClr r="0" g="0" b="0"/>
+        </a:effectRef>
+        <a:fontRef idx="minor">
+          <a:schemeClr val="lt1"/>
+        </a:fontRef>
+      </dsp:style>
+      <dsp:txBody>
+        <a:bodyPr spcFirstLastPara="0" vert="horz" wrap="square" lIns="57150" tIns="57150" rIns="57150" bIns="57150" numCol="1" spcCol="1270" anchor="ctr" anchorCtr="0">
+          <a:noAutofit/>
+        </a:bodyPr>
+        <a:lstStyle/>
+        <a:p>
+          <a:pPr marL="0" lvl="0" indent="0" algn="ctr" defTabSz="666750">
+            <a:lnSpc>
+              <a:spcPct val="90000"/>
+            </a:lnSpc>
+            <a:spcBef>
+              <a:spcPct val="0"/>
+            </a:spcBef>
+            <a:spcAft>
+              <a:spcPct val="35000"/>
+            </a:spcAft>
+            <a:buNone/>
+          </a:pPr>
+          <a:r>
+            <a:rPr lang="de-DE" sz="1500" kern="1200" dirty="0"/>
+            <a:t>5.3: Als Qualitätsmanager möchte ich für die Integrationstests einen definierten Startzustand mit bestehenden Daten herstellen können, um auch komplexe Testszenarien abbilden zu können (</a:t>
+          </a:r>
+          <a:r>
+            <a:rPr lang="de-DE" sz="1500" kern="1200" dirty="0">
+              <a:sym typeface="Wingdings" panose="05000000000000000000" pitchFamily="2" charset="2"/>
+            </a:rPr>
+            <a:t> Spring Boot Test mit Datenbank)</a:t>
+          </a:r>
+          <a:endParaRPr lang="en-US" sz="1500" kern="1200" dirty="0"/>
+        </a:p>
+      </dsp:txBody>
+      <dsp:txXfrm>
+        <a:off x="6885682" y="173"/>
+        <a:ext cx="3094136" cy="1856482"/>
+      </dsp:txXfrm>
+    </dsp:sp>
+    <dsp:sp modelId="{1E4D8BA6-7ECD-437F-82E1-2680F85C2CC9}">
+      <dsp:nvSpPr>
+        <dsp:cNvPr id="0" name=""/>
+        <dsp:cNvSpPr/>
+      </dsp:nvSpPr>
+      <dsp:spPr>
+        <a:xfrm>
+          <a:off x="3482131" y="2166069"/>
+          <a:ext cx="3094136" cy="1856482"/>
+        </a:xfrm>
+        <a:prstGeom prst="rect">
+          <a:avLst/>
+        </a:prstGeom>
+        <a:solidFill>
+          <a:schemeClr val="accent1">
+            <a:hueOff val="0"/>
+            <a:satOff val="0"/>
+            <a:lumOff val="0"/>
+            <a:alphaOff val="0"/>
+          </a:schemeClr>
+        </a:solidFill>
+        <a:ln w="15875" cap="flat" cmpd="sng" algn="ctr">
+          <a:solidFill>
+            <a:schemeClr val="lt1">
+              <a:hueOff val="0"/>
+              <a:satOff val="0"/>
+              <a:lumOff val="0"/>
+              <a:alphaOff val="0"/>
+            </a:schemeClr>
+          </a:solidFill>
+          <a:prstDash val="solid"/>
+        </a:ln>
+        <a:effectLst/>
+      </dsp:spPr>
+      <dsp:style>
+        <a:lnRef idx="2">
+          <a:scrgbClr r="0" g="0" b="0"/>
+        </a:lnRef>
+        <a:fillRef idx="1">
+          <a:scrgbClr r="0" g="0" b="0"/>
+        </a:fillRef>
+        <a:effectRef idx="0">
+          <a:scrgbClr r="0" g="0" b="0"/>
+        </a:effectRef>
+        <a:fontRef idx="minor">
+          <a:schemeClr val="lt1"/>
+        </a:fontRef>
+      </dsp:style>
+      <dsp:txBody>
+        <a:bodyPr spcFirstLastPara="0" vert="horz" wrap="square" lIns="57150" tIns="57150" rIns="57150" bIns="57150" numCol="1" spcCol="1270" anchor="ctr" anchorCtr="0">
+          <a:noAutofit/>
+        </a:bodyPr>
+        <a:lstStyle/>
+        <a:p>
+          <a:pPr marL="0" lvl="0" indent="0" algn="ctr" defTabSz="666750">
+            <a:lnSpc>
+              <a:spcPct val="90000"/>
+            </a:lnSpc>
+            <a:spcBef>
+              <a:spcPct val="0"/>
+            </a:spcBef>
+            <a:spcAft>
+              <a:spcPct val="35000"/>
+            </a:spcAft>
+            <a:buNone/>
+          </a:pPr>
+          <a:r>
+            <a:rPr lang="de-DE" sz="1500" kern="1200" dirty="0"/>
+            <a:t>5.4: Als Systemadministrator möchte ich direkten Zugriff auf die Datenbank erhalten, um Probleme mit der Anwendung korrekt identifizieren zu können. (</a:t>
+          </a:r>
+          <a:r>
+            <a:rPr lang="de-DE" sz="1500" kern="1200" dirty="0">
+              <a:sym typeface="Wingdings" panose="05000000000000000000" pitchFamily="2" charset="2"/>
+            </a:rPr>
+            <a:t> H2 TCP, </a:t>
+          </a:r>
+          <a:r>
+            <a:rPr lang="de-DE" sz="1500" kern="1200" dirty="0" err="1">
+              <a:sym typeface="Wingdings" panose="05000000000000000000" pitchFamily="2" charset="2"/>
+            </a:rPr>
+            <a:t>IntelliJ</a:t>
+          </a:r>
+          <a:r>
+            <a:rPr lang="de-DE" sz="1500" kern="1200" dirty="0">
+              <a:sym typeface="Wingdings" panose="05000000000000000000" pitchFamily="2" charset="2"/>
+            </a:rPr>
+            <a:t> Database View)</a:t>
+          </a:r>
+          <a:endParaRPr lang="en-US" sz="1500" kern="1200" dirty="0"/>
+        </a:p>
+      </dsp:txBody>
+      <dsp:txXfrm>
+        <a:off x="3482131" y="2166069"/>
+        <a:ext cx="3094136" cy="1856482"/>
+      </dsp:txXfrm>
+    </dsp:sp>
+  </dsp:spTree>
+</dsp:drawing>
+</file>
+
 <file path=ppt/diagrams/layout1.xml><?xml version="1.0" encoding="utf-8"?>
 <dgm:layoutDef xmlns:dgm="http://schemas.openxmlformats.org/drawingml/2006/diagram" xmlns:a="http://schemas.openxmlformats.org/drawingml/2006/main" uniqueId="urn:microsoft.com/office/officeart/2005/8/layout/default">
   <dgm:title val=""/>
@@ -7898,6 +9308,153 @@
 </dgm:layoutDef>
 </file>
 
+<file path=ppt/diagrams/layout5.xml><?xml version="1.0" encoding="utf-8"?>
+<dgm:layoutDef xmlns:dgm="http://schemas.openxmlformats.org/drawingml/2006/diagram" xmlns:a="http://schemas.openxmlformats.org/drawingml/2006/main" uniqueId="urn:microsoft.com/office/officeart/2005/8/layout/default">
+  <dgm:title val=""/>
+  <dgm:desc val=""/>
+  <dgm:catLst>
+    <dgm:cat type="list" pri="400"/>
+  </dgm:catLst>
+  <dgm:sampData>
+    <dgm:dataModel>
+      <dgm:ptLst>
+        <dgm:pt modelId="0" type="doc"/>
+        <dgm:pt modelId="1">
+          <dgm:prSet phldr="1"/>
+        </dgm:pt>
+        <dgm:pt modelId="2">
+          <dgm:prSet phldr="1"/>
+        </dgm:pt>
+        <dgm:pt modelId="3">
+          <dgm:prSet phldr="1"/>
+        </dgm:pt>
+        <dgm:pt modelId="4">
+          <dgm:prSet phldr="1"/>
+        </dgm:pt>
+        <dgm:pt modelId="5">
+          <dgm:prSet phldr="1"/>
+        </dgm:pt>
+      </dgm:ptLst>
+      <dgm:cxnLst>
+        <dgm:cxn modelId="6" srcId="0" destId="1" srcOrd="0" destOrd="0"/>
+        <dgm:cxn modelId="7" srcId="0" destId="2" srcOrd="1" destOrd="0"/>
+        <dgm:cxn modelId="8" srcId="0" destId="3" srcOrd="2" destOrd="0"/>
+        <dgm:cxn modelId="9" srcId="0" destId="4" srcOrd="3" destOrd="0"/>
+        <dgm:cxn modelId="10" srcId="0" destId="5" srcOrd="4" destOrd="0"/>
+      </dgm:cxnLst>
+      <dgm:bg/>
+      <dgm:whole/>
+    </dgm:dataModel>
+  </dgm:sampData>
+  <dgm:styleData>
+    <dgm:dataModel>
+      <dgm:ptLst>
+        <dgm:pt modelId="0" type="doc"/>
+        <dgm:pt modelId="1"/>
+        <dgm:pt modelId="2"/>
+      </dgm:ptLst>
+      <dgm:cxnLst>
+        <dgm:cxn modelId="3" srcId="0" destId="1" srcOrd="0" destOrd="0"/>
+        <dgm:cxn modelId="4" srcId="0" destId="2" srcOrd="1" destOrd="0"/>
+      </dgm:cxnLst>
+      <dgm:bg/>
+      <dgm:whole/>
+    </dgm:dataModel>
+  </dgm:styleData>
+  <dgm:clrData>
+    <dgm:dataModel>
+      <dgm:ptLst>
+        <dgm:pt modelId="0" type="doc"/>
+        <dgm:pt modelId="1"/>
+        <dgm:pt modelId="2"/>
+        <dgm:pt modelId="3"/>
+        <dgm:pt modelId="4"/>
+        <dgm:pt modelId="5"/>
+        <dgm:pt modelId="6"/>
+      </dgm:ptLst>
+      <dgm:cxnLst>
+        <dgm:cxn modelId="7" srcId="0" destId="1" srcOrd="0" destOrd="0"/>
+        <dgm:cxn modelId="8" srcId="0" destId="2" srcOrd="1" destOrd="0"/>
+        <dgm:cxn modelId="9" srcId="0" destId="3" srcOrd="2" destOrd="0"/>
+        <dgm:cxn modelId="10" srcId="0" destId="4" srcOrd="3" destOrd="0"/>
+        <dgm:cxn modelId="11" srcId="0" destId="5" srcOrd="4" destOrd="0"/>
+        <dgm:cxn modelId="12" srcId="0" destId="6" srcOrd="5" destOrd="0"/>
+      </dgm:cxnLst>
+      <dgm:bg/>
+      <dgm:whole/>
+    </dgm:dataModel>
+  </dgm:clrData>
+  <dgm:layoutNode name="diagram">
+    <dgm:varLst>
+      <dgm:dir/>
+      <dgm:resizeHandles val="exact"/>
+    </dgm:varLst>
+    <dgm:choose name="Name0">
+      <dgm:if name="Name1" func="var" arg="dir" op="equ" val="norm">
+        <dgm:alg type="snake">
+          <dgm:param type="grDir" val="tL"/>
+          <dgm:param type="flowDir" val="row"/>
+          <dgm:param type="contDir" val="sameDir"/>
+          <dgm:param type="off" val="ctr"/>
+        </dgm:alg>
+      </dgm:if>
+      <dgm:else name="Name2">
+        <dgm:alg type="snake">
+          <dgm:param type="grDir" val="tR"/>
+          <dgm:param type="flowDir" val="row"/>
+          <dgm:param type="contDir" val="sameDir"/>
+          <dgm:param type="off" val="ctr"/>
+        </dgm:alg>
+      </dgm:else>
+    </dgm:choose>
+    <dgm:shape xmlns:r="http://schemas.openxmlformats.org/officeDocument/2006/relationships" r:blip="">
+      <dgm:adjLst/>
+    </dgm:shape>
+    <dgm:presOf/>
+    <dgm:constrLst>
+      <dgm:constr type="w" for="ch" forName="node" refType="w"/>
+      <dgm:constr type="h" for="ch" forName="node" refType="w" refFor="ch" refForName="node" fact="0.6"/>
+      <dgm:constr type="w" for="ch" forName="sibTrans" refType="w" refFor="ch" refForName="node" fact="0.1"/>
+      <dgm:constr type="sp" refType="w" refFor="ch" refForName="sibTrans"/>
+      <dgm:constr type="primFontSz" for="ch" forName="node" op="equ" val="65"/>
+    </dgm:constrLst>
+    <dgm:ruleLst/>
+    <dgm:forEach name="Name3" axis="ch" ptType="node">
+      <dgm:layoutNode name="node">
+        <dgm:varLst>
+          <dgm:bulletEnabled val="1"/>
+        </dgm:varLst>
+        <dgm:alg type="tx"/>
+        <dgm:shape xmlns:r="http://schemas.openxmlformats.org/officeDocument/2006/relationships" type="rect" r:blip="">
+          <dgm:adjLst/>
+        </dgm:shape>
+        <dgm:presOf axis="desOrSelf" ptType="node"/>
+        <dgm:constrLst>
+          <dgm:constr type="lMarg" refType="primFontSz" fact="0.3"/>
+          <dgm:constr type="rMarg" refType="primFontSz" fact="0.3"/>
+          <dgm:constr type="tMarg" refType="primFontSz" fact="0.3"/>
+          <dgm:constr type="bMarg" refType="primFontSz" fact="0.3"/>
+        </dgm:constrLst>
+        <dgm:ruleLst>
+          <dgm:rule type="primFontSz" val="5" fact="NaN" max="NaN"/>
+        </dgm:ruleLst>
+      </dgm:layoutNode>
+      <dgm:forEach name="Name4" axis="followSib" ptType="sibTrans" cnt="1">
+        <dgm:layoutNode name="sibTrans">
+          <dgm:alg type="sp"/>
+          <dgm:shape xmlns:r="http://schemas.openxmlformats.org/officeDocument/2006/relationships" r:blip="">
+            <dgm:adjLst/>
+          </dgm:shape>
+          <dgm:presOf/>
+          <dgm:constrLst/>
+          <dgm:ruleLst/>
+        </dgm:layoutNode>
+      </dgm:forEach>
+    </dgm:forEach>
+  </dgm:layoutNode>
+</dgm:layoutDef>
+</file>
+
 <file path=ppt/diagrams/quickStyle1.xml><?xml version="1.0" encoding="utf-8"?>
 <dgm:styleDef xmlns:dgm="http://schemas.openxmlformats.org/drawingml/2006/diagram" xmlns:a="http://schemas.openxmlformats.org/drawingml/2006/main" uniqueId="urn:microsoft.com/office/officeart/2005/8/quickstyle/simple1">
   <dgm:title val=""/>
@@ -11001,6 +12558,1040 @@
 </file>
 
 <file path=ppt/diagrams/quickStyle4.xml><?xml version="1.0" encoding="utf-8"?>
+<dgm:styleDef xmlns:dgm="http://schemas.openxmlformats.org/drawingml/2006/diagram" xmlns:a="http://schemas.openxmlformats.org/drawingml/2006/main" uniqueId="urn:microsoft.com/office/officeart/2005/8/quickstyle/simple1">
+  <dgm:title val=""/>
+  <dgm:desc val=""/>
+  <dgm:catLst>
+    <dgm:cat type="simple" pri="10100"/>
+  </dgm:catLst>
+  <dgm:scene3d>
+    <a:camera prst="orthographicFront"/>
+    <a:lightRig rig="threePt" dir="t"/>
+  </dgm:scene3d>
+  <dgm:styleLbl name="node0">
+    <dgm:scene3d>
+      <a:camera prst="orthographicFront"/>
+      <a:lightRig rig="threePt" dir="t"/>
+    </dgm:scene3d>
+    <dgm:sp3d/>
+    <dgm:txPr/>
+    <dgm:style>
+      <a:lnRef idx="2">
+        <a:scrgbClr r="0" g="0" b="0"/>
+      </a:lnRef>
+      <a:fillRef idx="1">
+        <a:scrgbClr r="0" g="0" b="0"/>
+      </a:fillRef>
+      <a:effectRef idx="0">
+        <a:scrgbClr r="0" g="0" b="0"/>
+      </a:effectRef>
+      <a:fontRef idx="minor">
+        <a:schemeClr val="lt1"/>
+      </a:fontRef>
+    </dgm:style>
+  </dgm:styleLbl>
+  <dgm:styleLbl name="lnNode1">
+    <dgm:scene3d>
+      <a:camera prst="orthographicFront"/>
+      <a:lightRig rig="threePt" dir="t"/>
+    </dgm:scene3d>
+    <dgm:sp3d/>
+    <dgm:txPr/>
+    <dgm:style>
+      <a:lnRef idx="2">
+        <a:scrgbClr r="0" g="0" b="0"/>
+      </a:lnRef>
+      <a:fillRef idx="1">
+        <a:scrgbClr r="0" g="0" b="0"/>
+      </a:fillRef>
+      <a:effectRef idx="0">
+        <a:scrgbClr r="0" g="0" b="0"/>
+      </a:effectRef>
+      <a:fontRef idx="minor">
+        <a:schemeClr val="lt1"/>
+      </a:fontRef>
+    </dgm:style>
+  </dgm:styleLbl>
+  <dgm:styleLbl name="vennNode1">
+    <dgm:scene3d>
+      <a:camera prst="orthographicFront"/>
+      <a:lightRig rig="threePt" dir="t"/>
+    </dgm:scene3d>
+    <dgm:sp3d/>
+    <dgm:txPr/>
+    <dgm:style>
+      <a:lnRef idx="2">
+        <a:scrgbClr r="0" g="0" b="0"/>
+      </a:lnRef>
+      <a:fillRef idx="1">
+        <a:scrgbClr r="0" g="0" b="0"/>
+      </a:fillRef>
+      <a:effectRef idx="0">
+        <a:scrgbClr r="0" g="0" b="0"/>
+      </a:effectRef>
+      <a:fontRef idx="minor">
+        <a:schemeClr val="tx1"/>
+      </a:fontRef>
+    </dgm:style>
+  </dgm:styleLbl>
+  <dgm:styleLbl name="alignNode1">
+    <dgm:scene3d>
+      <a:camera prst="orthographicFront"/>
+      <a:lightRig rig="threePt" dir="t"/>
+    </dgm:scene3d>
+    <dgm:sp3d/>
+    <dgm:txPr/>
+    <dgm:style>
+      <a:lnRef idx="2">
+        <a:scrgbClr r="0" g="0" b="0"/>
+      </a:lnRef>
+      <a:fillRef idx="1">
+        <a:scrgbClr r="0" g="0" b="0"/>
+      </a:fillRef>
+      <a:effectRef idx="0">
+        <a:scrgbClr r="0" g="0" b="0"/>
+      </a:effectRef>
+      <a:fontRef idx="minor">
+        <a:schemeClr val="lt1"/>
+      </a:fontRef>
+    </dgm:style>
+  </dgm:styleLbl>
+  <dgm:styleLbl name="node1">
+    <dgm:scene3d>
+      <a:camera prst="orthographicFront"/>
+      <a:lightRig rig="threePt" dir="t"/>
+    </dgm:scene3d>
+    <dgm:sp3d/>
+    <dgm:txPr/>
+    <dgm:style>
+      <a:lnRef idx="2">
+        <a:scrgbClr r="0" g="0" b="0"/>
+      </a:lnRef>
+      <a:fillRef idx="1">
+        <a:scrgbClr r="0" g="0" b="0"/>
+      </a:fillRef>
+      <a:effectRef idx="0">
+        <a:scrgbClr r="0" g="0" b="0"/>
+      </a:effectRef>
+      <a:fontRef idx="minor">
+        <a:schemeClr val="lt1"/>
+      </a:fontRef>
+    </dgm:style>
+  </dgm:styleLbl>
+  <dgm:styleLbl name="node2">
+    <dgm:scene3d>
+      <a:camera prst="orthographicFront"/>
+      <a:lightRig rig="threePt" dir="t"/>
+    </dgm:scene3d>
+    <dgm:sp3d/>
+    <dgm:txPr/>
+    <dgm:style>
+      <a:lnRef idx="2">
+        <a:scrgbClr r="0" g="0" b="0"/>
+      </a:lnRef>
+      <a:fillRef idx="1">
+        <a:scrgbClr r="0" g="0" b="0"/>
+      </a:fillRef>
+      <a:effectRef idx="0">
+        <a:scrgbClr r="0" g="0" b="0"/>
+      </a:effectRef>
+      <a:fontRef idx="minor">
+        <a:schemeClr val="lt1"/>
+      </a:fontRef>
+    </dgm:style>
+  </dgm:styleLbl>
+  <dgm:styleLbl name="node3">
+    <dgm:scene3d>
+      <a:camera prst="orthographicFront"/>
+      <a:lightRig rig="threePt" dir="t"/>
+    </dgm:scene3d>
+    <dgm:sp3d/>
+    <dgm:txPr/>
+    <dgm:style>
+      <a:lnRef idx="2">
+        <a:scrgbClr r="0" g="0" b="0"/>
+      </a:lnRef>
+      <a:fillRef idx="1">
+        <a:scrgbClr r="0" g="0" b="0"/>
+      </a:fillRef>
+      <a:effectRef idx="0">
+        <a:scrgbClr r="0" g="0" b="0"/>
+      </a:effectRef>
+      <a:fontRef idx="minor">
+        <a:schemeClr val="lt1"/>
+      </a:fontRef>
+    </dgm:style>
+  </dgm:styleLbl>
+  <dgm:styleLbl name="node4">
+    <dgm:scene3d>
+      <a:camera prst="orthographicFront"/>
+      <a:lightRig rig="threePt" dir="t"/>
+    </dgm:scene3d>
+    <dgm:sp3d/>
+    <dgm:txPr/>
+    <dgm:style>
+      <a:lnRef idx="2">
+        <a:scrgbClr r="0" g="0" b="0"/>
+      </a:lnRef>
+      <a:fillRef idx="1">
+        <a:scrgbClr r="0" g="0" b="0"/>
+      </a:fillRef>
+      <a:effectRef idx="0">
+        <a:scrgbClr r="0" g="0" b="0"/>
+      </a:effectRef>
+      <a:fontRef idx="minor">
+        <a:schemeClr val="lt1"/>
+      </a:fontRef>
+    </dgm:style>
+  </dgm:styleLbl>
+  <dgm:styleLbl name="fgImgPlace1">
+    <dgm:scene3d>
+      <a:camera prst="orthographicFront"/>
+      <a:lightRig rig="threePt" dir="t"/>
+    </dgm:scene3d>
+    <dgm:sp3d/>
+    <dgm:txPr/>
+    <dgm:style>
+      <a:lnRef idx="2">
+        <a:scrgbClr r="0" g="0" b="0"/>
+      </a:lnRef>
+      <a:fillRef idx="1">
+        <a:scrgbClr r="0" g="0" b="0"/>
+      </a:fillRef>
+      <a:effectRef idx="0">
+        <a:scrgbClr r="0" g="0" b="0"/>
+      </a:effectRef>
+      <a:fontRef idx="minor"/>
+    </dgm:style>
+  </dgm:styleLbl>
+  <dgm:styleLbl name="alignImgPlace1">
+    <dgm:scene3d>
+      <a:camera prst="orthographicFront"/>
+      <a:lightRig rig="threePt" dir="t"/>
+    </dgm:scene3d>
+    <dgm:sp3d/>
+    <dgm:txPr/>
+    <dgm:style>
+      <a:lnRef idx="2">
+        <a:scrgbClr r="0" g="0" b="0"/>
+      </a:lnRef>
+      <a:fillRef idx="1">
+        <a:scrgbClr r="0" g="0" b="0"/>
+      </a:fillRef>
+      <a:effectRef idx="0">
+        <a:scrgbClr r="0" g="0" b="0"/>
+      </a:effectRef>
+      <a:fontRef idx="minor"/>
+    </dgm:style>
+  </dgm:styleLbl>
+  <dgm:styleLbl name="bgImgPlace1">
+    <dgm:scene3d>
+      <a:camera prst="orthographicFront"/>
+      <a:lightRig rig="threePt" dir="t"/>
+    </dgm:scene3d>
+    <dgm:sp3d/>
+    <dgm:txPr/>
+    <dgm:style>
+      <a:lnRef idx="2">
+        <a:scrgbClr r="0" g="0" b="0"/>
+      </a:lnRef>
+      <a:fillRef idx="1">
+        <a:scrgbClr r="0" g="0" b="0"/>
+      </a:fillRef>
+      <a:effectRef idx="0">
+        <a:scrgbClr r="0" g="0" b="0"/>
+      </a:effectRef>
+      <a:fontRef idx="minor"/>
+    </dgm:style>
+  </dgm:styleLbl>
+  <dgm:styleLbl name="sibTrans2D1">
+    <dgm:scene3d>
+      <a:camera prst="orthographicFront"/>
+      <a:lightRig rig="threePt" dir="t"/>
+    </dgm:scene3d>
+    <dgm:sp3d/>
+    <dgm:txPr/>
+    <dgm:style>
+      <a:lnRef idx="0">
+        <a:scrgbClr r="0" g="0" b="0"/>
+      </a:lnRef>
+      <a:fillRef idx="1">
+        <a:scrgbClr r="0" g="0" b="0"/>
+      </a:fillRef>
+      <a:effectRef idx="0">
+        <a:scrgbClr r="0" g="0" b="0"/>
+      </a:effectRef>
+      <a:fontRef idx="minor">
+        <a:schemeClr val="lt1"/>
+      </a:fontRef>
+    </dgm:style>
+  </dgm:styleLbl>
+  <dgm:styleLbl name="fgSibTrans2D1">
+    <dgm:scene3d>
+      <a:camera prst="orthographicFront"/>
+      <a:lightRig rig="threePt" dir="t"/>
+    </dgm:scene3d>
+    <dgm:sp3d/>
+    <dgm:txPr/>
+    <dgm:style>
+      <a:lnRef idx="0">
+        <a:scrgbClr r="0" g="0" b="0"/>
+      </a:lnRef>
+      <a:fillRef idx="1">
+        <a:scrgbClr r="0" g="0" b="0"/>
+      </a:fillRef>
+      <a:effectRef idx="0">
+        <a:scrgbClr r="0" g="0" b="0"/>
+      </a:effectRef>
+      <a:fontRef idx="minor">
+        <a:schemeClr val="lt1"/>
+      </a:fontRef>
+    </dgm:style>
+  </dgm:styleLbl>
+  <dgm:styleLbl name="bgSibTrans2D1">
+    <dgm:scene3d>
+      <a:camera prst="orthographicFront"/>
+      <a:lightRig rig="threePt" dir="t"/>
+    </dgm:scene3d>
+    <dgm:sp3d/>
+    <dgm:txPr/>
+    <dgm:style>
+      <a:lnRef idx="0">
+        <a:scrgbClr r="0" g="0" b="0"/>
+      </a:lnRef>
+      <a:fillRef idx="1">
+        <a:scrgbClr r="0" g="0" b="0"/>
+      </a:fillRef>
+      <a:effectRef idx="0">
+        <a:scrgbClr r="0" g="0" b="0"/>
+      </a:effectRef>
+      <a:fontRef idx="minor">
+        <a:schemeClr val="lt1"/>
+      </a:fontRef>
+    </dgm:style>
+  </dgm:styleLbl>
+  <dgm:styleLbl name="sibTrans1D1">
+    <dgm:scene3d>
+      <a:camera prst="orthographicFront"/>
+      <a:lightRig rig="threePt" dir="t"/>
+    </dgm:scene3d>
+    <dgm:sp3d/>
+    <dgm:txPr/>
+    <dgm:style>
+      <a:lnRef idx="1">
+        <a:scrgbClr r="0" g="0" b="0"/>
+      </a:lnRef>
+      <a:fillRef idx="0">
+        <a:scrgbClr r="0" g="0" b="0"/>
+      </a:fillRef>
+      <a:effectRef idx="0">
+        <a:scrgbClr r="0" g="0" b="0"/>
+      </a:effectRef>
+      <a:fontRef idx="minor"/>
+    </dgm:style>
+  </dgm:styleLbl>
+  <dgm:styleLbl name="callout">
+    <dgm:scene3d>
+      <a:camera prst="orthographicFront"/>
+      <a:lightRig rig="threePt" dir="t"/>
+    </dgm:scene3d>
+    <dgm:sp3d/>
+    <dgm:txPr/>
+    <dgm:style>
+      <a:lnRef idx="2">
+        <a:scrgbClr r="0" g="0" b="0"/>
+      </a:lnRef>
+      <a:fillRef idx="1">
+        <a:scrgbClr r="0" g="0" b="0"/>
+      </a:fillRef>
+      <a:effectRef idx="0">
+        <a:scrgbClr r="0" g="0" b="0"/>
+      </a:effectRef>
+      <a:fontRef idx="minor"/>
+    </dgm:style>
+  </dgm:styleLbl>
+  <dgm:styleLbl name="asst0">
+    <dgm:scene3d>
+      <a:camera prst="orthographicFront"/>
+      <a:lightRig rig="threePt" dir="t"/>
+    </dgm:scene3d>
+    <dgm:sp3d/>
+    <dgm:txPr/>
+    <dgm:style>
+      <a:lnRef idx="2">
+        <a:scrgbClr r="0" g="0" b="0"/>
+      </a:lnRef>
+      <a:fillRef idx="1">
+        <a:scrgbClr r="0" g="0" b="0"/>
+      </a:fillRef>
+      <a:effectRef idx="0">
+        <a:scrgbClr r="0" g="0" b="0"/>
+      </a:effectRef>
+      <a:fontRef idx="minor">
+        <a:schemeClr val="lt1"/>
+      </a:fontRef>
+    </dgm:style>
+  </dgm:styleLbl>
+  <dgm:styleLbl name="asst1">
+    <dgm:scene3d>
+      <a:camera prst="orthographicFront"/>
+      <a:lightRig rig="threePt" dir="t"/>
+    </dgm:scene3d>
+    <dgm:sp3d/>
+    <dgm:txPr/>
+    <dgm:style>
+      <a:lnRef idx="2">
+        <a:scrgbClr r="0" g="0" b="0"/>
+      </a:lnRef>
+      <a:fillRef idx="1">
+        <a:scrgbClr r="0" g="0" b="0"/>
+      </a:fillRef>
+      <a:effectRef idx="0">
+        <a:scrgbClr r="0" g="0" b="0"/>
+      </a:effectRef>
+      <a:fontRef idx="minor">
+        <a:schemeClr val="lt1"/>
+      </a:fontRef>
+    </dgm:style>
+  </dgm:styleLbl>
+  <dgm:styleLbl name="asst2">
+    <dgm:scene3d>
+      <a:camera prst="orthographicFront"/>
+      <a:lightRig rig="threePt" dir="t"/>
+    </dgm:scene3d>
+    <dgm:sp3d/>
+    <dgm:txPr/>
+    <dgm:style>
+      <a:lnRef idx="2">
+        <a:scrgbClr r="0" g="0" b="0"/>
+      </a:lnRef>
+      <a:fillRef idx="1">
+        <a:scrgbClr r="0" g="0" b="0"/>
+      </a:fillRef>
+      <a:effectRef idx="0">
+        <a:scrgbClr r="0" g="0" b="0"/>
+      </a:effectRef>
+      <a:fontRef idx="minor">
+        <a:schemeClr val="lt1"/>
+      </a:fontRef>
+    </dgm:style>
+  </dgm:styleLbl>
+  <dgm:styleLbl name="asst3">
+    <dgm:scene3d>
+      <a:camera prst="orthographicFront"/>
+      <a:lightRig rig="threePt" dir="t"/>
+    </dgm:scene3d>
+    <dgm:sp3d/>
+    <dgm:txPr/>
+    <dgm:style>
+      <a:lnRef idx="2">
+        <a:scrgbClr r="0" g="0" b="0"/>
+      </a:lnRef>
+      <a:fillRef idx="1">
+        <a:scrgbClr r="0" g="0" b="0"/>
+      </a:fillRef>
+      <a:effectRef idx="0">
+        <a:scrgbClr r="0" g="0" b="0"/>
+      </a:effectRef>
+      <a:fontRef idx="minor">
+        <a:schemeClr val="lt1"/>
+      </a:fontRef>
+    </dgm:style>
+  </dgm:styleLbl>
+  <dgm:styleLbl name="asst4">
+    <dgm:scene3d>
+      <a:camera prst="orthographicFront"/>
+      <a:lightRig rig="threePt" dir="t"/>
+    </dgm:scene3d>
+    <dgm:sp3d/>
+    <dgm:txPr/>
+    <dgm:style>
+      <a:lnRef idx="2">
+        <a:scrgbClr r="0" g="0" b="0"/>
+      </a:lnRef>
+      <a:fillRef idx="1">
+        <a:scrgbClr r="0" g="0" b="0"/>
+      </a:fillRef>
+      <a:effectRef idx="0">
+        <a:scrgbClr r="0" g="0" b="0"/>
+      </a:effectRef>
+      <a:fontRef idx="minor">
+        <a:schemeClr val="lt1"/>
+      </a:fontRef>
+    </dgm:style>
+  </dgm:styleLbl>
+  <dgm:styleLbl name="parChTrans2D1">
+    <dgm:scene3d>
+      <a:camera prst="orthographicFront"/>
+      <a:lightRig rig="threePt" dir="t"/>
+    </dgm:scene3d>
+    <dgm:sp3d/>
+    <dgm:txPr/>
+    <dgm:style>
+      <a:lnRef idx="2">
+        <a:scrgbClr r="0" g="0" b="0"/>
+      </a:lnRef>
+      <a:fillRef idx="1">
+        <a:scrgbClr r="0" g="0" b="0"/>
+      </a:fillRef>
+      <a:effectRef idx="0">
+        <a:scrgbClr r="0" g="0" b="0"/>
+      </a:effectRef>
+      <a:fontRef idx="minor">
+        <a:schemeClr val="lt1"/>
+      </a:fontRef>
+    </dgm:style>
+  </dgm:styleLbl>
+  <dgm:styleLbl name="parChTrans2D2">
+    <dgm:scene3d>
+      <a:camera prst="orthographicFront"/>
+      <a:lightRig rig="threePt" dir="t"/>
+    </dgm:scene3d>
+    <dgm:sp3d/>
+    <dgm:txPr/>
+    <dgm:style>
+      <a:lnRef idx="2">
+        <a:scrgbClr r="0" g="0" b="0"/>
+      </a:lnRef>
+      <a:fillRef idx="1">
+        <a:scrgbClr r="0" g="0" b="0"/>
+      </a:fillRef>
+      <a:effectRef idx="0">
+        <a:scrgbClr r="0" g="0" b="0"/>
+      </a:effectRef>
+      <a:fontRef idx="minor">
+        <a:schemeClr val="lt1"/>
+      </a:fontRef>
+    </dgm:style>
+  </dgm:styleLbl>
+  <dgm:styleLbl name="parChTrans2D3">
+    <dgm:scene3d>
+      <a:camera prst="orthographicFront"/>
+      <a:lightRig rig="threePt" dir="t"/>
+    </dgm:scene3d>
+    <dgm:sp3d/>
+    <dgm:txPr/>
+    <dgm:style>
+      <a:lnRef idx="2">
+        <a:scrgbClr r="0" g="0" b="0"/>
+      </a:lnRef>
+      <a:fillRef idx="1">
+        <a:scrgbClr r="0" g="0" b="0"/>
+      </a:fillRef>
+      <a:effectRef idx="0">
+        <a:scrgbClr r="0" g="0" b="0"/>
+      </a:effectRef>
+      <a:fontRef idx="minor">
+        <a:schemeClr val="lt1"/>
+      </a:fontRef>
+    </dgm:style>
+  </dgm:styleLbl>
+  <dgm:styleLbl name="parChTrans2D4">
+    <dgm:scene3d>
+      <a:camera prst="orthographicFront"/>
+      <a:lightRig rig="threePt" dir="t"/>
+    </dgm:scene3d>
+    <dgm:sp3d/>
+    <dgm:txPr/>
+    <dgm:style>
+      <a:lnRef idx="2">
+        <a:scrgbClr r="0" g="0" b="0"/>
+      </a:lnRef>
+      <a:fillRef idx="1">
+        <a:scrgbClr r="0" g="0" b="0"/>
+      </a:fillRef>
+      <a:effectRef idx="0">
+        <a:scrgbClr r="0" g="0" b="0"/>
+      </a:effectRef>
+      <a:fontRef idx="minor">
+        <a:schemeClr val="lt1"/>
+      </a:fontRef>
+    </dgm:style>
+  </dgm:styleLbl>
+  <dgm:styleLbl name="parChTrans1D1">
+    <dgm:scene3d>
+      <a:camera prst="orthographicFront"/>
+      <a:lightRig rig="threePt" dir="t"/>
+    </dgm:scene3d>
+    <dgm:sp3d/>
+    <dgm:txPr/>
+    <dgm:style>
+      <a:lnRef idx="2">
+        <a:scrgbClr r="0" g="0" b="0"/>
+      </a:lnRef>
+      <a:fillRef idx="0">
+        <a:scrgbClr r="0" g="0" b="0"/>
+      </a:fillRef>
+      <a:effectRef idx="0">
+        <a:scrgbClr r="0" g="0" b="0"/>
+      </a:effectRef>
+      <a:fontRef idx="minor"/>
+    </dgm:style>
+  </dgm:styleLbl>
+  <dgm:styleLbl name="parChTrans1D2">
+    <dgm:scene3d>
+      <a:camera prst="orthographicFront"/>
+      <a:lightRig rig="threePt" dir="t"/>
+    </dgm:scene3d>
+    <dgm:sp3d/>
+    <dgm:txPr/>
+    <dgm:style>
+      <a:lnRef idx="2">
+        <a:scrgbClr r="0" g="0" b="0"/>
+      </a:lnRef>
+      <a:fillRef idx="0">
+        <a:scrgbClr r="0" g="0" b="0"/>
+      </a:fillRef>
+      <a:effectRef idx="0">
+        <a:scrgbClr r="0" g="0" b="0"/>
+      </a:effectRef>
+      <a:fontRef idx="minor"/>
+    </dgm:style>
+  </dgm:styleLbl>
+  <dgm:styleLbl name="parChTrans1D3">
+    <dgm:scene3d>
+      <a:camera prst="orthographicFront"/>
+      <a:lightRig rig="threePt" dir="t"/>
+    </dgm:scene3d>
+    <dgm:sp3d/>
+    <dgm:txPr/>
+    <dgm:style>
+      <a:lnRef idx="2">
+        <a:scrgbClr r="0" g="0" b="0"/>
+      </a:lnRef>
+      <a:fillRef idx="0">
+        <a:scrgbClr r="0" g="0" b="0"/>
+      </a:fillRef>
+      <a:effectRef idx="0">
+        <a:scrgbClr r="0" g="0" b="0"/>
+      </a:effectRef>
+      <a:fontRef idx="minor"/>
+    </dgm:style>
+  </dgm:styleLbl>
+  <dgm:styleLbl name="parChTrans1D4">
+    <dgm:scene3d>
+      <a:camera prst="orthographicFront"/>
+      <a:lightRig rig="threePt" dir="t"/>
+    </dgm:scene3d>
+    <dgm:sp3d/>
+    <dgm:txPr/>
+    <dgm:style>
+      <a:lnRef idx="2">
+        <a:scrgbClr r="0" g="0" b="0"/>
+      </a:lnRef>
+      <a:fillRef idx="0">
+        <a:scrgbClr r="0" g="0" b="0"/>
+      </a:fillRef>
+      <a:effectRef idx="0">
+        <a:scrgbClr r="0" g="0" b="0"/>
+      </a:effectRef>
+      <a:fontRef idx="minor"/>
+    </dgm:style>
+  </dgm:styleLbl>
+  <dgm:styleLbl name="fgAcc1">
+    <dgm:scene3d>
+      <a:camera prst="orthographicFront"/>
+      <a:lightRig rig="threePt" dir="t"/>
+    </dgm:scene3d>
+    <dgm:sp3d/>
+    <dgm:txPr/>
+    <dgm:style>
+      <a:lnRef idx="2">
+        <a:scrgbClr r="0" g="0" b="0"/>
+      </a:lnRef>
+      <a:fillRef idx="1">
+        <a:scrgbClr r="0" g="0" b="0"/>
+      </a:fillRef>
+      <a:effectRef idx="0">
+        <a:scrgbClr r="0" g="0" b="0"/>
+      </a:effectRef>
+      <a:fontRef idx="minor"/>
+    </dgm:style>
+  </dgm:styleLbl>
+  <dgm:styleLbl name="conFgAcc1">
+    <dgm:scene3d>
+      <a:camera prst="orthographicFront"/>
+      <a:lightRig rig="threePt" dir="t"/>
+    </dgm:scene3d>
+    <dgm:sp3d/>
+    <dgm:txPr/>
+    <dgm:style>
+      <a:lnRef idx="2">
+        <a:scrgbClr r="0" g="0" b="0"/>
+      </a:lnRef>
+      <a:fillRef idx="1">
+        <a:scrgbClr r="0" g="0" b="0"/>
+      </a:fillRef>
+      <a:effectRef idx="0">
+        <a:scrgbClr r="0" g="0" b="0"/>
+      </a:effectRef>
+      <a:fontRef idx="minor"/>
+    </dgm:style>
+  </dgm:styleLbl>
+  <dgm:styleLbl name="alignAcc1">
+    <dgm:scene3d>
+      <a:camera prst="orthographicFront"/>
+      <a:lightRig rig="threePt" dir="t"/>
+    </dgm:scene3d>
+    <dgm:sp3d/>
+    <dgm:txPr/>
+    <dgm:style>
+      <a:lnRef idx="2">
+        <a:scrgbClr r="0" g="0" b="0"/>
+      </a:lnRef>
+      <a:fillRef idx="1">
+        <a:scrgbClr r="0" g="0" b="0"/>
+      </a:fillRef>
+      <a:effectRef idx="0">
+        <a:scrgbClr r="0" g="0" b="0"/>
+      </a:effectRef>
+      <a:fontRef idx="minor"/>
+    </dgm:style>
+  </dgm:styleLbl>
+  <dgm:styleLbl name="trAlignAcc1">
+    <dgm:scene3d>
+      <a:camera prst="orthographicFront"/>
+      <a:lightRig rig="threePt" dir="t"/>
+    </dgm:scene3d>
+    <dgm:sp3d/>
+    <dgm:txPr/>
+    <dgm:style>
+      <a:lnRef idx="1">
+        <a:scrgbClr r="0" g="0" b="0"/>
+      </a:lnRef>
+      <a:fillRef idx="1">
+        <a:scrgbClr r="0" g="0" b="0"/>
+      </a:fillRef>
+      <a:effectRef idx="0">
+        <a:scrgbClr r="0" g="0" b="0"/>
+      </a:effectRef>
+      <a:fontRef idx="minor"/>
+    </dgm:style>
+  </dgm:styleLbl>
+  <dgm:styleLbl name="bgAcc1">
+    <dgm:scene3d>
+      <a:camera prst="orthographicFront"/>
+      <a:lightRig rig="threePt" dir="t"/>
+    </dgm:scene3d>
+    <dgm:sp3d/>
+    <dgm:txPr/>
+    <dgm:style>
+      <a:lnRef idx="2">
+        <a:scrgbClr r="0" g="0" b="0"/>
+      </a:lnRef>
+      <a:fillRef idx="1">
+        <a:scrgbClr r="0" g="0" b="0"/>
+      </a:fillRef>
+      <a:effectRef idx="0">
+        <a:scrgbClr r="0" g="0" b="0"/>
+      </a:effectRef>
+      <a:fontRef idx="minor"/>
+    </dgm:style>
+  </dgm:styleLbl>
+  <dgm:styleLbl name="solidFgAcc1">
+    <dgm:scene3d>
+      <a:camera prst="orthographicFront"/>
+      <a:lightRig rig="threePt" dir="t"/>
+    </dgm:scene3d>
+    <dgm:sp3d/>
+    <dgm:txPr/>
+    <dgm:style>
+      <a:lnRef idx="2">
+        <a:scrgbClr r="0" g="0" b="0"/>
+      </a:lnRef>
+      <a:fillRef idx="1">
+        <a:scrgbClr r="0" g="0" b="0"/>
+      </a:fillRef>
+      <a:effectRef idx="0">
+        <a:scrgbClr r="0" g="0" b="0"/>
+      </a:effectRef>
+      <a:fontRef idx="minor"/>
+    </dgm:style>
+  </dgm:styleLbl>
+  <dgm:styleLbl name="solidAlignAcc1">
+    <dgm:scene3d>
+      <a:camera prst="orthographicFront"/>
+      <a:lightRig rig="threePt" dir="t"/>
+    </dgm:scene3d>
+    <dgm:sp3d/>
+    <dgm:txPr/>
+    <dgm:style>
+      <a:lnRef idx="2">
+        <a:scrgbClr r="0" g="0" b="0"/>
+      </a:lnRef>
+      <a:fillRef idx="1">
+        <a:scrgbClr r="0" g="0" b="0"/>
+      </a:fillRef>
+      <a:effectRef idx="0">
+        <a:scrgbClr r="0" g="0" b="0"/>
+      </a:effectRef>
+      <a:fontRef idx="minor"/>
+    </dgm:style>
+  </dgm:styleLbl>
+  <dgm:styleLbl name="solidBgAcc1">
+    <dgm:scene3d>
+      <a:camera prst="orthographicFront"/>
+      <a:lightRig rig="threePt" dir="t"/>
+    </dgm:scene3d>
+    <dgm:sp3d/>
+    <dgm:txPr/>
+    <dgm:style>
+      <a:lnRef idx="2">
+        <a:scrgbClr r="0" g="0" b="0"/>
+      </a:lnRef>
+      <a:fillRef idx="1">
+        <a:scrgbClr r="0" g="0" b="0"/>
+      </a:fillRef>
+      <a:effectRef idx="0">
+        <a:scrgbClr r="0" g="0" b="0"/>
+      </a:effectRef>
+      <a:fontRef idx="minor"/>
+    </dgm:style>
+  </dgm:styleLbl>
+  <dgm:styleLbl name="fgAccFollowNode1">
+    <dgm:scene3d>
+      <a:camera prst="orthographicFront"/>
+      <a:lightRig rig="threePt" dir="t"/>
+    </dgm:scene3d>
+    <dgm:sp3d/>
+    <dgm:txPr/>
+    <dgm:style>
+      <a:lnRef idx="2">
+        <a:scrgbClr r="0" g="0" b="0"/>
+      </a:lnRef>
+      <a:fillRef idx="1">
+        <a:scrgbClr r="0" g="0" b="0"/>
+      </a:fillRef>
+      <a:effectRef idx="0">
+        <a:scrgbClr r="0" g="0" b="0"/>
+      </a:effectRef>
+      <a:fontRef idx="minor"/>
+    </dgm:style>
+  </dgm:styleLbl>
+  <dgm:styleLbl name="alignAccFollowNode1">
+    <dgm:scene3d>
+      <a:camera prst="orthographicFront"/>
+      <a:lightRig rig="threePt" dir="t"/>
+    </dgm:scene3d>
+    <dgm:sp3d/>
+    <dgm:txPr/>
+    <dgm:style>
+      <a:lnRef idx="2">
+        <a:scrgbClr r="0" g="0" b="0"/>
+      </a:lnRef>
+      <a:fillRef idx="1">
+        <a:scrgbClr r="0" g="0" b="0"/>
+      </a:fillRef>
+      <a:effectRef idx="0">
+        <a:scrgbClr r="0" g="0" b="0"/>
+      </a:effectRef>
+      <a:fontRef idx="minor"/>
+    </dgm:style>
+  </dgm:styleLbl>
+  <dgm:styleLbl name="bgAccFollowNode1">
+    <dgm:scene3d>
+      <a:camera prst="orthographicFront"/>
+      <a:lightRig rig="threePt" dir="t"/>
+    </dgm:scene3d>
+    <dgm:sp3d/>
+    <dgm:txPr/>
+    <dgm:style>
+      <a:lnRef idx="2">
+        <a:scrgbClr r="0" g="0" b="0"/>
+      </a:lnRef>
+      <a:fillRef idx="1">
+        <a:scrgbClr r="0" g="0" b="0"/>
+      </a:fillRef>
+      <a:effectRef idx="0">
+        <a:scrgbClr r="0" g="0" b="0"/>
+      </a:effectRef>
+      <a:fontRef idx="minor"/>
+    </dgm:style>
+  </dgm:styleLbl>
+  <dgm:styleLbl name="fgAcc0">
+    <dgm:scene3d>
+      <a:camera prst="orthographicFront"/>
+      <a:lightRig rig="threePt" dir="t"/>
+    </dgm:scene3d>
+    <dgm:sp3d/>
+    <dgm:txPr/>
+    <dgm:style>
+      <a:lnRef idx="2">
+        <a:scrgbClr r="0" g="0" b="0"/>
+      </a:lnRef>
+      <a:fillRef idx="1">
+        <a:scrgbClr r="0" g="0" b="0"/>
+      </a:fillRef>
+      <a:effectRef idx="0">
+        <a:scrgbClr r="0" g="0" b="0"/>
+      </a:effectRef>
+      <a:fontRef idx="minor"/>
+    </dgm:style>
+  </dgm:styleLbl>
+  <dgm:styleLbl name="fgAcc2">
+    <dgm:scene3d>
+      <a:camera prst="orthographicFront"/>
+      <a:lightRig rig="threePt" dir="t"/>
+    </dgm:scene3d>
+    <dgm:sp3d/>
+    <dgm:txPr/>
+    <dgm:style>
+      <a:lnRef idx="2">
+        <a:scrgbClr r="0" g="0" b="0"/>
+      </a:lnRef>
+      <a:fillRef idx="1">
+        <a:scrgbClr r="0" g="0" b="0"/>
+      </a:fillRef>
+      <a:effectRef idx="0">
+        <a:scrgbClr r="0" g="0" b="0"/>
+      </a:effectRef>
+      <a:fontRef idx="minor"/>
+    </dgm:style>
+  </dgm:styleLbl>
+  <dgm:styleLbl name="fgAcc3">
+    <dgm:scene3d>
+      <a:camera prst="orthographicFront"/>
+      <a:lightRig rig="threePt" dir="t"/>
+    </dgm:scene3d>
+    <dgm:sp3d/>
+    <dgm:txPr/>
+    <dgm:style>
+      <a:lnRef idx="2">
+        <a:scrgbClr r="0" g="0" b="0"/>
+      </a:lnRef>
+      <a:fillRef idx="1">
+        <a:scrgbClr r="0" g="0" b="0"/>
+      </a:fillRef>
+      <a:effectRef idx="0">
+        <a:scrgbClr r="0" g="0" b="0"/>
+      </a:effectRef>
+      <a:fontRef idx="minor"/>
+    </dgm:style>
+  </dgm:styleLbl>
+  <dgm:styleLbl name="fgAcc4">
+    <dgm:scene3d>
+      <a:camera prst="orthographicFront"/>
+      <a:lightRig rig="threePt" dir="t"/>
+    </dgm:scene3d>
+    <dgm:sp3d/>
+    <dgm:txPr/>
+    <dgm:style>
+      <a:lnRef idx="2">
+        <a:scrgbClr r="0" g="0" b="0"/>
+      </a:lnRef>
+      <a:fillRef idx="1">
+        <a:scrgbClr r="0" g="0" b="0"/>
+      </a:fillRef>
+      <a:effectRef idx="0">
+        <a:scrgbClr r="0" g="0" b="0"/>
+      </a:effectRef>
+      <a:fontRef idx="minor"/>
+    </dgm:style>
+  </dgm:styleLbl>
+  <dgm:styleLbl name="bgShp">
+    <dgm:scene3d>
+      <a:camera prst="orthographicFront"/>
+      <a:lightRig rig="threePt" dir="t"/>
+    </dgm:scene3d>
+    <dgm:sp3d/>
+    <dgm:txPr/>
+    <dgm:style>
+      <a:lnRef idx="0">
+        <a:scrgbClr r="0" g="0" b="0"/>
+      </a:lnRef>
+      <a:fillRef idx="1">
+        <a:scrgbClr r="0" g="0" b="0"/>
+      </a:fillRef>
+      <a:effectRef idx="0">
+        <a:scrgbClr r="0" g="0" b="0"/>
+      </a:effectRef>
+      <a:fontRef idx="minor"/>
+    </dgm:style>
+  </dgm:styleLbl>
+  <dgm:styleLbl name="dkBgShp">
+    <dgm:scene3d>
+      <a:camera prst="orthographicFront"/>
+      <a:lightRig rig="threePt" dir="t"/>
+    </dgm:scene3d>
+    <dgm:sp3d/>
+    <dgm:txPr/>
+    <dgm:style>
+      <a:lnRef idx="0">
+        <a:scrgbClr r="0" g="0" b="0"/>
+      </a:lnRef>
+      <a:fillRef idx="1">
+        <a:scrgbClr r="0" g="0" b="0"/>
+      </a:fillRef>
+      <a:effectRef idx="0">
+        <a:scrgbClr r="0" g="0" b="0"/>
+      </a:effectRef>
+      <a:fontRef idx="minor"/>
+    </dgm:style>
+  </dgm:styleLbl>
+  <dgm:styleLbl name="trBgShp">
+    <dgm:scene3d>
+      <a:camera prst="orthographicFront"/>
+      <a:lightRig rig="threePt" dir="t"/>
+    </dgm:scene3d>
+    <dgm:sp3d/>
+    <dgm:txPr/>
+    <dgm:style>
+      <a:lnRef idx="0">
+        <a:scrgbClr r="0" g="0" b="0"/>
+      </a:lnRef>
+      <a:fillRef idx="1">
+        <a:scrgbClr r="0" g="0" b="0"/>
+      </a:fillRef>
+      <a:effectRef idx="0">
+        <a:scrgbClr r="0" g="0" b="0"/>
+      </a:effectRef>
+      <a:fontRef idx="minor"/>
+    </dgm:style>
+  </dgm:styleLbl>
+  <dgm:styleLbl name="fgShp">
+    <dgm:scene3d>
+      <a:camera prst="orthographicFront"/>
+      <a:lightRig rig="threePt" dir="t"/>
+    </dgm:scene3d>
+    <dgm:sp3d/>
+    <dgm:txPr/>
+    <dgm:style>
+      <a:lnRef idx="2">
+        <a:scrgbClr r="0" g="0" b="0"/>
+      </a:lnRef>
+      <a:fillRef idx="1">
+        <a:scrgbClr r="0" g="0" b="0"/>
+      </a:fillRef>
+      <a:effectRef idx="0">
+        <a:scrgbClr r="0" g="0" b="0"/>
+      </a:effectRef>
+      <a:fontRef idx="minor"/>
+    </dgm:style>
+  </dgm:styleLbl>
+  <dgm:styleLbl name="revTx">
+    <dgm:scene3d>
+      <a:camera prst="orthographicFront"/>
+      <a:lightRig rig="threePt" dir="t"/>
+    </dgm:scene3d>
+    <dgm:sp3d/>
+    <dgm:txPr/>
+    <dgm:style>
+      <a:lnRef idx="0">
+        <a:scrgbClr r="0" g="0" b="0"/>
+      </a:lnRef>
+      <a:fillRef idx="0">
+        <a:scrgbClr r="0" g="0" b="0"/>
+      </a:fillRef>
+      <a:effectRef idx="0">
+        <a:scrgbClr r="0" g="0" b="0"/>
+      </a:effectRef>
+      <a:fontRef idx="minor"/>
+    </dgm:style>
+  </dgm:styleLbl>
+</dgm:styleDef>
+</file>
+
+<file path=ppt/diagrams/quickStyle5.xml><?xml version="1.0" encoding="utf-8"?>
 <dgm:styleDef xmlns:dgm="http://schemas.openxmlformats.org/drawingml/2006/diagram" xmlns:a="http://schemas.openxmlformats.org/drawingml/2006/main" uniqueId="urn:microsoft.com/office/officeart/2005/8/quickstyle/simple1">
   <dgm:title val=""/>
   <dgm:desc val=""/>
@@ -12116,7 +14707,7 @@
           <a:p>
             <a:fld id="{345961D2-DBF7-42AE-B789-18ADD99FC909}" type="datetimeFigureOut">
               <a:rPr lang="en-US" smtClean="0"/>
-              <a:t>9/6/2019</a:t>
+              <a:t>9/10/2019</a:t>
             </a:fld>
             <a:endParaRPr lang="en-US"/>
           </a:p>
@@ -12587,6 +15178,90 @@
 </p:notes>
 </file>
 
+<file path=ppt/notesSlides/notesSlide3.xml><?xml version="1.0" encoding="utf-8"?>
+<p:notes xmlns:a="http://schemas.openxmlformats.org/drawingml/2006/main" xmlns:r="http://schemas.openxmlformats.org/officeDocument/2006/relationships" xmlns:p="http://schemas.openxmlformats.org/presentationml/2006/main">
+  <p:cSld>
+    <p:spTree>
+      <p:nvGrpSpPr>
+        <p:cNvPr id="1" name=""/>
+        <p:cNvGrpSpPr/>
+        <p:nvPr/>
+      </p:nvGrpSpPr>
+      <p:grpSpPr>
+        <a:xfrm>
+          <a:off x="0" y="0"/>
+          <a:ext cx="0" cy="0"/>
+          <a:chOff x="0" y="0"/>
+          <a:chExt cx="0" cy="0"/>
+        </a:xfrm>
+      </p:grpSpPr>
+      <p:sp>
+        <p:nvSpPr>
+          <p:cNvPr id="2" name="Folienbildplatzhalter 1"/>
+          <p:cNvSpPr>
+            <a:spLocks noGrp="1" noRot="1" noChangeAspect="1"/>
+          </p:cNvSpPr>
+          <p:nvPr>
+            <p:ph type="sldImg"/>
+          </p:nvPr>
+        </p:nvSpPr>
+        <p:spPr/>
+      </p:sp>
+      <p:sp>
+        <p:nvSpPr>
+          <p:cNvPr id="3" name="Notizenplatzhalter 2"/>
+          <p:cNvSpPr>
+            <a:spLocks noGrp="1"/>
+          </p:cNvSpPr>
+          <p:nvPr>
+            <p:ph type="body" idx="1"/>
+          </p:nvPr>
+        </p:nvSpPr>
+        <p:spPr/>
+        <p:txBody>
+          <a:bodyPr/>
+          <a:lstStyle/>
+          <a:p>
+            <a:endParaRPr lang="en-US" dirty="0"/>
+          </a:p>
+        </p:txBody>
+      </p:sp>
+      <p:sp>
+        <p:nvSpPr>
+          <p:cNvPr id="4" name="Foliennummernplatzhalter 3"/>
+          <p:cNvSpPr>
+            <a:spLocks noGrp="1"/>
+          </p:cNvSpPr>
+          <p:nvPr>
+            <p:ph type="sldNum" sz="quarter" idx="5"/>
+          </p:nvPr>
+        </p:nvSpPr>
+        <p:spPr/>
+        <p:txBody>
+          <a:bodyPr/>
+          <a:lstStyle/>
+          <a:p>
+            <a:fld id="{48844636-12E7-4AFF-A184-21179E60C766}" type="slidenum">
+              <a:rPr lang="en-US" smtClean="0"/>
+              <a:t>12</a:t>
+            </a:fld>
+            <a:endParaRPr lang="en-US"/>
+          </a:p>
+        </p:txBody>
+      </p:sp>
+    </p:spTree>
+    <p:extLst>
+      <p:ext uri="{BB962C8B-B14F-4D97-AF65-F5344CB8AC3E}">
+        <p14:creationId xmlns:p14="http://schemas.microsoft.com/office/powerpoint/2010/main" val="2280690722"/>
+      </p:ext>
+    </p:extLst>
+  </p:cSld>
+  <p:clrMapOvr>
+    <a:masterClrMapping/>
+  </p:clrMapOvr>
+</p:notes>
+</file>
+
 <file path=ppt/slideLayouts/slideLayout1.xml><?xml version="1.0" encoding="utf-8"?>
 <p:sldLayout xmlns:a="http://schemas.openxmlformats.org/drawingml/2006/main" xmlns:r="http://schemas.openxmlformats.org/officeDocument/2006/relationships" xmlns:p="http://schemas.openxmlformats.org/presentationml/2006/main" showMasterSp="0" type="title" preserve="1">
   <p:cSld name="Titelfolie">
@@ -12813,7 +15488,7 @@
           <a:p>
             <a:fld id="{03D2199C-AACF-4674-9026-68D71E5E2E3A}" type="datetimeFigureOut">
               <a:rPr lang="en-US" smtClean="0"/>
-              <a:t>9/6/2019</a:t>
+              <a:t>9/10/2019</a:t>
             </a:fld>
             <a:endParaRPr lang="en-US"/>
           </a:p>
@@ -13060,7 +15735,7 @@
           <a:p>
             <a:fld id="{03D2199C-AACF-4674-9026-68D71E5E2E3A}" type="datetimeFigureOut">
               <a:rPr lang="en-US" smtClean="0"/>
-              <a:t>9/6/2019</a:t>
+              <a:t>9/10/2019</a:t>
             </a:fld>
             <a:endParaRPr lang="en-US"/>
           </a:p>
@@ -13316,7 +15991,7 @@
           <a:p>
             <a:fld id="{03D2199C-AACF-4674-9026-68D71E5E2E3A}" type="datetimeFigureOut">
               <a:rPr lang="en-US" smtClean="0"/>
-              <a:t>9/6/2019</a:t>
+              <a:t>9/10/2019</a:t>
             </a:fld>
             <a:endParaRPr lang="en-US"/>
           </a:p>
@@ -13490,7 +16165,7 @@
           <a:p>
             <a:fld id="{03D2199C-AACF-4674-9026-68D71E5E2E3A}" type="datetimeFigureOut">
               <a:rPr lang="en-US" smtClean="0"/>
-              <a:t>9/6/2019</a:t>
+              <a:t>9/10/2019</a:t>
             </a:fld>
             <a:endParaRPr lang="en-US"/>
           </a:p>
@@ -13833,7 +16508,7 @@
           <a:p>
             <a:fld id="{03D2199C-AACF-4674-9026-68D71E5E2E3A}" type="datetimeFigureOut">
               <a:rPr lang="en-US" smtClean="0"/>
-              <a:t>9/6/2019</a:t>
+              <a:t>9/10/2019</a:t>
             </a:fld>
             <a:endParaRPr lang="en-US"/>
           </a:p>
@@ -14147,7 +16822,7 @@
           <a:p>
             <a:fld id="{03D2199C-AACF-4674-9026-68D71E5E2E3A}" type="datetimeFigureOut">
               <a:rPr lang="en-US" smtClean="0"/>
-              <a:t>9/6/2019</a:t>
+              <a:t>9/10/2019</a:t>
             </a:fld>
             <a:endParaRPr lang="en-US"/>
           </a:p>
@@ -14526,7 +17201,7 @@
           <a:p>
             <a:fld id="{03D2199C-AACF-4674-9026-68D71E5E2E3A}" type="datetimeFigureOut">
               <a:rPr lang="en-US" smtClean="0"/>
-              <a:t>9/6/2019</a:t>
+              <a:t>9/10/2019</a:t>
             </a:fld>
             <a:endParaRPr lang="en-US"/>
           </a:p>
@@ -14644,7 +17319,7 @@
           <a:p>
             <a:fld id="{03D2199C-AACF-4674-9026-68D71E5E2E3A}" type="datetimeFigureOut">
               <a:rPr lang="en-US" smtClean="0"/>
-              <a:t>9/6/2019</a:t>
+              <a:t>9/10/2019</a:t>
             </a:fld>
             <a:endParaRPr lang="en-US"/>
           </a:p>
@@ -14815,7 +17490,7 @@
           <a:p>
             <a:fld id="{03D2199C-AACF-4674-9026-68D71E5E2E3A}" type="datetimeFigureOut">
               <a:rPr lang="en-US" smtClean="0"/>
-              <a:t>9/6/2019</a:t>
+              <a:t>9/10/2019</a:t>
             </a:fld>
             <a:endParaRPr lang="en-US"/>
           </a:p>
@@ -15169,7 +17844,7 @@
           <a:p>
             <a:fld id="{03D2199C-AACF-4674-9026-68D71E5E2E3A}" type="datetimeFigureOut">
               <a:rPr lang="en-US" smtClean="0"/>
-              <a:t>9/6/2019</a:t>
+              <a:t>9/10/2019</a:t>
             </a:fld>
             <a:endParaRPr lang="en-US"/>
           </a:p>
@@ -15551,7 +18226,7 @@
           <a:p>
             <a:fld id="{03D2199C-AACF-4674-9026-68D71E5E2E3A}" type="datetimeFigureOut">
               <a:rPr lang="en-US" smtClean="0"/>
-              <a:t>9/6/2019</a:t>
+              <a:t>9/10/2019</a:t>
             </a:fld>
             <a:endParaRPr lang="en-US"/>
           </a:p>
@@ -15838,7 +18513,7 @@
           <a:p>
             <a:fld id="{03D2199C-AACF-4674-9026-68D71E5E2E3A}" type="datetimeFigureOut">
               <a:rPr lang="en-US" smtClean="0"/>
-              <a:t>9/6/2019</a:t>
+              <a:t>9/10/2019</a:t>
             </a:fld>
             <a:endParaRPr lang="en-US"/>
           </a:p>
@@ -16720,6 +19395,104 @@
           <p:cNvPr id="2" name="Titel 1">
             <a:extLst>
               <a:ext uri="{FF2B5EF4-FFF2-40B4-BE49-F238E27FC236}">
+                <a16:creationId xmlns:a16="http://schemas.microsoft.com/office/drawing/2014/main" id="{193A6548-0E2B-479A-8D4F-16345DC3A106}"/>
+              </a:ext>
+            </a:extLst>
+          </p:cNvPr>
+          <p:cNvSpPr>
+            <a:spLocks noGrp="1"/>
+          </p:cNvSpPr>
+          <p:nvPr>
+            <p:ph type="title"/>
+          </p:nvPr>
+        </p:nvSpPr>
+        <p:spPr/>
+        <p:txBody>
+          <a:bodyPr/>
+          <a:lstStyle/>
+          <a:p>
+            <a:r>
+              <a:rPr lang="de-DE" dirty="0" err="1"/>
+              <a:t>Buggybank</a:t>
+            </a:r>
+            <a:r>
+              <a:rPr lang="de-DE" dirty="0"/>
+              <a:t> </a:t>
+            </a:r>
+            <a:r>
+              <a:rPr lang="de-DE" dirty="0" err="1"/>
+              <a:t>UseCases</a:t>
+            </a:r>
+            <a:endParaRPr lang="en-US" dirty="0"/>
+          </a:p>
+        </p:txBody>
+      </p:sp>
+      <p:graphicFrame>
+        <p:nvGraphicFramePr>
+          <p:cNvPr id="4" name="Inhaltsplatzhalter 3">
+            <a:extLst>
+              <a:ext uri="{FF2B5EF4-FFF2-40B4-BE49-F238E27FC236}">
+                <a16:creationId xmlns:a16="http://schemas.microsoft.com/office/drawing/2014/main" id="{E91691B7-5869-4846-802A-7FC2605D481F}"/>
+              </a:ext>
+            </a:extLst>
+          </p:cNvPr>
+          <p:cNvGraphicFramePr>
+            <a:graphicFrameLocks noGrp="1"/>
+          </p:cNvGraphicFramePr>
+          <p:nvPr>
+            <p:ph idx="1"/>
+            <p:extLst>
+              <p:ext uri="{D42A27DB-BD31-4B8C-83A1-F6EECF244321}">
+                <p14:modId xmlns:p14="http://schemas.microsoft.com/office/powerpoint/2010/main" val="2639452273"/>
+              </p:ext>
+            </p:extLst>
+          </p:nvPr>
+        </p:nvGraphicFramePr>
+        <p:xfrm>
+          <a:off x="1096963" y="1846263"/>
+          <a:ext cx="10058400" cy="4022725"/>
+        </p:xfrm>
+        <a:graphic>
+          <a:graphicData uri="http://schemas.openxmlformats.org/drawingml/2006/diagram">
+            <dgm:relIds xmlns:dgm="http://schemas.openxmlformats.org/drawingml/2006/diagram" xmlns:r="http://schemas.openxmlformats.org/officeDocument/2006/relationships" r:dm="rId3" r:lo="rId4" r:qs="rId5" r:cs="rId6"/>
+          </a:graphicData>
+        </a:graphic>
+      </p:graphicFrame>
+    </p:spTree>
+    <p:extLst>
+      <p:ext uri="{BB962C8B-B14F-4D97-AF65-F5344CB8AC3E}">
+        <p14:creationId xmlns:p14="http://schemas.microsoft.com/office/powerpoint/2010/main" val="890212559"/>
+      </p:ext>
+    </p:extLst>
+  </p:cSld>
+  <p:clrMapOvr>
+    <a:masterClrMapping/>
+  </p:clrMapOvr>
+</p:sld>
+</file>
+
+<file path=ppt/slides/slide13.xml><?xml version="1.0" encoding="utf-8"?>
+<p:sld xmlns:a="http://schemas.openxmlformats.org/drawingml/2006/main" xmlns:r="http://schemas.openxmlformats.org/officeDocument/2006/relationships" xmlns:p="http://schemas.openxmlformats.org/presentationml/2006/main">
+  <p:cSld>
+    <p:spTree>
+      <p:nvGrpSpPr>
+        <p:cNvPr id="1" name=""/>
+        <p:cNvGrpSpPr/>
+        <p:nvPr/>
+      </p:nvGrpSpPr>
+      <p:grpSpPr>
+        <a:xfrm>
+          <a:off x="0" y="0"/>
+          <a:ext cx="0" cy="0"/>
+          <a:chOff x="0" y="0"/>
+          <a:chExt cx="0" cy="0"/>
+        </a:xfrm>
+      </p:grpSpPr>
+      <p:sp>
+        <p:nvSpPr>
+          <p:cNvPr id="2" name="Titel 1">
+            <a:extLst>
+              <a:ext uri="{FF2B5EF4-FFF2-40B4-BE49-F238E27FC236}">
                 <a16:creationId xmlns:a16="http://schemas.microsoft.com/office/drawing/2014/main" id="{55293271-3CD7-4B12-9649-CB6C2E1F9F37}"/>
               </a:ext>
             </a:extLst>
@@ -16807,7 +19580,7 @@
 </p:sld>
 </file>
 
-<file path=ppt/slides/slide13.xml><?xml version="1.0" encoding="utf-8"?>
+<file path=ppt/slides/slide14.xml><?xml version="1.0" encoding="utf-8"?>
 <p:sld xmlns:a="http://schemas.openxmlformats.org/drawingml/2006/main" xmlns:r="http://schemas.openxmlformats.org/officeDocument/2006/relationships" xmlns:p="http://schemas.openxmlformats.org/presentationml/2006/main">
   <p:cSld>
     <p:spTree>
@@ -16918,7 +19691,7 @@
 </p:sld>
 </file>
 
-<file path=ppt/slides/slide14.xml><?xml version="1.0" encoding="utf-8"?>
+<file path=ppt/slides/slide15.xml><?xml version="1.0" encoding="utf-8"?>
 <p:sld xmlns:a="http://schemas.openxmlformats.org/drawingml/2006/main" xmlns:r="http://schemas.openxmlformats.org/officeDocument/2006/relationships" xmlns:p="http://schemas.openxmlformats.org/presentationml/2006/main">
   <p:cSld>
     <p:spTree>
@@ -17017,7 +19790,7 @@
 </p:sld>
 </file>
 
-<file path=ppt/slides/slide15.xml><?xml version="1.0" encoding="utf-8"?>
+<file path=ppt/slides/slide16.xml><?xml version="1.0" encoding="utf-8"?>
 <p:sld xmlns:a="http://schemas.openxmlformats.org/drawingml/2006/main" xmlns:r="http://schemas.openxmlformats.org/officeDocument/2006/relationships" xmlns:p="http://schemas.openxmlformats.org/presentationml/2006/main">
   <p:cSld>
     <p:spTree>

--- a/Aufgaben.pptx
+++ b/Aufgaben.pptx
@@ -5,7 +5,7 @@
     <p:sldMasterId id="2147483738" r:id="rId1"/>
   </p:sldMasterIdLst>
   <p:notesMasterIdLst>
-    <p:notesMasterId r:id="rId18"/>
+    <p:notesMasterId r:id="rId23"/>
   </p:notesMasterIdLst>
   <p:sldIdLst>
     <p:sldId id="256" r:id="rId2"/>
@@ -21,9 +21,14 @@
     <p:sldId id="261" r:id="rId12"/>
     <p:sldId id="272" r:id="rId13"/>
     <p:sldId id="262" r:id="rId14"/>
-    <p:sldId id="264" r:id="rId15"/>
-    <p:sldId id="265" r:id="rId16"/>
-    <p:sldId id="266" r:id="rId17"/>
+    <p:sldId id="274" r:id="rId15"/>
+    <p:sldId id="273" r:id="rId16"/>
+    <p:sldId id="275" r:id="rId17"/>
+    <p:sldId id="276" r:id="rId18"/>
+    <p:sldId id="264" r:id="rId19"/>
+    <p:sldId id="277" r:id="rId20"/>
+    <p:sldId id="265" r:id="rId21"/>
+    <p:sldId id="266" r:id="rId22"/>
   </p:sldIdLst>
   <p:sldSz cx="12192000" cy="6858000"/>
   <p:notesSz cx="6858000" cy="9144000"/>
@@ -3131,6 +3136,1500 @@
 </file>
 
 <file path=ppt/diagrams/colors5.xml><?xml version="1.0" encoding="utf-8"?>
+<dgm:colorsDef xmlns:dgm="http://schemas.openxmlformats.org/drawingml/2006/diagram" xmlns:a="http://schemas.openxmlformats.org/drawingml/2006/main" uniqueId="urn:microsoft.com/office/officeart/2005/8/colors/accent1_2">
+  <dgm:title val=""/>
+  <dgm:desc val=""/>
+  <dgm:catLst>
+    <dgm:cat type="accent1" pri="11200"/>
+  </dgm:catLst>
+  <dgm:styleLbl name="node0">
+    <dgm:fillClrLst meth="repeat">
+      <a:schemeClr val="accent1"/>
+    </dgm:fillClrLst>
+    <dgm:linClrLst meth="repeat">
+      <a:schemeClr val="lt1"/>
+    </dgm:linClrLst>
+    <dgm:effectClrLst/>
+    <dgm:txLinClrLst/>
+    <dgm:txFillClrLst/>
+    <dgm:txEffectClrLst/>
+  </dgm:styleLbl>
+  <dgm:styleLbl name="alignNode1">
+    <dgm:fillClrLst meth="repeat">
+      <a:schemeClr val="accent1"/>
+    </dgm:fillClrLst>
+    <dgm:linClrLst meth="repeat">
+      <a:schemeClr val="accent1"/>
+    </dgm:linClrLst>
+    <dgm:effectClrLst/>
+    <dgm:txLinClrLst/>
+    <dgm:txFillClrLst/>
+    <dgm:txEffectClrLst/>
+  </dgm:styleLbl>
+  <dgm:styleLbl name="node1">
+    <dgm:fillClrLst meth="repeat">
+      <a:schemeClr val="accent1"/>
+    </dgm:fillClrLst>
+    <dgm:linClrLst meth="repeat">
+      <a:schemeClr val="lt1"/>
+    </dgm:linClrLst>
+    <dgm:effectClrLst/>
+    <dgm:txLinClrLst/>
+    <dgm:txFillClrLst/>
+    <dgm:txEffectClrLst/>
+  </dgm:styleLbl>
+  <dgm:styleLbl name="lnNode1">
+    <dgm:fillClrLst meth="repeat">
+      <a:schemeClr val="accent1"/>
+    </dgm:fillClrLst>
+    <dgm:linClrLst meth="repeat">
+      <a:schemeClr val="lt1"/>
+    </dgm:linClrLst>
+    <dgm:effectClrLst/>
+    <dgm:txLinClrLst/>
+    <dgm:txFillClrLst/>
+    <dgm:txEffectClrLst/>
+  </dgm:styleLbl>
+  <dgm:styleLbl name="vennNode1">
+    <dgm:fillClrLst meth="repeat">
+      <a:schemeClr val="accent1">
+        <a:alpha val="50000"/>
+      </a:schemeClr>
+    </dgm:fillClrLst>
+    <dgm:linClrLst meth="repeat">
+      <a:schemeClr val="lt1"/>
+    </dgm:linClrLst>
+    <dgm:effectClrLst/>
+    <dgm:txLinClrLst/>
+    <dgm:txFillClrLst/>
+    <dgm:txEffectClrLst/>
+  </dgm:styleLbl>
+  <dgm:styleLbl name="node2">
+    <dgm:fillClrLst meth="repeat">
+      <a:schemeClr val="accent1"/>
+    </dgm:fillClrLst>
+    <dgm:linClrLst meth="repeat">
+      <a:schemeClr val="lt1"/>
+    </dgm:linClrLst>
+    <dgm:effectClrLst/>
+    <dgm:txLinClrLst/>
+    <dgm:txFillClrLst/>
+    <dgm:txEffectClrLst/>
+  </dgm:styleLbl>
+  <dgm:styleLbl name="node3">
+    <dgm:fillClrLst meth="repeat">
+      <a:schemeClr val="accent1"/>
+    </dgm:fillClrLst>
+    <dgm:linClrLst meth="repeat">
+      <a:schemeClr val="lt1"/>
+    </dgm:linClrLst>
+    <dgm:effectClrLst/>
+    <dgm:txLinClrLst/>
+    <dgm:txFillClrLst/>
+    <dgm:txEffectClrLst/>
+  </dgm:styleLbl>
+  <dgm:styleLbl name="node4">
+    <dgm:fillClrLst meth="repeat">
+      <a:schemeClr val="accent1"/>
+    </dgm:fillClrLst>
+    <dgm:linClrLst meth="repeat">
+      <a:schemeClr val="lt1"/>
+    </dgm:linClrLst>
+    <dgm:effectClrLst/>
+    <dgm:txLinClrLst/>
+    <dgm:txFillClrLst/>
+    <dgm:txEffectClrLst/>
+  </dgm:styleLbl>
+  <dgm:styleLbl name="fgImgPlace1">
+    <dgm:fillClrLst meth="repeat">
+      <a:schemeClr val="accent1">
+        <a:tint val="50000"/>
+      </a:schemeClr>
+    </dgm:fillClrLst>
+    <dgm:linClrLst meth="repeat">
+      <a:schemeClr val="lt1"/>
+    </dgm:linClrLst>
+    <dgm:effectClrLst/>
+    <dgm:txLinClrLst/>
+    <dgm:txFillClrLst meth="repeat">
+      <a:schemeClr val="lt1"/>
+    </dgm:txFillClrLst>
+    <dgm:txEffectClrLst/>
+  </dgm:styleLbl>
+  <dgm:styleLbl name="alignImgPlace1">
+    <dgm:fillClrLst meth="repeat">
+      <a:schemeClr val="accent1">
+        <a:tint val="50000"/>
+      </a:schemeClr>
+    </dgm:fillClrLst>
+    <dgm:linClrLst meth="repeat">
+      <a:schemeClr val="lt1"/>
+    </dgm:linClrLst>
+    <dgm:effectClrLst/>
+    <dgm:txLinClrLst/>
+    <dgm:txFillClrLst meth="repeat">
+      <a:schemeClr val="lt1"/>
+    </dgm:txFillClrLst>
+    <dgm:txEffectClrLst/>
+  </dgm:styleLbl>
+  <dgm:styleLbl name="bgImgPlace1">
+    <dgm:fillClrLst meth="repeat">
+      <a:schemeClr val="accent1">
+        <a:tint val="50000"/>
+      </a:schemeClr>
+    </dgm:fillClrLst>
+    <dgm:linClrLst meth="repeat">
+      <a:schemeClr val="lt1"/>
+    </dgm:linClrLst>
+    <dgm:effectClrLst/>
+    <dgm:txLinClrLst/>
+    <dgm:txFillClrLst meth="repeat">
+      <a:schemeClr val="lt1"/>
+    </dgm:txFillClrLst>
+    <dgm:txEffectClrLst/>
+  </dgm:styleLbl>
+  <dgm:styleLbl name="sibTrans2D1">
+    <dgm:fillClrLst meth="repeat">
+      <a:schemeClr val="accent1">
+        <a:tint val="60000"/>
+      </a:schemeClr>
+    </dgm:fillClrLst>
+    <dgm:linClrLst meth="repeat">
+      <a:schemeClr val="accent1">
+        <a:tint val="60000"/>
+      </a:schemeClr>
+    </dgm:linClrLst>
+    <dgm:effectClrLst/>
+    <dgm:txLinClrLst/>
+    <dgm:txFillClrLst/>
+    <dgm:txEffectClrLst/>
+  </dgm:styleLbl>
+  <dgm:styleLbl name="fgSibTrans2D1">
+    <dgm:fillClrLst meth="repeat">
+      <a:schemeClr val="accent1">
+        <a:tint val="60000"/>
+      </a:schemeClr>
+    </dgm:fillClrLst>
+    <dgm:linClrLst meth="repeat">
+      <a:schemeClr val="accent1">
+        <a:tint val="60000"/>
+      </a:schemeClr>
+    </dgm:linClrLst>
+    <dgm:effectClrLst/>
+    <dgm:txLinClrLst/>
+    <dgm:txFillClrLst/>
+    <dgm:txEffectClrLst/>
+  </dgm:styleLbl>
+  <dgm:styleLbl name="bgSibTrans2D1">
+    <dgm:fillClrLst meth="repeat">
+      <a:schemeClr val="accent1">
+        <a:tint val="60000"/>
+      </a:schemeClr>
+    </dgm:fillClrLst>
+    <dgm:linClrLst meth="repeat">
+      <a:schemeClr val="accent1">
+        <a:tint val="60000"/>
+      </a:schemeClr>
+    </dgm:linClrLst>
+    <dgm:effectClrLst/>
+    <dgm:txLinClrLst/>
+    <dgm:txFillClrLst/>
+    <dgm:txEffectClrLst/>
+  </dgm:styleLbl>
+  <dgm:styleLbl name="sibTrans1D1">
+    <dgm:fillClrLst meth="repeat">
+      <a:schemeClr val="accent1"/>
+    </dgm:fillClrLst>
+    <dgm:linClrLst meth="repeat">
+      <a:schemeClr val="accent1"/>
+    </dgm:linClrLst>
+    <dgm:effectClrLst/>
+    <dgm:txLinClrLst/>
+    <dgm:txFillClrLst meth="repeat">
+      <a:schemeClr val="tx1"/>
+    </dgm:txFillClrLst>
+    <dgm:txEffectClrLst/>
+  </dgm:styleLbl>
+  <dgm:styleLbl name="callout">
+    <dgm:fillClrLst meth="repeat">
+      <a:schemeClr val="accent1"/>
+    </dgm:fillClrLst>
+    <dgm:linClrLst meth="repeat">
+      <a:schemeClr val="accent1">
+        <a:tint val="50000"/>
+      </a:schemeClr>
+    </dgm:linClrLst>
+    <dgm:effectClrLst/>
+    <dgm:txLinClrLst/>
+    <dgm:txFillClrLst meth="repeat">
+      <a:schemeClr val="tx1"/>
+    </dgm:txFillClrLst>
+    <dgm:txEffectClrLst/>
+  </dgm:styleLbl>
+  <dgm:styleLbl name="asst0">
+    <dgm:fillClrLst meth="repeat">
+      <a:schemeClr val="accent1"/>
+    </dgm:fillClrLst>
+    <dgm:linClrLst meth="repeat">
+      <a:schemeClr val="lt1"/>
+    </dgm:linClrLst>
+    <dgm:effectClrLst/>
+    <dgm:txLinClrLst/>
+    <dgm:txFillClrLst/>
+    <dgm:txEffectClrLst/>
+  </dgm:styleLbl>
+  <dgm:styleLbl name="asst1">
+    <dgm:fillClrLst meth="repeat">
+      <a:schemeClr val="accent1"/>
+    </dgm:fillClrLst>
+    <dgm:linClrLst meth="repeat">
+      <a:schemeClr val="lt1"/>
+    </dgm:linClrLst>
+    <dgm:effectClrLst/>
+    <dgm:txLinClrLst/>
+    <dgm:txFillClrLst/>
+    <dgm:txEffectClrLst/>
+  </dgm:styleLbl>
+  <dgm:styleLbl name="asst2">
+    <dgm:fillClrLst meth="repeat">
+      <a:schemeClr val="accent1"/>
+    </dgm:fillClrLst>
+    <dgm:linClrLst meth="repeat">
+      <a:schemeClr val="lt1"/>
+    </dgm:linClrLst>
+    <dgm:effectClrLst/>
+    <dgm:txLinClrLst/>
+    <dgm:txFillClrLst/>
+    <dgm:txEffectClrLst/>
+  </dgm:styleLbl>
+  <dgm:styleLbl name="asst3">
+    <dgm:fillClrLst meth="repeat">
+      <a:schemeClr val="accent1"/>
+    </dgm:fillClrLst>
+    <dgm:linClrLst meth="repeat">
+      <a:schemeClr val="lt1"/>
+    </dgm:linClrLst>
+    <dgm:effectClrLst/>
+    <dgm:txLinClrLst/>
+    <dgm:txFillClrLst/>
+    <dgm:txEffectClrLst/>
+  </dgm:styleLbl>
+  <dgm:styleLbl name="asst4">
+    <dgm:fillClrLst meth="repeat">
+      <a:schemeClr val="accent1"/>
+    </dgm:fillClrLst>
+    <dgm:linClrLst meth="repeat">
+      <a:schemeClr val="lt1"/>
+    </dgm:linClrLst>
+    <dgm:effectClrLst/>
+    <dgm:txLinClrLst/>
+    <dgm:txFillClrLst/>
+    <dgm:txEffectClrLst/>
+  </dgm:styleLbl>
+  <dgm:styleLbl name="parChTrans2D1">
+    <dgm:fillClrLst meth="repeat">
+      <a:schemeClr val="accent1">
+        <a:tint val="60000"/>
+      </a:schemeClr>
+    </dgm:fillClrLst>
+    <dgm:linClrLst meth="repeat">
+      <a:schemeClr val="accent1">
+        <a:tint val="60000"/>
+      </a:schemeClr>
+    </dgm:linClrLst>
+    <dgm:effectClrLst/>
+    <dgm:txLinClrLst/>
+    <dgm:txFillClrLst meth="repeat">
+      <a:schemeClr val="lt1"/>
+    </dgm:txFillClrLst>
+    <dgm:txEffectClrLst/>
+  </dgm:styleLbl>
+  <dgm:styleLbl name="parChTrans2D2">
+    <dgm:fillClrLst meth="repeat">
+      <a:schemeClr val="accent1"/>
+    </dgm:fillClrLst>
+    <dgm:linClrLst meth="repeat">
+      <a:schemeClr val="accent1"/>
+    </dgm:linClrLst>
+    <dgm:effectClrLst/>
+    <dgm:txLinClrLst/>
+    <dgm:txFillClrLst meth="repeat">
+      <a:schemeClr val="lt1"/>
+    </dgm:txFillClrLst>
+    <dgm:txEffectClrLst/>
+  </dgm:styleLbl>
+  <dgm:styleLbl name="parChTrans2D3">
+    <dgm:fillClrLst meth="repeat">
+      <a:schemeClr val="accent1"/>
+    </dgm:fillClrLst>
+    <dgm:linClrLst meth="repeat">
+      <a:schemeClr val="accent1"/>
+    </dgm:linClrLst>
+    <dgm:effectClrLst/>
+    <dgm:txLinClrLst/>
+    <dgm:txFillClrLst meth="repeat">
+      <a:schemeClr val="lt1"/>
+    </dgm:txFillClrLst>
+    <dgm:txEffectClrLst/>
+  </dgm:styleLbl>
+  <dgm:styleLbl name="parChTrans2D4">
+    <dgm:fillClrLst meth="repeat">
+      <a:schemeClr val="accent1"/>
+    </dgm:fillClrLst>
+    <dgm:linClrLst meth="repeat">
+      <a:schemeClr val="accent1"/>
+    </dgm:linClrLst>
+    <dgm:effectClrLst/>
+    <dgm:txLinClrLst/>
+    <dgm:txFillClrLst meth="repeat">
+      <a:schemeClr val="lt1"/>
+    </dgm:txFillClrLst>
+    <dgm:txEffectClrLst/>
+  </dgm:styleLbl>
+  <dgm:styleLbl name="parChTrans1D1">
+    <dgm:fillClrLst meth="repeat">
+      <a:schemeClr val="accent1"/>
+    </dgm:fillClrLst>
+    <dgm:linClrLst meth="repeat">
+      <a:schemeClr val="accent1">
+        <a:shade val="60000"/>
+      </a:schemeClr>
+    </dgm:linClrLst>
+    <dgm:effectClrLst/>
+    <dgm:txLinClrLst/>
+    <dgm:txFillClrLst meth="repeat">
+      <a:schemeClr val="tx1"/>
+    </dgm:txFillClrLst>
+    <dgm:txEffectClrLst/>
+  </dgm:styleLbl>
+  <dgm:styleLbl name="parChTrans1D2">
+    <dgm:fillClrLst meth="repeat">
+      <a:schemeClr val="accent1"/>
+    </dgm:fillClrLst>
+    <dgm:linClrLst meth="repeat">
+      <a:schemeClr val="accent1">
+        <a:shade val="60000"/>
+      </a:schemeClr>
+    </dgm:linClrLst>
+    <dgm:effectClrLst/>
+    <dgm:txLinClrLst/>
+    <dgm:txFillClrLst meth="repeat">
+      <a:schemeClr val="tx1"/>
+    </dgm:txFillClrLst>
+    <dgm:txEffectClrLst/>
+  </dgm:styleLbl>
+  <dgm:styleLbl name="parChTrans1D3">
+    <dgm:fillClrLst meth="repeat">
+      <a:schemeClr val="accent1"/>
+    </dgm:fillClrLst>
+    <dgm:linClrLst meth="repeat">
+      <a:schemeClr val="accent1">
+        <a:shade val="80000"/>
+      </a:schemeClr>
+    </dgm:linClrLst>
+    <dgm:effectClrLst/>
+    <dgm:txLinClrLst/>
+    <dgm:txFillClrLst meth="repeat">
+      <a:schemeClr val="tx1"/>
+    </dgm:txFillClrLst>
+    <dgm:txEffectClrLst/>
+  </dgm:styleLbl>
+  <dgm:styleLbl name="parChTrans1D4">
+    <dgm:fillClrLst meth="repeat">
+      <a:schemeClr val="accent1"/>
+    </dgm:fillClrLst>
+    <dgm:linClrLst meth="repeat">
+      <a:schemeClr val="accent1">
+        <a:shade val="80000"/>
+      </a:schemeClr>
+    </dgm:linClrLst>
+    <dgm:effectClrLst/>
+    <dgm:txLinClrLst/>
+    <dgm:txFillClrLst meth="repeat">
+      <a:schemeClr val="tx1"/>
+    </dgm:txFillClrLst>
+    <dgm:txEffectClrLst/>
+  </dgm:styleLbl>
+  <dgm:styleLbl name="fgAcc1">
+    <dgm:fillClrLst meth="repeat">
+      <a:schemeClr val="lt1">
+        <a:alpha val="90000"/>
+      </a:schemeClr>
+    </dgm:fillClrLst>
+    <dgm:linClrLst meth="repeat">
+      <a:schemeClr val="accent1"/>
+    </dgm:linClrLst>
+    <dgm:effectClrLst/>
+    <dgm:txLinClrLst/>
+    <dgm:txFillClrLst meth="repeat">
+      <a:schemeClr val="dk1"/>
+    </dgm:txFillClrLst>
+    <dgm:txEffectClrLst/>
+  </dgm:styleLbl>
+  <dgm:styleLbl name="conFgAcc1">
+    <dgm:fillClrLst meth="repeat">
+      <a:schemeClr val="lt1">
+        <a:alpha val="90000"/>
+      </a:schemeClr>
+    </dgm:fillClrLst>
+    <dgm:linClrLst meth="repeat">
+      <a:schemeClr val="accent1"/>
+    </dgm:linClrLst>
+    <dgm:effectClrLst/>
+    <dgm:txLinClrLst/>
+    <dgm:txFillClrLst meth="repeat">
+      <a:schemeClr val="dk1"/>
+    </dgm:txFillClrLst>
+    <dgm:txEffectClrLst/>
+  </dgm:styleLbl>
+  <dgm:styleLbl name="alignAcc1">
+    <dgm:fillClrLst meth="repeat">
+      <a:schemeClr val="lt1">
+        <a:alpha val="90000"/>
+      </a:schemeClr>
+    </dgm:fillClrLst>
+    <dgm:linClrLst meth="repeat">
+      <a:schemeClr val="accent1"/>
+    </dgm:linClrLst>
+    <dgm:effectClrLst/>
+    <dgm:txLinClrLst/>
+    <dgm:txFillClrLst meth="repeat">
+      <a:schemeClr val="dk1"/>
+    </dgm:txFillClrLst>
+    <dgm:txEffectClrLst/>
+  </dgm:styleLbl>
+  <dgm:styleLbl name="trAlignAcc1">
+    <dgm:fillClrLst meth="repeat">
+      <a:schemeClr val="lt1">
+        <a:alpha val="40000"/>
+      </a:schemeClr>
+    </dgm:fillClrLst>
+    <dgm:linClrLst meth="repeat">
+      <a:schemeClr val="accent1"/>
+    </dgm:linClrLst>
+    <dgm:effectClrLst/>
+    <dgm:txLinClrLst/>
+    <dgm:txFillClrLst meth="repeat">
+      <a:schemeClr val="dk1"/>
+    </dgm:txFillClrLst>
+    <dgm:txEffectClrLst/>
+  </dgm:styleLbl>
+  <dgm:styleLbl name="bgAcc1">
+    <dgm:fillClrLst meth="repeat">
+      <a:schemeClr val="lt1">
+        <a:alpha val="90000"/>
+      </a:schemeClr>
+    </dgm:fillClrLst>
+    <dgm:linClrLst meth="repeat">
+      <a:schemeClr val="accent1"/>
+    </dgm:linClrLst>
+    <dgm:effectClrLst/>
+    <dgm:txLinClrLst/>
+    <dgm:txFillClrLst meth="repeat">
+      <a:schemeClr val="dk1"/>
+    </dgm:txFillClrLst>
+    <dgm:txEffectClrLst/>
+  </dgm:styleLbl>
+  <dgm:styleLbl name="solidFgAcc1">
+    <dgm:fillClrLst meth="repeat">
+      <a:schemeClr val="lt1"/>
+    </dgm:fillClrLst>
+    <dgm:linClrLst meth="repeat">
+      <a:schemeClr val="accent1"/>
+    </dgm:linClrLst>
+    <dgm:effectClrLst/>
+    <dgm:txLinClrLst/>
+    <dgm:txFillClrLst meth="repeat">
+      <a:schemeClr val="dk1"/>
+    </dgm:txFillClrLst>
+    <dgm:txEffectClrLst/>
+  </dgm:styleLbl>
+  <dgm:styleLbl name="solidAlignAcc1">
+    <dgm:fillClrLst meth="repeat">
+      <a:schemeClr val="lt1"/>
+    </dgm:fillClrLst>
+    <dgm:linClrLst meth="repeat">
+      <a:schemeClr val="accent1"/>
+    </dgm:linClrLst>
+    <dgm:effectClrLst/>
+    <dgm:txLinClrLst/>
+    <dgm:txFillClrLst meth="repeat">
+      <a:schemeClr val="dk1"/>
+    </dgm:txFillClrLst>
+    <dgm:txEffectClrLst/>
+  </dgm:styleLbl>
+  <dgm:styleLbl name="solidBgAcc1">
+    <dgm:fillClrLst meth="repeat">
+      <a:schemeClr val="lt1"/>
+    </dgm:fillClrLst>
+    <dgm:linClrLst meth="repeat">
+      <a:schemeClr val="accent1"/>
+    </dgm:linClrLst>
+    <dgm:effectClrLst/>
+    <dgm:txLinClrLst/>
+    <dgm:txFillClrLst meth="repeat">
+      <a:schemeClr val="dk1"/>
+    </dgm:txFillClrLst>
+    <dgm:txEffectClrLst/>
+  </dgm:styleLbl>
+  <dgm:styleLbl name="fgAccFollowNode1">
+    <dgm:fillClrLst meth="repeat">
+      <a:schemeClr val="accent1">
+        <a:alpha val="90000"/>
+        <a:tint val="40000"/>
+      </a:schemeClr>
+    </dgm:fillClrLst>
+    <dgm:linClrLst meth="repeat">
+      <a:schemeClr val="accent1">
+        <a:alpha val="90000"/>
+        <a:tint val="40000"/>
+      </a:schemeClr>
+    </dgm:linClrLst>
+    <dgm:effectClrLst/>
+    <dgm:txLinClrLst/>
+    <dgm:txFillClrLst meth="repeat">
+      <a:schemeClr val="dk1"/>
+    </dgm:txFillClrLst>
+    <dgm:txEffectClrLst/>
+  </dgm:styleLbl>
+  <dgm:styleLbl name="alignAccFollowNode1">
+    <dgm:fillClrLst meth="repeat">
+      <a:schemeClr val="accent1">
+        <a:alpha val="90000"/>
+        <a:tint val="40000"/>
+      </a:schemeClr>
+    </dgm:fillClrLst>
+    <dgm:linClrLst meth="repeat">
+      <a:schemeClr val="accent1">
+        <a:alpha val="90000"/>
+        <a:tint val="40000"/>
+      </a:schemeClr>
+    </dgm:linClrLst>
+    <dgm:effectClrLst/>
+    <dgm:txLinClrLst/>
+    <dgm:txFillClrLst meth="repeat">
+      <a:schemeClr val="dk1"/>
+    </dgm:txFillClrLst>
+    <dgm:txEffectClrLst/>
+  </dgm:styleLbl>
+  <dgm:styleLbl name="bgAccFollowNode1">
+    <dgm:fillClrLst meth="repeat">
+      <a:schemeClr val="accent1">
+        <a:alpha val="90000"/>
+        <a:tint val="40000"/>
+      </a:schemeClr>
+    </dgm:fillClrLst>
+    <dgm:linClrLst meth="repeat">
+      <a:schemeClr val="accent1">
+        <a:alpha val="90000"/>
+        <a:tint val="40000"/>
+      </a:schemeClr>
+    </dgm:linClrLst>
+    <dgm:effectClrLst/>
+    <dgm:txLinClrLst/>
+    <dgm:txFillClrLst meth="repeat">
+      <a:schemeClr val="dk1"/>
+    </dgm:txFillClrLst>
+    <dgm:txEffectClrLst/>
+  </dgm:styleLbl>
+  <dgm:styleLbl name="fgAcc0">
+    <dgm:fillClrLst meth="repeat">
+      <a:schemeClr val="lt1">
+        <a:alpha val="90000"/>
+      </a:schemeClr>
+    </dgm:fillClrLst>
+    <dgm:linClrLst meth="repeat">
+      <a:schemeClr val="accent1"/>
+    </dgm:linClrLst>
+    <dgm:effectClrLst/>
+    <dgm:txLinClrLst/>
+    <dgm:txFillClrLst meth="repeat">
+      <a:schemeClr val="dk1"/>
+    </dgm:txFillClrLst>
+    <dgm:txEffectClrLst/>
+  </dgm:styleLbl>
+  <dgm:styleLbl name="fgAcc2">
+    <dgm:fillClrLst meth="repeat">
+      <a:schemeClr val="lt1">
+        <a:alpha val="90000"/>
+      </a:schemeClr>
+    </dgm:fillClrLst>
+    <dgm:linClrLst meth="repeat">
+      <a:schemeClr val="accent1"/>
+    </dgm:linClrLst>
+    <dgm:effectClrLst/>
+    <dgm:txLinClrLst/>
+    <dgm:txFillClrLst meth="repeat">
+      <a:schemeClr val="dk1"/>
+    </dgm:txFillClrLst>
+    <dgm:txEffectClrLst/>
+  </dgm:styleLbl>
+  <dgm:styleLbl name="fgAcc3">
+    <dgm:fillClrLst meth="repeat">
+      <a:schemeClr val="lt1">
+        <a:alpha val="90000"/>
+      </a:schemeClr>
+    </dgm:fillClrLst>
+    <dgm:linClrLst meth="repeat">
+      <a:schemeClr val="accent1"/>
+    </dgm:linClrLst>
+    <dgm:effectClrLst/>
+    <dgm:txLinClrLst/>
+    <dgm:txFillClrLst meth="repeat">
+      <a:schemeClr val="dk1"/>
+    </dgm:txFillClrLst>
+    <dgm:txEffectClrLst/>
+  </dgm:styleLbl>
+  <dgm:styleLbl name="fgAcc4">
+    <dgm:fillClrLst meth="repeat">
+      <a:schemeClr val="lt1">
+        <a:alpha val="90000"/>
+      </a:schemeClr>
+    </dgm:fillClrLst>
+    <dgm:linClrLst meth="repeat">
+      <a:schemeClr val="accent1"/>
+    </dgm:linClrLst>
+    <dgm:effectClrLst/>
+    <dgm:txLinClrLst/>
+    <dgm:txFillClrLst meth="repeat">
+      <a:schemeClr val="dk1"/>
+    </dgm:txFillClrLst>
+    <dgm:txEffectClrLst/>
+  </dgm:styleLbl>
+  <dgm:styleLbl name="bgShp">
+    <dgm:fillClrLst meth="repeat">
+      <a:schemeClr val="accent1">
+        <a:tint val="40000"/>
+      </a:schemeClr>
+    </dgm:fillClrLst>
+    <dgm:linClrLst meth="repeat">
+      <a:schemeClr val="accent1"/>
+    </dgm:linClrLst>
+    <dgm:effectClrLst/>
+    <dgm:txLinClrLst/>
+    <dgm:txFillClrLst meth="repeat">
+      <a:schemeClr val="dk1"/>
+    </dgm:txFillClrLst>
+    <dgm:txEffectClrLst/>
+  </dgm:styleLbl>
+  <dgm:styleLbl name="dkBgShp">
+    <dgm:fillClrLst meth="repeat">
+      <a:schemeClr val="accent1">
+        <a:shade val="80000"/>
+      </a:schemeClr>
+    </dgm:fillClrLst>
+    <dgm:linClrLst meth="repeat">
+      <a:schemeClr val="accent1"/>
+    </dgm:linClrLst>
+    <dgm:effectClrLst/>
+    <dgm:txLinClrLst/>
+    <dgm:txFillClrLst meth="repeat">
+      <a:schemeClr val="lt1"/>
+    </dgm:txFillClrLst>
+    <dgm:txEffectClrLst/>
+  </dgm:styleLbl>
+  <dgm:styleLbl name="trBgShp">
+    <dgm:fillClrLst meth="repeat">
+      <a:schemeClr val="accent1">
+        <a:tint val="50000"/>
+        <a:alpha val="40000"/>
+      </a:schemeClr>
+    </dgm:fillClrLst>
+    <dgm:linClrLst meth="repeat">
+      <a:schemeClr val="accent1"/>
+    </dgm:linClrLst>
+    <dgm:effectClrLst/>
+    <dgm:txLinClrLst/>
+    <dgm:txFillClrLst meth="repeat">
+      <a:schemeClr val="lt1"/>
+    </dgm:txFillClrLst>
+    <dgm:txEffectClrLst/>
+  </dgm:styleLbl>
+  <dgm:styleLbl name="fgShp">
+    <dgm:fillClrLst meth="repeat">
+      <a:schemeClr val="accent1">
+        <a:tint val="60000"/>
+      </a:schemeClr>
+    </dgm:fillClrLst>
+    <dgm:linClrLst meth="repeat">
+      <a:schemeClr val="lt1"/>
+    </dgm:linClrLst>
+    <dgm:effectClrLst/>
+    <dgm:txLinClrLst/>
+    <dgm:txFillClrLst meth="repeat">
+      <a:schemeClr val="dk1"/>
+    </dgm:txFillClrLst>
+    <dgm:txEffectClrLst/>
+  </dgm:styleLbl>
+  <dgm:styleLbl name="revTx">
+    <dgm:fillClrLst meth="repeat">
+      <a:schemeClr val="lt1">
+        <a:alpha val="0"/>
+      </a:schemeClr>
+    </dgm:fillClrLst>
+    <dgm:linClrLst meth="repeat">
+      <a:schemeClr val="dk1">
+        <a:alpha val="0"/>
+      </a:schemeClr>
+    </dgm:linClrLst>
+    <dgm:effectClrLst/>
+    <dgm:txLinClrLst/>
+    <dgm:txFillClrLst meth="repeat">
+      <a:schemeClr val="tx1"/>
+    </dgm:txFillClrLst>
+    <dgm:txEffectClrLst/>
+  </dgm:styleLbl>
+</dgm:colorsDef>
+</file>
+
+<file path=ppt/diagrams/colors6.xml><?xml version="1.0" encoding="utf-8"?>
+<dgm:colorsDef xmlns:dgm="http://schemas.openxmlformats.org/drawingml/2006/diagram" xmlns:a="http://schemas.openxmlformats.org/drawingml/2006/main" uniqueId="urn:microsoft.com/office/officeart/2005/8/colors/accent1_2">
+  <dgm:title val=""/>
+  <dgm:desc val=""/>
+  <dgm:catLst>
+    <dgm:cat type="accent1" pri="11200"/>
+  </dgm:catLst>
+  <dgm:styleLbl name="node0">
+    <dgm:fillClrLst meth="repeat">
+      <a:schemeClr val="accent1"/>
+    </dgm:fillClrLst>
+    <dgm:linClrLst meth="repeat">
+      <a:schemeClr val="lt1"/>
+    </dgm:linClrLst>
+    <dgm:effectClrLst/>
+    <dgm:txLinClrLst/>
+    <dgm:txFillClrLst/>
+    <dgm:txEffectClrLst/>
+  </dgm:styleLbl>
+  <dgm:styleLbl name="alignNode1">
+    <dgm:fillClrLst meth="repeat">
+      <a:schemeClr val="accent1"/>
+    </dgm:fillClrLst>
+    <dgm:linClrLst meth="repeat">
+      <a:schemeClr val="accent1"/>
+    </dgm:linClrLst>
+    <dgm:effectClrLst/>
+    <dgm:txLinClrLst/>
+    <dgm:txFillClrLst/>
+    <dgm:txEffectClrLst/>
+  </dgm:styleLbl>
+  <dgm:styleLbl name="node1">
+    <dgm:fillClrLst meth="repeat">
+      <a:schemeClr val="accent1"/>
+    </dgm:fillClrLst>
+    <dgm:linClrLst meth="repeat">
+      <a:schemeClr val="lt1"/>
+    </dgm:linClrLst>
+    <dgm:effectClrLst/>
+    <dgm:txLinClrLst/>
+    <dgm:txFillClrLst/>
+    <dgm:txEffectClrLst/>
+  </dgm:styleLbl>
+  <dgm:styleLbl name="lnNode1">
+    <dgm:fillClrLst meth="repeat">
+      <a:schemeClr val="accent1"/>
+    </dgm:fillClrLst>
+    <dgm:linClrLst meth="repeat">
+      <a:schemeClr val="lt1"/>
+    </dgm:linClrLst>
+    <dgm:effectClrLst/>
+    <dgm:txLinClrLst/>
+    <dgm:txFillClrLst/>
+    <dgm:txEffectClrLst/>
+  </dgm:styleLbl>
+  <dgm:styleLbl name="vennNode1">
+    <dgm:fillClrLst meth="repeat">
+      <a:schemeClr val="accent1">
+        <a:alpha val="50000"/>
+      </a:schemeClr>
+    </dgm:fillClrLst>
+    <dgm:linClrLst meth="repeat">
+      <a:schemeClr val="lt1"/>
+    </dgm:linClrLst>
+    <dgm:effectClrLst/>
+    <dgm:txLinClrLst/>
+    <dgm:txFillClrLst/>
+    <dgm:txEffectClrLst/>
+  </dgm:styleLbl>
+  <dgm:styleLbl name="node2">
+    <dgm:fillClrLst meth="repeat">
+      <a:schemeClr val="accent1"/>
+    </dgm:fillClrLst>
+    <dgm:linClrLst meth="repeat">
+      <a:schemeClr val="lt1"/>
+    </dgm:linClrLst>
+    <dgm:effectClrLst/>
+    <dgm:txLinClrLst/>
+    <dgm:txFillClrLst/>
+    <dgm:txEffectClrLst/>
+  </dgm:styleLbl>
+  <dgm:styleLbl name="node3">
+    <dgm:fillClrLst meth="repeat">
+      <a:schemeClr val="accent1"/>
+    </dgm:fillClrLst>
+    <dgm:linClrLst meth="repeat">
+      <a:schemeClr val="lt1"/>
+    </dgm:linClrLst>
+    <dgm:effectClrLst/>
+    <dgm:txLinClrLst/>
+    <dgm:txFillClrLst/>
+    <dgm:txEffectClrLst/>
+  </dgm:styleLbl>
+  <dgm:styleLbl name="node4">
+    <dgm:fillClrLst meth="repeat">
+      <a:schemeClr val="accent1"/>
+    </dgm:fillClrLst>
+    <dgm:linClrLst meth="repeat">
+      <a:schemeClr val="lt1"/>
+    </dgm:linClrLst>
+    <dgm:effectClrLst/>
+    <dgm:txLinClrLst/>
+    <dgm:txFillClrLst/>
+    <dgm:txEffectClrLst/>
+  </dgm:styleLbl>
+  <dgm:styleLbl name="fgImgPlace1">
+    <dgm:fillClrLst meth="repeat">
+      <a:schemeClr val="accent1">
+        <a:tint val="50000"/>
+      </a:schemeClr>
+    </dgm:fillClrLst>
+    <dgm:linClrLst meth="repeat">
+      <a:schemeClr val="lt1"/>
+    </dgm:linClrLst>
+    <dgm:effectClrLst/>
+    <dgm:txLinClrLst/>
+    <dgm:txFillClrLst meth="repeat">
+      <a:schemeClr val="lt1"/>
+    </dgm:txFillClrLst>
+    <dgm:txEffectClrLst/>
+  </dgm:styleLbl>
+  <dgm:styleLbl name="alignImgPlace1">
+    <dgm:fillClrLst meth="repeat">
+      <a:schemeClr val="accent1">
+        <a:tint val="50000"/>
+      </a:schemeClr>
+    </dgm:fillClrLst>
+    <dgm:linClrLst meth="repeat">
+      <a:schemeClr val="lt1"/>
+    </dgm:linClrLst>
+    <dgm:effectClrLst/>
+    <dgm:txLinClrLst/>
+    <dgm:txFillClrLst meth="repeat">
+      <a:schemeClr val="lt1"/>
+    </dgm:txFillClrLst>
+    <dgm:txEffectClrLst/>
+  </dgm:styleLbl>
+  <dgm:styleLbl name="bgImgPlace1">
+    <dgm:fillClrLst meth="repeat">
+      <a:schemeClr val="accent1">
+        <a:tint val="50000"/>
+      </a:schemeClr>
+    </dgm:fillClrLst>
+    <dgm:linClrLst meth="repeat">
+      <a:schemeClr val="lt1"/>
+    </dgm:linClrLst>
+    <dgm:effectClrLst/>
+    <dgm:txLinClrLst/>
+    <dgm:txFillClrLst meth="repeat">
+      <a:schemeClr val="lt1"/>
+    </dgm:txFillClrLst>
+    <dgm:txEffectClrLst/>
+  </dgm:styleLbl>
+  <dgm:styleLbl name="sibTrans2D1">
+    <dgm:fillClrLst meth="repeat">
+      <a:schemeClr val="accent1">
+        <a:tint val="60000"/>
+      </a:schemeClr>
+    </dgm:fillClrLst>
+    <dgm:linClrLst meth="repeat">
+      <a:schemeClr val="accent1">
+        <a:tint val="60000"/>
+      </a:schemeClr>
+    </dgm:linClrLst>
+    <dgm:effectClrLst/>
+    <dgm:txLinClrLst/>
+    <dgm:txFillClrLst/>
+    <dgm:txEffectClrLst/>
+  </dgm:styleLbl>
+  <dgm:styleLbl name="fgSibTrans2D1">
+    <dgm:fillClrLst meth="repeat">
+      <a:schemeClr val="accent1">
+        <a:tint val="60000"/>
+      </a:schemeClr>
+    </dgm:fillClrLst>
+    <dgm:linClrLst meth="repeat">
+      <a:schemeClr val="accent1">
+        <a:tint val="60000"/>
+      </a:schemeClr>
+    </dgm:linClrLst>
+    <dgm:effectClrLst/>
+    <dgm:txLinClrLst/>
+    <dgm:txFillClrLst/>
+    <dgm:txEffectClrLst/>
+  </dgm:styleLbl>
+  <dgm:styleLbl name="bgSibTrans2D1">
+    <dgm:fillClrLst meth="repeat">
+      <a:schemeClr val="accent1">
+        <a:tint val="60000"/>
+      </a:schemeClr>
+    </dgm:fillClrLst>
+    <dgm:linClrLst meth="repeat">
+      <a:schemeClr val="accent1">
+        <a:tint val="60000"/>
+      </a:schemeClr>
+    </dgm:linClrLst>
+    <dgm:effectClrLst/>
+    <dgm:txLinClrLst/>
+    <dgm:txFillClrLst/>
+    <dgm:txEffectClrLst/>
+  </dgm:styleLbl>
+  <dgm:styleLbl name="sibTrans1D1">
+    <dgm:fillClrLst meth="repeat">
+      <a:schemeClr val="accent1"/>
+    </dgm:fillClrLst>
+    <dgm:linClrLst meth="repeat">
+      <a:schemeClr val="accent1"/>
+    </dgm:linClrLst>
+    <dgm:effectClrLst/>
+    <dgm:txLinClrLst/>
+    <dgm:txFillClrLst meth="repeat">
+      <a:schemeClr val="tx1"/>
+    </dgm:txFillClrLst>
+    <dgm:txEffectClrLst/>
+  </dgm:styleLbl>
+  <dgm:styleLbl name="callout">
+    <dgm:fillClrLst meth="repeat">
+      <a:schemeClr val="accent1"/>
+    </dgm:fillClrLst>
+    <dgm:linClrLst meth="repeat">
+      <a:schemeClr val="accent1">
+        <a:tint val="50000"/>
+      </a:schemeClr>
+    </dgm:linClrLst>
+    <dgm:effectClrLst/>
+    <dgm:txLinClrLst/>
+    <dgm:txFillClrLst meth="repeat">
+      <a:schemeClr val="tx1"/>
+    </dgm:txFillClrLst>
+    <dgm:txEffectClrLst/>
+  </dgm:styleLbl>
+  <dgm:styleLbl name="asst0">
+    <dgm:fillClrLst meth="repeat">
+      <a:schemeClr val="accent1"/>
+    </dgm:fillClrLst>
+    <dgm:linClrLst meth="repeat">
+      <a:schemeClr val="lt1"/>
+    </dgm:linClrLst>
+    <dgm:effectClrLst/>
+    <dgm:txLinClrLst/>
+    <dgm:txFillClrLst/>
+    <dgm:txEffectClrLst/>
+  </dgm:styleLbl>
+  <dgm:styleLbl name="asst1">
+    <dgm:fillClrLst meth="repeat">
+      <a:schemeClr val="accent1"/>
+    </dgm:fillClrLst>
+    <dgm:linClrLst meth="repeat">
+      <a:schemeClr val="lt1"/>
+    </dgm:linClrLst>
+    <dgm:effectClrLst/>
+    <dgm:txLinClrLst/>
+    <dgm:txFillClrLst/>
+    <dgm:txEffectClrLst/>
+  </dgm:styleLbl>
+  <dgm:styleLbl name="asst2">
+    <dgm:fillClrLst meth="repeat">
+      <a:schemeClr val="accent1"/>
+    </dgm:fillClrLst>
+    <dgm:linClrLst meth="repeat">
+      <a:schemeClr val="lt1"/>
+    </dgm:linClrLst>
+    <dgm:effectClrLst/>
+    <dgm:txLinClrLst/>
+    <dgm:txFillClrLst/>
+    <dgm:txEffectClrLst/>
+  </dgm:styleLbl>
+  <dgm:styleLbl name="asst3">
+    <dgm:fillClrLst meth="repeat">
+      <a:schemeClr val="accent1"/>
+    </dgm:fillClrLst>
+    <dgm:linClrLst meth="repeat">
+      <a:schemeClr val="lt1"/>
+    </dgm:linClrLst>
+    <dgm:effectClrLst/>
+    <dgm:txLinClrLst/>
+    <dgm:txFillClrLst/>
+    <dgm:txEffectClrLst/>
+  </dgm:styleLbl>
+  <dgm:styleLbl name="asst4">
+    <dgm:fillClrLst meth="repeat">
+      <a:schemeClr val="accent1"/>
+    </dgm:fillClrLst>
+    <dgm:linClrLst meth="repeat">
+      <a:schemeClr val="lt1"/>
+    </dgm:linClrLst>
+    <dgm:effectClrLst/>
+    <dgm:txLinClrLst/>
+    <dgm:txFillClrLst/>
+    <dgm:txEffectClrLst/>
+  </dgm:styleLbl>
+  <dgm:styleLbl name="parChTrans2D1">
+    <dgm:fillClrLst meth="repeat">
+      <a:schemeClr val="accent1">
+        <a:tint val="60000"/>
+      </a:schemeClr>
+    </dgm:fillClrLst>
+    <dgm:linClrLst meth="repeat">
+      <a:schemeClr val="accent1">
+        <a:tint val="60000"/>
+      </a:schemeClr>
+    </dgm:linClrLst>
+    <dgm:effectClrLst/>
+    <dgm:txLinClrLst/>
+    <dgm:txFillClrLst meth="repeat">
+      <a:schemeClr val="lt1"/>
+    </dgm:txFillClrLst>
+    <dgm:txEffectClrLst/>
+  </dgm:styleLbl>
+  <dgm:styleLbl name="parChTrans2D2">
+    <dgm:fillClrLst meth="repeat">
+      <a:schemeClr val="accent1"/>
+    </dgm:fillClrLst>
+    <dgm:linClrLst meth="repeat">
+      <a:schemeClr val="accent1"/>
+    </dgm:linClrLst>
+    <dgm:effectClrLst/>
+    <dgm:txLinClrLst/>
+    <dgm:txFillClrLst meth="repeat">
+      <a:schemeClr val="lt1"/>
+    </dgm:txFillClrLst>
+    <dgm:txEffectClrLst/>
+  </dgm:styleLbl>
+  <dgm:styleLbl name="parChTrans2D3">
+    <dgm:fillClrLst meth="repeat">
+      <a:schemeClr val="accent1"/>
+    </dgm:fillClrLst>
+    <dgm:linClrLst meth="repeat">
+      <a:schemeClr val="accent1"/>
+    </dgm:linClrLst>
+    <dgm:effectClrLst/>
+    <dgm:txLinClrLst/>
+    <dgm:txFillClrLst meth="repeat">
+      <a:schemeClr val="lt1"/>
+    </dgm:txFillClrLst>
+    <dgm:txEffectClrLst/>
+  </dgm:styleLbl>
+  <dgm:styleLbl name="parChTrans2D4">
+    <dgm:fillClrLst meth="repeat">
+      <a:schemeClr val="accent1"/>
+    </dgm:fillClrLst>
+    <dgm:linClrLst meth="repeat">
+      <a:schemeClr val="accent1"/>
+    </dgm:linClrLst>
+    <dgm:effectClrLst/>
+    <dgm:txLinClrLst/>
+    <dgm:txFillClrLst meth="repeat">
+      <a:schemeClr val="lt1"/>
+    </dgm:txFillClrLst>
+    <dgm:txEffectClrLst/>
+  </dgm:styleLbl>
+  <dgm:styleLbl name="parChTrans1D1">
+    <dgm:fillClrLst meth="repeat">
+      <a:schemeClr val="accent1"/>
+    </dgm:fillClrLst>
+    <dgm:linClrLst meth="repeat">
+      <a:schemeClr val="accent1">
+        <a:shade val="60000"/>
+      </a:schemeClr>
+    </dgm:linClrLst>
+    <dgm:effectClrLst/>
+    <dgm:txLinClrLst/>
+    <dgm:txFillClrLst meth="repeat">
+      <a:schemeClr val="tx1"/>
+    </dgm:txFillClrLst>
+    <dgm:txEffectClrLst/>
+  </dgm:styleLbl>
+  <dgm:styleLbl name="parChTrans1D2">
+    <dgm:fillClrLst meth="repeat">
+      <a:schemeClr val="accent1"/>
+    </dgm:fillClrLst>
+    <dgm:linClrLst meth="repeat">
+      <a:schemeClr val="accent1">
+        <a:shade val="60000"/>
+      </a:schemeClr>
+    </dgm:linClrLst>
+    <dgm:effectClrLst/>
+    <dgm:txLinClrLst/>
+    <dgm:txFillClrLst meth="repeat">
+      <a:schemeClr val="tx1"/>
+    </dgm:txFillClrLst>
+    <dgm:txEffectClrLst/>
+  </dgm:styleLbl>
+  <dgm:styleLbl name="parChTrans1D3">
+    <dgm:fillClrLst meth="repeat">
+      <a:schemeClr val="accent1"/>
+    </dgm:fillClrLst>
+    <dgm:linClrLst meth="repeat">
+      <a:schemeClr val="accent1">
+        <a:shade val="80000"/>
+      </a:schemeClr>
+    </dgm:linClrLst>
+    <dgm:effectClrLst/>
+    <dgm:txLinClrLst/>
+    <dgm:txFillClrLst meth="repeat">
+      <a:schemeClr val="tx1"/>
+    </dgm:txFillClrLst>
+    <dgm:txEffectClrLst/>
+  </dgm:styleLbl>
+  <dgm:styleLbl name="parChTrans1D4">
+    <dgm:fillClrLst meth="repeat">
+      <a:schemeClr val="accent1"/>
+    </dgm:fillClrLst>
+    <dgm:linClrLst meth="repeat">
+      <a:schemeClr val="accent1">
+        <a:shade val="80000"/>
+      </a:schemeClr>
+    </dgm:linClrLst>
+    <dgm:effectClrLst/>
+    <dgm:txLinClrLst/>
+    <dgm:txFillClrLst meth="repeat">
+      <a:schemeClr val="tx1"/>
+    </dgm:txFillClrLst>
+    <dgm:txEffectClrLst/>
+  </dgm:styleLbl>
+  <dgm:styleLbl name="fgAcc1">
+    <dgm:fillClrLst meth="repeat">
+      <a:schemeClr val="lt1">
+        <a:alpha val="90000"/>
+      </a:schemeClr>
+    </dgm:fillClrLst>
+    <dgm:linClrLst meth="repeat">
+      <a:schemeClr val="accent1"/>
+    </dgm:linClrLst>
+    <dgm:effectClrLst/>
+    <dgm:txLinClrLst/>
+    <dgm:txFillClrLst meth="repeat">
+      <a:schemeClr val="dk1"/>
+    </dgm:txFillClrLst>
+    <dgm:txEffectClrLst/>
+  </dgm:styleLbl>
+  <dgm:styleLbl name="conFgAcc1">
+    <dgm:fillClrLst meth="repeat">
+      <a:schemeClr val="lt1">
+        <a:alpha val="90000"/>
+      </a:schemeClr>
+    </dgm:fillClrLst>
+    <dgm:linClrLst meth="repeat">
+      <a:schemeClr val="accent1"/>
+    </dgm:linClrLst>
+    <dgm:effectClrLst/>
+    <dgm:txLinClrLst/>
+    <dgm:txFillClrLst meth="repeat">
+      <a:schemeClr val="dk1"/>
+    </dgm:txFillClrLst>
+    <dgm:txEffectClrLst/>
+  </dgm:styleLbl>
+  <dgm:styleLbl name="alignAcc1">
+    <dgm:fillClrLst meth="repeat">
+      <a:schemeClr val="lt1">
+        <a:alpha val="90000"/>
+      </a:schemeClr>
+    </dgm:fillClrLst>
+    <dgm:linClrLst meth="repeat">
+      <a:schemeClr val="accent1"/>
+    </dgm:linClrLst>
+    <dgm:effectClrLst/>
+    <dgm:txLinClrLst/>
+    <dgm:txFillClrLst meth="repeat">
+      <a:schemeClr val="dk1"/>
+    </dgm:txFillClrLst>
+    <dgm:txEffectClrLst/>
+  </dgm:styleLbl>
+  <dgm:styleLbl name="trAlignAcc1">
+    <dgm:fillClrLst meth="repeat">
+      <a:schemeClr val="lt1">
+        <a:alpha val="40000"/>
+      </a:schemeClr>
+    </dgm:fillClrLst>
+    <dgm:linClrLst meth="repeat">
+      <a:schemeClr val="accent1"/>
+    </dgm:linClrLst>
+    <dgm:effectClrLst/>
+    <dgm:txLinClrLst/>
+    <dgm:txFillClrLst meth="repeat">
+      <a:schemeClr val="dk1"/>
+    </dgm:txFillClrLst>
+    <dgm:txEffectClrLst/>
+  </dgm:styleLbl>
+  <dgm:styleLbl name="bgAcc1">
+    <dgm:fillClrLst meth="repeat">
+      <a:schemeClr val="lt1">
+        <a:alpha val="90000"/>
+      </a:schemeClr>
+    </dgm:fillClrLst>
+    <dgm:linClrLst meth="repeat">
+      <a:schemeClr val="accent1"/>
+    </dgm:linClrLst>
+    <dgm:effectClrLst/>
+    <dgm:txLinClrLst/>
+    <dgm:txFillClrLst meth="repeat">
+      <a:schemeClr val="dk1"/>
+    </dgm:txFillClrLst>
+    <dgm:txEffectClrLst/>
+  </dgm:styleLbl>
+  <dgm:styleLbl name="solidFgAcc1">
+    <dgm:fillClrLst meth="repeat">
+      <a:schemeClr val="lt1"/>
+    </dgm:fillClrLst>
+    <dgm:linClrLst meth="repeat">
+      <a:schemeClr val="accent1"/>
+    </dgm:linClrLst>
+    <dgm:effectClrLst/>
+    <dgm:txLinClrLst/>
+    <dgm:txFillClrLst meth="repeat">
+      <a:schemeClr val="dk1"/>
+    </dgm:txFillClrLst>
+    <dgm:txEffectClrLst/>
+  </dgm:styleLbl>
+  <dgm:styleLbl name="solidAlignAcc1">
+    <dgm:fillClrLst meth="repeat">
+      <a:schemeClr val="lt1"/>
+    </dgm:fillClrLst>
+    <dgm:linClrLst meth="repeat">
+      <a:schemeClr val="accent1"/>
+    </dgm:linClrLst>
+    <dgm:effectClrLst/>
+    <dgm:txLinClrLst/>
+    <dgm:txFillClrLst meth="repeat">
+      <a:schemeClr val="dk1"/>
+    </dgm:txFillClrLst>
+    <dgm:txEffectClrLst/>
+  </dgm:styleLbl>
+  <dgm:styleLbl name="solidBgAcc1">
+    <dgm:fillClrLst meth="repeat">
+      <a:schemeClr val="lt1"/>
+    </dgm:fillClrLst>
+    <dgm:linClrLst meth="repeat">
+      <a:schemeClr val="accent1"/>
+    </dgm:linClrLst>
+    <dgm:effectClrLst/>
+    <dgm:txLinClrLst/>
+    <dgm:txFillClrLst meth="repeat">
+      <a:schemeClr val="dk1"/>
+    </dgm:txFillClrLst>
+    <dgm:txEffectClrLst/>
+  </dgm:styleLbl>
+  <dgm:styleLbl name="fgAccFollowNode1">
+    <dgm:fillClrLst meth="repeat">
+      <a:schemeClr val="accent1">
+        <a:alpha val="90000"/>
+        <a:tint val="40000"/>
+      </a:schemeClr>
+    </dgm:fillClrLst>
+    <dgm:linClrLst meth="repeat">
+      <a:schemeClr val="accent1">
+        <a:alpha val="90000"/>
+        <a:tint val="40000"/>
+      </a:schemeClr>
+    </dgm:linClrLst>
+    <dgm:effectClrLst/>
+    <dgm:txLinClrLst/>
+    <dgm:txFillClrLst meth="repeat">
+      <a:schemeClr val="dk1"/>
+    </dgm:txFillClrLst>
+    <dgm:txEffectClrLst/>
+  </dgm:styleLbl>
+  <dgm:styleLbl name="alignAccFollowNode1">
+    <dgm:fillClrLst meth="repeat">
+      <a:schemeClr val="accent1">
+        <a:alpha val="90000"/>
+        <a:tint val="40000"/>
+      </a:schemeClr>
+    </dgm:fillClrLst>
+    <dgm:linClrLst meth="repeat">
+      <a:schemeClr val="accent1">
+        <a:alpha val="90000"/>
+        <a:tint val="40000"/>
+      </a:schemeClr>
+    </dgm:linClrLst>
+    <dgm:effectClrLst/>
+    <dgm:txLinClrLst/>
+    <dgm:txFillClrLst meth="repeat">
+      <a:schemeClr val="dk1"/>
+    </dgm:txFillClrLst>
+    <dgm:txEffectClrLst/>
+  </dgm:styleLbl>
+  <dgm:styleLbl name="bgAccFollowNode1">
+    <dgm:fillClrLst meth="repeat">
+      <a:schemeClr val="accent1">
+        <a:alpha val="90000"/>
+        <a:tint val="40000"/>
+      </a:schemeClr>
+    </dgm:fillClrLst>
+    <dgm:linClrLst meth="repeat">
+      <a:schemeClr val="accent1">
+        <a:alpha val="90000"/>
+        <a:tint val="40000"/>
+      </a:schemeClr>
+    </dgm:linClrLst>
+    <dgm:effectClrLst/>
+    <dgm:txLinClrLst/>
+    <dgm:txFillClrLst meth="repeat">
+      <a:schemeClr val="dk1"/>
+    </dgm:txFillClrLst>
+    <dgm:txEffectClrLst/>
+  </dgm:styleLbl>
+  <dgm:styleLbl name="fgAcc0">
+    <dgm:fillClrLst meth="repeat">
+      <a:schemeClr val="lt1">
+        <a:alpha val="90000"/>
+      </a:schemeClr>
+    </dgm:fillClrLst>
+    <dgm:linClrLst meth="repeat">
+      <a:schemeClr val="accent1"/>
+    </dgm:linClrLst>
+    <dgm:effectClrLst/>
+    <dgm:txLinClrLst/>
+    <dgm:txFillClrLst meth="repeat">
+      <a:schemeClr val="dk1"/>
+    </dgm:txFillClrLst>
+    <dgm:txEffectClrLst/>
+  </dgm:styleLbl>
+  <dgm:styleLbl name="fgAcc2">
+    <dgm:fillClrLst meth="repeat">
+      <a:schemeClr val="lt1">
+        <a:alpha val="90000"/>
+      </a:schemeClr>
+    </dgm:fillClrLst>
+    <dgm:linClrLst meth="repeat">
+      <a:schemeClr val="accent1"/>
+    </dgm:linClrLst>
+    <dgm:effectClrLst/>
+    <dgm:txLinClrLst/>
+    <dgm:txFillClrLst meth="repeat">
+      <a:schemeClr val="dk1"/>
+    </dgm:txFillClrLst>
+    <dgm:txEffectClrLst/>
+  </dgm:styleLbl>
+  <dgm:styleLbl name="fgAcc3">
+    <dgm:fillClrLst meth="repeat">
+      <a:schemeClr val="lt1">
+        <a:alpha val="90000"/>
+      </a:schemeClr>
+    </dgm:fillClrLst>
+    <dgm:linClrLst meth="repeat">
+      <a:schemeClr val="accent1"/>
+    </dgm:linClrLst>
+    <dgm:effectClrLst/>
+    <dgm:txLinClrLst/>
+    <dgm:txFillClrLst meth="repeat">
+      <a:schemeClr val="dk1"/>
+    </dgm:txFillClrLst>
+    <dgm:txEffectClrLst/>
+  </dgm:styleLbl>
+  <dgm:styleLbl name="fgAcc4">
+    <dgm:fillClrLst meth="repeat">
+      <a:schemeClr val="lt1">
+        <a:alpha val="90000"/>
+      </a:schemeClr>
+    </dgm:fillClrLst>
+    <dgm:linClrLst meth="repeat">
+      <a:schemeClr val="accent1"/>
+    </dgm:linClrLst>
+    <dgm:effectClrLst/>
+    <dgm:txLinClrLst/>
+    <dgm:txFillClrLst meth="repeat">
+      <a:schemeClr val="dk1"/>
+    </dgm:txFillClrLst>
+    <dgm:txEffectClrLst/>
+  </dgm:styleLbl>
+  <dgm:styleLbl name="bgShp">
+    <dgm:fillClrLst meth="repeat">
+      <a:schemeClr val="accent1">
+        <a:tint val="40000"/>
+      </a:schemeClr>
+    </dgm:fillClrLst>
+    <dgm:linClrLst meth="repeat">
+      <a:schemeClr val="accent1"/>
+    </dgm:linClrLst>
+    <dgm:effectClrLst/>
+    <dgm:txLinClrLst/>
+    <dgm:txFillClrLst meth="repeat">
+      <a:schemeClr val="dk1"/>
+    </dgm:txFillClrLst>
+    <dgm:txEffectClrLst/>
+  </dgm:styleLbl>
+  <dgm:styleLbl name="dkBgShp">
+    <dgm:fillClrLst meth="repeat">
+      <a:schemeClr val="accent1">
+        <a:shade val="80000"/>
+      </a:schemeClr>
+    </dgm:fillClrLst>
+    <dgm:linClrLst meth="repeat">
+      <a:schemeClr val="accent1"/>
+    </dgm:linClrLst>
+    <dgm:effectClrLst/>
+    <dgm:txLinClrLst/>
+    <dgm:txFillClrLst meth="repeat">
+      <a:schemeClr val="lt1"/>
+    </dgm:txFillClrLst>
+    <dgm:txEffectClrLst/>
+  </dgm:styleLbl>
+  <dgm:styleLbl name="trBgShp">
+    <dgm:fillClrLst meth="repeat">
+      <a:schemeClr val="accent1">
+        <a:tint val="50000"/>
+        <a:alpha val="40000"/>
+      </a:schemeClr>
+    </dgm:fillClrLst>
+    <dgm:linClrLst meth="repeat">
+      <a:schemeClr val="accent1"/>
+    </dgm:linClrLst>
+    <dgm:effectClrLst/>
+    <dgm:txLinClrLst/>
+    <dgm:txFillClrLst meth="repeat">
+      <a:schemeClr val="lt1"/>
+    </dgm:txFillClrLst>
+    <dgm:txEffectClrLst/>
+  </dgm:styleLbl>
+  <dgm:styleLbl name="fgShp">
+    <dgm:fillClrLst meth="repeat">
+      <a:schemeClr val="accent1">
+        <a:tint val="60000"/>
+      </a:schemeClr>
+    </dgm:fillClrLst>
+    <dgm:linClrLst meth="repeat">
+      <a:schemeClr val="lt1"/>
+    </dgm:linClrLst>
+    <dgm:effectClrLst/>
+    <dgm:txLinClrLst/>
+    <dgm:txFillClrLst meth="repeat">
+      <a:schemeClr val="dk1"/>
+    </dgm:txFillClrLst>
+    <dgm:txEffectClrLst/>
+  </dgm:styleLbl>
+  <dgm:styleLbl name="revTx">
+    <dgm:fillClrLst meth="repeat">
+      <a:schemeClr val="lt1">
+        <a:alpha val="0"/>
+      </a:schemeClr>
+    </dgm:fillClrLst>
+    <dgm:linClrLst meth="repeat">
+      <a:schemeClr val="dk1">
+        <a:alpha val="0"/>
+      </a:schemeClr>
+    </dgm:linClrLst>
+    <dgm:effectClrLst/>
+    <dgm:txLinClrLst/>
+    <dgm:txFillClrLst meth="repeat">
+      <a:schemeClr val="tx1"/>
+    </dgm:txFillClrLst>
+    <dgm:txEffectClrLst/>
+  </dgm:styleLbl>
+</dgm:colorsDef>
+</file>
+
+<file path=ppt/diagrams/colors7.xml><?xml version="1.0" encoding="utf-8"?>
 <dgm:colorsDef xmlns:dgm="http://schemas.openxmlformats.org/drawingml/2006/diagram" xmlns:a="http://schemas.openxmlformats.org/drawingml/2006/main" uniqueId="urn:microsoft.com/office/officeart/2005/8/colors/accent1_2">
   <dgm:title val=""/>
   <dgm:desc val=""/>
@@ -6043,6 +7542,609 @@
     <dgm:cxn modelId="{B04BD998-E774-4FAA-B6E4-2206C38C1120}" type="presParOf" srcId="{2BDFC1B1-AA42-4E54-A320-42CEF235D817}" destId="{D523628B-FA4F-4BD9-9A6D-CB1C8CD4B1B0}" srcOrd="4" destOrd="0" presId="urn:microsoft.com/office/officeart/2005/8/layout/default"/>
     <dgm:cxn modelId="{85590F83-527D-46EA-A2D4-A50404830E7B}" type="presParOf" srcId="{2BDFC1B1-AA42-4E54-A320-42CEF235D817}" destId="{18BB6950-1C63-4970-B6C1-0D9EAEBDF0D1}" srcOrd="5" destOrd="0" presId="urn:microsoft.com/office/officeart/2005/8/layout/default"/>
     <dgm:cxn modelId="{A36FCD2B-BEA3-41BD-AFC5-2455B58A1440}" type="presParOf" srcId="{2BDFC1B1-AA42-4E54-A320-42CEF235D817}" destId="{1E4D8BA6-7ECD-437F-82E1-2680F85C2CC9}" srcOrd="6" destOrd="0" presId="urn:microsoft.com/office/officeart/2005/8/layout/default"/>
+  </dgm:cxnLst>
+  <dgm:bg/>
+  <dgm:whole/>
+  <dgm:extLst>
+    <a:ext uri="http://schemas.microsoft.com/office/drawing/2008/diagram">
+      <dsp:dataModelExt xmlns:dsp="http://schemas.microsoft.com/office/drawing/2008/diagram" relId="rId7" minVer="http://schemas.openxmlformats.org/drawingml/2006/diagram"/>
+    </a:ext>
+  </dgm:extLst>
+</dgm:dataModel>
+</file>
+
+<file path=ppt/diagrams/data6.xml><?xml version="1.0" encoding="utf-8"?>
+<dgm:dataModel xmlns:dgm="http://schemas.openxmlformats.org/drawingml/2006/diagram" xmlns:a="http://schemas.openxmlformats.org/drawingml/2006/main">
+  <dgm:ptLst>
+    <dgm:pt modelId="{7C0767F4-49A8-4C1D-9FAC-3BC49D08218E}" type="doc">
+      <dgm:prSet loTypeId="urn:microsoft.com/office/officeart/2005/8/layout/default" loCatId="list" qsTypeId="urn:microsoft.com/office/officeart/2005/8/quickstyle/simple1" qsCatId="simple" csTypeId="urn:microsoft.com/office/officeart/2005/8/colors/accent1_2" csCatId="accent1" phldr="1"/>
+      <dgm:spPr/>
+      <dgm:t>
+        <a:bodyPr/>
+        <a:lstStyle/>
+        <a:p>
+          <a:endParaRPr lang="en-US"/>
+        </a:p>
+      </dgm:t>
+    </dgm:pt>
+    <dgm:pt modelId="{545BC824-6181-4CA1-82E5-53DD81752149}">
+      <dgm:prSet phldrT="[Text]"/>
+      <dgm:spPr/>
+      <dgm:t>
+        <a:bodyPr/>
+        <a:lstStyle/>
+        <a:p>
+          <a:r>
+            <a:rPr lang="de-DE" dirty="0"/>
+            <a:t>6.1: Als Systemarchitekt möchte ich die Sichten aus Level2 in Form einer REST-API bereitstellen, um beliebige </a:t>
+          </a:r>
+          <a:r>
+            <a:rPr lang="de-DE" dirty="0" err="1"/>
+            <a:t>Frontends</a:t>
+          </a:r>
+          <a:r>
+            <a:rPr lang="de-DE" dirty="0"/>
+            <a:t> anbinden zu können. (</a:t>
+          </a:r>
+          <a:r>
+            <a:rPr lang="de-DE" dirty="0">
+              <a:sym typeface="Wingdings" panose="05000000000000000000" pitchFamily="2" charset="2"/>
+            </a:rPr>
+            <a:t> @</a:t>
+          </a:r>
+          <a:r>
+            <a:rPr lang="de-DE" dirty="0" err="1">
+              <a:sym typeface="Wingdings" panose="05000000000000000000" pitchFamily="2" charset="2"/>
+            </a:rPr>
+            <a:t>RestController</a:t>
+          </a:r>
+          <a:r>
+            <a:rPr lang="de-DE" dirty="0">
+              <a:sym typeface="Wingdings" panose="05000000000000000000" pitchFamily="2" charset="2"/>
+            </a:rPr>
+            <a:t>)</a:t>
+          </a:r>
+          <a:endParaRPr lang="en-US" dirty="0"/>
+        </a:p>
+      </dgm:t>
+    </dgm:pt>
+    <dgm:pt modelId="{ACF386FC-FFFA-4BC7-84C7-E5875848454F}" type="parTrans" cxnId="{4FF7C5E9-9DC3-4EA5-8FAE-8B6995018ACE}">
+      <dgm:prSet/>
+      <dgm:spPr/>
+      <dgm:t>
+        <a:bodyPr/>
+        <a:lstStyle/>
+        <a:p>
+          <a:endParaRPr lang="en-US"/>
+        </a:p>
+      </dgm:t>
+    </dgm:pt>
+    <dgm:pt modelId="{DEB0E6D2-D714-4D02-A926-5D0BEB0E678A}" type="sibTrans" cxnId="{4FF7C5E9-9DC3-4EA5-8FAE-8B6995018ACE}">
+      <dgm:prSet/>
+      <dgm:spPr/>
+      <dgm:t>
+        <a:bodyPr/>
+        <a:lstStyle/>
+        <a:p>
+          <a:endParaRPr lang="en-US"/>
+        </a:p>
+      </dgm:t>
+    </dgm:pt>
+    <dgm:pt modelId="{6FE37DD5-CE9E-4E3B-B062-92A2899DD756}">
+      <dgm:prSet phldrT="[Text]"/>
+      <dgm:spPr/>
+      <dgm:t>
+        <a:bodyPr/>
+        <a:lstStyle/>
+        <a:p>
+          <a:r>
+            <a:rPr lang="de-DE" dirty="0"/>
+            <a:t>6.2: Als Qualitätsverantwortlicher möchte ich die neue REST API durch Integrationstests abgesichert wissen, um die Stabilität der API auch bei zukünftigen Änderungen an der Implementierung garantieren zu können. (</a:t>
+          </a:r>
+          <a:r>
+            <a:rPr lang="de-DE" dirty="0">
+              <a:sym typeface="Wingdings" panose="05000000000000000000" pitchFamily="2" charset="2"/>
+            </a:rPr>
+            <a:t> @</a:t>
+          </a:r>
+          <a:r>
+            <a:rPr lang="de-DE" dirty="0" err="1">
+              <a:sym typeface="Wingdings" panose="05000000000000000000" pitchFamily="2" charset="2"/>
+            </a:rPr>
+            <a:t>WebMvcTest</a:t>
+          </a:r>
+          <a:r>
+            <a:rPr lang="de-DE" dirty="0">
+              <a:sym typeface="Wingdings" panose="05000000000000000000" pitchFamily="2" charset="2"/>
+            </a:rPr>
+            <a:t>)</a:t>
+          </a:r>
+          <a:endParaRPr lang="en-US" dirty="0"/>
+        </a:p>
+      </dgm:t>
+    </dgm:pt>
+    <dgm:pt modelId="{6B3FF44F-F0AD-4F4E-8B72-B571AE299938}" type="parTrans" cxnId="{707CBD73-51EE-4CEC-AC7B-B8A8223B15E9}">
+      <dgm:prSet/>
+      <dgm:spPr/>
+      <dgm:t>
+        <a:bodyPr/>
+        <a:lstStyle/>
+        <a:p>
+          <a:endParaRPr lang="en-US"/>
+        </a:p>
+      </dgm:t>
+    </dgm:pt>
+    <dgm:pt modelId="{5AFB1AB5-8AC1-4599-8DE3-1395C3B6609C}" type="sibTrans" cxnId="{707CBD73-51EE-4CEC-AC7B-B8A8223B15E9}">
+      <dgm:prSet/>
+      <dgm:spPr/>
+      <dgm:t>
+        <a:bodyPr/>
+        <a:lstStyle/>
+        <a:p>
+          <a:endParaRPr lang="en-US"/>
+        </a:p>
+      </dgm:t>
+    </dgm:pt>
+    <dgm:pt modelId="{DC63964E-DADC-468B-808F-70DA515070D7}">
+      <dgm:prSet phldrT="[Text]"/>
+      <dgm:spPr/>
+      <dgm:t>
+        <a:bodyPr/>
+        <a:lstStyle/>
+        <a:p>
+          <a:r>
+            <a:rPr lang="de-DE" dirty="0"/>
+            <a:t>6.3: Als Systemadministrator möchte ich über die REST API Informationen über die Stabilität der Anwendung erhalten, um eine automatisierte Überwachung einrichten zu können (</a:t>
+          </a:r>
+          <a:r>
+            <a:rPr lang="de-DE" dirty="0">
+              <a:sym typeface="Wingdings" panose="05000000000000000000" pitchFamily="2" charset="2"/>
+            </a:rPr>
+            <a:t>Spring Boot </a:t>
+          </a:r>
+          <a:r>
+            <a:rPr lang="de-DE" dirty="0" err="1">
+              <a:sym typeface="Wingdings" panose="05000000000000000000" pitchFamily="2" charset="2"/>
+            </a:rPr>
+            <a:t>Actuator</a:t>
+          </a:r>
+          <a:r>
+            <a:rPr lang="de-DE" dirty="0">
+              <a:sym typeface="Wingdings" panose="05000000000000000000" pitchFamily="2" charset="2"/>
+            </a:rPr>
+            <a:t>)</a:t>
+          </a:r>
+          <a:endParaRPr lang="en-US" dirty="0"/>
+        </a:p>
+      </dgm:t>
+    </dgm:pt>
+    <dgm:pt modelId="{65AD119B-418D-4C69-80C0-BDC816298E9B}" type="parTrans" cxnId="{28A4535C-968A-467D-9CB2-59580FC66F28}">
+      <dgm:prSet/>
+      <dgm:spPr/>
+      <dgm:t>
+        <a:bodyPr/>
+        <a:lstStyle/>
+        <a:p>
+          <a:endParaRPr lang="en-US"/>
+        </a:p>
+      </dgm:t>
+    </dgm:pt>
+    <dgm:pt modelId="{64100AD5-E5B7-42B2-8967-95A9D419D515}" type="sibTrans" cxnId="{28A4535C-968A-467D-9CB2-59580FC66F28}">
+      <dgm:prSet/>
+      <dgm:spPr/>
+      <dgm:t>
+        <a:bodyPr/>
+        <a:lstStyle/>
+        <a:p>
+          <a:endParaRPr lang="en-US"/>
+        </a:p>
+      </dgm:t>
+    </dgm:pt>
+    <dgm:pt modelId="{2BDFC1B1-AA42-4E54-A320-42CEF235D817}" type="pres">
+      <dgm:prSet presAssocID="{7C0767F4-49A8-4C1D-9FAC-3BC49D08218E}" presName="diagram" presStyleCnt="0">
+        <dgm:presLayoutVars>
+          <dgm:dir/>
+          <dgm:resizeHandles val="exact"/>
+        </dgm:presLayoutVars>
+      </dgm:prSet>
+      <dgm:spPr/>
+    </dgm:pt>
+    <dgm:pt modelId="{D2D37EEF-8767-427D-BF99-23DC946B5378}" type="pres">
+      <dgm:prSet presAssocID="{545BC824-6181-4CA1-82E5-53DD81752149}" presName="node" presStyleLbl="node1" presStyleIdx="0" presStyleCnt="3">
+        <dgm:presLayoutVars>
+          <dgm:bulletEnabled val="1"/>
+        </dgm:presLayoutVars>
+      </dgm:prSet>
+      <dgm:spPr/>
+    </dgm:pt>
+    <dgm:pt modelId="{5563638D-BD1A-4BDF-A507-581CF7EFECDF}" type="pres">
+      <dgm:prSet presAssocID="{DEB0E6D2-D714-4D02-A926-5D0BEB0E678A}" presName="sibTrans" presStyleCnt="0"/>
+      <dgm:spPr/>
+    </dgm:pt>
+    <dgm:pt modelId="{CCF36870-D71D-4F83-99EC-329DF9D58102}" type="pres">
+      <dgm:prSet presAssocID="{6FE37DD5-CE9E-4E3B-B062-92A2899DD756}" presName="node" presStyleLbl="node1" presStyleIdx="1" presStyleCnt="3">
+        <dgm:presLayoutVars>
+          <dgm:bulletEnabled val="1"/>
+        </dgm:presLayoutVars>
+      </dgm:prSet>
+      <dgm:spPr/>
+    </dgm:pt>
+    <dgm:pt modelId="{32A5D82A-8B80-4E46-8D9A-F113E1B244EF}" type="pres">
+      <dgm:prSet presAssocID="{5AFB1AB5-8AC1-4599-8DE3-1395C3B6609C}" presName="sibTrans" presStyleCnt="0"/>
+      <dgm:spPr/>
+    </dgm:pt>
+    <dgm:pt modelId="{D523628B-FA4F-4BD9-9A6D-CB1C8CD4B1B0}" type="pres">
+      <dgm:prSet presAssocID="{DC63964E-DADC-468B-808F-70DA515070D7}" presName="node" presStyleLbl="node1" presStyleIdx="2" presStyleCnt="3">
+        <dgm:presLayoutVars>
+          <dgm:bulletEnabled val="1"/>
+        </dgm:presLayoutVars>
+      </dgm:prSet>
+      <dgm:spPr/>
+    </dgm:pt>
+  </dgm:ptLst>
+  <dgm:cxnLst>
+    <dgm:cxn modelId="{91C5A721-50D8-486C-9ED6-BE434A452426}" type="presOf" srcId="{6FE37DD5-CE9E-4E3B-B062-92A2899DD756}" destId="{CCF36870-D71D-4F83-99EC-329DF9D58102}" srcOrd="0" destOrd="0" presId="urn:microsoft.com/office/officeart/2005/8/layout/default"/>
+    <dgm:cxn modelId="{28A4535C-968A-467D-9CB2-59580FC66F28}" srcId="{7C0767F4-49A8-4C1D-9FAC-3BC49D08218E}" destId="{DC63964E-DADC-468B-808F-70DA515070D7}" srcOrd="2" destOrd="0" parTransId="{65AD119B-418D-4C69-80C0-BDC816298E9B}" sibTransId="{64100AD5-E5B7-42B2-8967-95A9D419D515}"/>
+    <dgm:cxn modelId="{03A60A44-2033-4F36-B497-05B3A6D4BB4E}" type="presOf" srcId="{7C0767F4-49A8-4C1D-9FAC-3BC49D08218E}" destId="{2BDFC1B1-AA42-4E54-A320-42CEF235D817}" srcOrd="0" destOrd="0" presId="urn:microsoft.com/office/officeart/2005/8/layout/default"/>
+    <dgm:cxn modelId="{707CBD73-51EE-4CEC-AC7B-B8A8223B15E9}" srcId="{7C0767F4-49A8-4C1D-9FAC-3BC49D08218E}" destId="{6FE37DD5-CE9E-4E3B-B062-92A2899DD756}" srcOrd="1" destOrd="0" parTransId="{6B3FF44F-F0AD-4F4E-8B72-B571AE299938}" sibTransId="{5AFB1AB5-8AC1-4599-8DE3-1395C3B6609C}"/>
+    <dgm:cxn modelId="{44081B7D-A915-4F30-B187-6306D3678CB6}" type="presOf" srcId="{545BC824-6181-4CA1-82E5-53DD81752149}" destId="{D2D37EEF-8767-427D-BF99-23DC946B5378}" srcOrd="0" destOrd="0" presId="urn:microsoft.com/office/officeart/2005/8/layout/default"/>
+    <dgm:cxn modelId="{684DA5D5-7C4B-4CD4-973F-384727850747}" type="presOf" srcId="{DC63964E-DADC-468B-808F-70DA515070D7}" destId="{D523628B-FA4F-4BD9-9A6D-CB1C8CD4B1B0}" srcOrd="0" destOrd="0" presId="urn:microsoft.com/office/officeart/2005/8/layout/default"/>
+    <dgm:cxn modelId="{4FF7C5E9-9DC3-4EA5-8FAE-8B6995018ACE}" srcId="{7C0767F4-49A8-4C1D-9FAC-3BC49D08218E}" destId="{545BC824-6181-4CA1-82E5-53DD81752149}" srcOrd="0" destOrd="0" parTransId="{ACF386FC-FFFA-4BC7-84C7-E5875848454F}" sibTransId="{DEB0E6D2-D714-4D02-A926-5D0BEB0E678A}"/>
+    <dgm:cxn modelId="{66CF70D3-39A2-488F-8E56-E719091AB457}" type="presParOf" srcId="{2BDFC1B1-AA42-4E54-A320-42CEF235D817}" destId="{D2D37EEF-8767-427D-BF99-23DC946B5378}" srcOrd="0" destOrd="0" presId="urn:microsoft.com/office/officeart/2005/8/layout/default"/>
+    <dgm:cxn modelId="{29C482AA-A711-45DF-BBBD-3E6C055709B7}" type="presParOf" srcId="{2BDFC1B1-AA42-4E54-A320-42CEF235D817}" destId="{5563638D-BD1A-4BDF-A507-581CF7EFECDF}" srcOrd="1" destOrd="0" presId="urn:microsoft.com/office/officeart/2005/8/layout/default"/>
+    <dgm:cxn modelId="{6AA0E5DC-4967-4EF6-AB68-DF3E5FEC8346}" type="presParOf" srcId="{2BDFC1B1-AA42-4E54-A320-42CEF235D817}" destId="{CCF36870-D71D-4F83-99EC-329DF9D58102}" srcOrd="2" destOrd="0" presId="urn:microsoft.com/office/officeart/2005/8/layout/default"/>
+    <dgm:cxn modelId="{45CA91DE-7F8E-4BDD-BB4C-F984546F32D3}" type="presParOf" srcId="{2BDFC1B1-AA42-4E54-A320-42CEF235D817}" destId="{32A5D82A-8B80-4E46-8D9A-F113E1B244EF}" srcOrd="3" destOrd="0" presId="urn:microsoft.com/office/officeart/2005/8/layout/default"/>
+    <dgm:cxn modelId="{B04BD998-E774-4FAA-B6E4-2206C38C1120}" type="presParOf" srcId="{2BDFC1B1-AA42-4E54-A320-42CEF235D817}" destId="{D523628B-FA4F-4BD9-9A6D-CB1C8CD4B1B0}" srcOrd="4" destOrd="0" presId="urn:microsoft.com/office/officeart/2005/8/layout/default"/>
+  </dgm:cxnLst>
+  <dgm:bg/>
+  <dgm:whole/>
+  <dgm:extLst>
+    <a:ext uri="http://schemas.microsoft.com/office/drawing/2008/diagram">
+      <dsp:dataModelExt xmlns:dsp="http://schemas.microsoft.com/office/drawing/2008/diagram" relId="rId7" minVer="http://schemas.openxmlformats.org/drawingml/2006/diagram"/>
+    </a:ext>
+  </dgm:extLst>
+</dgm:dataModel>
+</file>
+
+<file path=ppt/diagrams/data7.xml><?xml version="1.0" encoding="utf-8"?>
+<dgm:dataModel xmlns:dgm="http://schemas.openxmlformats.org/drawingml/2006/diagram" xmlns:a="http://schemas.openxmlformats.org/drawingml/2006/main">
+  <dgm:ptLst>
+    <dgm:pt modelId="{7C0767F4-49A8-4C1D-9FAC-3BC49D08218E}" type="doc">
+      <dgm:prSet loTypeId="urn:microsoft.com/office/officeart/2005/8/layout/default" loCatId="list" qsTypeId="urn:microsoft.com/office/officeart/2005/8/quickstyle/simple1" qsCatId="simple" csTypeId="urn:microsoft.com/office/officeart/2005/8/colors/accent1_2" csCatId="accent1" phldr="1"/>
+      <dgm:spPr/>
+      <dgm:t>
+        <a:bodyPr/>
+        <a:lstStyle/>
+        <a:p>
+          <a:endParaRPr lang="en-US"/>
+        </a:p>
+      </dgm:t>
+    </dgm:pt>
+    <dgm:pt modelId="{545BC824-6181-4CA1-82E5-53DD81752149}">
+      <dgm:prSet phldrT="[Text]"/>
+      <dgm:spPr/>
+      <dgm:t>
+        <a:bodyPr/>
+        <a:lstStyle/>
+        <a:p>
+          <a:r>
+            <a:rPr lang="de-DE" dirty="0"/>
+            <a:t>7.0: Als Geschäftsführer möchte ich den Kundenbetreuern eine zeitgemäßen Browseroberfläche zur Verfügung stellen, um die Einarbeitung so kurz und günstig wie möglich zu halten.</a:t>
+          </a:r>
+          <a:endParaRPr lang="en-US" dirty="0"/>
+        </a:p>
+      </dgm:t>
+    </dgm:pt>
+    <dgm:pt modelId="{ACF386FC-FFFA-4BC7-84C7-E5875848454F}" type="parTrans" cxnId="{4FF7C5E9-9DC3-4EA5-8FAE-8B6995018ACE}">
+      <dgm:prSet/>
+      <dgm:spPr/>
+      <dgm:t>
+        <a:bodyPr/>
+        <a:lstStyle/>
+        <a:p>
+          <a:endParaRPr lang="en-US"/>
+        </a:p>
+      </dgm:t>
+    </dgm:pt>
+    <dgm:pt modelId="{DEB0E6D2-D714-4D02-A926-5D0BEB0E678A}" type="sibTrans" cxnId="{4FF7C5E9-9DC3-4EA5-8FAE-8B6995018ACE}">
+      <dgm:prSet/>
+      <dgm:spPr/>
+      <dgm:t>
+        <a:bodyPr/>
+        <a:lstStyle/>
+        <a:p>
+          <a:endParaRPr lang="en-US"/>
+        </a:p>
+      </dgm:t>
+    </dgm:pt>
+    <dgm:pt modelId="{FB648ED3-61B4-42AE-81EB-C8D52C2B5C77}">
+      <dgm:prSet phldrT="[Text]"/>
+      <dgm:spPr/>
+      <dgm:t>
+        <a:bodyPr/>
+        <a:lstStyle/>
+        <a:p>
+          <a:r>
+            <a:rPr lang="de-DE" dirty="0"/>
+            <a:t>7.1: Als Kundenbetreuer möchte ich eine Übersicht aller Kunden aufrufen können, um den aktuellen Kunden schnell im System auffinden zu können.</a:t>
+          </a:r>
+          <a:endParaRPr lang="en-US" dirty="0"/>
+        </a:p>
+      </dgm:t>
+    </dgm:pt>
+    <dgm:pt modelId="{8A1368E8-A8D0-4B2D-AC6B-C2D4A7162F02}" type="parTrans" cxnId="{2E50E821-5EA5-4E03-A63D-39FD9BD7711D}">
+      <dgm:prSet/>
+      <dgm:spPr/>
+      <dgm:t>
+        <a:bodyPr/>
+        <a:lstStyle/>
+        <a:p>
+          <a:endParaRPr lang="en-US"/>
+        </a:p>
+      </dgm:t>
+    </dgm:pt>
+    <dgm:pt modelId="{C1F21B3A-4C06-4A19-B18A-DFA2DA066AD0}" type="sibTrans" cxnId="{2E50E821-5EA5-4E03-A63D-39FD9BD7711D}">
+      <dgm:prSet/>
+      <dgm:spPr/>
+      <dgm:t>
+        <a:bodyPr/>
+        <a:lstStyle/>
+        <a:p>
+          <a:endParaRPr lang="en-US"/>
+        </a:p>
+      </dgm:t>
+    </dgm:pt>
+    <dgm:pt modelId="{B352EFFD-ABEF-44CC-B7D0-4A2BD78742EC}">
+      <dgm:prSet phldrT="[Text]"/>
+      <dgm:spPr/>
+      <dgm:t>
+        <a:bodyPr/>
+        <a:lstStyle/>
+        <a:p>
+          <a:r>
+            <a:rPr lang="de-DE" dirty="0"/>
+            <a:t>7.2: Als Kundenbetreuer möchte ich aus der Kundenübersicht heraus eine detaillierte Ansicht eines Kunden öffnen können, um dem Kunden Auskunft geben zu können.</a:t>
+          </a:r>
+          <a:endParaRPr lang="en-US" dirty="0"/>
+        </a:p>
+      </dgm:t>
+    </dgm:pt>
+    <dgm:pt modelId="{3271E33A-7EC1-4435-AC78-A5A58B0EA0B3}" type="parTrans" cxnId="{9399CB42-A24D-434E-949F-B8ADDD0E5BA9}">
+      <dgm:prSet/>
+      <dgm:spPr/>
+      <dgm:t>
+        <a:bodyPr/>
+        <a:lstStyle/>
+        <a:p>
+          <a:endParaRPr lang="en-US"/>
+        </a:p>
+      </dgm:t>
+    </dgm:pt>
+    <dgm:pt modelId="{C4D3F69B-BEF0-4836-B7D9-C899B8292A0F}" type="sibTrans" cxnId="{9399CB42-A24D-434E-949F-B8ADDD0E5BA9}">
+      <dgm:prSet/>
+      <dgm:spPr/>
+      <dgm:t>
+        <a:bodyPr/>
+        <a:lstStyle/>
+        <a:p>
+          <a:endParaRPr lang="en-US"/>
+        </a:p>
+      </dgm:t>
+    </dgm:pt>
+    <dgm:pt modelId="{06527F0C-2933-46F2-AC83-36BA7D8AEC4E}">
+      <dgm:prSet phldrT="[Text]"/>
+      <dgm:spPr/>
+      <dgm:t>
+        <a:bodyPr/>
+        <a:lstStyle/>
+        <a:p>
+          <a:r>
+            <a:rPr lang="de-DE" dirty="0"/>
+            <a:t>7.3: Als Kundenbetreuer möchte ich aus der Kundendetailseite heraus die Details eines Kontos dieses Kunden aufrufen können, um auch bei spezifischen Nachfragen antwortfähig zu sein.</a:t>
+          </a:r>
+          <a:endParaRPr lang="en-US" dirty="0"/>
+        </a:p>
+      </dgm:t>
+    </dgm:pt>
+    <dgm:pt modelId="{878BDC2F-1FC6-4046-A6CC-706F2D8AA457}" type="parTrans" cxnId="{431B3179-37ED-4309-865D-AA39E8328A5E}">
+      <dgm:prSet/>
+      <dgm:spPr/>
+      <dgm:t>
+        <a:bodyPr/>
+        <a:lstStyle/>
+        <a:p>
+          <a:endParaRPr lang="en-US"/>
+        </a:p>
+      </dgm:t>
+    </dgm:pt>
+    <dgm:pt modelId="{3011FE7E-5AB0-4DE4-8338-3888B2B01DE4}" type="sibTrans" cxnId="{431B3179-37ED-4309-865D-AA39E8328A5E}">
+      <dgm:prSet/>
+      <dgm:spPr/>
+      <dgm:t>
+        <a:bodyPr/>
+        <a:lstStyle/>
+        <a:p>
+          <a:endParaRPr lang="en-US"/>
+        </a:p>
+      </dgm:t>
+    </dgm:pt>
+    <dgm:pt modelId="{FA1B5E3C-D330-4583-A337-51D3B8ECD3F5}">
+      <dgm:prSet phldrT="[Text]"/>
+      <dgm:spPr/>
+      <dgm:t>
+        <a:bodyPr/>
+        <a:lstStyle/>
+        <a:p>
+          <a:r>
+            <a:rPr lang="de-DE" dirty="0"/>
+            <a:t>7.4: Als Buchhalter möchte ich eine Übersicht aller Konten im System aufrufen und die Beträge aufsummieren können, um meine Berechnungen zu überprüfen.</a:t>
+          </a:r>
+          <a:endParaRPr lang="en-US" dirty="0"/>
+        </a:p>
+      </dgm:t>
+    </dgm:pt>
+    <dgm:pt modelId="{880ACD51-4433-4C74-8E8A-182A6F7F123E}" type="parTrans" cxnId="{ED04C8EE-6B9E-4963-886B-AA4DC54C5585}">
+      <dgm:prSet/>
+      <dgm:spPr/>
+      <dgm:t>
+        <a:bodyPr/>
+        <a:lstStyle/>
+        <a:p>
+          <a:endParaRPr lang="en-US"/>
+        </a:p>
+      </dgm:t>
+    </dgm:pt>
+    <dgm:pt modelId="{00721744-5730-4573-8819-7999692EEF68}" type="sibTrans" cxnId="{ED04C8EE-6B9E-4963-886B-AA4DC54C5585}">
+      <dgm:prSet/>
+      <dgm:spPr/>
+      <dgm:t>
+        <a:bodyPr/>
+        <a:lstStyle/>
+        <a:p>
+          <a:endParaRPr lang="en-US"/>
+        </a:p>
+      </dgm:t>
+    </dgm:pt>
+    <dgm:pt modelId="{BAA7DDC7-D07B-4BAA-94D9-1EA8B4622317}">
+      <dgm:prSet phldrT="[Text]"/>
+      <dgm:spPr/>
+      <dgm:t>
+        <a:bodyPr/>
+        <a:lstStyle/>
+        <a:p>
+          <a:r>
+            <a:rPr lang="de-DE" dirty="0"/>
+            <a:t>7.5: Als Kundenbetreuer möchte ich aus der Kontodetailseite heraus eine Überweisung an ein anderes Konto vornehmen können, um dem Kunden diese Dienstleistung anzubieten.</a:t>
+          </a:r>
+          <a:endParaRPr lang="en-US" dirty="0"/>
+        </a:p>
+      </dgm:t>
+    </dgm:pt>
+    <dgm:pt modelId="{4C225F3D-72FF-48CF-A489-D1210632B4F8}" type="parTrans" cxnId="{10A3A33F-D93C-4AB2-87D4-9BE265652AAB}">
+      <dgm:prSet/>
+      <dgm:spPr/>
+      <dgm:t>
+        <a:bodyPr/>
+        <a:lstStyle/>
+        <a:p>
+          <a:endParaRPr lang="en-US"/>
+        </a:p>
+      </dgm:t>
+    </dgm:pt>
+    <dgm:pt modelId="{B146E232-0CAB-4347-91BD-B06792B84E6F}" type="sibTrans" cxnId="{10A3A33F-D93C-4AB2-87D4-9BE265652AAB}">
+      <dgm:prSet/>
+      <dgm:spPr/>
+      <dgm:t>
+        <a:bodyPr/>
+        <a:lstStyle/>
+        <a:p>
+          <a:endParaRPr lang="en-US"/>
+        </a:p>
+      </dgm:t>
+    </dgm:pt>
+    <dgm:pt modelId="{2BDFC1B1-AA42-4E54-A320-42CEF235D817}" type="pres">
+      <dgm:prSet presAssocID="{7C0767F4-49A8-4C1D-9FAC-3BC49D08218E}" presName="diagram" presStyleCnt="0">
+        <dgm:presLayoutVars>
+          <dgm:dir/>
+          <dgm:resizeHandles val="exact"/>
+        </dgm:presLayoutVars>
+      </dgm:prSet>
+      <dgm:spPr/>
+    </dgm:pt>
+    <dgm:pt modelId="{D2D37EEF-8767-427D-BF99-23DC946B5378}" type="pres">
+      <dgm:prSet presAssocID="{545BC824-6181-4CA1-82E5-53DD81752149}" presName="node" presStyleLbl="node1" presStyleIdx="0" presStyleCnt="6">
+        <dgm:presLayoutVars>
+          <dgm:bulletEnabled val="1"/>
+        </dgm:presLayoutVars>
+      </dgm:prSet>
+      <dgm:spPr/>
+    </dgm:pt>
+    <dgm:pt modelId="{C0B01C70-5ECB-4650-9FE4-8E5FBA0F5708}" type="pres">
+      <dgm:prSet presAssocID="{DEB0E6D2-D714-4D02-A926-5D0BEB0E678A}" presName="sibTrans" presStyleCnt="0"/>
+      <dgm:spPr/>
+    </dgm:pt>
+    <dgm:pt modelId="{F1CDBC35-4E7F-49F9-882D-302392FA679C}" type="pres">
+      <dgm:prSet presAssocID="{FB648ED3-61B4-42AE-81EB-C8D52C2B5C77}" presName="node" presStyleLbl="node1" presStyleIdx="1" presStyleCnt="6">
+        <dgm:presLayoutVars>
+          <dgm:bulletEnabled val="1"/>
+        </dgm:presLayoutVars>
+      </dgm:prSet>
+      <dgm:spPr/>
+    </dgm:pt>
+    <dgm:pt modelId="{F3F8843C-CFAA-4AA9-8CC3-CC1A66EF33C1}" type="pres">
+      <dgm:prSet presAssocID="{C1F21B3A-4C06-4A19-B18A-DFA2DA066AD0}" presName="sibTrans" presStyleCnt="0"/>
+      <dgm:spPr/>
+    </dgm:pt>
+    <dgm:pt modelId="{008BAFF4-1ECE-4CBD-8E27-18E15E94997E}" type="pres">
+      <dgm:prSet presAssocID="{B352EFFD-ABEF-44CC-B7D0-4A2BD78742EC}" presName="node" presStyleLbl="node1" presStyleIdx="2" presStyleCnt="6">
+        <dgm:presLayoutVars>
+          <dgm:bulletEnabled val="1"/>
+        </dgm:presLayoutVars>
+      </dgm:prSet>
+      <dgm:spPr/>
+    </dgm:pt>
+    <dgm:pt modelId="{F410CF5F-F03C-42FF-8F98-59D014DDF7F4}" type="pres">
+      <dgm:prSet presAssocID="{C4D3F69B-BEF0-4836-B7D9-C899B8292A0F}" presName="sibTrans" presStyleCnt="0"/>
+      <dgm:spPr/>
+    </dgm:pt>
+    <dgm:pt modelId="{2EC6EA55-E9A5-42BB-8D0C-4C5CEE47B535}" type="pres">
+      <dgm:prSet presAssocID="{06527F0C-2933-46F2-AC83-36BA7D8AEC4E}" presName="node" presStyleLbl="node1" presStyleIdx="3" presStyleCnt="6">
+        <dgm:presLayoutVars>
+          <dgm:bulletEnabled val="1"/>
+        </dgm:presLayoutVars>
+      </dgm:prSet>
+      <dgm:spPr/>
+    </dgm:pt>
+    <dgm:pt modelId="{B71F5D4A-8775-4238-B604-26E4DF4AB4CC}" type="pres">
+      <dgm:prSet presAssocID="{3011FE7E-5AB0-4DE4-8338-3888B2B01DE4}" presName="sibTrans" presStyleCnt="0"/>
+      <dgm:spPr/>
+    </dgm:pt>
+    <dgm:pt modelId="{99CD628B-7BB3-4FAB-BA15-331F13D2920D}" type="pres">
+      <dgm:prSet presAssocID="{FA1B5E3C-D330-4583-A337-51D3B8ECD3F5}" presName="node" presStyleLbl="node1" presStyleIdx="4" presStyleCnt="6">
+        <dgm:presLayoutVars>
+          <dgm:bulletEnabled val="1"/>
+        </dgm:presLayoutVars>
+      </dgm:prSet>
+      <dgm:spPr/>
+    </dgm:pt>
+    <dgm:pt modelId="{EFFB95F3-49C0-427C-91B6-B73DA6FB4983}" type="pres">
+      <dgm:prSet presAssocID="{00721744-5730-4573-8819-7999692EEF68}" presName="sibTrans" presStyleCnt="0"/>
+      <dgm:spPr/>
+    </dgm:pt>
+    <dgm:pt modelId="{72515A94-7344-4F0B-82E6-E2E9E475EF8D}" type="pres">
+      <dgm:prSet presAssocID="{BAA7DDC7-D07B-4BAA-94D9-1EA8B4622317}" presName="node" presStyleLbl="node1" presStyleIdx="5" presStyleCnt="6">
+        <dgm:presLayoutVars>
+          <dgm:bulletEnabled val="1"/>
+        </dgm:presLayoutVars>
+      </dgm:prSet>
+      <dgm:spPr/>
+    </dgm:pt>
+  </dgm:ptLst>
+  <dgm:cxnLst>
+    <dgm:cxn modelId="{2E50E821-5EA5-4E03-A63D-39FD9BD7711D}" srcId="{7C0767F4-49A8-4C1D-9FAC-3BC49D08218E}" destId="{FB648ED3-61B4-42AE-81EB-C8D52C2B5C77}" srcOrd="1" destOrd="0" parTransId="{8A1368E8-A8D0-4B2D-AC6B-C2D4A7162F02}" sibTransId="{C1F21B3A-4C06-4A19-B18A-DFA2DA066AD0}"/>
+    <dgm:cxn modelId="{1E4AAF35-CAD6-4DB6-9494-AE4CAE19A36B}" type="presOf" srcId="{FA1B5E3C-D330-4583-A337-51D3B8ECD3F5}" destId="{99CD628B-7BB3-4FAB-BA15-331F13D2920D}" srcOrd="0" destOrd="0" presId="urn:microsoft.com/office/officeart/2005/8/layout/default"/>
+    <dgm:cxn modelId="{52A4433F-0480-4778-93D4-E2AC8E2C2296}" type="presOf" srcId="{06527F0C-2933-46F2-AC83-36BA7D8AEC4E}" destId="{2EC6EA55-E9A5-42BB-8D0C-4C5CEE47B535}" srcOrd="0" destOrd="0" presId="urn:microsoft.com/office/officeart/2005/8/layout/default"/>
+    <dgm:cxn modelId="{10A3A33F-D93C-4AB2-87D4-9BE265652AAB}" srcId="{7C0767F4-49A8-4C1D-9FAC-3BC49D08218E}" destId="{BAA7DDC7-D07B-4BAA-94D9-1EA8B4622317}" srcOrd="5" destOrd="0" parTransId="{4C225F3D-72FF-48CF-A489-D1210632B4F8}" sibTransId="{B146E232-0CAB-4347-91BD-B06792B84E6F}"/>
+    <dgm:cxn modelId="{9399CB42-A24D-434E-949F-B8ADDD0E5BA9}" srcId="{7C0767F4-49A8-4C1D-9FAC-3BC49D08218E}" destId="{B352EFFD-ABEF-44CC-B7D0-4A2BD78742EC}" srcOrd="2" destOrd="0" parTransId="{3271E33A-7EC1-4435-AC78-A5A58B0EA0B3}" sibTransId="{C4D3F69B-BEF0-4836-B7D9-C899B8292A0F}"/>
+    <dgm:cxn modelId="{03A60A44-2033-4F36-B497-05B3A6D4BB4E}" type="presOf" srcId="{7C0767F4-49A8-4C1D-9FAC-3BC49D08218E}" destId="{2BDFC1B1-AA42-4E54-A320-42CEF235D817}" srcOrd="0" destOrd="0" presId="urn:microsoft.com/office/officeart/2005/8/layout/default"/>
+    <dgm:cxn modelId="{5983256C-FA7A-446D-8381-CD9AD419E066}" type="presOf" srcId="{FB648ED3-61B4-42AE-81EB-C8D52C2B5C77}" destId="{F1CDBC35-4E7F-49F9-882D-302392FA679C}" srcOrd="0" destOrd="0" presId="urn:microsoft.com/office/officeart/2005/8/layout/default"/>
+    <dgm:cxn modelId="{A736C84F-0D1B-439D-BFF6-30104276CABC}" type="presOf" srcId="{BAA7DDC7-D07B-4BAA-94D9-1EA8B4622317}" destId="{72515A94-7344-4F0B-82E6-E2E9E475EF8D}" srcOrd="0" destOrd="0" presId="urn:microsoft.com/office/officeart/2005/8/layout/default"/>
+    <dgm:cxn modelId="{431B3179-37ED-4309-865D-AA39E8328A5E}" srcId="{7C0767F4-49A8-4C1D-9FAC-3BC49D08218E}" destId="{06527F0C-2933-46F2-AC83-36BA7D8AEC4E}" srcOrd="3" destOrd="0" parTransId="{878BDC2F-1FC6-4046-A6CC-706F2D8AA457}" sibTransId="{3011FE7E-5AB0-4DE4-8338-3888B2B01DE4}"/>
+    <dgm:cxn modelId="{44081B7D-A915-4F30-B187-6306D3678CB6}" type="presOf" srcId="{545BC824-6181-4CA1-82E5-53DD81752149}" destId="{D2D37EEF-8767-427D-BF99-23DC946B5378}" srcOrd="0" destOrd="0" presId="urn:microsoft.com/office/officeart/2005/8/layout/default"/>
+    <dgm:cxn modelId="{DD4B30AE-B036-446E-B57B-59E99F36CE60}" type="presOf" srcId="{B352EFFD-ABEF-44CC-B7D0-4A2BD78742EC}" destId="{008BAFF4-1ECE-4CBD-8E27-18E15E94997E}" srcOrd="0" destOrd="0" presId="urn:microsoft.com/office/officeart/2005/8/layout/default"/>
+    <dgm:cxn modelId="{4FF7C5E9-9DC3-4EA5-8FAE-8B6995018ACE}" srcId="{7C0767F4-49A8-4C1D-9FAC-3BC49D08218E}" destId="{545BC824-6181-4CA1-82E5-53DD81752149}" srcOrd="0" destOrd="0" parTransId="{ACF386FC-FFFA-4BC7-84C7-E5875848454F}" sibTransId="{DEB0E6D2-D714-4D02-A926-5D0BEB0E678A}"/>
+    <dgm:cxn modelId="{ED04C8EE-6B9E-4963-886B-AA4DC54C5585}" srcId="{7C0767F4-49A8-4C1D-9FAC-3BC49D08218E}" destId="{FA1B5E3C-D330-4583-A337-51D3B8ECD3F5}" srcOrd="4" destOrd="0" parTransId="{880ACD51-4433-4C74-8E8A-182A6F7F123E}" sibTransId="{00721744-5730-4573-8819-7999692EEF68}"/>
+    <dgm:cxn modelId="{66CF70D3-39A2-488F-8E56-E719091AB457}" type="presParOf" srcId="{2BDFC1B1-AA42-4E54-A320-42CEF235D817}" destId="{D2D37EEF-8767-427D-BF99-23DC946B5378}" srcOrd="0" destOrd="0" presId="urn:microsoft.com/office/officeart/2005/8/layout/default"/>
+    <dgm:cxn modelId="{B21582CB-4D6B-4203-861A-A3C42C54EA5C}" type="presParOf" srcId="{2BDFC1B1-AA42-4E54-A320-42CEF235D817}" destId="{C0B01C70-5ECB-4650-9FE4-8E5FBA0F5708}" srcOrd="1" destOrd="0" presId="urn:microsoft.com/office/officeart/2005/8/layout/default"/>
+    <dgm:cxn modelId="{193C581D-5BB9-443D-B4FB-D767433703BD}" type="presParOf" srcId="{2BDFC1B1-AA42-4E54-A320-42CEF235D817}" destId="{F1CDBC35-4E7F-49F9-882D-302392FA679C}" srcOrd="2" destOrd="0" presId="urn:microsoft.com/office/officeart/2005/8/layout/default"/>
+    <dgm:cxn modelId="{12AB3940-DFD3-4A95-9C35-85F156D1A94A}" type="presParOf" srcId="{2BDFC1B1-AA42-4E54-A320-42CEF235D817}" destId="{F3F8843C-CFAA-4AA9-8CC3-CC1A66EF33C1}" srcOrd="3" destOrd="0" presId="urn:microsoft.com/office/officeart/2005/8/layout/default"/>
+    <dgm:cxn modelId="{B333CD61-BB02-4499-AC39-E7B3C83D8FC9}" type="presParOf" srcId="{2BDFC1B1-AA42-4E54-A320-42CEF235D817}" destId="{008BAFF4-1ECE-4CBD-8E27-18E15E94997E}" srcOrd="4" destOrd="0" presId="urn:microsoft.com/office/officeart/2005/8/layout/default"/>
+    <dgm:cxn modelId="{2E2EEFAA-B989-45B4-B009-4316BFC8D9E1}" type="presParOf" srcId="{2BDFC1B1-AA42-4E54-A320-42CEF235D817}" destId="{F410CF5F-F03C-42FF-8F98-59D014DDF7F4}" srcOrd="5" destOrd="0" presId="urn:microsoft.com/office/officeart/2005/8/layout/default"/>
+    <dgm:cxn modelId="{A8EDA6F8-D8B0-40E1-891C-52FF4481D62B}" type="presParOf" srcId="{2BDFC1B1-AA42-4E54-A320-42CEF235D817}" destId="{2EC6EA55-E9A5-42BB-8D0C-4C5CEE47B535}" srcOrd="6" destOrd="0" presId="urn:microsoft.com/office/officeart/2005/8/layout/default"/>
+    <dgm:cxn modelId="{6C9CA4DB-482E-4DDE-9F11-6CB811313110}" type="presParOf" srcId="{2BDFC1B1-AA42-4E54-A320-42CEF235D817}" destId="{B71F5D4A-8775-4238-B604-26E4DF4AB4CC}" srcOrd="7" destOrd="0" presId="urn:microsoft.com/office/officeart/2005/8/layout/default"/>
+    <dgm:cxn modelId="{1C81B5B4-EF74-4EE6-B68E-32D9E7CDEF93}" type="presParOf" srcId="{2BDFC1B1-AA42-4E54-A320-42CEF235D817}" destId="{99CD628B-7BB3-4FAB-BA15-331F13D2920D}" srcOrd="8" destOrd="0" presId="urn:microsoft.com/office/officeart/2005/8/layout/default"/>
+    <dgm:cxn modelId="{33539AB0-7324-421E-986B-8CA2E6D6625D}" type="presParOf" srcId="{2BDFC1B1-AA42-4E54-A320-42CEF235D817}" destId="{EFFB95F3-49C0-427C-91B6-B73DA6FB4983}" srcOrd="9" destOrd="0" presId="urn:microsoft.com/office/officeart/2005/8/layout/default"/>
+    <dgm:cxn modelId="{9AE158D5-CD5A-40EB-BAEB-AA6BAC0BE573}" type="presParOf" srcId="{2BDFC1B1-AA42-4E54-A320-42CEF235D817}" destId="{72515A94-7344-4F0B-82E6-E2E9E475EF8D}" srcOrd="10" destOrd="0" presId="urn:microsoft.com/office/officeart/2005/8/layout/default"/>
   </dgm:cxnLst>
   <dgm:bg/>
   <dgm:whole/>
@@ -8650,6 +10752,794 @@
 </dsp:drawing>
 </file>
 
+<file path=ppt/diagrams/drawing6.xml><?xml version="1.0" encoding="utf-8"?>
+<dsp:drawing xmlns:dgm="http://schemas.openxmlformats.org/drawingml/2006/diagram" xmlns:dsp="http://schemas.microsoft.com/office/drawing/2008/diagram" xmlns:a="http://schemas.openxmlformats.org/drawingml/2006/main">
+  <dsp:spTree>
+    <dsp:nvGrpSpPr>
+      <dsp:cNvPr id="0" name=""/>
+      <dsp:cNvGrpSpPr/>
+    </dsp:nvGrpSpPr>
+    <dsp:grpSpPr/>
+    <dsp:sp modelId="{D2D37EEF-8767-427D-BF99-23DC946B5378}">
+      <dsp:nvSpPr>
+        <dsp:cNvPr id="0" name=""/>
+        <dsp:cNvSpPr/>
+      </dsp:nvSpPr>
+      <dsp:spPr>
+        <a:xfrm>
+          <a:off x="0" y="1068387"/>
+          <a:ext cx="3143249" cy="1885950"/>
+        </a:xfrm>
+        <a:prstGeom prst="rect">
+          <a:avLst/>
+        </a:prstGeom>
+        <a:solidFill>
+          <a:schemeClr val="accent1">
+            <a:hueOff val="0"/>
+            <a:satOff val="0"/>
+            <a:lumOff val="0"/>
+            <a:alphaOff val="0"/>
+          </a:schemeClr>
+        </a:solidFill>
+        <a:ln w="15875" cap="flat" cmpd="sng" algn="ctr">
+          <a:solidFill>
+            <a:schemeClr val="lt1">
+              <a:hueOff val="0"/>
+              <a:satOff val="0"/>
+              <a:lumOff val="0"/>
+              <a:alphaOff val="0"/>
+            </a:schemeClr>
+          </a:solidFill>
+          <a:prstDash val="solid"/>
+        </a:ln>
+        <a:effectLst/>
+      </dsp:spPr>
+      <dsp:style>
+        <a:lnRef idx="2">
+          <a:scrgbClr r="0" g="0" b="0"/>
+        </a:lnRef>
+        <a:fillRef idx="1">
+          <a:scrgbClr r="0" g="0" b="0"/>
+        </a:fillRef>
+        <a:effectRef idx="0">
+          <a:scrgbClr r="0" g="0" b="0"/>
+        </a:effectRef>
+        <a:fontRef idx="minor">
+          <a:schemeClr val="lt1"/>
+        </a:fontRef>
+      </dsp:style>
+      <dsp:txBody>
+        <a:bodyPr spcFirstLastPara="0" vert="horz" wrap="square" lIns="60960" tIns="60960" rIns="60960" bIns="60960" numCol="1" spcCol="1270" anchor="ctr" anchorCtr="0">
+          <a:noAutofit/>
+        </a:bodyPr>
+        <a:lstStyle/>
+        <a:p>
+          <a:pPr marL="0" lvl="0" indent="0" algn="ctr" defTabSz="711200">
+            <a:lnSpc>
+              <a:spcPct val="90000"/>
+            </a:lnSpc>
+            <a:spcBef>
+              <a:spcPct val="0"/>
+            </a:spcBef>
+            <a:spcAft>
+              <a:spcPct val="35000"/>
+            </a:spcAft>
+            <a:buNone/>
+          </a:pPr>
+          <a:r>
+            <a:rPr lang="de-DE" sz="1600" kern="1200" dirty="0"/>
+            <a:t>6.1: Als Systemarchitekt möchte ich die Sichten aus Level2 in Form einer REST-API bereitstellen, um beliebige </a:t>
+          </a:r>
+          <a:r>
+            <a:rPr lang="de-DE" sz="1600" kern="1200" dirty="0" err="1"/>
+            <a:t>Frontends</a:t>
+          </a:r>
+          <a:r>
+            <a:rPr lang="de-DE" sz="1600" kern="1200" dirty="0"/>
+            <a:t> anbinden zu können. (</a:t>
+          </a:r>
+          <a:r>
+            <a:rPr lang="de-DE" sz="1600" kern="1200" dirty="0">
+              <a:sym typeface="Wingdings" panose="05000000000000000000" pitchFamily="2" charset="2"/>
+            </a:rPr>
+            <a:t> @</a:t>
+          </a:r>
+          <a:r>
+            <a:rPr lang="de-DE" sz="1600" kern="1200" dirty="0" err="1">
+              <a:sym typeface="Wingdings" panose="05000000000000000000" pitchFamily="2" charset="2"/>
+            </a:rPr>
+            <a:t>RestController</a:t>
+          </a:r>
+          <a:r>
+            <a:rPr lang="de-DE" sz="1600" kern="1200" dirty="0">
+              <a:sym typeface="Wingdings" panose="05000000000000000000" pitchFamily="2" charset="2"/>
+            </a:rPr>
+            <a:t>)</a:t>
+          </a:r>
+          <a:endParaRPr lang="en-US" sz="1600" kern="1200" dirty="0"/>
+        </a:p>
+      </dsp:txBody>
+      <dsp:txXfrm>
+        <a:off x="0" y="1068387"/>
+        <a:ext cx="3143249" cy="1885950"/>
+      </dsp:txXfrm>
+    </dsp:sp>
+    <dsp:sp modelId="{CCF36870-D71D-4F83-99EC-329DF9D58102}">
+      <dsp:nvSpPr>
+        <dsp:cNvPr id="0" name=""/>
+        <dsp:cNvSpPr/>
+      </dsp:nvSpPr>
+      <dsp:spPr>
+        <a:xfrm>
+          <a:off x="3457575" y="1068387"/>
+          <a:ext cx="3143249" cy="1885950"/>
+        </a:xfrm>
+        <a:prstGeom prst="rect">
+          <a:avLst/>
+        </a:prstGeom>
+        <a:solidFill>
+          <a:schemeClr val="accent1">
+            <a:hueOff val="0"/>
+            <a:satOff val="0"/>
+            <a:lumOff val="0"/>
+            <a:alphaOff val="0"/>
+          </a:schemeClr>
+        </a:solidFill>
+        <a:ln w="15875" cap="flat" cmpd="sng" algn="ctr">
+          <a:solidFill>
+            <a:schemeClr val="lt1">
+              <a:hueOff val="0"/>
+              <a:satOff val="0"/>
+              <a:lumOff val="0"/>
+              <a:alphaOff val="0"/>
+            </a:schemeClr>
+          </a:solidFill>
+          <a:prstDash val="solid"/>
+        </a:ln>
+        <a:effectLst/>
+      </dsp:spPr>
+      <dsp:style>
+        <a:lnRef idx="2">
+          <a:scrgbClr r="0" g="0" b="0"/>
+        </a:lnRef>
+        <a:fillRef idx="1">
+          <a:scrgbClr r="0" g="0" b="0"/>
+        </a:fillRef>
+        <a:effectRef idx="0">
+          <a:scrgbClr r="0" g="0" b="0"/>
+        </a:effectRef>
+        <a:fontRef idx="minor">
+          <a:schemeClr val="lt1"/>
+        </a:fontRef>
+      </dsp:style>
+      <dsp:txBody>
+        <a:bodyPr spcFirstLastPara="0" vert="horz" wrap="square" lIns="60960" tIns="60960" rIns="60960" bIns="60960" numCol="1" spcCol="1270" anchor="ctr" anchorCtr="0">
+          <a:noAutofit/>
+        </a:bodyPr>
+        <a:lstStyle/>
+        <a:p>
+          <a:pPr marL="0" lvl="0" indent="0" algn="ctr" defTabSz="711200">
+            <a:lnSpc>
+              <a:spcPct val="90000"/>
+            </a:lnSpc>
+            <a:spcBef>
+              <a:spcPct val="0"/>
+            </a:spcBef>
+            <a:spcAft>
+              <a:spcPct val="35000"/>
+            </a:spcAft>
+            <a:buNone/>
+          </a:pPr>
+          <a:r>
+            <a:rPr lang="de-DE" sz="1600" kern="1200" dirty="0"/>
+            <a:t>6.2: Als Qualitätsverantwortlicher möchte ich die neue REST API durch Integrationstests abgesichert wissen, um die Stabilität der API auch bei zukünftigen Änderungen an der Implementierung garantieren zu können. (</a:t>
+          </a:r>
+          <a:r>
+            <a:rPr lang="de-DE" sz="1600" kern="1200" dirty="0">
+              <a:sym typeface="Wingdings" panose="05000000000000000000" pitchFamily="2" charset="2"/>
+            </a:rPr>
+            <a:t> @</a:t>
+          </a:r>
+          <a:r>
+            <a:rPr lang="de-DE" sz="1600" kern="1200" dirty="0" err="1">
+              <a:sym typeface="Wingdings" panose="05000000000000000000" pitchFamily="2" charset="2"/>
+            </a:rPr>
+            <a:t>WebMvcTest</a:t>
+          </a:r>
+          <a:r>
+            <a:rPr lang="de-DE" sz="1600" kern="1200" dirty="0">
+              <a:sym typeface="Wingdings" panose="05000000000000000000" pitchFamily="2" charset="2"/>
+            </a:rPr>
+            <a:t>)</a:t>
+          </a:r>
+          <a:endParaRPr lang="en-US" sz="1600" kern="1200" dirty="0"/>
+        </a:p>
+      </dsp:txBody>
+      <dsp:txXfrm>
+        <a:off x="3457575" y="1068387"/>
+        <a:ext cx="3143249" cy="1885950"/>
+      </dsp:txXfrm>
+    </dsp:sp>
+    <dsp:sp modelId="{D523628B-FA4F-4BD9-9A6D-CB1C8CD4B1B0}">
+      <dsp:nvSpPr>
+        <dsp:cNvPr id="0" name=""/>
+        <dsp:cNvSpPr/>
+      </dsp:nvSpPr>
+      <dsp:spPr>
+        <a:xfrm>
+          <a:off x="6915149" y="1068387"/>
+          <a:ext cx="3143249" cy="1885950"/>
+        </a:xfrm>
+        <a:prstGeom prst="rect">
+          <a:avLst/>
+        </a:prstGeom>
+        <a:solidFill>
+          <a:schemeClr val="accent1">
+            <a:hueOff val="0"/>
+            <a:satOff val="0"/>
+            <a:lumOff val="0"/>
+            <a:alphaOff val="0"/>
+          </a:schemeClr>
+        </a:solidFill>
+        <a:ln w="15875" cap="flat" cmpd="sng" algn="ctr">
+          <a:solidFill>
+            <a:schemeClr val="lt1">
+              <a:hueOff val="0"/>
+              <a:satOff val="0"/>
+              <a:lumOff val="0"/>
+              <a:alphaOff val="0"/>
+            </a:schemeClr>
+          </a:solidFill>
+          <a:prstDash val="solid"/>
+        </a:ln>
+        <a:effectLst/>
+      </dsp:spPr>
+      <dsp:style>
+        <a:lnRef idx="2">
+          <a:scrgbClr r="0" g="0" b="0"/>
+        </a:lnRef>
+        <a:fillRef idx="1">
+          <a:scrgbClr r="0" g="0" b="0"/>
+        </a:fillRef>
+        <a:effectRef idx="0">
+          <a:scrgbClr r="0" g="0" b="0"/>
+        </a:effectRef>
+        <a:fontRef idx="minor">
+          <a:schemeClr val="lt1"/>
+        </a:fontRef>
+      </dsp:style>
+      <dsp:txBody>
+        <a:bodyPr spcFirstLastPara="0" vert="horz" wrap="square" lIns="60960" tIns="60960" rIns="60960" bIns="60960" numCol="1" spcCol="1270" anchor="ctr" anchorCtr="0">
+          <a:noAutofit/>
+        </a:bodyPr>
+        <a:lstStyle/>
+        <a:p>
+          <a:pPr marL="0" lvl="0" indent="0" algn="ctr" defTabSz="711200">
+            <a:lnSpc>
+              <a:spcPct val="90000"/>
+            </a:lnSpc>
+            <a:spcBef>
+              <a:spcPct val="0"/>
+            </a:spcBef>
+            <a:spcAft>
+              <a:spcPct val="35000"/>
+            </a:spcAft>
+            <a:buNone/>
+          </a:pPr>
+          <a:r>
+            <a:rPr lang="de-DE" sz="1600" kern="1200" dirty="0"/>
+            <a:t>6.3: Als Systemadministrator möchte ich über die REST API Informationen über die Stabilität der Anwendung erhalten, um eine automatisierte Überwachung einrichten zu können (</a:t>
+          </a:r>
+          <a:r>
+            <a:rPr lang="de-DE" sz="1600" kern="1200" dirty="0">
+              <a:sym typeface="Wingdings" panose="05000000000000000000" pitchFamily="2" charset="2"/>
+            </a:rPr>
+            <a:t>Spring Boot </a:t>
+          </a:r>
+          <a:r>
+            <a:rPr lang="de-DE" sz="1600" kern="1200" dirty="0" err="1">
+              <a:sym typeface="Wingdings" panose="05000000000000000000" pitchFamily="2" charset="2"/>
+            </a:rPr>
+            <a:t>Actuator</a:t>
+          </a:r>
+          <a:r>
+            <a:rPr lang="de-DE" sz="1600" kern="1200" dirty="0">
+              <a:sym typeface="Wingdings" panose="05000000000000000000" pitchFamily="2" charset="2"/>
+            </a:rPr>
+            <a:t>)</a:t>
+          </a:r>
+          <a:endParaRPr lang="en-US" sz="1600" kern="1200" dirty="0"/>
+        </a:p>
+      </dsp:txBody>
+      <dsp:txXfrm>
+        <a:off x="6915149" y="1068387"/>
+        <a:ext cx="3143249" cy="1885950"/>
+      </dsp:txXfrm>
+    </dsp:sp>
+  </dsp:spTree>
+</dsp:drawing>
+</file>
+
+<file path=ppt/diagrams/drawing7.xml><?xml version="1.0" encoding="utf-8"?>
+<dsp:drawing xmlns:dgm="http://schemas.openxmlformats.org/drawingml/2006/diagram" xmlns:dsp="http://schemas.microsoft.com/office/drawing/2008/diagram" xmlns:a="http://schemas.openxmlformats.org/drawingml/2006/main">
+  <dsp:spTree>
+    <dsp:nvGrpSpPr>
+      <dsp:cNvPr id="0" name=""/>
+      <dsp:cNvGrpSpPr/>
+    </dsp:nvGrpSpPr>
+    <dsp:grpSpPr/>
+    <dsp:sp modelId="{D2D37EEF-8767-427D-BF99-23DC946B5378}">
+      <dsp:nvSpPr>
+        <dsp:cNvPr id="0" name=""/>
+        <dsp:cNvSpPr/>
+      </dsp:nvSpPr>
+      <dsp:spPr>
+        <a:xfrm>
+          <a:off x="78581" y="173"/>
+          <a:ext cx="3094136" cy="1856482"/>
+        </a:xfrm>
+        <a:prstGeom prst="rect">
+          <a:avLst/>
+        </a:prstGeom>
+        <a:solidFill>
+          <a:schemeClr val="accent1">
+            <a:hueOff val="0"/>
+            <a:satOff val="0"/>
+            <a:lumOff val="0"/>
+            <a:alphaOff val="0"/>
+          </a:schemeClr>
+        </a:solidFill>
+        <a:ln w="15875" cap="flat" cmpd="sng" algn="ctr">
+          <a:solidFill>
+            <a:schemeClr val="lt1">
+              <a:hueOff val="0"/>
+              <a:satOff val="0"/>
+              <a:lumOff val="0"/>
+              <a:alphaOff val="0"/>
+            </a:schemeClr>
+          </a:solidFill>
+          <a:prstDash val="solid"/>
+        </a:ln>
+        <a:effectLst/>
+      </dsp:spPr>
+      <dsp:style>
+        <a:lnRef idx="2">
+          <a:scrgbClr r="0" g="0" b="0"/>
+        </a:lnRef>
+        <a:fillRef idx="1">
+          <a:scrgbClr r="0" g="0" b="0"/>
+        </a:fillRef>
+        <a:effectRef idx="0">
+          <a:scrgbClr r="0" g="0" b="0"/>
+        </a:effectRef>
+        <a:fontRef idx="minor">
+          <a:schemeClr val="lt1"/>
+        </a:fontRef>
+      </dsp:style>
+      <dsp:txBody>
+        <a:bodyPr spcFirstLastPara="0" vert="horz" wrap="square" lIns="64770" tIns="64770" rIns="64770" bIns="64770" numCol="1" spcCol="1270" anchor="ctr" anchorCtr="0">
+          <a:noAutofit/>
+        </a:bodyPr>
+        <a:lstStyle/>
+        <a:p>
+          <a:pPr marL="0" lvl="0" indent="0" algn="ctr" defTabSz="755650">
+            <a:lnSpc>
+              <a:spcPct val="90000"/>
+            </a:lnSpc>
+            <a:spcBef>
+              <a:spcPct val="0"/>
+            </a:spcBef>
+            <a:spcAft>
+              <a:spcPct val="35000"/>
+            </a:spcAft>
+            <a:buNone/>
+          </a:pPr>
+          <a:r>
+            <a:rPr lang="de-DE" sz="1700" kern="1200" dirty="0"/>
+            <a:t>7.0: Als Geschäftsführer möchte ich den Kundenbetreuern eine zeitgemäßen Browseroberfläche zur Verfügung stellen, um die Einarbeitung so kurz und günstig wie möglich zu halten.</a:t>
+          </a:r>
+          <a:endParaRPr lang="en-US" sz="1700" kern="1200" dirty="0"/>
+        </a:p>
+      </dsp:txBody>
+      <dsp:txXfrm>
+        <a:off x="78581" y="173"/>
+        <a:ext cx="3094136" cy="1856482"/>
+      </dsp:txXfrm>
+    </dsp:sp>
+    <dsp:sp modelId="{F1CDBC35-4E7F-49F9-882D-302392FA679C}">
+      <dsp:nvSpPr>
+        <dsp:cNvPr id="0" name=""/>
+        <dsp:cNvSpPr/>
+      </dsp:nvSpPr>
+      <dsp:spPr>
+        <a:xfrm>
+          <a:off x="3482131" y="173"/>
+          <a:ext cx="3094136" cy="1856482"/>
+        </a:xfrm>
+        <a:prstGeom prst="rect">
+          <a:avLst/>
+        </a:prstGeom>
+        <a:solidFill>
+          <a:schemeClr val="accent1">
+            <a:hueOff val="0"/>
+            <a:satOff val="0"/>
+            <a:lumOff val="0"/>
+            <a:alphaOff val="0"/>
+          </a:schemeClr>
+        </a:solidFill>
+        <a:ln w="15875" cap="flat" cmpd="sng" algn="ctr">
+          <a:solidFill>
+            <a:schemeClr val="lt1">
+              <a:hueOff val="0"/>
+              <a:satOff val="0"/>
+              <a:lumOff val="0"/>
+              <a:alphaOff val="0"/>
+            </a:schemeClr>
+          </a:solidFill>
+          <a:prstDash val="solid"/>
+        </a:ln>
+        <a:effectLst/>
+      </dsp:spPr>
+      <dsp:style>
+        <a:lnRef idx="2">
+          <a:scrgbClr r="0" g="0" b="0"/>
+        </a:lnRef>
+        <a:fillRef idx="1">
+          <a:scrgbClr r="0" g="0" b="0"/>
+        </a:fillRef>
+        <a:effectRef idx="0">
+          <a:scrgbClr r="0" g="0" b="0"/>
+        </a:effectRef>
+        <a:fontRef idx="minor">
+          <a:schemeClr val="lt1"/>
+        </a:fontRef>
+      </dsp:style>
+      <dsp:txBody>
+        <a:bodyPr spcFirstLastPara="0" vert="horz" wrap="square" lIns="64770" tIns="64770" rIns="64770" bIns="64770" numCol="1" spcCol="1270" anchor="ctr" anchorCtr="0">
+          <a:noAutofit/>
+        </a:bodyPr>
+        <a:lstStyle/>
+        <a:p>
+          <a:pPr marL="0" lvl="0" indent="0" algn="ctr" defTabSz="755650">
+            <a:lnSpc>
+              <a:spcPct val="90000"/>
+            </a:lnSpc>
+            <a:spcBef>
+              <a:spcPct val="0"/>
+            </a:spcBef>
+            <a:spcAft>
+              <a:spcPct val="35000"/>
+            </a:spcAft>
+            <a:buNone/>
+          </a:pPr>
+          <a:r>
+            <a:rPr lang="de-DE" sz="1700" kern="1200" dirty="0"/>
+            <a:t>7.1: Als Kundenbetreuer möchte ich eine Übersicht aller Kunden aufrufen können, um den aktuellen Kunden schnell im System auffinden zu können.</a:t>
+          </a:r>
+          <a:endParaRPr lang="en-US" sz="1700" kern="1200" dirty="0"/>
+        </a:p>
+      </dsp:txBody>
+      <dsp:txXfrm>
+        <a:off x="3482131" y="173"/>
+        <a:ext cx="3094136" cy="1856482"/>
+      </dsp:txXfrm>
+    </dsp:sp>
+    <dsp:sp modelId="{008BAFF4-1ECE-4CBD-8E27-18E15E94997E}">
+      <dsp:nvSpPr>
+        <dsp:cNvPr id="0" name=""/>
+        <dsp:cNvSpPr/>
+      </dsp:nvSpPr>
+      <dsp:spPr>
+        <a:xfrm>
+          <a:off x="6885682" y="173"/>
+          <a:ext cx="3094136" cy="1856482"/>
+        </a:xfrm>
+        <a:prstGeom prst="rect">
+          <a:avLst/>
+        </a:prstGeom>
+        <a:solidFill>
+          <a:schemeClr val="accent1">
+            <a:hueOff val="0"/>
+            <a:satOff val="0"/>
+            <a:lumOff val="0"/>
+            <a:alphaOff val="0"/>
+          </a:schemeClr>
+        </a:solidFill>
+        <a:ln w="15875" cap="flat" cmpd="sng" algn="ctr">
+          <a:solidFill>
+            <a:schemeClr val="lt1">
+              <a:hueOff val="0"/>
+              <a:satOff val="0"/>
+              <a:lumOff val="0"/>
+              <a:alphaOff val="0"/>
+            </a:schemeClr>
+          </a:solidFill>
+          <a:prstDash val="solid"/>
+        </a:ln>
+        <a:effectLst/>
+      </dsp:spPr>
+      <dsp:style>
+        <a:lnRef idx="2">
+          <a:scrgbClr r="0" g="0" b="0"/>
+        </a:lnRef>
+        <a:fillRef idx="1">
+          <a:scrgbClr r="0" g="0" b="0"/>
+        </a:fillRef>
+        <a:effectRef idx="0">
+          <a:scrgbClr r="0" g="0" b="0"/>
+        </a:effectRef>
+        <a:fontRef idx="minor">
+          <a:schemeClr val="lt1"/>
+        </a:fontRef>
+      </dsp:style>
+      <dsp:txBody>
+        <a:bodyPr spcFirstLastPara="0" vert="horz" wrap="square" lIns="64770" tIns="64770" rIns="64770" bIns="64770" numCol="1" spcCol="1270" anchor="ctr" anchorCtr="0">
+          <a:noAutofit/>
+        </a:bodyPr>
+        <a:lstStyle/>
+        <a:p>
+          <a:pPr marL="0" lvl="0" indent="0" algn="ctr" defTabSz="755650">
+            <a:lnSpc>
+              <a:spcPct val="90000"/>
+            </a:lnSpc>
+            <a:spcBef>
+              <a:spcPct val="0"/>
+            </a:spcBef>
+            <a:spcAft>
+              <a:spcPct val="35000"/>
+            </a:spcAft>
+            <a:buNone/>
+          </a:pPr>
+          <a:r>
+            <a:rPr lang="de-DE" sz="1700" kern="1200" dirty="0"/>
+            <a:t>7.2: Als Kundenbetreuer möchte ich aus der Kundenübersicht heraus eine detaillierte Ansicht eines Kunden öffnen können, um dem Kunden Auskunft geben zu können.</a:t>
+          </a:r>
+          <a:endParaRPr lang="en-US" sz="1700" kern="1200" dirty="0"/>
+        </a:p>
+      </dsp:txBody>
+      <dsp:txXfrm>
+        <a:off x="6885682" y="173"/>
+        <a:ext cx="3094136" cy="1856482"/>
+      </dsp:txXfrm>
+    </dsp:sp>
+    <dsp:sp modelId="{2EC6EA55-E9A5-42BB-8D0C-4C5CEE47B535}">
+      <dsp:nvSpPr>
+        <dsp:cNvPr id="0" name=""/>
+        <dsp:cNvSpPr/>
+      </dsp:nvSpPr>
+      <dsp:spPr>
+        <a:xfrm>
+          <a:off x="78581" y="2166069"/>
+          <a:ext cx="3094136" cy="1856482"/>
+        </a:xfrm>
+        <a:prstGeom prst="rect">
+          <a:avLst/>
+        </a:prstGeom>
+        <a:solidFill>
+          <a:schemeClr val="accent1">
+            <a:hueOff val="0"/>
+            <a:satOff val="0"/>
+            <a:lumOff val="0"/>
+            <a:alphaOff val="0"/>
+          </a:schemeClr>
+        </a:solidFill>
+        <a:ln w="15875" cap="flat" cmpd="sng" algn="ctr">
+          <a:solidFill>
+            <a:schemeClr val="lt1">
+              <a:hueOff val="0"/>
+              <a:satOff val="0"/>
+              <a:lumOff val="0"/>
+              <a:alphaOff val="0"/>
+            </a:schemeClr>
+          </a:solidFill>
+          <a:prstDash val="solid"/>
+        </a:ln>
+        <a:effectLst/>
+      </dsp:spPr>
+      <dsp:style>
+        <a:lnRef idx="2">
+          <a:scrgbClr r="0" g="0" b="0"/>
+        </a:lnRef>
+        <a:fillRef idx="1">
+          <a:scrgbClr r="0" g="0" b="0"/>
+        </a:fillRef>
+        <a:effectRef idx="0">
+          <a:scrgbClr r="0" g="0" b="0"/>
+        </a:effectRef>
+        <a:fontRef idx="minor">
+          <a:schemeClr val="lt1"/>
+        </a:fontRef>
+      </dsp:style>
+      <dsp:txBody>
+        <a:bodyPr spcFirstLastPara="0" vert="horz" wrap="square" lIns="64770" tIns="64770" rIns="64770" bIns="64770" numCol="1" spcCol="1270" anchor="ctr" anchorCtr="0">
+          <a:noAutofit/>
+        </a:bodyPr>
+        <a:lstStyle/>
+        <a:p>
+          <a:pPr marL="0" lvl="0" indent="0" algn="ctr" defTabSz="755650">
+            <a:lnSpc>
+              <a:spcPct val="90000"/>
+            </a:lnSpc>
+            <a:spcBef>
+              <a:spcPct val="0"/>
+            </a:spcBef>
+            <a:spcAft>
+              <a:spcPct val="35000"/>
+            </a:spcAft>
+            <a:buNone/>
+          </a:pPr>
+          <a:r>
+            <a:rPr lang="de-DE" sz="1700" kern="1200" dirty="0"/>
+            <a:t>7.3: Als Kundenbetreuer möchte ich aus der Kundendetailseite heraus die Details eines Kontos dieses Kunden aufrufen können, um auch bei spezifischen Nachfragen antwortfähig zu sein.</a:t>
+          </a:r>
+          <a:endParaRPr lang="en-US" sz="1700" kern="1200" dirty="0"/>
+        </a:p>
+      </dsp:txBody>
+      <dsp:txXfrm>
+        <a:off x="78581" y="2166069"/>
+        <a:ext cx="3094136" cy="1856482"/>
+      </dsp:txXfrm>
+    </dsp:sp>
+    <dsp:sp modelId="{99CD628B-7BB3-4FAB-BA15-331F13D2920D}">
+      <dsp:nvSpPr>
+        <dsp:cNvPr id="0" name=""/>
+        <dsp:cNvSpPr/>
+      </dsp:nvSpPr>
+      <dsp:spPr>
+        <a:xfrm>
+          <a:off x="3482131" y="2166069"/>
+          <a:ext cx="3094136" cy="1856482"/>
+        </a:xfrm>
+        <a:prstGeom prst="rect">
+          <a:avLst/>
+        </a:prstGeom>
+        <a:solidFill>
+          <a:schemeClr val="accent1">
+            <a:hueOff val="0"/>
+            <a:satOff val="0"/>
+            <a:lumOff val="0"/>
+            <a:alphaOff val="0"/>
+          </a:schemeClr>
+        </a:solidFill>
+        <a:ln w="15875" cap="flat" cmpd="sng" algn="ctr">
+          <a:solidFill>
+            <a:schemeClr val="lt1">
+              <a:hueOff val="0"/>
+              <a:satOff val="0"/>
+              <a:lumOff val="0"/>
+              <a:alphaOff val="0"/>
+            </a:schemeClr>
+          </a:solidFill>
+          <a:prstDash val="solid"/>
+        </a:ln>
+        <a:effectLst/>
+      </dsp:spPr>
+      <dsp:style>
+        <a:lnRef idx="2">
+          <a:scrgbClr r="0" g="0" b="0"/>
+        </a:lnRef>
+        <a:fillRef idx="1">
+          <a:scrgbClr r="0" g="0" b="0"/>
+        </a:fillRef>
+        <a:effectRef idx="0">
+          <a:scrgbClr r="0" g="0" b="0"/>
+        </a:effectRef>
+        <a:fontRef idx="minor">
+          <a:schemeClr val="lt1"/>
+        </a:fontRef>
+      </dsp:style>
+      <dsp:txBody>
+        <a:bodyPr spcFirstLastPara="0" vert="horz" wrap="square" lIns="64770" tIns="64770" rIns="64770" bIns="64770" numCol="1" spcCol="1270" anchor="ctr" anchorCtr="0">
+          <a:noAutofit/>
+        </a:bodyPr>
+        <a:lstStyle/>
+        <a:p>
+          <a:pPr marL="0" lvl="0" indent="0" algn="ctr" defTabSz="755650">
+            <a:lnSpc>
+              <a:spcPct val="90000"/>
+            </a:lnSpc>
+            <a:spcBef>
+              <a:spcPct val="0"/>
+            </a:spcBef>
+            <a:spcAft>
+              <a:spcPct val="35000"/>
+            </a:spcAft>
+            <a:buNone/>
+          </a:pPr>
+          <a:r>
+            <a:rPr lang="de-DE" sz="1700" kern="1200" dirty="0"/>
+            <a:t>7.4: Als Buchhalter möchte ich eine Übersicht aller Konten im System aufrufen und die Beträge aufsummieren können, um meine Berechnungen zu überprüfen.</a:t>
+          </a:r>
+          <a:endParaRPr lang="en-US" sz="1700" kern="1200" dirty="0"/>
+        </a:p>
+      </dsp:txBody>
+      <dsp:txXfrm>
+        <a:off x="3482131" y="2166069"/>
+        <a:ext cx="3094136" cy="1856482"/>
+      </dsp:txXfrm>
+    </dsp:sp>
+    <dsp:sp modelId="{72515A94-7344-4F0B-82E6-E2E9E475EF8D}">
+      <dsp:nvSpPr>
+        <dsp:cNvPr id="0" name=""/>
+        <dsp:cNvSpPr/>
+      </dsp:nvSpPr>
+      <dsp:spPr>
+        <a:xfrm>
+          <a:off x="6885682" y="2166069"/>
+          <a:ext cx="3094136" cy="1856482"/>
+        </a:xfrm>
+        <a:prstGeom prst="rect">
+          <a:avLst/>
+        </a:prstGeom>
+        <a:solidFill>
+          <a:schemeClr val="accent1">
+            <a:hueOff val="0"/>
+            <a:satOff val="0"/>
+            <a:lumOff val="0"/>
+            <a:alphaOff val="0"/>
+          </a:schemeClr>
+        </a:solidFill>
+        <a:ln w="15875" cap="flat" cmpd="sng" algn="ctr">
+          <a:solidFill>
+            <a:schemeClr val="lt1">
+              <a:hueOff val="0"/>
+              <a:satOff val="0"/>
+              <a:lumOff val="0"/>
+              <a:alphaOff val="0"/>
+            </a:schemeClr>
+          </a:solidFill>
+          <a:prstDash val="solid"/>
+        </a:ln>
+        <a:effectLst/>
+      </dsp:spPr>
+      <dsp:style>
+        <a:lnRef idx="2">
+          <a:scrgbClr r="0" g="0" b="0"/>
+        </a:lnRef>
+        <a:fillRef idx="1">
+          <a:scrgbClr r="0" g="0" b="0"/>
+        </a:fillRef>
+        <a:effectRef idx="0">
+          <a:scrgbClr r="0" g="0" b="0"/>
+        </a:effectRef>
+        <a:fontRef idx="minor">
+          <a:schemeClr val="lt1"/>
+        </a:fontRef>
+      </dsp:style>
+      <dsp:txBody>
+        <a:bodyPr spcFirstLastPara="0" vert="horz" wrap="square" lIns="64770" tIns="64770" rIns="64770" bIns="64770" numCol="1" spcCol="1270" anchor="ctr" anchorCtr="0">
+          <a:noAutofit/>
+        </a:bodyPr>
+        <a:lstStyle/>
+        <a:p>
+          <a:pPr marL="0" lvl="0" indent="0" algn="ctr" defTabSz="755650">
+            <a:lnSpc>
+              <a:spcPct val="90000"/>
+            </a:lnSpc>
+            <a:spcBef>
+              <a:spcPct val="0"/>
+            </a:spcBef>
+            <a:spcAft>
+              <a:spcPct val="35000"/>
+            </a:spcAft>
+            <a:buNone/>
+          </a:pPr>
+          <a:r>
+            <a:rPr lang="de-DE" sz="1700" kern="1200" dirty="0"/>
+            <a:t>7.5: Als Kundenbetreuer möchte ich aus der Kontodetailseite heraus eine Überweisung an ein anderes Konto vornehmen können, um dem Kunden diese Dienstleistung anzubieten.</a:t>
+          </a:r>
+          <a:endParaRPr lang="en-US" sz="1700" kern="1200" dirty="0"/>
+        </a:p>
+      </dsp:txBody>
+      <dsp:txXfrm>
+        <a:off x="6885682" y="2166069"/>
+        <a:ext cx="3094136" cy="1856482"/>
+      </dsp:txXfrm>
+    </dsp:sp>
+  </dsp:spTree>
+</dsp:drawing>
+</file>
+
 <file path=ppt/diagrams/layout1.xml><?xml version="1.0" encoding="utf-8"?>
 <dgm:layoutDef xmlns:dgm="http://schemas.openxmlformats.org/drawingml/2006/diagram" xmlns:a="http://schemas.openxmlformats.org/drawingml/2006/main" uniqueId="urn:microsoft.com/office/officeart/2005/8/layout/default">
   <dgm:title val=""/>
@@ -9455,6 +12345,300 @@
 </dgm:layoutDef>
 </file>
 
+<file path=ppt/diagrams/layout6.xml><?xml version="1.0" encoding="utf-8"?>
+<dgm:layoutDef xmlns:dgm="http://schemas.openxmlformats.org/drawingml/2006/diagram" xmlns:a="http://schemas.openxmlformats.org/drawingml/2006/main" uniqueId="urn:microsoft.com/office/officeart/2005/8/layout/default">
+  <dgm:title val=""/>
+  <dgm:desc val=""/>
+  <dgm:catLst>
+    <dgm:cat type="list" pri="400"/>
+  </dgm:catLst>
+  <dgm:sampData>
+    <dgm:dataModel>
+      <dgm:ptLst>
+        <dgm:pt modelId="0" type="doc"/>
+        <dgm:pt modelId="1">
+          <dgm:prSet phldr="1"/>
+        </dgm:pt>
+        <dgm:pt modelId="2">
+          <dgm:prSet phldr="1"/>
+        </dgm:pt>
+        <dgm:pt modelId="3">
+          <dgm:prSet phldr="1"/>
+        </dgm:pt>
+        <dgm:pt modelId="4">
+          <dgm:prSet phldr="1"/>
+        </dgm:pt>
+        <dgm:pt modelId="5">
+          <dgm:prSet phldr="1"/>
+        </dgm:pt>
+      </dgm:ptLst>
+      <dgm:cxnLst>
+        <dgm:cxn modelId="6" srcId="0" destId="1" srcOrd="0" destOrd="0"/>
+        <dgm:cxn modelId="7" srcId="0" destId="2" srcOrd="1" destOrd="0"/>
+        <dgm:cxn modelId="8" srcId="0" destId="3" srcOrd="2" destOrd="0"/>
+        <dgm:cxn modelId="9" srcId="0" destId="4" srcOrd="3" destOrd="0"/>
+        <dgm:cxn modelId="10" srcId="0" destId="5" srcOrd="4" destOrd="0"/>
+      </dgm:cxnLst>
+      <dgm:bg/>
+      <dgm:whole/>
+    </dgm:dataModel>
+  </dgm:sampData>
+  <dgm:styleData>
+    <dgm:dataModel>
+      <dgm:ptLst>
+        <dgm:pt modelId="0" type="doc"/>
+        <dgm:pt modelId="1"/>
+        <dgm:pt modelId="2"/>
+      </dgm:ptLst>
+      <dgm:cxnLst>
+        <dgm:cxn modelId="3" srcId="0" destId="1" srcOrd="0" destOrd="0"/>
+        <dgm:cxn modelId="4" srcId="0" destId="2" srcOrd="1" destOrd="0"/>
+      </dgm:cxnLst>
+      <dgm:bg/>
+      <dgm:whole/>
+    </dgm:dataModel>
+  </dgm:styleData>
+  <dgm:clrData>
+    <dgm:dataModel>
+      <dgm:ptLst>
+        <dgm:pt modelId="0" type="doc"/>
+        <dgm:pt modelId="1"/>
+        <dgm:pt modelId="2"/>
+        <dgm:pt modelId="3"/>
+        <dgm:pt modelId="4"/>
+        <dgm:pt modelId="5"/>
+        <dgm:pt modelId="6"/>
+      </dgm:ptLst>
+      <dgm:cxnLst>
+        <dgm:cxn modelId="7" srcId="0" destId="1" srcOrd="0" destOrd="0"/>
+        <dgm:cxn modelId="8" srcId="0" destId="2" srcOrd="1" destOrd="0"/>
+        <dgm:cxn modelId="9" srcId="0" destId="3" srcOrd="2" destOrd="0"/>
+        <dgm:cxn modelId="10" srcId="0" destId="4" srcOrd="3" destOrd="0"/>
+        <dgm:cxn modelId="11" srcId="0" destId="5" srcOrd="4" destOrd="0"/>
+        <dgm:cxn modelId="12" srcId="0" destId="6" srcOrd="5" destOrd="0"/>
+      </dgm:cxnLst>
+      <dgm:bg/>
+      <dgm:whole/>
+    </dgm:dataModel>
+  </dgm:clrData>
+  <dgm:layoutNode name="diagram">
+    <dgm:varLst>
+      <dgm:dir/>
+      <dgm:resizeHandles val="exact"/>
+    </dgm:varLst>
+    <dgm:choose name="Name0">
+      <dgm:if name="Name1" func="var" arg="dir" op="equ" val="norm">
+        <dgm:alg type="snake">
+          <dgm:param type="grDir" val="tL"/>
+          <dgm:param type="flowDir" val="row"/>
+          <dgm:param type="contDir" val="sameDir"/>
+          <dgm:param type="off" val="ctr"/>
+        </dgm:alg>
+      </dgm:if>
+      <dgm:else name="Name2">
+        <dgm:alg type="snake">
+          <dgm:param type="grDir" val="tR"/>
+          <dgm:param type="flowDir" val="row"/>
+          <dgm:param type="contDir" val="sameDir"/>
+          <dgm:param type="off" val="ctr"/>
+        </dgm:alg>
+      </dgm:else>
+    </dgm:choose>
+    <dgm:shape xmlns:r="http://schemas.openxmlformats.org/officeDocument/2006/relationships" r:blip="">
+      <dgm:adjLst/>
+    </dgm:shape>
+    <dgm:presOf/>
+    <dgm:constrLst>
+      <dgm:constr type="w" for="ch" forName="node" refType="w"/>
+      <dgm:constr type="h" for="ch" forName="node" refType="w" refFor="ch" refForName="node" fact="0.6"/>
+      <dgm:constr type="w" for="ch" forName="sibTrans" refType="w" refFor="ch" refForName="node" fact="0.1"/>
+      <dgm:constr type="sp" refType="w" refFor="ch" refForName="sibTrans"/>
+      <dgm:constr type="primFontSz" for="ch" forName="node" op="equ" val="65"/>
+    </dgm:constrLst>
+    <dgm:ruleLst/>
+    <dgm:forEach name="Name3" axis="ch" ptType="node">
+      <dgm:layoutNode name="node">
+        <dgm:varLst>
+          <dgm:bulletEnabled val="1"/>
+        </dgm:varLst>
+        <dgm:alg type="tx"/>
+        <dgm:shape xmlns:r="http://schemas.openxmlformats.org/officeDocument/2006/relationships" type="rect" r:blip="">
+          <dgm:adjLst/>
+        </dgm:shape>
+        <dgm:presOf axis="desOrSelf" ptType="node"/>
+        <dgm:constrLst>
+          <dgm:constr type="lMarg" refType="primFontSz" fact="0.3"/>
+          <dgm:constr type="rMarg" refType="primFontSz" fact="0.3"/>
+          <dgm:constr type="tMarg" refType="primFontSz" fact="0.3"/>
+          <dgm:constr type="bMarg" refType="primFontSz" fact="0.3"/>
+        </dgm:constrLst>
+        <dgm:ruleLst>
+          <dgm:rule type="primFontSz" val="5" fact="NaN" max="NaN"/>
+        </dgm:ruleLst>
+      </dgm:layoutNode>
+      <dgm:forEach name="Name4" axis="followSib" ptType="sibTrans" cnt="1">
+        <dgm:layoutNode name="sibTrans">
+          <dgm:alg type="sp"/>
+          <dgm:shape xmlns:r="http://schemas.openxmlformats.org/officeDocument/2006/relationships" r:blip="">
+            <dgm:adjLst/>
+          </dgm:shape>
+          <dgm:presOf/>
+          <dgm:constrLst/>
+          <dgm:ruleLst/>
+        </dgm:layoutNode>
+      </dgm:forEach>
+    </dgm:forEach>
+  </dgm:layoutNode>
+</dgm:layoutDef>
+</file>
+
+<file path=ppt/diagrams/layout7.xml><?xml version="1.0" encoding="utf-8"?>
+<dgm:layoutDef xmlns:dgm="http://schemas.openxmlformats.org/drawingml/2006/diagram" xmlns:a="http://schemas.openxmlformats.org/drawingml/2006/main" uniqueId="urn:microsoft.com/office/officeart/2005/8/layout/default">
+  <dgm:title val=""/>
+  <dgm:desc val=""/>
+  <dgm:catLst>
+    <dgm:cat type="list" pri="400"/>
+  </dgm:catLst>
+  <dgm:sampData>
+    <dgm:dataModel>
+      <dgm:ptLst>
+        <dgm:pt modelId="0" type="doc"/>
+        <dgm:pt modelId="1">
+          <dgm:prSet phldr="1"/>
+        </dgm:pt>
+        <dgm:pt modelId="2">
+          <dgm:prSet phldr="1"/>
+        </dgm:pt>
+        <dgm:pt modelId="3">
+          <dgm:prSet phldr="1"/>
+        </dgm:pt>
+        <dgm:pt modelId="4">
+          <dgm:prSet phldr="1"/>
+        </dgm:pt>
+        <dgm:pt modelId="5">
+          <dgm:prSet phldr="1"/>
+        </dgm:pt>
+      </dgm:ptLst>
+      <dgm:cxnLst>
+        <dgm:cxn modelId="6" srcId="0" destId="1" srcOrd="0" destOrd="0"/>
+        <dgm:cxn modelId="7" srcId="0" destId="2" srcOrd="1" destOrd="0"/>
+        <dgm:cxn modelId="8" srcId="0" destId="3" srcOrd="2" destOrd="0"/>
+        <dgm:cxn modelId="9" srcId="0" destId="4" srcOrd="3" destOrd="0"/>
+        <dgm:cxn modelId="10" srcId="0" destId="5" srcOrd="4" destOrd="0"/>
+      </dgm:cxnLst>
+      <dgm:bg/>
+      <dgm:whole/>
+    </dgm:dataModel>
+  </dgm:sampData>
+  <dgm:styleData>
+    <dgm:dataModel>
+      <dgm:ptLst>
+        <dgm:pt modelId="0" type="doc"/>
+        <dgm:pt modelId="1"/>
+        <dgm:pt modelId="2"/>
+      </dgm:ptLst>
+      <dgm:cxnLst>
+        <dgm:cxn modelId="3" srcId="0" destId="1" srcOrd="0" destOrd="0"/>
+        <dgm:cxn modelId="4" srcId="0" destId="2" srcOrd="1" destOrd="0"/>
+      </dgm:cxnLst>
+      <dgm:bg/>
+      <dgm:whole/>
+    </dgm:dataModel>
+  </dgm:styleData>
+  <dgm:clrData>
+    <dgm:dataModel>
+      <dgm:ptLst>
+        <dgm:pt modelId="0" type="doc"/>
+        <dgm:pt modelId="1"/>
+        <dgm:pt modelId="2"/>
+        <dgm:pt modelId="3"/>
+        <dgm:pt modelId="4"/>
+        <dgm:pt modelId="5"/>
+        <dgm:pt modelId="6"/>
+      </dgm:ptLst>
+      <dgm:cxnLst>
+        <dgm:cxn modelId="7" srcId="0" destId="1" srcOrd="0" destOrd="0"/>
+        <dgm:cxn modelId="8" srcId="0" destId="2" srcOrd="1" destOrd="0"/>
+        <dgm:cxn modelId="9" srcId="0" destId="3" srcOrd="2" destOrd="0"/>
+        <dgm:cxn modelId="10" srcId="0" destId="4" srcOrd="3" destOrd="0"/>
+        <dgm:cxn modelId="11" srcId="0" destId="5" srcOrd="4" destOrd="0"/>
+        <dgm:cxn modelId="12" srcId="0" destId="6" srcOrd="5" destOrd="0"/>
+      </dgm:cxnLst>
+      <dgm:bg/>
+      <dgm:whole/>
+    </dgm:dataModel>
+  </dgm:clrData>
+  <dgm:layoutNode name="diagram">
+    <dgm:varLst>
+      <dgm:dir/>
+      <dgm:resizeHandles val="exact"/>
+    </dgm:varLst>
+    <dgm:choose name="Name0">
+      <dgm:if name="Name1" func="var" arg="dir" op="equ" val="norm">
+        <dgm:alg type="snake">
+          <dgm:param type="grDir" val="tL"/>
+          <dgm:param type="flowDir" val="row"/>
+          <dgm:param type="contDir" val="sameDir"/>
+          <dgm:param type="off" val="ctr"/>
+        </dgm:alg>
+      </dgm:if>
+      <dgm:else name="Name2">
+        <dgm:alg type="snake">
+          <dgm:param type="grDir" val="tR"/>
+          <dgm:param type="flowDir" val="row"/>
+          <dgm:param type="contDir" val="sameDir"/>
+          <dgm:param type="off" val="ctr"/>
+        </dgm:alg>
+      </dgm:else>
+    </dgm:choose>
+    <dgm:shape xmlns:r="http://schemas.openxmlformats.org/officeDocument/2006/relationships" r:blip="">
+      <dgm:adjLst/>
+    </dgm:shape>
+    <dgm:presOf/>
+    <dgm:constrLst>
+      <dgm:constr type="w" for="ch" forName="node" refType="w"/>
+      <dgm:constr type="h" for="ch" forName="node" refType="w" refFor="ch" refForName="node" fact="0.6"/>
+      <dgm:constr type="w" for="ch" forName="sibTrans" refType="w" refFor="ch" refForName="node" fact="0.1"/>
+      <dgm:constr type="sp" refType="w" refFor="ch" refForName="sibTrans"/>
+      <dgm:constr type="primFontSz" for="ch" forName="node" op="equ" val="65"/>
+    </dgm:constrLst>
+    <dgm:ruleLst/>
+    <dgm:forEach name="Name3" axis="ch" ptType="node">
+      <dgm:layoutNode name="node">
+        <dgm:varLst>
+          <dgm:bulletEnabled val="1"/>
+        </dgm:varLst>
+        <dgm:alg type="tx"/>
+        <dgm:shape xmlns:r="http://schemas.openxmlformats.org/officeDocument/2006/relationships" type="rect" r:blip="">
+          <dgm:adjLst/>
+        </dgm:shape>
+        <dgm:presOf axis="desOrSelf" ptType="node"/>
+        <dgm:constrLst>
+          <dgm:constr type="lMarg" refType="primFontSz" fact="0.3"/>
+          <dgm:constr type="rMarg" refType="primFontSz" fact="0.3"/>
+          <dgm:constr type="tMarg" refType="primFontSz" fact="0.3"/>
+          <dgm:constr type="bMarg" refType="primFontSz" fact="0.3"/>
+        </dgm:constrLst>
+        <dgm:ruleLst>
+          <dgm:rule type="primFontSz" val="5" fact="NaN" max="NaN"/>
+        </dgm:ruleLst>
+      </dgm:layoutNode>
+      <dgm:forEach name="Name4" axis="followSib" ptType="sibTrans" cnt="1">
+        <dgm:layoutNode name="sibTrans">
+          <dgm:alg type="sp"/>
+          <dgm:shape xmlns:r="http://schemas.openxmlformats.org/officeDocument/2006/relationships" r:blip="">
+            <dgm:adjLst/>
+          </dgm:shape>
+          <dgm:presOf/>
+          <dgm:constrLst/>
+          <dgm:ruleLst/>
+        </dgm:layoutNode>
+      </dgm:forEach>
+    </dgm:forEach>
+  </dgm:layoutNode>
+</dgm:layoutDef>
+</file>
+
 <file path=ppt/diagrams/quickStyle1.xml><?xml version="1.0" encoding="utf-8"?>
 <dgm:styleDef xmlns:dgm="http://schemas.openxmlformats.org/drawingml/2006/diagram" xmlns:a="http://schemas.openxmlformats.org/drawingml/2006/main" uniqueId="urn:microsoft.com/office/officeart/2005/8/quickstyle/simple1">
   <dgm:title val=""/>
@@ -13592,6 +16776,2074 @@
 </file>
 
 <file path=ppt/diagrams/quickStyle5.xml><?xml version="1.0" encoding="utf-8"?>
+<dgm:styleDef xmlns:dgm="http://schemas.openxmlformats.org/drawingml/2006/diagram" xmlns:a="http://schemas.openxmlformats.org/drawingml/2006/main" uniqueId="urn:microsoft.com/office/officeart/2005/8/quickstyle/simple1">
+  <dgm:title val=""/>
+  <dgm:desc val=""/>
+  <dgm:catLst>
+    <dgm:cat type="simple" pri="10100"/>
+  </dgm:catLst>
+  <dgm:scene3d>
+    <a:camera prst="orthographicFront"/>
+    <a:lightRig rig="threePt" dir="t"/>
+  </dgm:scene3d>
+  <dgm:styleLbl name="node0">
+    <dgm:scene3d>
+      <a:camera prst="orthographicFront"/>
+      <a:lightRig rig="threePt" dir="t"/>
+    </dgm:scene3d>
+    <dgm:sp3d/>
+    <dgm:txPr/>
+    <dgm:style>
+      <a:lnRef idx="2">
+        <a:scrgbClr r="0" g="0" b="0"/>
+      </a:lnRef>
+      <a:fillRef idx="1">
+        <a:scrgbClr r="0" g="0" b="0"/>
+      </a:fillRef>
+      <a:effectRef idx="0">
+        <a:scrgbClr r="0" g="0" b="0"/>
+      </a:effectRef>
+      <a:fontRef idx="minor">
+        <a:schemeClr val="lt1"/>
+      </a:fontRef>
+    </dgm:style>
+  </dgm:styleLbl>
+  <dgm:styleLbl name="lnNode1">
+    <dgm:scene3d>
+      <a:camera prst="orthographicFront"/>
+      <a:lightRig rig="threePt" dir="t"/>
+    </dgm:scene3d>
+    <dgm:sp3d/>
+    <dgm:txPr/>
+    <dgm:style>
+      <a:lnRef idx="2">
+        <a:scrgbClr r="0" g="0" b="0"/>
+      </a:lnRef>
+      <a:fillRef idx="1">
+        <a:scrgbClr r="0" g="0" b="0"/>
+      </a:fillRef>
+      <a:effectRef idx="0">
+        <a:scrgbClr r="0" g="0" b="0"/>
+      </a:effectRef>
+      <a:fontRef idx="minor">
+        <a:schemeClr val="lt1"/>
+      </a:fontRef>
+    </dgm:style>
+  </dgm:styleLbl>
+  <dgm:styleLbl name="vennNode1">
+    <dgm:scene3d>
+      <a:camera prst="orthographicFront"/>
+      <a:lightRig rig="threePt" dir="t"/>
+    </dgm:scene3d>
+    <dgm:sp3d/>
+    <dgm:txPr/>
+    <dgm:style>
+      <a:lnRef idx="2">
+        <a:scrgbClr r="0" g="0" b="0"/>
+      </a:lnRef>
+      <a:fillRef idx="1">
+        <a:scrgbClr r="0" g="0" b="0"/>
+      </a:fillRef>
+      <a:effectRef idx="0">
+        <a:scrgbClr r="0" g="0" b="0"/>
+      </a:effectRef>
+      <a:fontRef idx="minor">
+        <a:schemeClr val="tx1"/>
+      </a:fontRef>
+    </dgm:style>
+  </dgm:styleLbl>
+  <dgm:styleLbl name="alignNode1">
+    <dgm:scene3d>
+      <a:camera prst="orthographicFront"/>
+      <a:lightRig rig="threePt" dir="t"/>
+    </dgm:scene3d>
+    <dgm:sp3d/>
+    <dgm:txPr/>
+    <dgm:style>
+      <a:lnRef idx="2">
+        <a:scrgbClr r="0" g="0" b="0"/>
+      </a:lnRef>
+      <a:fillRef idx="1">
+        <a:scrgbClr r="0" g="0" b="0"/>
+      </a:fillRef>
+      <a:effectRef idx="0">
+        <a:scrgbClr r="0" g="0" b="0"/>
+      </a:effectRef>
+      <a:fontRef idx="minor">
+        <a:schemeClr val="lt1"/>
+      </a:fontRef>
+    </dgm:style>
+  </dgm:styleLbl>
+  <dgm:styleLbl name="node1">
+    <dgm:scene3d>
+      <a:camera prst="orthographicFront"/>
+      <a:lightRig rig="threePt" dir="t"/>
+    </dgm:scene3d>
+    <dgm:sp3d/>
+    <dgm:txPr/>
+    <dgm:style>
+      <a:lnRef idx="2">
+        <a:scrgbClr r="0" g="0" b="0"/>
+      </a:lnRef>
+      <a:fillRef idx="1">
+        <a:scrgbClr r="0" g="0" b="0"/>
+      </a:fillRef>
+      <a:effectRef idx="0">
+        <a:scrgbClr r="0" g="0" b="0"/>
+      </a:effectRef>
+      <a:fontRef idx="minor">
+        <a:schemeClr val="lt1"/>
+      </a:fontRef>
+    </dgm:style>
+  </dgm:styleLbl>
+  <dgm:styleLbl name="node2">
+    <dgm:scene3d>
+      <a:camera prst="orthographicFront"/>
+      <a:lightRig rig="threePt" dir="t"/>
+    </dgm:scene3d>
+    <dgm:sp3d/>
+    <dgm:txPr/>
+    <dgm:style>
+      <a:lnRef idx="2">
+        <a:scrgbClr r="0" g="0" b="0"/>
+      </a:lnRef>
+      <a:fillRef idx="1">
+        <a:scrgbClr r="0" g="0" b="0"/>
+      </a:fillRef>
+      <a:effectRef idx="0">
+        <a:scrgbClr r="0" g="0" b="0"/>
+      </a:effectRef>
+      <a:fontRef idx="minor">
+        <a:schemeClr val="lt1"/>
+      </a:fontRef>
+    </dgm:style>
+  </dgm:styleLbl>
+  <dgm:styleLbl name="node3">
+    <dgm:scene3d>
+      <a:camera prst="orthographicFront"/>
+      <a:lightRig rig="threePt" dir="t"/>
+    </dgm:scene3d>
+    <dgm:sp3d/>
+    <dgm:txPr/>
+    <dgm:style>
+      <a:lnRef idx="2">
+        <a:scrgbClr r="0" g="0" b="0"/>
+      </a:lnRef>
+      <a:fillRef idx="1">
+        <a:scrgbClr r="0" g="0" b="0"/>
+      </a:fillRef>
+      <a:effectRef idx="0">
+        <a:scrgbClr r="0" g="0" b="0"/>
+      </a:effectRef>
+      <a:fontRef idx="minor">
+        <a:schemeClr val="lt1"/>
+      </a:fontRef>
+    </dgm:style>
+  </dgm:styleLbl>
+  <dgm:styleLbl name="node4">
+    <dgm:scene3d>
+      <a:camera prst="orthographicFront"/>
+      <a:lightRig rig="threePt" dir="t"/>
+    </dgm:scene3d>
+    <dgm:sp3d/>
+    <dgm:txPr/>
+    <dgm:style>
+      <a:lnRef idx="2">
+        <a:scrgbClr r="0" g="0" b="0"/>
+      </a:lnRef>
+      <a:fillRef idx="1">
+        <a:scrgbClr r="0" g="0" b="0"/>
+      </a:fillRef>
+      <a:effectRef idx="0">
+        <a:scrgbClr r="0" g="0" b="0"/>
+      </a:effectRef>
+      <a:fontRef idx="minor">
+        <a:schemeClr val="lt1"/>
+      </a:fontRef>
+    </dgm:style>
+  </dgm:styleLbl>
+  <dgm:styleLbl name="fgImgPlace1">
+    <dgm:scene3d>
+      <a:camera prst="orthographicFront"/>
+      <a:lightRig rig="threePt" dir="t"/>
+    </dgm:scene3d>
+    <dgm:sp3d/>
+    <dgm:txPr/>
+    <dgm:style>
+      <a:lnRef idx="2">
+        <a:scrgbClr r="0" g="0" b="0"/>
+      </a:lnRef>
+      <a:fillRef idx="1">
+        <a:scrgbClr r="0" g="0" b="0"/>
+      </a:fillRef>
+      <a:effectRef idx="0">
+        <a:scrgbClr r="0" g="0" b="0"/>
+      </a:effectRef>
+      <a:fontRef idx="minor"/>
+    </dgm:style>
+  </dgm:styleLbl>
+  <dgm:styleLbl name="alignImgPlace1">
+    <dgm:scene3d>
+      <a:camera prst="orthographicFront"/>
+      <a:lightRig rig="threePt" dir="t"/>
+    </dgm:scene3d>
+    <dgm:sp3d/>
+    <dgm:txPr/>
+    <dgm:style>
+      <a:lnRef idx="2">
+        <a:scrgbClr r="0" g="0" b="0"/>
+      </a:lnRef>
+      <a:fillRef idx="1">
+        <a:scrgbClr r="0" g="0" b="0"/>
+      </a:fillRef>
+      <a:effectRef idx="0">
+        <a:scrgbClr r="0" g="0" b="0"/>
+      </a:effectRef>
+      <a:fontRef idx="minor"/>
+    </dgm:style>
+  </dgm:styleLbl>
+  <dgm:styleLbl name="bgImgPlace1">
+    <dgm:scene3d>
+      <a:camera prst="orthographicFront"/>
+      <a:lightRig rig="threePt" dir="t"/>
+    </dgm:scene3d>
+    <dgm:sp3d/>
+    <dgm:txPr/>
+    <dgm:style>
+      <a:lnRef idx="2">
+        <a:scrgbClr r="0" g="0" b="0"/>
+      </a:lnRef>
+      <a:fillRef idx="1">
+        <a:scrgbClr r="0" g="0" b="0"/>
+      </a:fillRef>
+      <a:effectRef idx="0">
+        <a:scrgbClr r="0" g="0" b="0"/>
+      </a:effectRef>
+      <a:fontRef idx="minor"/>
+    </dgm:style>
+  </dgm:styleLbl>
+  <dgm:styleLbl name="sibTrans2D1">
+    <dgm:scene3d>
+      <a:camera prst="orthographicFront"/>
+      <a:lightRig rig="threePt" dir="t"/>
+    </dgm:scene3d>
+    <dgm:sp3d/>
+    <dgm:txPr/>
+    <dgm:style>
+      <a:lnRef idx="0">
+        <a:scrgbClr r="0" g="0" b="0"/>
+      </a:lnRef>
+      <a:fillRef idx="1">
+        <a:scrgbClr r="0" g="0" b="0"/>
+      </a:fillRef>
+      <a:effectRef idx="0">
+        <a:scrgbClr r="0" g="0" b="0"/>
+      </a:effectRef>
+      <a:fontRef idx="minor">
+        <a:schemeClr val="lt1"/>
+      </a:fontRef>
+    </dgm:style>
+  </dgm:styleLbl>
+  <dgm:styleLbl name="fgSibTrans2D1">
+    <dgm:scene3d>
+      <a:camera prst="orthographicFront"/>
+      <a:lightRig rig="threePt" dir="t"/>
+    </dgm:scene3d>
+    <dgm:sp3d/>
+    <dgm:txPr/>
+    <dgm:style>
+      <a:lnRef idx="0">
+        <a:scrgbClr r="0" g="0" b="0"/>
+      </a:lnRef>
+      <a:fillRef idx="1">
+        <a:scrgbClr r="0" g="0" b="0"/>
+      </a:fillRef>
+      <a:effectRef idx="0">
+        <a:scrgbClr r="0" g="0" b="0"/>
+      </a:effectRef>
+      <a:fontRef idx="minor">
+        <a:schemeClr val="lt1"/>
+      </a:fontRef>
+    </dgm:style>
+  </dgm:styleLbl>
+  <dgm:styleLbl name="bgSibTrans2D1">
+    <dgm:scene3d>
+      <a:camera prst="orthographicFront"/>
+      <a:lightRig rig="threePt" dir="t"/>
+    </dgm:scene3d>
+    <dgm:sp3d/>
+    <dgm:txPr/>
+    <dgm:style>
+      <a:lnRef idx="0">
+        <a:scrgbClr r="0" g="0" b="0"/>
+      </a:lnRef>
+      <a:fillRef idx="1">
+        <a:scrgbClr r="0" g="0" b="0"/>
+      </a:fillRef>
+      <a:effectRef idx="0">
+        <a:scrgbClr r="0" g="0" b="0"/>
+      </a:effectRef>
+      <a:fontRef idx="minor">
+        <a:schemeClr val="lt1"/>
+      </a:fontRef>
+    </dgm:style>
+  </dgm:styleLbl>
+  <dgm:styleLbl name="sibTrans1D1">
+    <dgm:scene3d>
+      <a:camera prst="orthographicFront"/>
+      <a:lightRig rig="threePt" dir="t"/>
+    </dgm:scene3d>
+    <dgm:sp3d/>
+    <dgm:txPr/>
+    <dgm:style>
+      <a:lnRef idx="1">
+        <a:scrgbClr r="0" g="0" b="0"/>
+      </a:lnRef>
+      <a:fillRef idx="0">
+        <a:scrgbClr r="0" g="0" b="0"/>
+      </a:fillRef>
+      <a:effectRef idx="0">
+        <a:scrgbClr r="0" g="0" b="0"/>
+      </a:effectRef>
+      <a:fontRef idx="minor"/>
+    </dgm:style>
+  </dgm:styleLbl>
+  <dgm:styleLbl name="callout">
+    <dgm:scene3d>
+      <a:camera prst="orthographicFront"/>
+      <a:lightRig rig="threePt" dir="t"/>
+    </dgm:scene3d>
+    <dgm:sp3d/>
+    <dgm:txPr/>
+    <dgm:style>
+      <a:lnRef idx="2">
+        <a:scrgbClr r="0" g="0" b="0"/>
+      </a:lnRef>
+      <a:fillRef idx="1">
+        <a:scrgbClr r="0" g="0" b="0"/>
+      </a:fillRef>
+      <a:effectRef idx="0">
+        <a:scrgbClr r="0" g="0" b="0"/>
+      </a:effectRef>
+      <a:fontRef idx="minor"/>
+    </dgm:style>
+  </dgm:styleLbl>
+  <dgm:styleLbl name="asst0">
+    <dgm:scene3d>
+      <a:camera prst="orthographicFront"/>
+      <a:lightRig rig="threePt" dir="t"/>
+    </dgm:scene3d>
+    <dgm:sp3d/>
+    <dgm:txPr/>
+    <dgm:style>
+      <a:lnRef idx="2">
+        <a:scrgbClr r="0" g="0" b="0"/>
+      </a:lnRef>
+      <a:fillRef idx="1">
+        <a:scrgbClr r="0" g="0" b="0"/>
+      </a:fillRef>
+      <a:effectRef idx="0">
+        <a:scrgbClr r="0" g="0" b="0"/>
+      </a:effectRef>
+      <a:fontRef idx="minor">
+        <a:schemeClr val="lt1"/>
+      </a:fontRef>
+    </dgm:style>
+  </dgm:styleLbl>
+  <dgm:styleLbl name="asst1">
+    <dgm:scene3d>
+      <a:camera prst="orthographicFront"/>
+      <a:lightRig rig="threePt" dir="t"/>
+    </dgm:scene3d>
+    <dgm:sp3d/>
+    <dgm:txPr/>
+    <dgm:style>
+      <a:lnRef idx="2">
+        <a:scrgbClr r="0" g="0" b="0"/>
+      </a:lnRef>
+      <a:fillRef idx="1">
+        <a:scrgbClr r="0" g="0" b="0"/>
+      </a:fillRef>
+      <a:effectRef idx="0">
+        <a:scrgbClr r="0" g="0" b="0"/>
+      </a:effectRef>
+      <a:fontRef idx="minor">
+        <a:schemeClr val="lt1"/>
+      </a:fontRef>
+    </dgm:style>
+  </dgm:styleLbl>
+  <dgm:styleLbl name="asst2">
+    <dgm:scene3d>
+      <a:camera prst="orthographicFront"/>
+      <a:lightRig rig="threePt" dir="t"/>
+    </dgm:scene3d>
+    <dgm:sp3d/>
+    <dgm:txPr/>
+    <dgm:style>
+      <a:lnRef idx="2">
+        <a:scrgbClr r="0" g="0" b="0"/>
+      </a:lnRef>
+      <a:fillRef idx="1">
+        <a:scrgbClr r="0" g="0" b="0"/>
+      </a:fillRef>
+      <a:effectRef idx="0">
+        <a:scrgbClr r="0" g="0" b="0"/>
+      </a:effectRef>
+      <a:fontRef idx="minor">
+        <a:schemeClr val="lt1"/>
+      </a:fontRef>
+    </dgm:style>
+  </dgm:styleLbl>
+  <dgm:styleLbl name="asst3">
+    <dgm:scene3d>
+      <a:camera prst="orthographicFront"/>
+      <a:lightRig rig="threePt" dir="t"/>
+    </dgm:scene3d>
+    <dgm:sp3d/>
+    <dgm:txPr/>
+    <dgm:style>
+      <a:lnRef idx="2">
+        <a:scrgbClr r="0" g="0" b="0"/>
+      </a:lnRef>
+      <a:fillRef idx="1">
+        <a:scrgbClr r="0" g="0" b="0"/>
+      </a:fillRef>
+      <a:effectRef idx="0">
+        <a:scrgbClr r="0" g="0" b="0"/>
+      </a:effectRef>
+      <a:fontRef idx="minor">
+        <a:schemeClr val="lt1"/>
+      </a:fontRef>
+    </dgm:style>
+  </dgm:styleLbl>
+  <dgm:styleLbl name="asst4">
+    <dgm:scene3d>
+      <a:camera prst="orthographicFront"/>
+      <a:lightRig rig="threePt" dir="t"/>
+    </dgm:scene3d>
+    <dgm:sp3d/>
+    <dgm:txPr/>
+    <dgm:style>
+      <a:lnRef idx="2">
+        <a:scrgbClr r="0" g="0" b="0"/>
+      </a:lnRef>
+      <a:fillRef idx="1">
+        <a:scrgbClr r="0" g="0" b="0"/>
+      </a:fillRef>
+      <a:effectRef idx="0">
+        <a:scrgbClr r="0" g="0" b="0"/>
+      </a:effectRef>
+      <a:fontRef idx="minor">
+        <a:schemeClr val="lt1"/>
+      </a:fontRef>
+    </dgm:style>
+  </dgm:styleLbl>
+  <dgm:styleLbl name="parChTrans2D1">
+    <dgm:scene3d>
+      <a:camera prst="orthographicFront"/>
+      <a:lightRig rig="threePt" dir="t"/>
+    </dgm:scene3d>
+    <dgm:sp3d/>
+    <dgm:txPr/>
+    <dgm:style>
+      <a:lnRef idx="2">
+        <a:scrgbClr r="0" g="0" b="0"/>
+      </a:lnRef>
+      <a:fillRef idx="1">
+        <a:scrgbClr r="0" g="0" b="0"/>
+      </a:fillRef>
+      <a:effectRef idx="0">
+        <a:scrgbClr r="0" g="0" b="0"/>
+      </a:effectRef>
+      <a:fontRef idx="minor">
+        <a:schemeClr val="lt1"/>
+      </a:fontRef>
+    </dgm:style>
+  </dgm:styleLbl>
+  <dgm:styleLbl name="parChTrans2D2">
+    <dgm:scene3d>
+      <a:camera prst="orthographicFront"/>
+      <a:lightRig rig="threePt" dir="t"/>
+    </dgm:scene3d>
+    <dgm:sp3d/>
+    <dgm:txPr/>
+    <dgm:style>
+      <a:lnRef idx="2">
+        <a:scrgbClr r="0" g="0" b="0"/>
+      </a:lnRef>
+      <a:fillRef idx="1">
+        <a:scrgbClr r="0" g="0" b="0"/>
+      </a:fillRef>
+      <a:effectRef idx="0">
+        <a:scrgbClr r="0" g="0" b="0"/>
+      </a:effectRef>
+      <a:fontRef idx="minor">
+        <a:schemeClr val="lt1"/>
+      </a:fontRef>
+    </dgm:style>
+  </dgm:styleLbl>
+  <dgm:styleLbl name="parChTrans2D3">
+    <dgm:scene3d>
+      <a:camera prst="orthographicFront"/>
+      <a:lightRig rig="threePt" dir="t"/>
+    </dgm:scene3d>
+    <dgm:sp3d/>
+    <dgm:txPr/>
+    <dgm:style>
+      <a:lnRef idx="2">
+        <a:scrgbClr r="0" g="0" b="0"/>
+      </a:lnRef>
+      <a:fillRef idx="1">
+        <a:scrgbClr r="0" g="0" b="0"/>
+      </a:fillRef>
+      <a:effectRef idx="0">
+        <a:scrgbClr r="0" g="0" b="0"/>
+      </a:effectRef>
+      <a:fontRef idx="minor">
+        <a:schemeClr val="lt1"/>
+      </a:fontRef>
+    </dgm:style>
+  </dgm:styleLbl>
+  <dgm:styleLbl name="parChTrans2D4">
+    <dgm:scene3d>
+      <a:camera prst="orthographicFront"/>
+      <a:lightRig rig="threePt" dir="t"/>
+    </dgm:scene3d>
+    <dgm:sp3d/>
+    <dgm:txPr/>
+    <dgm:style>
+      <a:lnRef idx="2">
+        <a:scrgbClr r="0" g="0" b="0"/>
+      </a:lnRef>
+      <a:fillRef idx="1">
+        <a:scrgbClr r="0" g="0" b="0"/>
+      </a:fillRef>
+      <a:effectRef idx="0">
+        <a:scrgbClr r="0" g="0" b="0"/>
+      </a:effectRef>
+      <a:fontRef idx="minor">
+        <a:schemeClr val="lt1"/>
+      </a:fontRef>
+    </dgm:style>
+  </dgm:styleLbl>
+  <dgm:styleLbl name="parChTrans1D1">
+    <dgm:scene3d>
+      <a:camera prst="orthographicFront"/>
+      <a:lightRig rig="threePt" dir="t"/>
+    </dgm:scene3d>
+    <dgm:sp3d/>
+    <dgm:txPr/>
+    <dgm:style>
+      <a:lnRef idx="2">
+        <a:scrgbClr r="0" g="0" b="0"/>
+      </a:lnRef>
+      <a:fillRef idx="0">
+        <a:scrgbClr r="0" g="0" b="0"/>
+      </a:fillRef>
+      <a:effectRef idx="0">
+        <a:scrgbClr r="0" g="0" b="0"/>
+      </a:effectRef>
+      <a:fontRef idx="minor"/>
+    </dgm:style>
+  </dgm:styleLbl>
+  <dgm:styleLbl name="parChTrans1D2">
+    <dgm:scene3d>
+      <a:camera prst="orthographicFront"/>
+      <a:lightRig rig="threePt" dir="t"/>
+    </dgm:scene3d>
+    <dgm:sp3d/>
+    <dgm:txPr/>
+    <dgm:style>
+      <a:lnRef idx="2">
+        <a:scrgbClr r="0" g="0" b="0"/>
+      </a:lnRef>
+      <a:fillRef idx="0">
+        <a:scrgbClr r="0" g="0" b="0"/>
+      </a:fillRef>
+      <a:effectRef idx="0">
+        <a:scrgbClr r="0" g="0" b="0"/>
+      </a:effectRef>
+      <a:fontRef idx="minor"/>
+    </dgm:style>
+  </dgm:styleLbl>
+  <dgm:styleLbl name="parChTrans1D3">
+    <dgm:scene3d>
+      <a:camera prst="orthographicFront"/>
+      <a:lightRig rig="threePt" dir="t"/>
+    </dgm:scene3d>
+    <dgm:sp3d/>
+    <dgm:txPr/>
+    <dgm:style>
+      <a:lnRef idx="2">
+        <a:scrgbClr r="0" g="0" b="0"/>
+      </a:lnRef>
+      <a:fillRef idx="0">
+        <a:scrgbClr r="0" g="0" b="0"/>
+      </a:fillRef>
+      <a:effectRef idx="0">
+        <a:scrgbClr r="0" g="0" b="0"/>
+      </a:effectRef>
+      <a:fontRef idx="minor"/>
+    </dgm:style>
+  </dgm:styleLbl>
+  <dgm:styleLbl name="parChTrans1D4">
+    <dgm:scene3d>
+      <a:camera prst="orthographicFront"/>
+      <a:lightRig rig="threePt" dir="t"/>
+    </dgm:scene3d>
+    <dgm:sp3d/>
+    <dgm:txPr/>
+    <dgm:style>
+      <a:lnRef idx="2">
+        <a:scrgbClr r="0" g="0" b="0"/>
+      </a:lnRef>
+      <a:fillRef idx="0">
+        <a:scrgbClr r="0" g="0" b="0"/>
+      </a:fillRef>
+      <a:effectRef idx="0">
+        <a:scrgbClr r="0" g="0" b="0"/>
+      </a:effectRef>
+      <a:fontRef idx="minor"/>
+    </dgm:style>
+  </dgm:styleLbl>
+  <dgm:styleLbl name="fgAcc1">
+    <dgm:scene3d>
+      <a:camera prst="orthographicFront"/>
+      <a:lightRig rig="threePt" dir="t"/>
+    </dgm:scene3d>
+    <dgm:sp3d/>
+    <dgm:txPr/>
+    <dgm:style>
+      <a:lnRef idx="2">
+        <a:scrgbClr r="0" g="0" b="0"/>
+      </a:lnRef>
+      <a:fillRef idx="1">
+        <a:scrgbClr r="0" g="0" b="0"/>
+      </a:fillRef>
+      <a:effectRef idx="0">
+        <a:scrgbClr r="0" g="0" b="0"/>
+      </a:effectRef>
+      <a:fontRef idx="minor"/>
+    </dgm:style>
+  </dgm:styleLbl>
+  <dgm:styleLbl name="conFgAcc1">
+    <dgm:scene3d>
+      <a:camera prst="orthographicFront"/>
+      <a:lightRig rig="threePt" dir="t"/>
+    </dgm:scene3d>
+    <dgm:sp3d/>
+    <dgm:txPr/>
+    <dgm:style>
+      <a:lnRef idx="2">
+        <a:scrgbClr r="0" g="0" b="0"/>
+      </a:lnRef>
+      <a:fillRef idx="1">
+        <a:scrgbClr r="0" g="0" b="0"/>
+      </a:fillRef>
+      <a:effectRef idx="0">
+        <a:scrgbClr r="0" g="0" b="0"/>
+      </a:effectRef>
+      <a:fontRef idx="minor"/>
+    </dgm:style>
+  </dgm:styleLbl>
+  <dgm:styleLbl name="alignAcc1">
+    <dgm:scene3d>
+      <a:camera prst="orthographicFront"/>
+      <a:lightRig rig="threePt" dir="t"/>
+    </dgm:scene3d>
+    <dgm:sp3d/>
+    <dgm:txPr/>
+    <dgm:style>
+      <a:lnRef idx="2">
+        <a:scrgbClr r="0" g="0" b="0"/>
+      </a:lnRef>
+      <a:fillRef idx="1">
+        <a:scrgbClr r="0" g="0" b="0"/>
+      </a:fillRef>
+      <a:effectRef idx="0">
+        <a:scrgbClr r="0" g="0" b="0"/>
+      </a:effectRef>
+      <a:fontRef idx="minor"/>
+    </dgm:style>
+  </dgm:styleLbl>
+  <dgm:styleLbl name="trAlignAcc1">
+    <dgm:scene3d>
+      <a:camera prst="orthographicFront"/>
+      <a:lightRig rig="threePt" dir="t"/>
+    </dgm:scene3d>
+    <dgm:sp3d/>
+    <dgm:txPr/>
+    <dgm:style>
+      <a:lnRef idx="1">
+        <a:scrgbClr r="0" g="0" b="0"/>
+      </a:lnRef>
+      <a:fillRef idx="1">
+        <a:scrgbClr r="0" g="0" b="0"/>
+      </a:fillRef>
+      <a:effectRef idx="0">
+        <a:scrgbClr r="0" g="0" b="0"/>
+      </a:effectRef>
+      <a:fontRef idx="minor"/>
+    </dgm:style>
+  </dgm:styleLbl>
+  <dgm:styleLbl name="bgAcc1">
+    <dgm:scene3d>
+      <a:camera prst="orthographicFront"/>
+      <a:lightRig rig="threePt" dir="t"/>
+    </dgm:scene3d>
+    <dgm:sp3d/>
+    <dgm:txPr/>
+    <dgm:style>
+      <a:lnRef idx="2">
+        <a:scrgbClr r="0" g="0" b="0"/>
+      </a:lnRef>
+      <a:fillRef idx="1">
+        <a:scrgbClr r="0" g="0" b="0"/>
+      </a:fillRef>
+      <a:effectRef idx="0">
+        <a:scrgbClr r="0" g="0" b="0"/>
+      </a:effectRef>
+      <a:fontRef idx="minor"/>
+    </dgm:style>
+  </dgm:styleLbl>
+  <dgm:styleLbl name="solidFgAcc1">
+    <dgm:scene3d>
+      <a:camera prst="orthographicFront"/>
+      <a:lightRig rig="threePt" dir="t"/>
+    </dgm:scene3d>
+    <dgm:sp3d/>
+    <dgm:txPr/>
+    <dgm:style>
+      <a:lnRef idx="2">
+        <a:scrgbClr r="0" g="0" b="0"/>
+      </a:lnRef>
+      <a:fillRef idx="1">
+        <a:scrgbClr r="0" g="0" b="0"/>
+      </a:fillRef>
+      <a:effectRef idx="0">
+        <a:scrgbClr r="0" g="0" b="0"/>
+      </a:effectRef>
+      <a:fontRef idx="minor"/>
+    </dgm:style>
+  </dgm:styleLbl>
+  <dgm:styleLbl name="solidAlignAcc1">
+    <dgm:scene3d>
+      <a:camera prst="orthographicFront"/>
+      <a:lightRig rig="threePt" dir="t"/>
+    </dgm:scene3d>
+    <dgm:sp3d/>
+    <dgm:txPr/>
+    <dgm:style>
+      <a:lnRef idx="2">
+        <a:scrgbClr r="0" g="0" b="0"/>
+      </a:lnRef>
+      <a:fillRef idx="1">
+        <a:scrgbClr r="0" g="0" b="0"/>
+      </a:fillRef>
+      <a:effectRef idx="0">
+        <a:scrgbClr r="0" g="0" b="0"/>
+      </a:effectRef>
+      <a:fontRef idx="minor"/>
+    </dgm:style>
+  </dgm:styleLbl>
+  <dgm:styleLbl name="solidBgAcc1">
+    <dgm:scene3d>
+      <a:camera prst="orthographicFront"/>
+      <a:lightRig rig="threePt" dir="t"/>
+    </dgm:scene3d>
+    <dgm:sp3d/>
+    <dgm:txPr/>
+    <dgm:style>
+      <a:lnRef idx="2">
+        <a:scrgbClr r="0" g="0" b="0"/>
+      </a:lnRef>
+      <a:fillRef idx="1">
+        <a:scrgbClr r="0" g="0" b="0"/>
+      </a:fillRef>
+      <a:effectRef idx="0">
+        <a:scrgbClr r="0" g="0" b="0"/>
+      </a:effectRef>
+      <a:fontRef idx="minor"/>
+    </dgm:style>
+  </dgm:styleLbl>
+  <dgm:styleLbl name="fgAccFollowNode1">
+    <dgm:scene3d>
+      <a:camera prst="orthographicFront"/>
+      <a:lightRig rig="threePt" dir="t"/>
+    </dgm:scene3d>
+    <dgm:sp3d/>
+    <dgm:txPr/>
+    <dgm:style>
+      <a:lnRef idx="2">
+        <a:scrgbClr r="0" g="0" b="0"/>
+      </a:lnRef>
+      <a:fillRef idx="1">
+        <a:scrgbClr r="0" g="0" b="0"/>
+      </a:fillRef>
+      <a:effectRef idx="0">
+        <a:scrgbClr r="0" g="0" b="0"/>
+      </a:effectRef>
+      <a:fontRef idx="minor"/>
+    </dgm:style>
+  </dgm:styleLbl>
+  <dgm:styleLbl name="alignAccFollowNode1">
+    <dgm:scene3d>
+      <a:camera prst="orthographicFront"/>
+      <a:lightRig rig="threePt" dir="t"/>
+    </dgm:scene3d>
+    <dgm:sp3d/>
+    <dgm:txPr/>
+    <dgm:style>
+      <a:lnRef idx="2">
+        <a:scrgbClr r="0" g="0" b="0"/>
+      </a:lnRef>
+      <a:fillRef idx="1">
+        <a:scrgbClr r="0" g="0" b="0"/>
+      </a:fillRef>
+      <a:effectRef idx="0">
+        <a:scrgbClr r="0" g="0" b="0"/>
+      </a:effectRef>
+      <a:fontRef idx="minor"/>
+    </dgm:style>
+  </dgm:styleLbl>
+  <dgm:styleLbl name="bgAccFollowNode1">
+    <dgm:scene3d>
+      <a:camera prst="orthographicFront"/>
+      <a:lightRig rig="threePt" dir="t"/>
+    </dgm:scene3d>
+    <dgm:sp3d/>
+    <dgm:txPr/>
+    <dgm:style>
+      <a:lnRef idx="2">
+        <a:scrgbClr r="0" g="0" b="0"/>
+      </a:lnRef>
+      <a:fillRef idx="1">
+        <a:scrgbClr r="0" g="0" b="0"/>
+      </a:fillRef>
+      <a:effectRef idx="0">
+        <a:scrgbClr r="0" g="0" b="0"/>
+      </a:effectRef>
+      <a:fontRef idx="minor"/>
+    </dgm:style>
+  </dgm:styleLbl>
+  <dgm:styleLbl name="fgAcc0">
+    <dgm:scene3d>
+      <a:camera prst="orthographicFront"/>
+      <a:lightRig rig="threePt" dir="t"/>
+    </dgm:scene3d>
+    <dgm:sp3d/>
+    <dgm:txPr/>
+    <dgm:style>
+      <a:lnRef idx="2">
+        <a:scrgbClr r="0" g="0" b="0"/>
+      </a:lnRef>
+      <a:fillRef idx="1">
+        <a:scrgbClr r="0" g="0" b="0"/>
+      </a:fillRef>
+      <a:effectRef idx="0">
+        <a:scrgbClr r="0" g="0" b="0"/>
+      </a:effectRef>
+      <a:fontRef idx="minor"/>
+    </dgm:style>
+  </dgm:styleLbl>
+  <dgm:styleLbl name="fgAcc2">
+    <dgm:scene3d>
+      <a:camera prst="orthographicFront"/>
+      <a:lightRig rig="threePt" dir="t"/>
+    </dgm:scene3d>
+    <dgm:sp3d/>
+    <dgm:txPr/>
+    <dgm:style>
+      <a:lnRef idx="2">
+        <a:scrgbClr r="0" g="0" b="0"/>
+      </a:lnRef>
+      <a:fillRef idx="1">
+        <a:scrgbClr r="0" g="0" b="0"/>
+      </a:fillRef>
+      <a:effectRef idx="0">
+        <a:scrgbClr r="0" g="0" b="0"/>
+      </a:effectRef>
+      <a:fontRef idx="minor"/>
+    </dgm:style>
+  </dgm:styleLbl>
+  <dgm:styleLbl name="fgAcc3">
+    <dgm:scene3d>
+      <a:camera prst="orthographicFront"/>
+      <a:lightRig rig="threePt" dir="t"/>
+    </dgm:scene3d>
+    <dgm:sp3d/>
+    <dgm:txPr/>
+    <dgm:style>
+      <a:lnRef idx="2">
+        <a:scrgbClr r="0" g="0" b="0"/>
+      </a:lnRef>
+      <a:fillRef idx="1">
+        <a:scrgbClr r="0" g="0" b="0"/>
+      </a:fillRef>
+      <a:effectRef idx="0">
+        <a:scrgbClr r="0" g="0" b="0"/>
+      </a:effectRef>
+      <a:fontRef idx="minor"/>
+    </dgm:style>
+  </dgm:styleLbl>
+  <dgm:styleLbl name="fgAcc4">
+    <dgm:scene3d>
+      <a:camera prst="orthographicFront"/>
+      <a:lightRig rig="threePt" dir="t"/>
+    </dgm:scene3d>
+    <dgm:sp3d/>
+    <dgm:txPr/>
+    <dgm:style>
+      <a:lnRef idx="2">
+        <a:scrgbClr r="0" g="0" b="0"/>
+      </a:lnRef>
+      <a:fillRef idx="1">
+        <a:scrgbClr r="0" g="0" b="0"/>
+      </a:fillRef>
+      <a:effectRef idx="0">
+        <a:scrgbClr r="0" g="0" b="0"/>
+      </a:effectRef>
+      <a:fontRef idx="minor"/>
+    </dgm:style>
+  </dgm:styleLbl>
+  <dgm:styleLbl name="bgShp">
+    <dgm:scene3d>
+      <a:camera prst="orthographicFront"/>
+      <a:lightRig rig="threePt" dir="t"/>
+    </dgm:scene3d>
+    <dgm:sp3d/>
+    <dgm:txPr/>
+    <dgm:style>
+      <a:lnRef idx="0">
+        <a:scrgbClr r="0" g="0" b="0"/>
+      </a:lnRef>
+      <a:fillRef idx="1">
+        <a:scrgbClr r="0" g="0" b="0"/>
+      </a:fillRef>
+      <a:effectRef idx="0">
+        <a:scrgbClr r="0" g="0" b="0"/>
+      </a:effectRef>
+      <a:fontRef idx="minor"/>
+    </dgm:style>
+  </dgm:styleLbl>
+  <dgm:styleLbl name="dkBgShp">
+    <dgm:scene3d>
+      <a:camera prst="orthographicFront"/>
+      <a:lightRig rig="threePt" dir="t"/>
+    </dgm:scene3d>
+    <dgm:sp3d/>
+    <dgm:txPr/>
+    <dgm:style>
+      <a:lnRef idx="0">
+        <a:scrgbClr r="0" g="0" b="0"/>
+      </a:lnRef>
+      <a:fillRef idx="1">
+        <a:scrgbClr r="0" g="0" b="0"/>
+      </a:fillRef>
+      <a:effectRef idx="0">
+        <a:scrgbClr r="0" g="0" b="0"/>
+      </a:effectRef>
+      <a:fontRef idx="minor"/>
+    </dgm:style>
+  </dgm:styleLbl>
+  <dgm:styleLbl name="trBgShp">
+    <dgm:scene3d>
+      <a:camera prst="orthographicFront"/>
+      <a:lightRig rig="threePt" dir="t"/>
+    </dgm:scene3d>
+    <dgm:sp3d/>
+    <dgm:txPr/>
+    <dgm:style>
+      <a:lnRef idx="0">
+        <a:scrgbClr r="0" g="0" b="0"/>
+      </a:lnRef>
+      <a:fillRef idx="1">
+        <a:scrgbClr r="0" g="0" b="0"/>
+      </a:fillRef>
+      <a:effectRef idx="0">
+        <a:scrgbClr r="0" g="0" b="0"/>
+      </a:effectRef>
+      <a:fontRef idx="minor"/>
+    </dgm:style>
+  </dgm:styleLbl>
+  <dgm:styleLbl name="fgShp">
+    <dgm:scene3d>
+      <a:camera prst="orthographicFront"/>
+      <a:lightRig rig="threePt" dir="t"/>
+    </dgm:scene3d>
+    <dgm:sp3d/>
+    <dgm:txPr/>
+    <dgm:style>
+      <a:lnRef idx="2">
+        <a:scrgbClr r="0" g="0" b="0"/>
+      </a:lnRef>
+      <a:fillRef idx="1">
+        <a:scrgbClr r="0" g="0" b="0"/>
+      </a:fillRef>
+      <a:effectRef idx="0">
+        <a:scrgbClr r="0" g="0" b="0"/>
+      </a:effectRef>
+      <a:fontRef idx="minor"/>
+    </dgm:style>
+  </dgm:styleLbl>
+  <dgm:styleLbl name="revTx">
+    <dgm:scene3d>
+      <a:camera prst="orthographicFront"/>
+      <a:lightRig rig="threePt" dir="t"/>
+    </dgm:scene3d>
+    <dgm:sp3d/>
+    <dgm:txPr/>
+    <dgm:style>
+      <a:lnRef idx="0">
+        <a:scrgbClr r="0" g="0" b="0"/>
+      </a:lnRef>
+      <a:fillRef idx="0">
+        <a:scrgbClr r="0" g="0" b="0"/>
+      </a:fillRef>
+      <a:effectRef idx="0">
+        <a:scrgbClr r="0" g="0" b="0"/>
+      </a:effectRef>
+      <a:fontRef idx="minor"/>
+    </dgm:style>
+  </dgm:styleLbl>
+</dgm:styleDef>
+</file>
+
+<file path=ppt/diagrams/quickStyle6.xml><?xml version="1.0" encoding="utf-8"?>
+<dgm:styleDef xmlns:dgm="http://schemas.openxmlformats.org/drawingml/2006/diagram" xmlns:a="http://schemas.openxmlformats.org/drawingml/2006/main" uniqueId="urn:microsoft.com/office/officeart/2005/8/quickstyle/simple1">
+  <dgm:title val=""/>
+  <dgm:desc val=""/>
+  <dgm:catLst>
+    <dgm:cat type="simple" pri="10100"/>
+  </dgm:catLst>
+  <dgm:scene3d>
+    <a:camera prst="orthographicFront"/>
+    <a:lightRig rig="threePt" dir="t"/>
+  </dgm:scene3d>
+  <dgm:styleLbl name="node0">
+    <dgm:scene3d>
+      <a:camera prst="orthographicFront"/>
+      <a:lightRig rig="threePt" dir="t"/>
+    </dgm:scene3d>
+    <dgm:sp3d/>
+    <dgm:txPr/>
+    <dgm:style>
+      <a:lnRef idx="2">
+        <a:scrgbClr r="0" g="0" b="0"/>
+      </a:lnRef>
+      <a:fillRef idx="1">
+        <a:scrgbClr r="0" g="0" b="0"/>
+      </a:fillRef>
+      <a:effectRef idx="0">
+        <a:scrgbClr r="0" g="0" b="0"/>
+      </a:effectRef>
+      <a:fontRef idx="minor">
+        <a:schemeClr val="lt1"/>
+      </a:fontRef>
+    </dgm:style>
+  </dgm:styleLbl>
+  <dgm:styleLbl name="lnNode1">
+    <dgm:scene3d>
+      <a:camera prst="orthographicFront"/>
+      <a:lightRig rig="threePt" dir="t"/>
+    </dgm:scene3d>
+    <dgm:sp3d/>
+    <dgm:txPr/>
+    <dgm:style>
+      <a:lnRef idx="2">
+        <a:scrgbClr r="0" g="0" b="0"/>
+      </a:lnRef>
+      <a:fillRef idx="1">
+        <a:scrgbClr r="0" g="0" b="0"/>
+      </a:fillRef>
+      <a:effectRef idx="0">
+        <a:scrgbClr r="0" g="0" b="0"/>
+      </a:effectRef>
+      <a:fontRef idx="minor">
+        <a:schemeClr val="lt1"/>
+      </a:fontRef>
+    </dgm:style>
+  </dgm:styleLbl>
+  <dgm:styleLbl name="vennNode1">
+    <dgm:scene3d>
+      <a:camera prst="orthographicFront"/>
+      <a:lightRig rig="threePt" dir="t"/>
+    </dgm:scene3d>
+    <dgm:sp3d/>
+    <dgm:txPr/>
+    <dgm:style>
+      <a:lnRef idx="2">
+        <a:scrgbClr r="0" g="0" b="0"/>
+      </a:lnRef>
+      <a:fillRef idx="1">
+        <a:scrgbClr r="0" g="0" b="0"/>
+      </a:fillRef>
+      <a:effectRef idx="0">
+        <a:scrgbClr r="0" g="0" b="0"/>
+      </a:effectRef>
+      <a:fontRef idx="minor">
+        <a:schemeClr val="tx1"/>
+      </a:fontRef>
+    </dgm:style>
+  </dgm:styleLbl>
+  <dgm:styleLbl name="alignNode1">
+    <dgm:scene3d>
+      <a:camera prst="orthographicFront"/>
+      <a:lightRig rig="threePt" dir="t"/>
+    </dgm:scene3d>
+    <dgm:sp3d/>
+    <dgm:txPr/>
+    <dgm:style>
+      <a:lnRef idx="2">
+        <a:scrgbClr r="0" g="0" b="0"/>
+      </a:lnRef>
+      <a:fillRef idx="1">
+        <a:scrgbClr r="0" g="0" b="0"/>
+      </a:fillRef>
+      <a:effectRef idx="0">
+        <a:scrgbClr r="0" g="0" b="0"/>
+      </a:effectRef>
+      <a:fontRef idx="minor">
+        <a:schemeClr val="lt1"/>
+      </a:fontRef>
+    </dgm:style>
+  </dgm:styleLbl>
+  <dgm:styleLbl name="node1">
+    <dgm:scene3d>
+      <a:camera prst="orthographicFront"/>
+      <a:lightRig rig="threePt" dir="t"/>
+    </dgm:scene3d>
+    <dgm:sp3d/>
+    <dgm:txPr/>
+    <dgm:style>
+      <a:lnRef idx="2">
+        <a:scrgbClr r="0" g="0" b="0"/>
+      </a:lnRef>
+      <a:fillRef idx="1">
+        <a:scrgbClr r="0" g="0" b="0"/>
+      </a:fillRef>
+      <a:effectRef idx="0">
+        <a:scrgbClr r="0" g="0" b="0"/>
+      </a:effectRef>
+      <a:fontRef idx="minor">
+        <a:schemeClr val="lt1"/>
+      </a:fontRef>
+    </dgm:style>
+  </dgm:styleLbl>
+  <dgm:styleLbl name="node2">
+    <dgm:scene3d>
+      <a:camera prst="orthographicFront"/>
+      <a:lightRig rig="threePt" dir="t"/>
+    </dgm:scene3d>
+    <dgm:sp3d/>
+    <dgm:txPr/>
+    <dgm:style>
+      <a:lnRef idx="2">
+        <a:scrgbClr r="0" g="0" b="0"/>
+      </a:lnRef>
+      <a:fillRef idx="1">
+        <a:scrgbClr r="0" g="0" b="0"/>
+      </a:fillRef>
+      <a:effectRef idx="0">
+        <a:scrgbClr r="0" g="0" b="0"/>
+      </a:effectRef>
+      <a:fontRef idx="minor">
+        <a:schemeClr val="lt1"/>
+      </a:fontRef>
+    </dgm:style>
+  </dgm:styleLbl>
+  <dgm:styleLbl name="node3">
+    <dgm:scene3d>
+      <a:camera prst="orthographicFront"/>
+      <a:lightRig rig="threePt" dir="t"/>
+    </dgm:scene3d>
+    <dgm:sp3d/>
+    <dgm:txPr/>
+    <dgm:style>
+      <a:lnRef idx="2">
+        <a:scrgbClr r="0" g="0" b="0"/>
+      </a:lnRef>
+      <a:fillRef idx="1">
+        <a:scrgbClr r="0" g="0" b="0"/>
+      </a:fillRef>
+      <a:effectRef idx="0">
+        <a:scrgbClr r="0" g="0" b="0"/>
+      </a:effectRef>
+      <a:fontRef idx="minor">
+        <a:schemeClr val="lt1"/>
+      </a:fontRef>
+    </dgm:style>
+  </dgm:styleLbl>
+  <dgm:styleLbl name="node4">
+    <dgm:scene3d>
+      <a:camera prst="orthographicFront"/>
+      <a:lightRig rig="threePt" dir="t"/>
+    </dgm:scene3d>
+    <dgm:sp3d/>
+    <dgm:txPr/>
+    <dgm:style>
+      <a:lnRef idx="2">
+        <a:scrgbClr r="0" g="0" b="0"/>
+      </a:lnRef>
+      <a:fillRef idx="1">
+        <a:scrgbClr r="0" g="0" b="0"/>
+      </a:fillRef>
+      <a:effectRef idx="0">
+        <a:scrgbClr r="0" g="0" b="0"/>
+      </a:effectRef>
+      <a:fontRef idx="minor">
+        <a:schemeClr val="lt1"/>
+      </a:fontRef>
+    </dgm:style>
+  </dgm:styleLbl>
+  <dgm:styleLbl name="fgImgPlace1">
+    <dgm:scene3d>
+      <a:camera prst="orthographicFront"/>
+      <a:lightRig rig="threePt" dir="t"/>
+    </dgm:scene3d>
+    <dgm:sp3d/>
+    <dgm:txPr/>
+    <dgm:style>
+      <a:lnRef idx="2">
+        <a:scrgbClr r="0" g="0" b="0"/>
+      </a:lnRef>
+      <a:fillRef idx="1">
+        <a:scrgbClr r="0" g="0" b="0"/>
+      </a:fillRef>
+      <a:effectRef idx="0">
+        <a:scrgbClr r="0" g="0" b="0"/>
+      </a:effectRef>
+      <a:fontRef idx="minor"/>
+    </dgm:style>
+  </dgm:styleLbl>
+  <dgm:styleLbl name="alignImgPlace1">
+    <dgm:scene3d>
+      <a:camera prst="orthographicFront"/>
+      <a:lightRig rig="threePt" dir="t"/>
+    </dgm:scene3d>
+    <dgm:sp3d/>
+    <dgm:txPr/>
+    <dgm:style>
+      <a:lnRef idx="2">
+        <a:scrgbClr r="0" g="0" b="0"/>
+      </a:lnRef>
+      <a:fillRef idx="1">
+        <a:scrgbClr r="0" g="0" b="0"/>
+      </a:fillRef>
+      <a:effectRef idx="0">
+        <a:scrgbClr r="0" g="0" b="0"/>
+      </a:effectRef>
+      <a:fontRef idx="minor"/>
+    </dgm:style>
+  </dgm:styleLbl>
+  <dgm:styleLbl name="bgImgPlace1">
+    <dgm:scene3d>
+      <a:camera prst="orthographicFront"/>
+      <a:lightRig rig="threePt" dir="t"/>
+    </dgm:scene3d>
+    <dgm:sp3d/>
+    <dgm:txPr/>
+    <dgm:style>
+      <a:lnRef idx="2">
+        <a:scrgbClr r="0" g="0" b="0"/>
+      </a:lnRef>
+      <a:fillRef idx="1">
+        <a:scrgbClr r="0" g="0" b="0"/>
+      </a:fillRef>
+      <a:effectRef idx="0">
+        <a:scrgbClr r="0" g="0" b="0"/>
+      </a:effectRef>
+      <a:fontRef idx="minor"/>
+    </dgm:style>
+  </dgm:styleLbl>
+  <dgm:styleLbl name="sibTrans2D1">
+    <dgm:scene3d>
+      <a:camera prst="orthographicFront"/>
+      <a:lightRig rig="threePt" dir="t"/>
+    </dgm:scene3d>
+    <dgm:sp3d/>
+    <dgm:txPr/>
+    <dgm:style>
+      <a:lnRef idx="0">
+        <a:scrgbClr r="0" g="0" b="0"/>
+      </a:lnRef>
+      <a:fillRef idx="1">
+        <a:scrgbClr r="0" g="0" b="0"/>
+      </a:fillRef>
+      <a:effectRef idx="0">
+        <a:scrgbClr r="0" g="0" b="0"/>
+      </a:effectRef>
+      <a:fontRef idx="minor">
+        <a:schemeClr val="lt1"/>
+      </a:fontRef>
+    </dgm:style>
+  </dgm:styleLbl>
+  <dgm:styleLbl name="fgSibTrans2D1">
+    <dgm:scene3d>
+      <a:camera prst="orthographicFront"/>
+      <a:lightRig rig="threePt" dir="t"/>
+    </dgm:scene3d>
+    <dgm:sp3d/>
+    <dgm:txPr/>
+    <dgm:style>
+      <a:lnRef idx="0">
+        <a:scrgbClr r="0" g="0" b="0"/>
+      </a:lnRef>
+      <a:fillRef idx="1">
+        <a:scrgbClr r="0" g="0" b="0"/>
+      </a:fillRef>
+      <a:effectRef idx="0">
+        <a:scrgbClr r="0" g="0" b="0"/>
+      </a:effectRef>
+      <a:fontRef idx="minor">
+        <a:schemeClr val="lt1"/>
+      </a:fontRef>
+    </dgm:style>
+  </dgm:styleLbl>
+  <dgm:styleLbl name="bgSibTrans2D1">
+    <dgm:scene3d>
+      <a:camera prst="orthographicFront"/>
+      <a:lightRig rig="threePt" dir="t"/>
+    </dgm:scene3d>
+    <dgm:sp3d/>
+    <dgm:txPr/>
+    <dgm:style>
+      <a:lnRef idx="0">
+        <a:scrgbClr r="0" g="0" b="0"/>
+      </a:lnRef>
+      <a:fillRef idx="1">
+        <a:scrgbClr r="0" g="0" b="0"/>
+      </a:fillRef>
+      <a:effectRef idx="0">
+        <a:scrgbClr r="0" g="0" b="0"/>
+      </a:effectRef>
+      <a:fontRef idx="minor">
+        <a:schemeClr val="lt1"/>
+      </a:fontRef>
+    </dgm:style>
+  </dgm:styleLbl>
+  <dgm:styleLbl name="sibTrans1D1">
+    <dgm:scene3d>
+      <a:camera prst="orthographicFront"/>
+      <a:lightRig rig="threePt" dir="t"/>
+    </dgm:scene3d>
+    <dgm:sp3d/>
+    <dgm:txPr/>
+    <dgm:style>
+      <a:lnRef idx="1">
+        <a:scrgbClr r="0" g="0" b="0"/>
+      </a:lnRef>
+      <a:fillRef idx="0">
+        <a:scrgbClr r="0" g="0" b="0"/>
+      </a:fillRef>
+      <a:effectRef idx="0">
+        <a:scrgbClr r="0" g="0" b="0"/>
+      </a:effectRef>
+      <a:fontRef idx="minor"/>
+    </dgm:style>
+  </dgm:styleLbl>
+  <dgm:styleLbl name="callout">
+    <dgm:scene3d>
+      <a:camera prst="orthographicFront"/>
+      <a:lightRig rig="threePt" dir="t"/>
+    </dgm:scene3d>
+    <dgm:sp3d/>
+    <dgm:txPr/>
+    <dgm:style>
+      <a:lnRef idx="2">
+        <a:scrgbClr r="0" g="0" b="0"/>
+      </a:lnRef>
+      <a:fillRef idx="1">
+        <a:scrgbClr r="0" g="0" b="0"/>
+      </a:fillRef>
+      <a:effectRef idx="0">
+        <a:scrgbClr r="0" g="0" b="0"/>
+      </a:effectRef>
+      <a:fontRef idx="minor"/>
+    </dgm:style>
+  </dgm:styleLbl>
+  <dgm:styleLbl name="asst0">
+    <dgm:scene3d>
+      <a:camera prst="orthographicFront"/>
+      <a:lightRig rig="threePt" dir="t"/>
+    </dgm:scene3d>
+    <dgm:sp3d/>
+    <dgm:txPr/>
+    <dgm:style>
+      <a:lnRef idx="2">
+        <a:scrgbClr r="0" g="0" b="0"/>
+      </a:lnRef>
+      <a:fillRef idx="1">
+        <a:scrgbClr r="0" g="0" b="0"/>
+      </a:fillRef>
+      <a:effectRef idx="0">
+        <a:scrgbClr r="0" g="0" b="0"/>
+      </a:effectRef>
+      <a:fontRef idx="minor">
+        <a:schemeClr val="lt1"/>
+      </a:fontRef>
+    </dgm:style>
+  </dgm:styleLbl>
+  <dgm:styleLbl name="asst1">
+    <dgm:scene3d>
+      <a:camera prst="orthographicFront"/>
+      <a:lightRig rig="threePt" dir="t"/>
+    </dgm:scene3d>
+    <dgm:sp3d/>
+    <dgm:txPr/>
+    <dgm:style>
+      <a:lnRef idx="2">
+        <a:scrgbClr r="0" g="0" b="0"/>
+      </a:lnRef>
+      <a:fillRef idx="1">
+        <a:scrgbClr r="0" g="0" b="0"/>
+      </a:fillRef>
+      <a:effectRef idx="0">
+        <a:scrgbClr r="0" g="0" b="0"/>
+      </a:effectRef>
+      <a:fontRef idx="minor">
+        <a:schemeClr val="lt1"/>
+      </a:fontRef>
+    </dgm:style>
+  </dgm:styleLbl>
+  <dgm:styleLbl name="asst2">
+    <dgm:scene3d>
+      <a:camera prst="orthographicFront"/>
+      <a:lightRig rig="threePt" dir="t"/>
+    </dgm:scene3d>
+    <dgm:sp3d/>
+    <dgm:txPr/>
+    <dgm:style>
+      <a:lnRef idx="2">
+        <a:scrgbClr r="0" g="0" b="0"/>
+      </a:lnRef>
+      <a:fillRef idx="1">
+        <a:scrgbClr r="0" g="0" b="0"/>
+      </a:fillRef>
+      <a:effectRef idx="0">
+        <a:scrgbClr r="0" g="0" b="0"/>
+      </a:effectRef>
+      <a:fontRef idx="minor">
+        <a:schemeClr val="lt1"/>
+      </a:fontRef>
+    </dgm:style>
+  </dgm:styleLbl>
+  <dgm:styleLbl name="asst3">
+    <dgm:scene3d>
+      <a:camera prst="orthographicFront"/>
+      <a:lightRig rig="threePt" dir="t"/>
+    </dgm:scene3d>
+    <dgm:sp3d/>
+    <dgm:txPr/>
+    <dgm:style>
+      <a:lnRef idx="2">
+        <a:scrgbClr r="0" g="0" b="0"/>
+      </a:lnRef>
+      <a:fillRef idx="1">
+        <a:scrgbClr r="0" g="0" b="0"/>
+      </a:fillRef>
+      <a:effectRef idx="0">
+        <a:scrgbClr r="0" g="0" b="0"/>
+      </a:effectRef>
+      <a:fontRef idx="minor">
+        <a:schemeClr val="lt1"/>
+      </a:fontRef>
+    </dgm:style>
+  </dgm:styleLbl>
+  <dgm:styleLbl name="asst4">
+    <dgm:scene3d>
+      <a:camera prst="orthographicFront"/>
+      <a:lightRig rig="threePt" dir="t"/>
+    </dgm:scene3d>
+    <dgm:sp3d/>
+    <dgm:txPr/>
+    <dgm:style>
+      <a:lnRef idx="2">
+        <a:scrgbClr r="0" g="0" b="0"/>
+      </a:lnRef>
+      <a:fillRef idx="1">
+        <a:scrgbClr r="0" g="0" b="0"/>
+      </a:fillRef>
+      <a:effectRef idx="0">
+        <a:scrgbClr r="0" g="0" b="0"/>
+      </a:effectRef>
+      <a:fontRef idx="minor">
+        <a:schemeClr val="lt1"/>
+      </a:fontRef>
+    </dgm:style>
+  </dgm:styleLbl>
+  <dgm:styleLbl name="parChTrans2D1">
+    <dgm:scene3d>
+      <a:camera prst="orthographicFront"/>
+      <a:lightRig rig="threePt" dir="t"/>
+    </dgm:scene3d>
+    <dgm:sp3d/>
+    <dgm:txPr/>
+    <dgm:style>
+      <a:lnRef idx="2">
+        <a:scrgbClr r="0" g="0" b="0"/>
+      </a:lnRef>
+      <a:fillRef idx="1">
+        <a:scrgbClr r="0" g="0" b="0"/>
+      </a:fillRef>
+      <a:effectRef idx="0">
+        <a:scrgbClr r="0" g="0" b="0"/>
+      </a:effectRef>
+      <a:fontRef idx="minor">
+        <a:schemeClr val="lt1"/>
+      </a:fontRef>
+    </dgm:style>
+  </dgm:styleLbl>
+  <dgm:styleLbl name="parChTrans2D2">
+    <dgm:scene3d>
+      <a:camera prst="orthographicFront"/>
+      <a:lightRig rig="threePt" dir="t"/>
+    </dgm:scene3d>
+    <dgm:sp3d/>
+    <dgm:txPr/>
+    <dgm:style>
+      <a:lnRef idx="2">
+        <a:scrgbClr r="0" g="0" b="0"/>
+      </a:lnRef>
+      <a:fillRef idx="1">
+        <a:scrgbClr r="0" g="0" b="0"/>
+      </a:fillRef>
+      <a:effectRef idx="0">
+        <a:scrgbClr r="0" g="0" b="0"/>
+      </a:effectRef>
+      <a:fontRef idx="minor">
+        <a:schemeClr val="lt1"/>
+      </a:fontRef>
+    </dgm:style>
+  </dgm:styleLbl>
+  <dgm:styleLbl name="parChTrans2D3">
+    <dgm:scene3d>
+      <a:camera prst="orthographicFront"/>
+      <a:lightRig rig="threePt" dir="t"/>
+    </dgm:scene3d>
+    <dgm:sp3d/>
+    <dgm:txPr/>
+    <dgm:style>
+      <a:lnRef idx="2">
+        <a:scrgbClr r="0" g="0" b="0"/>
+      </a:lnRef>
+      <a:fillRef idx="1">
+        <a:scrgbClr r="0" g="0" b="0"/>
+      </a:fillRef>
+      <a:effectRef idx="0">
+        <a:scrgbClr r="0" g="0" b="0"/>
+      </a:effectRef>
+      <a:fontRef idx="minor">
+        <a:schemeClr val="lt1"/>
+      </a:fontRef>
+    </dgm:style>
+  </dgm:styleLbl>
+  <dgm:styleLbl name="parChTrans2D4">
+    <dgm:scene3d>
+      <a:camera prst="orthographicFront"/>
+      <a:lightRig rig="threePt" dir="t"/>
+    </dgm:scene3d>
+    <dgm:sp3d/>
+    <dgm:txPr/>
+    <dgm:style>
+      <a:lnRef idx="2">
+        <a:scrgbClr r="0" g="0" b="0"/>
+      </a:lnRef>
+      <a:fillRef idx="1">
+        <a:scrgbClr r="0" g="0" b="0"/>
+      </a:fillRef>
+      <a:effectRef idx="0">
+        <a:scrgbClr r="0" g="0" b="0"/>
+      </a:effectRef>
+      <a:fontRef idx="minor">
+        <a:schemeClr val="lt1"/>
+      </a:fontRef>
+    </dgm:style>
+  </dgm:styleLbl>
+  <dgm:styleLbl name="parChTrans1D1">
+    <dgm:scene3d>
+      <a:camera prst="orthographicFront"/>
+      <a:lightRig rig="threePt" dir="t"/>
+    </dgm:scene3d>
+    <dgm:sp3d/>
+    <dgm:txPr/>
+    <dgm:style>
+      <a:lnRef idx="2">
+        <a:scrgbClr r="0" g="0" b="0"/>
+      </a:lnRef>
+      <a:fillRef idx="0">
+        <a:scrgbClr r="0" g="0" b="0"/>
+      </a:fillRef>
+      <a:effectRef idx="0">
+        <a:scrgbClr r="0" g="0" b="0"/>
+      </a:effectRef>
+      <a:fontRef idx="minor"/>
+    </dgm:style>
+  </dgm:styleLbl>
+  <dgm:styleLbl name="parChTrans1D2">
+    <dgm:scene3d>
+      <a:camera prst="orthographicFront"/>
+      <a:lightRig rig="threePt" dir="t"/>
+    </dgm:scene3d>
+    <dgm:sp3d/>
+    <dgm:txPr/>
+    <dgm:style>
+      <a:lnRef idx="2">
+        <a:scrgbClr r="0" g="0" b="0"/>
+      </a:lnRef>
+      <a:fillRef idx="0">
+        <a:scrgbClr r="0" g="0" b="0"/>
+      </a:fillRef>
+      <a:effectRef idx="0">
+        <a:scrgbClr r="0" g="0" b="0"/>
+      </a:effectRef>
+      <a:fontRef idx="minor"/>
+    </dgm:style>
+  </dgm:styleLbl>
+  <dgm:styleLbl name="parChTrans1D3">
+    <dgm:scene3d>
+      <a:camera prst="orthographicFront"/>
+      <a:lightRig rig="threePt" dir="t"/>
+    </dgm:scene3d>
+    <dgm:sp3d/>
+    <dgm:txPr/>
+    <dgm:style>
+      <a:lnRef idx="2">
+        <a:scrgbClr r="0" g="0" b="0"/>
+      </a:lnRef>
+      <a:fillRef idx="0">
+        <a:scrgbClr r="0" g="0" b="0"/>
+      </a:fillRef>
+      <a:effectRef idx="0">
+        <a:scrgbClr r="0" g="0" b="0"/>
+      </a:effectRef>
+      <a:fontRef idx="minor"/>
+    </dgm:style>
+  </dgm:styleLbl>
+  <dgm:styleLbl name="parChTrans1D4">
+    <dgm:scene3d>
+      <a:camera prst="orthographicFront"/>
+      <a:lightRig rig="threePt" dir="t"/>
+    </dgm:scene3d>
+    <dgm:sp3d/>
+    <dgm:txPr/>
+    <dgm:style>
+      <a:lnRef idx="2">
+        <a:scrgbClr r="0" g="0" b="0"/>
+      </a:lnRef>
+      <a:fillRef idx="0">
+        <a:scrgbClr r="0" g="0" b="0"/>
+      </a:fillRef>
+      <a:effectRef idx="0">
+        <a:scrgbClr r="0" g="0" b="0"/>
+      </a:effectRef>
+      <a:fontRef idx="minor"/>
+    </dgm:style>
+  </dgm:styleLbl>
+  <dgm:styleLbl name="fgAcc1">
+    <dgm:scene3d>
+      <a:camera prst="orthographicFront"/>
+      <a:lightRig rig="threePt" dir="t"/>
+    </dgm:scene3d>
+    <dgm:sp3d/>
+    <dgm:txPr/>
+    <dgm:style>
+      <a:lnRef idx="2">
+        <a:scrgbClr r="0" g="0" b="0"/>
+      </a:lnRef>
+      <a:fillRef idx="1">
+        <a:scrgbClr r="0" g="0" b="0"/>
+      </a:fillRef>
+      <a:effectRef idx="0">
+        <a:scrgbClr r="0" g="0" b="0"/>
+      </a:effectRef>
+      <a:fontRef idx="minor"/>
+    </dgm:style>
+  </dgm:styleLbl>
+  <dgm:styleLbl name="conFgAcc1">
+    <dgm:scene3d>
+      <a:camera prst="orthographicFront"/>
+      <a:lightRig rig="threePt" dir="t"/>
+    </dgm:scene3d>
+    <dgm:sp3d/>
+    <dgm:txPr/>
+    <dgm:style>
+      <a:lnRef idx="2">
+        <a:scrgbClr r="0" g="0" b="0"/>
+      </a:lnRef>
+      <a:fillRef idx="1">
+        <a:scrgbClr r="0" g="0" b="0"/>
+      </a:fillRef>
+      <a:effectRef idx="0">
+        <a:scrgbClr r="0" g="0" b="0"/>
+      </a:effectRef>
+      <a:fontRef idx="minor"/>
+    </dgm:style>
+  </dgm:styleLbl>
+  <dgm:styleLbl name="alignAcc1">
+    <dgm:scene3d>
+      <a:camera prst="orthographicFront"/>
+      <a:lightRig rig="threePt" dir="t"/>
+    </dgm:scene3d>
+    <dgm:sp3d/>
+    <dgm:txPr/>
+    <dgm:style>
+      <a:lnRef idx="2">
+        <a:scrgbClr r="0" g="0" b="0"/>
+      </a:lnRef>
+      <a:fillRef idx="1">
+        <a:scrgbClr r="0" g="0" b="0"/>
+      </a:fillRef>
+      <a:effectRef idx="0">
+        <a:scrgbClr r="0" g="0" b="0"/>
+      </a:effectRef>
+      <a:fontRef idx="minor"/>
+    </dgm:style>
+  </dgm:styleLbl>
+  <dgm:styleLbl name="trAlignAcc1">
+    <dgm:scene3d>
+      <a:camera prst="orthographicFront"/>
+      <a:lightRig rig="threePt" dir="t"/>
+    </dgm:scene3d>
+    <dgm:sp3d/>
+    <dgm:txPr/>
+    <dgm:style>
+      <a:lnRef idx="1">
+        <a:scrgbClr r="0" g="0" b="0"/>
+      </a:lnRef>
+      <a:fillRef idx="1">
+        <a:scrgbClr r="0" g="0" b="0"/>
+      </a:fillRef>
+      <a:effectRef idx="0">
+        <a:scrgbClr r="0" g="0" b="0"/>
+      </a:effectRef>
+      <a:fontRef idx="minor"/>
+    </dgm:style>
+  </dgm:styleLbl>
+  <dgm:styleLbl name="bgAcc1">
+    <dgm:scene3d>
+      <a:camera prst="orthographicFront"/>
+      <a:lightRig rig="threePt" dir="t"/>
+    </dgm:scene3d>
+    <dgm:sp3d/>
+    <dgm:txPr/>
+    <dgm:style>
+      <a:lnRef idx="2">
+        <a:scrgbClr r="0" g="0" b="0"/>
+      </a:lnRef>
+      <a:fillRef idx="1">
+        <a:scrgbClr r="0" g="0" b="0"/>
+      </a:fillRef>
+      <a:effectRef idx="0">
+        <a:scrgbClr r="0" g="0" b="0"/>
+      </a:effectRef>
+      <a:fontRef idx="minor"/>
+    </dgm:style>
+  </dgm:styleLbl>
+  <dgm:styleLbl name="solidFgAcc1">
+    <dgm:scene3d>
+      <a:camera prst="orthographicFront"/>
+      <a:lightRig rig="threePt" dir="t"/>
+    </dgm:scene3d>
+    <dgm:sp3d/>
+    <dgm:txPr/>
+    <dgm:style>
+      <a:lnRef idx="2">
+        <a:scrgbClr r="0" g="0" b="0"/>
+      </a:lnRef>
+      <a:fillRef idx="1">
+        <a:scrgbClr r="0" g="0" b="0"/>
+      </a:fillRef>
+      <a:effectRef idx="0">
+        <a:scrgbClr r="0" g="0" b="0"/>
+      </a:effectRef>
+      <a:fontRef idx="minor"/>
+    </dgm:style>
+  </dgm:styleLbl>
+  <dgm:styleLbl name="solidAlignAcc1">
+    <dgm:scene3d>
+      <a:camera prst="orthographicFront"/>
+      <a:lightRig rig="threePt" dir="t"/>
+    </dgm:scene3d>
+    <dgm:sp3d/>
+    <dgm:txPr/>
+    <dgm:style>
+      <a:lnRef idx="2">
+        <a:scrgbClr r="0" g="0" b="0"/>
+      </a:lnRef>
+      <a:fillRef idx="1">
+        <a:scrgbClr r="0" g="0" b="0"/>
+      </a:fillRef>
+      <a:effectRef idx="0">
+        <a:scrgbClr r="0" g="0" b="0"/>
+      </a:effectRef>
+      <a:fontRef idx="minor"/>
+    </dgm:style>
+  </dgm:styleLbl>
+  <dgm:styleLbl name="solidBgAcc1">
+    <dgm:scene3d>
+      <a:camera prst="orthographicFront"/>
+      <a:lightRig rig="threePt" dir="t"/>
+    </dgm:scene3d>
+    <dgm:sp3d/>
+    <dgm:txPr/>
+    <dgm:style>
+      <a:lnRef idx="2">
+        <a:scrgbClr r="0" g="0" b="0"/>
+      </a:lnRef>
+      <a:fillRef idx="1">
+        <a:scrgbClr r="0" g="0" b="0"/>
+      </a:fillRef>
+      <a:effectRef idx="0">
+        <a:scrgbClr r="0" g="0" b="0"/>
+      </a:effectRef>
+      <a:fontRef idx="minor"/>
+    </dgm:style>
+  </dgm:styleLbl>
+  <dgm:styleLbl name="fgAccFollowNode1">
+    <dgm:scene3d>
+      <a:camera prst="orthographicFront"/>
+      <a:lightRig rig="threePt" dir="t"/>
+    </dgm:scene3d>
+    <dgm:sp3d/>
+    <dgm:txPr/>
+    <dgm:style>
+      <a:lnRef idx="2">
+        <a:scrgbClr r="0" g="0" b="0"/>
+      </a:lnRef>
+      <a:fillRef idx="1">
+        <a:scrgbClr r="0" g="0" b="0"/>
+      </a:fillRef>
+      <a:effectRef idx="0">
+        <a:scrgbClr r="0" g="0" b="0"/>
+      </a:effectRef>
+      <a:fontRef idx="minor"/>
+    </dgm:style>
+  </dgm:styleLbl>
+  <dgm:styleLbl name="alignAccFollowNode1">
+    <dgm:scene3d>
+      <a:camera prst="orthographicFront"/>
+      <a:lightRig rig="threePt" dir="t"/>
+    </dgm:scene3d>
+    <dgm:sp3d/>
+    <dgm:txPr/>
+    <dgm:style>
+      <a:lnRef idx="2">
+        <a:scrgbClr r="0" g="0" b="0"/>
+      </a:lnRef>
+      <a:fillRef idx="1">
+        <a:scrgbClr r="0" g="0" b="0"/>
+      </a:fillRef>
+      <a:effectRef idx="0">
+        <a:scrgbClr r="0" g="0" b="0"/>
+      </a:effectRef>
+      <a:fontRef idx="minor"/>
+    </dgm:style>
+  </dgm:styleLbl>
+  <dgm:styleLbl name="bgAccFollowNode1">
+    <dgm:scene3d>
+      <a:camera prst="orthographicFront"/>
+      <a:lightRig rig="threePt" dir="t"/>
+    </dgm:scene3d>
+    <dgm:sp3d/>
+    <dgm:txPr/>
+    <dgm:style>
+      <a:lnRef idx="2">
+        <a:scrgbClr r="0" g="0" b="0"/>
+      </a:lnRef>
+      <a:fillRef idx="1">
+        <a:scrgbClr r="0" g="0" b="0"/>
+      </a:fillRef>
+      <a:effectRef idx="0">
+        <a:scrgbClr r="0" g="0" b="0"/>
+      </a:effectRef>
+      <a:fontRef idx="minor"/>
+    </dgm:style>
+  </dgm:styleLbl>
+  <dgm:styleLbl name="fgAcc0">
+    <dgm:scene3d>
+      <a:camera prst="orthographicFront"/>
+      <a:lightRig rig="threePt" dir="t"/>
+    </dgm:scene3d>
+    <dgm:sp3d/>
+    <dgm:txPr/>
+    <dgm:style>
+      <a:lnRef idx="2">
+        <a:scrgbClr r="0" g="0" b="0"/>
+      </a:lnRef>
+      <a:fillRef idx="1">
+        <a:scrgbClr r="0" g="0" b="0"/>
+      </a:fillRef>
+      <a:effectRef idx="0">
+        <a:scrgbClr r="0" g="0" b="0"/>
+      </a:effectRef>
+      <a:fontRef idx="minor"/>
+    </dgm:style>
+  </dgm:styleLbl>
+  <dgm:styleLbl name="fgAcc2">
+    <dgm:scene3d>
+      <a:camera prst="orthographicFront"/>
+      <a:lightRig rig="threePt" dir="t"/>
+    </dgm:scene3d>
+    <dgm:sp3d/>
+    <dgm:txPr/>
+    <dgm:style>
+      <a:lnRef idx="2">
+        <a:scrgbClr r="0" g="0" b="0"/>
+      </a:lnRef>
+      <a:fillRef idx="1">
+        <a:scrgbClr r="0" g="0" b="0"/>
+      </a:fillRef>
+      <a:effectRef idx="0">
+        <a:scrgbClr r="0" g="0" b="0"/>
+      </a:effectRef>
+      <a:fontRef idx="minor"/>
+    </dgm:style>
+  </dgm:styleLbl>
+  <dgm:styleLbl name="fgAcc3">
+    <dgm:scene3d>
+      <a:camera prst="orthographicFront"/>
+      <a:lightRig rig="threePt" dir="t"/>
+    </dgm:scene3d>
+    <dgm:sp3d/>
+    <dgm:txPr/>
+    <dgm:style>
+      <a:lnRef idx="2">
+        <a:scrgbClr r="0" g="0" b="0"/>
+      </a:lnRef>
+      <a:fillRef idx="1">
+        <a:scrgbClr r="0" g="0" b="0"/>
+      </a:fillRef>
+      <a:effectRef idx="0">
+        <a:scrgbClr r="0" g="0" b="0"/>
+      </a:effectRef>
+      <a:fontRef idx="minor"/>
+    </dgm:style>
+  </dgm:styleLbl>
+  <dgm:styleLbl name="fgAcc4">
+    <dgm:scene3d>
+      <a:camera prst="orthographicFront"/>
+      <a:lightRig rig="threePt" dir="t"/>
+    </dgm:scene3d>
+    <dgm:sp3d/>
+    <dgm:txPr/>
+    <dgm:style>
+      <a:lnRef idx="2">
+        <a:scrgbClr r="0" g="0" b="0"/>
+      </a:lnRef>
+      <a:fillRef idx="1">
+        <a:scrgbClr r="0" g="0" b="0"/>
+      </a:fillRef>
+      <a:effectRef idx="0">
+        <a:scrgbClr r="0" g="0" b="0"/>
+      </a:effectRef>
+      <a:fontRef idx="minor"/>
+    </dgm:style>
+  </dgm:styleLbl>
+  <dgm:styleLbl name="bgShp">
+    <dgm:scene3d>
+      <a:camera prst="orthographicFront"/>
+      <a:lightRig rig="threePt" dir="t"/>
+    </dgm:scene3d>
+    <dgm:sp3d/>
+    <dgm:txPr/>
+    <dgm:style>
+      <a:lnRef idx="0">
+        <a:scrgbClr r="0" g="0" b="0"/>
+      </a:lnRef>
+      <a:fillRef idx="1">
+        <a:scrgbClr r="0" g="0" b="0"/>
+      </a:fillRef>
+      <a:effectRef idx="0">
+        <a:scrgbClr r="0" g="0" b="0"/>
+      </a:effectRef>
+      <a:fontRef idx="minor"/>
+    </dgm:style>
+  </dgm:styleLbl>
+  <dgm:styleLbl name="dkBgShp">
+    <dgm:scene3d>
+      <a:camera prst="orthographicFront"/>
+      <a:lightRig rig="threePt" dir="t"/>
+    </dgm:scene3d>
+    <dgm:sp3d/>
+    <dgm:txPr/>
+    <dgm:style>
+      <a:lnRef idx="0">
+        <a:scrgbClr r="0" g="0" b="0"/>
+      </a:lnRef>
+      <a:fillRef idx="1">
+        <a:scrgbClr r="0" g="0" b="0"/>
+      </a:fillRef>
+      <a:effectRef idx="0">
+        <a:scrgbClr r="0" g="0" b="0"/>
+      </a:effectRef>
+      <a:fontRef idx="minor"/>
+    </dgm:style>
+  </dgm:styleLbl>
+  <dgm:styleLbl name="trBgShp">
+    <dgm:scene3d>
+      <a:camera prst="orthographicFront"/>
+      <a:lightRig rig="threePt" dir="t"/>
+    </dgm:scene3d>
+    <dgm:sp3d/>
+    <dgm:txPr/>
+    <dgm:style>
+      <a:lnRef idx="0">
+        <a:scrgbClr r="0" g="0" b="0"/>
+      </a:lnRef>
+      <a:fillRef idx="1">
+        <a:scrgbClr r="0" g="0" b="0"/>
+      </a:fillRef>
+      <a:effectRef idx="0">
+        <a:scrgbClr r="0" g="0" b="0"/>
+      </a:effectRef>
+      <a:fontRef idx="minor"/>
+    </dgm:style>
+  </dgm:styleLbl>
+  <dgm:styleLbl name="fgShp">
+    <dgm:scene3d>
+      <a:camera prst="orthographicFront"/>
+      <a:lightRig rig="threePt" dir="t"/>
+    </dgm:scene3d>
+    <dgm:sp3d/>
+    <dgm:txPr/>
+    <dgm:style>
+      <a:lnRef idx="2">
+        <a:scrgbClr r="0" g="0" b="0"/>
+      </a:lnRef>
+      <a:fillRef idx="1">
+        <a:scrgbClr r="0" g="0" b="0"/>
+      </a:fillRef>
+      <a:effectRef idx="0">
+        <a:scrgbClr r="0" g="0" b="0"/>
+      </a:effectRef>
+      <a:fontRef idx="minor"/>
+    </dgm:style>
+  </dgm:styleLbl>
+  <dgm:styleLbl name="revTx">
+    <dgm:scene3d>
+      <a:camera prst="orthographicFront"/>
+      <a:lightRig rig="threePt" dir="t"/>
+    </dgm:scene3d>
+    <dgm:sp3d/>
+    <dgm:txPr/>
+    <dgm:style>
+      <a:lnRef idx="0">
+        <a:scrgbClr r="0" g="0" b="0"/>
+      </a:lnRef>
+      <a:fillRef idx="0">
+        <a:scrgbClr r="0" g="0" b="0"/>
+      </a:fillRef>
+      <a:effectRef idx="0">
+        <a:scrgbClr r="0" g="0" b="0"/>
+      </a:effectRef>
+      <a:fontRef idx="minor"/>
+    </dgm:style>
+  </dgm:styleLbl>
+</dgm:styleDef>
+</file>
+
+<file path=ppt/diagrams/quickStyle7.xml><?xml version="1.0" encoding="utf-8"?>
 <dgm:styleDef xmlns:dgm="http://schemas.openxmlformats.org/drawingml/2006/diagram" xmlns:a="http://schemas.openxmlformats.org/drawingml/2006/main" uniqueId="urn:microsoft.com/office/officeart/2005/8/quickstyle/simple1">
   <dgm:title val=""/>
   <dgm:desc val=""/>
@@ -14707,7 +19959,7 @@
           <a:p>
             <a:fld id="{345961D2-DBF7-42AE-B789-18ADD99FC909}" type="datetimeFigureOut">
               <a:rPr lang="en-US" smtClean="0"/>
-              <a:t>9/10/2019</a:t>
+              <a:t>9/13/2019</a:t>
             </a:fld>
             <a:endParaRPr lang="en-US"/>
           </a:p>
@@ -15262,6 +20514,174 @@
 </p:notes>
 </file>
 
+<file path=ppt/notesSlides/notesSlide4.xml><?xml version="1.0" encoding="utf-8"?>
+<p:notes xmlns:a="http://schemas.openxmlformats.org/drawingml/2006/main" xmlns:r="http://schemas.openxmlformats.org/officeDocument/2006/relationships" xmlns:p="http://schemas.openxmlformats.org/presentationml/2006/main">
+  <p:cSld>
+    <p:spTree>
+      <p:nvGrpSpPr>
+        <p:cNvPr id="1" name=""/>
+        <p:cNvGrpSpPr/>
+        <p:nvPr/>
+      </p:nvGrpSpPr>
+      <p:grpSpPr>
+        <a:xfrm>
+          <a:off x="0" y="0"/>
+          <a:ext cx="0" cy="0"/>
+          <a:chOff x="0" y="0"/>
+          <a:chExt cx="0" cy="0"/>
+        </a:xfrm>
+      </p:grpSpPr>
+      <p:sp>
+        <p:nvSpPr>
+          <p:cNvPr id="2" name="Folienbildplatzhalter 1"/>
+          <p:cNvSpPr>
+            <a:spLocks noGrp="1" noRot="1" noChangeAspect="1"/>
+          </p:cNvSpPr>
+          <p:nvPr>
+            <p:ph type="sldImg"/>
+          </p:nvPr>
+        </p:nvSpPr>
+        <p:spPr/>
+      </p:sp>
+      <p:sp>
+        <p:nvSpPr>
+          <p:cNvPr id="3" name="Notizenplatzhalter 2"/>
+          <p:cNvSpPr>
+            <a:spLocks noGrp="1"/>
+          </p:cNvSpPr>
+          <p:nvPr>
+            <p:ph type="body" idx="1"/>
+          </p:nvPr>
+        </p:nvSpPr>
+        <p:spPr/>
+        <p:txBody>
+          <a:bodyPr/>
+          <a:lstStyle/>
+          <a:p>
+            <a:endParaRPr lang="en-US" dirty="0"/>
+          </a:p>
+        </p:txBody>
+      </p:sp>
+      <p:sp>
+        <p:nvSpPr>
+          <p:cNvPr id="4" name="Foliennummernplatzhalter 3"/>
+          <p:cNvSpPr>
+            <a:spLocks noGrp="1"/>
+          </p:cNvSpPr>
+          <p:nvPr>
+            <p:ph type="sldNum" sz="quarter" idx="5"/>
+          </p:nvPr>
+        </p:nvSpPr>
+        <p:spPr/>
+        <p:txBody>
+          <a:bodyPr/>
+          <a:lstStyle/>
+          <a:p>
+            <a:fld id="{48844636-12E7-4AFF-A184-21179E60C766}" type="slidenum">
+              <a:rPr lang="en-US" smtClean="0"/>
+              <a:t>14</a:t>
+            </a:fld>
+            <a:endParaRPr lang="en-US"/>
+          </a:p>
+        </p:txBody>
+      </p:sp>
+    </p:spTree>
+    <p:extLst>
+      <p:ext uri="{BB962C8B-B14F-4D97-AF65-F5344CB8AC3E}">
+        <p14:creationId xmlns:p14="http://schemas.microsoft.com/office/powerpoint/2010/main" val="2657420355"/>
+      </p:ext>
+    </p:extLst>
+  </p:cSld>
+  <p:clrMapOvr>
+    <a:masterClrMapping/>
+  </p:clrMapOvr>
+</p:notes>
+</file>
+
+<file path=ppt/notesSlides/notesSlide5.xml><?xml version="1.0" encoding="utf-8"?>
+<p:notes xmlns:a="http://schemas.openxmlformats.org/drawingml/2006/main" xmlns:r="http://schemas.openxmlformats.org/officeDocument/2006/relationships" xmlns:p="http://schemas.openxmlformats.org/presentationml/2006/main">
+  <p:cSld>
+    <p:spTree>
+      <p:nvGrpSpPr>
+        <p:cNvPr id="1" name=""/>
+        <p:cNvGrpSpPr/>
+        <p:nvPr/>
+      </p:nvGrpSpPr>
+      <p:grpSpPr>
+        <a:xfrm>
+          <a:off x="0" y="0"/>
+          <a:ext cx="0" cy="0"/>
+          <a:chOff x="0" y="0"/>
+          <a:chExt cx="0" cy="0"/>
+        </a:xfrm>
+      </p:grpSpPr>
+      <p:sp>
+        <p:nvSpPr>
+          <p:cNvPr id="2" name="Folienbildplatzhalter 1"/>
+          <p:cNvSpPr>
+            <a:spLocks noGrp="1" noRot="1" noChangeAspect="1"/>
+          </p:cNvSpPr>
+          <p:nvPr>
+            <p:ph type="sldImg"/>
+          </p:nvPr>
+        </p:nvSpPr>
+        <p:spPr/>
+      </p:sp>
+      <p:sp>
+        <p:nvSpPr>
+          <p:cNvPr id="3" name="Notizenplatzhalter 2"/>
+          <p:cNvSpPr>
+            <a:spLocks noGrp="1"/>
+          </p:cNvSpPr>
+          <p:nvPr>
+            <p:ph type="body" idx="1"/>
+          </p:nvPr>
+        </p:nvSpPr>
+        <p:spPr/>
+        <p:txBody>
+          <a:bodyPr/>
+          <a:lstStyle/>
+          <a:p>
+            <a:endParaRPr lang="en-US" dirty="0"/>
+          </a:p>
+        </p:txBody>
+      </p:sp>
+      <p:sp>
+        <p:nvSpPr>
+          <p:cNvPr id="4" name="Foliennummernplatzhalter 3"/>
+          <p:cNvSpPr>
+            <a:spLocks noGrp="1"/>
+          </p:cNvSpPr>
+          <p:nvPr>
+            <p:ph type="sldNum" sz="quarter" idx="5"/>
+          </p:nvPr>
+        </p:nvSpPr>
+        <p:spPr/>
+        <p:txBody>
+          <a:bodyPr/>
+          <a:lstStyle/>
+          <a:p>
+            <a:fld id="{48844636-12E7-4AFF-A184-21179E60C766}" type="slidenum">
+              <a:rPr lang="en-US" smtClean="0"/>
+              <a:t>19</a:t>
+            </a:fld>
+            <a:endParaRPr lang="en-US"/>
+          </a:p>
+        </p:txBody>
+      </p:sp>
+    </p:spTree>
+    <p:extLst>
+      <p:ext uri="{BB962C8B-B14F-4D97-AF65-F5344CB8AC3E}">
+        <p14:creationId xmlns:p14="http://schemas.microsoft.com/office/powerpoint/2010/main" val="639934125"/>
+      </p:ext>
+    </p:extLst>
+  </p:cSld>
+  <p:clrMapOvr>
+    <a:masterClrMapping/>
+  </p:clrMapOvr>
+</p:notes>
+</file>
+
 <file path=ppt/slideLayouts/slideLayout1.xml><?xml version="1.0" encoding="utf-8"?>
 <p:sldLayout xmlns:a="http://schemas.openxmlformats.org/drawingml/2006/main" xmlns:r="http://schemas.openxmlformats.org/officeDocument/2006/relationships" xmlns:p="http://schemas.openxmlformats.org/presentationml/2006/main" showMasterSp="0" type="title" preserve="1">
   <p:cSld name="Titelfolie">
@@ -15488,7 +20908,7 @@
           <a:p>
             <a:fld id="{03D2199C-AACF-4674-9026-68D71E5E2E3A}" type="datetimeFigureOut">
               <a:rPr lang="en-US" smtClean="0"/>
-              <a:t>9/10/2019</a:t>
+              <a:t>9/13/2019</a:t>
             </a:fld>
             <a:endParaRPr lang="en-US"/>
           </a:p>
@@ -15735,7 +21155,7 @@
           <a:p>
             <a:fld id="{03D2199C-AACF-4674-9026-68D71E5E2E3A}" type="datetimeFigureOut">
               <a:rPr lang="en-US" smtClean="0"/>
-              <a:t>9/10/2019</a:t>
+              <a:t>9/13/2019</a:t>
             </a:fld>
             <a:endParaRPr lang="en-US"/>
           </a:p>
@@ -15991,7 +21411,7 @@
           <a:p>
             <a:fld id="{03D2199C-AACF-4674-9026-68D71E5E2E3A}" type="datetimeFigureOut">
               <a:rPr lang="en-US" smtClean="0"/>
-              <a:t>9/10/2019</a:t>
+              <a:t>9/13/2019</a:t>
             </a:fld>
             <a:endParaRPr lang="en-US"/>
           </a:p>
@@ -16165,7 +21585,7 @@
           <a:p>
             <a:fld id="{03D2199C-AACF-4674-9026-68D71E5E2E3A}" type="datetimeFigureOut">
               <a:rPr lang="en-US" smtClean="0"/>
-              <a:t>9/10/2019</a:t>
+              <a:t>9/13/2019</a:t>
             </a:fld>
             <a:endParaRPr lang="en-US"/>
           </a:p>
@@ -16508,7 +21928,7 @@
           <a:p>
             <a:fld id="{03D2199C-AACF-4674-9026-68D71E5E2E3A}" type="datetimeFigureOut">
               <a:rPr lang="en-US" smtClean="0"/>
-              <a:t>9/10/2019</a:t>
+              <a:t>9/13/2019</a:t>
             </a:fld>
             <a:endParaRPr lang="en-US"/>
           </a:p>
@@ -16822,7 +22242,7 @@
           <a:p>
             <a:fld id="{03D2199C-AACF-4674-9026-68D71E5E2E3A}" type="datetimeFigureOut">
               <a:rPr lang="en-US" smtClean="0"/>
-              <a:t>9/10/2019</a:t>
+              <a:t>9/13/2019</a:t>
             </a:fld>
             <a:endParaRPr lang="en-US"/>
           </a:p>
@@ -17201,7 +22621,7 @@
           <a:p>
             <a:fld id="{03D2199C-AACF-4674-9026-68D71E5E2E3A}" type="datetimeFigureOut">
               <a:rPr lang="en-US" smtClean="0"/>
-              <a:t>9/10/2019</a:t>
+              <a:t>9/13/2019</a:t>
             </a:fld>
             <a:endParaRPr lang="en-US"/>
           </a:p>
@@ -17319,7 +22739,7 @@
           <a:p>
             <a:fld id="{03D2199C-AACF-4674-9026-68D71E5E2E3A}" type="datetimeFigureOut">
               <a:rPr lang="en-US" smtClean="0"/>
-              <a:t>9/10/2019</a:t>
+              <a:t>9/13/2019</a:t>
             </a:fld>
             <a:endParaRPr lang="en-US"/>
           </a:p>
@@ -17490,7 +22910,7 @@
           <a:p>
             <a:fld id="{03D2199C-AACF-4674-9026-68D71E5E2E3A}" type="datetimeFigureOut">
               <a:rPr lang="en-US" smtClean="0"/>
-              <a:t>9/10/2019</a:t>
+              <a:t>9/13/2019</a:t>
             </a:fld>
             <a:endParaRPr lang="en-US"/>
           </a:p>
@@ -17844,7 +23264,7 @@
           <a:p>
             <a:fld id="{03D2199C-AACF-4674-9026-68D71E5E2E3A}" type="datetimeFigureOut">
               <a:rPr lang="en-US" smtClean="0"/>
-              <a:t>9/10/2019</a:t>
+              <a:t>9/13/2019</a:t>
             </a:fld>
             <a:endParaRPr lang="en-US"/>
           </a:p>
@@ -18226,7 +23646,7 @@
           <a:p>
             <a:fld id="{03D2199C-AACF-4674-9026-68D71E5E2E3A}" type="datetimeFigureOut">
               <a:rPr lang="en-US" smtClean="0"/>
-              <a:t>9/10/2019</a:t>
+              <a:t>9/13/2019</a:t>
             </a:fld>
             <a:endParaRPr lang="en-US"/>
           </a:p>
@@ -18513,7 +23933,7 @@
           <a:p>
             <a:fld id="{03D2199C-AACF-4674-9026-68D71E5E2E3A}" type="datetimeFigureOut">
               <a:rPr lang="en-US" smtClean="0"/>
-              <a:t>9/10/2019</a:t>
+              <a:t>9/13/2019</a:t>
             </a:fld>
             <a:endParaRPr lang="en-US"/>
           </a:p>
@@ -19602,6 +25022,1970 @@
           <p:cNvPr id="2" name="Titel 1">
             <a:extLst>
               <a:ext uri="{FF2B5EF4-FFF2-40B4-BE49-F238E27FC236}">
+                <a16:creationId xmlns:a16="http://schemas.microsoft.com/office/drawing/2014/main" id="{193A6548-0E2B-479A-8D4F-16345DC3A106}"/>
+              </a:ext>
+            </a:extLst>
+          </p:cNvPr>
+          <p:cNvSpPr>
+            <a:spLocks noGrp="1"/>
+          </p:cNvSpPr>
+          <p:nvPr>
+            <p:ph type="title"/>
+          </p:nvPr>
+        </p:nvSpPr>
+        <p:spPr/>
+        <p:txBody>
+          <a:bodyPr/>
+          <a:lstStyle/>
+          <a:p>
+            <a:r>
+              <a:rPr lang="de-DE" dirty="0" err="1"/>
+              <a:t>Buggybank</a:t>
+            </a:r>
+            <a:r>
+              <a:rPr lang="de-DE" dirty="0"/>
+              <a:t> </a:t>
+            </a:r>
+            <a:r>
+              <a:rPr lang="de-DE" dirty="0" err="1"/>
+              <a:t>UseCases</a:t>
+            </a:r>
+            <a:endParaRPr lang="en-US" dirty="0"/>
+          </a:p>
+        </p:txBody>
+      </p:sp>
+      <p:graphicFrame>
+        <p:nvGraphicFramePr>
+          <p:cNvPr id="4" name="Inhaltsplatzhalter 3">
+            <a:extLst>
+              <a:ext uri="{FF2B5EF4-FFF2-40B4-BE49-F238E27FC236}">
+                <a16:creationId xmlns:a16="http://schemas.microsoft.com/office/drawing/2014/main" id="{E91691B7-5869-4846-802A-7FC2605D481F}"/>
+              </a:ext>
+            </a:extLst>
+          </p:cNvPr>
+          <p:cNvGraphicFramePr>
+            <a:graphicFrameLocks noGrp="1"/>
+          </p:cNvGraphicFramePr>
+          <p:nvPr>
+            <p:ph idx="1"/>
+            <p:extLst>
+              <p:ext uri="{D42A27DB-BD31-4B8C-83A1-F6EECF244321}">
+                <p14:modId xmlns:p14="http://schemas.microsoft.com/office/powerpoint/2010/main" val="1627106054"/>
+              </p:ext>
+            </p:extLst>
+          </p:nvPr>
+        </p:nvGraphicFramePr>
+        <p:xfrm>
+          <a:off x="1096963" y="1846263"/>
+          <a:ext cx="10058400" cy="4022725"/>
+        </p:xfrm>
+        <a:graphic>
+          <a:graphicData uri="http://schemas.openxmlformats.org/drawingml/2006/diagram">
+            <dgm:relIds xmlns:dgm="http://schemas.openxmlformats.org/drawingml/2006/diagram" xmlns:r="http://schemas.openxmlformats.org/officeDocument/2006/relationships" r:dm="rId3" r:lo="rId4" r:qs="rId5" r:cs="rId6"/>
+          </a:graphicData>
+        </a:graphic>
+      </p:graphicFrame>
+    </p:spTree>
+    <p:extLst>
+      <p:ext uri="{BB962C8B-B14F-4D97-AF65-F5344CB8AC3E}">
+        <p14:creationId xmlns:p14="http://schemas.microsoft.com/office/powerpoint/2010/main" val="870929322"/>
+      </p:ext>
+    </p:extLst>
+  </p:cSld>
+  <p:clrMapOvr>
+    <a:masterClrMapping/>
+  </p:clrMapOvr>
+</p:sld>
+</file>
+
+<file path=ppt/slides/slide15.xml><?xml version="1.0" encoding="utf-8"?>
+<p:sld xmlns:a="http://schemas.openxmlformats.org/drawingml/2006/main" xmlns:r="http://schemas.openxmlformats.org/officeDocument/2006/relationships" xmlns:p="http://schemas.openxmlformats.org/presentationml/2006/main">
+  <p:cSld>
+    <p:spTree>
+      <p:nvGrpSpPr>
+        <p:cNvPr id="1" name=""/>
+        <p:cNvGrpSpPr/>
+        <p:nvPr/>
+      </p:nvGrpSpPr>
+      <p:grpSpPr>
+        <a:xfrm>
+          <a:off x="0" y="0"/>
+          <a:ext cx="0" cy="0"/>
+          <a:chOff x="0" y="0"/>
+          <a:chExt cx="0" cy="0"/>
+        </a:xfrm>
+      </p:grpSpPr>
+      <p:sp>
+        <p:nvSpPr>
+          <p:cNvPr id="2" name="Titel 1">
+            <a:extLst>
+              <a:ext uri="{FF2B5EF4-FFF2-40B4-BE49-F238E27FC236}">
+                <a16:creationId xmlns:a16="http://schemas.microsoft.com/office/drawing/2014/main" id="{7F9F7751-27F1-4E9A-A017-271A999D18CE}"/>
+              </a:ext>
+            </a:extLst>
+          </p:cNvPr>
+          <p:cNvSpPr>
+            <a:spLocks noGrp="1"/>
+          </p:cNvSpPr>
+          <p:nvPr>
+            <p:ph type="title"/>
+          </p:nvPr>
+        </p:nvSpPr>
+        <p:spPr/>
+        <p:txBody>
+          <a:bodyPr/>
+          <a:lstStyle/>
+          <a:p>
+            <a:r>
+              <a:rPr lang="de-DE" dirty="0"/>
+              <a:t>Wir bauen eine REST API</a:t>
+            </a:r>
+            <a:endParaRPr lang="en-US" dirty="0"/>
+          </a:p>
+        </p:txBody>
+      </p:sp>
+      <p:sp>
+        <p:nvSpPr>
+          <p:cNvPr id="3" name="Inhaltsplatzhalter 2">
+            <a:extLst>
+              <a:ext uri="{FF2B5EF4-FFF2-40B4-BE49-F238E27FC236}">
+                <a16:creationId xmlns:a16="http://schemas.microsoft.com/office/drawing/2014/main" id="{7AF90755-53AD-4A0E-9C7E-FA75DBA82F0C}"/>
+              </a:ext>
+            </a:extLst>
+          </p:cNvPr>
+          <p:cNvSpPr>
+            <a:spLocks noGrp="1"/>
+          </p:cNvSpPr>
+          <p:nvPr>
+            <p:ph idx="1"/>
+          </p:nvPr>
+        </p:nvSpPr>
+        <p:spPr/>
+        <p:txBody>
+          <a:bodyPr/>
+          <a:lstStyle/>
+          <a:p>
+            <a:r>
+              <a:rPr lang="de-DE" dirty="0"/>
+              <a:t>1. Wie sollen die Daten repräsentiert werden?</a:t>
+            </a:r>
+            <a:br>
+              <a:rPr lang="de-DE" dirty="0"/>
+            </a:br>
+            <a:endParaRPr lang="de-DE" dirty="0"/>
+          </a:p>
+          <a:p>
+            <a:r>
+              <a:rPr lang="de-DE" dirty="0"/>
+              <a:t>Die Datenübertragung unserer REST API wird im JSON-Format stattfinden. Das erleichtert insbesondere die Arbeit innerhalb des </a:t>
+            </a:r>
+            <a:r>
+              <a:rPr lang="de-DE" dirty="0" err="1"/>
+              <a:t>Frontends</a:t>
+            </a:r>
+            <a:r>
+              <a:rPr lang="de-DE" dirty="0"/>
+              <a:t>, da wir die übertragenen Daten in </a:t>
+            </a:r>
+            <a:r>
+              <a:rPr lang="de-DE" dirty="0" err="1"/>
+              <a:t>Javascript</a:t>
+            </a:r>
+            <a:r>
+              <a:rPr lang="de-DE" dirty="0"/>
+              <a:t> direkt als Objekt bearbeiten können.</a:t>
+            </a:r>
+            <a:br>
+              <a:rPr lang="de-DE" dirty="0"/>
+            </a:br>
+            <a:r>
+              <a:rPr lang="de-DE" dirty="0"/>
+              <a:t>Der Aufbau der JSON-Objekte orientiert sich an unseren vorhandenen Daten, soll sie aber in sinnvoller Weise aggregieren.</a:t>
+            </a:r>
+          </a:p>
+          <a:p>
+            <a:r>
+              <a:rPr lang="de-DE" dirty="0"/>
+              <a:t>Wir werden die Veränderung der Daten zunächst auf drei Fälle beschränken: Anlegen eines Kunden, Anlegen eines Kontos, Anlegen einer Zahlung. Das verändern bestehender Daten (z.B. Änderung des Kreditrahmens) folgt dann später.</a:t>
+            </a:r>
+            <a:endParaRPr lang="en-US" dirty="0"/>
+          </a:p>
+        </p:txBody>
+      </p:sp>
+    </p:spTree>
+    <p:extLst>
+      <p:ext uri="{BB962C8B-B14F-4D97-AF65-F5344CB8AC3E}">
+        <p14:creationId xmlns:p14="http://schemas.microsoft.com/office/powerpoint/2010/main" val="1878438456"/>
+      </p:ext>
+    </p:extLst>
+  </p:cSld>
+  <p:clrMapOvr>
+    <a:masterClrMapping/>
+  </p:clrMapOvr>
+</p:sld>
+</file>
+
+<file path=ppt/slides/slide16.xml><?xml version="1.0" encoding="utf-8"?>
+<p:sld xmlns:a="http://schemas.openxmlformats.org/drawingml/2006/main" xmlns:r="http://schemas.openxmlformats.org/officeDocument/2006/relationships" xmlns:p="http://schemas.openxmlformats.org/presentationml/2006/main">
+  <p:cSld>
+    <p:spTree>
+      <p:nvGrpSpPr>
+        <p:cNvPr id="1" name=""/>
+        <p:cNvGrpSpPr/>
+        <p:nvPr/>
+      </p:nvGrpSpPr>
+      <p:grpSpPr>
+        <a:xfrm>
+          <a:off x="0" y="0"/>
+          <a:ext cx="0" cy="0"/>
+          <a:chOff x="0" y="0"/>
+          <a:chExt cx="0" cy="0"/>
+        </a:xfrm>
+      </p:grpSpPr>
+      <p:sp>
+        <p:nvSpPr>
+          <p:cNvPr id="2" name="Titel 1">
+            <a:extLst>
+              <a:ext uri="{FF2B5EF4-FFF2-40B4-BE49-F238E27FC236}">
+                <a16:creationId xmlns:a16="http://schemas.microsoft.com/office/drawing/2014/main" id="{13FE28E8-FD79-43DC-B8A9-321446E96CC9}"/>
+              </a:ext>
+            </a:extLst>
+          </p:cNvPr>
+          <p:cNvSpPr>
+            <a:spLocks noGrp="1"/>
+          </p:cNvSpPr>
+          <p:nvPr>
+            <p:ph type="title"/>
+          </p:nvPr>
+        </p:nvSpPr>
+        <p:spPr/>
+        <p:txBody>
+          <a:bodyPr/>
+          <a:lstStyle/>
+          <a:p>
+            <a:r>
+              <a:rPr lang="de-DE" dirty="0"/>
+              <a:t>REST API</a:t>
+            </a:r>
+            <a:endParaRPr lang="en-US" dirty="0"/>
+          </a:p>
+        </p:txBody>
+      </p:sp>
+      <p:sp>
+        <p:nvSpPr>
+          <p:cNvPr id="10" name="Textplatzhalter 9">
+            <a:extLst>
+              <a:ext uri="{FF2B5EF4-FFF2-40B4-BE49-F238E27FC236}">
+                <a16:creationId xmlns:a16="http://schemas.microsoft.com/office/drawing/2014/main" id="{3F31EAD9-EA60-4797-B16F-3C56143CEBE0}"/>
+              </a:ext>
+            </a:extLst>
+          </p:cNvPr>
+          <p:cNvSpPr>
+            <a:spLocks noGrp="1"/>
+          </p:cNvSpPr>
+          <p:nvPr>
+            <p:ph type="body" idx="1"/>
+          </p:nvPr>
+        </p:nvSpPr>
+        <p:spPr/>
+        <p:txBody>
+          <a:bodyPr/>
+          <a:lstStyle/>
+          <a:p>
+            <a:r>
+              <a:rPr lang="de-DE" dirty="0"/>
+              <a:t>Datentypen</a:t>
+            </a:r>
+            <a:endParaRPr lang="en-US" dirty="0"/>
+          </a:p>
+        </p:txBody>
+      </p:sp>
+      <p:sp>
+        <p:nvSpPr>
+          <p:cNvPr id="4" name="Inhaltsplatzhalter 3">
+            <a:extLst>
+              <a:ext uri="{FF2B5EF4-FFF2-40B4-BE49-F238E27FC236}">
+                <a16:creationId xmlns:a16="http://schemas.microsoft.com/office/drawing/2014/main" id="{FAAB59BD-1324-45AB-A5BC-E1CABB4414FD}"/>
+              </a:ext>
+            </a:extLst>
+          </p:cNvPr>
+          <p:cNvSpPr>
+            <a:spLocks noGrp="1"/>
+          </p:cNvSpPr>
+          <p:nvPr>
+            <p:ph sz="half" idx="2"/>
+          </p:nvPr>
+        </p:nvSpPr>
+        <p:spPr/>
+        <p:txBody>
+          <a:bodyPr>
+            <a:normAutofit fontScale="92500" lnSpcReduction="10000"/>
+          </a:bodyPr>
+          <a:lstStyle/>
+          <a:p>
+            <a:r>
+              <a:rPr lang="de-DE" dirty="0"/>
+              <a:t>Kunde { </a:t>
+            </a:r>
+            <a:r>
+              <a:rPr lang="de-DE" dirty="0" err="1"/>
+              <a:t>kundennummer</a:t>
+            </a:r>
+            <a:r>
+              <a:rPr lang="de-DE" dirty="0"/>
+              <a:t>: </a:t>
+            </a:r>
+            <a:r>
+              <a:rPr lang="de-DE" dirty="0" err="1"/>
+              <a:t>string</a:t>
+            </a:r>
+            <a:r>
+              <a:rPr lang="de-DE" dirty="0"/>
+              <a:t>, </a:t>
+            </a:r>
+            <a:r>
+              <a:rPr lang="de-DE" dirty="0" err="1"/>
+              <a:t>name</a:t>
+            </a:r>
+            <a:r>
+              <a:rPr lang="de-DE" dirty="0"/>
+              <a:t>: </a:t>
+            </a:r>
+            <a:r>
+              <a:rPr lang="de-DE" dirty="0" err="1"/>
+              <a:t>string</a:t>
+            </a:r>
+            <a:r>
+              <a:rPr lang="de-DE" dirty="0"/>
+              <a:t> }</a:t>
+            </a:r>
+            <a:endParaRPr lang="en-US" dirty="0"/>
+          </a:p>
+          <a:p>
+            <a:r>
+              <a:rPr lang="en-US" dirty="0" err="1"/>
+              <a:t>Konto</a:t>
+            </a:r>
+            <a:r>
+              <a:rPr lang="en-US" dirty="0"/>
+              <a:t> { </a:t>
+            </a:r>
+            <a:r>
+              <a:rPr lang="en-US" dirty="0" err="1"/>
+              <a:t>kontonummer</a:t>
+            </a:r>
+            <a:r>
+              <a:rPr lang="en-US" dirty="0"/>
+              <a:t>: string, </a:t>
+            </a:r>
+            <a:r>
+              <a:rPr lang="en-US" dirty="0" err="1"/>
+              <a:t>betrag</a:t>
+            </a:r>
+            <a:r>
+              <a:rPr lang="en-US" dirty="0"/>
+              <a:t>: Euro }</a:t>
+            </a:r>
+          </a:p>
+          <a:p>
+            <a:r>
+              <a:rPr lang="en-US" dirty="0"/>
+              <a:t>Euro { </a:t>
+            </a:r>
+            <a:r>
+              <a:rPr lang="en-US" dirty="0" err="1"/>
+              <a:t>betrag</a:t>
+            </a:r>
+            <a:r>
+              <a:rPr lang="en-US" dirty="0"/>
+              <a:t>: string }</a:t>
+            </a:r>
+          </a:p>
+          <a:p>
+            <a:r>
+              <a:rPr lang="en-US" dirty="0" err="1"/>
+              <a:t>KundeDetails</a:t>
+            </a:r>
+            <a:r>
+              <a:rPr lang="en-US" dirty="0"/>
+              <a:t> { </a:t>
+            </a:r>
+            <a:r>
+              <a:rPr lang="en-US" dirty="0" err="1"/>
+              <a:t>kundennummer</a:t>
+            </a:r>
+            <a:r>
+              <a:rPr lang="en-US" dirty="0"/>
+              <a:t>: string, name: string, </a:t>
+            </a:r>
+            <a:r>
+              <a:rPr lang="en-US" dirty="0" err="1"/>
+              <a:t>konten</a:t>
+            </a:r>
+            <a:r>
+              <a:rPr lang="en-US" dirty="0"/>
+              <a:t>: [string], </a:t>
+            </a:r>
+            <a:r>
+              <a:rPr lang="en-US" dirty="0" err="1"/>
+              <a:t>saldo</a:t>
+            </a:r>
+            <a:r>
+              <a:rPr lang="en-US" dirty="0"/>
+              <a:t>: Euro}</a:t>
+            </a:r>
+          </a:p>
+          <a:p>
+            <a:r>
+              <a:rPr lang="en-US" dirty="0" err="1"/>
+              <a:t>KontoDetails</a:t>
+            </a:r>
+            <a:r>
+              <a:rPr lang="en-US" dirty="0"/>
+              <a:t> { </a:t>
+            </a:r>
+            <a:r>
+              <a:rPr lang="en-US" dirty="0" err="1"/>
+              <a:t>kontonummer</a:t>
+            </a:r>
+            <a:r>
+              <a:rPr lang="en-US" dirty="0"/>
+              <a:t>: string, </a:t>
+            </a:r>
+            <a:r>
+              <a:rPr lang="en-US" dirty="0" err="1"/>
+              <a:t>kreditrahmen</a:t>
+            </a:r>
+            <a:r>
+              <a:rPr lang="en-US" dirty="0"/>
+              <a:t>: Euro, </a:t>
+            </a:r>
+            <a:r>
+              <a:rPr lang="en-US" dirty="0" err="1"/>
+              <a:t>betrag</a:t>
+            </a:r>
+            <a:r>
+              <a:rPr lang="en-US" dirty="0"/>
+              <a:t>: Euro, </a:t>
+            </a:r>
+            <a:r>
+              <a:rPr lang="en-US" dirty="0" err="1"/>
+              <a:t>zahlungen</a:t>
+            </a:r>
+            <a:r>
+              <a:rPr lang="en-US" dirty="0"/>
+              <a:t>: [</a:t>
+            </a:r>
+            <a:r>
+              <a:rPr lang="en-US" dirty="0" err="1"/>
+              <a:t>Zahlung</a:t>
+            </a:r>
+            <a:r>
+              <a:rPr lang="en-US" dirty="0"/>
+              <a:t>] }</a:t>
+            </a:r>
+          </a:p>
+          <a:p>
+            <a:r>
+              <a:rPr lang="de-DE" dirty="0"/>
+              <a:t>Zahlung { </a:t>
+            </a:r>
+            <a:r>
+              <a:rPr lang="de-DE" dirty="0" err="1"/>
+              <a:t>datum</a:t>
+            </a:r>
+            <a:r>
+              <a:rPr lang="de-DE" dirty="0"/>
+              <a:t>: Datum, quelle: </a:t>
+            </a:r>
+            <a:r>
+              <a:rPr lang="de-DE" dirty="0" err="1"/>
+              <a:t>string</a:t>
+            </a:r>
+            <a:r>
+              <a:rPr lang="de-DE" dirty="0"/>
+              <a:t>, ziel: </a:t>
+            </a:r>
+            <a:r>
+              <a:rPr lang="de-DE" dirty="0" err="1"/>
+              <a:t>string</a:t>
+            </a:r>
+            <a:r>
+              <a:rPr lang="de-DE" dirty="0"/>
+              <a:t>, betrag: Euro }</a:t>
+            </a:r>
+          </a:p>
+        </p:txBody>
+      </p:sp>
+      <p:sp>
+        <p:nvSpPr>
+          <p:cNvPr id="11" name="Textplatzhalter 10">
+            <a:extLst>
+              <a:ext uri="{FF2B5EF4-FFF2-40B4-BE49-F238E27FC236}">
+                <a16:creationId xmlns:a16="http://schemas.microsoft.com/office/drawing/2014/main" id="{09442089-614C-48CC-A15B-C11558BD2924}"/>
+              </a:ext>
+            </a:extLst>
+          </p:cNvPr>
+          <p:cNvSpPr>
+            <a:spLocks noGrp="1"/>
+          </p:cNvSpPr>
+          <p:nvPr>
+            <p:ph type="body" sz="quarter" idx="3"/>
+          </p:nvPr>
+        </p:nvSpPr>
+        <p:spPr/>
+        <p:txBody>
+          <a:bodyPr/>
+          <a:lstStyle/>
+          <a:p>
+            <a:r>
+              <a:rPr lang="de-DE" dirty="0"/>
+              <a:t>Ressourcen</a:t>
+            </a:r>
+            <a:endParaRPr lang="en-US" dirty="0"/>
+          </a:p>
+        </p:txBody>
+      </p:sp>
+      <p:sp>
+        <p:nvSpPr>
+          <p:cNvPr id="12" name="Inhaltsplatzhalter 11">
+            <a:extLst>
+              <a:ext uri="{FF2B5EF4-FFF2-40B4-BE49-F238E27FC236}">
+                <a16:creationId xmlns:a16="http://schemas.microsoft.com/office/drawing/2014/main" id="{4EBEB044-6A74-410A-823C-46DA3EB03E1C}"/>
+              </a:ext>
+            </a:extLst>
+          </p:cNvPr>
+          <p:cNvSpPr>
+            <a:spLocks noGrp="1"/>
+          </p:cNvSpPr>
+          <p:nvPr>
+            <p:ph sz="quarter" idx="4"/>
+          </p:nvPr>
+        </p:nvSpPr>
+        <p:spPr/>
+        <p:txBody>
+          <a:bodyPr>
+            <a:normAutofit fontScale="92500" lnSpcReduction="10000"/>
+          </a:bodyPr>
+          <a:lstStyle/>
+          <a:p>
+            <a:r>
+              <a:rPr lang="de-DE" dirty="0"/>
+              <a:t>GET /</a:t>
+            </a:r>
+            <a:r>
+              <a:rPr lang="de-DE" dirty="0" err="1"/>
+              <a:t>api</a:t>
+            </a:r>
+            <a:r>
+              <a:rPr lang="de-DE" dirty="0"/>
+              <a:t>/</a:t>
+            </a:r>
+            <a:r>
+              <a:rPr lang="de-DE" dirty="0" err="1"/>
+              <a:t>kunde</a:t>
+            </a:r>
+            <a:r>
+              <a:rPr lang="de-DE" dirty="0"/>
+              <a:t>		</a:t>
+            </a:r>
+            <a:r>
+              <a:rPr lang="de-DE" dirty="0">
+                <a:sym typeface="Wingdings" panose="05000000000000000000" pitchFamily="2" charset="2"/>
+              </a:rPr>
+              <a:t> [Kunde]</a:t>
+            </a:r>
+            <a:br>
+              <a:rPr lang="de-DE" dirty="0">
+                <a:sym typeface="Wingdings" panose="05000000000000000000" pitchFamily="2" charset="2"/>
+              </a:rPr>
+            </a:br>
+            <a:r>
+              <a:rPr lang="de-DE" dirty="0">
+                <a:sym typeface="Wingdings" panose="05000000000000000000" pitchFamily="2" charset="2"/>
+              </a:rPr>
+              <a:t>GET /</a:t>
+            </a:r>
+            <a:r>
+              <a:rPr lang="de-DE" dirty="0" err="1">
+                <a:sym typeface="Wingdings" panose="05000000000000000000" pitchFamily="2" charset="2"/>
+              </a:rPr>
+              <a:t>api</a:t>
+            </a:r>
+            <a:r>
+              <a:rPr lang="de-DE" dirty="0">
+                <a:sym typeface="Wingdings" panose="05000000000000000000" pitchFamily="2" charset="2"/>
+              </a:rPr>
+              <a:t>/</a:t>
+            </a:r>
+            <a:r>
+              <a:rPr lang="de-DE" dirty="0" err="1">
+                <a:sym typeface="Wingdings" panose="05000000000000000000" pitchFamily="2" charset="2"/>
+              </a:rPr>
+              <a:t>konto</a:t>
+            </a:r>
+            <a:r>
+              <a:rPr lang="de-DE" dirty="0">
+                <a:sym typeface="Wingdings" panose="05000000000000000000" pitchFamily="2" charset="2"/>
+              </a:rPr>
+              <a:t>		 [Konto ]</a:t>
+            </a:r>
+          </a:p>
+          <a:p>
+            <a:r>
+              <a:rPr lang="de-DE" dirty="0">
+                <a:sym typeface="Wingdings" panose="05000000000000000000" pitchFamily="2" charset="2"/>
+              </a:rPr>
+              <a:t>GET /</a:t>
+            </a:r>
+            <a:r>
+              <a:rPr lang="de-DE" dirty="0" err="1">
+                <a:sym typeface="Wingdings" panose="05000000000000000000" pitchFamily="2" charset="2"/>
+              </a:rPr>
+              <a:t>api</a:t>
+            </a:r>
+            <a:r>
+              <a:rPr lang="de-DE" dirty="0">
+                <a:sym typeface="Wingdings" panose="05000000000000000000" pitchFamily="2" charset="2"/>
+              </a:rPr>
+              <a:t>/</a:t>
+            </a:r>
+            <a:r>
+              <a:rPr lang="de-DE" dirty="0" err="1">
+                <a:sym typeface="Wingdings" panose="05000000000000000000" pitchFamily="2" charset="2"/>
+              </a:rPr>
+              <a:t>kunde</a:t>
+            </a:r>
+            <a:r>
+              <a:rPr lang="de-DE" dirty="0">
+                <a:sym typeface="Wingdings" panose="05000000000000000000" pitchFamily="2" charset="2"/>
+              </a:rPr>
+              <a:t>/{</a:t>
+            </a:r>
+            <a:r>
+              <a:rPr lang="de-DE" dirty="0" err="1">
+                <a:sym typeface="Wingdings" panose="05000000000000000000" pitchFamily="2" charset="2"/>
+              </a:rPr>
+              <a:t>kdnr</a:t>
+            </a:r>
+            <a:r>
+              <a:rPr lang="de-DE" dirty="0">
+                <a:sym typeface="Wingdings" panose="05000000000000000000" pitchFamily="2" charset="2"/>
+              </a:rPr>
+              <a:t>}	 </a:t>
+            </a:r>
+            <a:r>
+              <a:rPr lang="de-DE" dirty="0" err="1">
+                <a:sym typeface="Wingdings" panose="05000000000000000000" pitchFamily="2" charset="2"/>
+              </a:rPr>
+              <a:t>KundeDetails</a:t>
+            </a:r>
+            <a:br>
+              <a:rPr lang="en-US" dirty="0">
+                <a:sym typeface="Wingdings" panose="05000000000000000000" pitchFamily="2" charset="2"/>
+              </a:rPr>
+            </a:br>
+            <a:r>
+              <a:rPr lang="en-US" dirty="0">
+                <a:sym typeface="Wingdings" panose="05000000000000000000" pitchFamily="2" charset="2"/>
+              </a:rPr>
+              <a:t>GET /</a:t>
+            </a:r>
+            <a:r>
+              <a:rPr lang="en-US" dirty="0" err="1">
+                <a:sym typeface="Wingdings" panose="05000000000000000000" pitchFamily="2" charset="2"/>
+              </a:rPr>
+              <a:t>api</a:t>
+            </a:r>
+            <a:r>
+              <a:rPr lang="en-US" dirty="0">
+                <a:sym typeface="Wingdings" panose="05000000000000000000" pitchFamily="2" charset="2"/>
+              </a:rPr>
+              <a:t>/</a:t>
+            </a:r>
+            <a:r>
+              <a:rPr lang="en-US" dirty="0" err="1">
+                <a:sym typeface="Wingdings" panose="05000000000000000000" pitchFamily="2" charset="2"/>
+              </a:rPr>
+              <a:t>konto</a:t>
+            </a:r>
+            <a:r>
+              <a:rPr lang="en-US" dirty="0">
+                <a:sym typeface="Wingdings" panose="05000000000000000000" pitchFamily="2" charset="2"/>
+              </a:rPr>
+              <a:t>/{</a:t>
+            </a:r>
+            <a:r>
+              <a:rPr lang="en-US" dirty="0" err="1">
+                <a:sym typeface="Wingdings" panose="05000000000000000000" pitchFamily="2" charset="2"/>
+              </a:rPr>
+              <a:t>ktonr</a:t>
+            </a:r>
+            <a:r>
+              <a:rPr lang="en-US" dirty="0">
+                <a:sym typeface="Wingdings" panose="05000000000000000000" pitchFamily="2" charset="2"/>
+              </a:rPr>
+              <a:t>}	 </a:t>
+            </a:r>
+            <a:r>
+              <a:rPr lang="en-US" dirty="0" err="1">
+                <a:sym typeface="Wingdings" panose="05000000000000000000" pitchFamily="2" charset="2"/>
+              </a:rPr>
+              <a:t>KontoDetails</a:t>
+            </a:r>
+            <a:endParaRPr lang="en-US" dirty="0">
+              <a:sym typeface="Wingdings" panose="05000000000000000000" pitchFamily="2" charset="2"/>
+            </a:endParaRPr>
+          </a:p>
+          <a:p>
+            <a:r>
+              <a:rPr lang="en-US" dirty="0">
+                <a:sym typeface="Wingdings" panose="05000000000000000000" pitchFamily="2" charset="2"/>
+              </a:rPr>
+              <a:t>POST /</a:t>
+            </a:r>
+            <a:r>
+              <a:rPr lang="en-US" dirty="0" err="1">
+                <a:sym typeface="Wingdings" panose="05000000000000000000" pitchFamily="2" charset="2"/>
+              </a:rPr>
+              <a:t>api</a:t>
+            </a:r>
+            <a:r>
+              <a:rPr lang="en-US" dirty="0">
+                <a:sym typeface="Wingdings" panose="05000000000000000000" pitchFamily="2" charset="2"/>
+              </a:rPr>
+              <a:t>/</a:t>
+            </a:r>
+            <a:r>
+              <a:rPr lang="en-US" dirty="0" err="1">
+                <a:sym typeface="Wingdings" panose="05000000000000000000" pitchFamily="2" charset="2"/>
+              </a:rPr>
+              <a:t>kunde</a:t>
+            </a:r>
+            <a:r>
+              <a:rPr lang="en-US" dirty="0">
+                <a:sym typeface="Wingdings" panose="05000000000000000000" pitchFamily="2" charset="2"/>
+              </a:rPr>
+              <a:t>		 Kunde</a:t>
+            </a:r>
+            <a:br>
+              <a:rPr lang="en-US" dirty="0">
+                <a:sym typeface="Wingdings" panose="05000000000000000000" pitchFamily="2" charset="2"/>
+              </a:rPr>
+            </a:br>
+            <a:r>
+              <a:rPr lang="en-US" dirty="0">
+                <a:sym typeface="Wingdings" panose="05000000000000000000" pitchFamily="2" charset="2"/>
+              </a:rPr>
+              <a:t>{ name: string }</a:t>
+            </a:r>
+            <a:br>
+              <a:rPr lang="en-US" dirty="0">
+                <a:sym typeface="Wingdings" panose="05000000000000000000" pitchFamily="2" charset="2"/>
+              </a:rPr>
+            </a:br>
+            <a:r>
+              <a:rPr lang="en-US" dirty="0">
+                <a:sym typeface="Wingdings" panose="05000000000000000000" pitchFamily="2" charset="2"/>
+              </a:rPr>
+              <a:t>POST /</a:t>
+            </a:r>
+            <a:r>
+              <a:rPr lang="en-US" dirty="0" err="1">
+                <a:sym typeface="Wingdings" panose="05000000000000000000" pitchFamily="2" charset="2"/>
+              </a:rPr>
+              <a:t>api</a:t>
+            </a:r>
+            <a:r>
+              <a:rPr lang="en-US" dirty="0">
+                <a:sym typeface="Wingdings" panose="05000000000000000000" pitchFamily="2" charset="2"/>
+              </a:rPr>
+              <a:t>/</a:t>
+            </a:r>
+            <a:r>
+              <a:rPr lang="en-US" dirty="0" err="1">
+                <a:sym typeface="Wingdings" panose="05000000000000000000" pitchFamily="2" charset="2"/>
+              </a:rPr>
+              <a:t>kunde</a:t>
+            </a:r>
+            <a:r>
+              <a:rPr lang="en-US" dirty="0">
+                <a:sym typeface="Wingdings" panose="05000000000000000000" pitchFamily="2" charset="2"/>
+              </a:rPr>
+              <a:t>		 </a:t>
+            </a:r>
+            <a:r>
+              <a:rPr lang="en-US" dirty="0" err="1">
+                <a:sym typeface="Wingdings" panose="05000000000000000000" pitchFamily="2" charset="2"/>
+              </a:rPr>
+              <a:t>Konto</a:t>
+            </a:r>
+            <a:br>
+              <a:rPr lang="en-US" dirty="0">
+                <a:sym typeface="Wingdings" panose="05000000000000000000" pitchFamily="2" charset="2"/>
+              </a:rPr>
+            </a:br>
+            <a:r>
+              <a:rPr lang="en-US" dirty="0">
+                <a:sym typeface="Wingdings" panose="05000000000000000000" pitchFamily="2" charset="2"/>
+              </a:rPr>
+              <a:t>{ </a:t>
+            </a:r>
+            <a:r>
+              <a:rPr lang="en-US" dirty="0" err="1">
+                <a:sym typeface="Wingdings" panose="05000000000000000000" pitchFamily="2" charset="2"/>
+              </a:rPr>
+              <a:t>kundennummer</a:t>
+            </a:r>
+            <a:r>
+              <a:rPr lang="en-US" dirty="0">
+                <a:sym typeface="Wingdings" panose="05000000000000000000" pitchFamily="2" charset="2"/>
+              </a:rPr>
+              <a:t>: string }</a:t>
+            </a:r>
+            <a:br>
+              <a:rPr lang="en-US" dirty="0">
+                <a:sym typeface="Wingdings" panose="05000000000000000000" pitchFamily="2" charset="2"/>
+              </a:rPr>
+            </a:br>
+            <a:r>
+              <a:rPr lang="en-US" dirty="0">
+                <a:sym typeface="Wingdings" panose="05000000000000000000" pitchFamily="2" charset="2"/>
+              </a:rPr>
+              <a:t>POST /</a:t>
+            </a:r>
+            <a:r>
+              <a:rPr lang="en-US" dirty="0" err="1">
+                <a:sym typeface="Wingdings" panose="05000000000000000000" pitchFamily="2" charset="2"/>
+              </a:rPr>
+              <a:t>api</a:t>
+            </a:r>
+            <a:r>
+              <a:rPr lang="en-US" dirty="0">
+                <a:sym typeface="Wingdings" panose="05000000000000000000" pitchFamily="2" charset="2"/>
+              </a:rPr>
+              <a:t>/</a:t>
+            </a:r>
+            <a:r>
+              <a:rPr lang="en-US" dirty="0" err="1">
+                <a:sym typeface="Wingdings" panose="05000000000000000000" pitchFamily="2" charset="2"/>
+              </a:rPr>
+              <a:t>konto</a:t>
+            </a:r>
+            <a:r>
+              <a:rPr lang="en-US" dirty="0">
+                <a:sym typeface="Wingdings" panose="05000000000000000000" pitchFamily="2" charset="2"/>
+              </a:rPr>
+              <a:t>/{quelle}/{</a:t>
+            </a:r>
+            <a:r>
+              <a:rPr lang="en-US" dirty="0" err="1">
+                <a:sym typeface="Wingdings" panose="05000000000000000000" pitchFamily="2" charset="2"/>
+              </a:rPr>
+              <a:t>ziel</a:t>
+            </a:r>
+            <a:r>
+              <a:rPr lang="en-US" dirty="0">
+                <a:sym typeface="Wingdings" panose="05000000000000000000" pitchFamily="2" charset="2"/>
+              </a:rPr>
+              <a:t>}   no content</a:t>
+            </a:r>
+            <a:br>
+              <a:rPr lang="en-US" dirty="0">
+                <a:sym typeface="Wingdings" panose="05000000000000000000" pitchFamily="2" charset="2"/>
+              </a:rPr>
+            </a:br>
+            <a:r>
+              <a:rPr lang="en-US" dirty="0">
+                <a:sym typeface="Wingdings" panose="05000000000000000000" pitchFamily="2" charset="2"/>
+              </a:rPr>
+              <a:t>{ </a:t>
+            </a:r>
+            <a:r>
+              <a:rPr lang="en-US" dirty="0" err="1">
+                <a:sym typeface="Wingdings" panose="05000000000000000000" pitchFamily="2" charset="2"/>
+              </a:rPr>
+              <a:t>betrag</a:t>
+            </a:r>
+            <a:r>
+              <a:rPr lang="en-US" dirty="0">
+                <a:sym typeface="Wingdings" panose="05000000000000000000" pitchFamily="2" charset="2"/>
+              </a:rPr>
+              <a:t>: string }</a:t>
+            </a:r>
+            <a:endParaRPr lang="de-DE" dirty="0">
+              <a:sym typeface="Wingdings" panose="05000000000000000000" pitchFamily="2" charset="2"/>
+            </a:endParaRPr>
+          </a:p>
+        </p:txBody>
+      </p:sp>
+    </p:spTree>
+    <p:extLst>
+      <p:ext uri="{BB962C8B-B14F-4D97-AF65-F5344CB8AC3E}">
+        <p14:creationId xmlns:p14="http://schemas.microsoft.com/office/powerpoint/2010/main" val="4228083516"/>
+      </p:ext>
+    </p:extLst>
+  </p:cSld>
+  <p:clrMapOvr>
+    <a:masterClrMapping/>
+  </p:clrMapOvr>
+</p:sld>
+</file>
+
+<file path=ppt/slides/slide17.xml><?xml version="1.0" encoding="utf-8"?>
+<p:sld xmlns:a="http://schemas.openxmlformats.org/drawingml/2006/main" xmlns:r="http://schemas.openxmlformats.org/officeDocument/2006/relationships" xmlns:p="http://schemas.openxmlformats.org/presentationml/2006/main">
+  <p:cSld>
+    <p:spTree>
+      <p:nvGrpSpPr>
+        <p:cNvPr id="1" name=""/>
+        <p:cNvGrpSpPr/>
+        <p:nvPr/>
+      </p:nvGrpSpPr>
+      <p:grpSpPr>
+        <a:xfrm>
+          <a:off x="0" y="0"/>
+          <a:ext cx="0" cy="0"/>
+          <a:chOff x="0" y="0"/>
+          <a:chExt cx="0" cy="0"/>
+        </a:xfrm>
+      </p:grpSpPr>
+      <p:sp>
+        <p:nvSpPr>
+          <p:cNvPr id="2" name="Titel 1">
+            <a:extLst>
+              <a:ext uri="{FF2B5EF4-FFF2-40B4-BE49-F238E27FC236}">
+                <a16:creationId xmlns:a16="http://schemas.microsoft.com/office/drawing/2014/main" id="{59B18A1D-4D6B-4A1A-A478-4C65C79D5DF3}"/>
+              </a:ext>
+            </a:extLst>
+          </p:cNvPr>
+          <p:cNvSpPr>
+            <a:spLocks noGrp="1"/>
+          </p:cNvSpPr>
+          <p:nvPr>
+            <p:ph type="title"/>
+          </p:nvPr>
+        </p:nvSpPr>
+        <p:spPr/>
+        <p:txBody>
+          <a:bodyPr/>
+          <a:lstStyle/>
+          <a:p>
+            <a:r>
+              <a:rPr lang="de-DE" dirty="0"/>
+              <a:t>REST API - Beispiele</a:t>
+            </a:r>
+            <a:endParaRPr lang="en-US" dirty="0"/>
+          </a:p>
+        </p:txBody>
+      </p:sp>
+      <p:graphicFrame>
+        <p:nvGraphicFramePr>
+          <p:cNvPr id="8" name="Tabelle 8">
+            <a:extLst>
+              <a:ext uri="{FF2B5EF4-FFF2-40B4-BE49-F238E27FC236}">
+                <a16:creationId xmlns:a16="http://schemas.microsoft.com/office/drawing/2014/main" id="{6761EE5E-05A8-4467-B9D7-B2693C58DFE8}"/>
+              </a:ext>
+            </a:extLst>
+          </p:cNvPr>
+          <p:cNvGraphicFramePr>
+            <a:graphicFrameLocks noGrp="1"/>
+          </p:cNvGraphicFramePr>
+          <p:nvPr>
+            <p:ph idx="1"/>
+            <p:extLst>
+              <p:ext uri="{D42A27DB-BD31-4B8C-83A1-F6EECF244321}">
+                <p14:modId xmlns:p14="http://schemas.microsoft.com/office/powerpoint/2010/main" val="1838584737"/>
+              </p:ext>
+            </p:extLst>
+          </p:nvPr>
+        </p:nvGraphicFramePr>
+        <p:xfrm>
+          <a:off x="1096963" y="1846263"/>
+          <a:ext cx="10058400" cy="3550920"/>
+        </p:xfrm>
+        <a:graphic>
+          <a:graphicData uri="http://schemas.openxmlformats.org/drawingml/2006/table">
+            <a:tbl>
+              <a:tblPr firstRow="1" bandRow="1">
+                <a:tableStyleId>{5C22544A-7EE6-4342-B048-85BDC9FD1C3A}</a:tableStyleId>
+              </a:tblPr>
+              <a:tblGrid>
+                <a:gridCol w="696517">
+                  <a:extLst>
+                    <a:ext uri="{9D8B030D-6E8A-4147-A177-3AD203B41FA5}">
+                      <a16:colId xmlns:a16="http://schemas.microsoft.com/office/drawing/2014/main" val="1661474411"/>
+                    </a:ext>
+                  </a:extLst>
+                </a:gridCol>
+                <a:gridCol w="2601919">
+                  <a:extLst>
+                    <a:ext uri="{9D8B030D-6E8A-4147-A177-3AD203B41FA5}">
+                      <a16:colId xmlns:a16="http://schemas.microsoft.com/office/drawing/2014/main" val="194292252"/>
+                    </a:ext>
+                  </a:extLst>
+                </a:gridCol>
+                <a:gridCol w="1718915">
+                  <a:extLst>
+                    <a:ext uri="{9D8B030D-6E8A-4147-A177-3AD203B41FA5}">
+                      <a16:colId xmlns:a16="http://schemas.microsoft.com/office/drawing/2014/main" val="29318061"/>
+                    </a:ext>
+                  </a:extLst>
+                </a:gridCol>
+                <a:gridCol w="816289">
+                  <a:extLst>
+                    <a:ext uri="{9D8B030D-6E8A-4147-A177-3AD203B41FA5}">
+                      <a16:colId xmlns:a16="http://schemas.microsoft.com/office/drawing/2014/main" val="2431946338"/>
+                    </a:ext>
+                  </a:extLst>
+                </a:gridCol>
+                <a:gridCol w="4224760">
+                  <a:extLst>
+                    <a:ext uri="{9D8B030D-6E8A-4147-A177-3AD203B41FA5}">
+                      <a16:colId xmlns:a16="http://schemas.microsoft.com/office/drawing/2014/main" val="1154441829"/>
+                    </a:ext>
+                  </a:extLst>
+                </a:gridCol>
+              </a:tblGrid>
+              <a:tr h="370840">
+                <a:tc>
+                  <a:txBody>
+                    <a:bodyPr/>
+                    <a:lstStyle/>
+                    <a:p>
+                      <a:r>
+                        <a:rPr lang="de-DE" dirty="0"/>
+                        <a:t>Verb</a:t>
+                      </a:r>
+                      <a:endParaRPr lang="en-US" dirty="0"/>
+                    </a:p>
+                  </a:txBody>
+                  <a:tcPr/>
+                </a:tc>
+                <a:tc>
+                  <a:txBody>
+                    <a:bodyPr/>
+                    <a:lstStyle/>
+                    <a:p>
+                      <a:r>
+                        <a:rPr lang="de-DE" dirty="0"/>
+                        <a:t>Ressource</a:t>
+                      </a:r>
+                      <a:endParaRPr lang="en-US" dirty="0"/>
+                    </a:p>
+                  </a:txBody>
+                  <a:tcPr/>
+                </a:tc>
+                <a:tc>
+                  <a:txBody>
+                    <a:bodyPr/>
+                    <a:lstStyle/>
+                    <a:p>
+                      <a:r>
+                        <a:rPr lang="de-DE" dirty="0" err="1"/>
+                        <a:t>RequestBody</a:t>
+                      </a:r>
+                      <a:endParaRPr lang="en-US" dirty="0"/>
+                    </a:p>
+                  </a:txBody>
+                  <a:tcPr/>
+                </a:tc>
+                <a:tc>
+                  <a:txBody>
+                    <a:bodyPr/>
+                    <a:lstStyle/>
+                    <a:p>
+                      <a:r>
+                        <a:rPr lang="de-DE" dirty="0"/>
+                        <a:t>Status</a:t>
+                      </a:r>
+                      <a:endParaRPr lang="en-US" dirty="0"/>
+                    </a:p>
+                  </a:txBody>
+                  <a:tcPr/>
+                </a:tc>
+                <a:tc>
+                  <a:txBody>
+                    <a:bodyPr/>
+                    <a:lstStyle/>
+                    <a:p>
+                      <a:r>
+                        <a:rPr lang="de-DE" dirty="0" err="1"/>
+                        <a:t>ResponseBody</a:t>
+                      </a:r>
+                      <a:endParaRPr lang="en-US" dirty="0"/>
+                    </a:p>
+                  </a:txBody>
+                  <a:tcPr/>
+                </a:tc>
+                <a:extLst>
+                  <a:ext uri="{0D108BD9-81ED-4DB2-BD59-A6C34878D82A}">
+                    <a16:rowId xmlns:a16="http://schemas.microsoft.com/office/drawing/2014/main" val="3865414538"/>
+                  </a:ext>
+                </a:extLst>
+              </a:tr>
+              <a:tr h="370840">
+                <a:tc>
+                  <a:txBody>
+                    <a:bodyPr/>
+                    <a:lstStyle/>
+                    <a:p>
+                      <a:r>
+                        <a:rPr lang="de-DE" dirty="0"/>
+                        <a:t>GET</a:t>
+                      </a:r>
+                      <a:endParaRPr lang="en-US" dirty="0"/>
+                    </a:p>
+                  </a:txBody>
+                  <a:tcPr/>
+                </a:tc>
+                <a:tc>
+                  <a:txBody>
+                    <a:bodyPr/>
+                    <a:lstStyle/>
+                    <a:p>
+                      <a:r>
+                        <a:rPr lang="de-DE" dirty="0"/>
+                        <a:t>/</a:t>
+                      </a:r>
+                      <a:r>
+                        <a:rPr lang="de-DE" dirty="0" err="1"/>
+                        <a:t>api</a:t>
+                      </a:r>
+                      <a:r>
+                        <a:rPr lang="de-DE" dirty="0"/>
+                        <a:t>/</a:t>
+                      </a:r>
+                      <a:r>
+                        <a:rPr lang="de-DE" dirty="0" err="1"/>
+                        <a:t>kunde</a:t>
+                      </a:r>
+                      <a:endParaRPr lang="en-US" dirty="0"/>
+                    </a:p>
+                  </a:txBody>
+                  <a:tcPr/>
+                </a:tc>
+                <a:tc>
+                  <a:txBody>
+                    <a:bodyPr/>
+                    <a:lstStyle/>
+                    <a:p>
+                      <a:pPr marL="0" algn="l" defTabSz="914400" rtl="0" eaLnBrk="1" latinLnBrk="0" hangingPunct="1"/>
+                      <a:r>
+                        <a:rPr lang="de-DE" sz="1000" kern="1200" dirty="0">
+                          <a:solidFill>
+                            <a:schemeClr val="dk1"/>
+                          </a:solidFill>
+                          <a:latin typeface="Lucida Console" panose="020B0609040504020204" pitchFamily="49" charset="0"/>
+                          <a:ea typeface="+mn-ea"/>
+                          <a:cs typeface="+mn-cs"/>
+                        </a:rPr>
+                        <a:t>-</a:t>
+                      </a:r>
+                      <a:endParaRPr lang="en-US" sz="1000" kern="1200" dirty="0">
+                        <a:solidFill>
+                          <a:schemeClr val="dk1"/>
+                        </a:solidFill>
+                        <a:latin typeface="Lucida Console" panose="020B0609040504020204" pitchFamily="49" charset="0"/>
+                        <a:ea typeface="+mn-ea"/>
+                        <a:cs typeface="+mn-cs"/>
+                      </a:endParaRPr>
+                    </a:p>
+                  </a:txBody>
+                  <a:tcPr/>
+                </a:tc>
+                <a:tc>
+                  <a:txBody>
+                    <a:bodyPr/>
+                    <a:lstStyle/>
+                    <a:p>
+                      <a:r>
+                        <a:rPr lang="de-DE" dirty="0"/>
+                        <a:t>200</a:t>
+                      </a:r>
+                      <a:endParaRPr lang="en-US" dirty="0"/>
+                    </a:p>
+                  </a:txBody>
+                  <a:tcPr/>
+                </a:tc>
+                <a:tc>
+                  <a:txBody>
+                    <a:bodyPr/>
+                    <a:lstStyle/>
+                    <a:p>
+                      <a:r>
+                        <a:rPr lang="de-DE" sz="1000" dirty="0">
+                          <a:latin typeface="Lucida Console" panose="020B0609040504020204" pitchFamily="49" charset="0"/>
+                        </a:rPr>
+                        <a:t>[{„kundennummer“:“1“,“name“:“Hannes“}, {„kundennummer“:“2“,“name“:“Werner“}]</a:t>
+                      </a:r>
+                      <a:endParaRPr lang="en-US" sz="1000" dirty="0">
+                        <a:latin typeface="Lucida Console" panose="020B0609040504020204" pitchFamily="49" charset="0"/>
+                      </a:endParaRPr>
+                    </a:p>
+                  </a:txBody>
+                  <a:tcPr/>
+                </a:tc>
+                <a:extLst>
+                  <a:ext uri="{0D108BD9-81ED-4DB2-BD59-A6C34878D82A}">
+                    <a16:rowId xmlns:a16="http://schemas.microsoft.com/office/drawing/2014/main" val="2055212922"/>
+                  </a:ext>
+                </a:extLst>
+              </a:tr>
+              <a:tr h="370840">
+                <a:tc>
+                  <a:txBody>
+                    <a:bodyPr/>
+                    <a:lstStyle/>
+                    <a:p>
+                      <a:r>
+                        <a:rPr lang="de-DE" dirty="0"/>
+                        <a:t>GET</a:t>
+                      </a:r>
+                      <a:endParaRPr lang="en-US" dirty="0"/>
+                    </a:p>
+                  </a:txBody>
+                  <a:tcPr/>
+                </a:tc>
+                <a:tc>
+                  <a:txBody>
+                    <a:bodyPr/>
+                    <a:lstStyle/>
+                    <a:p>
+                      <a:r>
+                        <a:rPr lang="de-DE" dirty="0"/>
+                        <a:t>/</a:t>
+                      </a:r>
+                      <a:r>
+                        <a:rPr lang="de-DE" dirty="0" err="1"/>
+                        <a:t>api</a:t>
+                      </a:r>
+                      <a:r>
+                        <a:rPr lang="de-DE" dirty="0"/>
+                        <a:t>/</a:t>
+                      </a:r>
+                      <a:r>
+                        <a:rPr lang="de-DE" dirty="0" err="1"/>
+                        <a:t>konto</a:t>
+                      </a:r>
+                      <a:endParaRPr lang="en-US" dirty="0"/>
+                    </a:p>
+                  </a:txBody>
+                  <a:tcPr/>
+                </a:tc>
+                <a:tc>
+                  <a:txBody>
+                    <a:bodyPr/>
+                    <a:lstStyle/>
+                    <a:p>
+                      <a:pPr marL="0" algn="l" defTabSz="914400" rtl="0" eaLnBrk="1" latinLnBrk="0" hangingPunct="1"/>
+                      <a:r>
+                        <a:rPr lang="de-DE" sz="1000" kern="1200" dirty="0">
+                          <a:solidFill>
+                            <a:schemeClr val="dk1"/>
+                          </a:solidFill>
+                          <a:latin typeface="Lucida Console" panose="020B0609040504020204" pitchFamily="49" charset="0"/>
+                          <a:ea typeface="+mn-ea"/>
+                          <a:cs typeface="+mn-cs"/>
+                        </a:rPr>
+                        <a:t>-</a:t>
+                      </a:r>
+                      <a:endParaRPr lang="en-US" sz="1000" kern="1200" dirty="0">
+                        <a:solidFill>
+                          <a:schemeClr val="dk1"/>
+                        </a:solidFill>
+                        <a:latin typeface="Lucida Console" panose="020B0609040504020204" pitchFamily="49" charset="0"/>
+                        <a:ea typeface="+mn-ea"/>
+                        <a:cs typeface="+mn-cs"/>
+                      </a:endParaRPr>
+                    </a:p>
+                  </a:txBody>
+                  <a:tcPr/>
+                </a:tc>
+                <a:tc>
+                  <a:txBody>
+                    <a:bodyPr/>
+                    <a:lstStyle/>
+                    <a:p>
+                      <a:r>
+                        <a:rPr lang="de-DE" dirty="0"/>
+                        <a:t>200</a:t>
+                      </a:r>
+                      <a:endParaRPr lang="en-US" dirty="0"/>
+                    </a:p>
+                  </a:txBody>
+                  <a:tcPr/>
+                </a:tc>
+                <a:tc>
+                  <a:txBody>
+                    <a:bodyPr/>
+                    <a:lstStyle/>
+                    <a:p>
+                      <a:r>
+                        <a:rPr lang="de-DE" sz="1000" dirty="0">
+                          <a:latin typeface="Lucida Console" panose="020B0609040504020204" pitchFamily="49" charset="0"/>
+                        </a:rPr>
+                        <a:t>[{„kontonnummer“:“11“,“betrag“:“EUR 100.00“},{„kontonummer“:“12“,“betrag“:“EUR -20.00“}]</a:t>
+                      </a:r>
+                      <a:endParaRPr lang="en-US" sz="1000" dirty="0">
+                        <a:latin typeface="Lucida Console" panose="020B0609040504020204" pitchFamily="49" charset="0"/>
+                      </a:endParaRPr>
+                    </a:p>
+                  </a:txBody>
+                  <a:tcPr/>
+                </a:tc>
+                <a:extLst>
+                  <a:ext uri="{0D108BD9-81ED-4DB2-BD59-A6C34878D82A}">
+                    <a16:rowId xmlns:a16="http://schemas.microsoft.com/office/drawing/2014/main" val="3736754794"/>
+                  </a:ext>
+                </a:extLst>
+              </a:tr>
+              <a:tr h="370840">
+                <a:tc>
+                  <a:txBody>
+                    <a:bodyPr/>
+                    <a:lstStyle/>
+                    <a:p>
+                      <a:r>
+                        <a:rPr lang="de-DE" dirty="0"/>
+                        <a:t>GET</a:t>
+                      </a:r>
+                      <a:endParaRPr lang="en-US" dirty="0"/>
+                    </a:p>
+                  </a:txBody>
+                  <a:tcPr/>
+                </a:tc>
+                <a:tc>
+                  <a:txBody>
+                    <a:bodyPr/>
+                    <a:lstStyle/>
+                    <a:p>
+                      <a:r>
+                        <a:rPr lang="de-DE" dirty="0"/>
+                        <a:t>/</a:t>
+                      </a:r>
+                      <a:r>
+                        <a:rPr lang="de-DE" dirty="0" err="1"/>
+                        <a:t>api</a:t>
+                      </a:r>
+                      <a:r>
+                        <a:rPr lang="de-DE" dirty="0"/>
+                        <a:t>/</a:t>
+                      </a:r>
+                      <a:r>
+                        <a:rPr lang="de-DE" dirty="0" err="1"/>
+                        <a:t>kunde</a:t>
+                      </a:r>
+                      <a:r>
+                        <a:rPr lang="de-DE" dirty="0"/>
+                        <a:t>/1</a:t>
+                      </a:r>
+                      <a:endParaRPr lang="en-US" dirty="0"/>
+                    </a:p>
+                  </a:txBody>
+                  <a:tcPr/>
+                </a:tc>
+                <a:tc>
+                  <a:txBody>
+                    <a:bodyPr/>
+                    <a:lstStyle/>
+                    <a:p>
+                      <a:pPr marL="0" algn="l" defTabSz="914400" rtl="0" eaLnBrk="1" latinLnBrk="0" hangingPunct="1"/>
+                      <a:r>
+                        <a:rPr lang="de-DE" sz="1000" kern="1200" dirty="0">
+                          <a:solidFill>
+                            <a:schemeClr val="dk1"/>
+                          </a:solidFill>
+                          <a:latin typeface="Lucida Console" panose="020B0609040504020204" pitchFamily="49" charset="0"/>
+                          <a:ea typeface="+mn-ea"/>
+                          <a:cs typeface="+mn-cs"/>
+                        </a:rPr>
+                        <a:t>-</a:t>
+                      </a:r>
+                      <a:endParaRPr lang="en-US" sz="1000" kern="1200" dirty="0">
+                        <a:solidFill>
+                          <a:schemeClr val="dk1"/>
+                        </a:solidFill>
+                        <a:latin typeface="Lucida Console" panose="020B0609040504020204" pitchFamily="49" charset="0"/>
+                        <a:ea typeface="+mn-ea"/>
+                        <a:cs typeface="+mn-cs"/>
+                      </a:endParaRPr>
+                    </a:p>
+                  </a:txBody>
+                  <a:tcPr/>
+                </a:tc>
+                <a:tc>
+                  <a:txBody>
+                    <a:bodyPr/>
+                    <a:lstStyle/>
+                    <a:p>
+                      <a:r>
+                        <a:rPr lang="de-DE" dirty="0"/>
+                        <a:t>200</a:t>
+                      </a:r>
+                      <a:endParaRPr lang="en-US" dirty="0"/>
+                    </a:p>
+                  </a:txBody>
+                  <a:tcPr/>
+                </a:tc>
+                <a:tc>
+                  <a:txBody>
+                    <a:bodyPr/>
+                    <a:lstStyle/>
+                    <a:p>
+                      <a:r>
+                        <a:rPr lang="de-DE" sz="1000" dirty="0">
+                          <a:latin typeface="Lucida Console" panose="020B0609040504020204" pitchFamily="49" charset="0"/>
+                        </a:rPr>
+                        <a:t>{„kundennummer“:“1“,“name“:“Hannes“,“saldo“:“EUR 100.00“,“konten“:[„11“]}</a:t>
+                      </a:r>
+                      <a:endParaRPr lang="en-US" sz="1000" dirty="0">
+                        <a:latin typeface="Lucida Console" panose="020B0609040504020204" pitchFamily="49" charset="0"/>
+                      </a:endParaRPr>
+                    </a:p>
+                  </a:txBody>
+                  <a:tcPr/>
+                </a:tc>
+                <a:extLst>
+                  <a:ext uri="{0D108BD9-81ED-4DB2-BD59-A6C34878D82A}">
+                    <a16:rowId xmlns:a16="http://schemas.microsoft.com/office/drawing/2014/main" val="3426385054"/>
+                  </a:ext>
+                </a:extLst>
+              </a:tr>
+              <a:tr h="370840">
+                <a:tc>
+                  <a:txBody>
+                    <a:bodyPr/>
+                    <a:lstStyle/>
+                    <a:p>
+                      <a:r>
+                        <a:rPr lang="de-DE" dirty="0"/>
+                        <a:t>GET</a:t>
+                      </a:r>
+                      <a:endParaRPr lang="en-US" dirty="0"/>
+                    </a:p>
+                  </a:txBody>
+                  <a:tcPr/>
+                </a:tc>
+                <a:tc>
+                  <a:txBody>
+                    <a:bodyPr/>
+                    <a:lstStyle/>
+                    <a:p>
+                      <a:r>
+                        <a:rPr lang="de-DE" dirty="0"/>
+                        <a:t>/</a:t>
+                      </a:r>
+                      <a:r>
+                        <a:rPr lang="de-DE" dirty="0" err="1"/>
+                        <a:t>api</a:t>
+                      </a:r>
+                      <a:r>
+                        <a:rPr lang="de-DE" dirty="0"/>
+                        <a:t>/</a:t>
+                      </a:r>
+                      <a:r>
+                        <a:rPr lang="de-DE" dirty="0" err="1"/>
+                        <a:t>konto</a:t>
+                      </a:r>
+                      <a:r>
+                        <a:rPr lang="de-DE" dirty="0"/>
+                        <a:t>/11</a:t>
+                      </a:r>
+                      <a:endParaRPr lang="en-US" dirty="0"/>
+                    </a:p>
+                  </a:txBody>
+                  <a:tcPr/>
+                </a:tc>
+                <a:tc>
+                  <a:txBody>
+                    <a:bodyPr/>
+                    <a:lstStyle/>
+                    <a:p>
+                      <a:pPr marL="0" algn="l" defTabSz="914400" rtl="0" eaLnBrk="1" latinLnBrk="0" hangingPunct="1"/>
+                      <a:r>
+                        <a:rPr lang="de-DE" sz="1000" kern="1200" dirty="0">
+                          <a:solidFill>
+                            <a:schemeClr val="dk1"/>
+                          </a:solidFill>
+                          <a:latin typeface="Lucida Console" panose="020B0609040504020204" pitchFamily="49" charset="0"/>
+                          <a:ea typeface="+mn-ea"/>
+                          <a:cs typeface="+mn-cs"/>
+                        </a:rPr>
+                        <a:t>-</a:t>
+                      </a:r>
+                      <a:endParaRPr lang="en-US" sz="1000" kern="1200" dirty="0">
+                        <a:solidFill>
+                          <a:schemeClr val="dk1"/>
+                        </a:solidFill>
+                        <a:latin typeface="Lucida Console" panose="020B0609040504020204" pitchFamily="49" charset="0"/>
+                        <a:ea typeface="+mn-ea"/>
+                        <a:cs typeface="+mn-cs"/>
+                      </a:endParaRPr>
+                    </a:p>
+                  </a:txBody>
+                  <a:tcPr/>
+                </a:tc>
+                <a:tc>
+                  <a:txBody>
+                    <a:bodyPr/>
+                    <a:lstStyle/>
+                    <a:p>
+                      <a:r>
+                        <a:rPr lang="de-DE" dirty="0"/>
+                        <a:t>200</a:t>
+                      </a:r>
+                      <a:endParaRPr lang="en-US" dirty="0"/>
+                    </a:p>
+                  </a:txBody>
+                  <a:tcPr/>
+                </a:tc>
+                <a:tc>
+                  <a:txBody>
+                    <a:bodyPr/>
+                    <a:lstStyle/>
+                    <a:p>
+                      <a:r>
+                        <a:rPr lang="de-DE" sz="1000" dirty="0">
+                          <a:latin typeface="Lucida Console" panose="020B0609040504020204" pitchFamily="49" charset="0"/>
+                        </a:rPr>
+                        <a:t>{„kontonummer“:“11“,“betrag“:“EUR 100.00“,“kreditrahmen“:“EUR 0.00“,zahlungen:[{datum:“2019-09-26“,“quelle“:“000“,“ziel“:“11“,“betrag“:“EUR 100.00“}]}</a:t>
+                      </a:r>
+                      <a:endParaRPr lang="en-US" sz="1000" dirty="0">
+                        <a:latin typeface="Lucida Console" panose="020B0609040504020204" pitchFamily="49" charset="0"/>
+                      </a:endParaRPr>
+                    </a:p>
+                  </a:txBody>
+                  <a:tcPr/>
+                </a:tc>
+                <a:extLst>
+                  <a:ext uri="{0D108BD9-81ED-4DB2-BD59-A6C34878D82A}">
+                    <a16:rowId xmlns:a16="http://schemas.microsoft.com/office/drawing/2014/main" val="543244410"/>
+                  </a:ext>
+                </a:extLst>
+              </a:tr>
+              <a:tr h="370840">
+                <a:tc>
+                  <a:txBody>
+                    <a:bodyPr/>
+                    <a:lstStyle/>
+                    <a:p>
+                      <a:r>
+                        <a:rPr lang="de-DE" dirty="0"/>
+                        <a:t>POST</a:t>
+                      </a:r>
+                      <a:endParaRPr lang="en-US" dirty="0"/>
+                    </a:p>
+                  </a:txBody>
+                  <a:tcPr/>
+                </a:tc>
+                <a:tc>
+                  <a:txBody>
+                    <a:bodyPr/>
+                    <a:lstStyle/>
+                    <a:p>
+                      <a:r>
+                        <a:rPr lang="de-DE" dirty="0"/>
+                        <a:t>/</a:t>
+                      </a:r>
+                      <a:r>
+                        <a:rPr lang="de-DE" dirty="0" err="1"/>
+                        <a:t>api</a:t>
+                      </a:r>
+                      <a:r>
+                        <a:rPr lang="de-DE" dirty="0"/>
+                        <a:t>/</a:t>
+                      </a:r>
+                      <a:r>
+                        <a:rPr lang="de-DE" dirty="0" err="1"/>
+                        <a:t>kunde</a:t>
+                      </a:r>
+                      <a:endParaRPr lang="en-US" dirty="0"/>
+                    </a:p>
+                  </a:txBody>
+                  <a:tcPr/>
+                </a:tc>
+                <a:tc>
+                  <a:txBody>
+                    <a:bodyPr/>
+                    <a:lstStyle/>
+                    <a:p>
+                      <a:pPr marL="0" algn="l" defTabSz="914400" rtl="0" eaLnBrk="1" latinLnBrk="0" hangingPunct="1"/>
+                      <a:r>
+                        <a:rPr lang="de-DE" sz="1000" kern="1200" dirty="0">
+                          <a:solidFill>
+                            <a:schemeClr val="dk1"/>
+                          </a:solidFill>
+                          <a:latin typeface="Lucida Console" panose="020B0609040504020204" pitchFamily="49" charset="0"/>
+                          <a:ea typeface="+mn-ea"/>
+                          <a:cs typeface="+mn-cs"/>
+                        </a:rPr>
+                        <a:t>{„</a:t>
+                      </a:r>
+                      <a:r>
+                        <a:rPr lang="de-DE" sz="1000" kern="1200" dirty="0" err="1">
+                          <a:solidFill>
+                            <a:schemeClr val="dk1"/>
+                          </a:solidFill>
+                          <a:latin typeface="Lucida Console" panose="020B0609040504020204" pitchFamily="49" charset="0"/>
+                          <a:ea typeface="+mn-ea"/>
+                          <a:cs typeface="+mn-cs"/>
+                        </a:rPr>
+                        <a:t>name</a:t>
+                      </a:r>
+                      <a:r>
+                        <a:rPr lang="de-DE" sz="1000" kern="1200" dirty="0">
+                          <a:solidFill>
+                            <a:schemeClr val="dk1"/>
+                          </a:solidFill>
+                          <a:latin typeface="Lucida Console" panose="020B0609040504020204" pitchFamily="49" charset="0"/>
+                          <a:ea typeface="+mn-ea"/>
+                          <a:cs typeface="+mn-cs"/>
+                        </a:rPr>
+                        <a:t>“:“Egon“}</a:t>
+                      </a:r>
+                      <a:endParaRPr lang="en-US" sz="1000" kern="1200" dirty="0">
+                        <a:solidFill>
+                          <a:schemeClr val="dk1"/>
+                        </a:solidFill>
+                        <a:latin typeface="Lucida Console" panose="020B0609040504020204" pitchFamily="49" charset="0"/>
+                        <a:ea typeface="+mn-ea"/>
+                        <a:cs typeface="+mn-cs"/>
+                      </a:endParaRPr>
+                    </a:p>
+                  </a:txBody>
+                  <a:tcPr/>
+                </a:tc>
+                <a:tc>
+                  <a:txBody>
+                    <a:bodyPr/>
+                    <a:lstStyle/>
+                    <a:p>
+                      <a:r>
+                        <a:rPr lang="de-DE" dirty="0"/>
+                        <a:t>200</a:t>
+                      </a:r>
+                      <a:endParaRPr lang="en-US" dirty="0"/>
+                    </a:p>
+                  </a:txBody>
+                  <a:tcPr/>
+                </a:tc>
+                <a:tc>
+                  <a:txBody>
+                    <a:bodyPr/>
+                    <a:lstStyle/>
+                    <a:p>
+                      <a:r>
+                        <a:rPr lang="de-DE" sz="1000" dirty="0">
+                          <a:latin typeface="Lucida Console" panose="020B0609040504020204" pitchFamily="49" charset="0"/>
+                        </a:rPr>
+                        <a:t>{„kundennummer“:“3“, „</a:t>
+                      </a:r>
+                      <a:r>
+                        <a:rPr lang="de-DE" sz="1000" dirty="0" err="1">
+                          <a:latin typeface="Lucida Console" panose="020B0609040504020204" pitchFamily="49" charset="0"/>
+                        </a:rPr>
+                        <a:t>name</a:t>
+                      </a:r>
+                      <a:r>
+                        <a:rPr lang="de-DE" sz="1000" dirty="0">
+                          <a:latin typeface="Lucida Console" panose="020B0609040504020204" pitchFamily="49" charset="0"/>
+                        </a:rPr>
+                        <a:t>“:“Egon“}</a:t>
+                      </a:r>
+                      <a:endParaRPr lang="en-US" sz="1000" dirty="0">
+                        <a:latin typeface="Lucida Console" panose="020B0609040504020204" pitchFamily="49" charset="0"/>
+                      </a:endParaRPr>
+                    </a:p>
+                  </a:txBody>
+                  <a:tcPr/>
+                </a:tc>
+                <a:extLst>
+                  <a:ext uri="{0D108BD9-81ED-4DB2-BD59-A6C34878D82A}">
+                    <a16:rowId xmlns:a16="http://schemas.microsoft.com/office/drawing/2014/main" val="2409707301"/>
+                  </a:ext>
+                </a:extLst>
+              </a:tr>
+              <a:tr h="370840">
+                <a:tc>
+                  <a:txBody>
+                    <a:bodyPr/>
+                    <a:lstStyle/>
+                    <a:p>
+                      <a:r>
+                        <a:rPr lang="de-DE" dirty="0"/>
+                        <a:t>POST</a:t>
+                      </a:r>
+                      <a:endParaRPr lang="en-US" dirty="0"/>
+                    </a:p>
+                  </a:txBody>
+                  <a:tcPr/>
+                </a:tc>
+                <a:tc>
+                  <a:txBody>
+                    <a:bodyPr/>
+                    <a:lstStyle/>
+                    <a:p>
+                      <a:r>
+                        <a:rPr lang="de-DE" dirty="0"/>
+                        <a:t>/</a:t>
+                      </a:r>
+                      <a:r>
+                        <a:rPr lang="de-DE" dirty="0" err="1"/>
+                        <a:t>api</a:t>
+                      </a:r>
+                      <a:r>
+                        <a:rPr lang="de-DE" dirty="0"/>
+                        <a:t>/</a:t>
+                      </a:r>
+                      <a:r>
+                        <a:rPr lang="de-DE" dirty="0" err="1"/>
+                        <a:t>konto</a:t>
+                      </a:r>
+                      <a:endParaRPr lang="en-US" dirty="0"/>
+                    </a:p>
+                  </a:txBody>
+                  <a:tcPr/>
+                </a:tc>
+                <a:tc>
+                  <a:txBody>
+                    <a:bodyPr/>
+                    <a:lstStyle/>
+                    <a:p>
+                      <a:pPr marL="0" algn="l" defTabSz="914400" rtl="0" eaLnBrk="1" latinLnBrk="0" hangingPunct="1"/>
+                      <a:r>
+                        <a:rPr lang="de-DE" sz="1000" kern="1200" dirty="0">
+                          <a:solidFill>
+                            <a:schemeClr val="dk1"/>
+                          </a:solidFill>
+                          <a:latin typeface="Lucida Console" panose="020B0609040504020204" pitchFamily="49" charset="0"/>
+                          <a:ea typeface="+mn-ea"/>
+                          <a:cs typeface="+mn-cs"/>
+                        </a:rPr>
+                        <a:t>{„kundennummer“:“1“}</a:t>
+                      </a:r>
+                      <a:endParaRPr lang="en-US" sz="1000" kern="1200" dirty="0">
+                        <a:solidFill>
+                          <a:schemeClr val="dk1"/>
+                        </a:solidFill>
+                        <a:latin typeface="Lucida Console" panose="020B0609040504020204" pitchFamily="49" charset="0"/>
+                        <a:ea typeface="+mn-ea"/>
+                        <a:cs typeface="+mn-cs"/>
+                      </a:endParaRPr>
+                    </a:p>
+                  </a:txBody>
+                  <a:tcPr/>
+                </a:tc>
+                <a:tc>
+                  <a:txBody>
+                    <a:bodyPr/>
+                    <a:lstStyle/>
+                    <a:p>
+                      <a:r>
+                        <a:rPr lang="de-DE" dirty="0"/>
+                        <a:t>200</a:t>
+                      </a:r>
+                      <a:endParaRPr lang="en-US" dirty="0"/>
+                    </a:p>
+                  </a:txBody>
+                  <a:tcPr/>
+                </a:tc>
+                <a:tc>
+                  <a:txBody>
+                    <a:bodyPr/>
+                    <a:lstStyle/>
+                    <a:p>
+                      <a:r>
+                        <a:rPr lang="de-DE" sz="1000" dirty="0">
+                          <a:latin typeface="Lucida Console" panose="020B0609040504020204" pitchFamily="49" charset="0"/>
+                        </a:rPr>
+                        <a:t>{„kontonummer“:“13“,“betrag“:“EUR 0.00“}</a:t>
+                      </a:r>
+                      <a:endParaRPr lang="en-US" sz="1000" dirty="0">
+                        <a:latin typeface="Lucida Console" panose="020B0609040504020204" pitchFamily="49" charset="0"/>
+                      </a:endParaRPr>
+                    </a:p>
+                  </a:txBody>
+                  <a:tcPr/>
+                </a:tc>
+                <a:extLst>
+                  <a:ext uri="{0D108BD9-81ED-4DB2-BD59-A6C34878D82A}">
+                    <a16:rowId xmlns:a16="http://schemas.microsoft.com/office/drawing/2014/main" val="4012802433"/>
+                  </a:ext>
+                </a:extLst>
+              </a:tr>
+              <a:tr h="370840">
+                <a:tc>
+                  <a:txBody>
+                    <a:bodyPr/>
+                    <a:lstStyle/>
+                    <a:p>
+                      <a:r>
+                        <a:rPr lang="de-DE" dirty="0"/>
+                        <a:t>POST</a:t>
+                      </a:r>
+                      <a:endParaRPr lang="en-US" dirty="0"/>
+                    </a:p>
+                  </a:txBody>
+                  <a:tcPr/>
+                </a:tc>
+                <a:tc>
+                  <a:txBody>
+                    <a:bodyPr/>
+                    <a:lstStyle/>
+                    <a:p>
+                      <a:r>
+                        <a:rPr lang="de-DE" dirty="0"/>
+                        <a:t>/</a:t>
+                      </a:r>
+                      <a:r>
+                        <a:rPr lang="de-DE" dirty="0" err="1"/>
+                        <a:t>api</a:t>
+                      </a:r>
+                      <a:r>
+                        <a:rPr lang="de-DE" dirty="0"/>
+                        <a:t>/</a:t>
+                      </a:r>
+                      <a:r>
+                        <a:rPr lang="de-DE" dirty="0" err="1"/>
+                        <a:t>konto</a:t>
+                      </a:r>
+                      <a:r>
+                        <a:rPr lang="de-DE" dirty="0"/>
+                        <a:t>/11/13</a:t>
+                      </a:r>
+                      <a:endParaRPr lang="en-US" dirty="0"/>
+                    </a:p>
+                  </a:txBody>
+                  <a:tcPr/>
+                </a:tc>
+                <a:tc>
+                  <a:txBody>
+                    <a:bodyPr/>
+                    <a:lstStyle/>
+                    <a:p>
+                      <a:pPr marL="0" algn="l" defTabSz="914400" rtl="0" eaLnBrk="1" latinLnBrk="0" hangingPunct="1"/>
+                      <a:r>
+                        <a:rPr lang="de-DE" sz="1000" kern="1200" dirty="0">
+                          <a:solidFill>
+                            <a:schemeClr val="dk1"/>
+                          </a:solidFill>
+                          <a:latin typeface="Lucida Console" panose="020B0609040504020204" pitchFamily="49" charset="0"/>
+                          <a:ea typeface="+mn-ea"/>
+                          <a:cs typeface="+mn-cs"/>
+                        </a:rPr>
+                        <a:t>{„</a:t>
+                      </a:r>
+                      <a:r>
+                        <a:rPr lang="de-DE" sz="1000" kern="1200" dirty="0" err="1">
+                          <a:solidFill>
+                            <a:schemeClr val="dk1"/>
+                          </a:solidFill>
+                          <a:latin typeface="Lucida Console" panose="020B0609040504020204" pitchFamily="49" charset="0"/>
+                          <a:ea typeface="+mn-ea"/>
+                          <a:cs typeface="+mn-cs"/>
+                        </a:rPr>
+                        <a:t>betrag“:“EUR</a:t>
+                      </a:r>
+                      <a:r>
+                        <a:rPr lang="de-DE" sz="1000" kern="1200" dirty="0">
+                          <a:solidFill>
+                            <a:schemeClr val="dk1"/>
+                          </a:solidFill>
+                          <a:latin typeface="Lucida Console" panose="020B0609040504020204" pitchFamily="49" charset="0"/>
+                          <a:ea typeface="+mn-ea"/>
+                          <a:cs typeface="+mn-cs"/>
+                        </a:rPr>
+                        <a:t> 50.00“}</a:t>
+                      </a:r>
+                      <a:endParaRPr lang="en-US" sz="1000" kern="1200" dirty="0">
+                        <a:solidFill>
+                          <a:schemeClr val="dk1"/>
+                        </a:solidFill>
+                        <a:latin typeface="Lucida Console" panose="020B0609040504020204" pitchFamily="49" charset="0"/>
+                        <a:ea typeface="+mn-ea"/>
+                        <a:cs typeface="+mn-cs"/>
+                      </a:endParaRPr>
+                    </a:p>
+                  </a:txBody>
+                  <a:tcPr/>
+                </a:tc>
+                <a:tc>
+                  <a:txBody>
+                    <a:bodyPr/>
+                    <a:lstStyle/>
+                    <a:p>
+                      <a:r>
+                        <a:rPr lang="de-DE" dirty="0"/>
+                        <a:t>204</a:t>
+                      </a:r>
+                      <a:endParaRPr lang="en-US" dirty="0"/>
+                    </a:p>
+                  </a:txBody>
+                  <a:tcPr/>
+                </a:tc>
+                <a:tc>
+                  <a:txBody>
+                    <a:bodyPr/>
+                    <a:lstStyle/>
+                    <a:p>
+                      <a:r>
+                        <a:rPr lang="de-DE" sz="1000" dirty="0">
+                          <a:latin typeface="Lucida Console" panose="020B0609040504020204" pitchFamily="49" charset="0"/>
+                        </a:rPr>
+                        <a:t>-</a:t>
+                      </a:r>
+                      <a:endParaRPr lang="en-US" sz="1000" dirty="0">
+                        <a:latin typeface="Lucida Console" panose="020B0609040504020204" pitchFamily="49" charset="0"/>
+                      </a:endParaRPr>
+                    </a:p>
+                  </a:txBody>
+                  <a:tcPr/>
+                </a:tc>
+                <a:extLst>
+                  <a:ext uri="{0D108BD9-81ED-4DB2-BD59-A6C34878D82A}">
+                    <a16:rowId xmlns:a16="http://schemas.microsoft.com/office/drawing/2014/main" val="1956987726"/>
+                  </a:ext>
+                </a:extLst>
+              </a:tr>
+            </a:tbl>
+          </a:graphicData>
+        </a:graphic>
+      </p:graphicFrame>
+    </p:spTree>
+    <p:extLst>
+      <p:ext uri="{BB962C8B-B14F-4D97-AF65-F5344CB8AC3E}">
+        <p14:creationId xmlns:p14="http://schemas.microsoft.com/office/powerpoint/2010/main" val="3060460898"/>
+      </p:ext>
+    </p:extLst>
+  </p:cSld>
+  <p:clrMapOvr>
+    <a:masterClrMapping/>
+  </p:clrMapOvr>
+</p:sld>
+</file>
+
+<file path=ppt/slides/slide18.xml><?xml version="1.0" encoding="utf-8"?>
+<p:sld xmlns:a="http://schemas.openxmlformats.org/drawingml/2006/main" xmlns:r="http://schemas.openxmlformats.org/officeDocument/2006/relationships" xmlns:p="http://schemas.openxmlformats.org/presentationml/2006/main">
+  <p:cSld>
+    <p:spTree>
+      <p:nvGrpSpPr>
+        <p:cNvPr id="1" name=""/>
+        <p:cNvGrpSpPr/>
+        <p:nvPr/>
+      </p:nvGrpSpPr>
+      <p:grpSpPr>
+        <a:xfrm>
+          <a:off x="0" y="0"/>
+          <a:ext cx="0" cy="0"/>
+          <a:chOff x="0" y="0"/>
+          <a:chExt cx="0" cy="0"/>
+        </a:xfrm>
+      </p:grpSpPr>
+      <p:sp>
+        <p:nvSpPr>
+          <p:cNvPr id="2" name="Titel 1">
+            <a:extLst>
+              <a:ext uri="{FF2B5EF4-FFF2-40B4-BE49-F238E27FC236}">
                 <a16:creationId xmlns:a16="http://schemas.microsoft.com/office/drawing/2014/main" id="{43259942-6AED-41EB-B733-EE44E71AC1EE}"/>
               </a:ext>
             </a:extLst>
@@ -19691,7 +27075,7 @@
 </p:sld>
 </file>
 
-<file path=ppt/slides/slide15.xml><?xml version="1.0" encoding="utf-8"?>
+<file path=ppt/slides/slide19.xml><?xml version="1.0" encoding="utf-8"?>
 <p:sld xmlns:a="http://schemas.openxmlformats.org/drawingml/2006/main" xmlns:r="http://schemas.openxmlformats.org/officeDocument/2006/relationships" xmlns:p="http://schemas.openxmlformats.org/presentationml/2006/main">
   <p:cSld>
     <p:spTree>
@@ -19713,7 +27097,7 @@
           <p:cNvPr id="2" name="Titel 1">
             <a:extLst>
               <a:ext uri="{FF2B5EF4-FFF2-40B4-BE49-F238E27FC236}">
-                <a16:creationId xmlns:a16="http://schemas.microsoft.com/office/drawing/2014/main" id="{2425F089-43FC-489E-9ADD-CB8D7AB88A16}"/>
+                <a16:creationId xmlns:a16="http://schemas.microsoft.com/office/drawing/2014/main" id="{193A6548-0E2B-479A-8D4F-16345DC3A106}"/>
               </a:ext>
             </a:extLst>
           </p:cNvPr>
@@ -19730,173 +27114,56 @@
           <a:lstStyle/>
           <a:p>
             <a:r>
+              <a:rPr lang="de-DE" dirty="0" err="1"/>
+              <a:t>Buggybank</a:t>
+            </a:r>
+            <a:r>
               <a:rPr lang="de-DE" dirty="0"/>
-              <a:t>Level 8 – Security</a:t>
+              <a:t> </a:t>
+            </a:r>
+            <a:r>
+              <a:rPr lang="de-DE" dirty="0" err="1"/>
+              <a:t>UseCases</a:t>
             </a:r>
             <a:endParaRPr lang="en-US" dirty="0"/>
           </a:p>
         </p:txBody>
       </p:sp>
-      <p:sp>
-        <p:nvSpPr>
-          <p:cNvPr id="3" name="Inhaltsplatzhalter 2">
+      <p:graphicFrame>
+        <p:nvGraphicFramePr>
+          <p:cNvPr id="4" name="Inhaltsplatzhalter 3">
             <a:extLst>
               <a:ext uri="{FF2B5EF4-FFF2-40B4-BE49-F238E27FC236}">
-                <a16:creationId xmlns:a16="http://schemas.microsoft.com/office/drawing/2014/main" id="{285F3FE8-6BC9-4C09-9338-941EFDF8554E}"/>
+                <a16:creationId xmlns:a16="http://schemas.microsoft.com/office/drawing/2014/main" id="{E91691B7-5869-4846-802A-7FC2605D481F}"/>
               </a:ext>
             </a:extLst>
           </p:cNvPr>
-          <p:cNvSpPr>
-            <a:spLocks noGrp="1"/>
-          </p:cNvSpPr>
+          <p:cNvGraphicFramePr>
+            <a:graphicFrameLocks noGrp="1"/>
+          </p:cNvGraphicFramePr>
           <p:nvPr>
             <p:ph idx="1"/>
+            <p:extLst>
+              <p:ext uri="{D42A27DB-BD31-4B8C-83A1-F6EECF244321}">
+                <p14:modId xmlns:p14="http://schemas.microsoft.com/office/powerpoint/2010/main" val="1698534834"/>
+              </p:ext>
+            </p:extLst>
           </p:nvPr>
-        </p:nvSpPr>
-        <p:spPr/>
-        <p:txBody>
-          <a:bodyPr/>
-          <a:lstStyle/>
-          <a:p>
-            <a:r>
-              <a:rPr lang="de-DE" dirty="0"/>
-              <a:t>Spring Security</a:t>
-            </a:r>
-          </a:p>
-          <a:p>
-            <a:r>
-              <a:rPr lang="de-DE" dirty="0"/>
-              <a:t>JWT</a:t>
-            </a:r>
-          </a:p>
-          <a:p>
-            <a:r>
-              <a:rPr lang="de-DE" dirty="0"/>
-              <a:t>Security in Tests</a:t>
-            </a:r>
-          </a:p>
-        </p:txBody>
-      </p:sp>
+        </p:nvGraphicFramePr>
+        <p:xfrm>
+          <a:off x="1096963" y="1846263"/>
+          <a:ext cx="10058400" cy="4022725"/>
+        </p:xfrm>
+        <a:graphic>
+          <a:graphicData uri="http://schemas.openxmlformats.org/drawingml/2006/diagram">
+            <dgm:relIds xmlns:dgm="http://schemas.openxmlformats.org/drawingml/2006/diagram" xmlns:r="http://schemas.openxmlformats.org/officeDocument/2006/relationships" r:dm="rId3" r:lo="rId4" r:qs="rId5" r:cs="rId6"/>
+          </a:graphicData>
+        </a:graphic>
+      </p:graphicFrame>
     </p:spTree>
     <p:extLst>
       <p:ext uri="{BB962C8B-B14F-4D97-AF65-F5344CB8AC3E}">
-        <p14:creationId xmlns:p14="http://schemas.microsoft.com/office/powerpoint/2010/main" val="2308362796"/>
-      </p:ext>
-    </p:extLst>
-  </p:cSld>
-  <p:clrMapOvr>
-    <a:masterClrMapping/>
-  </p:clrMapOvr>
-</p:sld>
-</file>
-
-<file path=ppt/slides/slide16.xml><?xml version="1.0" encoding="utf-8"?>
-<p:sld xmlns:a="http://schemas.openxmlformats.org/drawingml/2006/main" xmlns:r="http://schemas.openxmlformats.org/officeDocument/2006/relationships" xmlns:p="http://schemas.openxmlformats.org/presentationml/2006/main">
-  <p:cSld>
-    <p:spTree>
-      <p:nvGrpSpPr>
-        <p:cNvPr id="1" name=""/>
-        <p:cNvGrpSpPr/>
-        <p:nvPr/>
-      </p:nvGrpSpPr>
-      <p:grpSpPr>
-        <a:xfrm>
-          <a:off x="0" y="0"/>
-          <a:ext cx="0" cy="0"/>
-          <a:chOff x="0" y="0"/>
-          <a:chExt cx="0" cy="0"/>
-        </a:xfrm>
-      </p:grpSpPr>
-      <p:sp>
-        <p:nvSpPr>
-          <p:cNvPr id="2" name="Titel 1">
-            <a:extLst>
-              <a:ext uri="{FF2B5EF4-FFF2-40B4-BE49-F238E27FC236}">
-                <a16:creationId xmlns:a16="http://schemas.microsoft.com/office/drawing/2014/main" id="{8F1D8461-6BE8-4DE2-B618-062324704CBD}"/>
-              </a:ext>
-            </a:extLst>
-          </p:cNvPr>
-          <p:cNvSpPr>
-            <a:spLocks noGrp="1"/>
-          </p:cNvSpPr>
-          <p:nvPr>
-            <p:ph type="title"/>
-          </p:nvPr>
-        </p:nvSpPr>
-        <p:spPr/>
-        <p:txBody>
-          <a:bodyPr/>
-          <a:lstStyle/>
-          <a:p>
-            <a:r>
-              <a:rPr lang="de-DE" dirty="0"/>
-              <a:t>Level</a:t>
-            </a:r>
-            <a:r>
-              <a:rPr lang="de-DE" baseline="0" dirty="0"/>
-              <a:t> 9 – </a:t>
-            </a:r>
-            <a:r>
-              <a:rPr lang="de-DE" baseline="0" dirty="0" err="1"/>
-              <a:t>JHipster</a:t>
-            </a:r>
-            <a:endParaRPr lang="en-US" dirty="0"/>
-          </a:p>
-        </p:txBody>
-      </p:sp>
-      <p:sp>
-        <p:nvSpPr>
-          <p:cNvPr id="3" name="Inhaltsplatzhalter 2">
-            <a:extLst>
-              <a:ext uri="{FF2B5EF4-FFF2-40B4-BE49-F238E27FC236}">
-                <a16:creationId xmlns:a16="http://schemas.microsoft.com/office/drawing/2014/main" id="{5FBDC75B-F493-4EA9-B098-83FF103B915C}"/>
-              </a:ext>
-            </a:extLst>
-          </p:cNvPr>
-          <p:cNvSpPr>
-            <a:spLocks noGrp="1"/>
-          </p:cNvSpPr>
-          <p:nvPr>
-            <p:ph idx="1"/>
-          </p:nvPr>
-        </p:nvSpPr>
-        <p:spPr/>
-        <p:txBody>
-          <a:bodyPr/>
-          <a:lstStyle/>
-          <a:p>
-            <a:r>
-              <a:rPr lang="de-DE" dirty="0" err="1"/>
-              <a:t>JHipster</a:t>
-            </a:r>
-            <a:r>
-              <a:rPr lang="de-DE" dirty="0"/>
-              <a:t> Generator</a:t>
-            </a:r>
-          </a:p>
-          <a:p>
-            <a:r>
-              <a:rPr lang="de-DE" dirty="0"/>
-              <a:t>Entity</a:t>
-            </a:r>
-            <a:r>
-              <a:rPr lang="de-DE" baseline="0" dirty="0"/>
-              <a:t> Generator</a:t>
-            </a:r>
-          </a:p>
-          <a:p>
-            <a:r>
-              <a:rPr lang="de-DE" baseline="0" dirty="0"/>
-              <a:t>Projektaufbau</a:t>
-            </a:r>
-            <a:endParaRPr lang="en-US" dirty="0"/>
-          </a:p>
-        </p:txBody>
-      </p:sp>
-    </p:spTree>
-    <p:extLst>
-      <p:ext uri="{BB962C8B-B14F-4D97-AF65-F5344CB8AC3E}">
-        <p14:creationId xmlns:p14="http://schemas.microsoft.com/office/powerpoint/2010/main" val="2618811902"/>
+        <p14:creationId xmlns:p14="http://schemas.microsoft.com/office/powerpoint/2010/main" val="2866116029"/>
       </p:ext>
     </p:extLst>
   </p:cSld>
@@ -20015,6 +27282,221 @@
     <p:extLst>
       <p:ext uri="{BB962C8B-B14F-4D97-AF65-F5344CB8AC3E}">
         <p14:creationId xmlns:p14="http://schemas.microsoft.com/office/powerpoint/2010/main" val="1920467200"/>
+      </p:ext>
+    </p:extLst>
+  </p:cSld>
+  <p:clrMapOvr>
+    <a:masterClrMapping/>
+  </p:clrMapOvr>
+</p:sld>
+</file>
+
+<file path=ppt/slides/slide20.xml><?xml version="1.0" encoding="utf-8"?>
+<p:sld xmlns:a="http://schemas.openxmlformats.org/drawingml/2006/main" xmlns:r="http://schemas.openxmlformats.org/officeDocument/2006/relationships" xmlns:p="http://schemas.openxmlformats.org/presentationml/2006/main">
+  <p:cSld>
+    <p:spTree>
+      <p:nvGrpSpPr>
+        <p:cNvPr id="1" name=""/>
+        <p:cNvGrpSpPr/>
+        <p:nvPr/>
+      </p:nvGrpSpPr>
+      <p:grpSpPr>
+        <a:xfrm>
+          <a:off x="0" y="0"/>
+          <a:ext cx="0" cy="0"/>
+          <a:chOff x="0" y="0"/>
+          <a:chExt cx="0" cy="0"/>
+        </a:xfrm>
+      </p:grpSpPr>
+      <p:sp>
+        <p:nvSpPr>
+          <p:cNvPr id="2" name="Titel 1">
+            <a:extLst>
+              <a:ext uri="{FF2B5EF4-FFF2-40B4-BE49-F238E27FC236}">
+                <a16:creationId xmlns:a16="http://schemas.microsoft.com/office/drawing/2014/main" id="{2425F089-43FC-489E-9ADD-CB8D7AB88A16}"/>
+              </a:ext>
+            </a:extLst>
+          </p:cNvPr>
+          <p:cNvSpPr>
+            <a:spLocks noGrp="1"/>
+          </p:cNvSpPr>
+          <p:nvPr>
+            <p:ph type="title"/>
+          </p:nvPr>
+        </p:nvSpPr>
+        <p:spPr/>
+        <p:txBody>
+          <a:bodyPr/>
+          <a:lstStyle/>
+          <a:p>
+            <a:r>
+              <a:rPr lang="de-DE" dirty="0"/>
+              <a:t>Level 8 – Security</a:t>
+            </a:r>
+            <a:endParaRPr lang="en-US" dirty="0"/>
+          </a:p>
+        </p:txBody>
+      </p:sp>
+      <p:sp>
+        <p:nvSpPr>
+          <p:cNvPr id="3" name="Inhaltsplatzhalter 2">
+            <a:extLst>
+              <a:ext uri="{FF2B5EF4-FFF2-40B4-BE49-F238E27FC236}">
+                <a16:creationId xmlns:a16="http://schemas.microsoft.com/office/drawing/2014/main" id="{285F3FE8-6BC9-4C09-9338-941EFDF8554E}"/>
+              </a:ext>
+            </a:extLst>
+          </p:cNvPr>
+          <p:cNvSpPr>
+            <a:spLocks noGrp="1"/>
+          </p:cNvSpPr>
+          <p:nvPr>
+            <p:ph idx="1"/>
+          </p:nvPr>
+        </p:nvSpPr>
+        <p:spPr/>
+        <p:txBody>
+          <a:bodyPr/>
+          <a:lstStyle/>
+          <a:p>
+            <a:r>
+              <a:rPr lang="de-DE" dirty="0"/>
+              <a:t>Spring Security</a:t>
+            </a:r>
+          </a:p>
+          <a:p>
+            <a:r>
+              <a:rPr lang="de-DE" dirty="0"/>
+              <a:t>JWT</a:t>
+            </a:r>
+          </a:p>
+          <a:p>
+            <a:r>
+              <a:rPr lang="de-DE" dirty="0"/>
+              <a:t>Security in Tests</a:t>
+            </a:r>
+          </a:p>
+        </p:txBody>
+      </p:sp>
+    </p:spTree>
+    <p:extLst>
+      <p:ext uri="{BB962C8B-B14F-4D97-AF65-F5344CB8AC3E}">
+        <p14:creationId xmlns:p14="http://schemas.microsoft.com/office/powerpoint/2010/main" val="2308362796"/>
+      </p:ext>
+    </p:extLst>
+  </p:cSld>
+  <p:clrMapOvr>
+    <a:masterClrMapping/>
+  </p:clrMapOvr>
+</p:sld>
+</file>
+
+<file path=ppt/slides/slide21.xml><?xml version="1.0" encoding="utf-8"?>
+<p:sld xmlns:a="http://schemas.openxmlformats.org/drawingml/2006/main" xmlns:r="http://schemas.openxmlformats.org/officeDocument/2006/relationships" xmlns:p="http://schemas.openxmlformats.org/presentationml/2006/main">
+  <p:cSld>
+    <p:spTree>
+      <p:nvGrpSpPr>
+        <p:cNvPr id="1" name=""/>
+        <p:cNvGrpSpPr/>
+        <p:nvPr/>
+      </p:nvGrpSpPr>
+      <p:grpSpPr>
+        <a:xfrm>
+          <a:off x="0" y="0"/>
+          <a:ext cx="0" cy="0"/>
+          <a:chOff x="0" y="0"/>
+          <a:chExt cx="0" cy="0"/>
+        </a:xfrm>
+      </p:grpSpPr>
+      <p:sp>
+        <p:nvSpPr>
+          <p:cNvPr id="2" name="Titel 1">
+            <a:extLst>
+              <a:ext uri="{FF2B5EF4-FFF2-40B4-BE49-F238E27FC236}">
+                <a16:creationId xmlns:a16="http://schemas.microsoft.com/office/drawing/2014/main" id="{8F1D8461-6BE8-4DE2-B618-062324704CBD}"/>
+              </a:ext>
+            </a:extLst>
+          </p:cNvPr>
+          <p:cNvSpPr>
+            <a:spLocks noGrp="1"/>
+          </p:cNvSpPr>
+          <p:nvPr>
+            <p:ph type="title"/>
+          </p:nvPr>
+        </p:nvSpPr>
+        <p:spPr/>
+        <p:txBody>
+          <a:bodyPr/>
+          <a:lstStyle/>
+          <a:p>
+            <a:r>
+              <a:rPr lang="de-DE" dirty="0"/>
+              <a:t>Level</a:t>
+            </a:r>
+            <a:r>
+              <a:rPr lang="de-DE" baseline="0" dirty="0"/>
+              <a:t> 9 – </a:t>
+            </a:r>
+            <a:r>
+              <a:rPr lang="de-DE" baseline="0" dirty="0" err="1"/>
+              <a:t>JHipster</a:t>
+            </a:r>
+            <a:endParaRPr lang="en-US" dirty="0"/>
+          </a:p>
+        </p:txBody>
+      </p:sp>
+      <p:sp>
+        <p:nvSpPr>
+          <p:cNvPr id="3" name="Inhaltsplatzhalter 2">
+            <a:extLst>
+              <a:ext uri="{FF2B5EF4-FFF2-40B4-BE49-F238E27FC236}">
+                <a16:creationId xmlns:a16="http://schemas.microsoft.com/office/drawing/2014/main" id="{5FBDC75B-F493-4EA9-B098-83FF103B915C}"/>
+              </a:ext>
+            </a:extLst>
+          </p:cNvPr>
+          <p:cNvSpPr>
+            <a:spLocks noGrp="1"/>
+          </p:cNvSpPr>
+          <p:nvPr>
+            <p:ph idx="1"/>
+          </p:nvPr>
+        </p:nvSpPr>
+        <p:spPr/>
+        <p:txBody>
+          <a:bodyPr/>
+          <a:lstStyle/>
+          <a:p>
+            <a:r>
+              <a:rPr lang="de-DE" dirty="0" err="1"/>
+              <a:t>JHipster</a:t>
+            </a:r>
+            <a:r>
+              <a:rPr lang="de-DE" dirty="0"/>
+              <a:t> Generator</a:t>
+            </a:r>
+          </a:p>
+          <a:p>
+            <a:r>
+              <a:rPr lang="de-DE" dirty="0"/>
+              <a:t>Entity</a:t>
+            </a:r>
+            <a:r>
+              <a:rPr lang="de-DE" baseline="0" dirty="0"/>
+              <a:t> Generator</a:t>
+            </a:r>
+          </a:p>
+          <a:p>
+            <a:r>
+              <a:rPr lang="de-DE" baseline="0" dirty="0"/>
+              <a:t>Projektaufbau</a:t>
+            </a:r>
+            <a:endParaRPr lang="en-US" dirty="0"/>
+          </a:p>
+        </p:txBody>
+      </p:sp>
+    </p:spTree>
+    <p:extLst>
+      <p:ext uri="{BB962C8B-B14F-4D97-AF65-F5344CB8AC3E}">
+        <p14:creationId xmlns:p14="http://schemas.microsoft.com/office/powerpoint/2010/main" val="2618811902"/>
       </p:ext>
     </p:extLst>
   </p:cSld>

--- a/Aufgaben.pptx
+++ b/Aufgaben.pptx
@@ -19959,7 +19959,7 @@
           <a:p>
             <a:fld id="{345961D2-DBF7-42AE-B789-18ADD99FC909}" type="datetimeFigureOut">
               <a:rPr lang="en-US" smtClean="0"/>
-              <a:t>9/13/2019</a:t>
+              <a:t>9/16/2019</a:t>
             </a:fld>
             <a:endParaRPr lang="en-US"/>
           </a:p>
@@ -20908,7 +20908,7 @@
           <a:p>
             <a:fld id="{03D2199C-AACF-4674-9026-68D71E5E2E3A}" type="datetimeFigureOut">
               <a:rPr lang="en-US" smtClean="0"/>
-              <a:t>9/13/2019</a:t>
+              <a:t>9/16/2019</a:t>
             </a:fld>
             <a:endParaRPr lang="en-US"/>
           </a:p>
@@ -21155,7 +21155,7 @@
           <a:p>
             <a:fld id="{03D2199C-AACF-4674-9026-68D71E5E2E3A}" type="datetimeFigureOut">
               <a:rPr lang="en-US" smtClean="0"/>
-              <a:t>9/13/2019</a:t>
+              <a:t>9/16/2019</a:t>
             </a:fld>
             <a:endParaRPr lang="en-US"/>
           </a:p>
@@ -21411,7 +21411,7 @@
           <a:p>
             <a:fld id="{03D2199C-AACF-4674-9026-68D71E5E2E3A}" type="datetimeFigureOut">
               <a:rPr lang="en-US" smtClean="0"/>
-              <a:t>9/13/2019</a:t>
+              <a:t>9/16/2019</a:t>
             </a:fld>
             <a:endParaRPr lang="en-US"/>
           </a:p>
@@ -21585,7 +21585,7 @@
           <a:p>
             <a:fld id="{03D2199C-AACF-4674-9026-68D71E5E2E3A}" type="datetimeFigureOut">
               <a:rPr lang="en-US" smtClean="0"/>
-              <a:t>9/13/2019</a:t>
+              <a:t>9/16/2019</a:t>
             </a:fld>
             <a:endParaRPr lang="en-US"/>
           </a:p>
@@ -21928,7 +21928,7 @@
           <a:p>
             <a:fld id="{03D2199C-AACF-4674-9026-68D71E5E2E3A}" type="datetimeFigureOut">
               <a:rPr lang="en-US" smtClean="0"/>
-              <a:t>9/13/2019</a:t>
+              <a:t>9/16/2019</a:t>
             </a:fld>
             <a:endParaRPr lang="en-US"/>
           </a:p>
@@ -22242,7 +22242,7 @@
           <a:p>
             <a:fld id="{03D2199C-AACF-4674-9026-68D71E5E2E3A}" type="datetimeFigureOut">
               <a:rPr lang="en-US" smtClean="0"/>
-              <a:t>9/13/2019</a:t>
+              <a:t>9/16/2019</a:t>
             </a:fld>
             <a:endParaRPr lang="en-US"/>
           </a:p>
@@ -22621,7 +22621,7 @@
           <a:p>
             <a:fld id="{03D2199C-AACF-4674-9026-68D71E5E2E3A}" type="datetimeFigureOut">
               <a:rPr lang="en-US" smtClean="0"/>
-              <a:t>9/13/2019</a:t>
+              <a:t>9/16/2019</a:t>
             </a:fld>
             <a:endParaRPr lang="en-US"/>
           </a:p>
@@ -22739,7 +22739,7 @@
           <a:p>
             <a:fld id="{03D2199C-AACF-4674-9026-68D71E5E2E3A}" type="datetimeFigureOut">
               <a:rPr lang="en-US" smtClean="0"/>
-              <a:t>9/13/2019</a:t>
+              <a:t>9/16/2019</a:t>
             </a:fld>
             <a:endParaRPr lang="en-US"/>
           </a:p>
@@ -22910,7 +22910,7 @@
           <a:p>
             <a:fld id="{03D2199C-AACF-4674-9026-68D71E5E2E3A}" type="datetimeFigureOut">
               <a:rPr lang="en-US" smtClean="0"/>
-              <a:t>9/13/2019</a:t>
+              <a:t>9/16/2019</a:t>
             </a:fld>
             <a:endParaRPr lang="en-US"/>
           </a:p>
@@ -23264,7 +23264,7 @@
           <a:p>
             <a:fld id="{03D2199C-AACF-4674-9026-68D71E5E2E3A}" type="datetimeFigureOut">
               <a:rPr lang="en-US" smtClean="0"/>
-              <a:t>9/13/2019</a:t>
+              <a:t>9/16/2019</a:t>
             </a:fld>
             <a:endParaRPr lang="en-US"/>
           </a:p>
@@ -23646,7 +23646,7 @@
           <a:p>
             <a:fld id="{03D2199C-AACF-4674-9026-68D71E5E2E3A}" type="datetimeFigureOut">
               <a:rPr lang="en-US" smtClean="0"/>
-              <a:t>9/13/2019</a:t>
+              <a:t>9/16/2019</a:t>
             </a:fld>
             <a:endParaRPr lang="en-US"/>
           </a:p>
@@ -23933,7 +23933,7 @@
           <a:p>
             <a:fld id="{03D2199C-AACF-4674-9026-68D71E5E2E3A}" type="datetimeFigureOut">
               <a:rPr lang="en-US" smtClean="0"/>
-              <a:t>9/13/2019</a:t>
+              <a:t>9/16/2019</a:t>
             </a:fld>
             <a:endParaRPr lang="en-US"/>
           </a:p>

--- a/Aufgaben.pptx
+++ b/Aufgaben.pptx
@@ -5,7 +5,7 @@
     <p:sldMasterId id="2147483738" r:id="rId1"/>
   </p:sldMasterIdLst>
   <p:notesMasterIdLst>
-    <p:notesMasterId r:id="rId23"/>
+    <p:notesMasterId r:id="rId25"/>
   </p:notesMasterIdLst>
   <p:sldIdLst>
     <p:sldId id="256" r:id="rId2"/>
@@ -27,8 +27,10 @@
     <p:sldId id="276" r:id="rId18"/>
     <p:sldId id="264" r:id="rId19"/>
     <p:sldId id="277" r:id="rId20"/>
-    <p:sldId id="265" r:id="rId21"/>
-    <p:sldId id="266" r:id="rId22"/>
+    <p:sldId id="278" r:id="rId21"/>
+    <p:sldId id="279" r:id="rId22"/>
+    <p:sldId id="265" r:id="rId23"/>
+    <p:sldId id="266" r:id="rId24"/>
   </p:sldIdLst>
   <p:sldSz cx="12192000" cy="6858000"/>
   <p:notesSz cx="6858000" cy="9144000"/>
@@ -4630,6 +4632,753 @@
 </file>
 
 <file path=ppt/diagrams/colors7.xml><?xml version="1.0" encoding="utf-8"?>
+<dgm:colorsDef xmlns:dgm="http://schemas.openxmlformats.org/drawingml/2006/diagram" xmlns:a="http://schemas.openxmlformats.org/drawingml/2006/main" uniqueId="urn:microsoft.com/office/officeart/2005/8/colors/accent1_2">
+  <dgm:title val=""/>
+  <dgm:desc val=""/>
+  <dgm:catLst>
+    <dgm:cat type="accent1" pri="11200"/>
+  </dgm:catLst>
+  <dgm:styleLbl name="node0">
+    <dgm:fillClrLst meth="repeat">
+      <a:schemeClr val="accent1"/>
+    </dgm:fillClrLst>
+    <dgm:linClrLst meth="repeat">
+      <a:schemeClr val="lt1"/>
+    </dgm:linClrLst>
+    <dgm:effectClrLst/>
+    <dgm:txLinClrLst/>
+    <dgm:txFillClrLst/>
+    <dgm:txEffectClrLst/>
+  </dgm:styleLbl>
+  <dgm:styleLbl name="alignNode1">
+    <dgm:fillClrLst meth="repeat">
+      <a:schemeClr val="accent1"/>
+    </dgm:fillClrLst>
+    <dgm:linClrLst meth="repeat">
+      <a:schemeClr val="accent1"/>
+    </dgm:linClrLst>
+    <dgm:effectClrLst/>
+    <dgm:txLinClrLst/>
+    <dgm:txFillClrLst/>
+    <dgm:txEffectClrLst/>
+  </dgm:styleLbl>
+  <dgm:styleLbl name="node1">
+    <dgm:fillClrLst meth="repeat">
+      <a:schemeClr val="accent1"/>
+    </dgm:fillClrLst>
+    <dgm:linClrLst meth="repeat">
+      <a:schemeClr val="lt1"/>
+    </dgm:linClrLst>
+    <dgm:effectClrLst/>
+    <dgm:txLinClrLst/>
+    <dgm:txFillClrLst/>
+    <dgm:txEffectClrLst/>
+  </dgm:styleLbl>
+  <dgm:styleLbl name="lnNode1">
+    <dgm:fillClrLst meth="repeat">
+      <a:schemeClr val="accent1"/>
+    </dgm:fillClrLst>
+    <dgm:linClrLst meth="repeat">
+      <a:schemeClr val="lt1"/>
+    </dgm:linClrLst>
+    <dgm:effectClrLst/>
+    <dgm:txLinClrLst/>
+    <dgm:txFillClrLst/>
+    <dgm:txEffectClrLst/>
+  </dgm:styleLbl>
+  <dgm:styleLbl name="vennNode1">
+    <dgm:fillClrLst meth="repeat">
+      <a:schemeClr val="accent1">
+        <a:alpha val="50000"/>
+      </a:schemeClr>
+    </dgm:fillClrLst>
+    <dgm:linClrLst meth="repeat">
+      <a:schemeClr val="lt1"/>
+    </dgm:linClrLst>
+    <dgm:effectClrLst/>
+    <dgm:txLinClrLst/>
+    <dgm:txFillClrLst/>
+    <dgm:txEffectClrLst/>
+  </dgm:styleLbl>
+  <dgm:styleLbl name="node2">
+    <dgm:fillClrLst meth="repeat">
+      <a:schemeClr val="accent1"/>
+    </dgm:fillClrLst>
+    <dgm:linClrLst meth="repeat">
+      <a:schemeClr val="lt1"/>
+    </dgm:linClrLst>
+    <dgm:effectClrLst/>
+    <dgm:txLinClrLst/>
+    <dgm:txFillClrLst/>
+    <dgm:txEffectClrLst/>
+  </dgm:styleLbl>
+  <dgm:styleLbl name="node3">
+    <dgm:fillClrLst meth="repeat">
+      <a:schemeClr val="accent1"/>
+    </dgm:fillClrLst>
+    <dgm:linClrLst meth="repeat">
+      <a:schemeClr val="lt1"/>
+    </dgm:linClrLst>
+    <dgm:effectClrLst/>
+    <dgm:txLinClrLst/>
+    <dgm:txFillClrLst/>
+    <dgm:txEffectClrLst/>
+  </dgm:styleLbl>
+  <dgm:styleLbl name="node4">
+    <dgm:fillClrLst meth="repeat">
+      <a:schemeClr val="accent1"/>
+    </dgm:fillClrLst>
+    <dgm:linClrLst meth="repeat">
+      <a:schemeClr val="lt1"/>
+    </dgm:linClrLst>
+    <dgm:effectClrLst/>
+    <dgm:txLinClrLst/>
+    <dgm:txFillClrLst/>
+    <dgm:txEffectClrLst/>
+  </dgm:styleLbl>
+  <dgm:styleLbl name="fgImgPlace1">
+    <dgm:fillClrLst meth="repeat">
+      <a:schemeClr val="accent1">
+        <a:tint val="50000"/>
+      </a:schemeClr>
+    </dgm:fillClrLst>
+    <dgm:linClrLst meth="repeat">
+      <a:schemeClr val="lt1"/>
+    </dgm:linClrLst>
+    <dgm:effectClrLst/>
+    <dgm:txLinClrLst/>
+    <dgm:txFillClrLst meth="repeat">
+      <a:schemeClr val="lt1"/>
+    </dgm:txFillClrLst>
+    <dgm:txEffectClrLst/>
+  </dgm:styleLbl>
+  <dgm:styleLbl name="alignImgPlace1">
+    <dgm:fillClrLst meth="repeat">
+      <a:schemeClr val="accent1">
+        <a:tint val="50000"/>
+      </a:schemeClr>
+    </dgm:fillClrLst>
+    <dgm:linClrLst meth="repeat">
+      <a:schemeClr val="lt1"/>
+    </dgm:linClrLst>
+    <dgm:effectClrLst/>
+    <dgm:txLinClrLst/>
+    <dgm:txFillClrLst meth="repeat">
+      <a:schemeClr val="lt1"/>
+    </dgm:txFillClrLst>
+    <dgm:txEffectClrLst/>
+  </dgm:styleLbl>
+  <dgm:styleLbl name="bgImgPlace1">
+    <dgm:fillClrLst meth="repeat">
+      <a:schemeClr val="accent1">
+        <a:tint val="50000"/>
+      </a:schemeClr>
+    </dgm:fillClrLst>
+    <dgm:linClrLst meth="repeat">
+      <a:schemeClr val="lt1"/>
+    </dgm:linClrLst>
+    <dgm:effectClrLst/>
+    <dgm:txLinClrLst/>
+    <dgm:txFillClrLst meth="repeat">
+      <a:schemeClr val="lt1"/>
+    </dgm:txFillClrLst>
+    <dgm:txEffectClrLst/>
+  </dgm:styleLbl>
+  <dgm:styleLbl name="sibTrans2D1">
+    <dgm:fillClrLst meth="repeat">
+      <a:schemeClr val="accent1">
+        <a:tint val="60000"/>
+      </a:schemeClr>
+    </dgm:fillClrLst>
+    <dgm:linClrLst meth="repeat">
+      <a:schemeClr val="accent1">
+        <a:tint val="60000"/>
+      </a:schemeClr>
+    </dgm:linClrLst>
+    <dgm:effectClrLst/>
+    <dgm:txLinClrLst/>
+    <dgm:txFillClrLst/>
+    <dgm:txEffectClrLst/>
+  </dgm:styleLbl>
+  <dgm:styleLbl name="fgSibTrans2D1">
+    <dgm:fillClrLst meth="repeat">
+      <a:schemeClr val="accent1">
+        <a:tint val="60000"/>
+      </a:schemeClr>
+    </dgm:fillClrLst>
+    <dgm:linClrLst meth="repeat">
+      <a:schemeClr val="accent1">
+        <a:tint val="60000"/>
+      </a:schemeClr>
+    </dgm:linClrLst>
+    <dgm:effectClrLst/>
+    <dgm:txLinClrLst/>
+    <dgm:txFillClrLst/>
+    <dgm:txEffectClrLst/>
+  </dgm:styleLbl>
+  <dgm:styleLbl name="bgSibTrans2D1">
+    <dgm:fillClrLst meth="repeat">
+      <a:schemeClr val="accent1">
+        <a:tint val="60000"/>
+      </a:schemeClr>
+    </dgm:fillClrLst>
+    <dgm:linClrLst meth="repeat">
+      <a:schemeClr val="accent1">
+        <a:tint val="60000"/>
+      </a:schemeClr>
+    </dgm:linClrLst>
+    <dgm:effectClrLst/>
+    <dgm:txLinClrLst/>
+    <dgm:txFillClrLst/>
+    <dgm:txEffectClrLst/>
+  </dgm:styleLbl>
+  <dgm:styleLbl name="sibTrans1D1">
+    <dgm:fillClrLst meth="repeat">
+      <a:schemeClr val="accent1"/>
+    </dgm:fillClrLst>
+    <dgm:linClrLst meth="repeat">
+      <a:schemeClr val="accent1"/>
+    </dgm:linClrLst>
+    <dgm:effectClrLst/>
+    <dgm:txLinClrLst/>
+    <dgm:txFillClrLst meth="repeat">
+      <a:schemeClr val="tx1"/>
+    </dgm:txFillClrLst>
+    <dgm:txEffectClrLst/>
+  </dgm:styleLbl>
+  <dgm:styleLbl name="callout">
+    <dgm:fillClrLst meth="repeat">
+      <a:schemeClr val="accent1"/>
+    </dgm:fillClrLst>
+    <dgm:linClrLst meth="repeat">
+      <a:schemeClr val="accent1">
+        <a:tint val="50000"/>
+      </a:schemeClr>
+    </dgm:linClrLst>
+    <dgm:effectClrLst/>
+    <dgm:txLinClrLst/>
+    <dgm:txFillClrLst meth="repeat">
+      <a:schemeClr val="tx1"/>
+    </dgm:txFillClrLst>
+    <dgm:txEffectClrLst/>
+  </dgm:styleLbl>
+  <dgm:styleLbl name="asst0">
+    <dgm:fillClrLst meth="repeat">
+      <a:schemeClr val="accent1"/>
+    </dgm:fillClrLst>
+    <dgm:linClrLst meth="repeat">
+      <a:schemeClr val="lt1"/>
+    </dgm:linClrLst>
+    <dgm:effectClrLst/>
+    <dgm:txLinClrLst/>
+    <dgm:txFillClrLst/>
+    <dgm:txEffectClrLst/>
+  </dgm:styleLbl>
+  <dgm:styleLbl name="asst1">
+    <dgm:fillClrLst meth="repeat">
+      <a:schemeClr val="accent1"/>
+    </dgm:fillClrLst>
+    <dgm:linClrLst meth="repeat">
+      <a:schemeClr val="lt1"/>
+    </dgm:linClrLst>
+    <dgm:effectClrLst/>
+    <dgm:txLinClrLst/>
+    <dgm:txFillClrLst/>
+    <dgm:txEffectClrLst/>
+  </dgm:styleLbl>
+  <dgm:styleLbl name="asst2">
+    <dgm:fillClrLst meth="repeat">
+      <a:schemeClr val="accent1"/>
+    </dgm:fillClrLst>
+    <dgm:linClrLst meth="repeat">
+      <a:schemeClr val="lt1"/>
+    </dgm:linClrLst>
+    <dgm:effectClrLst/>
+    <dgm:txLinClrLst/>
+    <dgm:txFillClrLst/>
+    <dgm:txEffectClrLst/>
+  </dgm:styleLbl>
+  <dgm:styleLbl name="asst3">
+    <dgm:fillClrLst meth="repeat">
+      <a:schemeClr val="accent1"/>
+    </dgm:fillClrLst>
+    <dgm:linClrLst meth="repeat">
+      <a:schemeClr val="lt1"/>
+    </dgm:linClrLst>
+    <dgm:effectClrLst/>
+    <dgm:txLinClrLst/>
+    <dgm:txFillClrLst/>
+    <dgm:txEffectClrLst/>
+  </dgm:styleLbl>
+  <dgm:styleLbl name="asst4">
+    <dgm:fillClrLst meth="repeat">
+      <a:schemeClr val="accent1"/>
+    </dgm:fillClrLst>
+    <dgm:linClrLst meth="repeat">
+      <a:schemeClr val="lt1"/>
+    </dgm:linClrLst>
+    <dgm:effectClrLst/>
+    <dgm:txLinClrLst/>
+    <dgm:txFillClrLst/>
+    <dgm:txEffectClrLst/>
+  </dgm:styleLbl>
+  <dgm:styleLbl name="parChTrans2D1">
+    <dgm:fillClrLst meth="repeat">
+      <a:schemeClr val="accent1">
+        <a:tint val="60000"/>
+      </a:schemeClr>
+    </dgm:fillClrLst>
+    <dgm:linClrLst meth="repeat">
+      <a:schemeClr val="accent1">
+        <a:tint val="60000"/>
+      </a:schemeClr>
+    </dgm:linClrLst>
+    <dgm:effectClrLst/>
+    <dgm:txLinClrLst/>
+    <dgm:txFillClrLst meth="repeat">
+      <a:schemeClr val="lt1"/>
+    </dgm:txFillClrLst>
+    <dgm:txEffectClrLst/>
+  </dgm:styleLbl>
+  <dgm:styleLbl name="parChTrans2D2">
+    <dgm:fillClrLst meth="repeat">
+      <a:schemeClr val="accent1"/>
+    </dgm:fillClrLst>
+    <dgm:linClrLst meth="repeat">
+      <a:schemeClr val="accent1"/>
+    </dgm:linClrLst>
+    <dgm:effectClrLst/>
+    <dgm:txLinClrLst/>
+    <dgm:txFillClrLst meth="repeat">
+      <a:schemeClr val="lt1"/>
+    </dgm:txFillClrLst>
+    <dgm:txEffectClrLst/>
+  </dgm:styleLbl>
+  <dgm:styleLbl name="parChTrans2D3">
+    <dgm:fillClrLst meth="repeat">
+      <a:schemeClr val="accent1"/>
+    </dgm:fillClrLst>
+    <dgm:linClrLst meth="repeat">
+      <a:schemeClr val="accent1"/>
+    </dgm:linClrLst>
+    <dgm:effectClrLst/>
+    <dgm:txLinClrLst/>
+    <dgm:txFillClrLst meth="repeat">
+      <a:schemeClr val="lt1"/>
+    </dgm:txFillClrLst>
+    <dgm:txEffectClrLst/>
+  </dgm:styleLbl>
+  <dgm:styleLbl name="parChTrans2D4">
+    <dgm:fillClrLst meth="repeat">
+      <a:schemeClr val="accent1"/>
+    </dgm:fillClrLst>
+    <dgm:linClrLst meth="repeat">
+      <a:schemeClr val="accent1"/>
+    </dgm:linClrLst>
+    <dgm:effectClrLst/>
+    <dgm:txLinClrLst/>
+    <dgm:txFillClrLst meth="repeat">
+      <a:schemeClr val="lt1"/>
+    </dgm:txFillClrLst>
+    <dgm:txEffectClrLst/>
+  </dgm:styleLbl>
+  <dgm:styleLbl name="parChTrans1D1">
+    <dgm:fillClrLst meth="repeat">
+      <a:schemeClr val="accent1"/>
+    </dgm:fillClrLst>
+    <dgm:linClrLst meth="repeat">
+      <a:schemeClr val="accent1">
+        <a:shade val="60000"/>
+      </a:schemeClr>
+    </dgm:linClrLst>
+    <dgm:effectClrLst/>
+    <dgm:txLinClrLst/>
+    <dgm:txFillClrLst meth="repeat">
+      <a:schemeClr val="tx1"/>
+    </dgm:txFillClrLst>
+    <dgm:txEffectClrLst/>
+  </dgm:styleLbl>
+  <dgm:styleLbl name="parChTrans1D2">
+    <dgm:fillClrLst meth="repeat">
+      <a:schemeClr val="accent1"/>
+    </dgm:fillClrLst>
+    <dgm:linClrLst meth="repeat">
+      <a:schemeClr val="accent1">
+        <a:shade val="60000"/>
+      </a:schemeClr>
+    </dgm:linClrLst>
+    <dgm:effectClrLst/>
+    <dgm:txLinClrLst/>
+    <dgm:txFillClrLst meth="repeat">
+      <a:schemeClr val="tx1"/>
+    </dgm:txFillClrLst>
+    <dgm:txEffectClrLst/>
+  </dgm:styleLbl>
+  <dgm:styleLbl name="parChTrans1D3">
+    <dgm:fillClrLst meth="repeat">
+      <a:schemeClr val="accent1"/>
+    </dgm:fillClrLst>
+    <dgm:linClrLst meth="repeat">
+      <a:schemeClr val="accent1">
+        <a:shade val="80000"/>
+      </a:schemeClr>
+    </dgm:linClrLst>
+    <dgm:effectClrLst/>
+    <dgm:txLinClrLst/>
+    <dgm:txFillClrLst meth="repeat">
+      <a:schemeClr val="tx1"/>
+    </dgm:txFillClrLst>
+    <dgm:txEffectClrLst/>
+  </dgm:styleLbl>
+  <dgm:styleLbl name="parChTrans1D4">
+    <dgm:fillClrLst meth="repeat">
+      <a:schemeClr val="accent1"/>
+    </dgm:fillClrLst>
+    <dgm:linClrLst meth="repeat">
+      <a:schemeClr val="accent1">
+        <a:shade val="80000"/>
+      </a:schemeClr>
+    </dgm:linClrLst>
+    <dgm:effectClrLst/>
+    <dgm:txLinClrLst/>
+    <dgm:txFillClrLst meth="repeat">
+      <a:schemeClr val="tx1"/>
+    </dgm:txFillClrLst>
+    <dgm:txEffectClrLst/>
+  </dgm:styleLbl>
+  <dgm:styleLbl name="fgAcc1">
+    <dgm:fillClrLst meth="repeat">
+      <a:schemeClr val="lt1">
+        <a:alpha val="90000"/>
+      </a:schemeClr>
+    </dgm:fillClrLst>
+    <dgm:linClrLst meth="repeat">
+      <a:schemeClr val="accent1"/>
+    </dgm:linClrLst>
+    <dgm:effectClrLst/>
+    <dgm:txLinClrLst/>
+    <dgm:txFillClrLst meth="repeat">
+      <a:schemeClr val="dk1"/>
+    </dgm:txFillClrLst>
+    <dgm:txEffectClrLst/>
+  </dgm:styleLbl>
+  <dgm:styleLbl name="conFgAcc1">
+    <dgm:fillClrLst meth="repeat">
+      <a:schemeClr val="lt1">
+        <a:alpha val="90000"/>
+      </a:schemeClr>
+    </dgm:fillClrLst>
+    <dgm:linClrLst meth="repeat">
+      <a:schemeClr val="accent1"/>
+    </dgm:linClrLst>
+    <dgm:effectClrLst/>
+    <dgm:txLinClrLst/>
+    <dgm:txFillClrLst meth="repeat">
+      <a:schemeClr val="dk1"/>
+    </dgm:txFillClrLst>
+    <dgm:txEffectClrLst/>
+  </dgm:styleLbl>
+  <dgm:styleLbl name="alignAcc1">
+    <dgm:fillClrLst meth="repeat">
+      <a:schemeClr val="lt1">
+        <a:alpha val="90000"/>
+      </a:schemeClr>
+    </dgm:fillClrLst>
+    <dgm:linClrLst meth="repeat">
+      <a:schemeClr val="accent1"/>
+    </dgm:linClrLst>
+    <dgm:effectClrLst/>
+    <dgm:txLinClrLst/>
+    <dgm:txFillClrLst meth="repeat">
+      <a:schemeClr val="dk1"/>
+    </dgm:txFillClrLst>
+    <dgm:txEffectClrLst/>
+  </dgm:styleLbl>
+  <dgm:styleLbl name="trAlignAcc1">
+    <dgm:fillClrLst meth="repeat">
+      <a:schemeClr val="lt1">
+        <a:alpha val="40000"/>
+      </a:schemeClr>
+    </dgm:fillClrLst>
+    <dgm:linClrLst meth="repeat">
+      <a:schemeClr val="accent1"/>
+    </dgm:linClrLst>
+    <dgm:effectClrLst/>
+    <dgm:txLinClrLst/>
+    <dgm:txFillClrLst meth="repeat">
+      <a:schemeClr val="dk1"/>
+    </dgm:txFillClrLst>
+    <dgm:txEffectClrLst/>
+  </dgm:styleLbl>
+  <dgm:styleLbl name="bgAcc1">
+    <dgm:fillClrLst meth="repeat">
+      <a:schemeClr val="lt1">
+        <a:alpha val="90000"/>
+      </a:schemeClr>
+    </dgm:fillClrLst>
+    <dgm:linClrLst meth="repeat">
+      <a:schemeClr val="accent1"/>
+    </dgm:linClrLst>
+    <dgm:effectClrLst/>
+    <dgm:txLinClrLst/>
+    <dgm:txFillClrLst meth="repeat">
+      <a:schemeClr val="dk1"/>
+    </dgm:txFillClrLst>
+    <dgm:txEffectClrLst/>
+  </dgm:styleLbl>
+  <dgm:styleLbl name="solidFgAcc1">
+    <dgm:fillClrLst meth="repeat">
+      <a:schemeClr val="lt1"/>
+    </dgm:fillClrLst>
+    <dgm:linClrLst meth="repeat">
+      <a:schemeClr val="accent1"/>
+    </dgm:linClrLst>
+    <dgm:effectClrLst/>
+    <dgm:txLinClrLst/>
+    <dgm:txFillClrLst meth="repeat">
+      <a:schemeClr val="dk1"/>
+    </dgm:txFillClrLst>
+    <dgm:txEffectClrLst/>
+  </dgm:styleLbl>
+  <dgm:styleLbl name="solidAlignAcc1">
+    <dgm:fillClrLst meth="repeat">
+      <a:schemeClr val="lt1"/>
+    </dgm:fillClrLst>
+    <dgm:linClrLst meth="repeat">
+      <a:schemeClr val="accent1"/>
+    </dgm:linClrLst>
+    <dgm:effectClrLst/>
+    <dgm:txLinClrLst/>
+    <dgm:txFillClrLst meth="repeat">
+      <a:schemeClr val="dk1"/>
+    </dgm:txFillClrLst>
+    <dgm:txEffectClrLst/>
+  </dgm:styleLbl>
+  <dgm:styleLbl name="solidBgAcc1">
+    <dgm:fillClrLst meth="repeat">
+      <a:schemeClr val="lt1"/>
+    </dgm:fillClrLst>
+    <dgm:linClrLst meth="repeat">
+      <a:schemeClr val="accent1"/>
+    </dgm:linClrLst>
+    <dgm:effectClrLst/>
+    <dgm:txLinClrLst/>
+    <dgm:txFillClrLst meth="repeat">
+      <a:schemeClr val="dk1"/>
+    </dgm:txFillClrLst>
+    <dgm:txEffectClrLst/>
+  </dgm:styleLbl>
+  <dgm:styleLbl name="fgAccFollowNode1">
+    <dgm:fillClrLst meth="repeat">
+      <a:schemeClr val="accent1">
+        <a:alpha val="90000"/>
+        <a:tint val="40000"/>
+      </a:schemeClr>
+    </dgm:fillClrLst>
+    <dgm:linClrLst meth="repeat">
+      <a:schemeClr val="accent1">
+        <a:alpha val="90000"/>
+        <a:tint val="40000"/>
+      </a:schemeClr>
+    </dgm:linClrLst>
+    <dgm:effectClrLst/>
+    <dgm:txLinClrLst/>
+    <dgm:txFillClrLst meth="repeat">
+      <a:schemeClr val="dk1"/>
+    </dgm:txFillClrLst>
+    <dgm:txEffectClrLst/>
+  </dgm:styleLbl>
+  <dgm:styleLbl name="alignAccFollowNode1">
+    <dgm:fillClrLst meth="repeat">
+      <a:schemeClr val="accent1">
+        <a:alpha val="90000"/>
+        <a:tint val="40000"/>
+      </a:schemeClr>
+    </dgm:fillClrLst>
+    <dgm:linClrLst meth="repeat">
+      <a:schemeClr val="accent1">
+        <a:alpha val="90000"/>
+        <a:tint val="40000"/>
+      </a:schemeClr>
+    </dgm:linClrLst>
+    <dgm:effectClrLst/>
+    <dgm:txLinClrLst/>
+    <dgm:txFillClrLst meth="repeat">
+      <a:schemeClr val="dk1"/>
+    </dgm:txFillClrLst>
+    <dgm:txEffectClrLst/>
+  </dgm:styleLbl>
+  <dgm:styleLbl name="bgAccFollowNode1">
+    <dgm:fillClrLst meth="repeat">
+      <a:schemeClr val="accent1">
+        <a:alpha val="90000"/>
+        <a:tint val="40000"/>
+      </a:schemeClr>
+    </dgm:fillClrLst>
+    <dgm:linClrLst meth="repeat">
+      <a:schemeClr val="accent1">
+        <a:alpha val="90000"/>
+        <a:tint val="40000"/>
+      </a:schemeClr>
+    </dgm:linClrLst>
+    <dgm:effectClrLst/>
+    <dgm:txLinClrLst/>
+    <dgm:txFillClrLst meth="repeat">
+      <a:schemeClr val="dk1"/>
+    </dgm:txFillClrLst>
+    <dgm:txEffectClrLst/>
+  </dgm:styleLbl>
+  <dgm:styleLbl name="fgAcc0">
+    <dgm:fillClrLst meth="repeat">
+      <a:schemeClr val="lt1">
+        <a:alpha val="90000"/>
+      </a:schemeClr>
+    </dgm:fillClrLst>
+    <dgm:linClrLst meth="repeat">
+      <a:schemeClr val="accent1"/>
+    </dgm:linClrLst>
+    <dgm:effectClrLst/>
+    <dgm:txLinClrLst/>
+    <dgm:txFillClrLst meth="repeat">
+      <a:schemeClr val="dk1"/>
+    </dgm:txFillClrLst>
+    <dgm:txEffectClrLst/>
+  </dgm:styleLbl>
+  <dgm:styleLbl name="fgAcc2">
+    <dgm:fillClrLst meth="repeat">
+      <a:schemeClr val="lt1">
+        <a:alpha val="90000"/>
+      </a:schemeClr>
+    </dgm:fillClrLst>
+    <dgm:linClrLst meth="repeat">
+      <a:schemeClr val="accent1"/>
+    </dgm:linClrLst>
+    <dgm:effectClrLst/>
+    <dgm:txLinClrLst/>
+    <dgm:txFillClrLst meth="repeat">
+      <a:schemeClr val="dk1"/>
+    </dgm:txFillClrLst>
+    <dgm:txEffectClrLst/>
+  </dgm:styleLbl>
+  <dgm:styleLbl name="fgAcc3">
+    <dgm:fillClrLst meth="repeat">
+      <a:schemeClr val="lt1">
+        <a:alpha val="90000"/>
+      </a:schemeClr>
+    </dgm:fillClrLst>
+    <dgm:linClrLst meth="repeat">
+      <a:schemeClr val="accent1"/>
+    </dgm:linClrLst>
+    <dgm:effectClrLst/>
+    <dgm:txLinClrLst/>
+    <dgm:txFillClrLst meth="repeat">
+      <a:schemeClr val="dk1"/>
+    </dgm:txFillClrLst>
+    <dgm:txEffectClrLst/>
+  </dgm:styleLbl>
+  <dgm:styleLbl name="fgAcc4">
+    <dgm:fillClrLst meth="repeat">
+      <a:schemeClr val="lt1">
+        <a:alpha val="90000"/>
+      </a:schemeClr>
+    </dgm:fillClrLst>
+    <dgm:linClrLst meth="repeat">
+      <a:schemeClr val="accent1"/>
+    </dgm:linClrLst>
+    <dgm:effectClrLst/>
+    <dgm:txLinClrLst/>
+    <dgm:txFillClrLst meth="repeat">
+      <a:schemeClr val="dk1"/>
+    </dgm:txFillClrLst>
+    <dgm:txEffectClrLst/>
+  </dgm:styleLbl>
+  <dgm:styleLbl name="bgShp">
+    <dgm:fillClrLst meth="repeat">
+      <a:schemeClr val="accent1">
+        <a:tint val="40000"/>
+      </a:schemeClr>
+    </dgm:fillClrLst>
+    <dgm:linClrLst meth="repeat">
+      <a:schemeClr val="accent1"/>
+    </dgm:linClrLst>
+    <dgm:effectClrLst/>
+    <dgm:txLinClrLst/>
+    <dgm:txFillClrLst meth="repeat">
+      <a:schemeClr val="dk1"/>
+    </dgm:txFillClrLst>
+    <dgm:txEffectClrLst/>
+  </dgm:styleLbl>
+  <dgm:styleLbl name="dkBgShp">
+    <dgm:fillClrLst meth="repeat">
+      <a:schemeClr val="accent1">
+        <a:shade val="80000"/>
+      </a:schemeClr>
+    </dgm:fillClrLst>
+    <dgm:linClrLst meth="repeat">
+      <a:schemeClr val="accent1"/>
+    </dgm:linClrLst>
+    <dgm:effectClrLst/>
+    <dgm:txLinClrLst/>
+    <dgm:txFillClrLst meth="repeat">
+      <a:schemeClr val="lt1"/>
+    </dgm:txFillClrLst>
+    <dgm:txEffectClrLst/>
+  </dgm:styleLbl>
+  <dgm:styleLbl name="trBgShp">
+    <dgm:fillClrLst meth="repeat">
+      <a:schemeClr val="accent1">
+        <a:tint val="50000"/>
+        <a:alpha val="40000"/>
+      </a:schemeClr>
+    </dgm:fillClrLst>
+    <dgm:linClrLst meth="repeat">
+      <a:schemeClr val="accent1"/>
+    </dgm:linClrLst>
+    <dgm:effectClrLst/>
+    <dgm:txLinClrLst/>
+    <dgm:txFillClrLst meth="repeat">
+      <a:schemeClr val="lt1"/>
+    </dgm:txFillClrLst>
+    <dgm:txEffectClrLst/>
+  </dgm:styleLbl>
+  <dgm:styleLbl name="fgShp">
+    <dgm:fillClrLst meth="repeat">
+      <a:schemeClr val="accent1">
+        <a:tint val="60000"/>
+      </a:schemeClr>
+    </dgm:fillClrLst>
+    <dgm:linClrLst meth="repeat">
+      <a:schemeClr val="lt1"/>
+    </dgm:linClrLst>
+    <dgm:effectClrLst/>
+    <dgm:txLinClrLst/>
+    <dgm:txFillClrLst meth="repeat">
+      <a:schemeClr val="dk1"/>
+    </dgm:txFillClrLst>
+    <dgm:txEffectClrLst/>
+  </dgm:styleLbl>
+  <dgm:styleLbl name="revTx">
+    <dgm:fillClrLst meth="repeat">
+      <a:schemeClr val="lt1">
+        <a:alpha val="0"/>
+      </a:schemeClr>
+    </dgm:fillClrLst>
+    <dgm:linClrLst meth="repeat">
+      <a:schemeClr val="dk1">
+        <a:alpha val="0"/>
+      </a:schemeClr>
+    </dgm:linClrLst>
+    <dgm:effectClrLst/>
+    <dgm:txLinClrLst/>
+    <dgm:txFillClrLst meth="repeat">
+      <a:schemeClr val="tx1"/>
+    </dgm:txFillClrLst>
+    <dgm:txEffectClrLst/>
+  </dgm:styleLbl>
+</dgm:colorsDef>
+</file>
+
+<file path=ppt/diagrams/colors8.xml><?xml version="1.0" encoding="utf-8"?>
 <dgm:colorsDef xmlns:dgm="http://schemas.openxmlformats.org/drawingml/2006/diagram" xmlns:a="http://schemas.openxmlformats.org/drawingml/2006/main" uniqueId="urn:microsoft.com/office/officeart/2005/8/colors/accent1_2">
   <dgm:title val=""/>
   <dgm:desc val=""/>
@@ -8145,6 +8894,485 @@
     <dgm:cxn modelId="{1C81B5B4-EF74-4EE6-B68E-32D9E7CDEF93}" type="presParOf" srcId="{2BDFC1B1-AA42-4E54-A320-42CEF235D817}" destId="{99CD628B-7BB3-4FAB-BA15-331F13D2920D}" srcOrd="8" destOrd="0" presId="urn:microsoft.com/office/officeart/2005/8/layout/default"/>
     <dgm:cxn modelId="{33539AB0-7324-421E-986B-8CA2E6D6625D}" type="presParOf" srcId="{2BDFC1B1-AA42-4E54-A320-42CEF235D817}" destId="{EFFB95F3-49C0-427C-91B6-B73DA6FB4983}" srcOrd="9" destOrd="0" presId="urn:microsoft.com/office/officeart/2005/8/layout/default"/>
     <dgm:cxn modelId="{9AE158D5-CD5A-40EB-BAEB-AA6BAC0BE573}" type="presParOf" srcId="{2BDFC1B1-AA42-4E54-A320-42CEF235D817}" destId="{72515A94-7344-4F0B-82E6-E2E9E475EF8D}" srcOrd="10" destOrd="0" presId="urn:microsoft.com/office/officeart/2005/8/layout/default"/>
+  </dgm:cxnLst>
+  <dgm:bg/>
+  <dgm:whole/>
+  <dgm:extLst>
+    <a:ext uri="http://schemas.microsoft.com/office/drawing/2008/diagram">
+      <dsp:dataModelExt xmlns:dsp="http://schemas.microsoft.com/office/drawing/2008/diagram" relId="rId7" minVer="http://schemas.openxmlformats.org/drawingml/2006/diagram"/>
+    </a:ext>
+  </dgm:extLst>
+</dgm:dataModel>
+</file>
+
+<file path=ppt/diagrams/data8.xml><?xml version="1.0" encoding="utf-8"?>
+<dgm:dataModel xmlns:dgm="http://schemas.openxmlformats.org/drawingml/2006/diagram" xmlns:a="http://schemas.openxmlformats.org/drawingml/2006/main">
+  <dgm:ptLst>
+    <dgm:pt modelId="{7C0767F4-49A8-4C1D-9FAC-3BC49D08218E}" type="doc">
+      <dgm:prSet loTypeId="urn:microsoft.com/office/officeart/2005/8/layout/default" loCatId="list" qsTypeId="urn:microsoft.com/office/officeart/2005/8/quickstyle/simple1" qsCatId="simple" csTypeId="urn:microsoft.com/office/officeart/2005/8/colors/accent1_2" csCatId="accent1" phldr="1"/>
+      <dgm:spPr/>
+      <dgm:t>
+        <a:bodyPr/>
+        <a:lstStyle/>
+        <a:p>
+          <a:endParaRPr lang="en-US"/>
+        </a:p>
+      </dgm:t>
+    </dgm:pt>
+    <dgm:pt modelId="{545BC824-6181-4CA1-82E5-53DD81752149}">
+      <dgm:prSet phldrT="[Text]"/>
+      <dgm:spPr/>
+      <dgm:t>
+        <a:bodyPr/>
+        <a:lstStyle/>
+        <a:p>
+          <a:r>
+            <a:rPr lang="de-DE" dirty="0"/>
+            <a:t>8.1: Als Kunde möchte ich an meiner Zahlungsanweisung einen Zweck eingeben können, um einen besseren Überblick über meine Geldströme zu erhalten.</a:t>
+          </a:r>
+          <a:endParaRPr lang="en-US" dirty="0"/>
+        </a:p>
+      </dgm:t>
+    </dgm:pt>
+    <dgm:pt modelId="{ACF386FC-FFFA-4BC7-84C7-E5875848454F}" type="parTrans" cxnId="{4FF7C5E9-9DC3-4EA5-8FAE-8B6995018ACE}">
+      <dgm:prSet/>
+      <dgm:spPr/>
+      <dgm:t>
+        <a:bodyPr/>
+        <a:lstStyle/>
+        <a:p>
+          <a:endParaRPr lang="en-US"/>
+        </a:p>
+      </dgm:t>
+    </dgm:pt>
+    <dgm:pt modelId="{DEB0E6D2-D714-4D02-A926-5D0BEB0E678A}" type="sibTrans" cxnId="{4FF7C5E9-9DC3-4EA5-8FAE-8B6995018ACE}">
+      <dgm:prSet/>
+      <dgm:spPr/>
+      <dgm:t>
+        <a:bodyPr/>
+        <a:lstStyle/>
+        <a:p>
+          <a:endParaRPr lang="en-US"/>
+        </a:p>
+      </dgm:t>
+    </dgm:pt>
+    <dgm:pt modelId="{B2FF2244-25BF-4822-86C9-58B73A90BF97}">
+      <dgm:prSet phldrT="[Text]"/>
+      <dgm:spPr/>
+      <dgm:t>
+        <a:bodyPr/>
+        <a:lstStyle/>
+        <a:p>
+          <a:r>
+            <a:rPr lang="de-DE" dirty="0"/>
+            <a:t>8.2: Als Kunde möchte ich über die Weboberfläche einen Nutzeraccount anlegen, um auf die Dienste der </a:t>
+          </a:r>
+          <a:r>
+            <a:rPr lang="de-DE" dirty="0" err="1"/>
+            <a:t>BuggyBank</a:t>
+          </a:r>
+          <a:r>
+            <a:rPr lang="de-DE" dirty="0"/>
+            <a:t> zugreifen zu können.</a:t>
+          </a:r>
+          <a:endParaRPr lang="en-US" dirty="0"/>
+        </a:p>
+      </dgm:t>
+    </dgm:pt>
+    <dgm:pt modelId="{7D8CF92F-726F-49BD-948B-6C3D832D8D98}" type="parTrans" cxnId="{B096A43F-BC63-4F7F-9C05-714437F3ACE0}">
+      <dgm:prSet/>
+      <dgm:spPr/>
+      <dgm:t>
+        <a:bodyPr/>
+        <a:lstStyle/>
+        <a:p>
+          <a:endParaRPr lang="en-US"/>
+        </a:p>
+      </dgm:t>
+    </dgm:pt>
+    <dgm:pt modelId="{C1DF4F7E-43A2-4BC6-8110-078643A8D34C}" type="sibTrans" cxnId="{B096A43F-BC63-4F7F-9C05-714437F3ACE0}">
+      <dgm:prSet/>
+      <dgm:spPr/>
+      <dgm:t>
+        <a:bodyPr/>
+        <a:lstStyle/>
+        <a:p>
+          <a:endParaRPr lang="en-US"/>
+        </a:p>
+      </dgm:t>
+    </dgm:pt>
+    <dgm:pt modelId="{604A8E2C-557E-4D05-8E20-D365DEBA631A}">
+      <dgm:prSet phldrT="[Text]"/>
+      <dgm:spPr/>
+      <dgm:t>
+        <a:bodyPr/>
+        <a:lstStyle/>
+        <a:p>
+          <a:r>
+            <a:rPr lang="de-DE" dirty="0"/>
+            <a:t>8.3: Als Kunde möchte ich über die Weboberfläche Konten anlegen, um dafür nicht zur Filiale laufen zu müssen.</a:t>
+          </a:r>
+          <a:endParaRPr lang="en-US" dirty="0"/>
+        </a:p>
+      </dgm:t>
+    </dgm:pt>
+    <dgm:pt modelId="{5647B031-1983-44BD-960E-452E61D30734}" type="parTrans" cxnId="{DD581AC7-0C64-4BB4-8200-0E5E7E6F3CE9}">
+      <dgm:prSet/>
+      <dgm:spPr/>
+      <dgm:t>
+        <a:bodyPr/>
+        <a:lstStyle/>
+        <a:p>
+          <a:endParaRPr lang="en-US"/>
+        </a:p>
+      </dgm:t>
+    </dgm:pt>
+    <dgm:pt modelId="{4019C53A-F400-457E-83E5-901B509A72F0}" type="sibTrans" cxnId="{DD581AC7-0C64-4BB4-8200-0E5E7E6F3CE9}">
+      <dgm:prSet/>
+      <dgm:spPr/>
+      <dgm:t>
+        <a:bodyPr/>
+        <a:lstStyle/>
+        <a:p>
+          <a:endParaRPr lang="en-US"/>
+        </a:p>
+      </dgm:t>
+    </dgm:pt>
+    <dgm:pt modelId="{9D494315-3D3B-4018-B189-6DCB18156986}">
+      <dgm:prSet phldrT="[Text]"/>
+      <dgm:spPr/>
+      <dgm:t>
+        <a:bodyPr/>
+        <a:lstStyle/>
+        <a:p>
+          <a:r>
+            <a:rPr lang="de-DE" dirty="0"/>
+            <a:t>8.4: Als Kunde möchte ich meinen Konten einen Namen geben können, um z.B. mein Sparkonto von meinem Girokonto zu unterscheiden.</a:t>
+          </a:r>
+          <a:endParaRPr lang="en-US" dirty="0"/>
+        </a:p>
+      </dgm:t>
+    </dgm:pt>
+    <dgm:pt modelId="{C4E92B66-4362-4C26-A4DF-FF74C8DEEB20}" type="parTrans" cxnId="{9381D498-56EB-42B8-9D72-F4301A0B892D}">
+      <dgm:prSet/>
+      <dgm:spPr/>
+      <dgm:t>
+        <a:bodyPr/>
+        <a:lstStyle/>
+        <a:p>
+          <a:endParaRPr lang="en-US"/>
+        </a:p>
+      </dgm:t>
+    </dgm:pt>
+    <dgm:pt modelId="{221D5FC9-41AE-4FAB-AF2F-4A186072081A}" type="sibTrans" cxnId="{9381D498-56EB-42B8-9D72-F4301A0B892D}">
+      <dgm:prSet/>
+      <dgm:spPr/>
+      <dgm:t>
+        <a:bodyPr/>
+        <a:lstStyle/>
+        <a:p>
+          <a:endParaRPr lang="en-US"/>
+        </a:p>
+      </dgm:t>
+    </dgm:pt>
+    <dgm:pt modelId="{8C292CDF-2DE1-4236-B899-38BF4672A29D}">
+      <dgm:prSet phldrT="[Text]"/>
+      <dgm:spPr/>
+      <dgm:t>
+        <a:bodyPr/>
+        <a:lstStyle/>
+        <a:p>
+          <a:r>
+            <a:rPr lang="de-DE" dirty="0"/>
+            <a:t>8.5: Als Geschäftsführer möchte ich den Kunden Überweisungen an andere Banken ermöglichen, um ihnen die Zahlungsvorgänge zu erleichtern. Die ersten vier Stellen einer Kontonummer sind die Bankleitzahl (bei uns 1234).</a:t>
+          </a:r>
+          <a:br>
+            <a:rPr lang="de-DE" dirty="0"/>
+          </a:br>
+          <a:r>
+            <a:rPr lang="de-DE" dirty="0"/>
+            <a:t>Wird eine Überweisung an eine andere Bank angewiesen, buchen wir intern auf das Konto 000.</a:t>
+          </a:r>
+          <a:endParaRPr lang="en-US" dirty="0"/>
+        </a:p>
+      </dgm:t>
+    </dgm:pt>
+    <dgm:pt modelId="{2C16F9AA-1B1D-42E0-A6B3-32D6A0154F7E}" type="parTrans" cxnId="{9A18A694-FA3C-4A6A-966D-483B3053A588}">
+      <dgm:prSet/>
+      <dgm:spPr/>
+      <dgm:t>
+        <a:bodyPr/>
+        <a:lstStyle/>
+        <a:p>
+          <a:endParaRPr lang="en-US"/>
+        </a:p>
+      </dgm:t>
+    </dgm:pt>
+    <dgm:pt modelId="{C0E3F6E3-B24A-4E3E-BAB7-E3BF6F1C5F3A}" type="sibTrans" cxnId="{9A18A694-FA3C-4A6A-966D-483B3053A588}">
+      <dgm:prSet/>
+      <dgm:spPr/>
+      <dgm:t>
+        <a:bodyPr/>
+        <a:lstStyle/>
+        <a:p>
+          <a:endParaRPr lang="en-US"/>
+        </a:p>
+      </dgm:t>
+    </dgm:pt>
+    <dgm:pt modelId="{A852D13A-7023-4AD1-AA89-1D32F7B0FC6C}">
+      <dgm:prSet phldrT="[Text]"/>
+      <dgm:spPr/>
+      <dgm:t>
+        <a:bodyPr/>
+        <a:lstStyle/>
+        <a:p>
+          <a:r>
+            <a:rPr lang="de-DE" dirty="0"/>
+            <a:t>8.6: Als Bürosachbearbeiter möchte ich das Sonderkonto 000 nicht mit in der Kontoübersicht anzeigen. Stattdessen soll es auf der Kontoübersicht separat angezeigt werden, um die Geldbestände der Kunden und der Bank getrennt sehen zu können.</a:t>
+          </a:r>
+          <a:endParaRPr lang="en-US" dirty="0"/>
+        </a:p>
+      </dgm:t>
+    </dgm:pt>
+    <dgm:pt modelId="{05802833-ABE9-47E0-9198-AB80D5D49278}" type="parTrans" cxnId="{7EFB1CF2-CF1E-4711-9F72-FA15E90827B0}">
+      <dgm:prSet/>
+      <dgm:spPr/>
+      <dgm:t>
+        <a:bodyPr/>
+        <a:lstStyle/>
+        <a:p>
+          <a:endParaRPr lang="en-US"/>
+        </a:p>
+      </dgm:t>
+    </dgm:pt>
+    <dgm:pt modelId="{E495C62C-306B-4582-A9A3-03418EDE54BC}" type="sibTrans" cxnId="{7EFB1CF2-CF1E-4711-9F72-FA15E90827B0}">
+      <dgm:prSet/>
+      <dgm:spPr/>
+      <dgm:t>
+        <a:bodyPr/>
+        <a:lstStyle/>
+        <a:p>
+          <a:endParaRPr lang="en-US"/>
+        </a:p>
+      </dgm:t>
+    </dgm:pt>
+    <dgm:pt modelId="{C807BCD1-4BB0-49F9-B14B-EC16E66331D6}">
+      <dgm:prSet phldrT="[Text]"/>
+      <dgm:spPr/>
+      <dgm:t>
+        <a:bodyPr/>
+        <a:lstStyle/>
+        <a:p>
+          <a:r>
+            <a:rPr lang="de-DE" dirty="0"/>
+            <a:t>8.7: Als Kunde möchte ich die Anwendung in einer modernen, zeitgemäßen Aufmachung erleben, damit der Umgang mit der </a:t>
+          </a:r>
+          <a:r>
+            <a:rPr lang="de-DE" dirty="0" err="1"/>
+            <a:t>BuggyBank</a:t>
+          </a:r>
+          <a:r>
+            <a:rPr lang="de-DE" dirty="0"/>
+            <a:t> Spaß macht. Überraschen Sie mich!</a:t>
+          </a:r>
+          <a:endParaRPr lang="en-US" dirty="0"/>
+        </a:p>
+      </dgm:t>
+    </dgm:pt>
+    <dgm:pt modelId="{680740F7-6C20-4CFC-AD21-CF27CDD29FBA}" type="parTrans" cxnId="{4BCB0846-6FBD-4F0D-BCBB-86D314814D75}">
+      <dgm:prSet/>
+      <dgm:spPr/>
+      <dgm:t>
+        <a:bodyPr/>
+        <a:lstStyle/>
+        <a:p>
+          <a:endParaRPr lang="en-US"/>
+        </a:p>
+      </dgm:t>
+    </dgm:pt>
+    <dgm:pt modelId="{9817186A-D896-4C09-913E-56E92F6DAA8F}" type="sibTrans" cxnId="{4BCB0846-6FBD-4F0D-BCBB-86D314814D75}">
+      <dgm:prSet/>
+      <dgm:spPr/>
+      <dgm:t>
+        <a:bodyPr/>
+        <a:lstStyle/>
+        <a:p>
+          <a:endParaRPr lang="en-US"/>
+        </a:p>
+      </dgm:t>
+    </dgm:pt>
+    <dgm:pt modelId="{1105ADA4-8770-4C84-9C71-DCE71A12CDD4}">
+      <dgm:prSet phldrT="[Text]"/>
+      <dgm:spPr/>
+      <dgm:t>
+        <a:bodyPr/>
+        <a:lstStyle/>
+        <a:p>
+          <a:r>
+            <a:rPr lang="de-DE" dirty="0"/>
+            <a:t>8.6: Als Kunde möchte ich eine Bestätigung auf dem Bildschirm erhalten, wenn ich eine Zahlung anweise, um sicher zu sein, dass die Zahlung auch durchgeführt wurde.</a:t>
+          </a:r>
+          <a:endParaRPr lang="en-US" dirty="0"/>
+        </a:p>
+      </dgm:t>
+    </dgm:pt>
+    <dgm:pt modelId="{E649584D-7137-4DBA-AA93-8E4F7F71F64A}" type="parTrans" cxnId="{0425F82E-7DAC-4A61-9FD0-049694EB695F}">
+      <dgm:prSet/>
+      <dgm:spPr/>
+      <dgm:t>
+        <a:bodyPr/>
+        <a:lstStyle/>
+        <a:p>
+          <a:endParaRPr lang="en-US"/>
+        </a:p>
+      </dgm:t>
+    </dgm:pt>
+    <dgm:pt modelId="{F5DFB202-4D70-4957-90A1-EEAE1F2FC58D}" type="sibTrans" cxnId="{0425F82E-7DAC-4A61-9FD0-049694EB695F}">
+      <dgm:prSet/>
+      <dgm:spPr/>
+      <dgm:t>
+        <a:bodyPr/>
+        <a:lstStyle/>
+        <a:p>
+          <a:endParaRPr lang="en-US"/>
+        </a:p>
+      </dgm:t>
+    </dgm:pt>
+    <dgm:pt modelId="{2BDFC1B1-AA42-4E54-A320-42CEF235D817}" type="pres">
+      <dgm:prSet presAssocID="{7C0767F4-49A8-4C1D-9FAC-3BC49D08218E}" presName="diagram" presStyleCnt="0">
+        <dgm:presLayoutVars>
+          <dgm:dir/>
+          <dgm:resizeHandles val="exact"/>
+        </dgm:presLayoutVars>
+      </dgm:prSet>
+      <dgm:spPr/>
+    </dgm:pt>
+    <dgm:pt modelId="{D2D37EEF-8767-427D-BF99-23DC946B5378}" type="pres">
+      <dgm:prSet presAssocID="{545BC824-6181-4CA1-82E5-53DD81752149}" presName="node" presStyleLbl="node1" presStyleIdx="0" presStyleCnt="8">
+        <dgm:presLayoutVars>
+          <dgm:bulletEnabled val="1"/>
+        </dgm:presLayoutVars>
+      </dgm:prSet>
+      <dgm:spPr/>
+    </dgm:pt>
+    <dgm:pt modelId="{E871252D-F1FD-491C-9729-C0B2091AAA7A}" type="pres">
+      <dgm:prSet presAssocID="{DEB0E6D2-D714-4D02-A926-5D0BEB0E678A}" presName="sibTrans" presStyleCnt="0"/>
+      <dgm:spPr/>
+    </dgm:pt>
+    <dgm:pt modelId="{CE139165-265D-4BB4-9ADB-327EEFC6E7F5}" type="pres">
+      <dgm:prSet presAssocID="{B2FF2244-25BF-4822-86C9-58B73A90BF97}" presName="node" presStyleLbl="node1" presStyleIdx="1" presStyleCnt="8">
+        <dgm:presLayoutVars>
+          <dgm:bulletEnabled val="1"/>
+        </dgm:presLayoutVars>
+      </dgm:prSet>
+      <dgm:spPr/>
+    </dgm:pt>
+    <dgm:pt modelId="{80F173D3-183E-4E14-9F46-C0AF583102BA}" type="pres">
+      <dgm:prSet presAssocID="{C1DF4F7E-43A2-4BC6-8110-078643A8D34C}" presName="sibTrans" presStyleCnt="0"/>
+      <dgm:spPr/>
+    </dgm:pt>
+    <dgm:pt modelId="{F13CCEE5-2092-48AA-836F-8C5B6A83EFEF}" type="pres">
+      <dgm:prSet presAssocID="{604A8E2C-557E-4D05-8E20-D365DEBA631A}" presName="node" presStyleLbl="node1" presStyleIdx="2" presStyleCnt="8">
+        <dgm:presLayoutVars>
+          <dgm:bulletEnabled val="1"/>
+        </dgm:presLayoutVars>
+      </dgm:prSet>
+      <dgm:spPr/>
+    </dgm:pt>
+    <dgm:pt modelId="{639CD596-1132-4F67-8B20-14662FFE1B0D}" type="pres">
+      <dgm:prSet presAssocID="{4019C53A-F400-457E-83E5-901B509A72F0}" presName="sibTrans" presStyleCnt="0"/>
+      <dgm:spPr/>
+    </dgm:pt>
+    <dgm:pt modelId="{FC7D108C-9EAC-498F-93A8-382E3C259395}" type="pres">
+      <dgm:prSet presAssocID="{9D494315-3D3B-4018-B189-6DCB18156986}" presName="node" presStyleLbl="node1" presStyleIdx="3" presStyleCnt="8">
+        <dgm:presLayoutVars>
+          <dgm:bulletEnabled val="1"/>
+        </dgm:presLayoutVars>
+      </dgm:prSet>
+      <dgm:spPr/>
+    </dgm:pt>
+    <dgm:pt modelId="{026FC7D9-52D9-468A-A2CB-6ED3B992653D}" type="pres">
+      <dgm:prSet presAssocID="{221D5FC9-41AE-4FAB-AF2F-4A186072081A}" presName="sibTrans" presStyleCnt="0"/>
+      <dgm:spPr/>
+    </dgm:pt>
+    <dgm:pt modelId="{7909ABF9-0D9E-4E6B-B3E1-21B230154AFD}" type="pres">
+      <dgm:prSet presAssocID="{8C292CDF-2DE1-4236-B899-38BF4672A29D}" presName="node" presStyleLbl="node1" presStyleIdx="4" presStyleCnt="8">
+        <dgm:presLayoutVars>
+          <dgm:bulletEnabled val="1"/>
+        </dgm:presLayoutVars>
+      </dgm:prSet>
+      <dgm:spPr/>
+    </dgm:pt>
+    <dgm:pt modelId="{255E9E52-5D5A-4D17-9F04-6E27C3C7B35F}" type="pres">
+      <dgm:prSet presAssocID="{C0E3F6E3-B24A-4E3E-BAB7-E3BF6F1C5F3A}" presName="sibTrans" presStyleCnt="0"/>
+      <dgm:spPr/>
+    </dgm:pt>
+    <dgm:pt modelId="{37A2C711-6FE3-48F1-9D79-308AD2E326E5}" type="pres">
+      <dgm:prSet presAssocID="{A852D13A-7023-4AD1-AA89-1D32F7B0FC6C}" presName="node" presStyleLbl="node1" presStyleIdx="5" presStyleCnt="8">
+        <dgm:presLayoutVars>
+          <dgm:bulletEnabled val="1"/>
+        </dgm:presLayoutVars>
+      </dgm:prSet>
+      <dgm:spPr/>
+    </dgm:pt>
+    <dgm:pt modelId="{EAE82ABC-A82C-45F4-8D41-C7CEF12F8927}" type="pres">
+      <dgm:prSet presAssocID="{E495C62C-306B-4582-A9A3-03418EDE54BC}" presName="sibTrans" presStyleCnt="0"/>
+      <dgm:spPr/>
+    </dgm:pt>
+    <dgm:pt modelId="{FA2DDB49-5997-4894-B0F0-224F3A5D3841}" type="pres">
+      <dgm:prSet presAssocID="{C807BCD1-4BB0-49F9-B14B-EC16E66331D6}" presName="node" presStyleLbl="node1" presStyleIdx="6" presStyleCnt="8">
+        <dgm:presLayoutVars>
+          <dgm:bulletEnabled val="1"/>
+        </dgm:presLayoutVars>
+      </dgm:prSet>
+      <dgm:spPr/>
+    </dgm:pt>
+    <dgm:pt modelId="{70D323CB-5572-4135-A977-E219707E667D}" type="pres">
+      <dgm:prSet presAssocID="{9817186A-D896-4C09-913E-56E92F6DAA8F}" presName="sibTrans" presStyleCnt="0"/>
+      <dgm:spPr/>
+    </dgm:pt>
+    <dgm:pt modelId="{A477DE5B-A060-41E7-9103-8E59E56504C9}" type="pres">
+      <dgm:prSet presAssocID="{1105ADA4-8770-4C84-9C71-DCE71A12CDD4}" presName="node" presStyleLbl="node1" presStyleIdx="7" presStyleCnt="8">
+        <dgm:presLayoutVars>
+          <dgm:bulletEnabled val="1"/>
+        </dgm:presLayoutVars>
+      </dgm:prSet>
+      <dgm:spPr/>
+    </dgm:pt>
+  </dgm:ptLst>
+  <dgm:cxnLst>
+    <dgm:cxn modelId="{0425F82E-7DAC-4A61-9FD0-049694EB695F}" srcId="{7C0767F4-49A8-4C1D-9FAC-3BC49D08218E}" destId="{1105ADA4-8770-4C84-9C71-DCE71A12CDD4}" srcOrd="7" destOrd="0" parTransId="{E649584D-7137-4DBA-AA93-8E4F7F71F64A}" sibTransId="{F5DFB202-4D70-4957-90A1-EEAE1F2FC58D}"/>
+    <dgm:cxn modelId="{62F74D37-B645-4DBE-B362-11A5943935B0}" type="presOf" srcId="{8C292CDF-2DE1-4236-B899-38BF4672A29D}" destId="{7909ABF9-0D9E-4E6B-B3E1-21B230154AFD}" srcOrd="0" destOrd="0" presId="urn:microsoft.com/office/officeart/2005/8/layout/default"/>
+    <dgm:cxn modelId="{B096A43F-BC63-4F7F-9C05-714437F3ACE0}" srcId="{7C0767F4-49A8-4C1D-9FAC-3BC49D08218E}" destId="{B2FF2244-25BF-4822-86C9-58B73A90BF97}" srcOrd="1" destOrd="0" parTransId="{7D8CF92F-726F-49BD-948B-6C3D832D8D98}" sibTransId="{C1DF4F7E-43A2-4BC6-8110-078643A8D34C}"/>
+    <dgm:cxn modelId="{03A60A44-2033-4F36-B497-05B3A6D4BB4E}" type="presOf" srcId="{7C0767F4-49A8-4C1D-9FAC-3BC49D08218E}" destId="{2BDFC1B1-AA42-4E54-A320-42CEF235D817}" srcOrd="0" destOrd="0" presId="urn:microsoft.com/office/officeart/2005/8/layout/default"/>
+    <dgm:cxn modelId="{4BCB0846-6FBD-4F0D-BCBB-86D314814D75}" srcId="{7C0767F4-49A8-4C1D-9FAC-3BC49D08218E}" destId="{C807BCD1-4BB0-49F9-B14B-EC16E66331D6}" srcOrd="6" destOrd="0" parTransId="{680740F7-6C20-4CFC-AD21-CF27CDD29FBA}" sibTransId="{9817186A-D896-4C09-913E-56E92F6DAA8F}"/>
+    <dgm:cxn modelId="{1ACFDD4E-3DB0-4686-9D57-EAF335C2710F}" type="presOf" srcId="{9D494315-3D3B-4018-B189-6DCB18156986}" destId="{FC7D108C-9EAC-498F-93A8-382E3C259395}" srcOrd="0" destOrd="0" presId="urn:microsoft.com/office/officeart/2005/8/layout/default"/>
+    <dgm:cxn modelId="{89B48E7C-72C0-4A90-A011-E8A975FE09CD}" type="presOf" srcId="{604A8E2C-557E-4D05-8E20-D365DEBA631A}" destId="{F13CCEE5-2092-48AA-836F-8C5B6A83EFEF}" srcOrd="0" destOrd="0" presId="urn:microsoft.com/office/officeart/2005/8/layout/default"/>
+    <dgm:cxn modelId="{44081B7D-A915-4F30-B187-6306D3678CB6}" type="presOf" srcId="{545BC824-6181-4CA1-82E5-53DD81752149}" destId="{D2D37EEF-8767-427D-BF99-23DC946B5378}" srcOrd="0" destOrd="0" presId="urn:microsoft.com/office/officeart/2005/8/layout/default"/>
+    <dgm:cxn modelId="{9A18A694-FA3C-4A6A-966D-483B3053A588}" srcId="{7C0767F4-49A8-4C1D-9FAC-3BC49D08218E}" destId="{8C292CDF-2DE1-4236-B899-38BF4672A29D}" srcOrd="4" destOrd="0" parTransId="{2C16F9AA-1B1D-42E0-A6B3-32D6A0154F7E}" sibTransId="{C0E3F6E3-B24A-4E3E-BAB7-E3BF6F1C5F3A}"/>
+    <dgm:cxn modelId="{9381D498-56EB-42B8-9D72-F4301A0B892D}" srcId="{7C0767F4-49A8-4C1D-9FAC-3BC49D08218E}" destId="{9D494315-3D3B-4018-B189-6DCB18156986}" srcOrd="3" destOrd="0" parTransId="{C4E92B66-4362-4C26-A4DF-FF74C8DEEB20}" sibTransId="{221D5FC9-41AE-4FAB-AF2F-4A186072081A}"/>
+    <dgm:cxn modelId="{DD581AC7-0C64-4BB4-8200-0E5E7E6F3CE9}" srcId="{7C0767F4-49A8-4C1D-9FAC-3BC49D08218E}" destId="{604A8E2C-557E-4D05-8E20-D365DEBA631A}" srcOrd="2" destOrd="0" parTransId="{5647B031-1983-44BD-960E-452E61D30734}" sibTransId="{4019C53A-F400-457E-83E5-901B509A72F0}"/>
+    <dgm:cxn modelId="{B3F972CA-A22A-4894-BEA9-06E9F635A0CB}" type="presOf" srcId="{C807BCD1-4BB0-49F9-B14B-EC16E66331D6}" destId="{FA2DDB49-5997-4894-B0F0-224F3A5D3841}" srcOrd="0" destOrd="0" presId="urn:microsoft.com/office/officeart/2005/8/layout/default"/>
+    <dgm:cxn modelId="{3ECCECDB-9617-4EB7-AAD2-A6599E6087B9}" type="presOf" srcId="{B2FF2244-25BF-4822-86C9-58B73A90BF97}" destId="{CE139165-265D-4BB4-9ADB-327EEFC6E7F5}" srcOrd="0" destOrd="0" presId="urn:microsoft.com/office/officeart/2005/8/layout/default"/>
+    <dgm:cxn modelId="{4FF7C5E9-9DC3-4EA5-8FAE-8B6995018ACE}" srcId="{7C0767F4-49A8-4C1D-9FAC-3BC49D08218E}" destId="{545BC824-6181-4CA1-82E5-53DD81752149}" srcOrd="0" destOrd="0" parTransId="{ACF386FC-FFFA-4BC7-84C7-E5875848454F}" sibTransId="{DEB0E6D2-D714-4D02-A926-5D0BEB0E678A}"/>
+    <dgm:cxn modelId="{7EFB1CF2-CF1E-4711-9F72-FA15E90827B0}" srcId="{7C0767F4-49A8-4C1D-9FAC-3BC49D08218E}" destId="{A852D13A-7023-4AD1-AA89-1D32F7B0FC6C}" srcOrd="5" destOrd="0" parTransId="{05802833-ABE9-47E0-9198-AB80D5D49278}" sibTransId="{E495C62C-306B-4582-A9A3-03418EDE54BC}"/>
+    <dgm:cxn modelId="{89BE9AFC-EF28-40FA-AF9A-EF0BA242CE32}" type="presOf" srcId="{A852D13A-7023-4AD1-AA89-1D32F7B0FC6C}" destId="{37A2C711-6FE3-48F1-9D79-308AD2E326E5}" srcOrd="0" destOrd="0" presId="urn:microsoft.com/office/officeart/2005/8/layout/default"/>
+    <dgm:cxn modelId="{763F2FFE-03EA-4960-83BD-7A3C5E69DED8}" type="presOf" srcId="{1105ADA4-8770-4C84-9C71-DCE71A12CDD4}" destId="{A477DE5B-A060-41E7-9103-8E59E56504C9}" srcOrd="0" destOrd="0" presId="urn:microsoft.com/office/officeart/2005/8/layout/default"/>
+    <dgm:cxn modelId="{66CF70D3-39A2-488F-8E56-E719091AB457}" type="presParOf" srcId="{2BDFC1B1-AA42-4E54-A320-42CEF235D817}" destId="{D2D37EEF-8767-427D-BF99-23DC946B5378}" srcOrd="0" destOrd="0" presId="urn:microsoft.com/office/officeart/2005/8/layout/default"/>
+    <dgm:cxn modelId="{23ACB7DC-3D58-4895-ADD4-6609189CD7C2}" type="presParOf" srcId="{2BDFC1B1-AA42-4E54-A320-42CEF235D817}" destId="{E871252D-F1FD-491C-9729-C0B2091AAA7A}" srcOrd="1" destOrd="0" presId="urn:microsoft.com/office/officeart/2005/8/layout/default"/>
+    <dgm:cxn modelId="{C7824828-D9CD-4E58-B8B4-4F7F1104B8EC}" type="presParOf" srcId="{2BDFC1B1-AA42-4E54-A320-42CEF235D817}" destId="{CE139165-265D-4BB4-9ADB-327EEFC6E7F5}" srcOrd="2" destOrd="0" presId="urn:microsoft.com/office/officeart/2005/8/layout/default"/>
+    <dgm:cxn modelId="{DB0BA27C-7B65-4712-AA30-CC94FC4311C9}" type="presParOf" srcId="{2BDFC1B1-AA42-4E54-A320-42CEF235D817}" destId="{80F173D3-183E-4E14-9F46-C0AF583102BA}" srcOrd="3" destOrd="0" presId="urn:microsoft.com/office/officeart/2005/8/layout/default"/>
+    <dgm:cxn modelId="{BD45B1D2-552B-4549-9E7A-C6389E6A1761}" type="presParOf" srcId="{2BDFC1B1-AA42-4E54-A320-42CEF235D817}" destId="{F13CCEE5-2092-48AA-836F-8C5B6A83EFEF}" srcOrd="4" destOrd="0" presId="urn:microsoft.com/office/officeart/2005/8/layout/default"/>
+    <dgm:cxn modelId="{7BBC0949-3F01-4B1B-BE1B-005C0E3536AF}" type="presParOf" srcId="{2BDFC1B1-AA42-4E54-A320-42CEF235D817}" destId="{639CD596-1132-4F67-8B20-14662FFE1B0D}" srcOrd="5" destOrd="0" presId="urn:microsoft.com/office/officeart/2005/8/layout/default"/>
+    <dgm:cxn modelId="{6EC12370-8C81-4271-8B77-8D904DC92968}" type="presParOf" srcId="{2BDFC1B1-AA42-4E54-A320-42CEF235D817}" destId="{FC7D108C-9EAC-498F-93A8-382E3C259395}" srcOrd="6" destOrd="0" presId="urn:microsoft.com/office/officeart/2005/8/layout/default"/>
+    <dgm:cxn modelId="{375C9078-3C47-4B6B-A707-1158AD22A634}" type="presParOf" srcId="{2BDFC1B1-AA42-4E54-A320-42CEF235D817}" destId="{026FC7D9-52D9-468A-A2CB-6ED3B992653D}" srcOrd="7" destOrd="0" presId="urn:microsoft.com/office/officeart/2005/8/layout/default"/>
+    <dgm:cxn modelId="{D9AFE2BB-F0C6-45AE-BFD0-8E95A1DD86E8}" type="presParOf" srcId="{2BDFC1B1-AA42-4E54-A320-42CEF235D817}" destId="{7909ABF9-0D9E-4E6B-B3E1-21B230154AFD}" srcOrd="8" destOrd="0" presId="urn:microsoft.com/office/officeart/2005/8/layout/default"/>
+    <dgm:cxn modelId="{45E4265A-0F88-499C-9A94-50BDAFD43FCA}" type="presParOf" srcId="{2BDFC1B1-AA42-4E54-A320-42CEF235D817}" destId="{255E9E52-5D5A-4D17-9F04-6E27C3C7B35F}" srcOrd="9" destOrd="0" presId="urn:microsoft.com/office/officeart/2005/8/layout/default"/>
+    <dgm:cxn modelId="{7A0295D5-0537-4B39-B6BB-9F073DBEE8AC}" type="presParOf" srcId="{2BDFC1B1-AA42-4E54-A320-42CEF235D817}" destId="{37A2C711-6FE3-48F1-9D79-308AD2E326E5}" srcOrd="10" destOrd="0" presId="urn:microsoft.com/office/officeart/2005/8/layout/default"/>
+    <dgm:cxn modelId="{8F477B3B-9F0B-4742-84E2-BFC236BBD50F}" type="presParOf" srcId="{2BDFC1B1-AA42-4E54-A320-42CEF235D817}" destId="{EAE82ABC-A82C-45F4-8D41-C7CEF12F8927}" srcOrd="11" destOrd="0" presId="urn:microsoft.com/office/officeart/2005/8/layout/default"/>
+    <dgm:cxn modelId="{6A9247A9-8E37-4852-BDDA-B52D2EE68F5D}" type="presParOf" srcId="{2BDFC1B1-AA42-4E54-A320-42CEF235D817}" destId="{FA2DDB49-5997-4894-B0F0-224F3A5D3841}" srcOrd="12" destOrd="0" presId="urn:microsoft.com/office/officeart/2005/8/layout/default"/>
+    <dgm:cxn modelId="{FFE6D6CA-3DAF-45E3-81B3-1ED88E11D30C}" type="presParOf" srcId="{2BDFC1B1-AA42-4E54-A320-42CEF235D817}" destId="{70D323CB-5572-4135-A977-E219707E667D}" srcOrd="13" destOrd="0" presId="urn:microsoft.com/office/officeart/2005/8/layout/default"/>
+    <dgm:cxn modelId="{5A8E8071-1E9E-4E40-BE1B-4605BA2B11BC}" type="presParOf" srcId="{2BDFC1B1-AA42-4E54-A320-42CEF235D817}" destId="{A477DE5B-A060-41E7-9103-8E59E56504C9}" srcOrd="14" destOrd="0" presId="urn:microsoft.com/office/officeart/2005/8/layout/default"/>
   </dgm:cxnLst>
   <dgm:bg/>
   <dgm:whole/>
@@ -11540,6 +12768,665 @@
 </dsp:drawing>
 </file>
 
+<file path=ppt/diagrams/drawing8.xml><?xml version="1.0" encoding="utf-8"?>
+<dsp:drawing xmlns:dgm="http://schemas.openxmlformats.org/drawingml/2006/diagram" xmlns:dsp="http://schemas.microsoft.com/office/drawing/2008/diagram" xmlns:a="http://schemas.openxmlformats.org/drawingml/2006/main">
+  <dsp:spTree>
+    <dsp:nvGrpSpPr>
+      <dsp:cNvPr id="0" name=""/>
+      <dsp:cNvGrpSpPr/>
+    </dsp:nvGrpSpPr>
+    <dsp:grpSpPr/>
+    <dsp:sp modelId="{D2D37EEF-8767-427D-BF99-23DC946B5378}">
+      <dsp:nvSpPr>
+        <dsp:cNvPr id="0" name=""/>
+        <dsp:cNvSpPr/>
+      </dsp:nvSpPr>
+      <dsp:spPr>
+        <a:xfrm>
+          <a:off x="2946" y="491797"/>
+          <a:ext cx="2337792" cy="1402675"/>
+        </a:xfrm>
+        <a:prstGeom prst="rect">
+          <a:avLst/>
+        </a:prstGeom>
+        <a:solidFill>
+          <a:schemeClr val="accent1">
+            <a:hueOff val="0"/>
+            <a:satOff val="0"/>
+            <a:lumOff val="0"/>
+            <a:alphaOff val="0"/>
+          </a:schemeClr>
+        </a:solidFill>
+        <a:ln w="15875" cap="flat" cmpd="sng" algn="ctr">
+          <a:solidFill>
+            <a:schemeClr val="lt1">
+              <a:hueOff val="0"/>
+              <a:satOff val="0"/>
+              <a:lumOff val="0"/>
+              <a:alphaOff val="0"/>
+            </a:schemeClr>
+          </a:solidFill>
+          <a:prstDash val="solid"/>
+        </a:ln>
+        <a:effectLst/>
+      </dsp:spPr>
+      <dsp:style>
+        <a:lnRef idx="2">
+          <a:scrgbClr r="0" g="0" b="0"/>
+        </a:lnRef>
+        <a:fillRef idx="1">
+          <a:scrgbClr r="0" g="0" b="0"/>
+        </a:fillRef>
+        <a:effectRef idx="0">
+          <a:scrgbClr r="0" g="0" b="0"/>
+        </a:effectRef>
+        <a:fontRef idx="minor">
+          <a:schemeClr val="lt1"/>
+        </a:fontRef>
+      </dsp:style>
+      <dsp:txBody>
+        <a:bodyPr spcFirstLastPara="0" vert="horz" wrap="square" lIns="38100" tIns="38100" rIns="38100" bIns="38100" numCol="1" spcCol="1270" anchor="ctr" anchorCtr="0">
+          <a:noAutofit/>
+        </a:bodyPr>
+        <a:lstStyle/>
+        <a:p>
+          <a:pPr marL="0" lvl="0" indent="0" algn="ctr" defTabSz="444500">
+            <a:lnSpc>
+              <a:spcPct val="90000"/>
+            </a:lnSpc>
+            <a:spcBef>
+              <a:spcPct val="0"/>
+            </a:spcBef>
+            <a:spcAft>
+              <a:spcPct val="35000"/>
+            </a:spcAft>
+            <a:buNone/>
+          </a:pPr>
+          <a:r>
+            <a:rPr lang="de-DE" sz="1000" kern="1200" dirty="0"/>
+            <a:t>8.1: Als Kunde möchte ich an meiner Zahlungsanweisung einen Zweck eingeben können, um einen besseren Überblick über meine Geldströme zu erhalten.</a:t>
+          </a:r>
+          <a:endParaRPr lang="en-US" sz="1000" kern="1200" dirty="0"/>
+        </a:p>
+      </dsp:txBody>
+      <dsp:txXfrm>
+        <a:off x="2946" y="491797"/>
+        <a:ext cx="2337792" cy="1402675"/>
+      </dsp:txXfrm>
+    </dsp:sp>
+    <dsp:sp modelId="{CE139165-265D-4BB4-9ADB-327EEFC6E7F5}">
+      <dsp:nvSpPr>
+        <dsp:cNvPr id="0" name=""/>
+        <dsp:cNvSpPr/>
+      </dsp:nvSpPr>
+      <dsp:spPr>
+        <a:xfrm>
+          <a:off x="2574518" y="491797"/>
+          <a:ext cx="2337792" cy="1402675"/>
+        </a:xfrm>
+        <a:prstGeom prst="rect">
+          <a:avLst/>
+        </a:prstGeom>
+        <a:solidFill>
+          <a:schemeClr val="accent1">
+            <a:hueOff val="0"/>
+            <a:satOff val="0"/>
+            <a:lumOff val="0"/>
+            <a:alphaOff val="0"/>
+          </a:schemeClr>
+        </a:solidFill>
+        <a:ln w="15875" cap="flat" cmpd="sng" algn="ctr">
+          <a:solidFill>
+            <a:schemeClr val="lt1">
+              <a:hueOff val="0"/>
+              <a:satOff val="0"/>
+              <a:lumOff val="0"/>
+              <a:alphaOff val="0"/>
+            </a:schemeClr>
+          </a:solidFill>
+          <a:prstDash val="solid"/>
+        </a:ln>
+        <a:effectLst/>
+      </dsp:spPr>
+      <dsp:style>
+        <a:lnRef idx="2">
+          <a:scrgbClr r="0" g="0" b="0"/>
+        </a:lnRef>
+        <a:fillRef idx="1">
+          <a:scrgbClr r="0" g="0" b="0"/>
+        </a:fillRef>
+        <a:effectRef idx="0">
+          <a:scrgbClr r="0" g="0" b="0"/>
+        </a:effectRef>
+        <a:fontRef idx="minor">
+          <a:schemeClr val="lt1"/>
+        </a:fontRef>
+      </dsp:style>
+      <dsp:txBody>
+        <a:bodyPr spcFirstLastPara="0" vert="horz" wrap="square" lIns="38100" tIns="38100" rIns="38100" bIns="38100" numCol="1" spcCol="1270" anchor="ctr" anchorCtr="0">
+          <a:noAutofit/>
+        </a:bodyPr>
+        <a:lstStyle/>
+        <a:p>
+          <a:pPr marL="0" lvl="0" indent="0" algn="ctr" defTabSz="444500">
+            <a:lnSpc>
+              <a:spcPct val="90000"/>
+            </a:lnSpc>
+            <a:spcBef>
+              <a:spcPct val="0"/>
+            </a:spcBef>
+            <a:spcAft>
+              <a:spcPct val="35000"/>
+            </a:spcAft>
+            <a:buNone/>
+          </a:pPr>
+          <a:r>
+            <a:rPr lang="de-DE" sz="1000" kern="1200" dirty="0"/>
+            <a:t>8.2: Als Kunde möchte ich über die Weboberfläche einen Nutzeraccount anlegen, um auf die Dienste der </a:t>
+          </a:r>
+          <a:r>
+            <a:rPr lang="de-DE" sz="1000" kern="1200" dirty="0" err="1"/>
+            <a:t>BuggyBank</a:t>
+          </a:r>
+          <a:r>
+            <a:rPr lang="de-DE" sz="1000" kern="1200" dirty="0"/>
+            <a:t> zugreifen zu können.</a:t>
+          </a:r>
+          <a:endParaRPr lang="en-US" sz="1000" kern="1200" dirty="0"/>
+        </a:p>
+      </dsp:txBody>
+      <dsp:txXfrm>
+        <a:off x="2574518" y="491797"/>
+        <a:ext cx="2337792" cy="1402675"/>
+      </dsp:txXfrm>
+    </dsp:sp>
+    <dsp:sp modelId="{F13CCEE5-2092-48AA-836F-8C5B6A83EFEF}">
+      <dsp:nvSpPr>
+        <dsp:cNvPr id="0" name=""/>
+        <dsp:cNvSpPr/>
+      </dsp:nvSpPr>
+      <dsp:spPr>
+        <a:xfrm>
+          <a:off x="5146089" y="491797"/>
+          <a:ext cx="2337792" cy="1402675"/>
+        </a:xfrm>
+        <a:prstGeom prst="rect">
+          <a:avLst/>
+        </a:prstGeom>
+        <a:solidFill>
+          <a:schemeClr val="accent1">
+            <a:hueOff val="0"/>
+            <a:satOff val="0"/>
+            <a:lumOff val="0"/>
+            <a:alphaOff val="0"/>
+          </a:schemeClr>
+        </a:solidFill>
+        <a:ln w="15875" cap="flat" cmpd="sng" algn="ctr">
+          <a:solidFill>
+            <a:schemeClr val="lt1">
+              <a:hueOff val="0"/>
+              <a:satOff val="0"/>
+              <a:lumOff val="0"/>
+              <a:alphaOff val="0"/>
+            </a:schemeClr>
+          </a:solidFill>
+          <a:prstDash val="solid"/>
+        </a:ln>
+        <a:effectLst/>
+      </dsp:spPr>
+      <dsp:style>
+        <a:lnRef idx="2">
+          <a:scrgbClr r="0" g="0" b="0"/>
+        </a:lnRef>
+        <a:fillRef idx="1">
+          <a:scrgbClr r="0" g="0" b="0"/>
+        </a:fillRef>
+        <a:effectRef idx="0">
+          <a:scrgbClr r="0" g="0" b="0"/>
+        </a:effectRef>
+        <a:fontRef idx="minor">
+          <a:schemeClr val="lt1"/>
+        </a:fontRef>
+      </dsp:style>
+      <dsp:txBody>
+        <a:bodyPr spcFirstLastPara="0" vert="horz" wrap="square" lIns="38100" tIns="38100" rIns="38100" bIns="38100" numCol="1" spcCol="1270" anchor="ctr" anchorCtr="0">
+          <a:noAutofit/>
+        </a:bodyPr>
+        <a:lstStyle/>
+        <a:p>
+          <a:pPr marL="0" lvl="0" indent="0" algn="ctr" defTabSz="444500">
+            <a:lnSpc>
+              <a:spcPct val="90000"/>
+            </a:lnSpc>
+            <a:spcBef>
+              <a:spcPct val="0"/>
+            </a:spcBef>
+            <a:spcAft>
+              <a:spcPct val="35000"/>
+            </a:spcAft>
+            <a:buNone/>
+          </a:pPr>
+          <a:r>
+            <a:rPr lang="de-DE" sz="1000" kern="1200" dirty="0"/>
+            <a:t>8.3: Als Kunde möchte ich über die Weboberfläche Konten anlegen, um dafür nicht zur Filiale laufen zu müssen.</a:t>
+          </a:r>
+          <a:endParaRPr lang="en-US" sz="1000" kern="1200" dirty="0"/>
+        </a:p>
+      </dsp:txBody>
+      <dsp:txXfrm>
+        <a:off x="5146089" y="491797"/>
+        <a:ext cx="2337792" cy="1402675"/>
+      </dsp:txXfrm>
+    </dsp:sp>
+    <dsp:sp modelId="{FC7D108C-9EAC-498F-93A8-382E3C259395}">
+      <dsp:nvSpPr>
+        <dsp:cNvPr id="0" name=""/>
+        <dsp:cNvSpPr/>
+      </dsp:nvSpPr>
+      <dsp:spPr>
+        <a:xfrm>
+          <a:off x="7717661" y="491797"/>
+          <a:ext cx="2337792" cy="1402675"/>
+        </a:xfrm>
+        <a:prstGeom prst="rect">
+          <a:avLst/>
+        </a:prstGeom>
+        <a:solidFill>
+          <a:schemeClr val="accent1">
+            <a:hueOff val="0"/>
+            <a:satOff val="0"/>
+            <a:lumOff val="0"/>
+            <a:alphaOff val="0"/>
+          </a:schemeClr>
+        </a:solidFill>
+        <a:ln w="15875" cap="flat" cmpd="sng" algn="ctr">
+          <a:solidFill>
+            <a:schemeClr val="lt1">
+              <a:hueOff val="0"/>
+              <a:satOff val="0"/>
+              <a:lumOff val="0"/>
+              <a:alphaOff val="0"/>
+            </a:schemeClr>
+          </a:solidFill>
+          <a:prstDash val="solid"/>
+        </a:ln>
+        <a:effectLst/>
+      </dsp:spPr>
+      <dsp:style>
+        <a:lnRef idx="2">
+          <a:scrgbClr r="0" g="0" b="0"/>
+        </a:lnRef>
+        <a:fillRef idx="1">
+          <a:scrgbClr r="0" g="0" b="0"/>
+        </a:fillRef>
+        <a:effectRef idx="0">
+          <a:scrgbClr r="0" g="0" b="0"/>
+        </a:effectRef>
+        <a:fontRef idx="minor">
+          <a:schemeClr val="lt1"/>
+        </a:fontRef>
+      </dsp:style>
+      <dsp:txBody>
+        <a:bodyPr spcFirstLastPara="0" vert="horz" wrap="square" lIns="38100" tIns="38100" rIns="38100" bIns="38100" numCol="1" spcCol="1270" anchor="ctr" anchorCtr="0">
+          <a:noAutofit/>
+        </a:bodyPr>
+        <a:lstStyle/>
+        <a:p>
+          <a:pPr marL="0" lvl="0" indent="0" algn="ctr" defTabSz="444500">
+            <a:lnSpc>
+              <a:spcPct val="90000"/>
+            </a:lnSpc>
+            <a:spcBef>
+              <a:spcPct val="0"/>
+            </a:spcBef>
+            <a:spcAft>
+              <a:spcPct val="35000"/>
+            </a:spcAft>
+            <a:buNone/>
+          </a:pPr>
+          <a:r>
+            <a:rPr lang="de-DE" sz="1000" kern="1200" dirty="0"/>
+            <a:t>8.4: Als Kunde möchte ich meinen Konten einen Namen geben können, um z.B. mein Sparkonto von meinem Girokonto zu unterscheiden.</a:t>
+          </a:r>
+          <a:endParaRPr lang="en-US" sz="1000" kern="1200" dirty="0"/>
+        </a:p>
+      </dsp:txBody>
+      <dsp:txXfrm>
+        <a:off x="7717661" y="491797"/>
+        <a:ext cx="2337792" cy="1402675"/>
+      </dsp:txXfrm>
+    </dsp:sp>
+    <dsp:sp modelId="{7909ABF9-0D9E-4E6B-B3E1-21B230154AFD}">
+      <dsp:nvSpPr>
+        <dsp:cNvPr id="0" name=""/>
+        <dsp:cNvSpPr/>
+      </dsp:nvSpPr>
+      <dsp:spPr>
+        <a:xfrm>
+          <a:off x="2946" y="2128252"/>
+          <a:ext cx="2337792" cy="1402675"/>
+        </a:xfrm>
+        <a:prstGeom prst="rect">
+          <a:avLst/>
+        </a:prstGeom>
+        <a:solidFill>
+          <a:schemeClr val="accent1">
+            <a:hueOff val="0"/>
+            <a:satOff val="0"/>
+            <a:lumOff val="0"/>
+            <a:alphaOff val="0"/>
+          </a:schemeClr>
+        </a:solidFill>
+        <a:ln w="15875" cap="flat" cmpd="sng" algn="ctr">
+          <a:solidFill>
+            <a:schemeClr val="lt1">
+              <a:hueOff val="0"/>
+              <a:satOff val="0"/>
+              <a:lumOff val="0"/>
+              <a:alphaOff val="0"/>
+            </a:schemeClr>
+          </a:solidFill>
+          <a:prstDash val="solid"/>
+        </a:ln>
+        <a:effectLst/>
+      </dsp:spPr>
+      <dsp:style>
+        <a:lnRef idx="2">
+          <a:scrgbClr r="0" g="0" b="0"/>
+        </a:lnRef>
+        <a:fillRef idx="1">
+          <a:scrgbClr r="0" g="0" b="0"/>
+        </a:fillRef>
+        <a:effectRef idx="0">
+          <a:scrgbClr r="0" g="0" b="0"/>
+        </a:effectRef>
+        <a:fontRef idx="minor">
+          <a:schemeClr val="lt1"/>
+        </a:fontRef>
+      </dsp:style>
+      <dsp:txBody>
+        <a:bodyPr spcFirstLastPara="0" vert="horz" wrap="square" lIns="38100" tIns="38100" rIns="38100" bIns="38100" numCol="1" spcCol="1270" anchor="ctr" anchorCtr="0">
+          <a:noAutofit/>
+        </a:bodyPr>
+        <a:lstStyle/>
+        <a:p>
+          <a:pPr marL="0" lvl="0" indent="0" algn="ctr" defTabSz="444500">
+            <a:lnSpc>
+              <a:spcPct val="90000"/>
+            </a:lnSpc>
+            <a:spcBef>
+              <a:spcPct val="0"/>
+            </a:spcBef>
+            <a:spcAft>
+              <a:spcPct val="35000"/>
+            </a:spcAft>
+            <a:buNone/>
+          </a:pPr>
+          <a:r>
+            <a:rPr lang="de-DE" sz="1000" kern="1200" dirty="0"/>
+            <a:t>8.5: Als Geschäftsführer möchte ich den Kunden Überweisungen an andere Banken ermöglichen, um ihnen die Zahlungsvorgänge zu erleichtern. Die ersten vier Stellen einer Kontonummer sind die Bankleitzahl (bei uns 1234).</a:t>
+          </a:r>
+          <a:br>
+            <a:rPr lang="de-DE" sz="1000" kern="1200" dirty="0"/>
+          </a:br>
+          <a:r>
+            <a:rPr lang="de-DE" sz="1000" kern="1200" dirty="0"/>
+            <a:t>Wird eine Überweisung an eine andere Bank angewiesen, buchen wir intern auf das Konto 000.</a:t>
+          </a:r>
+          <a:endParaRPr lang="en-US" sz="1000" kern="1200" dirty="0"/>
+        </a:p>
+      </dsp:txBody>
+      <dsp:txXfrm>
+        <a:off x="2946" y="2128252"/>
+        <a:ext cx="2337792" cy="1402675"/>
+      </dsp:txXfrm>
+    </dsp:sp>
+    <dsp:sp modelId="{37A2C711-6FE3-48F1-9D79-308AD2E326E5}">
+      <dsp:nvSpPr>
+        <dsp:cNvPr id="0" name=""/>
+        <dsp:cNvSpPr/>
+      </dsp:nvSpPr>
+      <dsp:spPr>
+        <a:xfrm>
+          <a:off x="2574518" y="2128252"/>
+          <a:ext cx="2337792" cy="1402675"/>
+        </a:xfrm>
+        <a:prstGeom prst="rect">
+          <a:avLst/>
+        </a:prstGeom>
+        <a:solidFill>
+          <a:schemeClr val="accent1">
+            <a:hueOff val="0"/>
+            <a:satOff val="0"/>
+            <a:lumOff val="0"/>
+            <a:alphaOff val="0"/>
+          </a:schemeClr>
+        </a:solidFill>
+        <a:ln w="15875" cap="flat" cmpd="sng" algn="ctr">
+          <a:solidFill>
+            <a:schemeClr val="lt1">
+              <a:hueOff val="0"/>
+              <a:satOff val="0"/>
+              <a:lumOff val="0"/>
+              <a:alphaOff val="0"/>
+            </a:schemeClr>
+          </a:solidFill>
+          <a:prstDash val="solid"/>
+        </a:ln>
+        <a:effectLst/>
+      </dsp:spPr>
+      <dsp:style>
+        <a:lnRef idx="2">
+          <a:scrgbClr r="0" g="0" b="0"/>
+        </a:lnRef>
+        <a:fillRef idx="1">
+          <a:scrgbClr r="0" g="0" b="0"/>
+        </a:fillRef>
+        <a:effectRef idx="0">
+          <a:scrgbClr r="0" g="0" b="0"/>
+        </a:effectRef>
+        <a:fontRef idx="minor">
+          <a:schemeClr val="lt1"/>
+        </a:fontRef>
+      </dsp:style>
+      <dsp:txBody>
+        <a:bodyPr spcFirstLastPara="0" vert="horz" wrap="square" lIns="38100" tIns="38100" rIns="38100" bIns="38100" numCol="1" spcCol="1270" anchor="ctr" anchorCtr="0">
+          <a:noAutofit/>
+        </a:bodyPr>
+        <a:lstStyle/>
+        <a:p>
+          <a:pPr marL="0" lvl="0" indent="0" algn="ctr" defTabSz="444500">
+            <a:lnSpc>
+              <a:spcPct val="90000"/>
+            </a:lnSpc>
+            <a:spcBef>
+              <a:spcPct val="0"/>
+            </a:spcBef>
+            <a:spcAft>
+              <a:spcPct val="35000"/>
+            </a:spcAft>
+            <a:buNone/>
+          </a:pPr>
+          <a:r>
+            <a:rPr lang="de-DE" sz="1000" kern="1200" dirty="0"/>
+            <a:t>8.6: Als Bürosachbearbeiter möchte ich das Sonderkonto 000 nicht mit in der Kontoübersicht anzeigen. Stattdessen soll es auf der Kontoübersicht separat angezeigt werden, um die Geldbestände der Kunden und der Bank getrennt sehen zu können.</a:t>
+          </a:r>
+          <a:endParaRPr lang="en-US" sz="1000" kern="1200" dirty="0"/>
+        </a:p>
+      </dsp:txBody>
+      <dsp:txXfrm>
+        <a:off x="2574518" y="2128252"/>
+        <a:ext cx="2337792" cy="1402675"/>
+      </dsp:txXfrm>
+    </dsp:sp>
+    <dsp:sp modelId="{FA2DDB49-5997-4894-B0F0-224F3A5D3841}">
+      <dsp:nvSpPr>
+        <dsp:cNvPr id="0" name=""/>
+        <dsp:cNvSpPr/>
+      </dsp:nvSpPr>
+      <dsp:spPr>
+        <a:xfrm>
+          <a:off x="5146089" y="2128252"/>
+          <a:ext cx="2337792" cy="1402675"/>
+        </a:xfrm>
+        <a:prstGeom prst="rect">
+          <a:avLst/>
+        </a:prstGeom>
+        <a:solidFill>
+          <a:schemeClr val="accent1">
+            <a:hueOff val="0"/>
+            <a:satOff val="0"/>
+            <a:lumOff val="0"/>
+            <a:alphaOff val="0"/>
+          </a:schemeClr>
+        </a:solidFill>
+        <a:ln w="15875" cap="flat" cmpd="sng" algn="ctr">
+          <a:solidFill>
+            <a:schemeClr val="lt1">
+              <a:hueOff val="0"/>
+              <a:satOff val="0"/>
+              <a:lumOff val="0"/>
+              <a:alphaOff val="0"/>
+            </a:schemeClr>
+          </a:solidFill>
+          <a:prstDash val="solid"/>
+        </a:ln>
+        <a:effectLst/>
+      </dsp:spPr>
+      <dsp:style>
+        <a:lnRef idx="2">
+          <a:scrgbClr r="0" g="0" b="0"/>
+        </a:lnRef>
+        <a:fillRef idx="1">
+          <a:scrgbClr r="0" g="0" b="0"/>
+        </a:fillRef>
+        <a:effectRef idx="0">
+          <a:scrgbClr r="0" g="0" b="0"/>
+        </a:effectRef>
+        <a:fontRef idx="minor">
+          <a:schemeClr val="lt1"/>
+        </a:fontRef>
+      </dsp:style>
+      <dsp:txBody>
+        <a:bodyPr spcFirstLastPara="0" vert="horz" wrap="square" lIns="38100" tIns="38100" rIns="38100" bIns="38100" numCol="1" spcCol="1270" anchor="ctr" anchorCtr="0">
+          <a:noAutofit/>
+        </a:bodyPr>
+        <a:lstStyle/>
+        <a:p>
+          <a:pPr marL="0" lvl="0" indent="0" algn="ctr" defTabSz="444500">
+            <a:lnSpc>
+              <a:spcPct val="90000"/>
+            </a:lnSpc>
+            <a:spcBef>
+              <a:spcPct val="0"/>
+            </a:spcBef>
+            <a:spcAft>
+              <a:spcPct val="35000"/>
+            </a:spcAft>
+            <a:buNone/>
+          </a:pPr>
+          <a:r>
+            <a:rPr lang="de-DE" sz="1000" kern="1200" dirty="0"/>
+            <a:t>8.7: Als Kunde möchte ich die Anwendung in einer modernen, zeitgemäßen Aufmachung erleben, damit der Umgang mit der </a:t>
+          </a:r>
+          <a:r>
+            <a:rPr lang="de-DE" sz="1000" kern="1200" dirty="0" err="1"/>
+            <a:t>BuggyBank</a:t>
+          </a:r>
+          <a:r>
+            <a:rPr lang="de-DE" sz="1000" kern="1200" dirty="0"/>
+            <a:t> Spaß macht. Überraschen Sie mich!</a:t>
+          </a:r>
+          <a:endParaRPr lang="en-US" sz="1000" kern="1200" dirty="0"/>
+        </a:p>
+      </dsp:txBody>
+      <dsp:txXfrm>
+        <a:off x="5146089" y="2128252"/>
+        <a:ext cx="2337792" cy="1402675"/>
+      </dsp:txXfrm>
+    </dsp:sp>
+    <dsp:sp modelId="{A477DE5B-A060-41E7-9103-8E59E56504C9}">
+      <dsp:nvSpPr>
+        <dsp:cNvPr id="0" name=""/>
+        <dsp:cNvSpPr/>
+      </dsp:nvSpPr>
+      <dsp:spPr>
+        <a:xfrm>
+          <a:off x="7717661" y="2128252"/>
+          <a:ext cx="2337792" cy="1402675"/>
+        </a:xfrm>
+        <a:prstGeom prst="rect">
+          <a:avLst/>
+        </a:prstGeom>
+        <a:solidFill>
+          <a:schemeClr val="accent1">
+            <a:hueOff val="0"/>
+            <a:satOff val="0"/>
+            <a:lumOff val="0"/>
+            <a:alphaOff val="0"/>
+          </a:schemeClr>
+        </a:solidFill>
+        <a:ln w="15875" cap="flat" cmpd="sng" algn="ctr">
+          <a:solidFill>
+            <a:schemeClr val="lt1">
+              <a:hueOff val="0"/>
+              <a:satOff val="0"/>
+              <a:lumOff val="0"/>
+              <a:alphaOff val="0"/>
+            </a:schemeClr>
+          </a:solidFill>
+          <a:prstDash val="solid"/>
+        </a:ln>
+        <a:effectLst/>
+      </dsp:spPr>
+      <dsp:style>
+        <a:lnRef idx="2">
+          <a:scrgbClr r="0" g="0" b="0"/>
+        </a:lnRef>
+        <a:fillRef idx="1">
+          <a:scrgbClr r="0" g="0" b="0"/>
+        </a:fillRef>
+        <a:effectRef idx="0">
+          <a:scrgbClr r="0" g="0" b="0"/>
+        </a:effectRef>
+        <a:fontRef idx="minor">
+          <a:schemeClr val="lt1"/>
+        </a:fontRef>
+      </dsp:style>
+      <dsp:txBody>
+        <a:bodyPr spcFirstLastPara="0" vert="horz" wrap="square" lIns="38100" tIns="38100" rIns="38100" bIns="38100" numCol="1" spcCol="1270" anchor="ctr" anchorCtr="0">
+          <a:noAutofit/>
+        </a:bodyPr>
+        <a:lstStyle/>
+        <a:p>
+          <a:pPr marL="0" lvl="0" indent="0" algn="ctr" defTabSz="444500">
+            <a:lnSpc>
+              <a:spcPct val="90000"/>
+            </a:lnSpc>
+            <a:spcBef>
+              <a:spcPct val="0"/>
+            </a:spcBef>
+            <a:spcAft>
+              <a:spcPct val="35000"/>
+            </a:spcAft>
+            <a:buNone/>
+          </a:pPr>
+          <a:r>
+            <a:rPr lang="de-DE" sz="1000" kern="1200" dirty="0"/>
+            <a:t>8.6: Als Kunde möchte ich eine Bestätigung auf dem Bildschirm erhalten, wenn ich eine Zahlung anweise, um sicher zu sein, dass die Zahlung auch durchgeführt wurde.</a:t>
+          </a:r>
+          <a:endParaRPr lang="en-US" sz="1000" kern="1200" dirty="0"/>
+        </a:p>
+      </dsp:txBody>
+      <dsp:txXfrm>
+        <a:off x="7717661" y="2128252"/>
+        <a:ext cx="2337792" cy="1402675"/>
+      </dsp:txXfrm>
+    </dsp:sp>
+  </dsp:spTree>
+</dsp:drawing>
+</file>
+
 <file path=ppt/diagrams/layout1.xml><?xml version="1.0" encoding="utf-8"?>
 <dgm:layoutDef xmlns:dgm="http://schemas.openxmlformats.org/drawingml/2006/diagram" xmlns:a="http://schemas.openxmlformats.org/drawingml/2006/main" uniqueId="urn:microsoft.com/office/officeart/2005/8/layout/default">
   <dgm:title val=""/>
@@ -12639,6 +14526,153 @@
 </dgm:layoutDef>
 </file>
 
+<file path=ppt/diagrams/layout8.xml><?xml version="1.0" encoding="utf-8"?>
+<dgm:layoutDef xmlns:dgm="http://schemas.openxmlformats.org/drawingml/2006/diagram" xmlns:a="http://schemas.openxmlformats.org/drawingml/2006/main" uniqueId="urn:microsoft.com/office/officeart/2005/8/layout/default">
+  <dgm:title val=""/>
+  <dgm:desc val=""/>
+  <dgm:catLst>
+    <dgm:cat type="list" pri="400"/>
+  </dgm:catLst>
+  <dgm:sampData>
+    <dgm:dataModel>
+      <dgm:ptLst>
+        <dgm:pt modelId="0" type="doc"/>
+        <dgm:pt modelId="1">
+          <dgm:prSet phldr="1"/>
+        </dgm:pt>
+        <dgm:pt modelId="2">
+          <dgm:prSet phldr="1"/>
+        </dgm:pt>
+        <dgm:pt modelId="3">
+          <dgm:prSet phldr="1"/>
+        </dgm:pt>
+        <dgm:pt modelId="4">
+          <dgm:prSet phldr="1"/>
+        </dgm:pt>
+        <dgm:pt modelId="5">
+          <dgm:prSet phldr="1"/>
+        </dgm:pt>
+      </dgm:ptLst>
+      <dgm:cxnLst>
+        <dgm:cxn modelId="6" srcId="0" destId="1" srcOrd="0" destOrd="0"/>
+        <dgm:cxn modelId="7" srcId="0" destId="2" srcOrd="1" destOrd="0"/>
+        <dgm:cxn modelId="8" srcId="0" destId="3" srcOrd="2" destOrd="0"/>
+        <dgm:cxn modelId="9" srcId="0" destId="4" srcOrd="3" destOrd="0"/>
+        <dgm:cxn modelId="10" srcId="0" destId="5" srcOrd="4" destOrd="0"/>
+      </dgm:cxnLst>
+      <dgm:bg/>
+      <dgm:whole/>
+    </dgm:dataModel>
+  </dgm:sampData>
+  <dgm:styleData>
+    <dgm:dataModel>
+      <dgm:ptLst>
+        <dgm:pt modelId="0" type="doc"/>
+        <dgm:pt modelId="1"/>
+        <dgm:pt modelId="2"/>
+      </dgm:ptLst>
+      <dgm:cxnLst>
+        <dgm:cxn modelId="3" srcId="0" destId="1" srcOrd="0" destOrd="0"/>
+        <dgm:cxn modelId="4" srcId="0" destId="2" srcOrd="1" destOrd="0"/>
+      </dgm:cxnLst>
+      <dgm:bg/>
+      <dgm:whole/>
+    </dgm:dataModel>
+  </dgm:styleData>
+  <dgm:clrData>
+    <dgm:dataModel>
+      <dgm:ptLst>
+        <dgm:pt modelId="0" type="doc"/>
+        <dgm:pt modelId="1"/>
+        <dgm:pt modelId="2"/>
+        <dgm:pt modelId="3"/>
+        <dgm:pt modelId="4"/>
+        <dgm:pt modelId="5"/>
+        <dgm:pt modelId="6"/>
+      </dgm:ptLst>
+      <dgm:cxnLst>
+        <dgm:cxn modelId="7" srcId="0" destId="1" srcOrd="0" destOrd="0"/>
+        <dgm:cxn modelId="8" srcId="0" destId="2" srcOrd="1" destOrd="0"/>
+        <dgm:cxn modelId="9" srcId="0" destId="3" srcOrd="2" destOrd="0"/>
+        <dgm:cxn modelId="10" srcId="0" destId="4" srcOrd="3" destOrd="0"/>
+        <dgm:cxn modelId="11" srcId="0" destId="5" srcOrd="4" destOrd="0"/>
+        <dgm:cxn modelId="12" srcId="0" destId="6" srcOrd="5" destOrd="0"/>
+      </dgm:cxnLst>
+      <dgm:bg/>
+      <dgm:whole/>
+    </dgm:dataModel>
+  </dgm:clrData>
+  <dgm:layoutNode name="diagram">
+    <dgm:varLst>
+      <dgm:dir/>
+      <dgm:resizeHandles val="exact"/>
+    </dgm:varLst>
+    <dgm:choose name="Name0">
+      <dgm:if name="Name1" func="var" arg="dir" op="equ" val="norm">
+        <dgm:alg type="snake">
+          <dgm:param type="grDir" val="tL"/>
+          <dgm:param type="flowDir" val="row"/>
+          <dgm:param type="contDir" val="sameDir"/>
+          <dgm:param type="off" val="ctr"/>
+        </dgm:alg>
+      </dgm:if>
+      <dgm:else name="Name2">
+        <dgm:alg type="snake">
+          <dgm:param type="grDir" val="tR"/>
+          <dgm:param type="flowDir" val="row"/>
+          <dgm:param type="contDir" val="sameDir"/>
+          <dgm:param type="off" val="ctr"/>
+        </dgm:alg>
+      </dgm:else>
+    </dgm:choose>
+    <dgm:shape xmlns:r="http://schemas.openxmlformats.org/officeDocument/2006/relationships" r:blip="">
+      <dgm:adjLst/>
+    </dgm:shape>
+    <dgm:presOf/>
+    <dgm:constrLst>
+      <dgm:constr type="w" for="ch" forName="node" refType="w"/>
+      <dgm:constr type="h" for="ch" forName="node" refType="w" refFor="ch" refForName="node" fact="0.6"/>
+      <dgm:constr type="w" for="ch" forName="sibTrans" refType="w" refFor="ch" refForName="node" fact="0.1"/>
+      <dgm:constr type="sp" refType="w" refFor="ch" refForName="sibTrans"/>
+      <dgm:constr type="primFontSz" for="ch" forName="node" op="equ" val="65"/>
+    </dgm:constrLst>
+    <dgm:ruleLst/>
+    <dgm:forEach name="Name3" axis="ch" ptType="node">
+      <dgm:layoutNode name="node">
+        <dgm:varLst>
+          <dgm:bulletEnabled val="1"/>
+        </dgm:varLst>
+        <dgm:alg type="tx"/>
+        <dgm:shape xmlns:r="http://schemas.openxmlformats.org/officeDocument/2006/relationships" type="rect" r:blip="">
+          <dgm:adjLst/>
+        </dgm:shape>
+        <dgm:presOf axis="desOrSelf" ptType="node"/>
+        <dgm:constrLst>
+          <dgm:constr type="lMarg" refType="primFontSz" fact="0.3"/>
+          <dgm:constr type="rMarg" refType="primFontSz" fact="0.3"/>
+          <dgm:constr type="tMarg" refType="primFontSz" fact="0.3"/>
+          <dgm:constr type="bMarg" refType="primFontSz" fact="0.3"/>
+        </dgm:constrLst>
+        <dgm:ruleLst>
+          <dgm:rule type="primFontSz" val="5" fact="NaN" max="NaN"/>
+        </dgm:ruleLst>
+      </dgm:layoutNode>
+      <dgm:forEach name="Name4" axis="followSib" ptType="sibTrans" cnt="1">
+        <dgm:layoutNode name="sibTrans">
+          <dgm:alg type="sp"/>
+          <dgm:shape xmlns:r="http://schemas.openxmlformats.org/officeDocument/2006/relationships" r:blip="">
+            <dgm:adjLst/>
+          </dgm:shape>
+          <dgm:presOf/>
+          <dgm:constrLst/>
+          <dgm:ruleLst/>
+        </dgm:layoutNode>
+      </dgm:forEach>
+    </dgm:forEach>
+  </dgm:layoutNode>
+</dgm:layoutDef>
+</file>
+
 <file path=ppt/diagrams/quickStyle1.xml><?xml version="1.0" encoding="utf-8"?>
 <dgm:styleDef xmlns:dgm="http://schemas.openxmlformats.org/drawingml/2006/diagram" xmlns:a="http://schemas.openxmlformats.org/drawingml/2006/main" uniqueId="urn:microsoft.com/office/officeart/2005/8/quickstyle/simple1">
   <dgm:title val=""/>
@@ -18844,6 +20878,1040 @@
 </file>
 
 <file path=ppt/diagrams/quickStyle7.xml><?xml version="1.0" encoding="utf-8"?>
+<dgm:styleDef xmlns:dgm="http://schemas.openxmlformats.org/drawingml/2006/diagram" xmlns:a="http://schemas.openxmlformats.org/drawingml/2006/main" uniqueId="urn:microsoft.com/office/officeart/2005/8/quickstyle/simple1">
+  <dgm:title val=""/>
+  <dgm:desc val=""/>
+  <dgm:catLst>
+    <dgm:cat type="simple" pri="10100"/>
+  </dgm:catLst>
+  <dgm:scene3d>
+    <a:camera prst="orthographicFront"/>
+    <a:lightRig rig="threePt" dir="t"/>
+  </dgm:scene3d>
+  <dgm:styleLbl name="node0">
+    <dgm:scene3d>
+      <a:camera prst="orthographicFront"/>
+      <a:lightRig rig="threePt" dir="t"/>
+    </dgm:scene3d>
+    <dgm:sp3d/>
+    <dgm:txPr/>
+    <dgm:style>
+      <a:lnRef idx="2">
+        <a:scrgbClr r="0" g="0" b="0"/>
+      </a:lnRef>
+      <a:fillRef idx="1">
+        <a:scrgbClr r="0" g="0" b="0"/>
+      </a:fillRef>
+      <a:effectRef idx="0">
+        <a:scrgbClr r="0" g="0" b="0"/>
+      </a:effectRef>
+      <a:fontRef idx="minor">
+        <a:schemeClr val="lt1"/>
+      </a:fontRef>
+    </dgm:style>
+  </dgm:styleLbl>
+  <dgm:styleLbl name="lnNode1">
+    <dgm:scene3d>
+      <a:camera prst="orthographicFront"/>
+      <a:lightRig rig="threePt" dir="t"/>
+    </dgm:scene3d>
+    <dgm:sp3d/>
+    <dgm:txPr/>
+    <dgm:style>
+      <a:lnRef idx="2">
+        <a:scrgbClr r="0" g="0" b="0"/>
+      </a:lnRef>
+      <a:fillRef idx="1">
+        <a:scrgbClr r="0" g="0" b="0"/>
+      </a:fillRef>
+      <a:effectRef idx="0">
+        <a:scrgbClr r="0" g="0" b="0"/>
+      </a:effectRef>
+      <a:fontRef idx="minor">
+        <a:schemeClr val="lt1"/>
+      </a:fontRef>
+    </dgm:style>
+  </dgm:styleLbl>
+  <dgm:styleLbl name="vennNode1">
+    <dgm:scene3d>
+      <a:camera prst="orthographicFront"/>
+      <a:lightRig rig="threePt" dir="t"/>
+    </dgm:scene3d>
+    <dgm:sp3d/>
+    <dgm:txPr/>
+    <dgm:style>
+      <a:lnRef idx="2">
+        <a:scrgbClr r="0" g="0" b="0"/>
+      </a:lnRef>
+      <a:fillRef idx="1">
+        <a:scrgbClr r="0" g="0" b="0"/>
+      </a:fillRef>
+      <a:effectRef idx="0">
+        <a:scrgbClr r="0" g="0" b="0"/>
+      </a:effectRef>
+      <a:fontRef idx="minor">
+        <a:schemeClr val="tx1"/>
+      </a:fontRef>
+    </dgm:style>
+  </dgm:styleLbl>
+  <dgm:styleLbl name="alignNode1">
+    <dgm:scene3d>
+      <a:camera prst="orthographicFront"/>
+      <a:lightRig rig="threePt" dir="t"/>
+    </dgm:scene3d>
+    <dgm:sp3d/>
+    <dgm:txPr/>
+    <dgm:style>
+      <a:lnRef idx="2">
+        <a:scrgbClr r="0" g="0" b="0"/>
+      </a:lnRef>
+      <a:fillRef idx="1">
+        <a:scrgbClr r="0" g="0" b="0"/>
+      </a:fillRef>
+      <a:effectRef idx="0">
+        <a:scrgbClr r="0" g="0" b="0"/>
+      </a:effectRef>
+      <a:fontRef idx="minor">
+        <a:schemeClr val="lt1"/>
+      </a:fontRef>
+    </dgm:style>
+  </dgm:styleLbl>
+  <dgm:styleLbl name="node1">
+    <dgm:scene3d>
+      <a:camera prst="orthographicFront"/>
+      <a:lightRig rig="threePt" dir="t"/>
+    </dgm:scene3d>
+    <dgm:sp3d/>
+    <dgm:txPr/>
+    <dgm:style>
+      <a:lnRef idx="2">
+        <a:scrgbClr r="0" g="0" b="0"/>
+      </a:lnRef>
+      <a:fillRef idx="1">
+        <a:scrgbClr r="0" g="0" b="0"/>
+      </a:fillRef>
+      <a:effectRef idx="0">
+        <a:scrgbClr r="0" g="0" b="0"/>
+      </a:effectRef>
+      <a:fontRef idx="minor">
+        <a:schemeClr val="lt1"/>
+      </a:fontRef>
+    </dgm:style>
+  </dgm:styleLbl>
+  <dgm:styleLbl name="node2">
+    <dgm:scene3d>
+      <a:camera prst="orthographicFront"/>
+      <a:lightRig rig="threePt" dir="t"/>
+    </dgm:scene3d>
+    <dgm:sp3d/>
+    <dgm:txPr/>
+    <dgm:style>
+      <a:lnRef idx="2">
+        <a:scrgbClr r="0" g="0" b="0"/>
+      </a:lnRef>
+      <a:fillRef idx="1">
+        <a:scrgbClr r="0" g="0" b="0"/>
+      </a:fillRef>
+      <a:effectRef idx="0">
+        <a:scrgbClr r="0" g="0" b="0"/>
+      </a:effectRef>
+      <a:fontRef idx="minor">
+        <a:schemeClr val="lt1"/>
+      </a:fontRef>
+    </dgm:style>
+  </dgm:styleLbl>
+  <dgm:styleLbl name="node3">
+    <dgm:scene3d>
+      <a:camera prst="orthographicFront"/>
+      <a:lightRig rig="threePt" dir="t"/>
+    </dgm:scene3d>
+    <dgm:sp3d/>
+    <dgm:txPr/>
+    <dgm:style>
+      <a:lnRef idx="2">
+        <a:scrgbClr r="0" g="0" b="0"/>
+      </a:lnRef>
+      <a:fillRef idx="1">
+        <a:scrgbClr r="0" g="0" b="0"/>
+      </a:fillRef>
+      <a:effectRef idx="0">
+        <a:scrgbClr r="0" g="0" b="0"/>
+      </a:effectRef>
+      <a:fontRef idx="minor">
+        <a:schemeClr val="lt1"/>
+      </a:fontRef>
+    </dgm:style>
+  </dgm:styleLbl>
+  <dgm:styleLbl name="node4">
+    <dgm:scene3d>
+      <a:camera prst="orthographicFront"/>
+      <a:lightRig rig="threePt" dir="t"/>
+    </dgm:scene3d>
+    <dgm:sp3d/>
+    <dgm:txPr/>
+    <dgm:style>
+      <a:lnRef idx="2">
+        <a:scrgbClr r="0" g="0" b="0"/>
+      </a:lnRef>
+      <a:fillRef idx="1">
+        <a:scrgbClr r="0" g="0" b="0"/>
+      </a:fillRef>
+      <a:effectRef idx="0">
+        <a:scrgbClr r="0" g="0" b="0"/>
+      </a:effectRef>
+      <a:fontRef idx="minor">
+        <a:schemeClr val="lt1"/>
+      </a:fontRef>
+    </dgm:style>
+  </dgm:styleLbl>
+  <dgm:styleLbl name="fgImgPlace1">
+    <dgm:scene3d>
+      <a:camera prst="orthographicFront"/>
+      <a:lightRig rig="threePt" dir="t"/>
+    </dgm:scene3d>
+    <dgm:sp3d/>
+    <dgm:txPr/>
+    <dgm:style>
+      <a:lnRef idx="2">
+        <a:scrgbClr r="0" g="0" b="0"/>
+      </a:lnRef>
+      <a:fillRef idx="1">
+        <a:scrgbClr r="0" g="0" b="0"/>
+      </a:fillRef>
+      <a:effectRef idx="0">
+        <a:scrgbClr r="0" g="0" b="0"/>
+      </a:effectRef>
+      <a:fontRef idx="minor"/>
+    </dgm:style>
+  </dgm:styleLbl>
+  <dgm:styleLbl name="alignImgPlace1">
+    <dgm:scene3d>
+      <a:camera prst="orthographicFront"/>
+      <a:lightRig rig="threePt" dir="t"/>
+    </dgm:scene3d>
+    <dgm:sp3d/>
+    <dgm:txPr/>
+    <dgm:style>
+      <a:lnRef idx="2">
+        <a:scrgbClr r="0" g="0" b="0"/>
+      </a:lnRef>
+      <a:fillRef idx="1">
+        <a:scrgbClr r="0" g="0" b="0"/>
+      </a:fillRef>
+      <a:effectRef idx="0">
+        <a:scrgbClr r="0" g="0" b="0"/>
+      </a:effectRef>
+      <a:fontRef idx="minor"/>
+    </dgm:style>
+  </dgm:styleLbl>
+  <dgm:styleLbl name="bgImgPlace1">
+    <dgm:scene3d>
+      <a:camera prst="orthographicFront"/>
+      <a:lightRig rig="threePt" dir="t"/>
+    </dgm:scene3d>
+    <dgm:sp3d/>
+    <dgm:txPr/>
+    <dgm:style>
+      <a:lnRef idx="2">
+        <a:scrgbClr r="0" g="0" b="0"/>
+      </a:lnRef>
+      <a:fillRef idx="1">
+        <a:scrgbClr r="0" g="0" b="0"/>
+      </a:fillRef>
+      <a:effectRef idx="0">
+        <a:scrgbClr r="0" g="0" b="0"/>
+      </a:effectRef>
+      <a:fontRef idx="minor"/>
+    </dgm:style>
+  </dgm:styleLbl>
+  <dgm:styleLbl name="sibTrans2D1">
+    <dgm:scene3d>
+      <a:camera prst="orthographicFront"/>
+      <a:lightRig rig="threePt" dir="t"/>
+    </dgm:scene3d>
+    <dgm:sp3d/>
+    <dgm:txPr/>
+    <dgm:style>
+      <a:lnRef idx="0">
+        <a:scrgbClr r="0" g="0" b="0"/>
+      </a:lnRef>
+      <a:fillRef idx="1">
+        <a:scrgbClr r="0" g="0" b="0"/>
+      </a:fillRef>
+      <a:effectRef idx="0">
+        <a:scrgbClr r="0" g="0" b="0"/>
+      </a:effectRef>
+      <a:fontRef idx="minor">
+        <a:schemeClr val="lt1"/>
+      </a:fontRef>
+    </dgm:style>
+  </dgm:styleLbl>
+  <dgm:styleLbl name="fgSibTrans2D1">
+    <dgm:scene3d>
+      <a:camera prst="orthographicFront"/>
+      <a:lightRig rig="threePt" dir="t"/>
+    </dgm:scene3d>
+    <dgm:sp3d/>
+    <dgm:txPr/>
+    <dgm:style>
+      <a:lnRef idx="0">
+        <a:scrgbClr r="0" g="0" b="0"/>
+      </a:lnRef>
+      <a:fillRef idx="1">
+        <a:scrgbClr r="0" g="0" b="0"/>
+      </a:fillRef>
+      <a:effectRef idx="0">
+        <a:scrgbClr r="0" g="0" b="0"/>
+      </a:effectRef>
+      <a:fontRef idx="minor">
+        <a:schemeClr val="lt1"/>
+      </a:fontRef>
+    </dgm:style>
+  </dgm:styleLbl>
+  <dgm:styleLbl name="bgSibTrans2D1">
+    <dgm:scene3d>
+      <a:camera prst="orthographicFront"/>
+      <a:lightRig rig="threePt" dir="t"/>
+    </dgm:scene3d>
+    <dgm:sp3d/>
+    <dgm:txPr/>
+    <dgm:style>
+      <a:lnRef idx="0">
+        <a:scrgbClr r="0" g="0" b="0"/>
+      </a:lnRef>
+      <a:fillRef idx="1">
+        <a:scrgbClr r="0" g="0" b="0"/>
+      </a:fillRef>
+      <a:effectRef idx="0">
+        <a:scrgbClr r="0" g="0" b="0"/>
+      </a:effectRef>
+      <a:fontRef idx="minor">
+        <a:schemeClr val="lt1"/>
+      </a:fontRef>
+    </dgm:style>
+  </dgm:styleLbl>
+  <dgm:styleLbl name="sibTrans1D1">
+    <dgm:scene3d>
+      <a:camera prst="orthographicFront"/>
+      <a:lightRig rig="threePt" dir="t"/>
+    </dgm:scene3d>
+    <dgm:sp3d/>
+    <dgm:txPr/>
+    <dgm:style>
+      <a:lnRef idx="1">
+        <a:scrgbClr r="0" g="0" b="0"/>
+      </a:lnRef>
+      <a:fillRef idx="0">
+        <a:scrgbClr r="0" g="0" b="0"/>
+      </a:fillRef>
+      <a:effectRef idx="0">
+        <a:scrgbClr r="0" g="0" b="0"/>
+      </a:effectRef>
+      <a:fontRef idx="minor"/>
+    </dgm:style>
+  </dgm:styleLbl>
+  <dgm:styleLbl name="callout">
+    <dgm:scene3d>
+      <a:camera prst="orthographicFront"/>
+      <a:lightRig rig="threePt" dir="t"/>
+    </dgm:scene3d>
+    <dgm:sp3d/>
+    <dgm:txPr/>
+    <dgm:style>
+      <a:lnRef idx="2">
+        <a:scrgbClr r="0" g="0" b="0"/>
+      </a:lnRef>
+      <a:fillRef idx="1">
+        <a:scrgbClr r="0" g="0" b="0"/>
+      </a:fillRef>
+      <a:effectRef idx="0">
+        <a:scrgbClr r="0" g="0" b="0"/>
+      </a:effectRef>
+      <a:fontRef idx="minor"/>
+    </dgm:style>
+  </dgm:styleLbl>
+  <dgm:styleLbl name="asst0">
+    <dgm:scene3d>
+      <a:camera prst="orthographicFront"/>
+      <a:lightRig rig="threePt" dir="t"/>
+    </dgm:scene3d>
+    <dgm:sp3d/>
+    <dgm:txPr/>
+    <dgm:style>
+      <a:lnRef idx="2">
+        <a:scrgbClr r="0" g="0" b="0"/>
+      </a:lnRef>
+      <a:fillRef idx="1">
+        <a:scrgbClr r="0" g="0" b="0"/>
+      </a:fillRef>
+      <a:effectRef idx="0">
+        <a:scrgbClr r="0" g="0" b="0"/>
+      </a:effectRef>
+      <a:fontRef idx="minor">
+        <a:schemeClr val="lt1"/>
+      </a:fontRef>
+    </dgm:style>
+  </dgm:styleLbl>
+  <dgm:styleLbl name="asst1">
+    <dgm:scene3d>
+      <a:camera prst="orthographicFront"/>
+      <a:lightRig rig="threePt" dir="t"/>
+    </dgm:scene3d>
+    <dgm:sp3d/>
+    <dgm:txPr/>
+    <dgm:style>
+      <a:lnRef idx="2">
+        <a:scrgbClr r="0" g="0" b="0"/>
+      </a:lnRef>
+      <a:fillRef idx="1">
+        <a:scrgbClr r="0" g="0" b="0"/>
+      </a:fillRef>
+      <a:effectRef idx="0">
+        <a:scrgbClr r="0" g="0" b="0"/>
+      </a:effectRef>
+      <a:fontRef idx="minor">
+        <a:schemeClr val="lt1"/>
+      </a:fontRef>
+    </dgm:style>
+  </dgm:styleLbl>
+  <dgm:styleLbl name="asst2">
+    <dgm:scene3d>
+      <a:camera prst="orthographicFront"/>
+      <a:lightRig rig="threePt" dir="t"/>
+    </dgm:scene3d>
+    <dgm:sp3d/>
+    <dgm:txPr/>
+    <dgm:style>
+      <a:lnRef idx="2">
+        <a:scrgbClr r="0" g="0" b="0"/>
+      </a:lnRef>
+      <a:fillRef idx="1">
+        <a:scrgbClr r="0" g="0" b="0"/>
+      </a:fillRef>
+      <a:effectRef idx="0">
+        <a:scrgbClr r="0" g="0" b="0"/>
+      </a:effectRef>
+      <a:fontRef idx="minor">
+        <a:schemeClr val="lt1"/>
+      </a:fontRef>
+    </dgm:style>
+  </dgm:styleLbl>
+  <dgm:styleLbl name="asst3">
+    <dgm:scene3d>
+      <a:camera prst="orthographicFront"/>
+      <a:lightRig rig="threePt" dir="t"/>
+    </dgm:scene3d>
+    <dgm:sp3d/>
+    <dgm:txPr/>
+    <dgm:style>
+      <a:lnRef idx="2">
+        <a:scrgbClr r="0" g="0" b="0"/>
+      </a:lnRef>
+      <a:fillRef idx="1">
+        <a:scrgbClr r="0" g="0" b="0"/>
+      </a:fillRef>
+      <a:effectRef idx="0">
+        <a:scrgbClr r="0" g="0" b="0"/>
+      </a:effectRef>
+      <a:fontRef idx="minor">
+        <a:schemeClr val="lt1"/>
+      </a:fontRef>
+    </dgm:style>
+  </dgm:styleLbl>
+  <dgm:styleLbl name="asst4">
+    <dgm:scene3d>
+      <a:camera prst="orthographicFront"/>
+      <a:lightRig rig="threePt" dir="t"/>
+    </dgm:scene3d>
+    <dgm:sp3d/>
+    <dgm:txPr/>
+    <dgm:style>
+      <a:lnRef idx="2">
+        <a:scrgbClr r="0" g="0" b="0"/>
+      </a:lnRef>
+      <a:fillRef idx="1">
+        <a:scrgbClr r="0" g="0" b="0"/>
+      </a:fillRef>
+      <a:effectRef idx="0">
+        <a:scrgbClr r="0" g="0" b="0"/>
+      </a:effectRef>
+      <a:fontRef idx="minor">
+        <a:schemeClr val="lt1"/>
+      </a:fontRef>
+    </dgm:style>
+  </dgm:styleLbl>
+  <dgm:styleLbl name="parChTrans2D1">
+    <dgm:scene3d>
+      <a:camera prst="orthographicFront"/>
+      <a:lightRig rig="threePt" dir="t"/>
+    </dgm:scene3d>
+    <dgm:sp3d/>
+    <dgm:txPr/>
+    <dgm:style>
+      <a:lnRef idx="2">
+        <a:scrgbClr r="0" g="0" b="0"/>
+      </a:lnRef>
+      <a:fillRef idx="1">
+        <a:scrgbClr r="0" g="0" b="0"/>
+      </a:fillRef>
+      <a:effectRef idx="0">
+        <a:scrgbClr r="0" g="0" b="0"/>
+      </a:effectRef>
+      <a:fontRef idx="minor">
+        <a:schemeClr val="lt1"/>
+      </a:fontRef>
+    </dgm:style>
+  </dgm:styleLbl>
+  <dgm:styleLbl name="parChTrans2D2">
+    <dgm:scene3d>
+      <a:camera prst="orthographicFront"/>
+      <a:lightRig rig="threePt" dir="t"/>
+    </dgm:scene3d>
+    <dgm:sp3d/>
+    <dgm:txPr/>
+    <dgm:style>
+      <a:lnRef idx="2">
+        <a:scrgbClr r="0" g="0" b="0"/>
+      </a:lnRef>
+      <a:fillRef idx="1">
+        <a:scrgbClr r="0" g="0" b="0"/>
+      </a:fillRef>
+      <a:effectRef idx="0">
+        <a:scrgbClr r="0" g="0" b="0"/>
+      </a:effectRef>
+      <a:fontRef idx="minor">
+        <a:schemeClr val="lt1"/>
+      </a:fontRef>
+    </dgm:style>
+  </dgm:styleLbl>
+  <dgm:styleLbl name="parChTrans2D3">
+    <dgm:scene3d>
+      <a:camera prst="orthographicFront"/>
+      <a:lightRig rig="threePt" dir="t"/>
+    </dgm:scene3d>
+    <dgm:sp3d/>
+    <dgm:txPr/>
+    <dgm:style>
+      <a:lnRef idx="2">
+        <a:scrgbClr r="0" g="0" b="0"/>
+      </a:lnRef>
+      <a:fillRef idx="1">
+        <a:scrgbClr r="0" g="0" b="0"/>
+      </a:fillRef>
+      <a:effectRef idx="0">
+        <a:scrgbClr r="0" g="0" b="0"/>
+      </a:effectRef>
+      <a:fontRef idx="minor">
+        <a:schemeClr val="lt1"/>
+      </a:fontRef>
+    </dgm:style>
+  </dgm:styleLbl>
+  <dgm:styleLbl name="parChTrans2D4">
+    <dgm:scene3d>
+      <a:camera prst="orthographicFront"/>
+      <a:lightRig rig="threePt" dir="t"/>
+    </dgm:scene3d>
+    <dgm:sp3d/>
+    <dgm:txPr/>
+    <dgm:style>
+      <a:lnRef idx="2">
+        <a:scrgbClr r="0" g="0" b="0"/>
+      </a:lnRef>
+      <a:fillRef idx="1">
+        <a:scrgbClr r="0" g="0" b="0"/>
+      </a:fillRef>
+      <a:effectRef idx="0">
+        <a:scrgbClr r="0" g="0" b="0"/>
+      </a:effectRef>
+      <a:fontRef idx="minor">
+        <a:schemeClr val="lt1"/>
+      </a:fontRef>
+    </dgm:style>
+  </dgm:styleLbl>
+  <dgm:styleLbl name="parChTrans1D1">
+    <dgm:scene3d>
+      <a:camera prst="orthographicFront"/>
+      <a:lightRig rig="threePt" dir="t"/>
+    </dgm:scene3d>
+    <dgm:sp3d/>
+    <dgm:txPr/>
+    <dgm:style>
+      <a:lnRef idx="2">
+        <a:scrgbClr r="0" g="0" b="0"/>
+      </a:lnRef>
+      <a:fillRef idx="0">
+        <a:scrgbClr r="0" g="0" b="0"/>
+      </a:fillRef>
+      <a:effectRef idx="0">
+        <a:scrgbClr r="0" g="0" b="0"/>
+      </a:effectRef>
+      <a:fontRef idx="minor"/>
+    </dgm:style>
+  </dgm:styleLbl>
+  <dgm:styleLbl name="parChTrans1D2">
+    <dgm:scene3d>
+      <a:camera prst="orthographicFront"/>
+      <a:lightRig rig="threePt" dir="t"/>
+    </dgm:scene3d>
+    <dgm:sp3d/>
+    <dgm:txPr/>
+    <dgm:style>
+      <a:lnRef idx="2">
+        <a:scrgbClr r="0" g="0" b="0"/>
+      </a:lnRef>
+      <a:fillRef idx="0">
+        <a:scrgbClr r="0" g="0" b="0"/>
+      </a:fillRef>
+      <a:effectRef idx="0">
+        <a:scrgbClr r="0" g="0" b="0"/>
+      </a:effectRef>
+      <a:fontRef idx="minor"/>
+    </dgm:style>
+  </dgm:styleLbl>
+  <dgm:styleLbl name="parChTrans1D3">
+    <dgm:scene3d>
+      <a:camera prst="orthographicFront"/>
+      <a:lightRig rig="threePt" dir="t"/>
+    </dgm:scene3d>
+    <dgm:sp3d/>
+    <dgm:txPr/>
+    <dgm:style>
+      <a:lnRef idx="2">
+        <a:scrgbClr r="0" g="0" b="0"/>
+      </a:lnRef>
+      <a:fillRef idx="0">
+        <a:scrgbClr r="0" g="0" b="0"/>
+      </a:fillRef>
+      <a:effectRef idx="0">
+        <a:scrgbClr r="0" g="0" b="0"/>
+      </a:effectRef>
+      <a:fontRef idx="minor"/>
+    </dgm:style>
+  </dgm:styleLbl>
+  <dgm:styleLbl name="parChTrans1D4">
+    <dgm:scene3d>
+      <a:camera prst="orthographicFront"/>
+      <a:lightRig rig="threePt" dir="t"/>
+    </dgm:scene3d>
+    <dgm:sp3d/>
+    <dgm:txPr/>
+    <dgm:style>
+      <a:lnRef idx="2">
+        <a:scrgbClr r="0" g="0" b="0"/>
+      </a:lnRef>
+      <a:fillRef idx="0">
+        <a:scrgbClr r="0" g="0" b="0"/>
+      </a:fillRef>
+      <a:effectRef idx="0">
+        <a:scrgbClr r="0" g="0" b="0"/>
+      </a:effectRef>
+      <a:fontRef idx="minor"/>
+    </dgm:style>
+  </dgm:styleLbl>
+  <dgm:styleLbl name="fgAcc1">
+    <dgm:scene3d>
+      <a:camera prst="orthographicFront"/>
+      <a:lightRig rig="threePt" dir="t"/>
+    </dgm:scene3d>
+    <dgm:sp3d/>
+    <dgm:txPr/>
+    <dgm:style>
+      <a:lnRef idx="2">
+        <a:scrgbClr r="0" g="0" b="0"/>
+      </a:lnRef>
+      <a:fillRef idx="1">
+        <a:scrgbClr r="0" g="0" b="0"/>
+      </a:fillRef>
+      <a:effectRef idx="0">
+        <a:scrgbClr r="0" g="0" b="0"/>
+      </a:effectRef>
+      <a:fontRef idx="minor"/>
+    </dgm:style>
+  </dgm:styleLbl>
+  <dgm:styleLbl name="conFgAcc1">
+    <dgm:scene3d>
+      <a:camera prst="orthographicFront"/>
+      <a:lightRig rig="threePt" dir="t"/>
+    </dgm:scene3d>
+    <dgm:sp3d/>
+    <dgm:txPr/>
+    <dgm:style>
+      <a:lnRef idx="2">
+        <a:scrgbClr r="0" g="0" b="0"/>
+      </a:lnRef>
+      <a:fillRef idx="1">
+        <a:scrgbClr r="0" g="0" b="0"/>
+      </a:fillRef>
+      <a:effectRef idx="0">
+        <a:scrgbClr r="0" g="0" b="0"/>
+      </a:effectRef>
+      <a:fontRef idx="minor"/>
+    </dgm:style>
+  </dgm:styleLbl>
+  <dgm:styleLbl name="alignAcc1">
+    <dgm:scene3d>
+      <a:camera prst="orthographicFront"/>
+      <a:lightRig rig="threePt" dir="t"/>
+    </dgm:scene3d>
+    <dgm:sp3d/>
+    <dgm:txPr/>
+    <dgm:style>
+      <a:lnRef idx="2">
+        <a:scrgbClr r="0" g="0" b="0"/>
+      </a:lnRef>
+      <a:fillRef idx="1">
+        <a:scrgbClr r="0" g="0" b="0"/>
+      </a:fillRef>
+      <a:effectRef idx="0">
+        <a:scrgbClr r="0" g="0" b="0"/>
+      </a:effectRef>
+      <a:fontRef idx="minor"/>
+    </dgm:style>
+  </dgm:styleLbl>
+  <dgm:styleLbl name="trAlignAcc1">
+    <dgm:scene3d>
+      <a:camera prst="orthographicFront"/>
+      <a:lightRig rig="threePt" dir="t"/>
+    </dgm:scene3d>
+    <dgm:sp3d/>
+    <dgm:txPr/>
+    <dgm:style>
+      <a:lnRef idx="1">
+        <a:scrgbClr r="0" g="0" b="0"/>
+      </a:lnRef>
+      <a:fillRef idx="1">
+        <a:scrgbClr r="0" g="0" b="0"/>
+      </a:fillRef>
+      <a:effectRef idx="0">
+        <a:scrgbClr r="0" g="0" b="0"/>
+      </a:effectRef>
+      <a:fontRef idx="minor"/>
+    </dgm:style>
+  </dgm:styleLbl>
+  <dgm:styleLbl name="bgAcc1">
+    <dgm:scene3d>
+      <a:camera prst="orthographicFront"/>
+      <a:lightRig rig="threePt" dir="t"/>
+    </dgm:scene3d>
+    <dgm:sp3d/>
+    <dgm:txPr/>
+    <dgm:style>
+      <a:lnRef idx="2">
+        <a:scrgbClr r="0" g="0" b="0"/>
+      </a:lnRef>
+      <a:fillRef idx="1">
+        <a:scrgbClr r="0" g="0" b="0"/>
+      </a:fillRef>
+      <a:effectRef idx="0">
+        <a:scrgbClr r="0" g="0" b="0"/>
+      </a:effectRef>
+      <a:fontRef idx="minor"/>
+    </dgm:style>
+  </dgm:styleLbl>
+  <dgm:styleLbl name="solidFgAcc1">
+    <dgm:scene3d>
+      <a:camera prst="orthographicFront"/>
+      <a:lightRig rig="threePt" dir="t"/>
+    </dgm:scene3d>
+    <dgm:sp3d/>
+    <dgm:txPr/>
+    <dgm:style>
+      <a:lnRef idx="2">
+        <a:scrgbClr r="0" g="0" b="0"/>
+      </a:lnRef>
+      <a:fillRef idx="1">
+        <a:scrgbClr r="0" g="0" b="0"/>
+      </a:fillRef>
+      <a:effectRef idx="0">
+        <a:scrgbClr r="0" g="0" b="0"/>
+      </a:effectRef>
+      <a:fontRef idx="minor"/>
+    </dgm:style>
+  </dgm:styleLbl>
+  <dgm:styleLbl name="solidAlignAcc1">
+    <dgm:scene3d>
+      <a:camera prst="orthographicFront"/>
+      <a:lightRig rig="threePt" dir="t"/>
+    </dgm:scene3d>
+    <dgm:sp3d/>
+    <dgm:txPr/>
+    <dgm:style>
+      <a:lnRef idx="2">
+        <a:scrgbClr r="0" g="0" b="0"/>
+      </a:lnRef>
+      <a:fillRef idx="1">
+        <a:scrgbClr r="0" g="0" b="0"/>
+      </a:fillRef>
+      <a:effectRef idx="0">
+        <a:scrgbClr r="0" g="0" b="0"/>
+      </a:effectRef>
+      <a:fontRef idx="minor"/>
+    </dgm:style>
+  </dgm:styleLbl>
+  <dgm:styleLbl name="solidBgAcc1">
+    <dgm:scene3d>
+      <a:camera prst="orthographicFront"/>
+      <a:lightRig rig="threePt" dir="t"/>
+    </dgm:scene3d>
+    <dgm:sp3d/>
+    <dgm:txPr/>
+    <dgm:style>
+      <a:lnRef idx="2">
+        <a:scrgbClr r="0" g="0" b="0"/>
+      </a:lnRef>
+      <a:fillRef idx="1">
+        <a:scrgbClr r="0" g="0" b="0"/>
+      </a:fillRef>
+      <a:effectRef idx="0">
+        <a:scrgbClr r="0" g="0" b="0"/>
+      </a:effectRef>
+      <a:fontRef idx="minor"/>
+    </dgm:style>
+  </dgm:styleLbl>
+  <dgm:styleLbl name="fgAccFollowNode1">
+    <dgm:scene3d>
+      <a:camera prst="orthographicFront"/>
+      <a:lightRig rig="threePt" dir="t"/>
+    </dgm:scene3d>
+    <dgm:sp3d/>
+    <dgm:txPr/>
+    <dgm:style>
+      <a:lnRef idx="2">
+        <a:scrgbClr r="0" g="0" b="0"/>
+      </a:lnRef>
+      <a:fillRef idx="1">
+        <a:scrgbClr r="0" g="0" b="0"/>
+      </a:fillRef>
+      <a:effectRef idx="0">
+        <a:scrgbClr r="0" g="0" b="0"/>
+      </a:effectRef>
+      <a:fontRef idx="minor"/>
+    </dgm:style>
+  </dgm:styleLbl>
+  <dgm:styleLbl name="alignAccFollowNode1">
+    <dgm:scene3d>
+      <a:camera prst="orthographicFront"/>
+      <a:lightRig rig="threePt" dir="t"/>
+    </dgm:scene3d>
+    <dgm:sp3d/>
+    <dgm:txPr/>
+    <dgm:style>
+      <a:lnRef idx="2">
+        <a:scrgbClr r="0" g="0" b="0"/>
+      </a:lnRef>
+      <a:fillRef idx="1">
+        <a:scrgbClr r="0" g="0" b="0"/>
+      </a:fillRef>
+      <a:effectRef idx="0">
+        <a:scrgbClr r="0" g="0" b="0"/>
+      </a:effectRef>
+      <a:fontRef idx="minor"/>
+    </dgm:style>
+  </dgm:styleLbl>
+  <dgm:styleLbl name="bgAccFollowNode1">
+    <dgm:scene3d>
+      <a:camera prst="orthographicFront"/>
+      <a:lightRig rig="threePt" dir="t"/>
+    </dgm:scene3d>
+    <dgm:sp3d/>
+    <dgm:txPr/>
+    <dgm:style>
+      <a:lnRef idx="2">
+        <a:scrgbClr r="0" g="0" b="0"/>
+      </a:lnRef>
+      <a:fillRef idx="1">
+        <a:scrgbClr r="0" g="0" b="0"/>
+      </a:fillRef>
+      <a:effectRef idx="0">
+        <a:scrgbClr r="0" g="0" b="0"/>
+      </a:effectRef>
+      <a:fontRef idx="minor"/>
+    </dgm:style>
+  </dgm:styleLbl>
+  <dgm:styleLbl name="fgAcc0">
+    <dgm:scene3d>
+      <a:camera prst="orthographicFront"/>
+      <a:lightRig rig="threePt" dir="t"/>
+    </dgm:scene3d>
+    <dgm:sp3d/>
+    <dgm:txPr/>
+    <dgm:style>
+      <a:lnRef idx="2">
+        <a:scrgbClr r="0" g="0" b="0"/>
+      </a:lnRef>
+      <a:fillRef idx="1">
+        <a:scrgbClr r="0" g="0" b="0"/>
+      </a:fillRef>
+      <a:effectRef idx="0">
+        <a:scrgbClr r="0" g="0" b="0"/>
+      </a:effectRef>
+      <a:fontRef idx="minor"/>
+    </dgm:style>
+  </dgm:styleLbl>
+  <dgm:styleLbl name="fgAcc2">
+    <dgm:scene3d>
+      <a:camera prst="orthographicFront"/>
+      <a:lightRig rig="threePt" dir="t"/>
+    </dgm:scene3d>
+    <dgm:sp3d/>
+    <dgm:txPr/>
+    <dgm:style>
+      <a:lnRef idx="2">
+        <a:scrgbClr r="0" g="0" b="0"/>
+      </a:lnRef>
+      <a:fillRef idx="1">
+        <a:scrgbClr r="0" g="0" b="0"/>
+      </a:fillRef>
+      <a:effectRef idx="0">
+        <a:scrgbClr r="0" g="0" b="0"/>
+      </a:effectRef>
+      <a:fontRef idx="minor"/>
+    </dgm:style>
+  </dgm:styleLbl>
+  <dgm:styleLbl name="fgAcc3">
+    <dgm:scene3d>
+      <a:camera prst="orthographicFront"/>
+      <a:lightRig rig="threePt" dir="t"/>
+    </dgm:scene3d>
+    <dgm:sp3d/>
+    <dgm:txPr/>
+    <dgm:style>
+      <a:lnRef idx="2">
+        <a:scrgbClr r="0" g="0" b="0"/>
+      </a:lnRef>
+      <a:fillRef idx="1">
+        <a:scrgbClr r="0" g="0" b="0"/>
+      </a:fillRef>
+      <a:effectRef idx="0">
+        <a:scrgbClr r="0" g="0" b="0"/>
+      </a:effectRef>
+      <a:fontRef idx="minor"/>
+    </dgm:style>
+  </dgm:styleLbl>
+  <dgm:styleLbl name="fgAcc4">
+    <dgm:scene3d>
+      <a:camera prst="orthographicFront"/>
+      <a:lightRig rig="threePt" dir="t"/>
+    </dgm:scene3d>
+    <dgm:sp3d/>
+    <dgm:txPr/>
+    <dgm:style>
+      <a:lnRef idx="2">
+        <a:scrgbClr r="0" g="0" b="0"/>
+      </a:lnRef>
+      <a:fillRef idx="1">
+        <a:scrgbClr r="0" g="0" b="0"/>
+      </a:fillRef>
+      <a:effectRef idx="0">
+        <a:scrgbClr r="0" g="0" b="0"/>
+      </a:effectRef>
+      <a:fontRef idx="minor"/>
+    </dgm:style>
+  </dgm:styleLbl>
+  <dgm:styleLbl name="bgShp">
+    <dgm:scene3d>
+      <a:camera prst="orthographicFront"/>
+      <a:lightRig rig="threePt" dir="t"/>
+    </dgm:scene3d>
+    <dgm:sp3d/>
+    <dgm:txPr/>
+    <dgm:style>
+      <a:lnRef idx="0">
+        <a:scrgbClr r="0" g="0" b="0"/>
+      </a:lnRef>
+      <a:fillRef idx="1">
+        <a:scrgbClr r="0" g="0" b="0"/>
+      </a:fillRef>
+      <a:effectRef idx="0">
+        <a:scrgbClr r="0" g="0" b="0"/>
+      </a:effectRef>
+      <a:fontRef idx="minor"/>
+    </dgm:style>
+  </dgm:styleLbl>
+  <dgm:styleLbl name="dkBgShp">
+    <dgm:scene3d>
+      <a:camera prst="orthographicFront"/>
+      <a:lightRig rig="threePt" dir="t"/>
+    </dgm:scene3d>
+    <dgm:sp3d/>
+    <dgm:txPr/>
+    <dgm:style>
+      <a:lnRef idx="0">
+        <a:scrgbClr r="0" g="0" b="0"/>
+      </a:lnRef>
+      <a:fillRef idx="1">
+        <a:scrgbClr r="0" g="0" b="0"/>
+      </a:fillRef>
+      <a:effectRef idx="0">
+        <a:scrgbClr r="0" g="0" b="0"/>
+      </a:effectRef>
+      <a:fontRef idx="minor"/>
+    </dgm:style>
+  </dgm:styleLbl>
+  <dgm:styleLbl name="trBgShp">
+    <dgm:scene3d>
+      <a:camera prst="orthographicFront"/>
+      <a:lightRig rig="threePt" dir="t"/>
+    </dgm:scene3d>
+    <dgm:sp3d/>
+    <dgm:txPr/>
+    <dgm:style>
+      <a:lnRef idx="0">
+        <a:scrgbClr r="0" g="0" b="0"/>
+      </a:lnRef>
+      <a:fillRef idx="1">
+        <a:scrgbClr r="0" g="0" b="0"/>
+      </a:fillRef>
+      <a:effectRef idx="0">
+        <a:scrgbClr r="0" g="0" b="0"/>
+      </a:effectRef>
+      <a:fontRef idx="minor"/>
+    </dgm:style>
+  </dgm:styleLbl>
+  <dgm:styleLbl name="fgShp">
+    <dgm:scene3d>
+      <a:camera prst="orthographicFront"/>
+      <a:lightRig rig="threePt" dir="t"/>
+    </dgm:scene3d>
+    <dgm:sp3d/>
+    <dgm:txPr/>
+    <dgm:style>
+      <a:lnRef idx="2">
+        <a:scrgbClr r="0" g="0" b="0"/>
+      </a:lnRef>
+      <a:fillRef idx="1">
+        <a:scrgbClr r="0" g="0" b="0"/>
+      </a:fillRef>
+      <a:effectRef idx="0">
+        <a:scrgbClr r="0" g="0" b="0"/>
+      </a:effectRef>
+      <a:fontRef idx="minor"/>
+    </dgm:style>
+  </dgm:styleLbl>
+  <dgm:styleLbl name="revTx">
+    <dgm:scene3d>
+      <a:camera prst="orthographicFront"/>
+      <a:lightRig rig="threePt" dir="t"/>
+    </dgm:scene3d>
+    <dgm:sp3d/>
+    <dgm:txPr/>
+    <dgm:style>
+      <a:lnRef idx="0">
+        <a:scrgbClr r="0" g="0" b="0"/>
+      </a:lnRef>
+      <a:fillRef idx="0">
+        <a:scrgbClr r="0" g="0" b="0"/>
+      </a:fillRef>
+      <a:effectRef idx="0">
+        <a:scrgbClr r="0" g="0" b="0"/>
+      </a:effectRef>
+      <a:fontRef idx="minor"/>
+    </dgm:style>
+  </dgm:styleLbl>
+</dgm:styleDef>
+</file>
+
+<file path=ppt/diagrams/quickStyle8.xml><?xml version="1.0" encoding="utf-8"?>
 <dgm:styleDef xmlns:dgm="http://schemas.openxmlformats.org/drawingml/2006/diagram" xmlns:a="http://schemas.openxmlformats.org/drawingml/2006/main" uniqueId="urn:microsoft.com/office/officeart/2005/8/quickstyle/simple1">
   <dgm:title val=""/>
   <dgm:desc val=""/>
@@ -20673,6 +23741,90 @@
     <p:extLst>
       <p:ext uri="{BB962C8B-B14F-4D97-AF65-F5344CB8AC3E}">
         <p14:creationId xmlns:p14="http://schemas.microsoft.com/office/powerpoint/2010/main" val="639934125"/>
+      </p:ext>
+    </p:extLst>
+  </p:cSld>
+  <p:clrMapOvr>
+    <a:masterClrMapping/>
+  </p:clrMapOvr>
+</p:notes>
+</file>
+
+<file path=ppt/notesSlides/notesSlide6.xml><?xml version="1.0" encoding="utf-8"?>
+<p:notes xmlns:a="http://schemas.openxmlformats.org/drawingml/2006/main" xmlns:r="http://schemas.openxmlformats.org/officeDocument/2006/relationships" xmlns:p="http://schemas.openxmlformats.org/presentationml/2006/main">
+  <p:cSld>
+    <p:spTree>
+      <p:nvGrpSpPr>
+        <p:cNvPr id="1" name=""/>
+        <p:cNvGrpSpPr/>
+        <p:nvPr/>
+      </p:nvGrpSpPr>
+      <p:grpSpPr>
+        <a:xfrm>
+          <a:off x="0" y="0"/>
+          <a:ext cx="0" cy="0"/>
+          <a:chOff x="0" y="0"/>
+          <a:chExt cx="0" cy="0"/>
+        </a:xfrm>
+      </p:grpSpPr>
+      <p:sp>
+        <p:nvSpPr>
+          <p:cNvPr id="2" name="Folienbildplatzhalter 1"/>
+          <p:cNvSpPr>
+            <a:spLocks noGrp="1" noRot="1" noChangeAspect="1"/>
+          </p:cNvSpPr>
+          <p:nvPr>
+            <p:ph type="sldImg"/>
+          </p:nvPr>
+        </p:nvSpPr>
+        <p:spPr/>
+      </p:sp>
+      <p:sp>
+        <p:nvSpPr>
+          <p:cNvPr id="3" name="Notizenplatzhalter 2"/>
+          <p:cNvSpPr>
+            <a:spLocks noGrp="1"/>
+          </p:cNvSpPr>
+          <p:nvPr>
+            <p:ph type="body" idx="1"/>
+          </p:nvPr>
+        </p:nvSpPr>
+        <p:spPr/>
+        <p:txBody>
+          <a:bodyPr/>
+          <a:lstStyle/>
+          <a:p>
+            <a:endParaRPr lang="en-US" dirty="0"/>
+          </a:p>
+        </p:txBody>
+      </p:sp>
+      <p:sp>
+        <p:nvSpPr>
+          <p:cNvPr id="4" name="Foliennummernplatzhalter 3"/>
+          <p:cNvSpPr>
+            <a:spLocks noGrp="1"/>
+          </p:cNvSpPr>
+          <p:nvPr>
+            <p:ph type="sldNum" sz="quarter" idx="5"/>
+          </p:nvPr>
+        </p:nvSpPr>
+        <p:spPr/>
+        <p:txBody>
+          <a:bodyPr/>
+          <a:lstStyle/>
+          <a:p>
+            <a:fld id="{48844636-12E7-4AFF-A184-21179E60C766}" type="slidenum">
+              <a:rPr lang="en-US" smtClean="0"/>
+              <a:t>21</a:t>
+            </a:fld>
+            <a:endParaRPr lang="en-US"/>
+          </a:p>
+        </p:txBody>
+      </p:sp>
+    </p:spTree>
+    <p:extLst>
+      <p:ext uri="{BB962C8B-B14F-4D97-AF65-F5344CB8AC3E}">
+        <p14:creationId xmlns:p14="http://schemas.microsoft.com/office/powerpoint/2010/main" val="2653745131"/>
       </p:ext>
     </p:extLst>
   </p:cSld>
@@ -27313,6 +30465,240 @@
           <p:cNvPr id="2" name="Titel 1">
             <a:extLst>
               <a:ext uri="{FF2B5EF4-FFF2-40B4-BE49-F238E27FC236}">
+                <a16:creationId xmlns:a16="http://schemas.microsoft.com/office/drawing/2014/main" id="{5FD50107-9F42-4FD4-BA1C-76FA1DEBA51F}"/>
+              </a:ext>
+            </a:extLst>
+          </p:cNvPr>
+          <p:cNvSpPr>
+            <a:spLocks noGrp="1"/>
+          </p:cNvSpPr>
+          <p:nvPr>
+            <p:ph type="title"/>
+          </p:nvPr>
+        </p:nvSpPr>
+        <p:spPr/>
+        <p:txBody>
+          <a:bodyPr/>
+          <a:lstStyle/>
+          <a:p>
+            <a:r>
+              <a:rPr lang="de-DE" dirty="0"/>
+              <a:t>Level 8 – Story</a:t>
+            </a:r>
+            <a:r>
+              <a:rPr lang="de-DE" baseline="0" dirty="0"/>
+              <a:t> Time</a:t>
+            </a:r>
+            <a:endParaRPr lang="en-US" dirty="0"/>
+          </a:p>
+        </p:txBody>
+      </p:sp>
+      <p:sp>
+        <p:nvSpPr>
+          <p:cNvPr id="3" name="Inhaltsplatzhalter 2">
+            <a:extLst>
+              <a:ext uri="{FF2B5EF4-FFF2-40B4-BE49-F238E27FC236}">
+                <a16:creationId xmlns:a16="http://schemas.microsoft.com/office/drawing/2014/main" id="{01DC038D-0CE0-4FF4-98B1-FA922076CCE6}"/>
+              </a:ext>
+            </a:extLst>
+          </p:cNvPr>
+          <p:cNvSpPr>
+            <a:spLocks noGrp="1"/>
+          </p:cNvSpPr>
+          <p:nvPr>
+            <p:ph idx="1"/>
+          </p:nvPr>
+        </p:nvSpPr>
+        <p:spPr/>
+        <p:txBody>
+          <a:bodyPr/>
+          <a:lstStyle/>
+          <a:p>
+            <a:pPr marL="201168" lvl="1" indent="0">
+              <a:buNone/>
+            </a:pPr>
+            <a:r>
+              <a:rPr lang="de-DE" dirty="0"/>
+              <a:t>In</a:t>
+            </a:r>
+            <a:r>
+              <a:rPr lang="de-DE" baseline="0" dirty="0"/>
+              <a:t> den letzten Tagen und Wochen ist aus der Idee der </a:t>
+            </a:r>
+            <a:r>
+              <a:rPr lang="de-DE" baseline="0" dirty="0" err="1"/>
+              <a:t>BuggyBank</a:t>
+            </a:r>
+            <a:r>
+              <a:rPr lang="de-DE" baseline="0" dirty="0"/>
+              <a:t> AG schon eine ansehnliche</a:t>
+            </a:r>
+            <a:r>
+              <a:rPr lang="de-DE" dirty="0"/>
+              <a:t> Applikation entstanden. Der Vorstand ist von unserer Arbeit sehr angetan und möchte die Applikation nun weiterentwickeln.</a:t>
+            </a:r>
+          </a:p>
+          <a:p>
+            <a:pPr marL="201168" lvl="1" indent="0">
+              <a:buNone/>
+            </a:pPr>
+            <a:r>
+              <a:rPr lang="de-DE" dirty="0"/>
+              <a:t>Anstatt nur die Kundenbetreuer und Sachbearbeiter zu unterstützen, soll die Applikation nun zu einer vollwertigen Onlinebanking-Anwendung für die Kunden der </a:t>
+            </a:r>
+            <a:r>
+              <a:rPr lang="de-DE" dirty="0" err="1"/>
+              <a:t>BuggyBank</a:t>
+            </a:r>
+            <a:r>
+              <a:rPr lang="de-DE" dirty="0"/>
+              <a:t> AG werden. </a:t>
+            </a:r>
+          </a:p>
+          <a:p>
+            <a:pPr marL="201168" lvl="1" indent="0">
+              <a:buNone/>
+            </a:pPr>
+            <a:r>
+              <a:rPr lang="de-DE" dirty="0"/>
+              <a:t>Dazu sind in erster Linie Verbesserungen der graphischen Oberfläche notwendig, aber auch Erweiterungen an den gehaltenen Daten. Darüber hinaus müssen wir uns, wenn viele Kunden die Anwendung intuitiv und ohne Schulung nutzen können sollen, Gedanken um die Rückmeldungen bei Aktionen (ja, das hat funktioniert! Nein, es kam zu einem Fehler) machen. </a:t>
+            </a:r>
+          </a:p>
+        </p:txBody>
+      </p:sp>
+    </p:spTree>
+    <p:extLst>
+      <p:ext uri="{BB962C8B-B14F-4D97-AF65-F5344CB8AC3E}">
+        <p14:creationId xmlns:p14="http://schemas.microsoft.com/office/powerpoint/2010/main" val="3516315348"/>
+      </p:ext>
+    </p:extLst>
+  </p:cSld>
+  <p:clrMapOvr>
+    <a:masterClrMapping/>
+  </p:clrMapOvr>
+</p:sld>
+</file>
+
+<file path=ppt/slides/slide21.xml><?xml version="1.0" encoding="utf-8"?>
+<p:sld xmlns:a="http://schemas.openxmlformats.org/drawingml/2006/main" xmlns:r="http://schemas.openxmlformats.org/officeDocument/2006/relationships" xmlns:p="http://schemas.openxmlformats.org/presentationml/2006/main">
+  <p:cSld>
+    <p:spTree>
+      <p:nvGrpSpPr>
+        <p:cNvPr id="1" name=""/>
+        <p:cNvGrpSpPr/>
+        <p:nvPr/>
+      </p:nvGrpSpPr>
+      <p:grpSpPr>
+        <a:xfrm>
+          <a:off x="0" y="0"/>
+          <a:ext cx="0" cy="0"/>
+          <a:chOff x="0" y="0"/>
+          <a:chExt cx="0" cy="0"/>
+        </a:xfrm>
+      </p:grpSpPr>
+      <p:sp>
+        <p:nvSpPr>
+          <p:cNvPr id="2" name="Titel 1">
+            <a:extLst>
+              <a:ext uri="{FF2B5EF4-FFF2-40B4-BE49-F238E27FC236}">
+                <a16:creationId xmlns:a16="http://schemas.microsoft.com/office/drawing/2014/main" id="{193A6548-0E2B-479A-8D4F-16345DC3A106}"/>
+              </a:ext>
+            </a:extLst>
+          </p:cNvPr>
+          <p:cNvSpPr>
+            <a:spLocks noGrp="1"/>
+          </p:cNvSpPr>
+          <p:nvPr>
+            <p:ph type="title"/>
+          </p:nvPr>
+        </p:nvSpPr>
+        <p:spPr/>
+        <p:txBody>
+          <a:bodyPr/>
+          <a:lstStyle/>
+          <a:p>
+            <a:r>
+              <a:rPr lang="de-DE" dirty="0" err="1"/>
+              <a:t>Buggybank</a:t>
+            </a:r>
+            <a:r>
+              <a:rPr lang="de-DE" dirty="0"/>
+              <a:t> </a:t>
+            </a:r>
+            <a:r>
+              <a:rPr lang="de-DE" dirty="0" err="1"/>
+              <a:t>UseCases</a:t>
+            </a:r>
+            <a:endParaRPr lang="en-US" dirty="0"/>
+          </a:p>
+        </p:txBody>
+      </p:sp>
+      <p:graphicFrame>
+        <p:nvGraphicFramePr>
+          <p:cNvPr id="4" name="Inhaltsplatzhalter 3">
+            <a:extLst>
+              <a:ext uri="{FF2B5EF4-FFF2-40B4-BE49-F238E27FC236}">
+                <a16:creationId xmlns:a16="http://schemas.microsoft.com/office/drawing/2014/main" id="{E91691B7-5869-4846-802A-7FC2605D481F}"/>
+              </a:ext>
+            </a:extLst>
+          </p:cNvPr>
+          <p:cNvGraphicFramePr>
+            <a:graphicFrameLocks noGrp="1"/>
+          </p:cNvGraphicFramePr>
+          <p:nvPr>
+            <p:ph idx="1"/>
+            <p:extLst>
+              <p:ext uri="{D42A27DB-BD31-4B8C-83A1-F6EECF244321}">
+                <p14:modId xmlns:p14="http://schemas.microsoft.com/office/powerpoint/2010/main" val="1200010382"/>
+              </p:ext>
+            </p:extLst>
+          </p:nvPr>
+        </p:nvGraphicFramePr>
+        <p:xfrm>
+          <a:off x="1096963" y="1846263"/>
+          <a:ext cx="10058400" cy="4022725"/>
+        </p:xfrm>
+        <a:graphic>
+          <a:graphicData uri="http://schemas.openxmlformats.org/drawingml/2006/diagram">
+            <dgm:relIds xmlns:dgm="http://schemas.openxmlformats.org/drawingml/2006/diagram" xmlns:r="http://schemas.openxmlformats.org/officeDocument/2006/relationships" r:dm="rId3" r:lo="rId4" r:qs="rId5" r:cs="rId6"/>
+          </a:graphicData>
+        </a:graphic>
+      </p:graphicFrame>
+    </p:spTree>
+    <p:extLst>
+      <p:ext uri="{BB962C8B-B14F-4D97-AF65-F5344CB8AC3E}">
+        <p14:creationId xmlns:p14="http://schemas.microsoft.com/office/powerpoint/2010/main" val="2738433998"/>
+      </p:ext>
+    </p:extLst>
+  </p:cSld>
+  <p:clrMapOvr>
+    <a:masterClrMapping/>
+  </p:clrMapOvr>
+</p:sld>
+</file>
+
+<file path=ppt/slides/slide22.xml><?xml version="1.0" encoding="utf-8"?>
+<p:sld xmlns:a="http://schemas.openxmlformats.org/drawingml/2006/main" xmlns:r="http://schemas.openxmlformats.org/officeDocument/2006/relationships" xmlns:p="http://schemas.openxmlformats.org/presentationml/2006/main">
+  <p:cSld>
+    <p:spTree>
+      <p:nvGrpSpPr>
+        <p:cNvPr id="1" name=""/>
+        <p:cNvGrpSpPr/>
+        <p:nvPr/>
+      </p:nvGrpSpPr>
+      <p:grpSpPr>
+        <a:xfrm>
+          <a:off x="0" y="0"/>
+          <a:ext cx="0" cy="0"/>
+          <a:chOff x="0" y="0"/>
+          <a:chExt cx="0" cy="0"/>
+        </a:xfrm>
+      </p:grpSpPr>
+      <p:sp>
+        <p:nvSpPr>
+          <p:cNvPr id="2" name="Titel 1">
+            <a:extLst>
+              <a:ext uri="{FF2B5EF4-FFF2-40B4-BE49-F238E27FC236}">
                 <a16:creationId xmlns:a16="http://schemas.microsoft.com/office/drawing/2014/main" id="{2425F089-43FC-489E-9ADD-CB8D7AB88A16}"/>
               </a:ext>
             </a:extLst>
@@ -27390,7 +30776,7 @@
 </p:sld>
 </file>
 
-<file path=ppt/slides/slide21.xml><?xml version="1.0" encoding="utf-8"?>
+<file path=ppt/slides/slide23.xml><?xml version="1.0" encoding="utf-8"?>
 <p:sld xmlns:a="http://schemas.openxmlformats.org/drawingml/2006/main" xmlns:r="http://schemas.openxmlformats.org/officeDocument/2006/relationships" xmlns:p="http://schemas.openxmlformats.org/presentationml/2006/main">
   <p:cSld>
     <p:spTree>
